--- a/DWD - Javascript Games - Theorie.pptx
+++ b/DWD - Javascript Games - Theorie.pptx
@@ -5,7 +5,7 @@
     <p:sldMasterId id="2147483648" r:id="rId1"/>
   </p:sldMasterIdLst>
   <p:notesMasterIdLst>
-    <p:notesMasterId r:id="rId43"/>
+    <p:notesMasterId r:id="rId38"/>
   </p:notesMasterIdLst>
   <p:sldIdLst>
     <p:sldId id="261" r:id="rId2"/>
@@ -18,37 +18,32 @@
     <p:sldId id="292" r:id="rId9"/>
     <p:sldId id="293" r:id="rId10"/>
     <p:sldId id="295" r:id="rId11"/>
-    <p:sldId id="257" r:id="rId12"/>
-    <p:sldId id="278" r:id="rId13"/>
-    <p:sldId id="296" r:id="rId14"/>
-    <p:sldId id="274" r:id="rId15"/>
-    <p:sldId id="279" r:id="rId16"/>
-    <p:sldId id="297" r:id="rId17"/>
-    <p:sldId id="299" r:id="rId18"/>
-    <p:sldId id="300" r:id="rId19"/>
-    <p:sldId id="275" r:id="rId20"/>
-    <p:sldId id="280" r:id="rId21"/>
-    <p:sldId id="276" r:id="rId22"/>
-    <p:sldId id="281" r:id="rId23"/>
-    <p:sldId id="277" r:id="rId24"/>
-    <p:sldId id="282" r:id="rId25"/>
-    <p:sldId id="301" r:id="rId26"/>
-    <p:sldId id="302" r:id="rId27"/>
-    <p:sldId id="273" r:id="rId28"/>
-    <p:sldId id="259" r:id="rId29"/>
-    <p:sldId id="303" r:id="rId30"/>
-    <p:sldId id="284" r:id="rId31"/>
-    <p:sldId id="283" r:id="rId32"/>
-    <p:sldId id="298" r:id="rId33"/>
-    <p:sldId id="304" r:id="rId34"/>
-    <p:sldId id="305" r:id="rId35"/>
-    <p:sldId id="312" r:id="rId36"/>
-    <p:sldId id="306" r:id="rId37"/>
-    <p:sldId id="307" r:id="rId38"/>
-    <p:sldId id="308" r:id="rId39"/>
-    <p:sldId id="309" r:id="rId40"/>
-    <p:sldId id="310" r:id="rId41"/>
-    <p:sldId id="311" r:id="rId42"/>
+    <p:sldId id="314" r:id="rId12"/>
+    <p:sldId id="257" r:id="rId13"/>
+    <p:sldId id="278" r:id="rId14"/>
+    <p:sldId id="296" r:id="rId15"/>
+    <p:sldId id="274" r:id="rId16"/>
+    <p:sldId id="279" r:id="rId17"/>
+    <p:sldId id="297" r:id="rId18"/>
+    <p:sldId id="299" r:id="rId19"/>
+    <p:sldId id="300" r:id="rId20"/>
+    <p:sldId id="275" r:id="rId21"/>
+    <p:sldId id="280" r:id="rId22"/>
+    <p:sldId id="276" r:id="rId23"/>
+    <p:sldId id="281" r:id="rId24"/>
+    <p:sldId id="277" r:id="rId25"/>
+    <p:sldId id="282" r:id="rId26"/>
+    <p:sldId id="313" r:id="rId27"/>
+    <p:sldId id="301" r:id="rId28"/>
+    <p:sldId id="302" r:id="rId29"/>
+    <p:sldId id="273" r:id="rId30"/>
+    <p:sldId id="259" r:id="rId31"/>
+    <p:sldId id="303" r:id="rId32"/>
+    <p:sldId id="284" r:id="rId33"/>
+    <p:sldId id="283" r:id="rId34"/>
+    <p:sldId id="298" r:id="rId35"/>
+    <p:sldId id="304" r:id="rId36"/>
+    <p:sldId id="305" r:id="rId37"/>
   </p:sldIdLst>
   <p:sldSz cx="12192000" cy="6858000"/>
   <p:notesSz cx="6858000" cy="9144000"/>
@@ -237,7 +232,7 @@
           <a:p>
             <a:fld id="{D8EBF3A7-A7E5-42B6-9154-500A7CB5E3E8}" type="datetimeFigureOut">
               <a:rPr lang="nl-BE" smtClean="0"/>
-              <a:t>25/04/2021</a:t>
+              <a:t>26/04/2021</a:t>
             </a:fld>
             <a:endParaRPr lang="nl-BE"/>
           </a:p>
@@ -6958,7 +6953,7 @@
           <p:cNvPr id="2" name="Titel 1">
             <a:extLst>
               <a:ext uri="{FF2B5EF4-FFF2-40B4-BE49-F238E27FC236}">
-                <a16:creationId xmlns:a16="http://schemas.microsoft.com/office/drawing/2014/main" id="{C5EEAFBD-B5B8-4F85-98E4-19C38B628AD3}"/>
+                <a16:creationId xmlns:a16="http://schemas.microsoft.com/office/drawing/2014/main" id="{465F132B-C9CE-4FCE-923D-CCAFB92AB8C8}"/>
               </a:ext>
             </a:extLst>
           </p:cNvPr>
@@ -6975,50 +6970,43 @@
           <a:lstStyle/>
           <a:p>
             <a:r>
-              <a:rPr lang="nl-BE" dirty="0" err="1"/>
-              <a:t>Local</a:t>
-            </a:r>
-            <a:r>
-              <a:rPr lang="nl-BE" dirty="0"/>
-              <a:t> storage</a:t>
-            </a:r>
-          </a:p>
-        </p:txBody>
-      </p:sp>
-      <p:sp>
-        <p:nvSpPr>
-          <p:cNvPr id="3" name="Tijdelijke aanduiding voor tekst 2">
-            <a:extLst>
-              <a:ext uri="{FF2B5EF4-FFF2-40B4-BE49-F238E27FC236}">
-                <a16:creationId xmlns:a16="http://schemas.microsoft.com/office/drawing/2014/main" id="{25E6300B-AC24-4FB2-A05D-06BE75683545}"/>
-              </a:ext>
-            </a:extLst>
-          </p:cNvPr>
-          <p:cNvSpPr>
-            <a:spLocks noGrp="1"/>
-          </p:cNvSpPr>
-          <p:nvPr>
-            <p:ph type="body" idx="1"/>
-          </p:nvPr>
-        </p:nvSpPr>
-        <p:spPr/>
-        <p:txBody>
-          <a:bodyPr/>
-          <a:lstStyle/>
-          <a:p>
-            <a:r>
-              <a:rPr lang="nl-BE" dirty="0" err="1"/>
-              <a:t>Saving</a:t>
-            </a:r>
-            <a:r>
-              <a:rPr lang="nl-BE" dirty="0"/>
-              <a:t> (user)data </a:t>
-            </a:r>
-            <a:r>
-              <a:rPr lang="nl-BE" dirty="0" err="1"/>
-              <a:t>locally</a:t>
-            </a:r>
-            <a:endParaRPr lang="nl-BE" dirty="0"/>
+              <a:rPr lang="nl-BE" dirty="0"/>
+              <a:t>Wat gebruik je dan best?</a:t>
+            </a:r>
+          </a:p>
+        </p:txBody>
+      </p:sp>
+      <p:sp>
+        <p:nvSpPr>
+          <p:cNvPr id="8" name="Tijdelijke aanduiding voor inhoud 7">
+            <a:extLst>
+              <a:ext uri="{FF2B5EF4-FFF2-40B4-BE49-F238E27FC236}">
+                <a16:creationId xmlns:a16="http://schemas.microsoft.com/office/drawing/2014/main" id="{46660B48-BEE8-4738-9228-05126E64F4BB}"/>
+              </a:ext>
+            </a:extLst>
+          </p:cNvPr>
+          <p:cNvSpPr>
+            <a:spLocks noGrp="1"/>
+          </p:cNvSpPr>
+          <p:nvPr>
+            <p:ph idx="1"/>
+          </p:nvPr>
+        </p:nvSpPr>
+        <p:spPr>
+          <a:xfrm>
+            <a:off x="410178" y="1511384"/>
+            <a:ext cx="9443527" cy="3132000"/>
+          </a:xfrm>
+        </p:spPr>
+        <p:txBody>
+          <a:bodyPr/>
+          <a:lstStyle/>
+          <a:p>
+            <a:pPr lvl="1"/>
+            <a:r>
+              <a:rPr lang="nl-BE" dirty="0"/>
+              <a:t>Een game maken </a:t>
+            </a:r>
           </a:p>
         </p:txBody>
       </p:sp>
@@ -7027,7 +7015,7 @@
           <p:cNvPr id="4" name="Tijdelijke aanduiding voor voettekst 3">
             <a:extLst>
               <a:ext uri="{FF2B5EF4-FFF2-40B4-BE49-F238E27FC236}">
-                <a16:creationId xmlns:a16="http://schemas.microsoft.com/office/drawing/2014/main" id="{7926BCFD-3A9A-492A-A57B-0A991170A3B7}"/>
+                <a16:creationId xmlns:a16="http://schemas.microsoft.com/office/drawing/2014/main" id="{9A86A9FB-1B9E-4B7A-910C-235D3A566A80}"/>
               </a:ext>
             </a:extLst>
           </p:cNvPr>
@@ -7055,7 +7043,7 @@
           <p:cNvPr id="5" name="Tijdelijke aanduiding voor dianummer 4">
             <a:extLst>
               <a:ext uri="{FF2B5EF4-FFF2-40B4-BE49-F238E27FC236}">
-                <a16:creationId xmlns:a16="http://schemas.microsoft.com/office/drawing/2014/main" id="{60BD1991-93F2-4440-9BAB-7167DEBBD3C1}"/>
+                <a16:creationId xmlns:a16="http://schemas.microsoft.com/office/drawing/2014/main" id="{A64CFB49-2F18-4019-89DD-E4922E4505C1}"/>
               </a:ext>
             </a:extLst>
           </p:cNvPr>
@@ -7073,7 +7061,6 @@
           <a:p>
             <a:fld id="{FF88DA20-ED00-471C-9170-60F590CB400A}" type="slidenum">
               <a:rPr lang="nl-BE" smtClean="0"/>
-              <a:pPr/>
               <a:t>11</a:t>
             </a:fld>
             <a:endParaRPr lang="nl-BE"/>
@@ -7082,10 +7069,10 @@
       </p:sp>
       <p:sp>
         <p:nvSpPr>
-          <p:cNvPr id="6" name="Tijdelijke aanduiding voor tekst 5">
-            <a:extLst>
-              <a:ext uri="{FF2B5EF4-FFF2-40B4-BE49-F238E27FC236}">
-                <a16:creationId xmlns:a16="http://schemas.microsoft.com/office/drawing/2014/main" id="{2BC75DC7-FD2B-4961-80F5-1A77FF877DD9}"/>
+          <p:cNvPr id="3" name="Tijdelijke aanduiding voor tekst 2">
+            <a:extLst>
+              <a:ext uri="{FF2B5EF4-FFF2-40B4-BE49-F238E27FC236}">
+                <a16:creationId xmlns:a16="http://schemas.microsoft.com/office/drawing/2014/main" id="{8007CC32-F96E-4CD9-95CF-403FC6BFF49B}"/>
               </a:ext>
             </a:extLst>
           </p:cNvPr>
@@ -7101,14 +7088,62 @@
           <a:bodyPr/>
           <a:lstStyle/>
           <a:p>
-            <a:endParaRPr lang="nl-BE"/>
-          </a:p>
-        </p:txBody>
-      </p:sp>
+            <a:r>
+              <a:rPr lang="nl-BE" dirty="0"/>
+              <a:t>HTML5 &amp; Games</a:t>
+            </a:r>
+          </a:p>
+        </p:txBody>
+      </p:sp>
+      <p:pic>
+        <p:nvPicPr>
+          <p:cNvPr id="2050" name="Picture 2" descr="how to make a website with javascript">
+            <a:extLst>
+              <a:ext uri="{FF2B5EF4-FFF2-40B4-BE49-F238E27FC236}">
+                <a16:creationId xmlns:a16="http://schemas.microsoft.com/office/drawing/2014/main" id="{01B2E3BB-71D7-47F5-AAAC-FC3112C1BC8F}"/>
+              </a:ext>
+            </a:extLst>
+          </p:cNvPr>
+          <p:cNvPicPr>
+            <a:picLocks noChangeAspect="1" noChangeArrowheads="1"/>
+          </p:cNvPicPr>
+          <p:nvPr/>
+        </p:nvPicPr>
+        <p:blipFill rotWithShape="1">
+          <a:blip r:embed="rId2">
+            <a:extLst>
+              <a:ext uri="{28A0092B-C50C-407E-A947-70E740481C1C}">
+                <a14:useLocalDpi xmlns:a14="http://schemas.microsoft.com/office/drawing/2010/main" val="0"/>
+              </a:ext>
+            </a:extLst>
+          </a:blip>
+          <a:srcRect l="6680" t="24629" r="6279" b="24564"/>
+          <a:stretch/>
+        </p:blipFill>
+        <p:spPr bwMode="auto">
+          <a:xfrm>
+            <a:off x="2944536" y="3504501"/>
+            <a:ext cx="6300132" cy="2452818"/>
+          </a:xfrm>
+          <a:prstGeom prst="rect">
+            <a:avLst/>
+          </a:prstGeom>
+          <a:noFill/>
+          <a:extLst>
+            <a:ext uri="{909E8E84-426E-40DD-AFC4-6F175D3DCCD1}">
+              <a14:hiddenFill xmlns:a14="http://schemas.microsoft.com/office/drawing/2010/main">
+                <a:solidFill>
+                  <a:srgbClr val="FFFFFF"/>
+                </a:solidFill>
+              </a14:hiddenFill>
+            </a:ext>
+          </a:extLst>
+        </p:spPr>
+      </p:pic>
     </p:spTree>
     <p:extLst>
       <p:ext uri="{BB962C8B-B14F-4D97-AF65-F5344CB8AC3E}">
-        <p14:creationId xmlns:p14="http://schemas.microsoft.com/office/powerpoint/2010/main" val="1864876257"/>
+        <p14:creationId xmlns:p14="http://schemas.microsoft.com/office/powerpoint/2010/main" val="1363847085"/>
       </p:ext>
     </p:extLst>
   </p:cSld>
@@ -7140,7 +7175,7 @@
           <p:cNvPr id="2" name="Titel 1">
             <a:extLst>
               <a:ext uri="{FF2B5EF4-FFF2-40B4-BE49-F238E27FC236}">
-                <a16:creationId xmlns:a16="http://schemas.microsoft.com/office/drawing/2014/main" id="{465F132B-C9CE-4FCE-923D-CCAFB92AB8C8}"/>
+                <a16:creationId xmlns:a16="http://schemas.microsoft.com/office/drawing/2014/main" id="{C5EEAFBD-B5B8-4F85-98E4-19C38B628AD3}"/>
               </a:ext>
             </a:extLst>
           </p:cNvPr>
@@ -7157,133 +7192,50 @@
           <a:lstStyle/>
           <a:p>
             <a:r>
-              <a:rPr lang="nl-BE" dirty="0"/>
-              <a:t>Wat is het?</a:t>
-            </a:r>
-          </a:p>
-        </p:txBody>
-      </p:sp>
-      <p:sp>
-        <p:nvSpPr>
-          <p:cNvPr id="8" name="Tijdelijke aanduiding voor inhoud 7">
-            <a:extLst>
-              <a:ext uri="{FF2B5EF4-FFF2-40B4-BE49-F238E27FC236}">
-                <a16:creationId xmlns:a16="http://schemas.microsoft.com/office/drawing/2014/main" id="{46660B48-BEE8-4738-9228-05126E64F4BB}"/>
-              </a:ext>
-            </a:extLst>
-          </p:cNvPr>
-          <p:cNvSpPr>
-            <a:spLocks noGrp="1"/>
-          </p:cNvSpPr>
-          <p:nvPr>
-            <p:ph idx="1"/>
-          </p:nvPr>
-        </p:nvSpPr>
-        <p:spPr>
-          <a:xfrm>
-            <a:off x="534291" y="1501629"/>
-            <a:ext cx="10377309" cy="4622333"/>
-          </a:xfrm>
-        </p:spPr>
-        <p:txBody>
-          <a:bodyPr/>
-          <a:lstStyle/>
-          <a:p>
-            <a:r>
-              <a:rPr lang="nl-BE" dirty="0"/>
-              <a:t>Sla gegevens lokaal op in de browser - </a:t>
-            </a:r>
-            <a:r>
-              <a:rPr lang="en-US" dirty="0"/>
-              <a:t>Persistence</a:t>
-            </a:r>
-          </a:p>
-          <a:p>
-            <a:endParaRPr lang="en-US" dirty="0"/>
-          </a:p>
-          <a:p>
-            <a:pPr lvl="1"/>
-            <a:r>
-              <a:rPr lang="nl-BE" dirty="0">
-                <a:latin typeface="+mj-lt"/>
-              </a:rPr>
-              <a:t>Gegevens voor jouw site ‘permanent’ opslaan</a:t>
-            </a:r>
-          </a:p>
-          <a:p>
-            <a:pPr lvl="2"/>
-            <a:r>
-              <a:rPr lang="nl-BE" sz="2400" dirty="0">
-                <a:latin typeface="+mj-lt"/>
-              </a:rPr>
-              <a:t>Tot jij of de gebruiker ze verwijderen</a:t>
-            </a:r>
-          </a:p>
-          <a:p>
-            <a:pPr lvl="2"/>
-            <a:r>
-              <a:rPr lang="nl-BE" sz="2400" dirty="0">
-                <a:latin typeface="+mj-lt"/>
-              </a:rPr>
-              <a:t>Maximaal 5MB per domein</a:t>
-            </a:r>
-          </a:p>
-          <a:p>
-            <a:pPr lvl="2"/>
-            <a:r>
-              <a:rPr lang="nl-BE" sz="2400" dirty="0">
-                <a:latin typeface="+mj-lt"/>
-              </a:rPr>
-              <a:t>String-</a:t>
-            </a:r>
-            <a:r>
-              <a:rPr lang="nl-BE" sz="2400" dirty="0" err="1">
-                <a:latin typeface="+mj-lt"/>
-              </a:rPr>
-              <a:t>only</a:t>
-            </a:r>
-            <a:r>
-              <a:rPr lang="nl-BE" sz="2400" dirty="0">
-                <a:latin typeface="+mj-lt"/>
-              </a:rPr>
-              <a:t> (</a:t>
-            </a:r>
-            <a:r>
-              <a:rPr lang="nl-BE" sz="2400" dirty="0" err="1">
-                <a:latin typeface="+mj-lt"/>
-              </a:rPr>
-              <a:t>Key-value</a:t>
-            </a:r>
-            <a:r>
-              <a:rPr lang="nl-BE" sz="2400" dirty="0">
-                <a:latin typeface="+mj-lt"/>
-              </a:rPr>
-              <a:t>)</a:t>
-            </a:r>
-          </a:p>
-          <a:p>
-            <a:pPr lvl="1"/>
-            <a:r>
-              <a:rPr lang="nl-BE" dirty="0">
-                <a:latin typeface="+mj-lt"/>
-              </a:rPr>
-              <a:t>HTTP en HTTPS data is gescheiden</a:t>
-            </a:r>
-          </a:p>
-          <a:p>
-            <a:pPr lvl="1"/>
-            <a:r>
-              <a:rPr lang="nl-BE" dirty="0" err="1">
-                <a:latin typeface="+mj-lt"/>
-              </a:rPr>
-              <a:t>LocalStorage</a:t>
-            </a:r>
-            <a:r>
-              <a:rPr lang="nl-BE" dirty="0">
-                <a:latin typeface="+mj-lt"/>
-              </a:rPr>
-              <a:t> != cookies</a:t>
-            </a:r>
+              <a:rPr lang="nl-BE" dirty="0" err="1"/>
+              <a:t>Local</a:t>
+            </a:r>
+            <a:r>
+              <a:rPr lang="nl-BE" dirty="0"/>
+              <a:t> storage</a:t>
+            </a:r>
+          </a:p>
+        </p:txBody>
+      </p:sp>
+      <p:sp>
+        <p:nvSpPr>
+          <p:cNvPr id="3" name="Tijdelijke aanduiding voor tekst 2">
+            <a:extLst>
+              <a:ext uri="{FF2B5EF4-FFF2-40B4-BE49-F238E27FC236}">
+                <a16:creationId xmlns:a16="http://schemas.microsoft.com/office/drawing/2014/main" id="{25E6300B-AC24-4FB2-A05D-06BE75683545}"/>
+              </a:ext>
+            </a:extLst>
+          </p:cNvPr>
+          <p:cNvSpPr>
+            <a:spLocks noGrp="1"/>
+          </p:cNvSpPr>
+          <p:nvPr>
+            <p:ph type="body" idx="1"/>
+          </p:nvPr>
+        </p:nvSpPr>
+        <p:spPr/>
+        <p:txBody>
+          <a:bodyPr/>
+          <a:lstStyle/>
+          <a:p>
+            <a:r>
+              <a:rPr lang="nl-BE" dirty="0" err="1"/>
+              <a:t>Saving</a:t>
+            </a:r>
+            <a:r>
+              <a:rPr lang="nl-BE" dirty="0"/>
+              <a:t> (user)data </a:t>
+            </a:r>
+            <a:r>
+              <a:rPr lang="nl-BE" dirty="0" err="1"/>
+              <a:t>locally</a:t>
+            </a:r>
+            <a:endParaRPr lang="nl-BE" dirty="0"/>
           </a:p>
         </p:txBody>
       </p:sp>
@@ -7292,7 +7244,7 @@
           <p:cNvPr id="4" name="Tijdelijke aanduiding voor voettekst 3">
             <a:extLst>
               <a:ext uri="{FF2B5EF4-FFF2-40B4-BE49-F238E27FC236}">
-                <a16:creationId xmlns:a16="http://schemas.microsoft.com/office/drawing/2014/main" id="{9A86A9FB-1B9E-4B7A-910C-235D3A566A80}"/>
+                <a16:creationId xmlns:a16="http://schemas.microsoft.com/office/drawing/2014/main" id="{7926BCFD-3A9A-492A-A57B-0A991170A3B7}"/>
               </a:ext>
             </a:extLst>
           </p:cNvPr>
@@ -7320,7 +7272,7 @@
           <p:cNvPr id="5" name="Tijdelijke aanduiding voor dianummer 4">
             <a:extLst>
               <a:ext uri="{FF2B5EF4-FFF2-40B4-BE49-F238E27FC236}">
-                <a16:creationId xmlns:a16="http://schemas.microsoft.com/office/drawing/2014/main" id="{A64CFB49-2F18-4019-89DD-E4922E4505C1}"/>
+                <a16:creationId xmlns:a16="http://schemas.microsoft.com/office/drawing/2014/main" id="{60BD1991-93F2-4440-9BAB-7167DEBBD3C1}"/>
               </a:ext>
             </a:extLst>
           </p:cNvPr>
@@ -7338,6 +7290,7 @@
           <a:p>
             <a:fld id="{FF88DA20-ED00-471C-9170-60F590CB400A}" type="slidenum">
               <a:rPr lang="nl-BE" smtClean="0"/>
+              <a:pPr/>
               <a:t>12</a:t>
             </a:fld>
             <a:endParaRPr lang="nl-BE"/>
@@ -7346,10 +7299,10 @@
       </p:sp>
       <p:sp>
         <p:nvSpPr>
-          <p:cNvPr id="3" name="Tijdelijke aanduiding voor tekst 2">
-            <a:extLst>
-              <a:ext uri="{FF2B5EF4-FFF2-40B4-BE49-F238E27FC236}">
-                <a16:creationId xmlns:a16="http://schemas.microsoft.com/office/drawing/2014/main" id="{8007CC32-F96E-4CD9-95CF-403FC6BFF49B}"/>
+          <p:cNvPr id="6" name="Tijdelijke aanduiding voor tekst 5">
+            <a:extLst>
+              <a:ext uri="{FF2B5EF4-FFF2-40B4-BE49-F238E27FC236}">
+                <a16:creationId xmlns:a16="http://schemas.microsoft.com/office/drawing/2014/main" id="{2BC75DC7-FD2B-4961-80F5-1A77FF877DD9}"/>
               </a:ext>
             </a:extLst>
           </p:cNvPr>
@@ -7365,21 +7318,14 @@
           <a:bodyPr/>
           <a:lstStyle/>
           <a:p>
-            <a:r>
-              <a:rPr lang="nl-BE" dirty="0" err="1"/>
-              <a:t>Local</a:t>
-            </a:r>
-            <a:r>
-              <a:rPr lang="nl-BE" dirty="0"/>
-              <a:t> storage</a:t>
-            </a:r>
+            <a:endParaRPr lang="nl-BE"/>
           </a:p>
         </p:txBody>
       </p:sp>
     </p:spTree>
     <p:extLst>
       <p:ext uri="{BB962C8B-B14F-4D97-AF65-F5344CB8AC3E}">
-        <p14:creationId xmlns:p14="http://schemas.microsoft.com/office/powerpoint/2010/main" val="2383916787"/>
+        <p14:creationId xmlns:p14="http://schemas.microsoft.com/office/powerpoint/2010/main" val="1864876257"/>
       </p:ext>
     </p:extLst>
   </p:cSld>
@@ -7429,7 +7375,7 @@
           <a:p>
             <a:r>
               <a:rPr lang="nl-BE" dirty="0"/>
-              <a:t>Hoe gebruik je het?</a:t>
+              <a:t>Wat is het?</a:t>
             </a:r>
           </a:p>
         </p:txBody>
@@ -7452,132 +7398,133 @@
         </p:nvSpPr>
         <p:spPr>
           <a:xfrm>
-            <a:off x="534291" y="1908000"/>
-            <a:ext cx="10377309" cy="3132000"/>
+            <a:off x="534291" y="1501629"/>
+            <a:ext cx="10377309" cy="4622333"/>
           </a:xfrm>
         </p:spPr>
         <p:txBody>
           <a:bodyPr/>
           <a:lstStyle/>
           <a:p>
+            <a:r>
+              <a:rPr lang="nl-BE" dirty="0"/>
+              <a:t>Sla gegevens lokaal op in de browser - </a:t>
+            </a:r>
+            <a:r>
+              <a:rPr lang="en-US" dirty="0"/>
+              <a:t>Persistence</a:t>
+            </a:r>
+          </a:p>
+          <a:p>
             <a:endParaRPr lang="en-US" dirty="0"/>
           </a:p>
           <a:p>
-            <a:pPr marL="180000" lvl="1" indent="0">
-              <a:buNone/>
-            </a:pPr>
-            <a:r>
-              <a:rPr lang="nl-BE" dirty="0" err="1">
-                <a:latin typeface="Consolas" panose="020B0609020204030204" pitchFamily="49" charset="0"/>
+            <a:pPr lvl="1"/>
+            <a:r>
+              <a:rPr lang="nl-BE" dirty="0">
+                <a:latin typeface="+mj-lt"/>
               </a:rPr>
-              <a:t>localStorage.setItem</a:t>
-            </a:r>
-            <a:r>
-              <a:rPr lang="nl-BE" dirty="0">
-                <a:latin typeface="Consolas" panose="020B0609020204030204" pitchFamily="49" charset="0"/>
+              <a:t>Gegevens voor jouw site ‘permanent’ opslaan</a:t>
+            </a:r>
+          </a:p>
+          <a:p>
+            <a:pPr lvl="2"/>
+            <a:r>
+              <a:rPr lang="nl-BE" sz="2400" dirty="0">
+                <a:latin typeface="+mj-lt"/>
               </a:rPr>
-              <a:t>("</a:t>
-            </a:r>
-            <a:r>
-              <a:rPr lang="nl-BE" dirty="0" err="1">
-                <a:solidFill>
-                  <a:srgbClr val="C00000"/>
-                </a:solidFill>
-                <a:latin typeface="Consolas" panose="020B0609020204030204" pitchFamily="49" charset="0"/>
+              <a:t>Tot jij of de gebruiker ze verwijderen</a:t>
+            </a:r>
+          </a:p>
+          <a:p>
+            <a:pPr lvl="2"/>
+            <a:r>
+              <a:rPr lang="nl-BE" sz="2400" dirty="0">
+                <a:latin typeface="+mj-lt"/>
               </a:rPr>
-              <a:t>todoData</a:t>
-            </a:r>
-            <a:r>
-              <a:rPr lang="nl-BE" dirty="0">
-                <a:latin typeface="Consolas" panose="020B0609020204030204" pitchFamily="49" charset="0"/>
+              <a:t>Maximaal 5MB per domein</a:t>
+            </a:r>
+          </a:p>
+          <a:p>
+            <a:pPr lvl="2"/>
+            <a:r>
+              <a:rPr lang="nl-BE" sz="2400" dirty="0">
+                <a:latin typeface="+mj-lt"/>
               </a:rPr>
-              <a:t>", </a:t>
-            </a:r>
-            <a:r>
-              <a:rPr lang="nl-BE" dirty="0" err="1">
-                <a:solidFill>
-                  <a:srgbClr val="0070C0"/>
-                </a:solidFill>
-                <a:latin typeface="Consolas" panose="020B0609020204030204" pitchFamily="49" charset="0"/>
+              <a:t>String-</a:t>
+            </a:r>
+            <a:r>
+              <a:rPr lang="nl-BE" sz="2400" dirty="0" err="1">
+                <a:latin typeface="+mj-lt"/>
               </a:rPr>
-              <a:t>todoItems</a:t>
-            </a:r>
-            <a:r>
-              <a:rPr lang="nl-BE" dirty="0">
-                <a:latin typeface="Consolas" panose="020B0609020204030204" pitchFamily="49" charset="0"/>
+              <a:t>only</a:t>
+            </a:r>
+            <a:r>
+              <a:rPr lang="nl-BE" sz="2400" dirty="0">
+                <a:latin typeface="+mj-lt"/>
+              </a:rPr>
+              <a:t> (</a:t>
+            </a:r>
+            <a:r>
+              <a:rPr lang="nl-BE" sz="2400" dirty="0" err="1">
+                <a:latin typeface="+mj-lt"/>
+              </a:rPr>
+              <a:t>Key-value</a:t>
+            </a:r>
+            <a:r>
+              <a:rPr lang="nl-BE" sz="2400" dirty="0">
+                <a:latin typeface="+mj-lt"/>
               </a:rPr>
               <a:t>)</a:t>
             </a:r>
           </a:p>
           <a:p>
-            <a:pPr marL="180000" lvl="1" indent="0">
-              <a:buNone/>
-            </a:pPr>
+            <a:pPr lvl="3"/>
+            <a:r>
+              <a:rPr lang="nl-BE" sz="2400" dirty="0" err="1">
+                <a:latin typeface="+mj-lt"/>
+              </a:rPr>
+              <a:t>JSON.parse</a:t>
+            </a:r>
+            <a:r>
+              <a:rPr lang="nl-BE" sz="2400" dirty="0">
+                <a:latin typeface="+mj-lt"/>
+              </a:rPr>
+              <a:t> &amp; </a:t>
+            </a:r>
+            <a:r>
+              <a:rPr lang="nl-BE" sz="2400" dirty="0" err="1">
+                <a:latin typeface="+mj-lt"/>
+              </a:rPr>
+              <a:t>JSON.stringify</a:t>
+            </a:r>
+            <a:endParaRPr lang="nl-BE" sz="2400" dirty="0">
+              <a:latin typeface="+mj-lt"/>
+            </a:endParaRPr>
+          </a:p>
+          <a:p>
+            <a:pPr lvl="1"/>
+            <a:r>
+              <a:rPr lang="nl-BE" dirty="0">
+                <a:latin typeface="+mj-lt"/>
+              </a:rPr>
+              <a:t>HTTP en HTTPS data is gescheiden</a:t>
+            </a:r>
+          </a:p>
+          <a:p>
+            <a:pPr lvl="1"/>
             <a:r>
               <a:rPr lang="nl-BE" dirty="0" err="1">
-                <a:latin typeface="Consolas" panose="020B0609020204030204" pitchFamily="49" charset="0"/>
+                <a:latin typeface="+mj-lt"/>
               </a:rPr>
-              <a:t>localStorage.getItem</a:t>
+              <a:t>LocalStorage</a:t>
             </a:r>
             <a:r>
               <a:rPr lang="nl-BE" dirty="0">
-                <a:latin typeface="Consolas" panose="020B0609020204030204" pitchFamily="49" charset="0"/>
+                <a:latin typeface="+mj-lt"/>
               </a:rPr>
-              <a:t>("</a:t>
-            </a:r>
-            <a:r>
-              <a:rPr lang="nl-BE" dirty="0" err="1">
-                <a:solidFill>
-                  <a:srgbClr val="B81515"/>
-                </a:solidFill>
-                <a:latin typeface="Consolas" panose="020B0609020204030204" pitchFamily="49" charset="0"/>
-              </a:rPr>
-              <a:t>todoData</a:t>
-            </a:r>
-            <a:r>
-              <a:rPr lang="nl-BE" dirty="0">
-                <a:latin typeface="Consolas" panose="020B0609020204030204" pitchFamily="49" charset="0"/>
-              </a:rPr>
-              <a:t>")</a:t>
-            </a:r>
-          </a:p>
-          <a:p>
-            <a:pPr marL="180000" lvl="1" indent="0">
-              <a:buNone/>
-            </a:pPr>
-            <a:r>
-              <a:rPr lang="nl-BE" dirty="0" err="1">
-                <a:latin typeface="Consolas" panose="020B0609020204030204" pitchFamily="49" charset="0"/>
-              </a:rPr>
-              <a:t>localStorage.removeItem</a:t>
-            </a:r>
-            <a:r>
-              <a:rPr lang="nl-BE" dirty="0">
-                <a:latin typeface="Consolas" panose="020B0609020204030204" pitchFamily="49" charset="0"/>
-              </a:rPr>
-              <a:t>("</a:t>
-            </a:r>
-            <a:r>
-              <a:rPr lang="nl-BE" dirty="0" err="1">
-                <a:solidFill>
-                  <a:srgbClr val="B81515"/>
-                </a:solidFill>
-                <a:latin typeface="Consolas" panose="020B0609020204030204" pitchFamily="49" charset="0"/>
-              </a:rPr>
-              <a:t>todoData</a:t>
-            </a:r>
-            <a:r>
-              <a:rPr lang="nl-BE" dirty="0">
-                <a:latin typeface="Consolas" panose="020B0609020204030204" pitchFamily="49" charset="0"/>
-              </a:rPr>
-              <a:t>")</a:t>
-            </a:r>
-          </a:p>
-          <a:p>
-            <a:pPr lvl="1"/>
-            <a:endParaRPr lang="nl-BE" dirty="0">
-              <a:latin typeface="Consolas" panose="020B0609020204030204" pitchFamily="49" charset="0"/>
-            </a:endParaRPr>
+              <a:t> != cookies</a:t>
+            </a:r>
           </a:p>
         </p:txBody>
       </p:sp>
@@ -7673,7 +7620,7 @@
     </p:spTree>
     <p:extLst>
       <p:ext uri="{BB962C8B-B14F-4D97-AF65-F5344CB8AC3E}">
-        <p14:creationId xmlns:p14="http://schemas.microsoft.com/office/powerpoint/2010/main" val="3829379815"/>
+        <p14:creationId xmlns:p14="http://schemas.microsoft.com/office/powerpoint/2010/main" val="2383916787"/>
       </p:ext>
     </p:extLst>
   </p:cSld>
@@ -7705,7 +7652,7 @@
           <p:cNvPr id="2" name="Titel 1">
             <a:extLst>
               <a:ext uri="{FF2B5EF4-FFF2-40B4-BE49-F238E27FC236}">
-                <a16:creationId xmlns:a16="http://schemas.microsoft.com/office/drawing/2014/main" id="{C5EEAFBD-B5B8-4F85-98E4-19C38B628AD3}"/>
+                <a16:creationId xmlns:a16="http://schemas.microsoft.com/office/drawing/2014/main" id="{465F132B-C9CE-4FCE-923D-CCAFB92AB8C8}"/>
               </a:ext>
             </a:extLst>
           </p:cNvPr>
@@ -7722,53 +7669,156 @@
           <a:lstStyle/>
           <a:p>
             <a:r>
-              <a:rPr lang="nl-BE" dirty="0" err="1"/>
-              <a:t>Variable</a:t>
-            </a:r>
-            <a:r>
-              <a:rPr lang="nl-BE" dirty="0"/>
-              <a:t> fonts</a:t>
-            </a:r>
-          </a:p>
-        </p:txBody>
-      </p:sp>
-      <p:sp>
-        <p:nvSpPr>
-          <p:cNvPr id="3" name="Tijdelijke aanduiding voor tekst 2">
-            <a:extLst>
-              <a:ext uri="{FF2B5EF4-FFF2-40B4-BE49-F238E27FC236}">
-                <a16:creationId xmlns:a16="http://schemas.microsoft.com/office/drawing/2014/main" id="{25E6300B-AC24-4FB2-A05D-06BE75683545}"/>
-              </a:ext>
-            </a:extLst>
-          </p:cNvPr>
-          <p:cNvSpPr>
-            <a:spLocks noGrp="1"/>
-          </p:cNvSpPr>
-          <p:nvPr>
-            <p:ph type="body" idx="1"/>
-          </p:nvPr>
-        </p:nvSpPr>
-        <p:spPr/>
-        <p:txBody>
-          <a:bodyPr/>
-          <a:lstStyle/>
-          <a:p>
-            <a:r>
-              <a:rPr lang="nl-BE" dirty="0" err="1"/>
-              <a:t>Better</a:t>
-            </a:r>
-            <a:r>
-              <a:rPr lang="nl-BE" dirty="0"/>
-              <a:t> </a:t>
-            </a:r>
-            <a:r>
-              <a:rPr lang="nl-BE" dirty="0" err="1"/>
-              <a:t>than</a:t>
-            </a:r>
-            <a:r>
-              <a:rPr lang="nl-BE" dirty="0"/>
-              <a:t> ever</a:t>
-            </a:r>
+              <a:rPr lang="nl-BE" dirty="0"/>
+              <a:t>Hoe gebruik je het?</a:t>
+            </a:r>
+          </a:p>
+        </p:txBody>
+      </p:sp>
+      <p:sp>
+        <p:nvSpPr>
+          <p:cNvPr id="8" name="Tijdelijke aanduiding voor inhoud 7">
+            <a:extLst>
+              <a:ext uri="{FF2B5EF4-FFF2-40B4-BE49-F238E27FC236}">
+                <a16:creationId xmlns:a16="http://schemas.microsoft.com/office/drawing/2014/main" id="{46660B48-BEE8-4738-9228-05126E64F4BB}"/>
+              </a:ext>
+            </a:extLst>
+          </p:cNvPr>
+          <p:cNvSpPr>
+            <a:spLocks noGrp="1"/>
+          </p:cNvSpPr>
+          <p:nvPr>
+            <p:ph idx="1"/>
+          </p:nvPr>
+        </p:nvSpPr>
+        <p:spPr>
+          <a:xfrm>
+            <a:off x="534291" y="1908000"/>
+            <a:ext cx="10377309" cy="3132000"/>
+          </a:xfrm>
+        </p:spPr>
+        <p:txBody>
+          <a:bodyPr/>
+          <a:lstStyle/>
+          <a:p>
+            <a:endParaRPr lang="en-US" dirty="0"/>
+          </a:p>
+          <a:p>
+            <a:pPr marL="180000" lvl="1" indent="0">
+              <a:buNone/>
+            </a:pPr>
+            <a:r>
+              <a:rPr lang="nl-BE" dirty="0" err="1">
+                <a:latin typeface="Consolas" panose="020B0609020204030204" pitchFamily="49" charset="0"/>
+              </a:rPr>
+              <a:t>localStorage.setItem</a:t>
+            </a:r>
+            <a:r>
+              <a:rPr lang="nl-BE" dirty="0">
+                <a:latin typeface="Consolas" panose="020B0609020204030204" pitchFamily="49" charset="0"/>
+              </a:rPr>
+              <a:t>("</a:t>
+            </a:r>
+            <a:r>
+              <a:rPr lang="nl-BE" dirty="0" err="1">
+                <a:solidFill>
+                  <a:srgbClr val="C00000"/>
+                </a:solidFill>
+                <a:latin typeface="Consolas" panose="020B0609020204030204" pitchFamily="49" charset="0"/>
+              </a:rPr>
+              <a:t>todoData</a:t>
+            </a:r>
+            <a:r>
+              <a:rPr lang="nl-BE" dirty="0">
+                <a:latin typeface="Consolas" panose="020B0609020204030204" pitchFamily="49" charset="0"/>
+              </a:rPr>
+              <a:t>", </a:t>
+            </a:r>
+            <a:r>
+              <a:rPr lang="nl-BE" dirty="0" err="1">
+                <a:solidFill>
+                  <a:srgbClr val="0070C0"/>
+                </a:solidFill>
+                <a:latin typeface="Consolas" panose="020B0609020204030204" pitchFamily="49" charset="0"/>
+              </a:rPr>
+              <a:t>todoItems</a:t>
+            </a:r>
+            <a:r>
+              <a:rPr lang="nl-BE" dirty="0">
+                <a:latin typeface="Consolas" panose="020B0609020204030204" pitchFamily="49" charset="0"/>
+              </a:rPr>
+              <a:t>)</a:t>
+            </a:r>
+          </a:p>
+          <a:p>
+            <a:pPr marL="180000" lvl="1" indent="0">
+              <a:buNone/>
+            </a:pPr>
+            <a:r>
+              <a:rPr lang="nl-BE" dirty="0" err="1">
+                <a:latin typeface="Consolas" panose="020B0609020204030204" pitchFamily="49" charset="0"/>
+              </a:rPr>
+              <a:t>localStorage.getItem</a:t>
+            </a:r>
+            <a:r>
+              <a:rPr lang="nl-BE" dirty="0">
+                <a:latin typeface="Consolas" panose="020B0609020204030204" pitchFamily="49" charset="0"/>
+              </a:rPr>
+              <a:t>("</a:t>
+            </a:r>
+            <a:r>
+              <a:rPr lang="nl-BE" dirty="0" err="1">
+                <a:solidFill>
+                  <a:srgbClr val="B81515"/>
+                </a:solidFill>
+                <a:latin typeface="Consolas" panose="020B0609020204030204" pitchFamily="49" charset="0"/>
+              </a:rPr>
+              <a:t>todoData</a:t>
+            </a:r>
+            <a:r>
+              <a:rPr lang="nl-BE" dirty="0">
+                <a:latin typeface="Consolas" panose="020B0609020204030204" pitchFamily="49" charset="0"/>
+              </a:rPr>
+              <a:t>")</a:t>
+            </a:r>
+          </a:p>
+          <a:p>
+            <a:pPr marL="180000" lvl="1" indent="0">
+              <a:buNone/>
+            </a:pPr>
+            <a:r>
+              <a:rPr lang="nl-BE" dirty="0" err="1">
+                <a:latin typeface="Consolas" panose="020B0609020204030204" pitchFamily="49" charset="0"/>
+              </a:rPr>
+              <a:t>localStorage.removeItem</a:t>
+            </a:r>
+            <a:r>
+              <a:rPr lang="nl-BE" dirty="0">
+                <a:latin typeface="Consolas" panose="020B0609020204030204" pitchFamily="49" charset="0"/>
+              </a:rPr>
+              <a:t>("</a:t>
+            </a:r>
+            <a:r>
+              <a:rPr lang="nl-BE" dirty="0" err="1">
+                <a:solidFill>
+                  <a:srgbClr val="B81515"/>
+                </a:solidFill>
+                <a:latin typeface="Consolas" panose="020B0609020204030204" pitchFamily="49" charset="0"/>
+              </a:rPr>
+              <a:t>todoData</a:t>
+            </a:r>
+            <a:r>
+              <a:rPr lang="nl-BE" dirty="0">
+                <a:latin typeface="Consolas" panose="020B0609020204030204" pitchFamily="49" charset="0"/>
+              </a:rPr>
+              <a:t>")</a:t>
+            </a:r>
+          </a:p>
+          <a:p>
+            <a:pPr lvl="1"/>
+            <a:endParaRPr lang="nl-BE" dirty="0">
+              <a:latin typeface="Consolas" panose="020B0609020204030204" pitchFamily="49" charset="0"/>
+            </a:endParaRPr>
           </a:p>
         </p:txBody>
       </p:sp>
@@ -7777,7 +7827,7 @@
           <p:cNvPr id="4" name="Tijdelijke aanduiding voor voettekst 3">
             <a:extLst>
               <a:ext uri="{FF2B5EF4-FFF2-40B4-BE49-F238E27FC236}">
-                <a16:creationId xmlns:a16="http://schemas.microsoft.com/office/drawing/2014/main" id="{7926BCFD-3A9A-492A-A57B-0A991170A3B7}"/>
+                <a16:creationId xmlns:a16="http://schemas.microsoft.com/office/drawing/2014/main" id="{9A86A9FB-1B9E-4B7A-910C-235D3A566A80}"/>
               </a:ext>
             </a:extLst>
           </p:cNvPr>
@@ -7805,7 +7855,7 @@
           <p:cNvPr id="5" name="Tijdelijke aanduiding voor dianummer 4">
             <a:extLst>
               <a:ext uri="{FF2B5EF4-FFF2-40B4-BE49-F238E27FC236}">
-                <a16:creationId xmlns:a16="http://schemas.microsoft.com/office/drawing/2014/main" id="{60BD1991-93F2-4440-9BAB-7167DEBBD3C1}"/>
+                <a16:creationId xmlns:a16="http://schemas.microsoft.com/office/drawing/2014/main" id="{A64CFB49-2F18-4019-89DD-E4922E4505C1}"/>
               </a:ext>
             </a:extLst>
           </p:cNvPr>
@@ -7823,7 +7873,6 @@
           <a:p>
             <a:fld id="{FF88DA20-ED00-471C-9170-60F590CB400A}" type="slidenum">
               <a:rPr lang="nl-BE" smtClean="0"/>
-              <a:pPr/>
               <a:t>14</a:t>
             </a:fld>
             <a:endParaRPr lang="nl-BE"/>
@@ -7832,10 +7881,10 @@
       </p:sp>
       <p:sp>
         <p:nvSpPr>
-          <p:cNvPr id="6" name="Tijdelijke aanduiding voor tekst 5">
-            <a:extLst>
-              <a:ext uri="{FF2B5EF4-FFF2-40B4-BE49-F238E27FC236}">
-                <a16:creationId xmlns:a16="http://schemas.microsoft.com/office/drawing/2014/main" id="{2BC75DC7-FD2B-4961-80F5-1A77FF877DD9}"/>
+          <p:cNvPr id="3" name="Tijdelijke aanduiding voor tekst 2">
+            <a:extLst>
+              <a:ext uri="{FF2B5EF4-FFF2-40B4-BE49-F238E27FC236}">
+                <a16:creationId xmlns:a16="http://schemas.microsoft.com/office/drawing/2014/main" id="{8007CC32-F96E-4CD9-95CF-403FC6BFF49B}"/>
               </a:ext>
             </a:extLst>
           </p:cNvPr>
@@ -7851,14 +7900,21 @@
           <a:bodyPr/>
           <a:lstStyle/>
           <a:p>
-            <a:endParaRPr lang="nl-BE"/>
+            <a:r>
+              <a:rPr lang="nl-BE" dirty="0" err="1"/>
+              <a:t>Local</a:t>
+            </a:r>
+            <a:r>
+              <a:rPr lang="nl-BE" dirty="0"/>
+              <a:t> storage</a:t>
+            </a:r>
           </a:p>
         </p:txBody>
       </p:sp>
     </p:spTree>
     <p:extLst>
       <p:ext uri="{BB962C8B-B14F-4D97-AF65-F5344CB8AC3E}">
-        <p14:creationId xmlns:p14="http://schemas.microsoft.com/office/powerpoint/2010/main" val="2991580042"/>
+        <p14:creationId xmlns:p14="http://schemas.microsoft.com/office/powerpoint/2010/main" val="3829379815"/>
       </p:ext>
     </p:extLst>
   </p:cSld>
@@ -7890,6 +7946,191 @@
           <p:cNvPr id="2" name="Titel 1">
             <a:extLst>
               <a:ext uri="{FF2B5EF4-FFF2-40B4-BE49-F238E27FC236}">
+                <a16:creationId xmlns:a16="http://schemas.microsoft.com/office/drawing/2014/main" id="{C5EEAFBD-B5B8-4F85-98E4-19C38B628AD3}"/>
+              </a:ext>
+            </a:extLst>
+          </p:cNvPr>
+          <p:cNvSpPr>
+            <a:spLocks noGrp="1"/>
+          </p:cNvSpPr>
+          <p:nvPr>
+            <p:ph type="title"/>
+          </p:nvPr>
+        </p:nvSpPr>
+        <p:spPr/>
+        <p:txBody>
+          <a:bodyPr/>
+          <a:lstStyle/>
+          <a:p>
+            <a:r>
+              <a:rPr lang="nl-BE" dirty="0" err="1"/>
+              <a:t>Variable</a:t>
+            </a:r>
+            <a:r>
+              <a:rPr lang="nl-BE" dirty="0"/>
+              <a:t> fonts</a:t>
+            </a:r>
+          </a:p>
+        </p:txBody>
+      </p:sp>
+      <p:sp>
+        <p:nvSpPr>
+          <p:cNvPr id="3" name="Tijdelijke aanduiding voor tekst 2">
+            <a:extLst>
+              <a:ext uri="{FF2B5EF4-FFF2-40B4-BE49-F238E27FC236}">
+                <a16:creationId xmlns:a16="http://schemas.microsoft.com/office/drawing/2014/main" id="{25E6300B-AC24-4FB2-A05D-06BE75683545}"/>
+              </a:ext>
+            </a:extLst>
+          </p:cNvPr>
+          <p:cNvSpPr>
+            <a:spLocks noGrp="1"/>
+          </p:cNvSpPr>
+          <p:nvPr>
+            <p:ph type="body" idx="1"/>
+          </p:nvPr>
+        </p:nvSpPr>
+        <p:spPr/>
+        <p:txBody>
+          <a:bodyPr/>
+          <a:lstStyle/>
+          <a:p>
+            <a:r>
+              <a:rPr lang="nl-BE" dirty="0" err="1"/>
+              <a:t>Better</a:t>
+            </a:r>
+            <a:r>
+              <a:rPr lang="nl-BE" dirty="0"/>
+              <a:t> </a:t>
+            </a:r>
+            <a:r>
+              <a:rPr lang="nl-BE" dirty="0" err="1"/>
+              <a:t>than</a:t>
+            </a:r>
+            <a:r>
+              <a:rPr lang="nl-BE" dirty="0"/>
+              <a:t> ever</a:t>
+            </a:r>
+          </a:p>
+        </p:txBody>
+      </p:sp>
+      <p:sp>
+        <p:nvSpPr>
+          <p:cNvPr id="4" name="Tijdelijke aanduiding voor voettekst 3">
+            <a:extLst>
+              <a:ext uri="{FF2B5EF4-FFF2-40B4-BE49-F238E27FC236}">
+                <a16:creationId xmlns:a16="http://schemas.microsoft.com/office/drawing/2014/main" id="{7926BCFD-3A9A-492A-A57B-0A991170A3B7}"/>
+              </a:ext>
+            </a:extLst>
+          </p:cNvPr>
+          <p:cNvSpPr>
+            <a:spLocks noGrp="1"/>
+          </p:cNvSpPr>
+          <p:nvPr>
+            <p:ph type="ftr" sz="quarter" idx="11"/>
+          </p:nvPr>
+        </p:nvSpPr>
+        <p:spPr/>
+        <p:txBody>
+          <a:bodyPr/>
+          <a:lstStyle/>
+          <a:p>
+            <a:r>
+              <a:rPr lang="nl-BE" dirty="0"/>
+              <a:t>DWD – HTML5 &amp; Games</a:t>
+            </a:r>
+          </a:p>
+        </p:txBody>
+      </p:sp>
+      <p:sp>
+        <p:nvSpPr>
+          <p:cNvPr id="5" name="Tijdelijke aanduiding voor dianummer 4">
+            <a:extLst>
+              <a:ext uri="{FF2B5EF4-FFF2-40B4-BE49-F238E27FC236}">
+                <a16:creationId xmlns:a16="http://schemas.microsoft.com/office/drawing/2014/main" id="{60BD1991-93F2-4440-9BAB-7167DEBBD3C1}"/>
+              </a:ext>
+            </a:extLst>
+          </p:cNvPr>
+          <p:cNvSpPr>
+            <a:spLocks noGrp="1"/>
+          </p:cNvSpPr>
+          <p:nvPr>
+            <p:ph type="sldNum" sz="quarter" idx="12"/>
+          </p:nvPr>
+        </p:nvSpPr>
+        <p:spPr/>
+        <p:txBody>
+          <a:bodyPr/>
+          <a:lstStyle/>
+          <a:p>
+            <a:fld id="{FF88DA20-ED00-471C-9170-60F590CB400A}" type="slidenum">
+              <a:rPr lang="nl-BE" smtClean="0"/>
+              <a:pPr/>
+              <a:t>15</a:t>
+            </a:fld>
+            <a:endParaRPr lang="nl-BE"/>
+          </a:p>
+        </p:txBody>
+      </p:sp>
+      <p:sp>
+        <p:nvSpPr>
+          <p:cNvPr id="6" name="Tijdelijke aanduiding voor tekst 5">
+            <a:extLst>
+              <a:ext uri="{FF2B5EF4-FFF2-40B4-BE49-F238E27FC236}">
+                <a16:creationId xmlns:a16="http://schemas.microsoft.com/office/drawing/2014/main" id="{2BC75DC7-FD2B-4961-80F5-1A77FF877DD9}"/>
+              </a:ext>
+            </a:extLst>
+          </p:cNvPr>
+          <p:cNvSpPr>
+            <a:spLocks noGrp="1"/>
+          </p:cNvSpPr>
+          <p:nvPr>
+            <p:ph type="body" sz="quarter" idx="13"/>
+          </p:nvPr>
+        </p:nvSpPr>
+        <p:spPr/>
+        <p:txBody>
+          <a:bodyPr/>
+          <a:lstStyle/>
+          <a:p>
+            <a:endParaRPr lang="nl-BE"/>
+          </a:p>
+        </p:txBody>
+      </p:sp>
+    </p:spTree>
+    <p:extLst>
+      <p:ext uri="{BB962C8B-B14F-4D97-AF65-F5344CB8AC3E}">
+        <p14:creationId xmlns:p14="http://schemas.microsoft.com/office/powerpoint/2010/main" val="2991580042"/>
+      </p:ext>
+    </p:extLst>
+  </p:cSld>
+  <p:clrMapOvr>
+    <a:masterClrMapping/>
+  </p:clrMapOvr>
+</p:sld>
+</file>
+
+<file path=ppt/slides/slide16.xml><?xml version="1.0" encoding="utf-8"?>
+<p:sld xmlns:a="http://schemas.openxmlformats.org/drawingml/2006/main" xmlns:r="http://schemas.openxmlformats.org/officeDocument/2006/relationships" xmlns:p="http://schemas.openxmlformats.org/presentationml/2006/main">
+  <p:cSld>
+    <p:spTree>
+      <p:nvGrpSpPr>
+        <p:cNvPr id="1" name=""/>
+        <p:cNvGrpSpPr/>
+        <p:nvPr/>
+      </p:nvGrpSpPr>
+      <p:grpSpPr>
+        <a:xfrm>
+          <a:off x="0" y="0"/>
+          <a:ext cx="0" cy="0"/>
+          <a:chOff x="0" y="0"/>
+          <a:chExt cx="0" cy="0"/>
+        </a:xfrm>
+      </p:grpSpPr>
+      <p:sp>
+        <p:nvSpPr>
+          <p:cNvPr id="2" name="Titel 1">
+            <a:extLst>
+              <a:ext uri="{FF2B5EF4-FFF2-40B4-BE49-F238E27FC236}">
                 <a16:creationId xmlns:a16="http://schemas.microsoft.com/office/drawing/2014/main" id="{465F132B-C9CE-4FCE-923D-CCAFB92AB8C8}"/>
               </a:ext>
             </a:extLst>
@@ -8036,7 +8277,7 @@
           <a:p>
             <a:fld id="{FF88DA20-ED00-471C-9170-60F590CB400A}" type="slidenum">
               <a:rPr lang="nl-BE" smtClean="0"/>
-              <a:t>15</a:t>
+              <a:t>16</a:t>
             </a:fld>
             <a:endParaRPr lang="nl-BE"/>
           </a:p>
@@ -8117,7 +8358,7 @@
 </p:sld>
 </file>
 
-<file path=ppt/slides/slide16.xml><?xml version="1.0" encoding="utf-8"?>
+<file path=ppt/slides/slide17.xml><?xml version="1.0" encoding="utf-8"?>
 <p:sld xmlns:a="http://schemas.openxmlformats.org/drawingml/2006/main" xmlns:r="http://schemas.openxmlformats.org/officeDocument/2006/relationships" xmlns:p="http://schemas.openxmlformats.org/presentationml/2006/main">
   <p:cSld>
     <p:spTree>
@@ -8308,7 +8549,7 @@
           <a:p>
             <a:fld id="{FF88DA20-ED00-471C-9170-60F590CB400A}" type="slidenum">
               <a:rPr lang="nl-BE" smtClean="0"/>
-              <a:t>16</a:t>
+              <a:t>17</a:t>
             </a:fld>
             <a:endParaRPr lang="nl-BE"/>
           </a:p>
@@ -8389,7 +8630,7 @@
 </p:sld>
 </file>
 
-<file path=ppt/slides/slide17.xml><?xml version="1.0" encoding="utf-8"?>
+<file path=ppt/slides/slide18.xml><?xml version="1.0" encoding="utf-8"?>
 <p:sld xmlns:a="http://schemas.openxmlformats.org/drawingml/2006/main" xmlns:r="http://schemas.openxmlformats.org/officeDocument/2006/relationships" xmlns:p="http://schemas.openxmlformats.org/presentationml/2006/main">
   <p:cSld>
     <p:spTree>
@@ -8510,7 +8751,7 @@
           <a:p>
             <a:fld id="{FF88DA20-ED00-471C-9170-60F590CB400A}" type="slidenum">
               <a:rPr lang="nl-BE" smtClean="0"/>
-              <a:t>17</a:t>
+              <a:t>18</a:t>
             </a:fld>
             <a:endParaRPr lang="nl-BE"/>
           </a:p>
@@ -8591,577 +8832,6 @@
 </p:sld>
 </file>
 
-<file path=ppt/slides/slide18.xml><?xml version="1.0" encoding="utf-8"?>
-<p:sld xmlns:a="http://schemas.openxmlformats.org/drawingml/2006/main" xmlns:r="http://schemas.openxmlformats.org/officeDocument/2006/relationships" xmlns:p="http://schemas.openxmlformats.org/presentationml/2006/main">
-  <p:cSld>
-    <p:spTree>
-      <p:nvGrpSpPr>
-        <p:cNvPr id="1" name=""/>
-        <p:cNvGrpSpPr/>
-        <p:nvPr/>
-      </p:nvGrpSpPr>
-      <p:grpSpPr>
-        <a:xfrm>
-          <a:off x="0" y="0"/>
-          <a:ext cx="0" cy="0"/>
-          <a:chOff x="0" y="0"/>
-          <a:chExt cx="0" cy="0"/>
-        </a:xfrm>
-      </p:grpSpPr>
-      <p:sp>
-        <p:nvSpPr>
-          <p:cNvPr id="2" name="Title 1">
-            <a:extLst>
-              <a:ext uri="{FF2B5EF4-FFF2-40B4-BE49-F238E27FC236}">
-                <a16:creationId xmlns:a16="http://schemas.microsoft.com/office/drawing/2014/main" id="{151F891A-4C65-4E45-AC04-04E759DF8BC4}"/>
-              </a:ext>
-            </a:extLst>
-          </p:cNvPr>
-          <p:cNvSpPr>
-            <a:spLocks noGrp="1"/>
-          </p:cNvSpPr>
-          <p:nvPr>
-            <p:ph type="title"/>
-          </p:nvPr>
-        </p:nvSpPr>
-        <p:spPr/>
-        <p:txBody>
-          <a:bodyPr/>
-          <a:lstStyle/>
-          <a:p>
-            <a:r>
-              <a:rPr lang="nl-BE" dirty="0"/>
-              <a:t>Toevoegen van fonts - CSS</a:t>
-            </a:r>
-          </a:p>
-        </p:txBody>
-      </p:sp>
-      <p:sp>
-        <p:nvSpPr>
-          <p:cNvPr id="3" name="Content Placeholder 2">
-            <a:extLst>
-              <a:ext uri="{FF2B5EF4-FFF2-40B4-BE49-F238E27FC236}">
-                <a16:creationId xmlns:a16="http://schemas.microsoft.com/office/drawing/2014/main" id="{7A582476-F858-4CEF-9A81-988EA30B9D54}"/>
-              </a:ext>
-            </a:extLst>
-          </p:cNvPr>
-          <p:cNvSpPr>
-            <a:spLocks noGrp="1"/>
-          </p:cNvSpPr>
-          <p:nvPr>
-            <p:ph idx="1"/>
-          </p:nvPr>
-        </p:nvSpPr>
-        <p:spPr>
-          <a:xfrm>
-            <a:off x="534291" y="1863000"/>
-            <a:ext cx="10989309" cy="3132000"/>
-          </a:xfrm>
-        </p:spPr>
-        <p:txBody>
-          <a:bodyPr/>
-          <a:lstStyle/>
-          <a:p>
-            <a:r>
-              <a:rPr lang="nl-BE" sz="2000" b="0" dirty="0">
-                <a:solidFill>
-                  <a:srgbClr val="C678DD"/>
-                </a:solidFill>
-                <a:effectLst/>
-                <a:latin typeface="Consolas" panose="020B0609020204030204" pitchFamily="49" charset="0"/>
-              </a:rPr>
-              <a:t>@font-face</a:t>
-            </a:r>
-            <a:r>
-              <a:rPr lang="nl-BE" sz="2000" b="0" dirty="0">
-                <a:solidFill>
-                  <a:srgbClr val="ABB2BF"/>
-                </a:solidFill>
-                <a:effectLst/>
-                <a:latin typeface="Consolas" panose="020B0609020204030204" pitchFamily="49" charset="0"/>
-              </a:rPr>
-              <a:t> </a:t>
-            </a:r>
-            <a:r>
-              <a:rPr lang="nl-BE" sz="2000" b="0" dirty="0">
-                <a:solidFill>
-                  <a:schemeClr val="tx2"/>
-                </a:solidFill>
-                <a:effectLst/>
-                <a:latin typeface="Consolas" panose="020B0609020204030204" pitchFamily="49" charset="0"/>
-              </a:rPr>
-              <a:t>{</a:t>
-            </a:r>
-          </a:p>
-          <a:p>
-            <a:r>
-              <a:rPr lang="nl-BE" sz="2000" b="0" dirty="0">
-                <a:solidFill>
-                  <a:srgbClr val="ABB2BF"/>
-                </a:solidFill>
-                <a:effectLst/>
-                <a:latin typeface="Consolas" panose="020B0609020204030204" pitchFamily="49" charset="0"/>
-              </a:rPr>
-              <a:t>    </a:t>
-            </a:r>
-            <a:r>
-              <a:rPr lang="nl-BE" sz="2000" b="0" dirty="0">
-                <a:solidFill>
-                  <a:schemeClr val="tx2"/>
-                </a:solidFill>
-                <a:effectLst/>
-                <a:latin typeface="Consolas" panose="020B0609020204030204" pitchFamily="49" charset="0"/>
-              </a:rPr>
-              <a:t>font-family: </a:t>
-            </a:r>
-            <a:r>
-              <a:rPr lang="nl-BE" sz="2000" b="0" dirty="0">
-                <a:solidFill>
-                  <a:srgbClr val="98C379"/>
-                </a:solidFill>
-                <a:effectLst/>
-                <a:latin typeface="Consolas" panose="020B0609020204030204" pitchFamily="49" charset="0"/>
-              </a:rPr>
-              <a:t>'Source Sans 3 VF'</a:t>
-            </a:r>
-            <a:r>
-              <a:rPr lang="nl-BE" sz="2000" b="0" dirty="0">
-                <a:solidFill>
-                  <a:schemeClr val="tx2"/>
-                </a:solidFill>
-                <a:effectLst/>
-                <a:latin typeface="Consolas" panose="020B0609020204030204" pitchFamily="49" charset="0"/>
-              </a:rPr>
-              <a:t>;</a:t>
-            </a:r>
-          </a:p>
-          <a:p>
-            <a:r>
-              <a:rPr lang="nl-BE" sz="2000" b="0" dirty="0">
-                <a:solidFill>
-                  <a:srgbClr val="ABB2BF"/>
-                </a:solidFill>
-                <a:effectLst/>
-                <a:latin typeface="Consolas" panose="020B0609020204030204" pitchFamily="49" charset="0"/>
-              </a:rPr>
-              <a:t>    </a:t>
-            </a:r>
-            <a:r>
-              <a:rPr lang="nl-BE" sz="2000" b="0" dirty="0">
-                <a:solidFill>
-                  <a:schemeClr val="tx2"/>
-                </a:solidFill>
-                <a:effectLst/>
-                <a:latin typeface="Consolas" panose="020B0609020204030204" pitchFamily="49" charset="0"/>
-              </a:rPr>
-              <a:t>font-</a:t>
-            </a:r>
-            <a:r>
-              <a:rPr lang="nl-BE" sz="2000" b="0" dirty="0" err="1">
-                <a:solidFill>
-                  <a:schemeClr val="tx2"/>
-                </a:solidFill>
-                <a:effectLst/>
-                <a:latin typeface="Consolas" panose="020B0609020204030204" pitchFamily="49" charset="0"/>
-              </a:rPr>
-              <a:t>weight</a:t>
-            </a:r>
-            <a:r>
-              <a:rPr lang="nl-BE" sz="2000" b="0" dirty="0">
-                <a:solidFill>
-                  <a:schemeClr val="tx2"/>
-                </a:solidFill>
-                <a:effectLst/>
-                <a:latin typeface="Consolas" panose="020B0609020204030204" pitchFamily="49" charset="0"/>
-              </a:rPr>
-              <a:t>: </a:t>
-            </a:r>
-            <a:r>
-              <a:rPr lang="nl-BE" sz="2000" b="0" dirty="0">
-                <a:solidFill>
-                  <a:srgbClr val="D19A66"/>
-                </a:solidFill>
-                <a:effectLst/>
-                <a:latin typeface="Consolas" panose="020B0609020204030204" pitchFamily="49" charset="0"/>
-              </a:rPr>
-              <a:t>200</a:t>
-            </a:r>
-            <a:r>
-              <a:rPr lang="nl-BE" sz="2000" b="0" dirty="0">
-                <a:solidFill>
-                  <a:srgbClr val="ABB2BF"/>
-                </a:solidFill>
-                <a:effectLst/>
-                <a:latin typeface="Consolas" panose="020B0609020204030204" pitchFamily="49" charset="0"/>
-              </a:rPr>
-              <a:t> </a:t>
-            </a:r>
-            <a:r>
-              <a:rPr lang="nl-BE" sz="2000" b="0" dirty="0">
-                <a:solidFill>
-                  <a:srgbClr val="D19A66"/>
-                </a:solidFill>
-                <a:effectLst/>
-                <a:latin typeface="Consolas" panose="020B0609020204030204" pitchFamily="49" charset="0"/>
-              </a:rPr>
-              <a:t>900</a:t>
-            </a:r>
-            <a:r>
-              <a:rPr lang="nl-BE" sz="2000" b="0" dirty="0">
-                <a:solidFill>
-                  <a:schemeClr val="tx2"/>
-                </a:solidFill>
-                <a:effectLst/>
-                <a:latin typeface="Consolas" panose="020B0609020204030204" pitchFamily="49" charset="0"/>
-              </a:rPr>
-              <a:t>;</a:t>
-            </a:r>
-          </a:p>
-          <a:p>
-            <a:r>
-              <a:rPr lang="nl-BE" sz="2000" b="0" dirty="0">
-                <a:solidFill>
-                  <a:srgbClr val="ABB2BF"/>
-                </a:solidFill>
-                <a:effectLst/>
-                <a:latin typeface="Consolas" panose="020B0609020204030204" pitchFamily="49" charset="0"/>
-              </a:rPr>
-              <a:t>    </a:t>
-            </a:r>
-            <a:r>
-              <a:rPr lang="nl-BE" sz="2000" b="0" dirty="0">
-                <a:solidFill>
-                  <a:schemeClr val="tx2"/>
-                </a:solidFill>
-                <a:effectLst/>
-                <a:latin typeface="Consolas" panose="020B0609020204030204" pitchFamily="49" charset="0"/>
-              </a:rPr>
-              <a:t>font-</a:t>
-            </a:r>
-            <a:r>
-              <a:rPr lang="nl-BE" sz="2000" b="0" dirty="0" err="1">
-                <a:solidFill>
-                  <a:schemeClr val="tx2"/>
-                </a:solidFill>
-                <a:effectLst/>
-                <a:latin typeface="Consolas" panose="020B0609020204030204" pitchFamily="49" charset="0"/>
-              </a:rPr>
-              <a:t>style</a:t>
-            </a:r>
-            <a:r>
-              <a:rPr lang="nl-BE" sz="2000" b="0" dirty="0">
-                <a:solidFill>
-                  <a:schemeClr val="tx2"/>
-                </a:solidFill>
-                <a:effectLst/>
-                <a:latin typeface="Consolas" panose="020B0609020204030204" pitchFamily="49" charset="0"/>
-              </a:rPr>
-              <a:t>: </a:t>
-            </a:r>
-            <a:r>
-              <a:rPr lang="nl-BE" sz="2000" b="0" dirty="0" err="1">
-                <a:solidFill>
-                  <a:schemeClr val="tx2"/>
-                </a:solidFill>
-                <a:effectLst/>
-                <a:latin typeface="Consolas" panose="020B0609020204030204" pitchFamily="49" charset="0"/>
-              </a:rPr>
-              <a:t>normal</a:t>
-            </a:r>
-            <a:r>
-              <a:rPr lang="nl-BE" sz="2000" b="0" dirty="0">
-                <a:solidFill>
-                  <a:schemeClr val="tx2"/>
-                </a:solidFill>
-                <a:effectLst/>
-                <a:latin typeface="Consolas" panose="020B0609020204030204" pitchFamily="49" charset="0"/>
-              </a:rPr>
-              <a:t>;</a:t>
-            </a:r>
-          </a:p>
-          <a:p>
-            <a:r>
-              <a:rPr lang="nl-BE" sz="2000" b="0" dirty="0">
-                <a:solidFill>
-                  <a:schemeClr val="tx2"/>
-                </a:solidFill>
-                <a:effectLst/>
-                <a:latin typeface="Consolas" panose="020B0609020204030204" pitchFamily="49" charset="0"/>
-              </a:rPr>
-              <a:t>    font-stretch: </a:t>
-            </a:r>
-            <a:r>
-              <a:rPr lang="nl-BE" sz="2000" b="0" dirty="0" err="1">
-                <a:solidFill>
-                  <a:schemeClr val="tx2"/>
-                </a:solidFill>
-                <a:effectLst/>
-                <a:latin typeface="Consolas" panose="020B0609020204030204" pitchFamily="49" charset="0"/>
-              </a:rPr>
-              <a:t>normal</a:t>
-            </a:r>
-            <a:r>
-              <a:rPr lang="nl-BE" sz="2000" b="0" dirty="0">
-                <a:solidFill>
-                  <a:schemeClr val="tx2"/>
-                </a:solidFill>
-                <a:effectLst/>
-                <a:latin typeface="Consolas" panose="020B0609020204030204" pitchFamily="49" charset="0"/>
-              </a:rPr>
-              <a:t>;</a:t>
-            </a:r>
-          </a:p>
-          <a:p>
-            <a:r>
-              <a:rPr lang="nl-BE" sz="2000" b="0" dirty="0">
-                <a:solidFill>
-                  <a:srgbClr val="ABB2BF"/>
-                </a:solidFill>
-                <a:effectLst/>
-                <a:latin typeface="Consolas" panose="020B0609020204030204" pitchFamily="49" charset="0"/>
-              </a:rPr>
-              <a:t>    </a:t>
-            </a:r>
-            <a:r>
-              <a:rPr lang="nl-BE" sz="2000" b="0" dirty="0" err="1">
-                <a:solidFill>
-                  <a:schemeClr val="tx2"/>
-                </a:solidFill>
-                <a:effectLst/>
-                <a:latin typeface="Consolas" panose="020B0609020204030204" pitchFamily="49" charset="0"/>
-              </a:rPr>
-              <a:t>src</a:t>
-            </a:r>
-            <a:r>
-              <a:rPr lang="nl-BE" sz="2000" b="0" dirty="0">
-                <a:solidFill>
-                  <a:schemeClr val="tx2"/>
-                </a:solidFill>
-                <a:effectLst/>
-                <a:latin typeface="Consolas" panose="020B0609020204030204" pitchFamily="49" charset="0"/>
-              </a:rPr>
-              <a:t>:</a:t>
-            </a:r>
-            <a:r>
-              <a:rPr lang="nl-BE" sz="2000" b="0" dirty="0">
-                <a:solidFill>
-                  <a:srgbClr val="ABB2BF"/>
-                </a:solidFill>
-                <a:effectLst/>
-                <a:latin typeface="Consolas" panose="020B0609020204030204" pitchFamily="49" charset="0"/>
-              </a:rPr>
-              <a:t> </a:t>
-            </a:r>
-            <a:r>
-              <a:rPr lang="nl-BE" sz="2000" b="0" dirty="0" err="1">
-                <a:solidFill>
-                  <a:srgbClr val="56B6C2"/>
-                </a:solidFill>
-                <a:effectLst/>
-                <a:latin typeface="Consolas" panose="020B0609020204030204" pitchFamily="49" charset="0"/>
-              </a:rPr>
-              <a:t>url</a:t>
-            </a:r>
-            <a:r>
-              <a:rPr lang="nl-BE" sz="2000" b="0" dirty="0">
-                <a:solidFill>
-                  <a:schemeClr val="tx2"/>
-                </a:solidFill>
-                <a:effectLst/>
-                <a:latin typeface="Consolas" panose="020B0609020204030204" pitchFamily="49" charset="0"/>
-              </a:rPr>
-              <a:t>(</a:t>
-            </a:r>
-            <a:r>
-              <a:rPr lang="nl-BE" sz="2000" b="0" dirty="0">
-                <a:solidFill>
-                  <a:srgbClr val="98C379"/>
-                </a:solidFill>
-                <a:effectLst/>
-                <a:latin typeface="Consolas" panose="020B0609020204030204" pitchFamily="49" charset="0"/>
-              </a:rPr>
-              <a:t>'../fonts/SourceSans3VF-Roman.otf.woff2'</a:t>
-            </a:r>
-            <a:r>
-              <a:rPr lang="nl-BE" sz="2000" b="0" dirty="0">
-                <a:solidFill>
-                  <a:schemeClr val="tx2"/>
-                </a:solidFill>
-                <a:effectLst/>
-                <a:latin typeface="Consolas" panose="020B0609020204030204" pitchFamily="49" charset="0"/>
-              </a:rPr>
-              <a:t>)</a:t>
-            </a:r>
-            <a:r>
-              <a:rPr lang="nl-BE" sz="2000" b="0" dirty="0">
-                <a:solidFill>
-                  <a:srgbClr val="ABB2BF"/>
-                </a:solidFill>
-                <a:effectLst/>
-                <a:latin typeface="Consolas" panose="020B0609020204030204" pitchFamily="49" charset="0"/>
-              </a:rPr>
-              <a:t> </a:t>
-            </a:r>
-            <a:r>
-              <a:rPr lang="nl-BE" sz="2000" b="0" dirty="0">
-                <a:solidFill>
-                  <a:srgbClr val="56B6C2"/>
-                </a:solidFill>
-                <a:effectLst/>
-                <a:latin typeface="Consolas" panose="020B0609020204030204" pitchFamily="49" charset="0"/>
-              </a:rPr>
-              <a:t>format</a:t>
-            </a:r>
-            <a:r>
-              <a:rPr lang="nl-BE" sz="2000" b="0" dirty="0">
-                <a:solidFill>
-                  <a:schemeClr val="tx2"/>
-                </a:solidFill>
-                <a:effectLst/>
-                <a:latin typeface="Consolas" panose="020B0609020204030204" pitchFamily="49" charset="0"/>
-              </a:rPr>
-              <a:t>(</a:t>
-            </a:r>
-            <a:r>
-              <a:rPr lang="nl-BE" sz="2000" b="0" dirty="0">
-                <a:solidFill>
-                  <a:srgbClr val="98C379"/>
-                </a:solidFill>
-                <a:effectLst/>
-                <a:latin typeface="Consolas" panose="020B0609020204030204" pitchFamily="49" charset="0"/>
-              </a:rPr>
-              <a:t>"woff2"</a:t>
-            </a:r>
-            <a:r>
-              <a:rPr lang="nl-BE" sz="2000" b="0" dirty="0">
-                <a:solidFill>
-                  <a:schemeClr val="tx2"/>
-                </a:solidFill>
-                <a:effectLst/>
-                <a:latin typeface="Consolas" panose="020B0609020204030204" pitchFamily="49" charset="0"/>
-              </a:rPr>
-              <a:t>);</a:t>
-            </a:r>
-          </a:p>
-          <a:p>
-            <a:r>
-              <a:rPr lang="nl-BE" sz="2000" b="0" dirty="0">
-                <a:solidFill>
-                  <a:schemeClr val="tx2"/>
-                </a:solidFill>
-                <a:effectLst/>
-                <a:latin typeface="Consolas" panose="020B0609020204030204" pitchFamily="49" charset="0"/>
-              </a:rPr>
-              <a:t>}</a:t>
-            </a:r>
-          </a:p>
-          <a:p>
-            <a:endParaRPr lang="nl-BE" sz="2400" dirty="0"/>
-          </a:p>
-        </p:txBody>
-      </p:sp>
-      <p:sp>
-        <p:nvSpPr>
-          <p:cNvPr id="4" name="Footer Placeholder 3">
-            <a:extLst>
-              <a:ext uri="{FF2B5EF4-FFF2-40B4-BE49-F238E27FC236}">
-                <a16:creationId xmlns:a16="http://schemas.microsoft.com/office/drawing/2014/main" id="{7034CEDD-A071-4B08-BBAB-8E5B33213603}"/>
-              </a:ext>
-            </a:extLst>
-          </p:cNvPr>
-          <p:cNvSpPr>
-            <a:spLocks noGrp="1"/>
-          </p:cNvSpPr>
-          <p:nvPr>
-            <p:ph type="ftr" sz="quarter" idx="11"/>
-          </p:nvPr>
-        </p:nvSpPr>
-        <p:spPr/>
-        <p:txBody>
-          <a:bodyPr/>
-          <a:lstStyle/>
-          <a:p>
-            <a:r>
-              <a:rPr lang="nl-BE"/>
-              <a:t>Titel van de presentatie</a:t>
-            </a:r>
-          </a:p>
-        </p:txBody>
-      </p:sp>
-      <p:sp>
-        <p:nvSpPr>
-          <p:cNvPr id="5" name="Slide Number Placeholder 4">
-            <a:extLst>
-              <a:ext uri="{FF2B5EF4-FFF2-40B4-BE49-F238E27FC236}">
-                <a16:creationId xmlns:a16="http://schemas.microsoft.com/office/drawing/2014/main" id="{126D2EFA-9B91-4D30-B8D9-2FA2927C6058}"/>
-              </a:ext>
-            </a:extLst>
-          </p:cNvPr>
-          <p:cNvSpPr>
-            <a:spLocks noGrp="1"/>
-          </p:cNvSpPr>
-          <p:nvPr>
-            <p:ph type="sldNum" sz="quarter" idx="12"/>
-          </p:nvPr>
-        </p:nvSpPr>
-        <p:spPr/>
-        <p:txBody>
-          <a:bodyPr/>
-          <a:lstStyle/>
-          <a:p>
-            <a:fld id="{FF88DA20-ED00-471C-9170-60F590CB400A}" type="slidenum">
-              <a:rPr lang="nl-BE" smtClean="0"/>
-              <a:t>18</a:t>
-            </a:fld>
-            <a:endParaRPr lang="nl-BE"/>
-          </a:p>
-        </p:txBody>
-      </p:sp>
-      <p:sp>
-        <p:nvSpPr>
-          <p:cNvPr id="6" name="Text Placeholder 5">
-            <a:extLst>
-              <a:ext uri="{FF2B5EF4-FFF2-40B4-BE49-F238E27FC236}">
-                <a16:creationId xmlns:a16="http://schemas.microsoft.com/office/drawing/2014/main" id="{81A18B17-35FC-4130-827B-1BD3CDADEF0B}"/>
-              </a:ext>
-            </a:extLst>
-          </p:cNvPr>
-          <p:cNvSpPr>
-            <a:spLocks noGrp="1"/>
-          </p:cNvSpPr>
-          <p:nvPr>
-            <p:ph type="body" sz="quarter" idx="13"/>
-          </p:nvPr>
-        </p:nvSpPr>
-        <p:spPr/>
-        <p:txBody>
-          <a:bodyPr/>
-          <a:lstStyle/>
-          <a:p>
-            <a:r>
-              <a:rPr lang="nl-BE" dirty="0" err="1"/>
-              <a:t>Variable</a:t>
-            </a:r>
-            <a:r>
-              <a:rPr lang="nl-BE" dirty="0"/>
-              <a:t> fonts</a:t>
-            </a:r>
-          </a:p>
-        </p:txBody>
-      </p:sp>
-    </p:spTree>
-    <p:extLst>
-      <p:ext uri="{BB962C8B-B14F-4D97-AF65-F5344CB8AC3E}">
-        <p14:creationId xmlns:p14="http://schemas.microsoft.com/office/powerpoint/2010/main" val="3370799386"/>
-      </p:ext>
-    </p:extLst>
-  </p:cSld>
-  <p:clrMapOvr>
-    <a:masterClrMapping/>
-  </p:clrMapOvr>
-</p:sld>
-</file>
-
 <file path=ppt/slides/slide19.xml><?xml version="1.0" encoding="utf-8"?>
 <p:sld xmlns:a="http://schemas.openxmlformats.org/drawingml/2006/main" xmlns:r="http://schemas.openxmlformats.org/officeDocument/2006/relationships" xmlns:p="http://schemas.openxmlformats.org/presentationml/2006/main">
   <p:cSld>
@@ -9181,10 +8851,10 @@
       </p:grpSpPr>
       <p:sp>
         <p:nvSpPr>
-          <p:cNvPr id="2" name="Titel 1">
-            <a:extLst>
-              <a:ext uri="{FF2B5EF4-FFF2-40B4-BE49-F238E27FC236}">
-                <a16:creationId xmlns:a16="http://schemas.microsoft.com/office/drawing/2014/main" id="{C5EEAFBD-B5B8-4F85-98E4-19C38B628AD3}"/>
+          <p:cNvPr id="2" name="Title 1">
+            <a:extLst>
+              <a:ext uri="{FF2B5EF4-FFF2-40B4-BE49-F238E27FC236}">
+                <a16:creationId xmlns:a16="http://schemas.microsoft.com/office/drawing/2014/main" id="{151F891A-4C65-4E45-AC04-04E759DF8BC4}"/>
               </a:ext>
             </a:extLst>
           </p:cNvPr>
@@ -9201,47 +8871,442 @@
           <a:lstStyle/>
           <a:p>
             <a:r>
-              <a:rPr lang="nl-BE" dirty="0" err="1"/>
-              <a:t>Transforms</a:t>
-            </a:r>
-            <a:endParaRPr lang="nl-BE" dirty="0"/>
-          </a:p>
-        </p:txBody>
-      </p:sp>
-      <p:sp>
-        <p:nvSpPr>
-          <p:cNvPr id="3" name="Tijdelijke aanduiding voor tekst 2">
-            <a:extLst>
-              <a:ext uri="{FF2B5EF4-FFF2-40B4-BE49-F238E27FC236}">
-                <a16:creationId xmlns:a16="http://schemas.microsoft.com/office/drawing/2014/main" id="{25E6300B-AC24-4FB2-A05D-06BE75683545}"/>
-              </a:ext>
-            </a:extLst>
-          </p:cNvPr>
-          <p:cNvSpPr>
-            <a:spLocks noGrp="1"/>
-          </p:cNvSpPr>
-          <p:nvPr>
-            <p:ph type="body" idx="1"/>
-          </p:nvPr>
-        </p:nvSpPr>
-        <p:spPr/>
-        <p:txBody>
-          <a:bodyPr/>
-          <a:lstStyle/>
-          <a:p>
-            <a:r>
-              <a:rPr lang="nl-BE" dirty="0"/>
-              <a:t>Just like Iron Man</a:t>
-            </a:r>
-          </a:p>
-        </p:txBody>
-      </p:sp>
-      <p:sp>
-        <p:nvSpPr>
-          <p:cNvPr id="4" name="Tijdelijke aanduiding voor voettekst 3">
-            <a:extLst>
-              <a:ext uri="{FF2B5EF4-FFF2-40B4-BE49-F238E27FC236}">
-                <a16:creationId xmlns:a16="http://schemas.microsoft.com/office/drawing/2014/main" id="{7926BCFD-3A9A-492A-A57B-0A991170A3B7}"/>
+              <a:rPr lang="nl-BE" dirty="0"/>
+              <a:t>Toevoegen van fonts - CSS</a:t>
+            </a:r>
+          </a:p>
+        </p:txBody>
+      </p:sp>
+      <p:sp>
+        <p:nvSpPr>
+          <p:cNvPr id="3" name="Content Placeholder 2">
+            <a:extLst>
+              <a:ext uri="{FF2B5EF4-FFF2-40B4-BE49-F238E27FC236}">
+                <a16:creationId xmlns:a16="http://schemas.microsoft.com/office/drawing/2014/main" id="{7A582476-F858-4CEF-9A81-988EA30B9D54}"/>
+              </a:ext>
+            </a:extLst>
+          </p:cNvPr>
+          <p:cNvSpPr>
+            <a:spLocks noGrp="1"/>
+          </p:cNvSpPr>
+          <p:nvPr>
+            <p:ph idx="1"/>
+          </p:nvPr>
+        </p:nvSpPr>
+        <p:spPr>
+          <a:xfrm>
+            <a:off x="534291" y="1863000"/>
+            <a:ext cx="10989309" cy="3132000"/>
+          </a:xfrm>
+        </p:spPr>
+        <p:txBody>
+          <a:bodyPr/>
+          <a:lstStyle/>
+          <a:p>
+            <a:r>
+              <a:rPr lang="nl-BE" sz="2000" b="0" dirty="0">
+                <a:solidFill>
+                  <a:srgbClr val="C678DD"/>
+                </a:solidFill>
+                <a:effectLst/>
+                <a:latin typeface="Consolas" panose="020B0609020204030204" pitchFamily="49" charset="0"/>
+              </a:rPr>
+              <a:t>@font-face</a:t>
+            </a:r>
+            <a:r>
+              <a:rPr lang="nl-BE" sz="2000" b="0" dirty="0">
+                <a:solidFill>
+                  <a:srgbClr val="ABB2BF"/>
+                </a:solidFill>
+                <a:effectLst/>
+                <a:latin typeface="Consolas" panose="020B0609020204030204" pitchFamily="49" charset="0"/>
+              </a:rPr>
+              <a:t> </a:t>
+            </a:r>
+            <a:r>
+              <a:rPr lang="nl-BE" sz="2000" b="0" dirty="0">
+                <a:solidFill>
+                  <a:schemeClr val="tx2"/>
+                </a:solidFill>
+                <a:effectLst/>
+                <a:latin typeface="Consolas" panose="020B0609020204030204" pitchFamily="49" charset="0"/>
+              </a:rPr>
+              <a:t>{</a:t>
+            </a:r>
+          </a:p>
+          <a:p>
+            <a:r>
+              <a:rPr lang="nl-BE" sz="2000" b="0" dirty="0">
+                <a:solidFill>
+                  <a:srgbClr val="ABB2BF"/>
+                </a:solidFill>
+                <a:effectLst/>
+                <a:latin typeface="Consolas" panose="020B0609020204030204" pitchFamily="49" charset="0"/>
+              </a:rPr>
+              <a:t>    </a:t>
+            </a:r>
+            <a:r>
+              <a:rPr lang="nl-BE" sz="2000" b="0" dirty="0">
+                <a:solidFill>
+                  <a:schemeClr val="tx2"/>
+                </a:solidFill>
+                <a:effectLst/>
+                <a:latin typeface="Consolas" panose="020B0609020204030204" pitchFamily="49" charset="0"/>
+              </a:rPr>
+              <a:t>font-family: </a:t>
+            </a:r>
+            <a:r>
+              <a:rPr lang="nl-BE" sz="2000" b="0" dirty="0">
+                <a:solidFill>
+                  <a:srgbClr val="98C379"/>
+                </a:solidFill>
+                <a:effectLst/>
+                <a:latin typeface="Consolas" panose="020B0609020204030204" pitchFamily="49" charset="0"/>
+              </a:rPr>
+              <a:t>'Source Sans 3 VF'</a:t>
+            </a:r>
+            <a:r>
+              <a:rPr lang="nl-BE" sz="2000" b="0" dirty="0">
+                <a:solidFill>
+                  <a:schemeClr val="tx2"/>
+                </a:solidFill>
+                <a:effectLst/>
+                <a:latin typeface="Consolas" panose="020B0609020204030204" pitchFamily="49" charset="0"/>
+              </a:rPr>
+              <a:t>;</a:t>
+            </a:r>
+          </a:p>
+          <a:p>
+            <a:r>
+              <a:rPr lang="nl-BE" sz="2000" b="0" dirty="0">
+                <a:solidFill>
+                  <a:srgbClr val="ABB2BF"/>
+                </a:solidFill>
+                <a:effectLst/>
+                <a:latin typeface="Consolas" panose="020B0609020204030204" pitchFamily="49" charset="0"/>
+              </a:rPr>
+              <a:t>    </a:t>
+            </a:r>
+            <a:r>
+              <a:rPr lang="nl-BE" sz="2000" b="0" dirty="0">
+                <a:solidFill>
+                  <a:schemeClr val="tx2"/>
+                </a:solidFill>
+                <a:effectLst/>
+                <a:latin typeface="Consolas" panose="020B0609020204030204" pitchFamily="49" charset="0"/>
+              </a:rPr>
+              <a:t>font-</a:t>
+            </a:r>
+            <a:r>
+              <a:rPr lang="nl-BE" sz="2000" b="0" dirty="0" err="1">
+                <a:solidFill>
+                  <a:schemeClr val="tx2"/>
+                </a:solidFill>
+                <a:effectLst/>
+                <a:latin typeface="Consolas" panose="020B0609020204030204" pitchFamily="49" charset="0"/>
+              </a:rPr>
+              <a:t>weight</a:t>
+            </a:r>
+            <a:r>
+              <a:rPr lang="nl-BE" sz="2000" b="0" dirty="0">
+                <a:solidFill>
+                  <a:schemeClr val="tx2"/>
+                </a:solidFill>
+                <a:effectLst/>
+                <a:latin typeface="Consolas" panose="020B0609020204030204" pitchFamily="49" charset="0"/>
+              </a:rPr>
+              <a:t>: </a:t>
+            </a:r>
+            <a:r>
+              <a:rPr lang="nl-BE" sz="2000" b="0" dirty="0">
+                <a:solidFill>
+                  <a:srgbClr val="D19A66"/>
+                </a:solidFill>
+                <a:effectLst/>
+                <a:latin typeface="Consolas" panose="020B0609020204030204" pitchFamily="49" charset="0"/>
+              </a:rPr>
+              <a:t>200</a:t>
+            </a:r>
+            <a:r>
+              <a:rPr lang="nl-BE" sz="2000" b="0" dirty="0">
+                <a:solidFill>
+                  <a:srgbClr val="ABB2BF"/>
+                </a:solidFill>
+                <a:effectLst/>
+                <a:latin typeface="Consolas" panose="020B0609020204030204" pitchFamily="49" charset="0"/>
+              </a:rPr>
+              <a:t> </a:t>
+            </a:r>
+            <a:r>
+              <a:rPr lang="nl-BE" sz="2000" b="0" dirty="0">
+                <a:solidFill>
+                  <a:srgbClr val="D19A66"/>
+                </a:solidFill>
+                <a:effectLst/>
+                <a:latin typeface="Consolas" panose="020B0609020204030204" pitchFamily="49" charset="0"/>
+              </a:rPr>
+              <a:t>900</a:t>
+            </a:r>
+            <a:r>
+              <a:rPr lang="nl-BE" sz="2000" b="0" dirty="0">
+                <a:solidFill>
+                  <a:schemeClr val="tx2"/>
+                </a:solidFill>
+                <a:effectLst/>
+                <a:latin typeface="Consolas" panose="020B0609020204030204" pitchFamily="49" charset="0"/>
+              </a:rPr>
+              <a:t>;</a:t>
+            </a:r>
+          </a:p>
+          <a:p>
+            <a:r>
+              <a:rPr lang="nl-BE" sz="2000" b="0" dirty="0">
+                <a:solidFill>
+                  <a:srgbClr val="ABB2BF"/>
+                </a:solidFill>
+                <a:effectLst/>
+                <a:latin typeface="Consolas" panose="020B0609020204030204" pitchFamily="49" charset="0"/>
+              </a:rPr>
+              <a:t>    </a:t>
+            </a:r>
+            <a:r>
+              <a:rPr lang="nl-BE" sz="2000" b="0" dirty="0">
+                <a:solidFill>
+                  <a:schemeClr val="tx2"/>
+                </a:solidFill>
+                <a:effectLst/>
+                <a:latin typeface="Consolas" panose="020B0609020204030204" pitchFamily="49" charset="0"/>
+              </a:rPr>
+              <a:t>font-</a:t>
+            </a:r>
+            <a:r>
+              <a:rPr lang="nl-BE" sz="2000" b="0" dirty="0" err="1">
+                <a:solidFill>
+                  <a:schemeClr val="tx2"/>
+                </a:solidFill>
+                <a:effectLst/>
+                <a:latin typeface="Consolas" panose="020B0609020204030204" pitchFamily="49" charset="0"/>
+              </a:rPr>
+              <a:t>style</a:t>
+            </a:r>
+            <a:r>
+              <a:rPr lang="nl-BE" sz="2000" b="0" dirty="0">
+                <a:solidFill>
+                  <a:schemeClr val="tx2"/>
+                </a:solidFill>
+                <a:effectLst/>
+                <a:latin typeface="Consolas" panose="020B0609020204030204" pitchFamily="49" charset="0"/>
+              </a:rPr>
+              <a:t>: </a:t>
+            </a:r>
+            <a:r>
+              <a:rPr lang="nl-BE" sz="2000" b="0" dirty="0" err="1">
+                <a:solidFill>
+                  <a:schemeClr val="tx2"/>
+                </a:solidFill>
+                <a:effectLst/>
+                <a:latin typeface="Consolas" panose="020B0609020204030204" pitchFamily="49" charset="0"/>
+              </a:rPr>
+              <a:t>normal</a:t>
+            </a:r>
+            <a:r>
+              <a:rPr lang="nl-BE" sz="2000" b="0" dirty="0">
+                <a:solidFill>
+                  <a:schemeClr val="tx2"/>
+                </a:solidFill>
+                <a:effectLst/>
+                <a:latin typeface="Consolas" panose="020B0609020204030204" pitchFamily="49" charset="0"/>
+              </a:rPr>
+              <a:t>;</a:t>
+            </a:r>
+          </a:p>
+          <a:p>
+            <a:r>
+              <a:rPr lang="nl-BE" sz="2000" b="0" dirty="0">
+                <a:solidFill>
+                  <a:schemeClr val="tx2"/>
+                </a:solidFill>
+                <a:effectLst/>
+                <a:latin typeface="Consolas" panose="020B0609020204030204" pitchFamily="49" charset="0"/>
+              </a:rPr>
+              <a:t>    font-stretch: </a:t>
+            </a:r>
+            <a:r>
+              <a:rPr lang="nl-BE" sz="2000" b="0" dirty="0" err="1">
+                <a:solidFill>
+                  <a:schemeClr val="tx2"/>
+                </a:solidFill>
+                <a:effectLst/>
+                <a:latin typeface="Consolas" panose="020B0609020204030204" pitchFamily="49" charset="0"/>
+              </a:rPr>
+              <a:t>normal</a:t>
+            </a:r>
+            <a:r>
+              <a:rPr lang="nl-BE" sz="2000" b="0" dirty="0">
+                <a:solidFill>
+                  <a:schemeClr val="tx2"/>
+                </a:solidFill>
+                <a:effectLst/>
+                <a:latin typeface="Consolas" panose="020B0609020204030204" pitchFamily="49" charset="0"/>
+              </a:rPr>
+              <a:t>;</a:t>
+            </a:r>
+          </a:p>
+          <a:p>
+            <a:r>
+              <a:rPr lang="nl-BE" sz="2000" b="0" dirty="0">
+                <a:solidFill>
+                  <a:srgbClr val="ABB2BF"/>
+                </a:solidFill>
+                <a:effectLst/>
+                <a:latin typeface="Consolas" panose="020B0609020204030204" pitchFamily="49" charset="0"/>
+              </a:rPr>
+              <a:t>    </a:t>
+            </a:r>
+            <a:r>
+              <a:rPr lang="nl-BE" sz="2000" b="0" dirty="0" err="1">
+                <a:solidFill>
+                  <a:schemeClr val="tx2"/>
+                </a:solidFill>
+                <a:effectLst/>
+                <a:latin typeface="Consolas" panose="020B0609020204030204" pitchFamily="49" charset="0"/>
+              </a:rPr>
+              <a:t>src</a:t>
+            </a:r>
+            <a:r>
+              <a:rPr lang="nl-BE" sz="2000" b="0" dirty="0">
+                <a:solidFill>
+                  <a:schemeClr val="tx2"/>
+                </a:solidFill>
+                <a:effectLst/>
+                <a:latin typeface="Consolas" panose="020B0609020204030204" pitchFamily="49" charset="0"/>
+              </a:rPr>
+              <a:t>:</a:t>
+            </a:r>
+            <a:r>
+              <a:rPr lang="nl-BE" sz="2000" b="0" dirty="0">
+                <a:solidFill>
+                  <a:srgbClr val="ABB2BF"/>
+                </a:solidFill>
+                <a:effectLst/>
+                <a:latin typeface="Consolas" panose="020B0609020204030204" pitchFamily="49" charset="0"/>
+              </a:rPr>
+              <a:t> </a:t>
+            </a:r>
+            <a:r>
+              <a:rPr lang="nl-BE" sz="2000" b="0" dirty="0" err="1">
+                <a:solidFill>
+                  <a:srgbClr val="56B6C2"/>
+                </a:solidFill>
+                <a:effectLst/>
+                <a:latin typeface="Consolas" panose="020B0609020204030204" pitchFamily="49" charset="0"/>
+              </a:rPr>
+              <a:t>url</a:t>
+            </a:r>
+            <a:r>
+              <a:rPr lang="nl-BE" sz="2000" b="0" dirty="0">
+                <a:solidFill>
+                  <a:schemeClr val="tx2"/>
+                </a:solidFill>
+                <a:effectLst/>
+                <a:latin typeface="Consolas" panose="020B0609020204030204" pitchFamily="49" charset="0"/>
+              </a:rPr>
+              <a:t>(</a:t>
+            </a:r>
+            <a:r>
+              <a:rPr lang="nl-BE" sz="2000" b="0" dirty="0">
+                <a:solidFill>
+                  <a:srgbClr val="98C379"/>
+                </a:solidFill>
+                <a:effectLst/>
+                <a:latin typeface="Consolas" panose="020B0609020204030204" pitchFamily="49" charset="0"/>
+              </a:rPr>
+              <a:t>'../fonts/SourceSans3VF-Roman.otf.woff2'</a:t>
+            </a:r>
+            <a:r>
+              <a:rPr lang="nl-BE" sz="2000" b="0" dirty="0">
+                <a:solidFill>
+                  <a:schemeClr val="tx2"/>
+                </a:solidFill>
+                <a:effectLst/>
+                <a:latin typeface="Consolas" panose="020B0609020204030204" pitchFamily="49" charset="0"/>
+              </a:rPr>
+              <a:t>)</a:t>
+            </a:r>
+            <a:r>
+              <a:rPr lang="nl-BE" sz="2000" b="0" dirty="0">
+                <a:solidFill>
+                  <a:srgbClr val="ABB2BF"/>
+                </a:solidFill>
+                <a:effectLst/>
+                <a:latin typeface="Consolas" panose="020B0609020204030204" pitchFamily="49" charset="0"/>
+              </a:rPr>
+              <a:t> </a:t>
+            </a:r>
+            <a:r>
+              <a:rPr lang="nl-BE" sz="2000" b="0" dirty="0">
+                <a:solidFill>
+                  <a:srgbClr val="56B6C2"/>
+                </a:solidFill>
+                <a:effectLst/>
+                <a:latin typeface="Consolas" panose="020B0609020204030204" pitchFamily="49" charset="0"/>
+              </a:rPr>
+              <a:t>format</a:t>
+            </a:r>
+            <a:r>
+              <a:rPr lang="nl-BE" sz="2000" b="0" dirty="0">
+                <a:solidFill>
+                  <a:schemeClr val="tx2"/>
+                </a:solidFill>
+                <a:effectLst/>
+                <a:latin typeface="Consolas" panose="020B0609020204030204" pitchFamily="49" charset="0"/>
+              </a:rPr>
+              <a:t>(</a:t>
+            </a:r>
+            <a:r>
+              <a:rPr lang="nl-BE" sz="2000" b="0" dirty="0">
+                <a:solidFill>
+                  <a:srgbClr val="98C379"/>
+                </a:solidFill>
+                <a:effectLst/>
+                <a:latin typeface="Consolas" panose="020B0609020204030204" pitchFamily="49" charset="0"/>
+              </a:rPr>
+              <a:t>"woff2"</a:t>
+            </a:r>
+            <a:r>
+              <a:rPr lang="nl-BE" sz="2000" b="0" dirty="0">
+                <a:solidFill>
+                  <a:schemeClr val="tx2"/>
+                </a:solidFill>
+                <a:effectLst/>
+                <a:latin typeface="Consolas" panose="020B0609020204030204" pitchFamily="49" charset="0"/>
+              </a:rPr>
+              <a:t>);</a:t>
+            </a:r>
+          </a:p>
+          <a:p>
+            <a:r>
+              <a:rPr lang="nl-BE" sz="2000" b="0" dirty="0">
+                <a:solidFill>
+                  <a:schemeClr val="tx2"/>
+                </a:solidFill>
+                <a:effectLst/>
+                <a:latin typeface="Consolas" panose="020B0609020204030204" pitchFamily="49" charset="0"/>
+              </a:rPr>
+              <a:t>}</a:t>
+            </a:r>
+          </a:p>
+          <a:p>
+            <a:endParaRPr lang="nl-BE" sz="2400" dirty="0"/>
+          </a:p>
+        </p:txBody>
+      </p:sp>
+      <p:sp>
+        <p:nvSpPr>
+          <p:cNvPr id="4" name="Footer Placeholder 3">
+            <a:extLst>
+              <a:ext uri="{FF2B5EF4-FFF2-40B4-BE49-F238E27FC236}">
+                <a16:creationId xmlns:a16="http://schemas.microsoft.com/office/drawing/2014/main" id="{7034CEDD-A071-4B08-BBAB-8E5B33213603}"/>
               </a:ext>
             </a:extLst>
           </p:cNvPr>
@@ -9258,18 +9323,18 @@
           <a:lstStyle/>
           <a:p>
             <a:r>
-              <a:rPr lang="nl-BE" dirty="0"/>
-              <a:t>DWD – HTML5 &amp; Games</a:t>
-            </a:r>
-          </a:p>
-        </p:txBody>
-      </p:sp>
-      <p:sp>
-        <p:nvSpPr>
-          <p:cNvPr id="5" name="Tijdelijke aanduiding voor dianummer 4">
-            <a:extLst>
-              <a:ext uri="{FF2B5EF4-FFF2-40B4-BE49-F238E27FC236}">
-                <a16:creationId xmlns:a16="http://schemas.microsoft.com/office/drawing/2014/main" id="{60BD1991-93F2-4440-9BAB-7167DEBBD3C1}"/>
+              <a:rPr lang="nl-BE"/>
+              <a:t>Titel van de presentatie</a:t>
+            </a:r>
+          </a:p>
+        </p:txBody>
+      </p:sp>
+      <p:sp>
+        <p:nvSpPr>
+          <p:cNvPr id="5" name="Slide Number Placeholder 4">
+            <a:extLst>
+              <a:ext uri="{FF2B5EF4-FFF2-40B4-BE49-F238E27FC236}">
+                <a16:creationId xmlns:a16="http://schemas.microsoft.com/office/drawing/2014/main" id="{126D2EFA-9B91-4D30-B8D9-2FA2927C6058}"/>
               </a:ext>
             </a:extLst>
           </p:cNvPr>
@@ -9287,7 +9352,6 @@
           <a:p>
             <a:fld id="{FF88DA20-ED00-471C-9170-60F590CB400A}" type="slidenum">
               <a:rPr lang="nl-BE" smtClean="0"/>
-              <a:pPr/>
               <a:t>19</a:t>
             </a:fld>
             <a:endParaRPr lang="nl-BE"/>
@@ -9296,10 +9360,10 @@
       </p:sp>
       <p:sp>
         <p:nvSpPr>
-          <p:cNvPr id="6" name="Tijdelijke aanduiding voor tekst 5">
-            <a:extLst>
-              <a:ext uri="{FF2B5EF4-FFF2-40B4-BE49-F238E27FC236}">
-                <a16:creationId xmlns:a16="http://schemas.microsoft.com/office/drawing/2014/main" id="{2BC75DC7-FD2B-4961-80F5-1A77FF877DD9}"/>
+          <p:cNvPr id="6" name="Text Placeholder 5">
+            <a:extLst>
+              <a:ext uri="{FF2B5EF4-FFF2-40B4-BE49-F238E27FC236}">
+                <a16:creationId xmlns:a16="http://schemas.microsoft.com/office/drawing/2014/main" id="{81A18B17-35FC-4130-827B-1BD3CDADEF0B}"/>
               </a:ext>
             </a:extLst>
           </p:cNvPr>
@@ -9315,14 +9379,21 @@
           <a:bodyPr/>
           <a:lstStyle/>
           <a:p>
-            <a:endParaRPr lang="nl-BE"/>
+            <a:r>
+              <a:rPr lang="nl-BE" dirty="0" err="1"/>
+              <a:t>Variable</a:t>
+            </a:r>
+            <a:r>
+              <a:rPr lang="nl-BE" dirty="0"/>
+              <a:t> fonts</a:t>
+            </a:r>
           </a:p>
         </p:txBody>
       </p:sp>
     </p:spTree>
     <p:extLst>
       <p:ext uri="{BB962C8B-B14F-4D97-AF65-F5344CB8AC3E}">
-        <p14:creationId xmlns:p14="http://schemas.microsoft.com/office/powerpoint/2010/main" val="1294968747"/>
+        <p14:creationId xmlns:p14="http://schemas.microsoft.com/office/powerpoint/2010/main" val="3370799386"/>
       </p:ext>
     </p:extLst>
   </p:cSld>
@@ -9558,7 +9629,7 @@
           <p:cNvPr id="2" name="Titel 1">
             <a:extLst>
               <a:ext uri="{FF2B5EF4-FFF2-40B4-BE49-F238E27FC236}">
-                <a16:creationId xmlns:a16="http://schemas.microsoft.com/office/drawing/2014/main" id="{465F132B-C9CE-4FCE-923D-CCAFB92AB8C8}"/>
+                <a16:creationId xmlns:a16="http://schemas.microsoft.com/office/drawing/2014/main" id="{C5EEAFBD-B5B8-4F85-98E4-19C38B628AD3}"/>
               </a:ext>
             </a:extLst>
           </p:cNvPr>
@@ -9575,93 +9646,37 @@
           <a:lstStyle/>
           <a:p>
             <a:r>
-              <a:rPr lang="nl-BE" dirty="0"/>
-              <a:t>Wat is het?</a:t>
-            </a:r>
-          </a:p>
-        </p:txBody>
-      </p:sp>
-      <p:sp>
-        <p:nvSpPr>
-          <p:cNvPr id="8" name="Tijdelijke aanduiding voor inhoud 7">
-            <a:extLst>
-              <a:ext uri="{FF2B5EF4-FFF2-40B4-BE49-F238E27FC236}">
-                <a16:creationId xmlns:a16="http://schemas.microsoft.com/office/drawing/2014/main" id="{46660B48-BEE8-4738-9228-05126E64F4BB}"/>
-              </a:ext>
-            </a:extLst>
-          </p:cNvPr>
-          <p:cNvSpPr>
-            <a:spLocks noGrp="1"/>
-          </p:cNvSpPr>
-          <p:nvPr>
-            <p:ph idx="1"/>
-          </p:nvPr>
-        </p:nvSpPr>
-        <p:spPr>
-          <a:xfrm>
-            <a:off x="1266738" y="1908000"/>
-            <a:ext cx="9644862" cy="3132000"/>
-          </a:xfrm>
-        </p:spPr>
-        <p:txBody>
-          <a:bodyPr/>
-          <a:lstStyle/>
-          <a:p>
-            <a:r>
-              <a:rPr lang="nl-BE" dirty="0"/>
-              <a:t>Elementen visueel aanpassen met CSS</a:t>
-            </a:r>
-          </a:p>
-          <a:p>
-            <a:pPr lvl="1"/>
-            <a:r>
-              <a:rPr lang="nl-BE" sz="2400" dirty="0"/>
-              <a:t>Matrix(3d)</a:t>
-            </a:r>
-          </a:p>
-          <a:p>
-            <a:pPr lvl="1"/>
-            <a:r>
-              <a:rPr lang="nl-BE" sz="2400" dirty="0"/>
-              <a:t>Translate</a:t>
-            </a:r>
-          </a:p>
-          <a:p>
-            <a:pPr lvl="1"/>
-            <a:r>
-              <a:rPr lang="nl-BE" sz="2400" dirty="0" err="1"/>
-              <a:t>Scale</a:t>
-            </a:r>
-            <a:endParaRPr lang="nl-BE" sz="2400" dirty="0"/>
-          </a:p>
-          <a:p>
-            <a:pPr lvl="1"/>
-            <a:r>
-              <a:rPr lang="nl-BE" sz="2400" dirty="0" err="1"/>
-              <a:t>Rotate</a:t>
-            </a:r>
-            <a:endParaRPr lang="nl-BE" sz="2400" dirty="0"/>
-          </a:p>
-          <a:p>
-            <a:pPr lvl="1"/>
-            <a:r>
-              <a:rPr lang="nl-BE" sz="2400" dirty="0" err="1"/>
-              <a:t>Skew</a:t>
-            </a:r>
-            <a:endParaRPr lang="nl-BE" sz="2400" dirty="0"/>
-          </a:p>
-          <a:p>
-            <a:pPr lvl="1"/>
-            <a:r>
-              <a:rPr lang="nl-BE" sz="2400" dirty="0"/>
-              <a:t>…</a:t>
-            </a:r>
-          </a:p>
-          <a:p>
-            <a:pPr lvl="1"/>
-            <a:r>
-              <a:rPr lang="nl-BE" sz="2400" dirty="0"/>
-              <a:t>Combinatie van bovenstaande</a:t>
+              <a:rPr lang="nl-BE" dirty="0" err="1"/>
+              <a:t>Transforms</a:t>
+            </a:r>
+            <a:endParaRPr lang="nl-BE" dirty="0"/>
+          </a:p>
+        </p:txBody>
+      </p:sp>
+      <p:sp>
+        <p:nvSpPr>
+          <p:cNvPr id="3" name="Tijdelijke aanduiding voor tekst 2">
+            <a:extLst>
+              <a:ext uri="{FF2B5EF4-FFF2-40B4-BE49-F238E27FC236}">
+                <a16:creationId xmlns:a16="http://schemas.microsoft.com/office/drawing/2014/main" id="{25E6300B-AC24-4FB2-A05D-06BE75683545}"/>
+              </a:ext>
+            </a:extLst>
+          </p:cNvPr>
+          <p:cNvSpPr>
+            <a:spLocks noGrp="1"/>
+          </p:cNvSpPr>
+          <p:nvPr>
+            <p:ph type="body" idx="1"/>
+          </p:nvPr>
+        </p:nvSpPr>
+        <p:spPr/>
+        <p:txBody>
+          <a:bodyPr/>
+          <a:lstStyle/>
+          <a:p>
+            <a:r>
+              <a:rPr lang="nl-BE" dirty="0"/>
+              <a:t>Just like Iron Man</a:t>
             </a:r>
           </a:p>
         </p:txBody>
@@ -9671,7 +9686,7 @@
           <p:cNvPr id="4" name="Tijdelijke aanduiding voor voettekst 3">
             <a:extLst>
               <a:ext uri="{FF2B5EF4-FFF2-40B4-BE49-F238E27FC236}">
-                <a16:creationId xmlns:a16="http://schemas.microsoft.com/office/drawing/2014/main" id="{9A86A9FB-1B9E-4B7A-910C-235D3A566A80}"/>
+                <a16:creationId xmlns:a16="http://schemas.microsoft.com/office/drawing/2014/main" id="{7926BCFD-3A9A-492A-A57B-0A991170A3B7}"/>
               </a:ext>
             </a:extLst>
           </p:cNvPr>
@@ -9699,7 +9714,7 @@
           <p:cNvPr id="5" name="Tijdelijke aanduiding voor dianummer 4">
             <a:extLst>
               <a:ext uri="{FF2B5EF4-FFF2-40B4-BE49-F238E27FC236}">
-                <a16:creationId xmlns:a16="http://schemas.microsoft.com/office/drawing/2014/main" id="{A64CFB49-2F18-4019-89DD-E4922E4505C1}"/>
+                <a16:creationId xmlns:a16="http://schemas.microsoft.com/office/drawing/2014/main" id="{60BD1991-93F2-4440-9BAB-7167DEBBD3C1}"/>
               </a:ext>
             </a:extLst>
           </p:cNvPr>
@@ -9717,6 +9732,7 @@
           <a:p>
             <a:fld id="{FF88DA20-ED00-471C-9170-60F590CB400A}" type="slidenum">
               <a:rPr lang="nl-BE" smtClean="0"/>
+              <a:pPr/>
               <a:t>20</a:t>
             </a:fld>
             <a:endParaRPr lang="nl-BE"/>
@@ -9725,10 +9741,10 @@
       </p:sp>
       <p:sp>
         <p:nvSpPr>
-          <p:cNvPr id="3" name="Tijdelijke aanduiding voor tekst 2">
-            <a:extLst>
-              <a:ext uri="{FF2B5EF4-FFF2-40B4-BE49-F238E27FC236}">
-                <a16:creationId xmlns:a16="http://schemas.microsoft.com/office/drawing/2014/main" id="{8007CC32-F96E-4CD9-95CF-403FC6BFF49B}"/>
+          <p:cNvPr id="6" name="Tijdelijke aanduiding voor tekst 5">
+            <a:extLst>
+              <a:ext uri="{FF2B5EF4-FFF2-40B4-BE49-F238E27FC236}">
+                <a16:creationId xmlns:a16="http://schemas.microsoft.com/office/drawing/2014/main" id="{2BC75DC7-FD2B-4961-80F5-1A77FF877DD9}"/>
               </a:ext>
             </a:extLst>
           </p:cNvPr>
@@ -9744,18 +9760,14 @@
           <a:bodyPr/>
           <a:lstStyle/>
           <a:p>
-            <a:r>
-              <a:rPr lang="nl-BE" dirty="0" err="1"/>
-              <a:t>Transforms</a:t>
-            </a:r>
-            <a:endParaRPr lang="nl-BE" dirty="0"/>
+            <a:endParaRPr lang="nl-BE"/>
           </a:p>
         </p:txBody>
       </p:sp>
     </p:spTree>
     <p:extLst>
       <p:ext uri="{BB962C8B-B14F-4D97-AF65-F5344CB8AC3E}">
-        <p14:creationId xmlns:p14="http://schemas.microsoft.com/office/powerpoint/2010/main" val="3807411523"/>
+        <p14:creationId xmlns:p14="http://schemas.microsoft.com/office/powerpoint/2010/main" val="1294968747"/>
       </p:ext>
     </p:extLst>
   </p:cSld>
@@ -9787,7 +9799,7 @@
           <p:cNvPr id="2" name="Titel 1">
             <a:extLst>
               <a:ext uri="{FF2B5EF4-FFF2-40B4-BE49-F238E27FC236}">
-                <a16:creationId xmlns:a16="http://schemas.microsoft.com/office/drawing/2014/main" id="{C5EEAFBD-B5B8-4F85-98E4-19C38B628AD3}"/>
+                <a16:creationId xmlns:a16="http://schemas.microsoft.com/office/drawing/2014/main" id="{465F132B-C9CE-4FCE-923D-CCAFB92AB8C8}"/>
               </a:ext>
             </a:extLst>
           </p:cNvPr>
@@ -9804,45 +9816,93 @@
           <a:lstStyle/>
           <a:p>
             <a:r>
-              <a:rPr lang="nl-BE" dirty="0" err="1"/>
-              <a:t>Transitions</a:t>
-            </a:r>
-            <a:endParaRPr lang="nl-BE" dirty="0"/>
-          </a:p>
-        </p:txBody>
-      </p:sp>
-      <p:sp>
-        <p:nvSpPr>
-          <p:cNvPr id="3" name="Tijdelijke aanduiding voor tekst 2">
-            <a:extLst>
-              <a:ext uri="{FF2B5EF4-FFF2-40B4-BE49-F238E27FC236}">
-                <a16:creationId xmlns:a16="http://schemas.microsoft.com/office/drawing/2014/main" id="{25E6300B-AC24-4FB2-A05D-06BE75683545}"/>
-              </a:ext>
-            </a:extLst>
-          </p:cNvPr>
-          <p:cNvSpPr>
-            <a:spLocks noGrp="1"/>
-          </p:cNvSpPr>
-          <p:nvPr>
-            <p:ph type="body" idx="1"/>
-          </p:nvPr>
-        </p:nvSpPr>
-        <p:spPr/>
-        <p:txBody>
-          <a:bodyPr/>
-          <a:lstStyle/>
-          <a:p>
-            <a:r>
-              <a:rPr lang="nl-BE" dirty="0"/>
-              <a:t>Take </a:t>
-            </a:r>
-            <a:r>
-              <a:rPr lang="nl-BE" dirty="0" err="1"/>
-              <a:t>your</a:t>
-            </a:r>
-            <a:r>
-              <a:rPr lang="nl-BE" dirty="0"/>
-              <a:t> time</a:t>
+              <a:rPr lang="nl-BE" dirty="0"/>
+              <a:t>Wat is het?</a:t>
+            </a:r>
+          </a:p>
+        </p:txBody>
+      </p:sp>
+      <p:sp>
+        <p:nvSpPr>
+          <p:cNvPr id="8" name="Tijdelijke aanduiding voor inhoud 7">
+            <a:extLst>
+              <a:ext uri="{FF2B5EF4-FFF2-40B4-BE49-F238E27FC236}">
+                <a16:creationId xmlns:a16="http://schemas.microsoft.com/office/drawing/2014/main" id="{46660B48-BEE8-4738-9228-05126E64F4BB}"/>
+              </a:ext>
+            </a:extLst>
+          </p:cNvPr>
+          <p:cNvSpPr>
+            <a:spLocks noGrp="1"/>
+          </p:cNvSpPr>
+          <p:nvPr>
+            <p:ph idx="1"/>
+          </p:nvPr>
+        </p:nvSpPr>
+        <p:spPr>
+          <a:xfrm>
+            <a:off x="1266738" y="1908000"/>
+            <a:ext cx="9644862" cy="3132000"/>
+          </a:xfrm>
+        </p:spPr>
+        <p:txBody>
+          <a:bodyPr/>
+          <a:lstStyle/>
+          <a:p>
+            <a:r>
+              <a:rPr lang="nl-BE" dirty="0"/>
+              <a:t>Elementen visueel aanpassen met CSS</a:t>
+            </a:r>
+          </a:p>
+          <a:p>
+            <a:pPr lvl="1"/>
+            <a:r>
+              <a:rPr lang="nl-BE" sz="2400" dirty="0"/>
+              <a:t>Matrix(3d)</a:t>
+            </a:r>
+          </a:p>
+          <a:p>
+            <a:pPr lvl="1"/>
+            <a:r>
+              <a:rPr lang="nl-BE" sz="2400" dirty="0"/>
+              <a:t>Translate</a:t>
+            </a:r>
+          </a:p>
+          <a:p>
+            <a:pPr lvl="1"/>
+            <a:r>
+              <a:rPr lang="nl-BE" sz="2400" dirty="0" err="1"/>
+              <a:t>Scale</a:t>
+            </a:r>
+            <a:endParaRPr lang="nl-BE" sz="2400" dirty="0"/>
+          </a:p>
+          <a:p>
+            <a:pPr lvl="1"/>
+            <a:r>
+              <a:rPr lang="nl-BE" sz="2400" dirty="0" err="1"/>
+              <a:t>Rotate</a:t>
+            </a:r>
+            <a:endParaRPr lang="nl-BE" sz="2400" dirty="0"/>
+          </a:p>
+          <a:p>
+            <a:pPr lvl="1"/>
+            <a:r>
+              <a:rPr lang="nl-BE" sz="2400" dirty="0" err="1"/>
+              <a:t>Skew</a:t>
+            </a:r>
+            <a:endParaRPr lang="nl-BE" sz="2400" dirty="0"/>
+          </a:p>
+          <a:p>
+            <a:pPr lvl="1"/>
+            <a:r>
+              <a:rPr lang="nl-BE" sz="2400" dirty="0"/>
+              <a:t>…</a:t>
+            </a:r>
+          </a:p>
+          <a:p>
+            <a:pPr lvl="1"/>
+            <a:r>
+              <a:rPr lang="nl-BE" sz="2400" dirty="0"/>
+              <a:t>Combinatie van bovenstaande</a:t>
             </a:r>
           </a:p>
         </p:txBody>
@@ -9852,7 +9912,7 @@
           <p:cNvPr id="4" name="Tijdelijke aanduiding voor voettekst 3">
             <a:extLst>
               <a:ext uri="{FF2B5EF4-FFF2-40B4-BE49-F238E27FC236}">
-                <a16:creationId xmlns:a16="http://schemas.microsoft.com/office/drawing/2014/main" id="{7926BCFD-3A9A-492A-A57B-0A991170A3B7}"/>
+                <a16:creationId xmlns:a16="http://schemas.microsoft.com/office/drawing/2014/main" id="{9A86A9FB-1B9E-4B7A-910C-235D3A566A80}"/>
               </a:ext>
             </a:extLst>
           </p:cNvPr>
@@ -9880,7 +9940,7 @@
           <p:cNvPr id="5" name="Tijdelijke aanduiding voor dianummer 4">
             <a:extLst>
               <a:ext uri="{FF2B5EF4-FFF2-40B4-BE49-F238E27FC236}">
-                <a16:creationId xmlns:a16="http://schemas.microsoft.com/office/drawing/2014/main" id="{60BD1991-93F2-4440-9BAB-7167DEBBD3C1}"/>
+                <a16:creationId xmlns:a16="http://schemas.microsoft.com/office/drawing/2014/main" id="{A64CFB49-2F18-4019-89DD-E4922E4505C1}"/>
               </a:ext>
             </a:extLst>
           </p:cNvPr>
@@ -9898,7 +9958,6 @@
           <a:p>
             <a:fld id="{FF88DA20-ED00-471C-9170-60F590CB400A}" type="slidenum">
               <a:rPr lang="nl-BE" smtClean="0"/>
-              <a:pPr/>
               <a:t>21</a:t>
             </a:fld>
             <a:endParaRPr lang="nl-BE"/>
@@ -9907,10 +9966,10 @@
       </p:sp>
       <p:sp>
         <p:nvSpPr>
-          <p:cNvPr id="6" name="Tijdelijke aanduiding voor tekst 5">
-            <a:extLst>
-              <a:ext uri="{FF2B5EF4-FFF2-40B4-BE49-F238E27FC236}">
-                <a16:creationId xmlns:a16="http://schemas.microsoft.com/office/drawing/2014/main" id="{2BC75DC7-FD2B-4961-80F5-1A77FF877DD9}"/>
+          <p:cNvPr id="3" name="Tijdelijke aanduiding voor tekst 2">
+            <a:extLst>
+              <a:ext uri="{FF2B5EF4-FFF2-40B4-BE49-F238E27FC236}">
+                <a16:creationId xmlns:a16="http://schemas.microsoft.com/office/drawing/2014/main" id="{8007CC32-F96E-4CD9-95CF-403FC6BFF49B}"/>
               </a:ext>
             </a:extLst>
           </p:cNvPr>
@@ -9926,14 +9985,18 @@
           <a:bodyPr/>
           <a:lstStyle/>
           <a:p>
-            <a:endParaRPr lang="nl-BE"/>
+            <a:r>
+              <a:rPr lang="nl-BE" dirty="0" err="1"/>
+              <a:t>Transforms</a:t>
+            </a:r>
+            <a:endParaRPr lang="nl-BE" dirty="0"/>
           </a:p>
         </p:txBody>
       </p:sp>
     </p:spTree>
     <p:extLst>
       <p:ext uri="{BB962C8B-B14F-4D97-AF65-F5344CB8AC3E}">
-        <p14:creationId xmlns:p14="http://schemas.microsoft.com/office/powerpoint/2010/main" val="1021890446"/>
+        <p14:creationId xmlns:p14="http://schemas.microsoft.com/office/powerpoint/2010/main" val="3807411523"/>
       </p:ext>
     </p:extLst>
   </p:cSld>
@@ -9965,7 +10028,7 @@
           <p:cNvPr id="2" name="Titel 1">
             <a:extLst>
               <a:ext uri="{FF2B5EF4-FFF2-40B4-BE49-F238E27FC236}">
-                <a16:creationId xmlns:a16="http://schemas.microsoft.com/office/drawing/2014/main" id="{465F132B-C9CE-4FCE-923D-CCAFB92AB8C8}"/>
+                <a16:creationId xmlns:a16="http://schemas.microsoft.com/office/drawing/2014/main" id="{C5EEAFBD-B5B8-4F85-98E4-19C38B628AD3}"/>
               </a:ext>
             </a:extLst>
           </p:cNvPr>
@@ -9982,130 +10045,45 @@
           <a:lstStyle/>
           <a:p>
             <a:r>
-              <a:rPr lang="nl-BE" dirty="0"/>
-              <a:t>Hoe werkt het?</a:t>
-            </a:r>
-          </a:p>
-        </p:txBody>
-      </p:sp>
-      <p:sp>
-        <p:nvSpPr>
-          <p:cNvPr id="8" name="Tijdelijke aanduiding voor inhoud 7">
-            <a:extLst>
-              <a:ext uri="{FF2B5EF4-FFF2-40B4-BE49-F238E27FC236}">
-                <a16:creationId xmlns:a16="http://schemas.microsoft.com/office/drawing/2014/main" id="{46660B48-BEE8-4738-9228-05126E64F4BB}"/>
-              </a:ext>
-            </a:extLst>
-          </p:cNvPr>
-          <p:cNvSpPr>
-            <a:spLocks noGrp="1"/>
-          </p:cNvSpPr>
-          <p:nvPr>
-            <p:ph idx="1"/>
-          </p:nvPr>
-        </p:nvSpPr>
-        <p:spPr>
-          <a:xfrm>
-            <a:off x="1065402" y="1908000"/>
-            <a:ext cx="9846198" cy="3132000"/>
-          </a:xfrm>
-        </p:spPr>
-        <p:txBody>
-          <a:bodyPr/>
-          <a:lstStyle/>
-          <a:p>
-            <a:r>
-              <a:rPr lang="nl-BE" dirty="0"/>
-              <a:t>De overgang tussen CSS-stijlen geleidelijk maken</a:t>
-            </a:r>
-          </a:p>
-          <a:p>
-            <a:pPr lvl="1"/>
-            <a:r>
-              <a:rPr lang="nl-BE" dirty="0" err="1">
-                <a:latin typeface="Consolas" panose="020B0609020204030204" pitchFamily="49" charset="0"/>
-              </a:rPr>
-              <a:t>Transition</a:t>
-            </a:r>
-            <a:r>
-              <a:rPr lang="nl-BE" dirty="0">
-                <a:latin typeface="Consolas" panose="020B0609020204030204" pitchFamily="49" charset="0"/>
-              </a:rPr>
-              <a:t>: </a:t>
-            </a:r>
-            <a:r>
-              <a:rPr lang="nl-BE" dirty="0" err="1">
-                <a:latin typeface="Consolas" panose="020B0609020204030204" pitchFamily="49" charset="0"/>
-              </a:rPr>
-              <a:t>all</a:t>
-            </a:r>
-            <a:r>
-              <a:rPr lang="nl-BE" dirty="0">
-                <a:latin typeface="Consolas" panose="020B0609020204030204" pitchFamily="49" charset="0"/>
-              </a:rPr>
-              <a:t> .2s </a:t>
-            </a:r>
-            <a:r>
-              <a:rPr lang="nl-BE" dirty="0" err="1">
-                <a:latin typeface="Consolas" panose="020B0609020204030204" pitchFamily="49" charset="0"/>
-              </a:rPr>
-              <a:t>ease</a:t>
-            </a:r>
-            <a:r>
-              <a:rPr lang="nl-BE" dirty="0">
-                <a:latin typeface="Consolas" panose="020B0609020204030204" pitchFamily="49" charset="0"/>
-              </a:rPr>
-              <a:t>-in;</a:t>
-            </a:r>
-          </a:p>
-          <a:p>
-            <a:pPr lvl="1"/>
+              <a:rPr lang="nl-BE" dirty="0" err="1"/>
+              <a:t>Transitions</a:t>
+            </a:r>
             <a:endParaRPr lang="nl-BE" dirty="0"/>
           </a:p>
-          <a:p>
-            <a:pPr lvl="1"/>
-            <a:r>
-              <a:rPr lang="nl-BE" dirty="0"/>
-              <a:t>Mogelijk voor alle </a:t>
-            </a:r>
-            <a:r>
-              <a:rPr lang="nl-BE" b="1" dirty="0"/>
-              <a:t>of</a:t>
-            </a:r>
-            <a:r>
-              <a:rPr lang="nl-BE" dirty="0"/>
-              <a:t> specifieke </a:t>
+        </p:txBody>
+      </p:sp>
+      <p:sp>
+        <p:nvSpPr>
+          <p:cNvPr id="3" name="Tijdelijke aanduiding voor tekst 2">
+            <a:extLst>
+              <a:ext uri="{FF2B5EF4-FFF2-40B4-BE49-F238E27FC236}">
+                <a16:creationId xmlns:a16="http://schemas.microsoft.com/office/drawing/2014/main" id="{25E6300B-AC24-4FB2-A05D-06BE75683545}"/>
+              </a:ext>
+            </a:extLst>
+          </p:cNvPr>
+          <p:cNvSpPr>
+            <a:spLocks noGrp="1"/>
+          </p:cNvSpPr>
+          <p:nvPr>
+            <p:ph type="body" idx="1"/>
+          </p:nvPr>
+        </p:nvSpPr>
+        <p:spPr/>
+        <p:txBody>
+          <a:bodyPr/>
+          <a:lstStyle/>
+          <a:p>
+            <a:r>
+              <a:rPr lang="nl-BE" dirty="0"/>
+              <a:t>Take </a:t>
             </a:r>
             <a:r>
               <a:rPr lang="nl-BE" dirty="0" err="1"/>
-              <a:t>style</a:t>
-            </a:r>
-            <a:r>
-              <a:rPr lang="nl-BE" dirty="0"/>
-              <a:t> </a:t>
-            </a:r>
-            <a:r>
-              <a:rPr lang="nl-BE" dirty="0" err="1"/>
-              <a:t>properties</a:t>
-            </a:r>
-            <a:endParaRPr lang="nl-BE" dirty="0"/>
-          </a:p>
-          <a:p>
-            <a:pPr lvl="1"/>
-            <a:r>
-              <a:rPr lang="nl-BE" dirty="0"/>
-              <a:t>Duurtijd</a:t>
-            </a:r>
-          </a:p>
-          <a:p>
-            <a:pPr lvl="1"/>
-            <a:r>
-              <a:rPr lang="nl-BE" dirty="0" err="1"/>
-              <a:t>Ease</a:t>
-            </a:r>
-            <a:r>
-              <a:rPr lang="nl-BE" dirty="0"/>
-              <a:t>-in, -out of beiden</a:t>
+              <a:t>your</a:t>
+            </a:r>
+            <a:r>
+              <a:rPr lang="nl-BE" dirty="0"/>
+              <a:t> time</a:t>
             </a:r>
           </a:p>
         </p:txBody>
@@ -10115,7 +10093,7 @@
           <p:cNvPr id="4" name="Tijdelijke aanduiding voor voettekst 3">
             <a:extLst>
               <a:ext uri="{FF2B5EF4-FFF2-40B4-BE49-F238E27FC236}">
-                <a16:creationId xmlns:a16="http://schemas.microsoft.com/office/drawing/2014/main" id="{9A86A9FB-1B9E-4B7A-910C-235D3A566A80}"/>
+                <a16:creationId xmlns:a16="http://schemas.microsoft.com/office/drawing/2014/main" id="{7926BCFD-3A9A-492A-A57B-0A991170A3B7}"/>
               </a:ext>
             </a:extLst>
           </p:cNvPr>
@@ -10143,7 +10121,7 @@
           <p:cNvPr id="5" name="Tijdelijke aanduiding voor dianummer 4">
             <a:extLst>
               <a:ext uri="{FF2B5EF4-FFF2-40B4-BE49-F238E27FC236}">
-                <a16:creationId xmlns:a16="http://schemas.microsoft.com/office/drawing/2014/main" id="{A64CFB49-2F18-4019-89DD-E4922E4505C1}"/>
+                <a16:creationId xmlns:a16="http://schemas.microsoft.com/office/drawing/2014/main" id="{60BD1991-93F2-4440-9BAB-7167DEBBD3C1}"/>
               </a:ext>
             </a:extLst>
           </p:cNvPr>
@@ -10161,6 +10139,7 @@
           <a:p>
             <a:fld id="{FF88DA20-ED00-471C-9170-60F590CB400A}" type="slidenum">
               <a:rPr lang="nl-BE" smtClean="0"/>
+              <a:pPr/>
               <a:t>22</a:t>
             </a:fld>
             <a:endParaRPr lang="nl-BE"/>
@@ -10169,10 +10148,10 @@
       </p:sp>
       <p:sp>
         <p:nvSpPr>
-          <p:cNvPr id="3" name="Tijdelijke aanduiding voor tekst 2">
-            <a:extLst>
-              <a:ext uri="{FF2B5EF4-FFF2-40B4-BE49-F238E27FC236}">
-                <a16:creationId xmlns:a16="http://schemas.microsoft.com/office/drawing/2014/main" id="{8007CC32-F96E-4CD9-95CF-403FC6BFF49B}"/>
+          <p:cNvPr id="6" name="Tijdelijke aanduiding voor tekst 5">
+            <a:extLst>
+              <a:ext uri="{FF2B5EF4-FFF2-40B4-BE49-F238E27FC236}">
+                <a16:creationId xmlns:a16="http://schemas.microsoft.com/office/drawing/2014/main" id="{2BC75DC7-FD2B-4961-80F5-1A77FF877DD9}"/>
               </a:ext>
             </a:extLst>
           </p:cNvPr>
@@ -10188,18 +10167,14 @@
           <a:bodyPr/>
           <a:lstStyle/>
           <a:p>
-            <a:r>
-              <a:rPr lang="nl-BE" dirty="0" err="1"/>
-              <a:t>Transitions</a:t>
-            </a:r>
-            <a:endParaRPr lang="nl-BE" dirty="0"/>
+            <a:endParaRPr lang="nl-BE"/>
           </a:p>
         </p:txBody>
       </p:sp>
     </p:spTree>
     <p:extLst>
       <p:ext uri="{BB962C8B-B14F-4D97-AF65-F5344CB8AC3E}">
-        <p14:creationId xmlns:p14="http://schemas.microsoft.com/office/powerpoint/2010/main" val="3962502238"/>
+        <p14:creationId xmlns:p14="http://schemas.microsoft.com/office/powerpoint/2010/main" val="1021890446"/>
       </p:ext>
     </p:extLst>
   </p:cSld>
@@ -10231,7 +10206,7 @@
           <p:cNvPr id="2" name="Titel 1">
             <a:extLst>
               <a:ext uri="{FF2B5EF4-FFF2-40B4-BE49-F238E27FC236}">
-                <a16:creationId xmlns:a16="http://schemas.microsoft.com/office/drawing/2014/main" id="{C5EEAFBD-B5B8-4F85-98E4-19C38B628AD3}"/>
+                <a16:creationId xmlns:a16="http://schemas.microsoft.com/office/drawing/2014/main" id="{465F132B-C9CE-4FCE-923D-CCAFB92AB8C8}"/>
               </a:ext>
             </a:extLst>
           </p:cNvPr>
@@ -10248,8 +10223,103 @@
           <a:lstStyle/>
           <a:p>
             <a:r>
+              <a:rPr lang="nl-BE" dirty="0"/>
+              <a:t>Hoe werkt het?</a:t>
+            </a:r>
+          </a:p>
+        </p:txBody>
+      </p:sp>
+      <p:sp>
+        <p:nvSpPr>
+          <p:cNvPr id="8" name="Tijdelijke aanduiding voor inhoud 7">
+            <a:extLst>
+              <a:ext uri="{FF2B5EF4-FFF2-40B4-BE49-F238E27FC236}">
+                <a16:creationId xmlns:a16="http://schemas.microsoft.com/office/drawing/2014/main" id="{46660B48-BEE8-4738-9228-05126E64F4BB}"/>
+              </a:ext>
+            </a:extLst>
+          </p:cNvPr>
+          <p:cNvSpPr>
+            <a:spLocks noGrp="1"/>
+          </p:cNvSpPr>
+          <p:nvPr>
+            <p:ph idx="1"/>
+          </p:nvPr>
+        </p:nvSpPr>
+        <p:spPr>
+          <a:xfrm>
+            <a:off x="1065402" y="1908000"/>
+            <a:ext cx="9846198" cy="3132000"/>
+          </a:xfrm>
+        </p:spPr>
+        <p:txBody>
+          <a:bodyPr/>
+          <a:lstStyle/>
+          <a:p>
+            <a:r>
+              <a:rPr lang="nl-BE" dirty="0"/>
+              <a:t>De overgang tussen CSS-stijlen geleidelijk maken</a:t>
+            </a:r>
+          </a:p>
+          <a:p>
+            <a:pPr lvl="1"/>
+            <a:r>
+              <a:rPr lang="nl-BE" dirty="0" err="1">
+                <a:latin typeface="Consolas" panose="020B0609020204030204" pitchFamily="49" charset="0"/>
+              </a:rPr>
+              <a:t>Transition</a:t>
+            </a:r>
+            <a:r>
+              <a:rPr lang="nl-BE" dirty="0">
+                <a:latin typeface="Consolas" panose="020B0609020204030204" pitchFamily="49" charset="0"/>
+              </a:rPr>
+              <a:t>: </a:t>
+            </a:r>
+            <a:r>
+              <a:rPr lang="nl-BE" dirty="0" err="1">
+                <a:latin typeface="Consolas" panose="020B0609020204030204" pitchFamily="49" charset="0"/>
+              </a:rPr>
+              <a:t>all</a:t>
+            </a:r>
+            <a:r>
+              <a:rPr lang="nl-BE" dirty="0">
+                <a:latin typeface="Consolas" panose="020B0609020204030204" pitchFamily="49" charset="0"/>
+              </a:rPr>
+              <a:t> .2s </a:t>
+            </a:r>
+            <a:r>
+              <a:rPr lang="nl-BE" dirty="0" err="1">
+                <a:latin typeface="Consolas" panose="020B0609020204030204" pitchFamily="49" charset="0"/>
+              </a:rPr>
+              <a:t>ease</a:t>
+            </a:r>
+            <a:r>
+              <a:rPr lang="nl-BE" dirty="0">
+                <a:latin typeface="Consolas" panose="020B0609020204030204" pitchFamily="49" charset="0"/>
+              </a:rPr>
+              <a:t>-in;</a:t>
+            </a:r>
+          </a:p>
+          <a:p>
+            <a:pPr lvl="1"/>
+            <a:endParaRPr lang="nl-BE" dirty="0"/>
+          </a:p>
+          <a:p>
+            <a:pPr lvl="1"/>
+            <a:r>
+              <a:rPr lang="nl-BE" dirty="0"/>
+              <a:t>Mogelijk voor alle </a:t>
+            </a:r>
+            <a:r>
+              <a:rPr lang="nl-BE" b="1" dirty="0"/>
+              <a:t>of</a:t>
+            </a:r>
+            <a:r>
+              <a:rPr lang="nl-BE" dirty="0"/>
+              <a:t> specifieke </a:t>
+            </a:r>
+            <a:r>
               <a:rPr lang="nl-BE" dirty="0" err="1"/>
-              <a:t>Request</a:t>
+              <a:t>style</a:t>
             </a:r>
             <a:r>
               <a:rPr lang="nl-BE" dirty="0"/>
@@ -10257,45 +10327,27 @@
             </a:r>
             <a:r>
               <a:rPr lang="nl-BE" dirty="0" err="1"/>
-              <a:t>animation</a:t>
-            </a:r>
-            <a:r>
-              <a:rPr lang="nl-BE" dirty="0"/>
-              <a:t> frame</a:t>
-            </a:r>
-          </a:p>
-        </p:txBody>
-      </p:sp>
-      <p:sp>
-        <p:nvSpPr>
-          <p:cNvPr id="3" name="Tijdelijke aanduiding voor tekst 2">
-            <a:extLst>
-              <a:ext uri="{FF2B5EF4-FFF2-40B4-BE49-F238E27FC236}">
-                <a16:creationId xmlns:a16="http://schemas.microsoft.com/office/drawing/2014/main" id="{25E6300B-AC24-4FB2-A05D-06BE75683545}"/>
-              </a:ext>
-            </a:extLst>
-          </p:cNvPr>
-          <p:cNvSpPr>
-            <a:spLocks noGrp="1"/>
-          </p:cNvSpPr>
-          <p:nvPr>
-            <p:ph type="body" idx="1"/>
-          </p:nvPr>
-        </p:nvSpPr>
-        <p:spPr/>
-        <p:txBody>
-          <a:bodyPr/>
-          <a:lstStyle/>
-          <a:p>
-            <a:r>
-              <a:rPr lang="nl-BE" dirty="0"/>
-              <a:t>Smart </a:t>
-            </a:r>
+              <a:t>properties</a:t>
+            </a:r>
+            <a:endParaRPr lang="nl-BE" dirty="0"/>
+          </a:p>
+          <a:p>
+            <a:pPr lvl="1"/>
+            <a:r>
+              <a:rPr lang="nl-BE" dirty="0"/>
+              <a:t>Duurtijd</a:t>
+            </a:r>
+          </a:p>
+          <a:p>
+            <a:pPr lvl="1"/>
             <a:r>
               <a:rPr lang="nl-BE" dirty="0" err="1"/>
-              <a:t>rendering</a:t>
-            </a:r>
-            <a:endParaRPr lang="nl-BE" dirty="0"/>
+              <a:t>Ease</a:t>
+            </a:r>
+            <a:r>
+              <a:rPr lang="nl-BE" dirty="0"/>
+              <a:t>-in, -out of beiden</a:t>
+            </a:r>
           </a:p>
         </p:txBody>
       </p:sp>
@@ -10304,7 +10356,7 @@
           <p:cNvPr id="4" name="Tijdelijke aanduiding voor voettekst 3">
             <a:extLst>
               <a:ext uri="{FF2B5EF4-FFF2-40B4-BE49-F238E27FC236}">
-                <a16:creationId xmlns:a16="http://schemas.microsoft.com/office/drawing/2014/main" id="{7926BCFD-3A9A-492A-A57B-0A991170A3B7}"/>
+                <a16:creationId xmlns:a16="http://schemas.microsoft.com/office/drawing/2014/main" id="{9A86A9FB-1B9E-4B7A-910C-235D3A566A80}"/>
               </a:ext>
             </a:extLst>
           </p:cNvPr>
@@ -10332,7 +10384,7 @@
           <p:cNvPr id="5" name="Tijdelijke aanduiding voor dianummer 4">
             <a:extLst>
               <a:ext uri="{FF2B5EF4-FFF2-40B4-BE49-F238E27FC236}">
-                <a16:creationId xmlns:a16="http://schemas.microsoft.com/office/drawing/2014/main" id="{60BD1991-93F2-4440-9BAB-7167DEBBD3C1}"/>
+                <a16:creationId xmlns:a16="http://schemas.microsoft.com/office/drawing/2014/main" id="{A64CFB49-2F18-4019-89DD-E4922E4505C1}"/>
               </a:ext>
             </a:extLst>
           </p:cNvPr>
@@ -10350,7 +10402,6 @@
           <a:p>
             <a:fld id="{FF88DA20-ED00-471C-9170-60F590CB400A}" type="slidenum">
               <a:rPr lang="nl-BE" smtClean="0"/>
-              <a:pPr/>
               <a:t>23</a:t>
             </a:fld>
             <a:endParaRPr lang="nl-BE"/>
@@ -10359,10 +10410,10 @@
       </p:sp>
       <p:sp>
         <p:nvSpPr>
-          <p:cNvPr id="6" name="Tijdelijke aanduiding voor tekst 5">
-            <a:extLst>
-              <a:ext uri="{FF2B5EF4-FFF2-40B4-BE49-F238E27FC236}">
-                <a16:creationId xmlns:a16="http://schemas.microsoft.com/office/drawing/2014/main" id="{2BC75DC7-FD2B-4961-80F5-1A77FF877DD9}"/>
+          <p:cNvPr id="3" name="Tijdelijke aanduiding voor tekst 2">
+            <a:extLst>
+              <a:ext uri="{FF2B5EF4-FFF2-40B4-BE49-F238E27FC236}">
+                <a16:creationId xmlns:a16="http://schemas.microsoft.com/office/drawing/2014/main" id="{8007CC32-F96E-4CD9-95CF-403FC6BFF49B}"/>
               </a:ext>
             </a:extLst>
           </p:cNvPr>
@@ -10378,14 +10429,18 @@
           <a:bodyPr/>
           <a:lstStyle/>
           <a:p>
-            <a:endParaRPr lang="nl-BE"/>
+            <a:r>
+              <a:rPr lang="nl-BE" dirty="0" err="1"/>
+              <a:t>Transitions</a:t>
+            </a:r>
+            <a:endParaRPr lang="nl-BE" dirty="0"/>
           </a:p>
         </p:txBody>
       </p:sp>
     </p:spTree>
     <p:extLst>
       <p:ext uri="{BB962C8B-B14F-4D97-AF65-F5344CB8AC3E}">
-        <p14:creationId xmlns:p14="http://schemas.microsoft.com/office/powerpoint/2010/main" val="519223587"/>
+        <p14:creationId xmlns:p14="http://schemas.microsoft.com/office/powerpoint/2010/main" val="3962502238"/>
       </p:ext>
     </p:extLst>
   </p:cSld>
@@ -10417,7 +10472,7 @@
           <p:cNvPr id="2" name="Titel 1">
             <a:extLst>
               <a:ext uri="{FF2B5EF4-FFF2-40B4-BE49-F238E27FC236}">
-                <a16:creationId xmlns:a16="http://schemas.microsoft.com/office/drawing/2014/main" id="{465F132B-C9CE-4FCE-923D-CCAFB92AB8C8}"/>
+                <a16:creationId xmlns:a16="http://schemas.microsoft.com/office/drawing/2014/main" id="{C5EEAFBD-B5B8-4F85-98E4-19C38B628AD3}"/>
               </a:ext>
             </a:extLst>
           </p:cNvPr>
@@ -10434,57 +10489,54 @@
           <a:lstStyle/>
           <a:p>
             <a:r>
-              <a:rPr lang="nl-BE" dirty="0"/>
-              <a:t>Waarom?</a:t>
-            </a:r>
-          </a:p>
-        </p:txBody>
-      </p:sp>
-      <p:sp>
-        <p:nvSpPr>
-          <p:cNvPr id="8" name="Tijdelijke aanduiding voor inhoud 7">
-            <a:extLst>
-              <a:ext uri="{FF2B5EF4-FFF2-40B4-BE49-F238E27FC236}">
-                <a16:creationId xmlns:a16="http://schemas.microsoft.com/office/drawing/2014/main" id="{46660B48-BEE8-4738-9228-05126E64F4BB}"/>
-              </a:ext>
-            </a:extLst>
-          </p:cNvPr>
-          <p:cNvSpPr>
-            <a:spLocks noGrp="1"/>
-          </p:cNvSpPr>
-          <p:nvPr>
-            <p:ph idx="1"/>
-          </p:nvPr>
-        </p:nvSpPr>
-        <p:spPr>
-          <a:xfrm>
-            <a:off x="922789" y="2223082"/>
-            <a:ext cx="9988811" cy="2816917"/>
-          </a:xfrm>
-        </p:spPr>
-        <p:txBody>
-          <a:bodyPr/>
-          <a:lstStyle/>
-          <a:p>
-            <a:pPr lvl="1"/>
-            <a:r>
-              <a:rPr lang="nl-BE" dirty="0"/>
-              <a:t>De browser kan je animatie optimaliseren</a:t>
-            </a:r>
-          </a:p>
-          <a:p>
-            <a:pPr lvl="1"/>
-            <a:r>
-              <a:rPr lang="nl-BE" dirty="0"/>
-              <a:t>Animaties in inactieve tabs stoppen, dit zorgt ervoor dat de CPU minder berekeningen hoeft te doen</a:t>
-            </a:r>
-          </a:p>
-          <a:p>
-            <a:pPr lvl="1"/>
-            <a:r>
-              <a:rPr lang="nl-BE" dirty="0"/>
-              <a:t>Batterij-vriendelijker</a:t>
-            </a:r>
+              <a:rPr lang="nl-BE" dirty="0" err="1"/>
+              <a:t>Request</a:t>
+            </a:r>
+            <a:r>
+              <a:rPr lang="nl-BE" dirty="0"/>
+              <a:t> </a:t>
+            </a:r>
+            <a:r>
+              <a:rPr lang="nl-BE" dirty="0" err="1"/>
+              <a:t>animation</a:t>
+            </a:r>
+            <a:r>
+              <a:rPr lang="nl-BE" dirty="0"/>
+              <a:t> frame</a:t>
+            </a:r>
+          </a:p>
+        </p:txBody>
+      </p:sp>
+      <p:sp>
+        <p:nvSpPr>
+          <p:cNvPr id="3" name="Tijdelijke aanduiding voor tekst 2">
+            <a:extLst>
+              <a:ext uri="{FF2B5EF4-FFF2-40B4-BE49-F238E27FC236}">
+                <a16:creationId xmlns:a16="http://schemas.microsoft.com/office/drawing/2014/main" id="{25E6300B-AC24-4FB2-A05D-06BE75683545}"/>
+              </a:ext>
+            </a:extLst>
+          </p:cNvPr>
+          <p:cNvSpPr>
+            <a:spLocks noGrp="1"/>
+          </p:cNvSpPr>
+          <p:nvPr>
+            <p:ph type="body" idx="1"/>
+          </p:nvPr>
+        </p:nvSpPr>
+        <p:spPr/>
+        <p:txBody>
+          <a:bodyPr/>
+          <a:lstStyle/>
+          <a:p>
+            <a:r>
+              <a:rPr lang="nl-BE" dirty="0"/>
+              <a:t>Smart </a:t>
+            </a:r>
+            <a:r>
+              <a:rPr lang="nl-BE" dirty="0" err="1"/>
+              <a:t>rendering</a:t>
+            </a:r>
+            <a:endParaRPr lang="nl-BE" dirty="0"/>
           </a:p>
         </p:txBody>
       </p:sp>
@@ -10493,7 +10545,7 @@
           <p:cNvPr id="4" name="Tijdelijke aanduiding voor voettekst 3">
             <a:extLst>
               <a:ext uri="{FF2B5EF4-FFF2-40B4-BE49-F238E27FC236}">
-                <a16:creationId xmlns:a16="http://schemas.microsoft.com/office/drawing/2014/main" id="{9A86A9FB-1B9E-4B7A-910C-235D3A566A80}"/>
+                <a16:creationId xmlns:a16="http://schemas.microsoft.com/office/drawing/2014/main" id="{7926BCFD-3A9A-492A-A57B-0A991170A3B7}"/>
               </a:ext>
             </a:extLst>
           </p:cNvPr>
@@ -10521,7 +10573,7 @@
           <p:cNvPr id="5" name="Tijdelijke aanduiding voor dianummer 4">
             <a:extLst>
               <a:ext uri="{FF2B5EF4-FFF2-40B4-BE49-F238E27FC236}">
-                <a16:creationId xmlns:a16="http://schemas.microsoft.com/office/drawing/2014/main" id="{A64CFB49-2F18-4019-89DD-E4922E4505C1}"/>
+                <a16:creationId xmlns:a16="http://schemas.microsoft.com/office/drawing/2014/main" id="{60BD1991-93F2-4440-9BAB-7167DEBBD3C1}"/>
               </a:ext>
             </a:extLst>
           </p:cNvPr>
@@ -10539,6 +10591,7 @@
           <a:p>
             <a:fld id="{FF88DA20-ED00-471C-9170-60F590CB400A}" type="slidenum">
               <a:rPr lang="nl-BE" smtClean="0"/>
+              <a:pPr/>
               <a:t>24</a:t>
             </a:fld>
             <a:endParaRPr lang="nl-BE"/>
@@ -10547,10 +10600,10 @@
       </p:sp>
       <p:sp>
         <p:nvSpPr>
-          <p:cNvPr id="3" name="Tijdelijke aanduiding voor tekst 2">
-            <a:extLst>
-              <a:ext uri="{FF2B5EF4-FFF2-40B4-BE49-F238E27FC236}">
-                <a16:creationId xmlns:a16="http://schemas.microsoft.com/office/drawing/2014/main" id="{8007CC32-F96E-4CD9-95CF-403FC6BFF49B}"/>
+          <p:cNvPr id="6" name="Tijdelijke aanduiding voor tekst 5">
+            <a:extLst>
+              <a:ext uri="{FF2B5EF4-FFF2-40B4-BE49-F238E27FC236}">
+                <a16:creationId xmlns:a16="http://schemas.microsoft.com/office/drawing/2014/main" id="{2BC75DC7-FD2B-4961-80F5-1A77FF877DD9}"/>
               </a:ext>
             </a:extLst>
           </p:cNvPr>
@@ -10566,29 +10619,14 @@
           <a:bodyPr/>
           <a:lstStyle/>
           <a:p>
-            <a:r>
-              <a:rPr lang="nl-BE" dirty="0" err="1"/>
-              <a:t>Request</a:t>
-            </a:r>
-            <a:r>
-              <a:rPr lang="nl-BE" dirty="0"/>
-              <a:t> </a:t>
-            </a:r>
-            <a:r>
-              <a:rPr lang="nl-BE" dirty="0" err="1"/>
-              <a:t>animation</a:t>
-            </a:r>
-            <a:r>
-              <a:rPr lang="nl-BE" dirty="0"/>
-              <a:t> frame</a:t>
-            </a:r>
+            <a:endParaRPr lang="nl-BE"/>
           </a:p>
         </p:txBody>
       </p:sp>
     </p:spTree>
     <p:extLst>
       <p:ext uri="{BB962C8B-B14F-4D97-AF65-F5344CB8AC3E}">
-        <p14:creationId xmlns:p14="http://schemas.microsoft.com/office/powerpoint/2010/main" val="1802154112"/>
+        <p14:creationId xmlns:p14="http://schemas.microsoft.com/office/powerpoint/2010/main" val="519223587"/>
       </p:ext>
     </p:extLst>
   </p:cSld>
@@ -10617,10 +10655,10 @@
       </p:grpSpPr>
       <p:sp>
         <p:nvSpPr>
-          <p:cNvPr id="2" name="Title 1">
-            <a:extLst>
-              <a:ext uri="{FF2B5EF4-FFF2-40B4-BE49-F238E27FC236}">
-                <a16:creationId xmlns:a16="http://schemas.microsoft.com/office/drawing/2014/main" id="{A3E6F2B2-081F-42D1-A341-BCBA1748155C}"/>
+          <p:cNvPr id="2" name="Titel 1">
+            <a:extLst>
+              <a:ext uri="{FF2B5EF4-FFF2-40B4-BE49-F238E27FC236}">
+                <a16:creationId xmlns:a16="http://schemas.microsoft.com/office/drawing/2014/main" id="{465F132B-C9CE-4FCE-923D-CCAFB92AB8C8}"/>
               </a:ext>
             </a:extLst>
           </p:cNvPr>
@@ -10638,17 +10676,17 @@
           <a:p>
             <a:r>
               <a:rPr lang="nl-BE" dirty="0"/>
-              <a:t>Voorbeeld</a:t>
-            </a:r>
-          </a:p>
-        </p:txBody>
-      </p:sp>
-      <p:sp>
-        <p:nvSpPr>
-          <p:cNvPr id="3" name="Content Placeholder 2">
-            <a:extLst>
-              <a:ext uri="{FF2B5EF4-FFF2-40B4-BE49-F238E27FC236}">
-                <a16:creationId xmlns:a16="http://schemas.microsoft.com/office/drawing/2014/main" id="{9B68AEDE-1A7A-4C72-8E0A-69B89F69B4F7}"/>
+              <a:t>Waarom?</a:t>
+            </a:r>
+          </a:p>
+        </p:txBody>
+      </p:sp>
+      <p:sp>
+        <p:nvSpPr>
+          <p:cNvPr id="8" name="Tijdelijke aanduiding voor inhoud 7">
+            <a:extLst>
+              <a:ext uri="{FF2B5EF4-FFF2-40B4-BE49-F238E27FC236}">
+                <a16:creationId xmlns:a16="http://schemas.microsoft.com/office/drawing/2014/main" id="{46660B48-BEE8-4738-9228-05126E64F4BB}"/>
               </a:ext>
             </a:extLst>
           </p:cNvPr>
@@ -10659,127 +10697,34 @@
             <p:ph idx="1"/>
           </p:nvPr>
         </p:nvSpPr>
-        <p:spPr/>
-        <p:txBody>
-          <a:bodyPr/>
-          <a:lstStyle/>
-          <a:p>
-            <a:r>
-              <a:rPr lang="nl-BE" b="0" dirty="0" err="1">
-                <a:latin typeface="Consolas" panose="020B0609020204030204" pitchFamily="49" charset="0"/>
-              </a:rPr>
-              <a:t>function</a:t>
-            </a:r>
-            <a:r>
-              <a:rPr lang="nl-BE" b="0" dirty="0">
-                <a:latin typeface="Consolas" panose="020B0609020204030204" pitchFamily="49" charset="0"/>
-              </a:rPr>
-              <a:t> </a:t>
-            </a:r>
-            <a:r>
-              <a:rPr lang="nl-BE" dirty="0" err="1">
-                <a:latin typeface="Consolas" panose="020B0609020204030204" pitchFamily="49" charset="0"/>
-              </a:rPr>
-              <a:t>repeatOften</a:t>
-            </a:r>
-            <a:r>
-              <a:rPr lang="nl-BE" b="0" dirty="0">
-                <a:latin typeface="Consolas" panose="020B0609020204030204" pitchFamily="49" charset="0"/>
-              </a:rPr>
-              <a:t>() {</a:t>
-            </a:r>
-          </a:p>
-          <a:p>
-            <a:r>
-              <a:rPr lang="nl-BE" b="0" dirty="0">
-                <a:latin typeface="Consolas" panose="020B0609020204030204" pitchFamily="49" charset="0"/>
-              </a:rPr>
-              <a:t>  // Do </a:t>
-            </a:r>
-            <a:r>
-              <a:rPr lang="nl-BE" b="0" dirty="0" err="1">
-                <a:latin typeface="Consolas" panose="020B0609020204030204" pitchFamily="49" charset="0"/>
-              </a:rPr>
-              <a:t>whatever</a:t>
-            </a:r>
-            <a:endParaRPr lang="nl-BE" b="0" dirty="0">
-              <a:latin typeface="Consolas" panose="020B0609020204030204" pitchFamily="49" charset="0"/>
-            </a:endParaRPr>
-          </a:p>
-          <a:p>
-            <a:r>
-              <a:rPr lang="nl-BE" b="0" dirty="0">
-                <a:latin typeface="Consolas" panose="020B0609020204030204" pitchFamily="49" charset="0"/>
-              </a:rPr>
-              <a:t>  </a:t>
-            </a:r>
-            <a:r>
-              <a:rPr lang="nl-BE" b="0" dirty="0" err="1">
-                <a:latin typeface="Consolas" panose="020B0609020204030204" pitchFamily="49" charset="0"/>
-              </a:rPr>
-              <a:t>requestAnimationFrame</a:t>
-            </a:r>
-            <a:r>
-              <a:rPr lang="nl-BE" b="0" dirty="0">
-                <a:latin typeface="Consolas" panose="020B0609020204030204" pitchFamily="49" charset="0"/>
-              </a:rPr>
-              <a:t>(</a:t>
-            </a:r>
-            <a:r>
-              <a:rPr lang="nl-BE" dirty="0" err="1">
-                <a:latin typeface="Consolas" panose="020B0609020204030204" pitchFamily="49" charset="0"/>
-              </a:rPr>
-              <a:t>repeatOften</a:t>
-            </a:r>
-            <a:r>
-              <a:rPr lang="nl-BE" b="0" dirty="0">
-                <a:latin typeface="Consolas" panose="020B0609020204030204" pitchFamily="49" charset="0"/>
-              </a:rPr>
-              <a:t>);</a:t>
-            </a:r>
-          </a:p>
-          <a:p>
-            <a:r>
-              <a:rPr lang="nl-BE" b="0" dirty="0">
-                <a:latin typeface="Consolas" panose="020B0609020204030204" pitchFamily="49" charset="0"/>
-              </a:rPr>
-              <a:t>}</a:t>
-            </a:r>
-          </a:p>
-          <a:p>
-            <a:r>
-              <a:rPr lang="nl-BE" b="0" dirty="0" err="1">
-                <a:latin typeface="Consolas" panose="020B0609020204030204" pitchFamily="49" charset="0"/>
-              </a:rPr>
-              <a:t>requestAnimationFrame</a:t>
-            </a:r>
-            <a:r>
-              <a:rPr lang="nl-BE" b="0" dirty="0">
-                <a:latin typeface="Consolas" panose="020B0609020204030204" pitchFamily="49" charset="0"/>
-              </a:rPr>
-              <a:t>(</a:t>
-            </a:r>
-            <a:r>
-              <a:rPr lang="nl-BE" dirty="0" err="1">
-                <a:latin typeface="Consolas" panose="020B0609020204030204" pitchFamily="49" charset="0"/>
-              </a:rPr>
-              <a:t>repeatOften</a:t>
-            </a:r>
-            <a:r>
-              <a:rPr lang="nl-BE" b="0" dirty="0">
-                <a:latin typeface="Consolas" panose="020B0609020204030204" pitchFamily="49" charset="0"/>
-              </a:rPr>
-              <a:t>);</a:t>
-            </a:r>
-          </a:p>
-        </p:txBody>
-      </p:sp>
-      <p:sp>
-        <p:nvSpPr>
-          <p:cNvPr id="4" name="Footer Placeholder 3">
-            <a:extLst>
-              <a:ext uri="{FF2B5EF4-FFF2-40B4-BE49-F238E27FC236}">
-                <a16:creationId xmlns:a16="http://schemas.microsoft.com/office/drawing/2014/main" id="{A019479A-C7B4-40DC-ABA6-3FDFAF64AF9E}"/>
+        <p:spPr>
+          <a:xfrm>
+            <a:off x="922789" y="2223082"/>
+            <a:ext cx="9988811" cy="2816917"/>
+          </a:xfrm>
+        </p:spPr>
+        <p:txBody>
+          <a:bodyPr/>
+          <a:lstStyle/>
+          <a:p>
+            <a:pPr lvl="1"/>
+            <a:r>
+              <a:rPr lang="nl-BE" dirty="0" err="1"/>
+              <a:t>SetInterval</a:t>
+            </a:r>
+            <a:r>
+              <a:rPr lang="nl-BE" dirty="0"/>
+              <a:t>()</a:t>
+            </a:r>
+          </a:p>
+        </p:txBody>
+      </p:sp>
+      <p:sp>
+        <p:nvSpPr>
+          <p:cNvPr id="4" name="Tijdelijke aanduiding voor voettekst 3">
+            <a:extLst>
+              <a:ext uri="{FF2B5EF4-FFF2-40B4-BE49-F238E27FC236}">
+                <a16:creationId xmlns:a16="http://schemas.microsoft.com/office/drawing/2014/main" id="{9A86A9FB-1B9E-4B7A-910C-235D3A566A80}"/>
               </a:ext>
             </a:extLst>
           </p:cNvPr>
@@ -10804,10 +10749,10 @@
       </p:sp>
       <p:sp>
         <p:nvSpPr>
-          <p:cNvPr id="5" name="Slide Number Placeholder 4">
-            <a:extLst>
-              <a:ext uri="{FF2B5EF4-FFF2-40B4-BE49-F238E27FC236}">
-                <a16:creationId xmlns:a16="http://schemas.microsoft.com/office/drawing/2014/main" id="{E5E49462-1BEB-49B1-937F-5C9FF1759EEA}"/>
+          <p:cNvPr id="5" name="Tijdelijke aanduiding voor dianummer 4">
+            <a:extLst>
+              <a:ext uri="{FF2B5EF4-FFF2-40B4-BE49-F238E27FC236}">
+                <a16:creationId xmlns:a16="http://schemas.microsoft.com/office/drawing/2014/main" id="{A64CFB49-2F18-4019-89DD-E4922E4505C1}"/>
               </a:ext>
             </a:extLst>
           </p:cNvPr>
@@ -10833,10 +10778,10 @@
       </p:sp>
       <p:sp>
         <p:nvSpPr>
-          <p:cNvPr id="6" name="Text Placeholder 5">
-            <a:extLst>
-              <a:ext uri="{FF2B5EF4-FFF2-40B4-BE49-F238E27FC236}">
-                <a16:creationId xmlns:a16="http://schemas.microsoft.com/office/drawing/2014/main" id="{4D2DE9C0-B7F6-445B-AE30-A1035FD034D7}"/>
+          <p:cNvPr id="3" name="Tijdelijke aanduiding voor tekst 2">
+            <a:extLst>
+              <a:ext uri="{FF2B5EF4-FFF2-40B4-BE49-F238E27FC236}">
+                <a16:creationId xmlns:a16="http://schemas.microsoft.com/office/drawing/2014/main" id="{8007CC32-F96E-4CD9-95CF-403FC6BFF49B}"/>
               </a:ext>
             </a:extLst>
           </p:cNvPr>
@@ -10874,7 +10819,7 @@
     </p:spTree>
     <p:extLst>
       <p:ext uri="{BB962C8B-B14F-4D97-AF65-F5344CB8AC3E}">
-        <p14:creationId xmlns:p14="http://schemas.microsoft.com/office/powerpoint/2010/main" val="3876490024"/>
+        <p14:creationId xmlns:p14="http://schemas.microsoft.com/office/powerpoint/2010/main" val="1802154112"/>
       </p:ext>
     </p:extLst>
   </p:cSld>
@@ -10903,10 +10848,10 @@
       </p:grpSpPr>
       <p:sp>
         <p:nvSpPr>
-          <p:cNvPr id="2" name="Title 1">
-            <a:extLst>
-              <a:ext uri="{FF2B5EF4-FFF2-40B4-BE49-F238E27FC236}">
-                <a16:creationId xmlns:a16="http://schemas.microsoft.com/office/drawing/2014/main" id="{A3E6F2B2-081F-42D1-A341-BCBA1748155C}"/>
+          <p:cNvPr id="2" name="Titel 1">
+            <a:extLst>
+              <a:ext uri="{FF2B5EF4-FFF2-40B4-BE49-F238E27FC236}">
+                <a16:creationId xmlns:a16="http://schemas.microsoft.com/office/drawing/2014/main" id="{465F132B-C9CE-4FCE-923D-CCAFB92AB8C8}"/>
               </a:ext>
             </a:extLst>
           </p:cNvPr>
@@ -10924,17 +10869,17 @@
           <a:p>
             <a:r>
               <a:rPr lang="nl-BE" dirty="0"/>
-              <a:t>Voorbeeld</a:t>
-            </a:r>
-          </a:p>
-        </p:txBody>
-      </p:sp>
-      <p:sp>
-        <p:nvSpPr>
-          <p:cNvPr id="3" name="Content Placeholder 2">
-            <a:extLst>
-              <a:ext uri="{FF2B5EF4-FFF2-40B4-BE49-F238E27FC236}">
-                <a16:creationId xmlns:a16="http://schemas.microsoft.com/office/drawing/2014/main" id="{9B68AEDE-1A7A-4C72-8E0A-69B89F69B4F7}"/>
+              <a:t>Waarom?</a:t>
+            </a:r>
+          </a:p>
+        </p:txBody>
+      </p:sp>
+      <p:sp>
+        <p:nvSpPr>
+          <p:cNvPr id="8" name="Tijdelijke aanduiding voor inhoud 7">
+            <a:extLst>
+              <a:ext uri="{FF2B5EF4-FFF2-40B4-BE49-F238E27FC236}">
+                <a16:creationId xmlns:a16="http://schemas.microsoft.com/office/drawing/2014/main" id="{46660B48-BEE8-4738-9228-05126E64F4BB}"/>
               </a:ext>
             </a:extLst>
           </p:cNvPr>
@@ -10947,286 +10892,42 @@
         </p:nvSpPr>
         <p:spPr>
           <a:xfrm>
-            <a:off x="2541864" y="880844"/>
-            <a:ext cx="8369735" cy="5184396"/>
+            <a:off x="922789" y="2223082"/>
+            <a:ext cx="9988811" cy="2816917"/>
           </a:xfrm>
         </p:spPr>
         <p:txBody>
           <a:bodyPr/>
           <a:lstStyle/>
           <a:p>
-            <a:r>
-              <a:rPr lang="nl-BE" sz="1600" b="0" dirty="0">
-                <a:latin typeface="Consolas" panose="020B0609020204030204" pitchFamily="49" charset="0"/>
-              </a:rPr>
-              <a:t>var </a:t>
-            </a:r>
-            <a:r>
-              <a:rPr lang="nl-BE" sz="1600" dirty="0" err="1">
-                <a:latin typeface="Consolas" panose="020B0609020204030204" pitchFamily="49" charset="0"/>
-              </a:rPr>
-              <a:t>globalID</a:t>
-            </a:r>
-            <a:r>
-              <a:rPr lang="nl-BE" sz="1600" b="0" dirty="0">
-                <a:latin typeface="Consolas" panose="020B0609020204030204" pitchFamily="49" charset="0"/>
-              </a:rPr>
-              <a:t>;</a:t>
-            </a:r>
-          </a:p>
-          <a:p>
-            <a:endParaRPr lang="nl-BE" sz="1600" b="0" dirty="0">
-              <a:latin typeface="Consolas" panose="020B0609020204030204" pitchFamily="49" charset="0"/>
-            </a:endParaRPr>
-          </a:p>
-          <a:p>
-            <a:r>
-              <a:rPr lang="nl-BE" sz="1600" b="0" dirty="0" err="1">
-                <a:latin typeface="Consolas" panose="020B0609020204030204" pitchFamily="49" charset="0"/>
-              </a:rPr>
-              <a:t>function</a:t>
-            </a:r>
-            <a:r>
-              <a:rPr lang="nl-BE" sz="1600" b="0" dirty="0">
-                <a:latin typeface="Consolas" panose="020B0609020204030204" pitchFamily="49" charset="0"/>
-              </a:rPr>
-              <a:t> </a:t>
-            </a:r>
-            <a:r>
-              <a:rPr lang="nl-BE" sz="1600" dirty="0" err="1">
-                <a:latin typeface="Consolas" panose="020B0609020204030204" pitchFamily="49" charset="0"/>
-              </a:rPr>
-              <a:t>repeatOften</a:t>
-            </a:r>
-            <a:r>
-              <a:rPr lang="nl-BE" sz="1600" b="0" dirty="0">
-                <a:latin typeface="Consolas" panose="020B0609020204030204" pitchFamily="49" charset="0"/>
-              </a:rPr>
-              <a:t>() {</a:t>
-            </a:r>
-          </a:p>
-          <a:p>
-            <a:r>
-              <a:rPr lang="nl-BE" sz="1600" b="0" dirty="0">
-                <a:latin typeface="Consolas" panose="020B0609020204030204" pitchFamily="49" charset="0"/>
-              </a:rPr>
-              <a:t>  $("&lt;div /&gt;").</a:t>
-            </a:r>
-            <a:r>
-              <a:rPr lang="nl-BE" sz="1600" b="0" dirty="0" err="1">
-                <a:latin typeface="Consolas" panose="020B0609020204030204" pitchFamily="49" charset="0"/>
-              </a:rPr>
-              <a:t>appendTo</a:t>
-            </a:r>
-            <a:r>
-              <a:rPr lang="nl-BE" sz="1600" b="0" dirty="0">
-                <a:latin typeface="Consolas" panose="020B0609020204030204" pitchFamily="49" charset="0"/>
-              </a:rPr>
-              <a:t>("body");</a:t>
-            </a:r>
-          </a:p>
-          <a:p>
-            <a:r>
-              <a:rPr lang="nl-BE" sz="1600" b="0" dirty="0">
-                <a:latin typeface="Consolas" panose="020B0609020204030204" pitchFamily="49" charset="0"/>
-              </a:rPr>
-              <a:t>  </a:t>
-            </a:r>
-            <a:r>
-              <a:rPr lang="nl-BE" sz="1600" dirty="0" err="1">
-                <a:latin typeface="Consolas" panose="020B0609020204030204" pitchFamily="49" charset="0"/>
-              </a:rPr>
-              <a:t>globalID</a:t>
-            </a:r>
-            <a:r>
-              <a:rPr lang="nl-BE" sz="1600" b="0" dirty="0">
-                <a:latin typeface="Consolas" panose="020B0609020204030204" pitchFamily="49" charset="0"/>
-              </a:rPr>
-              <a:t> = </a:t>
-            </a:r>
-            <a:r>
-              <a:rPr lang="nl-BE" sz="1600" b="0" dirty="0" err="1">
-                <a:latin typeface="Consolas" panose="020B0609020204030204" pitchFamily="49" charset="0"/>
-              </a:rPr>
-              <a:t>requestAnimationFrame</a:t>
-            </a:r>
-            <a:r>
-              <a:rPr lang="nl-BE" sz="1600" b="0" dirty="0">
-                <a:latin typeface="Consolas" panose="020B0609020204030204" pitchFamily="49" charset="0"/>
-              </a:rPr>
-              <a:t>(</a:t>
-            </a:r>
-            <a:r>
-              <a:rPr lang="nl-BE" sz="1600" dirty="0" err="1">
-                <a:latin typeface="Consolas" panose="020B0609020204030204" pitchFamily="49" charset="0"/>
-              </a:rPr>
-              <a:t>repeatOften</a:t>
-            </a:r>
-            <a:r>
-              <a:rPr lang="nl-BE" sz="1600" b="0" dirty="0">
-                <a:latin typeface="Consolas" panose="020B0609020204030204" pitchFamily="49" charset="0"/>
-              </a:rPr>
-              <a:t>);</a:t>
-            </a:r>
-          </a:p>
-          <a:p>
-            <a:r>
-              <a:rPr lang="nl-BE" sz="1600" b="0" dirty="0">
-                <a:latin typeface="Consolas" panose="020B0609020204030204" pitchFamily="49" charset="0"/>
-              </a:rPr>
-              <a:t>}</a:t>
-            </a:r>
-          </a:p>
-          <a:p>
-            <a:endParaRPr lang="nl-BE" sz="1600" b="0" dirty="0">
-              <a:latin typeface="Consolas" panose="020B0609020204030204" pitchFamily="49" charset="0"/>
-            </a:endParaRPr>
-          </a:p>
-          <a:p>
-            <a:r>
-              <a:rPr lang="nl-BE" sz="1600" b="0" dirty="0">
-                <a:latin typeface="Consolas" panose="020B0609020204030204" pitchFamily="49" charset="0"/>
-              </a:rPr>
-              <a:t>$("#start").on("click", </a:t>
-            </a:r>
-            <a:r>
-              <a:rPr lang="nl-BE" sz="1600" b="0" dirty="0" err="1">
-                <a:latin typeface="Consolas" panose="020B0609020204030204" pitchFamily="49" charset="0"/>
-              </a:rPr>
-              <a:t>function</a:t>
-            </a:r>
-            <a:r>
-              <a:rPr lang="nl-BE" sz="1600" b="0" dirty="0">
-                <a:latin typeface="Consolas" panose="020B0609020204030204" pitchFamily="49" charset="0"/>
-              </a:rPr>
-              <a:t>() {</a:t>
-            </a:r>
-          </a:p>
-          <a:p>
-            <a:r>
-              <a:rPr lang="nl-BE" sz="1600" b="0" dirty="0">
-                <a:latin typeface="Consolas" panose="020B0609020204030204" pitchFamily="49" charset="0"/>
-              </a:rPr>
-              <a:t>  </a:t>
-            </a:r>
-            <a:r>
-              <a:rPr lang="nl-BE" sz="1600" dirty="0" err="1">
-                <a:latin typeface="Consolas" panose="020B0609020204030204" pitchFamily="49" charset="0"/>
-              </a:rPr>
-              <a:t>globalID</a:t>
-            </a:r>
-            <a:r>
-              <a:rPr lang="nl-BE" sz="1600" b="0" dirty="0">
-                <a:latin typeface="Consolas" panose="020B0609020204030204" pitchFamily="49" charset="0"/>
-              </a:rPr>
-              <a:t> = </a:t>
-            </a:r>
-            <a:r>
-              <a:rPr lang="nl-BE" sz="1600" b="0" dirty="0" err="1">
-                <a:latin typeface="Consolas" panose="020B0609020204030204" pitchFamily="49" charset="0"/>
-              </a:rPr>
-              <a:t>requestAnimationFrame</a:t>
-            </a:r>
-            <a:r>
-              <a:rPr lang="nl-BE" sz="1600" b="0" dirty="0">
-                <a:latin typeface="Consolas" panose="020B0609020204030204" pitchFamily="49" charset="0"/>
-              </a:rPr>
-              <a:t>(</a:t>
-            </a:r>
-            <a:r>
-              <a:rPr lang="nl-BE" sz="1600" dirty="0" err="1">
-                <a:latin typeface="Consolas" panose="020B0609020204030204" pitchFamily="49" charset="0"/>
-              </a:rPr>
-              <a:t>repeatOften</a:t>
-            </a:r>
-            <a:r>
-              <a:rPr lang="nl-BE" sz="1600" b="0" dirty="0">
-                <a:latin typeface="Consolas" panose="020B0609020204030204" pitchFamily="49" charset="0"/>
-              </a:rPr>
-              <a:t>);</a:t>
-            </a:r>
-          </a:p>
-          <a:p>
-            <a:r>
-              <a:rPr lang="nl-BE" sz="1600" b="0" dirty="0">
-                <a:latin typeface="Consolas" panose="020B0609020204030204" pitchFamily="49" charset="0"/>
-              </a:rPr>
-              <a:t>});</a:t>
-            </a:r>
-          </a:p>
-          <a:p>
-            <a:endParaRPr lang="nl-BE" sz="1600" b="0" dirty="0">
-              <a:latin typeface="Consolas" panose="020B0609020204030204" pitchFamily="49" charset="0"/>
-            </a:endParaRPr>
-          </a:p>
-          <a:p>
-            <a:r>
-              <a:rPr lang="nl-BE" sz="1600" b="0" dirty="0">
-                <a:latin typeface="Consolas" panose="020B0609020204030204" pitchFamily="49" charset="0"/>
-              </a:rPr>
-              <a:t>$("#stop").on("click", </a:t>
-            </a:r>
-            <a:r>
-              <a:rPr lang="nl-BE" sz="1600" b="0" dirty="0" err="1">
-                <a:latin typeface="Consolas" panose="020B0609020204030204" pitchFamily="49" charset="0"/>
-              </a:rPr>
-              <a:t>function</a:t>
-            </a:r>
-            <a:r>
-              <a:rPr lang="nl-BE" sz="1600" b="0" dirty="0">
-                <a:latin typeface="Consolas" panose="020B0609020204030204" pitchFamily="49" charset="0"/>
-              </a:rPr>
-              <a:t>() {</a:t>
-            </a:r>
-          </a:p>
-          <a:p>
-            <a:r>
-              <a:rPr lang="nl-BE" sz="1600" b="0" dirty="0">
-                <a:latin typeface="Consolas" panose="020B0609020204030204" pitchFamily="49" charset="0"/>
-              </a:rPr>
-              <a:t>  </a:t>
-            </a:r>
-            <a:r>
-              <a:rPr lang="nl-BE" sz="1600" b="0" dirty="0" err="1">
-                <a:latin typeface="Consolas" panose="020B0609020204030204" pitchFamily="49" charset="0"/>
-              </a:rPr>
-              <a:t>cancelAnimationFrame</a:t>
-            </a:r>
-            <a:r>
-              <a:rPr lang="nl-BE" sz="1600" b="0" dirty="0">
-                <a:latin typeface="Consolas" panose="020B0609020204030204" pitchFamily="49" charset="0"/>
-              </a:rPr>
-              <a:t>(</a:t>
-            </a:r>
-            <a:r>
-              <a:rPr lang="nl-BE" sz="1600" dirty="0" err="1">
-                <a:latin typeface="Consolas" panose="020B0609020204030204" pitchFamily="49" charset="0"/>
-              </a:rPr>
-              <a:t>globalID</a:t>
-            </a:r>
-            <a:r>
-              <a:rPr lang="nl-BE" sz="1600" b="0" dirty="0">
-                <a:latin typeface="Consolas" panose="020B0609020204030204" pitchFamily="49" charset="0"/>
-              </a:rPr>
-              <a:t>);</a:t>
-            </a:r>
-          </a:p>
-          <a:p>
-            <a:r>
-              <a:rPr lang="nl-BE" sz="1600" b="0" dirty="0">
-                <a:latin typeface="Consolas" panose="020B0609020204030204" pitchFamily="49" charset="0"/>
-              </a:rPr>
-              <a:t>});</a:t>
-            </a:r>
-          </a:p>
-        </p:txBody>
-      </p:sp>
-      <p:sp>
-        <p:nvSpPr>
-          <p:cNvPr id="4" name="Footer Placeholder 3">
-            <a:extLst>
-              <a:ext uri="{FF2B5EF4-FFF2-40B4-BE49-F238E27FC236}">
-                <a16:creationId xmlns:a16="http://schemas.microsoft.com/office/drawing/2014/main" id="{A019479A-C7B4-40DC-ABA6-3FDFAF64AF9E}"/>
+            <a:pPr lvl="1"/>
+            <a:r>
+              <a:rPr lang="nl-BE" dirty="0"/>
+              <a:t>De browser kan je animatie optimaliseren</a:t>
+            </a:r>
+          </a:p>
+          <a:p>
+            <a:pPr lvl="1"/>
+            <a:r>
+              <a:rPr lang="nl-BE" dirty="0"/>
+              <a:t>Animaties in inactieve tabs stoppen, dit zorgt ervoor dat de CPU minder berekeningen hoeft te doen</a:t>
+            </a:r>
+          </a:p>
+          <a:p>
+            <a:pPr lvl="1"/>
+            <a:r>
+              <a:rPr lang="nl-BE" dirty="0"/>
+              <a:t>Batterij-vriendelijker</a:t>
+            </a:r>
+          </a:p>
+        </p:txBody>
+      </p:sp>
+      <p:sp>
+        <p:nvSpPr>
+          <p:cNvPr id="4" name="Tijdelijke aanduiding voor voettekst 3">
+            <a:extLst>
+              <a:ext uri="{FF2B5EF4-FFF2-40B4-BE49-F238E27FC236}">
+                <a16:creationId xmlns:a16="http://schemas.microsoft.com/office/drawing/2014/main" id="{9A86A9FB-1B9E-4B7A-910C-235D3A566A80}"/>
               </a:ext>
             </a:extLst>
           </p:cNvPr>
@@ -11251,10 +10952,10 @@
       </p:sp>
       <p:sp>
         <p:nvSpPr>
-          <p:cNvPr id="5" name="Slide Number Placeholder 4">
-            <a:extLst>
-              <a:ext uri="{FF2B5EF4-FFF2-40B4-BE49-F238E27FC236}">
-                <a16:creationId xmlns:a16="http://schemas.microsoft.com/office/drawing/2014/main" id="{E5E49462-1BEB-49B1-937F-5C9FF1759EEA}"/>
+          <p:cNvPr id="5" name="Tijdelijke aanduiding voor dianummer 4">
+            <a:extLst>
+              <a:ext uri="{FF2B5EF4-FFF2-40B4-BE49-F238E27FC236}">
+                <a16:creationId xmlns:a16="http://schemas.microsoft.com/office/drawing/2014/main" id="{A64CFB49-2F18-4019-89DD-E4922E4505C1}"/>
               </a:ext>
             </a:extLst>
           </p:cNvPr>
@@ -11280,10 +10981,10 @@
       </p:sp>
       <p:sp>
         <p:nvSpPr>
-          <p:cNvPr id="6" name="Text Placeholder 5">
-            <a:extLst>
-              <a:ext uri="{FF2B5EF4-FFF2-40B4-BE49-F238E27FC236}">
-                <a16:creationId xmlns:a16="http://schemas.microsoft.com/office/drawing/2014/main" id="{4D2DE9C0-B7F6-445B-AE30-A1035FD034D7}"/>
+          <p:cNvPr id="3" name="Tijdelijke aanduiding voor tekst 2">
+            <a:extLst>
+              <a:ext uri="{FF2B5EF4-FFF2-40B4-BE49-F238E27FC236}">
+                <a16:creationId xmlns:a16="http://schemas.microsoft.com/office/drawing/2014/main" id="{8007CC32-F96E-4CD9-95CF-403FC6BFF49B}"/>
               </a:ext>
             </a:extLst>
           </p:cNvPr>
@@ -11321,7 +11022,7 @@
     </p:spTree>
     <p:extLst>
       <p:ext uri="{BB962C8B-B14F-4D97-AF65-F5344CB8AC3E}">
-        <p14:creationId xmlns:p14="http://schemas.microsoft.com/office/powerpoint/2010/main" val="89553126"/>
+        <p14:creationId xmlns:p14="http://schemas.microsoft.com/office/powerpoint/2010/main" val="4270358474"/>
       </p:ext>
     </p:extLst>
   </p:cSld>
@@ -11350,10 +11051,10 @@
       </p:grpSpPr>
       <p:sp>
         <p:nvSpPr>
-          <p:cNvPr id="2" name="Titel 1">
-            <a:extLst>
-              <a:ext uri="{FF2B5EF4-FFF2-40B4-BE49-F238E27FC236}">
-                <a16:creationId xmlns:a16="http://schemas.microsoft.com/office/drawing/2014/main" id="{C5EEAFBD-B5B8-4F85-98E4-19C38B628AD3}"/>
+          <p:cNvPr id="2" name="Title 1">
+            <a:extLst>
+              <a:ext uri="{FF2B5EF4-FFF2-40B4-BE49-F238E27FC236}">
+                <a16:creationId xmlns:a16="http://schemas.microsoft.com/office/drawing/2014/main" id="{A3E6F2B2-081F-42D1-A341-BCBA1748155C}"/>
               </a:ext>
             </a:extLst>
           </p:cNvPr>
@@ -11371,62 +11072,148 @@
           <a:p>
             <a:r>
               <a:rPr lang="nl-BE" dirty="0"/>
-              <a:t>Web speech API</a:t>
-            </a:r>
-          </a:p>
-        </p:txBody>
-      </p:sp>
-      <p:sp>
-        <p:nvSpPr>
-          <p:cNvPr id="3" name="Tijdelijke aanduiding voor tekst 2">
-            <a:extLst>
-              <a:ext uri="{FF2B5EF4-FFF2-40B4-BE49-F238E27FC236}">
-                <a16:creationId xmlns:a16="http://schemas.microsoft.com/office/drawing/2014/main" id="{25E6300B-AC24-4FB2-A05D-06BE75683545}"/>
-              </a:ext>
-            </a:extLst>
-          </p:cNvPr>
-          <p:cNvSpPr>
-            <a:spLocks noGrp="1"/>
-          </p:cNvSpPr>
-          <p:nvPr>
-            <p:ph type="body" idx="1"/>
-          </p:nvPr>
-        </p:nvSpPr>
-        <p:spPr/>
-        <p:txBody>
-          <a:bodyPr/>
-          <a:lstStyle/>
-          <a:p>
-            <a:r>
-              <a:rPr lang="nl-BE" dirty="0" err="1"/>
-              <a:t>Words</a:t>
-            </a:r>
-            <a:r>
-              <a:rPr lang="nl-BE" dirty="0"/>
+              <a:t>Voorbeeld</a:t>
+            </a:r>
+          </a:p>
+        </p:txBody>
+      </p:sp>
+      <p:sp>
+        <p:nvSpPr>
+          <p:cNvPr id="3" name="Content Placeholder 2">
+            <a:extLst>
+              <a:ext uri="{FF2B5EF4-FFF2-40B4-BE49-F238E27FC236}">
+                <a16:creationId xmlns:a16="http://schemas.microsoft.com/office/drawing/2014/main" id="{9B68AEDE-1A7A-4C72-8E0A-69B89F69B4F7}"/>
+              </a:ext>
+            </a:extLst>
+          </p:cNvPr>
+          <p:cNvSpPr>
+            <a:spLocks noGrp="1"/>
+          </p:cNvSpPr>
+          <p:nvPr>
+            <p:ph idx="1"/>
+          </p:nvPr>
+        </p:nvSpPr>
+        <p:spPr/>
+        <p:txBody>
+          <a:bodyPr/>
+          <a:lstStyle/>
+          <a:p>
+            <a:r>
+              <a:rPr lang="nl-BE" b="0" dirty="0" err="1">
+                <a:latin typeface="Consolas" panose="020B0609020204030204" pitchFamily="49" charset="0"/>
+              </a:rPr>
+              <a:t>function</a:t>
+            </a:r>
+            <a:r>
+              <a:rPr lang="nl-BE" b="0" dirty="0">
+                <a:latin typeface="Consolas" panose="020B0609020204030204" pitchFamily="49" charset="0"/>
+              </a:rPr>
               <a:t> </a:t>
             </a:r>
             <a:r>
-              <a:rPr lang="nl-BE" dirty="0" err="1"/>
-              <a:t>to</a:t>
-            </a:r>
-            <a:r>
-              <a:rPr lang="nl-BE" dirty="0"/>
-              <a:t> </a:t>
-            </a:r>
-            <a:r>
-              <a:rPr lang="nl-BE" dirty="0" err="1"/>
-              <a:t>text</a:t>
-            </a:r>
-            <a:endParaRPr lang="nl-BE" dirty="0"/>
-          </a:p>
-        </p:txBody>
-      </p:sp>
-      <p:sp>
-        <p:nvSpPr>
-          <p:cNvPr id="4" name="Tijdelijke aanduiding voor voettekst 3">
-            <a:extLst>
-              <a:ext uri="{FF2B5EF4-FFF2-40B4-BE49-F238E27FC236}">
-                <a16:creationId xmlns:a16="http://schemas.microsoft.com/office/drawing/2014/main" id="{7926BCFD-3A9A-492A-A57B-0A991170A3B7}"/>
+              <a:rPr lang="nl-BE" dirty="0" err="1">
+                <a:latin typeface="Consolas" panose="020B0609020204030204" pitchFamily="49" charset="0"/>
+              </a:rPr>
+              <a:t>repeatOften</a:t>
+            </a:r>
+            <a:r>
+              <a:rPr lang="nl-BE" b="0" dirty="0">
+                <a:latin typeface="Consolas" panose="020B0609020204030204" pitchFamily="49" charset="0"/>
+              </a:rPr>
+              <a:t>() {</a:t>
+            </a:r>
+          </a:p>
+          <a:p>
+            <a:r>
+              <a:rPr lang="nl-BE" b="0" dirty="0">
+                <a:latin typeface="Consolas" panose="020B0609020204030204" pitchFamily="49" charset="0"/>
+              </a:rPr>
+              <a:t>  // Do </a:t>
+            </a:r>
+            <a:r>
+              <a:rPr lang="nl-BE" b="0" dirty="0" err="1">
+                <a:latin typeface="Consolas" panose="020B0609020204030204" pitchFamily="49" charset="0"/>
+              </a:rPr>
+              <a:t>whatever</a:t>
+            </a:r>
+            <a:endParaRPr lang="nl-BE" b="0" dirty="0">
+              <a:latin typeface="Consolas" panose="020B0609020204030204" pitchFamily="49" charset="0"/>
+            </a:endParaRPr>
+          </a:p>
+          <a:p>
+            <a:r>
+              <a:rPr lang="nl-BE" b="0" dirty="0">
+                <a:latin typeface="Consolas" panose="020B0609020204030204" pitchFamily="49" charset="0"/>
+              </a:rPr>
+              <a:t>  </a:t>
+            </a:r>
+            <a:r>
+              <a:rPr lang="nl-BE" b="0" dirty="0" err="1">
+                <a:latin typeface="Consolas" panose="020B0609020204030204" pitchFamily="49" charset="0"/>
+              </a:rPr>
+              <a:t>requestAnimationFrame</a:t>
+            </a:r>
+            <a:r>
+              <a:rPr lang="nl-BE" b="0" dirty="0">
+                <a:latin typeface="Consolas" panose="020B0609020204030204" pitchFamily="49" charset="0"/>
+              </a:rPr>
+              <a:t>(</a:t>
+            </a:r>
+            <a:r>
+              <a:rPr lang="nl-BE" dirty="0" err="1">
+                <a:latin typeface="Consolas" panose="020B0609020204030204" pitchFamily="49" charset="0"/>
+              </a:rPr>
+              <a:t>repeatOften</a:t>
+            </a:r>
+            <a:r>
+              <a:rPr lang="nl-BE" b="0" dirty="0">
+                <a:latin typeface="Consolas" panose="020B0609020204030204" pitchFamily="49" charset="0"/>
+              </a:rPr>
+              <a:t>);</a:t>
+            </a:r>
+          </a:p>
+          <a:p>
+            <a:r>
+              <a:rPr lang="nl-BE" b="0" dirty="0">
+                <a:latin typeface="Consolas" panose="020B0609020204030204" pitchFamily="49" charset="0"/>
+              </a:rPr>
+              <a:t>}</a:t>
+            </a:r>
+          </a:p>
+          <a:p>
+            <a:r>
+              <a:rPr lang="nl-BE" b="0" dirty="0" err="1">
+                <a:latin typeface="Consolas" panose="020B0609020204030204" pitchFamily="49" charset="0"/>
+              </a:rPr>
+              <a:t>requestAnimationFrame</a:t>
+            </a:r>
+            <a:r>
+              <a:rPr lang="nl-BE" b="0" dirty="0">
+                <a:latin typeface="Consolas" panose="020B0609020204030204" pitchFamily="49" charset="0"/>
+              </a:rPr>
+              <a:t>(</a:t>
+            </a:r>
+            <a:r>
+              <a:rPr lang="nl-BE" dirty="0" err="1">
+                <a:latin typeface="Consolas" panose="020B0609020204030204" pitchFamily="49" charset="0"/>
+              </a:rPr>
+              <a:t>repeatOften</a:t>
+            </a:r>
+            <a:r>
+              <a:rPr lang="nl-BE" b="0" dirty="0">
+                <a:latin typeface="Consolas" panose="020B0609020204030204" pitchFamily="49" charset="0"/>
+              </a:rPr>
+              <a:t>);</a:t>
+            </a:r>
+          </a:p>
+        </p:txBody>
+      </p:sp>
+      <p:sp>
+        <p:nvSpPr>
+          <p:cNvPr id="4" name="Footer Placeholder 3">
+            <a:extLst>
+              <a:ext uri="{FF2B5EF4-FFF2-40B4-BE49-F238E27FC236}">
+                <a16:creationId xmlns:a16="http://schemas.microsoft.com/office/drawing/2014/main" id="{A019479A-C7B4-40DC-ABA6-3FDFAF64AF9E}"/>
               </a:ext>
             </a:extLst>
           </p:cNvPr>
@@ -11451,10 +11238,10 @@
       </p:sp>
       <p:sp>
         <p:nvSpPr>
-          <p:cNvPr id="5" name="Tijdelijke aanduiding voor dianummer 4">
-            <a:extLst>
-              <a:ext uri="{FF2B5EF4-FFF2-40B4-BE49-F238E27FC236}">
-                <a16:creationId xmlns:a16="http://schemas.microsoft.com/office/drawing/2014/main" id="{60BD1991-93F2-4440-9BAB-7167DEBBD3C1}"/>
+          <p:cNvPr id="5" name="Slide Number Placeholder 4">
+            <a:extLst>
+              <a:ext uri="{FF2B5EF4-FFF2-40B4-BE49-F238E27FC236}">
+                <a16:creationId xmlns:a16="http://schemas.microsoft.com/office/drawing/2014/main" id="{E5E49462-1BEB-49B1-937F-5C9FF1759EEA}"/>
               </a:ext>
             </a:extLst>
           </p:cNvPr>
@@ -11472,7 +11259,6 @@
           <a:p>
             <a:fld id="{FF88DA20-ED00-471C-9170-60F590CB400A}" type="slidenum">
               <a:rPr lang="nl-BE" smtClean="0"/>
-              <a:pPr/>
               <a:t>27</a:t>
             </a:fld>
             <a:endParaRPr lang="nl-BE"/>
@@ -11481,10 +11267,10 @@
       </p:sp>
       <p:sp>
         <p:nvSpPr>
-          <p:cNvPr id="6" name="Tijdelijke aanduiding voor tekst 5">
-            <a:extLst>
-              <a:ext uri="{FF2B5EF4-FFF2-40B4-BE49-F238E27FC236}">
-                <a16:creationId xmlns:a16="http://schemas.microsoft.com/office/drawing/2014/main" id="{2BC75DC7-FD2B-4961-80F5-1A77FF877DD9}"/>
+          <p:cNvPr id="6" name="Text Placeholder 5">
+            <a:extLst>
+              <a:ext uri="{FF2B5EF4-FFF2-40B4-BE49-F238E27FC236}">
+                <a16:creationId xmlns:a16="http://schemas.microsoft.com/office/drawing/2014/main" id="{4D2DE9C0-B7F6-445B-AE30-A1035FD034D7}"/>
               </a:ext>
             </a:extLst>
           </p:cNvPr>
@@ -11500,14 +11286,29 @@
           <a:bodyPr/>
           <a:lstStyle/>
           <a:p>
-            <a:endParaRPr lang="nl-BE"/>
+            <a:r>
+              <a:rPr lang="nl-BE" dirty="0" err="1"/>
+              <a:t>Request</a:t>
+            </a:r>
+            <a:r>
+              <a:rPr lang="nl-BE" dirty="0"/>
+              <a:t> </a:t>
+            </a:r>
+            <a:r>
+              <a:rPr lang="nl-BE" dirty="0" err="1"/>
+              <a:t>animation</a:t>
+            </a:r>
+            <a:r>
+              <a:rPr lang="nl-BE" dirty="0"/>
+              <a:t> frame</a:t>
+            </a:r>
           </a:p>
         </p:txBody>
       </p:sp>
     </p:spTree>
     <p:extLst>
       <p:ext uri="{BB962C8B-B14F-4D97-AF65-F5344CB8AC3E}">
-        <p14:creationId xmlns:p14="http://schemas.microsoft.com/office/powerpoint/2010/main" val="125624917"/>
+        <p14:creationId xmlns:p14="http://schemas.microsoft.com/office/powerpoint/2010/main" val="3876490024"/>
       </p:ext>
     </p:extLst>
   </p:cSld>
@@ -11536,10 +11337,10 @@
       </p:grpSpPr>
       <p:sp>
         <p:nvSpPr>
-          <p:cNvPr id="2" name="Titel 1">
-            <a:extLst>
-              <a:ext uri="{FF2B5EF4-FFF2-40B4-BE49-F238E27FC236}">
-                <a16:creationId xmlns:a16="http://schemas.microsoft.com/office/drawing/2014/main" id="{465F132B-C9CE-4FCE-923D-CCAFB92AB8C8}"/>
+          <p:cNvPr id="2" name="Title 1">
+            <a:extLst>
+              <a:ext uri="{FF2B5EF4-FFF2-40B4-BE49-F238E27FC236}">
+                <a16:creationId xmlns:a16="http://schemas.microsoft.com/office/drawing/2014/main" id="{A3E6F2B2-081F-42D1-A341-BCBA1748155C}"/>
               </a:ext>
             </a:extLst>
           </p:cNvPr>
@@ -11557,17 +11358,17 @@
           <a:p>
             <a:r>
               <a:rPr lang="nl-BE" dirty="0"/>
-              <a:t>Wat kan je ermee doen?</a:t>
-            </a:r>
-          </a:p>
-        </p:txBody>
-      </p:sp>
-      <p:sp>
-        <p:nvSpPr>
-          <p:cNvPr id="8" name="Tijdelijke aanduiding voor inhoud 7">
-            <a:extLst>
-              <a:ext uri="{FF2B5EF4-FFF2-40B4-BE49-F238E27FC236}">
-                <a16:creationId xmlns:a16="http://schemas.microsoft.com/office/drawing/2014/main" id="{46660B48-BEE8-4738-9228-05126E64F4BB}"/>
+              <a:t>Voorbeeld</a:t>
+            </a:r>
+          </a:p>
+        </p:txBody>
+      </p:sp>
+      <p:sp>
+        <p:nvSpPr>
+          <p:cNvPr id="3" name="Content Placeholder 2">
+            <a:extLst>
+              <a:ext uri="{FF2B5EF4-FFF2-40B4-BE49-F238E27FC236}">
+                <a16:creationId xmlns:a16="http://schemas.microsoft.com/office/drawing/2014/main" id="{9B68AEDE-1A7A-4C72-8E0A-69B89F69B4F7}"/>
               </a:ext>
             </a:extLst>
           </p:cNvPr>
@@ -11580,8 +11381,8 @@
         </p:nvSpPr>
         <p:spPr>
           <a:xfrm>
-            <a:off x="534291" y="1908000"/>
-            <a:ext cx="10377309" cy="3132000"/>
+            <a:off x="2541864" y="880844"/>
+            <a:ext cx="8369735" cy="5184396"/>
           </a:xfrm>
         </p:spPr>
         <p:txBody>
@@ -11589,43 +11390,277 @@
           <a:lstStyle/>
           <a:p>
             <a:r>
-              <a:rPr lang="nl-BE" dirty="0"/>
-              <a:t>Twee richtingen</a:t>
-            </a:r>
-          </a:p>
-          <a:p>
-            <a:endParaRPr lang="nl-BE" dirty="0"/>
-          </a:p>
-          <a:p>
-            <a:pPr lvl="1"/>
-            <a:r>
-              <a:rPr lang="nl-BE" dirty="0" err="1"/>
-              <a:t>SpeechRecognition</a:t>
-            </a:r>
-            <a:r>
-              <a:rPr lang="nl-BE" dirty="0"/>
-              <a:t>: Spraak naar tekst</a:t>
-            </a:r>
-          </a:p>
-          <a:p>
-            <a:pPr lvl="1"/>
-            <a:r>
-              <a:rPr lang="nl-BE" dirty="0" err="1"/>
-              <a:t>SpeechSynthesis</a:t>
-            </a:r>
-            <a:r>
-              <a:rPr lang="nl-BE" dirty="0"/>
-              <a:t>: Tekst naar spraak</a:t>
-            </a:r>
-          </a:p>
-        </p:txBody>
-      </p:sp>
-      <p:sp>
-        <p:nvSpPr>
-          <p:cNvPr id="4" name="Tijdelijke aanduiding voor voettekst 3">
-            <a:extLst>
-              <a:ext uri="{FF2B5EF4-FFF2-40B4-BE49-F238E27FC236}">
-                <a16:creationId xmlns:a16="http://schemas.microsoft.com/office/drawing/2014/main" id="{9A86A9FB-1B9E-4B7A-910C-235D3A566A80}"/>
+              <a:rPr lang="nl-BE" sz="1600" b="0" dirty="0">
+                <a:latin typeface="Consolas" panose="020B0609020204030204" pitchFamily="49" charset="0"/>
+              </a:rPr>
+              <a:t>var </a:t>
+            </a:r>
+            <a:r>
+              <a:rPr lang="nl-BE" sz="1600" dirty="0" err="1">
+                <a:latin typeface="Consolas" panose="020B0609020204030204" pitchFamily="49" charset="0"/>
+              </a:rPr>
+              <a:t>globalID</a:t>
+            </a:r>
+            <a:r>
+              <a:rPr lang="nl-BE" sz="1600" b="0" dirty="0">
+                <a:latin typeface="Consolas" panose="020B0609020204030204" pitchFamily="49" charset="0"/>
+              </a:rPr>
+              <a:t>;</a:t>
+            </a:r>
+          </a:p>
+          <a:p>
+            <a:endParaRPr lang="nl-BE" sz="1600" b="0" dirty="0">
+              <a:latin typeface="Consolas" panose="020B0609020204030204" pitchFamily="49" charset="0"/>
+            </a:endParaRPr>
+          </a:p>
+          <a:p>
+            <a:r>
+              <a:rPr lang="nl-BE" sz="1600" b="0" dirty="0" err="1">
+                <a:latin typeface="Consolas" panose="020B0609020204030204" pitchFamily="49" charset="0"/>
+              </a:rPr>
+              <a:t>function</a:t>
+            </a:r>
+            <a:r>
+              <a:rPr lang="nl-BE" sz="1600" b="0" dirty="0">
+                <a:latin typeface="Consolas" panose="020B0609020204030204" pitchFamily="49" charset="0"/>
+              </a:rPr>
+              <a:t> </a:t>
+            </a:r>
+            <a:r>
+              <a:rPr lang="nl-BE" sz="1600" dirty="0" err="1">
+                <a:latin typeface="Consolas" panose="020B0609020204030204" pitchFamily="49" charset="0"/>
+              </a:rPr>
+              <a:t>repeatOften</a:t>
+            </a:r>
+            <a:r>
+              <a:rPr lang="nl-BE" sz="1600" b="0" dirty="0">
+                <a:latin typeface="Consolas" panose="020B0609020204030204" pitchFamily="49" charset="0"/>
+              </a:rPr>
+              <a:t>() {</a:t>
+            </a:r>
+          </a:p>
+          <a:p>
+            <a:r>
+              <a:rPr lang="nl-BE" sz="1600" b="0" dirty="0">
+                <a:latin typeface="Consolas" panose="020B0609020204030204" pitchFamily="49" charset="0"/>
+              </a:rPr>
+              <a:t>  $("&lt;div /&gt;").</a:t>
+            </a:r>
+            <a:r>
+              <a:rPr lang="nl-BE" sz="1600" b="0" dirty="0" err="1">
+                <a:latin typeface="Consolas" panose="020B0609020204030204" pitchFamily="49" charset="0"/>
+              </a:rPr>
+              <a:t>appendTo</a:t>
+            </a:r>
+            <a:r>
+              <a:rPr lang="nl-BE" sz="1600" b="0" dirty="0">
+                <a:latin typeface="Consolas" panose="020B0609020204030204" pitchFamily="49" charset="0"/>
+              </a:rPr>
+              <a:t>("body");</a:t>
+            </a:r>
+          </a:p>
+          <a:p>
+            <a:r>
+              <a:rPr lang="nl-BE" sz="1600" b="0" dirty="0">
+                <a:latin typeface="Consolas" panose="020B0609020204030204" pitchFamily="49" charset="0"/>
+              </a:rPr>
+              <a:t>  </a:t>
+            </a:r>
+            <a:r>
+              <a:rPr lang="nl-BE" sz="1600" dirty="0" err="1">
+                <a:latin typeface="Consolas" panose="020B0609020204030204" pitchFamily="49" charset="0"/>
+              </a:rPr>
+              <a:t>globalID</a:t>
+            </a:r>
+            <a:r>
+              <a:rPr lang="nl-BE" sz="1600" b="0" dirty="0">
+                <a:latin typeface="Consolas" panose="020B0609020204030204" pitchFamily="49" charset="0"/>
+              </a:rPr>
+              <a:t> = </a:t>
+            </a:r>
+            <a:r>
+              <a:rPr lang="nl-BE" sz="1600" b="0" dirty="0" err="1">
+                <a:latin typeface="Consolas" panose="020B0609020204030204" pitchFamily="49" charset="0"/>
+              </a:rPr>
+              <a:t>requestAnimationFrame</a:t>
+            </a:r>
+            <a:r>
+              <a:rPr lang="nl-BE" sz="1600" b="0" dirty="0">
+                <a:latin typeface="Consolas" panose="020B0609020204030204" pitchFamily="49" charset="0"/>
+              </a:rPr>
+              <a:t>(</a:t>
+            </a:r>
+            <a:r>
+              <a:rPr lang="nl-BE" sz="1600" dirty="0" err="1">
+                <a:latin typeface="Consolas" panose="020B0609020204030204" pitchFamily="49" charset="0"/>
+              </a:rPr>
+              <a:t>repeatOften</a:t>
+            </a:r>
+            <a:r>
+              <a:rPr lang="nl-BE" sz="1600" b="0" dirty="0">
+                <a:latin typeface="Consolas" panose="020B0609020204030204" pitchFamily="49" charset="0"/>
+              </a:rPr>
+              <a:t>);</a:t>
+            </a:r>
+          </a:p>
+          <a:p>
+            <a:r>
+              <a:rPr lang="nl-BE" sz="1600" b="0" dirty="0">
+                <a:latin typeface="Consolas" panose="020B0609020204030204" pitchFamily="49" charset="0"/>
+              </a:rPr>
+              <a:t>}</a:t>
+            </a:r>
+          </a:p>
+          <a:p>
+            <a:endParaRPr lang="nl-BE" sz="1600" b="0" dirty="0">
+              <a:latin typeface="Consolas" panose="020B0609020204030204" pitchFamily="49" charset="0"/>
+            </a:endParaRPr>
+          </a:p>
+          <a:p>
+            <a:r>
+              <a:rPr lang="nl-BE" sz="1600" b="0" dirty="0">
+                <a:latin typeface="Consolas" panose="020B0609020204030204" pitchFamily="49" charset="0"/>
+              </a:rPr>
+              <a:t>$("#start").on("click", </a:t>
+            </a:r>
+            <a:r>
+              <a:rPr lang="nl-BE" sz="1600" b="0" dirty="0" err="1">
+                <a:latin typeface="Consolas" panose="020B0609020204030204" pitchFamily="49" charset="0"/>
+              </a:rPr>
+              <a:t>function</a:t>
+            </a:r>
+            <a:r>
+              <a:rPr lang="nl-BE" sz="1600" b="0" dirty="0">
+                <a:latin typeface="Consolas" panose="020B0609020204030204" pitchFamily="49" charset="0"/>
+              </a:rPr>
+              <a:t>() {</a:t>
+            </a:r>
+          </a:p>
+          <a:p>
+            <a:r>
+              <a:rPr lang="nl-BE" sz="1600" b="0" dirty="0">
+                <a:latin typeface="Consolas" panose="020B0609020204030204" pitchFamily="49" charset="0"/>
+              </a:rPr>
+              <a:t>  </a:t>
+            </a:r>
+            <a:r>
+              <a:rPr lang="nl-BE" sz="1600" dirty="0" err="1">
+                <a:latin typeface="Consolas" panose="020B0609020204030204" pitchFamily="49" charset="0"/>
+              </a:rPr>
+              <a:t>globalID</a:t>
+            </a:r>
+            <a:r>
+              <a:rPr lang="nl-BE" sz="1600" b="0" dirty="0">
+                <a:latin typeface="Consolas" panose="020B0609020204030204" pitchFamily="49" charset="0"/>
+              </a:rPr>
+              <a:t> = </a:t>
+            </a:r>
+            <a:r>
+              <a:rPr lang="nl-BE" sz="1600" b="0" dirty="0" err="1">
+                <a:latin typeface="Consolas" panose="020B0609020204030204" pitchFamily="49" charset="0"/>
+              </a:rPr>
+              <a:t>requestAnimationFrame</a:t>
+            </a:r>
+            <a:r>
+              <a:rPr lang="nl-BE" sz="1600" b="0" dirty="0">
+                <a:latin typeface="Consolas" panose="020B0609020204030204" pitchFamily="49" charset="0"/>
+              </a:rPr>
+              <a:t>(</a:t>
+            </a:r>
+            <a:r>
+              <a:rPr lang="nl-BE" sz="1600" dirty="0" err="1">
+                <a:latin typeface="Consolas" panose="020B0609020204030204" pitchFamily="49" charset="0"/>
+              </a:rPr>
+              <a:t>repeatOften</a:t>
+            </a:r>
+            <a:r>
+              <a:rPr lang="nl-BE" sz="1600" b="0" dirty="0">
+                <a:latin typeface="Consolas" panose="020B0609020204030204" pitchFamily="49" charset="0"/>
+              </a:rPr>
+              <a:t>);</a:t>
+            </a:r>
+          </a:p>
+          <a:p>
+            <a:r>
+              <a:rPr lang="nl-BE" sz="1600" b="0" dirty="0">
+                <a:latin typeface="Consolas" panose="020B0609020204030204" pitchFamily="49" charset="0"/>
+              </a:rPr>
+              <a:t>});</a:t>
+            </a:r>
+          </a:p>
+          <a:p>
+            <a:endParaRPr lang="nl-BE" sz="1600" b="0" dirty="0">
+              <a:latin typeface="Consolas" panose="020B0609020204030204" pitchFamily="49" charset="0"/>
+            </a:endParaRPr>
+          </a:p>
+          <a:p>
+            <a:r>
+              <a:rPr lang="nl-BE" sz="1600" b="0" dirty="0">
+                <a:latin typeface="Consolas" panose="020B0609020204030204" pitchFamily="49" charset="0"/>
+              </a:rPr>
+              <a:t>$("#stop").on("click", </a:t>
+            </a:r>
+            <a:r>
+              <a:rPr lang="nl-BE" sz="1600" b="0" dirty="0" err="1">
+                <a:latin typeface="Consolas" panose="020B0609020204030204" pitchFamily="49" charset="0"/>
+              </a:rPr>
+              <a:t>function</a:t>
+            </a:r>
+            <a:r>
+              <a:rPr lang="nl-BE" sz="1600" b="0" dirty="0">
+                <a:latin typeface="Consolas" panose="020B0609020204030204" pitchFamily="49" charset="0"/>
+              </a:rPr>
+              <a:t>() {</a:t>
+            </a:r>
+          </a:p>
+          <a:p>
+            <a:r>
+              <a:rPr lang="nl-BE" sz="1600" b="0" dirty="0">
+                <a:latin typeface="Consolas" panose="020B0609020204030204" pitchFamily="49" charset="0"/>
+              </a:rPr>
+              <a:t>  </a:t>
+            </a:r>
+            <a:r>
+              <a:rPr lang="nl-BE" sz="1600" b="0" dirty="0" err="1">
+                <a:latin typeface="Consolas" panose="020B0609020204030204" pitchFamily="49" charset="0"/>
+              </a:rPr>
+              <a:t>cancelAnimationFrame</a:t>
+            </a:r>
+            <a:r>
+              <a:rPr lang="nl-BE" sz="1600" b="0" dirty="0">
+                <a:latin typeface="Consolas" panose="020B0609020204030204" pitchFamily="49" charset="0"/>
+              </a:rPr>
+              <a:t>(</a:t>
+            </a:r>
+            <a:r>
+              <a:rPr lang="nl-BE" sz="1600" dirty="0" err="1">
+                <a:latin typeface="Consolas" panose="020B0609020204030204" pitchFamily="49" charset="0"/>
+              </a:rPr>
+              <a:t>globalID</a:t>
+            </a:r>
+            <a:r>
+              <a:rPr lang="nl-BE" sz="1600" b="0" dirty="0">
+                <a:latin typeface="Consolas" panose="020B0609020204030204" pitchFamily="49" charset="0"/>
+              </a:rPr>
+              <a:t>);</a:t>
+            </a:r>
+          </a:p>
+          <a:p>
+            <a:r>
+              <a:rPr lang="nl-BE" sz="1600" b="0" dirty="0">
+                <a:latin typeface="Consolas" panose="020B0609020204030204" pitchFamily="49" charset="0"/>
+              </a:rPr>
+              <a:t>});</a:t>
+            </a:r>
+          </a:p>
+        </p:txBody>
+      </p:sp>
+      <p:sp>
+        <p:nvSpPr>
+          <p:cNvPr id="4" name="Footer Placeholder 3">
+            <a:extLst>
+              <a:ext uri="{FF2B5EF4-FFF2-40B4-BE49-F238E27FC236}">
+                <a16:creationId xmlns:a16="http://schemas.microsoft.com/office/drawing/2014/main" id="{A019479A-C7B4-40DC-ABA6-3FDFAF64AF9E}"/>
               </a:ext>
             </a:extLst>
           </p:cNvPr>
@@ -11650,10 +11685,10 @@
       </p:sp>
       <p:sp>
         <p:nvSpPr>
-          <p:cNvPr id="5" name="Tijdelijke aanduiding voor dianummer 4">
-            <a:extLst>
-              <a:ext uri="{FF2B5EF4-FFF2-40B4-BE49-F238E27FC236}">
-                <a16:creationId xmlns:a16="http://schemas.microsoft.com/office/drawing/2014/main" id="{A64CFB49-2F18-4019-89DD-E4922E4505C1}"/>
+          <p:cNvPr id="5" name="Slide Number Placeholder 4">
+            <a:extLst>
+              <a:ext uri="{FF2B5EF4-FFF2-40B4-BE49-F238E27FC236}">
+                <a16:creationId xmlns:a16="http://schemas.microsoft.com/office/drawing/2014/main" id="{E5E49462-1BEB-49B1-937F-5C9FF1759EEA}"/>
               </a:ext>
             </a:extLst>
           </p:cNvPr>
@@ -11679,10 +11714,10 @@
       </p:sp>
       <p:sp>
         <p:nvSpPr>
-          <p:cNvPr id="3" name="Tijdelijke aanduiding voor tekst 2">
-            <a:extLst>
-              <a:ext uri="{FF2B5EF4-FFF2-40B4-BE49-F238E27FC236}">
-                <a16:creationId xmlns:a16="http://schemas.microsoft.com/office/drawing/2014/main" id="{8007CC32-F96E-4CD9-95CF-403FC6BFF49B}"/>
+          <p:cNvPr id="6" name="Text Placeholder 5">
+            <a:extLst>
+              <a:ext uri="{FF2B5EF4-FFF2-40B4-BE49-F238E27FC236}">
+                <a16:creationId xmlns:a16="http://schemas.microsoft.com/office/drawing/2014/main" id="{4D2DE9C0-B7F6-445B-AE30-A1035FD034D7}"/>
               </a:ext>
             </a:extLst>
           </p:cNvPr>
@@ -11699,8 +11734,20 @@
           <a:lstStyle/>
           <a:p>
             <a:r>
-              <a:rPr lang="nl-BE" dirty="0"/>
-              <a:t>Web speech API</a:t>
+              <a:rPr lang="nl-BE" dirty="0" err="1"/>
+              <a:t>Request</a:t>
+            </a:r>
+            <a:r>
+              <a:rPr lang="nl-BE" dirty="0"/>
+              <a:t> </a:t>
+            </a:r>
+            <a:r>
+              <a:rPr lang="nl-BE" dirty="0" err="1"/>
+              <a:t>animation</a:t>
+            </a:r>
+            <a:r>
+              <a:rPr lang="nl-BE" dirty="0"/>
+              <a:t> frame</a:t>
             </a:r>
           </a:p>
         </p:txBody>
@@ -11708,7 +11755,7 @@
     </p:spTree>
     <p:extLst>
       <p:ext uri="{BB962C8B-B14F-4D97-AF65-F5344CB8AC3E}">
-        <p14:creationId xmlns:p14="http://schemas.microsoft.com/office/powerpoint/2010/main" val="831974721"/>
+        <p14:creationId xmlns:p14="http://schemas.microsoft.com/office/powerpoint/2010/main" val="89553126"/>
       </p:ext>
     </p:extLst>
   </p:cSld>
@@ -11740,7 +11787,7 @@
           <p:cNvPr id="2" name="Titel 1">
             <a:extLst>
               <a:ext uri="{FF2B5EF4-FFF2-40B4-BE49-F238E27FC236}">
-                <a16:creationId xmlns:a16="http://schemas.microsoft.com/office/drawing/2014/main" id="{465F132B-C9CE-4FCE-923D-CCAFB92AB8C8}"/>
+                <a16:creationId xmlns:a16="http://schemas.microsoft.com/office/drawing/2014/main" id="{C5EEAFBD-B5B8-4F85-98E4-19C38B628AD3}"/>
               </a:ext>
             </a:extLst>
           </p:cNvPr>
@@ -11758,239 +11805,53 @@
           <a:p>
             <a:r>
               <a:rPr lang="nl-BE" dirty="0"/>
-              <a:t>Hoe gebruiken?</a:t>
-            </a:r>
-          </a:p>
-        </p:txBody>
-      </p:sp>
-      <p:sp>
-        <p:nvSpPr>
-          <p:cNvPr id="8" name="Tijdelijke aanduiding voor inhoud 7">
-            <a:extLst>
-              <a:ext uri="{FF2B5EF4-FFF2-40B4-BE49-F238E27FC236}">
-                <a16:creationId xmlns:a16="http://schemas.microsoft.com/office/drawing/2014/main" id="{46660B48-BEE8-4738-9228-05126E64F4BB}"/>
-              </a:ext>
-            </a:extLst>
-          </p:cNvPr>
-          <p:cNvSpPr>
-            <a:spLocks noGrp="1"/>
-          </p:cNvSpPr>
-          <p:nvPr>
-            <p:ph idx="1"/>
-          </p:nvPr>
-        </p:nvSpPr>
-        <p:spPr>
-          <a:xfrm>
-            <a:off x="534291" y="1314721"/>
-            <a:ext cx="10377309" cy="4867965"/>
-          </a:xfrm>
-        </p:spPr>
-        <p:txBody>
-          <a:bodyPr/>
-          <a:lstStyle/>
-          <a:p>
-            <a:r>
-              <a:rPr lang="nl-BE" sz="2400" b="0" dirty="0"/>
+              <a:t>Web speech API</a:t>
+            </a:r>
+          </a:p>
+        </p:txBody>
+      </p:sp>
+      <p:sp>
+        <p:nvSpPr>
+          <p:cNvPr id="3" name="Tijdelijke aanduiding voor tekst 2">
+            <a:extLst>
+              <a:ext uri="{FF2B5EF4-FFF2-40B4-BE49-F238E27FC236}">
+                <a16:creationId xmlns:a16="http://schemas.microsoft.com/office/drawing/2014/main" id="{25E6300B-AC24-4FB2-A05D-06BE75683545}"/>
+              </a:ext>
+            </a:extLst>
+          </p:cNvPr>
+          <p:cNvSpPr>
+            <a:spLocks noGrp="1"/>
+          </p:cNvSpPr>
+          <p:nvPr>
+            <p:ph type="body" idx="1"/>
+          </p:nvPr>
+        </p:nvSpPr>
+        <p:spPr/>
+        <p:txBody>
+          <a:bodyPr/>
+          <a:lstStyle/>
+          <a:p>
+            <a:r>
+              <a:rPr lang="nl-BE" dirty="0" err="1"/>
+              <a:t>Words</a:t>
+            </a:r>
+            <a:r>
+              <a:rPr lang="nl-BE" dirty="0"/>
               <a:t> </a:t>
             </a:r>
             <a:r>
-              <a:rPr lang="nl-BE" sz="2400" b="0" dirty="0" err="1"/>
-              <a:t>button.addEventListener</a:t>
-            </a:r>
-            <a:r>
-              <a:rPr lang="nl-BE" sz="2400" b="0" dirty="0"/>
-              <a:t>('click', </a:t>
-            </a:r>
-            <a:r>
-              <a:rPr lang="nl-BE" sz="2400" b="0" dirty="0" err="1"/>
-              <a:t>function</a:t>
-            </a:r>
-            <a:r>
-              <a:rPr lang="nl-BE" sz="2400" b="0" dirty="0"/>
-              <a:t>() {</a:t>
-            </a:r>
-          </a:p>
-          <a:p>
-            <a:r>
-              <a:rPr lang="nl-BE" sz="2400" b="0" dirty="0"/>
-              <a:t>            let </a:t>
-            </a:r>
-            <a:r>
-              <a:rPr lang="nl-BE" sz="2400" dirty="0" err="1"/>
-              <a:t>recognition</a:t>
-            </a:r>
-            <a:r>
-              <a:rPr lang="nl-BE" sz="2400" b="0" dirty="0"/>
-              <a:t> = new (</a:t>
-            </a:r>
-            <a:r>
-              <a:rPr lang="nl-BE" sz="2400" b="0" dirty="0" err="1"/>
-              <a:t>webkitSpeechRecognition</a:t>
-            </a:r>
-            <a:r>
-              <a:rPr lang="nl-BE" sz="2400" b="0" dirty="0"/>
-              <a:t> || </a:t>
-            </a:r>
-            <a:r>
-              <a:rPr lang="nl-BE" sz="2400" b="0" dirty="0" err="1"/>
-              <a:t>SpeechRecognition</a:t>
-            </a:r>
-            <a:r>
-              <a:rPr lang="nl-BE" sz="2400" b="0" dirty="0"/>
-              <a:t>)();</a:t>
-            </a:r>
-          </a:p>
-          <a:p>
-            <a:r>
-              <a:rPr lang="nl-BE" sz="2400" b="0" dirty="0"/>
-              <a:t>            </a:t>
-            </a:r>
-            <a:r>
-              <a:rPr lang="nl-BE" sz="2400" b="0" dirty="0" err="1"/>
-              <a:t>recognition.</a:t>
-            </a:r>
-            <a:r>
-              <a:rPr lang="nl-BE" sz="2400" dirty="0" err="1"/>
-              <a:t>lang</a:t>
-            </a:r>
-            <a:r>
-              <a:rPr lang="nl-BE" sz="2400" b="0" dirty="0"/>
-              <a:t> = 'en-US';</a:t>
-            </a:r>
-          </a:p>
-          <a:p>
-            <a:r>
-              <a:rPr lang="nl-BE" sz="2400" b="0" dirty="0"/>
-              <a:t>            </a:t>
-            </a:r>
-            <a:r>
-              <a:rPr lang="nl-BE" sz="2400" b="0" dirty="0" err="1"/>
-              <a:t>recognition.</a:t>
-            </a:r>
-            <a:r>
-              <a:rPr lang="nl-BE" sz="2400" dirty="0" err="1"/>
-              <a:t>interimResults</a:t>
-            </a:r>
-            <a:r>
-              <a:rPr lang="nl-BE" sz="2400" b="0" dirty="0"/>
-              <a:t> = </a:t>
-            </a:r>
-            <a:r>
-              <a:rPr lang="nl-BE" sz="2400" b="0" dirty="0" err="1"/>
-              <a:t>false</a:t>
-            </a:r>
-            <a:r>
-              <a:rPr lang="nl-BE" sz="2400" b="0" dirty="0"/>
-              <a:t>;</a:t>
-            </a:r>
-          </a:p>
-          <a:p>
-            <a:r>
-              <a:rPr lang="nl-BE" sz="2400" b="0" dirty="0"/>
-              <a:t>            </a:t>
-            </a:r>
-            <a:r>
-              <a:rPr lang="nl-BE" sz="2400" b="0" dirty="0" err="1"/>
-              <a:t>recognition.</a:t>
-            </a:r>
-            <a:r>
-              <a:rPr lang="nl-BE" sz="2400" dirty="0" err="1"/>
-              <a:t>maxAlternatives</a:t>
-            </a:r>
-            <a:r>
-              <a:rPr lang="nl-BE" sz="2400" b="0" dirty="0"/>
-              <a:t> = 1;</a:t>
-            </a:r>
-          </a:p>
-          <a:p>
-            <a:r>
-              <a:rPr lang="nl-BE" sz="2400" b="0" dirty="0"/>
-              <a:t>            </a:t>
-            </a:r>
-            <a:r>
-              <a:rPr lang="nl-BE" sz="2400" b="0" dirty="0" err="1"/>
-              <a:t>recognition.</a:t>
-            </a:r>
-            <a:r>
-              <a:rPr lang="nl-BE" sz="2400" dirty="0" err="1"/>
-              <a:t>start</a:t>
-            </a:r>
-            <a:r>
-              <a:rPr lang="nl-BE" sz="2400" b="0" dirty="0"/>
-              <a:t>();</a:t>
-            </a:r>
-          </a:p>
-          <a:p>
-            <a:r>
-              <a:rPr lang="nl-BE" sz="2400" b="0" dirty="0"/>
-              <a:t>            </a:t>
-            </a:r>
-            <a:r>
-              <a:rPr lang="nl-BE" sz="2400" b="0" dirty="0" err="1"/>
-              <a:t>recognition.</a:t>
-            </a:r>
-            <a:r>
-              <a:rPr lang="nl-BE" sz="2400" dirty="0" err="1"/>
-              <a:t>onresult</a:t>
-            </a:r>
-            <a:r>
-              <a:rPr lang="nl-BE" sz="2400" b="0" dirty="0"/>
-              <a:t> = </a:t>
-            </a:r>
-            <a:r>
-              <a:rPr lang="nl-BE" sz="2400" b="0" dirty="0" err="1"/>
-              <a:t>function</a:t>
-            </a:r>
-            <a:r>
-              <a:rPr lang="nl-BE" sz="2400" b="0" dirty="0"/>
-              <a:t>(event) {</a:t>
-            </a:r>
-          </a:p>
-          <a:p>
-            <a:r>
-              <a:rPr lang="nl-BE" sz="2400" b="0" dirty="0"/>
-              <a:t>                      </a:t>
-            </a:r>
-            <a:r>
-              <a:rPr lang="nl-BE" sz="2400" b="0" dirty="0" err="1"/>
-              <a:t>HTMLElement.innerHTML</a:t>
-            </a:r>
-            <a:r>
-              <a:rPr lang="nl-BE" sz="2400" b="0" dirty="0"/>
-              <a:t> = </a:t>
-            </a:r>
-            <a:r>
-              <a:rPr lang="nl-BE" sz="2400" b="0" dirty="0" err="1"/>
-              <a:t>event.</a:t>
-            </a:r>
-            <a:r>
-              <a:rPr lang="nl-BE" sz="2400" dirty="0" err="1"/>
-              <a:t>results</a:t>
-            </a:r>
-            <a:r>
-              <a:rPr lang="nl-BE" sz="2400" b="0" dirty="0"/>
-              <a:t>[0][0].</a:t>
-            </a:r>
-            <a:r>
-              <a:rPr lang="nl-BE" sz="2400" dirty="0"/>
-              <a:t>transcript</a:t>
-            </a:r>
-            <a:r>
-              <a:rPr lang="nl-BE" sz="2400" b="0" dirty="0"/>
-              <a:t>;</a:t>
-            </a:r>
-          </a:p>
-          <a:p>
-            <a:r>
-              <a:rPr lang="nl-BE" sz="2400" b="0" dirty="0"/>
-              <a:t>            };</a:t>
-            </a:r>
-          </a:p>
-          <a:p>
-            <a:r>
-              <a:rPr lang="nl-BE" sz="2400" b="0" dirty="0"/>
-              <a:t>});</a:t>
-            </a:r>
+              <a:rPr lang="nl-BE" dirty="0" err="1"/>
+              <a:t>to</a:t>
+            </a:r>
+            <a:r>
+              <a:rPr lang="nl-BE" dirty="0"/>
+              <a:t> </a:t>
+            </a:r>
+            <a:r>
+              <a:rPr lang="nl-BE" dirty="0" err="1"/>
+              <a:t>text</a:t>
+            </a:r>
+            <a:endParaRPr lang="nl-BE" dirty="0"/>
           </a:p>
         </p:txBody>
       </p:sp>
@@ -11999,7 +11860,7 @@
           <p:cNvPr id="4" name="Tijdelijke aanduiding voor voettekst 3">
             <a:extLst>
               <a:ext uri="{FF2B5EF4-FFF2-40B4-BE49-F238E27FC236}">
-                <a16:creationId xmlns:a16="http://schemas.microsoft.com/office/drawing/2014/main" id="{9A86A9FB-1B9E-4B7A-910C-235D3A566A80}"/>
+                <a16:creationId xmlns:a16="http://schemas.microsoft.com/office/drawing/2014/main" id="{7926BCFD-3A9A-492A-A57B-0A991170A3B7}"/>
               </a:ext>
             </a:extLst>
           </p:cNvPr>
@@ -12027,7 +11888,7 @@
           <p:cNvPr id="5" name="Tijdelijke aanduiding voor dianummer 4">
             <a:extLst>
               <a:ext uri="{FF2B5EF4-FFF2-40B4-BE49-F238E27FC236}">
-                <a16:creationId xmlns:a16="http://schemas.microsoft.com/office/drawing/2014/main" id="{A64CFB49-2F18-4019-89DD-E4922E4505C1}"/>
+                <a16:creationId xmlns:a16="http://schemas.microsoft.com/office/drawing/2014/main" id="{60BD1991-93F2-4440-9BAB-7167DEBBD3C1}"/>
               </a:ext>
             </a:extLst>
           </p:cNvPr>
@@ -12045,6 +11906,7 @@
           <a:p>
             <a:fld id="{FF88DA20-ED00-471C-9170-60F590CB400A}" type="slidenum">
               <a:rPr lang="nl-BE" smtClean="0"/>
+              <a:pPr/>
               <a:t>29</a:t>
             </a:fld>
             <a:endParaRPr lang="nl-BE"/>
@@ -12053,10 +11915,10 @@
       </p:sp>
       <p:sp>
         <p:nvSpPr>
-          <p:cNvPr id="3" name="Tijdelijke aanduiding voor tekst 2">
-            <a:extLst>
-              <a:ext uri="{FF2B5EF4-FFF2-40B4-BE49-F238E27FC236}">
-                <a16:creationId xmlns:a16="http://schemas.microsoft.com/office/drawing/2014/main" id="{8007CC32-F96E-4CD9-95CF-403FC6BFF49B}"/>
+          <p:cNvPr id="6" name="Tijdelijke aanduiding voor tekst 5">
+            <a:extLst>
+              <a:ext uri="{FF2B5EF4-FFF2-40B4-BE49-F238E27FC236}">
+                <a16:creationId xmlns:a16="http://schemas.microsoft.com/office/drawing/2014/main" id="{2BC75DC7-FD2B-4961-80F5-1A77FF877DD9}"/>
               </a:ext>
             </a:extLst>
           </p:cNvPr>
@@ -12072,17 +11934,14 @@
           <a:bodyPr/>
           <a:lstStyle/>
           <a:p>
-            <a:r>
-              <a:rPr lang="nl-BE" dirty="0"/>
-              <a:t>Web speech API</a:t>
-            </a:r>
+            <a:endParaRPr lang="nl-BE"/>
           </a:p>
         </p:txBody>
       </p:sp>
     </p:spTree>
     <p:extLst>
       <p:ext uri="{BB962C8B-B14F-4D97-AF65-F5344CB8AC3E}">
-        <p14:creationId xmlns:p14="http://schemas.microsoft.com/office/powerpoint/2010/main" val="1660766576"/>
+        <p14:creationId xmlns:p14="http://schemas.microsoft.com/office/powerpoint/2010/main" val="125624917"/>
       </p:ext>
     </p:extLst>
   </p:cSld>
@@ -12312,7 +12171,7 @@
           <p:cNvPr id="2" name="Titel 1">
             <a:extLst>
               <a:ext uri="{FF2B5EF4-FFF2-40B4-BE49-F238E27FC236}">
-                <a16:creationId xmlns:a16="http://schemas.microsoft.com/office/drawing/2014/main" id="{C5EEAFBD-B5B8-4F85-98E4-19C38B628AD3}"/>
+                <a16:creationId xmlns:a16="http://schemas.microsoft.com/office/drawing/2014/main" id="{465F132B-C9CE-4FCE-923D-CCAFB92AB8C8}"/>
               </a:ext>
             </a:extLst>
           </p:cNvPr>
@@ -12330,51 +12189,65 @@
           <a:p>
             <a:r>
               <a:rPr lang="nl-BE" dirty="0"/>
-              <a:t>Extra’s</a:t>
-            </a:r>
-          </a:p>
-        </p:txBody>
-      </p:sp>
-      <p:sp>
-        <p:nvSpPr>
-          <p:cNvPr id="3" name="Tijdelijke aanduiding voor tekst 2">
-            <a:extLst>
-              <a:ext uri="{FF2B5EF4-FFF2-40B4-BE49-F238E27FC236}">
-                <a16:creationId xmlns:a16="http://schemas.microsoft.com/office/drawing/2014/main" id="{25E6300B-AC24-4FB2-A05D-06BE75683545}"/>
-              </a:ext>
-            </a:extLst>
-          </p:cNvPr>
-          <p:cNvSpPr>
-            <a:spLocks noGrp="1"/>
-          </p:cNvSpPr>
-          <p:nvPr>
-            <p:ph type="body" idx="1"/>
-          </p:nvPr>
-        </p:nvSpPr>
-        <p:spPr/>
-        <p:txBody>
-          <a:bodyPr/>
-          <a:lstStyle/>
-          <a:p>
-            <a:r>
-              <a:rPr lang="nl-BE" dirty="0"/>
-              <a:t>But </a:t>
-            </a:r>
+              <a:t>Wat kan je ermee doen?</a:t>
+            </a:r>
+          </a:p>
+        </p:txBody>
+      </p:sp>
+      <p:sp>
+        <p:nvSpPr>
+          <p:cNvPr id="8" name="Tijdelijke aanduiding voor inhoud 7">
+            <a:extLst>
+              <a:ext uri="{FF2B5EF4-FFF2-40B4-BE49-F238E27FC236}">
+                <a16:creationId xmlns:a16="http://schemas.microsoft.com/office/drawing/2014/main" id="{46660B48-BEE8-4738-9228-05126E64F4BB}"/>
+              </a:ext>
+            </a:extLst>
+          </p:cNvPr>
+          <p:cNvSpPr>
+            <a:spLocks noGrp="1"/>
+          </p:cNvSpPr>
+          <p:nvPr>
+            <p:ph idx="1"/>
+          </p:nvPr>
+        </p:nvSpPr>
+        <p:spPr>
+          <a:xfrm>
+            <a:off x="534291" y="1908000"/>
+            <a:ext cx="10377309" cy="3132000"/>
+          </a:xfrm>
+        </p:spPr>
+        <p:txBody>
+          <a:bodyPr/>
+          <a:lstStyle/>
+          <a:p>
+            <a:r>
+              <a:rPr lang="nl-BE" dirty="0"/>
+              <a:t>Twee richtingen</a:t>
+            </a:r>
+          </a:p>
+          <a:p>
+            <a:endParaRPr lang="nl-BE" dirty="0"/>
+          </a:p>
+          <a:p>
+            <a:pPr lvl="1"/>
             <a:r>
               <a:rPr lang="nl-BE" dirty="0" err="1"/>
-              <a:t>wait</a:t>
-            </a:r>
-            <a:r>
-              <a:rPr lang="nl-BE" dirty="0"/>
-              <a:t>… </a:t>
-            </a:r>
+              <a:t>SpeechRecognition</a:t>
+            </a:r>
+            <a:r>
+              <a:rPr lang="nl-BE" dirty="0"/>
+              <a:t>: Spraak naar tekst</a:t>
+            </a:r>
+          </a:p>
+          <a:p>
+            <a:pPr lvl="1"/>
             <a:r>
               <a:rPr lang="nl-BE" dirty="0" err="1"/>
-              <a:t>There’s</a:t>
-            </a:r>
-            <a:r>
-              <a:rPr lang="nl-BE" dirty="0"/>
-              <a:t> more!</a:t>
+              <a:t>SpeechSynthesis</a:t>
+            </a:r>
+            <a:r>
+              <a:rPr lang="nl-BE" dirty="0"/>
+              <a:t>: Tekst naar spraak</a:t>
             </a:r>
           </a:p>
         </p:txBody>
@@ -12384,7 +12257,7 @@
           <p:cNvPr id="4" name="Tijdelijke aanduiding voor voettekst 3">
             <a:extLst>
               <a:ext uri="{FF2B5EF4-FFF2-40B4-BE49-F238E27FC236}">
-                <a16:creationId xmlns:a16="http://schemas.microsoft.com/office/drawing/2014/main" id="{7926BCFD-3A9A-492A-A57B-0A991170A3B7}"/>
+                <a16:creationId xmlns:a16="http://schemas.microsoft.com/office/drawing/2014/main" id="{9A86A9FB-1B9E-4B7A-910C-235D3A566A80}"/>
               </a:ext>
             </a:extLst>
           </p:cNvPr>
@@ -12412,7 +12285,7 @@
           <p:cNvPr id="5" name="Tijdelijke aanduiding voor dianummer 4">
             <a:extLst>
               <a:ext uri="{FF2B5EF4-FFF2-40B4-BE49-F238E27FC236}">
-                <a16:creationId xmlns:a16="http://schemas.microsoft.com/office/drawing/2014/main" id="{60BD1991-93F2-4440-9BAB-7167DEBBD3C1}"/>
+                <a16:creationId xmlns:a16="http://schemas.microsoft.com/office/drawing/2014/main" id="{A64CFB49-2F18-4019-89DD-E4922E4505C1}"/>
               </a:ext>
             </a:extLst>
           </p:cNvPr>
@@ -12430,7 +12303,6 @@
           <a:p>
             <a:fld id="{FF88DA20-ED00-471C-9170-60F590CB400A}" type="slidenum">
               <a:rPr lang="nl-BE" smtClean="0"/>
-              <a:pPr/>
               <a:t>30</a:t>
             </a:fld>
             <a:endParaRPr lang="nl-BE"/>
@@ -12439,10 +12311,10 @@
       </p:sp>
       <p:sp>
         <p:nvSpPr>
-          <p:cNvPr id="6" name="Tijdelijke aanduiding voor tekst 5">
-            <a:extLst>
-              <a:ext uri="{FF2B5EF4-FFF2-40B4-BE49-F238E27FC236}">
-                <a16:creationId xmlns:a16="http://schemas.microsoft.com/office/drawing/2014/main" id="{2BC75DC7-FD2B-4961-80F5-1A77FF877DD9}"/>
+          <p:cNvPr id="3" name="Tijdelijke aanduiding voor tekst 2">
+            <a:extLst>
+              <a:ext uri="{FF2B5EF4-FFF2-40B4-BE49-F238E27FC236}">
+                <a16:creationId xmlns:a16="http://schemas.microsoft.com/office/drawing/2014/main" id="{8007CC32-F96E-4CD9-95CF-403FC6BFF49B}"/>
               </a:ext>
             </a:extLst>
           </p:cNvPr>
@@ -12458,14 +12330,17 @@
           <a:bodyPr/>
           <a:lstStyle/>
           <a:p>
-            <a:endParaRPr lang="nl-BE"/>
+            <a:r>
+              <a:rPr lang="nl-BE" dirty="0"/>
+              <a:t>Web speech API</a:t>
+            </a:r>
           </a:p>
         </p:txBody>
       </p:sp>
     </p:spTree>
     <p:extLst>
       <p:ext uri="{BB962C8B-B14F-4D97-AF65-F5344CB8AC3E}">
-        <p14:creationId xmlns:p14="http://schemas.microsoft.com/office/powerpoint/2010/main" val="979472685"/>
+        <p14:creationId xmlns:p14="http://schemas.microsoft.com/office/powerpoint/2010/main" val="831974721"/>
       </p:ext>
     </p:extLst>
   </p:cSld>
@@ -12515,7 +12390,7 @@
           <a:p>
             <a:r>
               <a:rPr lang="nl-BE" dirty="0"/>
-              <a:t>Webcam</a:t>
+              <a:t>Hoe gebruiken?</a:t>
             </a:r>
           </a:p>
         </p:txBody>
@@ -12538,8 +12413,8 @@
         </p:nvSpPr>
         <p:spPr>
           <a:xfrm>
-            <a:off x="822291" y="1585519"/>
-            <a:ext cx="10089309" cy="4404220"/>
+            <a:off x="534291" y="1314721"/>
+            <a:ext cx="10377309" cy="4867965"/>
           </a:xfrm>
         </p:spPr>
         <p:txBody>
@@ -12547,249 +12422,206 @@
           <a:lstStyle/>
           <a:p>
             <a:r>
-              <a:rPr lang="nl-BE" dirty="0"/>
-              <a:t>Toegang tot je webcam</a:t>
-            </a:r>
-          </a:p>
-          <a:p>
-            <a:pPr lvl="1"/>
-            <a:r>
-              <a:rPr lang="nl-BE" dirty="0"/>
-              <a:t>Videostream</a:t>
-            </a:r>
-          </a:p>
-          <a:p>
-            <a:pPr marL="180000" lvl="1" indent="0">
-              <a:buNone/>
-            </a:pPr>
-            <a:r>
-              <a:rPr lang="nl-BE" sz="1600" dirty="0">
-                <a:latin typeface="Consolas" panose="020B0609020204030204" pitchFamily="49" charset="0"/>
-              </a:rPr>
-              <a:t>    let video = </a:t>
-            </a:r>
-            <a:r>
-              <a:rPr lang="nl-BE" sz="1600" dirty="0" err="1">
-                <a:latin typeface="Consolas" panose="020B0609020204030204" pitchFamily="49" charset="0"/>
-              </a:rPr>
-              <a:t>document.getElementById</a:t>
-            </a:r>
-            <a:r>
-              <a:rPr lang="nl-BE" sz="1600" dirty="0">
-                <a:latin typeface="Consolas" panose="020B0609020204030204" pitchFamily="49" charset="0"/>
-              </a:rPr>
-              <a:t>('webcamstream');</a:t>
-            </a:r>
-          </a:p>
-          <a:p>
-            <a:pPr lvl="1"/>
-            <a:endParaRPr lang="nl-BE" sz="1600" dirty="0">
-              <a:latin typeface="Consolas" panose="020B0609020204030204" pitchFamily="49" charset="0"/>
-            </a:endParaRPr>
-          </a:p>
-          <a:p>
-            <a:pPr marL="180000" lvl="1" indent="0">
-              <a:buNone/>
-            </a:pPr>
-            <a:r>
-              <a:rPr lang="nl-BE" sz="1600" dirty="0">
-                <a:latin typeface="Consolas" panose="020B0609020204030204" pitchFamily="49" charset="0"/>
-              </a:rPr>
-              <a:t>    // open webcam </a:t>
-            </a:r>
-            <a:r>
-              <a:rPr lang="nl-BE" sz="1600" dirty="0" err="1">
-                <a:latin typeface="Consolas" panose="020B0609020204030204" pitchFamily="49" charset="0"/>
-              </a:rPr>
-              <a:t>and</a:t>
-            </a:r>
-            <a:r>
-              <a:rPr lang="nl-BE" sz="1600" dirty="0">
-                <a:latin typeface="Consolas" panose="020B0609020204030204" pitchFamily="49" charset="0"/>
-              </a:rPr>
-              <a:t> stream </a:t>
-            </a:r>
-            <a:r>
-              <a:rPr lang="nl-BE" sz="1600" dirty="0" err="1">
-                <a:latin typeface="Consolas" panose="020B0609020204030204" pitchFamily="49" charset="0"/>
-              </a:rPr>
-              <a:t>to</a:t>
-            </a:r>
-            <a:r>
-              <a:rPr lang="nl-BE" sz="1600" dirty="0">
-                <a:latin typeface="Consolas" panose="020B0609020204030204" pitchFamily="49" charset="0"/>
-              </a:rPr>
-              <a:t> video element</a:t>
-            </a:r>
-          </a:p>
-          <a:p>
-            <a:pPr marL="180000" lvl="1" indent="0">
-              <a:buNone/>
-            </a:pPr>
-            <a:r>
-              <a:rPr lang="nl-BE" sz="1600" dirty="0">
-                <a:latin typeface="Consolas" panose="020B0609020204030204" pitchFamily="49" charset="0"/>
-              </a:rPr>
-              <a:t>    </a:t>
-            </a:r>
-            <a:r>
-              <a:rPr lang="nl-BE" sz="1600" dirty="0" err="1">
-                <a:latin typeface="Consolas" panose="020B0609020204030204" pitchFamily="49" charset="0"/>
-              </a:rPr>
-              <a:t>navigator.mediaDevices.getUserMedia</a:t>
-            </a:r>
-            <a:r>
-              <a:rPr lang="nl-BE" sz="1600" dirty="0">
-                <a:latin typeface="Consolas" panose="020B0609020204030204" pitchFamily="49" charset="0"/>
-              </a:rPr>
-              <a:t>({</a:t>
-            </a:r>
-          </a:p>
-          <a:p>
-            <a:pPr marL="180000" lvl="1" indent="0">
-              <a:buNone/>
-            </a:pPr>
-            <a:r>
-              <a:rPr lang="nl-BE" sz="1600" dirty="0">
-                <a:latin typeface="Consolas" panose="020B0609020204030204" pitchFamily="49" charset="0"/>
-              </a:rPr>
-              <a:t>      video: </a:t>
-            </a:r>
-            <a:r>
-              <a:rPr lang="nl-BE" sz="1600" dirty="0" err="1">
-                <a:latin typeface="Consolas" panose="020B0609020204030204" pitchFamily="49" charset="0"/>
-              </a:rPr>
-              <a:t>true</a:t>
-            </a:r>
-            <a:endParaRPr lang="nl-BE" sz="1600" dirty="0">
-              <a:latin typeface="Consolas" panose="020B0609020204030204" pitchFamily="49" charset="0"/>
-            </a:endParaRPr>
-          </a:p>
-          <a:p>
-            <a:pPr marL="180000" lvl="1" indent="0">
-              <a:buNone/>
-            </a:pPr>
-            <a:r>
-              <a:rPr lang="nl-BE" sz="1600" dirty="0">
-                <a:latin typeface="Consolas" panose="020B0609020204030204" pitchFamily="49" charset="0"/>
-              </a:rPr>
-              <a:t>    }).</a:t>
-            </a:r>
-            <a:r>
-              <a:rPr lang="nl-BE" sz="1600" dirty="0" err="1">
-                <a:latin typeface="Consolas" panose="020B0609020204030204" pitchFamily="49" charset="0"/>
-              </a:rPr>
-              <a:t>then</a:t>
-            </a:r>
-            <a:r>
-              <a:rPr lang="nl-BE" sz="1600" dirty="0">
-                <a:latin typeface="Consolas" panose="020B0609020204030204" pitchFamily="49" charset="0"/>
-              </a:rPr>
-              <a:t>(</a:t>
-            </a:r>
-            <a:r>
-              <a:rPr lang="nl-BE" sz="1600" dirty="0" err="1">
-                <a:latin typeface="Consolas" panose="020B0609020204030204" pitchFamily="49" charset="0"/>
-              </a:rPr>
+              <a:rPr lang="nl-BE" sz="2400" b="0" dirty="0"/>
+              <a:t> </a:t>
+            </a:r>
+            <a:r>
+              <a:rPr lang="nl-BE" sz="2400" b="0" dirty="0" err="1"/>
+              <a:t>button.addEventListener</a:t>
+            </a:r>
+            <a:r>
+              <a:rPr lang="nl-BE" sz="2400" b="0" dirty="0"/>
+              <a:t>('click', </a:t>
+            </a:r>
+            <a:r>
+              <a:rPr lang="nl-BE" sz="2400" b="0" dirty="0" err="1"/>
               <a:t>function</a:t>
             </a:r>
             <a:r>
-              <a:rPr lang="nl-BE" sz="1600" dirty="0">
-                <a:latin typeface="Consolas" panose="020B0609020204030204" pitchFamily="49" charset="0"/>
-              </a:rPr>
-              <a:t>(stream) {</a:t>
-            </a:r>
-          </a:p>
-          <a:p>
-            <a:pPr marL="180000" lvl="1" indent="0">
-              <a:buNone/>
-            </a:pPr>
-            <a:r>
-              <a:rPr lang="nl-BE" sz="1600" dirty="0">
-                <a:latin typeface="Consolas" panose="020B0609020204030204" pitchFamily="49" charset="0"/>
-              </a:rPr>
-              <a:t>      </a:t>
-            </a:r>
-            <a:r>
-              <a:rPr lang="nl-BE" sz="1600" dirty="0" err="1">
-                <a:latin typeface="Consolas" panose="020B0609020204030204" pitchFamily="49" charset="0"/>
-              </a:rPr>
-              <a:t>video.srcObject</a:t>
-            </a:r>
-            <a:r>
-              <a:rPr lang="nl-BE" sz="1600" dirty="0">
-                <a:latin typeface="Consolas" panose="020B0609020204030204" pitchFamily="49" charset="0"/>
-              </a:rPr>
-              <a:t> = stream;</a:t>
-            </a:r>
-          </a:p>
-          <a:p>
-            <a:pPr marL="180000" lvl="1" indent="0">
-              <a:buNone/>
-            </a:pPr>
-            <a:r>
-              <a:rPr lang="nl-BE" sz="1600" dirty="0">
-                <a:latin typeface="Consolas" panose="020B0609020204030204" pitchFamily="49" charset="0"/>
-              </a:rPr>
-              <a:t>    }).catch(</a:t>
-            </a:r>
-            <a:r>
-              <a:rPr lang="nl-BE" sz="1600" dirty="0" err="1">
-                <a:latin typeface="Consolas" panose="020B0609020204030204" pitchFamily="49" charset="0"/>
-              </a:rPr>
+              <a:rPr lang="nl-BE" sz="2400" b="0" dirty="0"/>
+              <a:t>() {</a:t>
+            </a:r>
+          </a:p>
+          <a:p>
+            <a:r>
+              <a:rPr lang="nl-BE" sz="2400" b="0" dirty="0"/>
+              <a:t>            let </a:t>
+            </a:r>
+            <a:r>
+              <a:rPr lang="nl-BE" sz="2400" dirty="0" err="1"/>
+              <a:t>recognition</a:t>
+            </a:r>
+            <a:r>
+              <a:rPr lang="nl-BE" sz="2400" b="0" dirty="0"/>
+              <a:t> = new (</a:t>
+            </a:r>
+            <a:r>
+              <a:rPr lang="nl-BE" sz="2400" b="0" dirty="0" err="1"/>
+              <a:t>webkitSpeechRecognition</a:t>
+            </a:r>
+            <a:r>
+              <a:rPr lang="nl-BE" sz="2400" b="0" dirty="0"/>
+              <a:t> || </a:t>
+            </a:r>
+            <a:r>
+              <a:rPr lang="nl-BE" sz="2400" b="0" dirty="0" err="1"/>
+              <a:t>SpeechRecognition</a:t>
+            </a:r>
+            <a:r>
+              <a:rPr lang="nl-BE" sz="2400" b="0" dirty="0"/>
+              <a:t>)();</a:t>
+            </a:r>
+          </a:p>
+          <a:p>
+            <a:r>
+              <a:rPr lang="nl-BE" sz="2400" b="0" dirty="0"/>
+              <a:t>            </a:t>
+            </a:r>
+            <a:r>
+              <a:rPr lang="nl-BE" sz="2400" b="0" dirty="0" err="1"/>
+              <a:t>recognition.</a:t>
+            </a:r>
+            <a:r>
+              <a:rPr lang="nl-BE" sz="2400" dirty="0" err="1"/>
+              <a:t>lang</a:t>
+            </a:r>
+            <a:r>
+              <a:rPr lang="nl-BE" sz="2400" b="0" dirty="0"/>
+              <a:t> = 'en-US';</a:t>
+            </a:r>
+          </a:p>
+          <a:p>
+            <a:r>
+              <a:rPr lang="nl-BE" sz="2400" b="0" dirty="0"/>
+              <a:t>            </a:t>
+            </a:r>
+            <a:r>
+              <a:rPr lang="nl-BE" sz="2400" b="0" dirty="0" err="1"/>
+              <a:t>recognition.</a:t>
+            </a:r>
+            <a:r>
+              <a:rPr lang="nl-BE" sz="2400" dirty="0" err="1"/>
+              <a:t>interimResults</a:t>
+            </a:r>
+            <a:r>
+              <a:rPr lang="nl-BE" sz="2400" b="0" dirty="0"/>
+              <a:t> = </a:t>
+            </a:r>
+            <a:r>
+              <a:rPr lang="nl-BE" sz="2400" b="0" dirty="0" err="1"/>
+              <a:t>false</a:t>
+            </a:r>
+            <a:r>
+              <a:rPr lang="nl-BE" sz="2400" b="0" dirty="0"/>
+              <a:t>;</a:t>
+            </a:r>
+          </a:p>
+          <a:p>
+            <a:r>
+              <a:rPr lang="nl-BE" sz="2400" b="0" dirty="0"/>
+              <a:t>            </a:t>
+            </a:r>
+            <a:r>
+              <a:rPr lang="nl-BE" sz="2400" b="0" dirty="0" err="1"/>
+              <a:t>recognition.</a:t>
+            </a:r>
+            <a:r>
+              <a:rPr lang="nl-BE" sz="2400" dirty="0" err="1"/>
+              <a:t>maxAlternatives</a:t>
+            </a:r>
+            <a:r>
+              <a:rPr lang="nl-BE" sz="2400" b="0" dirty="0"/>
+              <a:t> = 1;</a:t>
+            </a:r>
+          </a:p>
+          <a:p>
+            <a:r>
+              <a:rPr lang="nl-BE" sz="2400" b="0" dirty="0"/>
+              <a:t>            </a:t>
+            </a:r>
+            <a:r>
+              <a:rPr lang="nl-BE" sz="2400" b="0" dirty="0" err="1"/>
+              <a:t>recognition.</a:t>
+            </a:r>
+            <a:r>
+              <a:rPr lang="nl-BE" sz="2400" dirty="0" err="1"/>
+              <a:t>start</a:t>
+            </a:r>
+            <a:r>
+              <a:rPr lang="nl-BE" sz="2400" b="0" dirty="0"/>
+              <a:t>();</a:t>
+            </a:r>
+          </a:p>
+          <a:p>
+            <a:r>
+              <a:rPr lang="nl-BE" sz="2400" b="0" dirty="0"/>
+              <a:t>            </a:t>
+            </a:r>
+            <a:r>
+              <a:rPr lang="nl-BE" sz="2400" b="0" dirty="0" err="1"/>
+              <a:t>recognition.</a:t>
+            </a:r>
+            <a:r>
+              <a:rPr lang="nl-BE" sz="2400" dirty="0" err="1"/>
+              <a:t>onresult</a:t>
+            </a:r>
+            <a:r>
+              <a:rPr lang="nl-BE" sz="2400" b="0" dirty="0"/>
+              <a:t> = </a:t>
+            </a:r>
+            <a:r>
+              <a:rPr lang="nl-BE" sz="2400" b="0" dirty="0" err="1"/>
               <a:t>function</a:t>
             </a:r>
             <a:r>
-              <a:rPr lang="nl-BE" sz="1600" dirty="0">
-                <a:latin typeface="Consolas" panose="020B0609020204030204" pitchFamily="49" charset="0"/>
-              </a:rPr>
-              <a:t>(</a:t>
-            </a:r>
-            <a:r>
-              <a:rPr lang="nl-BE" sz="1600" dirty="0" err="1">
-                <a:latin typeface="Consolas" panose="020B0609020204030204" pitchFamily="49" charset="0"/>
-              </a:rPr>
-              <a:t>err</a:t>
-            </a:r>
-            <a:r>
-              <a:rPr lang="nl-BE" sz="1600" dirty="0">
-                <a:latin typeface="Consolas" panose="020B0609020204030204" pitchFamily="49" charset="0"/>
-              </a:rPr>
-              <a:t>) {</a:t>
-            </a:r>
-          </a:p>
-          <a:p>
-            <a:pPr marL="180000" lvl="1" indent="0">
-              <a:buNone/>
-            </a:pPr>
-            <a:r>
-              <a:rPr lang="nl-BE" sz="1600" dirty="0">
-                <a:latin typeface="Consolas" panose="020B0609020204030204" pitchFamily="49" charset="0"/>
-              </a:rPr>
-              <a:t>      console.log(</a:t>
-            </a:r>
-            <a:r>
-              <a:rPr lang="nl-BE" sz="1600" dirty="0" err="1">
-                <a:latin typeface="Consolas" panose="020B0609020204030204" pitchFamily="49" charset="0"/>
-              </a:rPr>
-              <a:t>err</a:t>
-            </a:r>
-            <a:r>
-              <a:rPr lang="nl-BE" sz="1600" dirty="0">
-                <a:latin typeface="Consolas" panose="020B0609020204030204" pitchFamily="49" charset="0"/>
-              </a:rPr>
-              <a:t>);</a:t>
-            </a:r>
-          </a:p>
-          <a:p>
-            <a:pPr marL="180000" lvl="1" indent="0">
-              <a:buNone/>
-            </a:pPr>
-            <a:r>
-              <a:rPr lang="nl-BE" sz="1600" dirty="0">
-                <a:latin typeface="Consolas" panose="020B0609020204030204" pitchFamily="49" charset="0"/>
-              </a:rPr>
-              <a:t>    });</a:t>
+              <a:rPr lang="nl-BE" sz="2400" b="0" dirty="0"/>
+              <a:t>(event) {</a:t>
+            </a:r>
+          </a:p>
+          <a:p>
+            <a:r>
+              <a:rPr lang="nl-BE" sz="2400" b="0" dirty="0"/>
+              <a:t>                      </a:t>
+            </a:r>
+            <a:r>
+              <a:rPr lang="nl-BE" sz="2400" b="0" dirty="0" err="1"/>
+              <a:t>HTMLElement.innerHTML</a:t>
+            </a:r>
+            <a:r>
+              <a:rPr lang="nl-BE" sz="2400" b="0" dirty="0"/>
+              <a:t> = </a:t>
+            </a:r>
+            <a:r>
+              <a:rPr lang="nl-BE" sz="2400" b="0" dirty="0" err="1"/>
+              <a:t>event.</a:t>
+            </a:r>
+            <a:r>
+              <a:rPr lang="nl-BE" sz="2400" dirty="0" err="1"/>
+              <a:t>results</a:t>
+            </a:r>
+            <a:r>
+              <a:rPr lang="nl-BE" sz="2400" b="0" dirty="0"/>
+              <a:t>[0][0].</a:t>
+            </a:r>
+            <a:r>
+              <a:rPr lang="nl-BE" sz="2400" dirty="0"/>
+              <a:t>transcript</a:t>
+            </a:r>
+            <a:r>
+              <a:rPr lang="nl-BE" sz="2400" b="0" dirty="0"/>
+              <a:t>;</a:t>
+            </a:r>
+          </a:p>
+          <a:p>
+            <a:r>
+              <a:rPr lang="nl-BE" sz="2400" b="0" dirty="0"/>
+              <a:t>            };</a:t>
+            </a:r>
+          </a:p>
+          <a:p>
+            <a:r>
+              <a:rPr lang="nl-BE" sz="2400" b="0" dirty="0"/>
+              <a:t>});</a:t>
             </a:r>
           </a:p>
         </p:txBody>
@@ -12874,7 +12706,7 @@
           <a:p>
             <a:r>
               <a:rPr lang="nl-BE" dirty="0"/>
-              <a:t>Extra’s</a:t>
+              <a:t>Web speech API</a:t>
             </a:r>
           </a:p>
         </p:txBody>
@@ -12882,7 +12714,7 @@
     </p:spTree>
     <p:extLst>
       <p:ext uri="{BB962C8B-B14F-4D97-AF65-F5344CB8AC3E}">
-        <p14:creationId xmlns:p14="http://schemas.microsoft.com/office/powerpoint/2010/main" val="3614797913"/>
+        <p14:creationId xmlns:p14="http://schemas.microsoft.com/office/powerpoint/2010/main" val="1660766576"/>
       </p:ext>
     </p:extLst>
   </p:cSld>
@@ -12914,6 +12746,608 @@
           <p:cNvPr id="2" name="Titel 1">
             <a:extLst>
               <a:ext uri="{FF2B5EF4-FFF2-40B4-BE49-F238E27FC236}">
+                <a16:creationId xmlns:a16="http://schemas.microsoft.com/office/drawing/2014/main" id="{C5EEAFBD-B5B8-4F85-98E4-19C38B628AD3}"/>
+              </a:ext>
+            </a:extLst>
+          </p:cNvPr>
+          <p:cNvSpPr>
+            <a:spLocks noGrp="1"/>
+          </p:cNvSpPr>
+          <p:nvPr>
+            <p:ph type="title"/>
+          </p:nvPr>
+        </p:nvSpPr>
+        <p:spPr/>
+        <p:txBody>
+          <a:bodyPr/>
+          <a:lstStyle/>
+          <a:p>
+            <a:r>
+              <a:rPr lang="nl-BE" dirty="0"/>
+              <a:t>Extra’s</a:t>
+            </a:r>
+          </a:p>
+        </p:txBody>
+      </p:sp>
+      <p:sp>
+        <p:nvSpPr>
+          <p:cNvPr id="3" name="Tijdelijke aanduiding voor tekst 2">
+            <a:extLst>
+              <a:ext uri="{FF2B5EF4-FFF2-40B4-BE49-F238E27FC236}">
+                <a16:creationId xmlns:a16="http://schemas.microsoft.com/office/drawing/2014/main" id="{25E6300B-AC24-4FB2-A05D-06BE75683545}"/>
+              </a:ext>
+            </a:extLst>
+          </p:cNvPr>
+          <p:cNvSpPr>
+            <a:spLocks noGrp="1"/>
+          </p:cNvSpPr>
+          <p:nvPr>
+            <p:ph type="body" idx="1"/>
+          </p:nvPr>
+        </p:nvSpPr>
+        <p:spPr/>
+        <p:txBody>
+          <a:bodyPr/>
+          <a:lstStyle/>
+          <a:p>
+            <a:r>
+              <a:rPr lang="nl-BE" dirty="0"/>
+              <a:t>But </a:t>
+            </a:r>
+            <a:r>
+              <a:rPr lang="nl-BE" dirty="0" err="1"/>
+              <a:t>wait</a:t>
+            </a:r>
+            <a:r>
+              <a:rPr lang="nl-BE" dirty="0"/>
+              <a:t>… </a:t>
+            </a:r>
+            <a:r>
+              <a:rPr lang="nl-BE" dirty="0" err="1"/>
+              <a:t>There’s</a:t>
+            </a:r>
+            <a:r>
+              <a:rPr lang="nl-BE" dirty="0"/>
+              <a:t> more!</a:t>
+            </a:r>
+          </a:p>
+        </p:txBody>
+      </p:sp>
+      <p:sp>
+        <p:nvSpPr>
+          <p:cNvPr id="4" name="Tijdelijke aanduiding voor voettekst 3">
+            <a:extLst>
+              <a:ext uri="{FF2B5EF4-FFF2-40B4-BE49-F238E27FC236}">
+                <a16:creationId xmlns:a16="http://schemas.microsoft.com/office/drawing/2014/main" id="{7926BCFD-3A9A-492A-A57B-0A991170A3B7}"/>
+              </a:ext>
+            </a:extLst>
+          </p:cNvPr>
+          <p:cNvSpPr>
+            <a:spLocks noGrp="1"/>
+          </p:cNvSpPr>
+          <p:nvPr>
+            <p:ph type="ftr" sz="quarter" idx="11"/>
+          </p:nvPr>
+        </p:nvSpPr>
+        <p:spPr/>
+        <p:txBody>
+          <a:bodyPr/>
+          <a:lstStyle/>
+          <a:p>
+            <a:r>
+              <a:rPr lang="nl-BE" dirty="0"/>
+              <a:t>DWD – HTML5 &amp; Games</a:t>
+            </a:r>
+          </a:p>
+        </p:txBody>
+      </p:sp>
+      <p:sp>
+        <p:nvSpPr>
+          <p:cNvPr id="5" name="Tijdelijke aanduiding voor dianummer 4">
+            <a:extLst>
+              <a:ext uri="{FF2B5EF4-FFF2-40B4-BE49-F238E27FC236}">
+                <a16:creationId xmlns:a16="http://schemas.microsoft.com/office/drawing/2014/main" id="{60BD1991-93F2-4440-9BAB-7167DEBBD3C1}"/>
+              </a:ext>
+            </a:extLst>
+          </p:cNvPr>
+          <p:cNvSpPr>
+            <a:spLocks noGrp="1"/>
+          </p:cNvSpPr>
+          <p:nvPr>
+            <p:ph type="sldNum" sz="quarter" idx="12"/>
+          </p:nvPr>
+        </p:nvSpPr>
+        <p:spPr/>
+        <p:txBody>
+          <a:bodyPr/>
+          <a:lstStyle/>
+          <a:p>
+            <a:fld id="{FF88DA20-ED00-471C-9170-60F590CB400A}" type="slidenum">
+              <a:rPr lang="nl-BE" smtClean="0"/>
+              <a:pPr/>
+              <a:t>32</a:t>
+            </a:fld>
+            <a:endParaRPr lang="nl-BE"/>
+          </a:p>
+        </p:txBody>
+      </p:sp>
+      <p:sp>
+        <p:nvSpPr>
+          <p:cNvPr id="6" name="Tijdelijke aanduiding voor tekst 5">
+            <a:extLst>
+              <a:ext uri="{FF2B5EF4-FFF2-40B4-BE49-F238E27FC236}">
+                <a16:creationId xmlns:a16="http://schemas.microsoft.com/office/drawing/2014/main" id="{2BC75DC7-FD2B-4961-80F5-1A77FF877DD9}"/>
+              </a:ext>
+            </a:extLst>
+          </p:cNvPr>
+          <p:cNvSpPr>
+            <a:spLocks noGrp="1"/>
+          </p:cNvSpPr>
+          <p:nvPr>
+            <p:ph type="body" sz="quarter" idx="13"/>
+          </p:nvPr>
+        </p:nvSpPr>
+        <p:spPr/>
+        <p:txBody>
+          <a:bodyPr/>
+          <a:lstStyle/>
+          <a:p>
+            <a:endParaRPr lang="nl-BE"/>
+          </a:p>
+        </p:txBody>
+      </p:sp>
+    </p:spTree>
+    <p:extLst>
+      <p:ext uri="{BB962C8B-B14F-4D97-AF65-F5344CB8AC3E}">
+        <p14:creationId xmlns:p14="http://schemas.microsoft.com/office/powerpoint/2010/main" val="979472685"/>
+      </p:ext>
+    </p:extLst>
+  </p:cSld>
+  <p:clrMapOvr>
+    <a:masterClrMapping/>
+  </p:clrMapOvr>
+</p:sld>
+</file>
+
+<file path=ppt/slides/slide33.xml><?xml version="1.0" encoding="utf-8"?>
+<p:sld xmlns:a="http://schemas.openxmlformats.org/drawingml/2006/main" xmlns:r="http://schemas.openxmlformats.org/officeDocument/2006/relationships" xmlns:p="http://schemas.openxmlformats.org/presentationml/2006/main">
+  <p:cSld>
+    <p:spTree>
+      <p:nvGrpSpPr>
+        <p:cNvPr id="1" name=""/>
+        <p:cNvGrpSpPr/>
+        <p:nvPr/>
+      </p:nvGrpSpPr>
+      <p:grpSpPr>
+        <a:xfrm>
+          <a:off x="0" y="0"/>
+          <a:ext cx="0" cy="0"/>
+          <a:chOff x="0" y="0"/>
+          <a:chExt cx="0" cy="0"/>
+        </a:xfrm>
+      </p:grpSpPr>
+      <p:sp>
+        <p:nvSpPr>
+          <p:cNvPr id="2" name="Titel 1">
+            <a:extLst>
+              <a:ext uri="{FF2B5EF4-FFF2-40B4-BE49-F238E27FC236}">
+                <a16:creationId xmlns:a16="http://schemas.microsoft.com/office/drawing/2014/main" id="{465F132B-C9CE-4FCE-923D-CCAFB92AB8C8}"/>
+              </a:ext>
+            </a:extLst>
+          </p:cNvPr>
+          <p:cNvSpPr>
+            <a:spLocks noGrp="1"/>
+          </p:cNvSpPr>
+          <p:nvPr>
+            <p:ph type="title"/>
+          </p:nvPr>
+        </p:nvSpPr>
+        <p:spPr/>
+        <p:txBody>
+          <a:bodyPr/>
+          <a:lstStyle/>
+          <a:p>
+            <a:r>
+              <a:rPr lang="nl-BE" dirty="0"/>
+              <a:t>Webcam</a:t>
+            </a:r>
+          </a:p>
+        </p:txBody>
+      </p:sp>
+      <p:sp>
+        <p:nvSpPr>
+          <p:cNvPr id="8" name="Tijdelijke aanduiding voor inhoud 7">
+            <a:extLst>
+              <a:ext uri="{FF2B5EF4-FFF2-40B4-BE49-F238E27FC236}">
+                <a16:creationId xmlns:a16="http://schemas.microsoft.com/office/drawing/2014/main" id="{46660B48-BEE8-4738-9228-05126E64F4BB}"/>
+              </a:ext>
+            </a:extLst>
+          </p:cNvPr>
+          <p:cNvSpPr>
+            <a:spLocks noGrp="1"/>
+          </p:cNvSpPr>
+          <p:nvPr>
+            <p:ph idx="1"/>
+          </p:nvPr>
+        </p:nvSpPr>
+        <p:spPr>
+          <a:xfrm>
+            <a:off x="822291" y="1585519"/>
+            <a:ext cx="10089309" cy="4404220"/>
+          </a:xfrm>
+        </p:spPr>
+        <p:txBody>
+          <a:bodyPr/>
+          <a:lstStyle/>
+          <a:p>
+            <a:r>
+              <a:rPr lang="nl-BE" dirty="0"/>
+              <a:t>Toegang tot je webcam</a:t>
+            </a:r>
+          </a:p>
+          <a:p>
+            <a:pPr lvl="1"/>
+            <a:r>
+              <a:rPr lang="nl-BE" dirty="0"/>
+              <a:t>Videostream</a:t>
+            </a:r>
+          </a:p>
+          <a:p>
+            <a:pPr marL="180000" lvl="1" indent="0">
+              <a:buNone/>
+            </a:pPr>
+            <a:r>
+              <a:rPr lang="nl-BE" sz="1600" dirty="0">
+                <a:latin typeface="Consolas" panose="020B0609020204030204" pitchFamily="49" charset="0"/>
+              </a:rPr>
+              <a:t>    let video = </a:t>
+            </a:r>
+            <a:r>
+              <a:rPr lang="nl-BE" sz="1600" dirty="0" err="1">
+                <a:latin typeface="Consolas" panose="020B0609020204030204" pitchFamily="49" charset="0"/>
+              </a:rPr>
+              <a:t>document.getElementById</a:t>
+            </a:r>
+            <a:r>
+              <a:rPr lang="nl-BE" sz="1600" dirty="0">
+                <a:latin typeface="Consolas" panose="020B0609020204030204" pitchFamily="49" charset="0"/>
+              </a:rPr>
+              <a:t>('webcamstream');</a:t>
+            </a:r>
+          </a:p>
+          <a:p>
+            <a:pPr lvl="1"/>
+            <a:endParaRPr lang="nl-BE" sz="1600" dirty="0">
+              <a:latin typeface="Consolas" panose="020B0609020204030204" pitchFamily="49" charset="0"/>
+            </a:endParaRPr>
+          </a:p>
+          <a:p>
+            <a:pPr marL="180000" lvl="1" indent="0">
+              <a:buNone/>
+            </a:pPr>
+            <a:r>
+              <a:rPr lang="nl-BE" sz="1600" dirty="0">
+                <a:latin typeface="Consolas" panose="020B0609020204030204" pitchFamily="49" charset="0"/>
+              </a:rPr>
+              <a:t>    // open webcam </a:t>
+            </a:r>
+            <a:r>
+              <a:rPr lang="nl-BE" sz="1600" dirty="0" err="1">
+                <a:latin typeface="Consolas" panose="020B0609020204030204" pitchFamily="49" charset="0"/>
+              </a:rPr>
+              <a:t>and</a:t>
+            </a:r>
+            <a:r>
+              <a:rPr lang="nl-BE" sz="1600" dirty="0">
+                <a:latin typeface="Consolas" panose="020B0609020204030204" pitchFamily="49" charset="0"/>
+              </a:rPr>
+              <a:t> stream </a:t>
+            </a:r>
+            <a:r>
+              <a:rPr lang="nl-BE" sz="1600" dirty="0" err="1">
+                <a:latin typeface="Consolas" panose="020B0609020204030204" pitchFamily="49" charset="0"/>
+              </a:rPr>
+              <a:t>to</a:t>
+            </a:r>
+            <a:r>
+              <a:rPr lang="nl-BE" sz="1600" dirty="0">
+                <a:latin typeface="Consolas" panose="020B0609020204030204" pitchFamily="49" charset="0"/>
+              </a:rPr>
+              <a:t> video element</a:t>
+            </a:r>
+          </a:p>
+          <a:p>
+            <a:pPr marL="180000" lvl="1" indent="0">
+              <a:buNone/>
+            </a:pPr>
+            <a:r>
+              <a:rPr lang="nl-BE" sz="1600" dirty="0">
+                <a:latin typeface="Consolas" panose="020B0609020204030204" pitchFamily="49" charset="0"/>
+              </a:rPr>
+              <a:t>    </a:t>
+            </a:r>
+            <a:r>
+              <a:rPr lang="nl-BE" sz="1600" dirty="0" err="1">
+                <a:latin typeface="Consolas" panose="020B0609020204030204" pitchFamily="49" charset="0"/>
+              </a:rPr>
+              <a:t>navigator.mediaDevices.getUserMedia</a:t>
+            </a:r>
+            <a:r>
+              <a:rPr lang="nl-BE" sz="1600" dirty="0">
+                <a:latin typeface="Consolas" panose="020B0609020204030204" pitchFamily="49" charset="0"/>
+              </a:rPr>
+              <a:t>({</a:t>
+            </a:r>
+          </a:p>
+          <a:p>
+            <a:pPr marL="180000" lvl="1" indent="0">
+              <a:buNone/>
+            </a:pPr>
+            <a:r>
+              <a:rPr lang="nl-BE" sz="1600" dirty="0">
+                <a:latin typeface="Consolas" panose="020B0609020204030204" pitchFamily="49" charset="0"/>
+              </a:rPr>
+              <a:t>      video: </a:t>
+            </a:r>
+            <a:r>
+              <a:rPr lang="nl-BE" sz="1600" dirty="0" err="1">
+                <a:latin typeface="Consolas" panose="020B0609020204030204" pitchFamily="49" charset="0"/>
+              </a:rPr>
+              <a:t>true</a:t>
+            </a:r>
+            <a:endParaRPr lang="nl-BE" sz="1600" dirty="0">
+              <a:latin typeface="Consolas" panose="020B0609020204030204" pitchFamily="49" charset="0"/>
+            </a:endParaRPr>
+          </a:p>
+          <a:p>
+            <a:pPr marL="180000" lvl="1" indent="0">
+              <a:buNone/>
+            </a:pPr>
+            <a:r>
+              <a:rPr lang="nl-BE" sz="1600" dirty="0">
+                <a:latin typeface="Consolas" panose="020B0609020204030204" pitchFamily="49" charset="0"/>
+              </a:rPr>
+              <a:t>    }).</a:t>
+            </a:r>
+            <a:r>
+              <a:rPr lang="nl-BE" sz="1600" dirty="0" err="1">
+                <a:latin typeface="Consolas" panose="020B0609020204030204" pitchFamily="49" charset="0"/>
+              </a:rPr>
+              <a:t>then</a:t>
+            </a:r>
+            <a:r>
+              <a:rPr lang="nl-BE" sz="1600" dirty="0">
+                <a:latin typeface="Consolas" panose="020B0609020204030204" pitchFamily="49" charset="0"/>
+              </a:rPr>
+              <a:t>(</a:t>
+            </a:r>
+            <a:r>
+              <a:rPr lang="nl-BE" sz="1600" dirty="0" err="1">
+                <a:latin typeface="Consolas" panose="020B0609020204030204" pitchFamily="49" charset="0"/>
+              </a:rPr>
+              <a:t>function</a:t>
+            </a:r>
+            <a:r>
+              <a:rPr lang="nl-BE" sz="1600" dirty="0">
+                <a:latin typeface="Consolas" panose="020B0609020204030204" pitchFamily="49" charset="0"/>
+              </a:rPr>
+              <a:t>(stream) {</a:t>
+            </a:r>
+          </a:p>
+          <a:p>
+            <a:pPr marL="180000" lvl="1" indent="0">
+              <a:buNone/>
+            </a:pPr>
+            <a:r>
+              <a:rPr lang="nl-BE" sz="1600" dirty="0">
+                <a:latin typeface="Consolas" panose="020B0609020204030204" pitchFamily="49" charset="0"/>
+              </a:rPr>
+              <a:t>      </a:t>
+            </a:r>
+            <a:r>
+              <a:rPr lang="nl-BE" sz="1600" dirty="0" err="1">
+                <a:latin typeface="Consolas" panose="020B0609020204030204" pitchFamily="49" charset="0"/>
+              </a:rPr>
+              <a:t>video.srcObject</a:t>
+            </a:r>
+            <a:r>
+              <a:rPr lang="nl-BE" sz="1600" dirty="0">
+                <a:latin typeface="Consolas" panose="020B0609020204030204" pitchFamily="49" charset="0"/>
+              </a:rPr>
+              <a:t> = stream;</a:t>
+            </a:r>
+          </a:p>
+          <a:p>
+            <a:pPr marL="180000" lvl="1" indent="0">
+              <a:buNone/>
+            </a:pPr>
+            <a:r>
+              <a:rPr lang="nl-BE" sz="1600" dirty="0">
+                <a:latin typeface="Consolas" panose="020B0609020204030204" pitchFamily="49" charset="0"/>
+              </a:rPr>
+              <a:t>    }).catch(</a:t>
+            </a:r>
+            <a:r>
+              <a:rPr lang="nl-BE" sz="1600" dirty="0" err="1">
+                <a:latin typeface="Consolas" panose="020B0609020204030204" pitchFamily="49" charset="0"/>
+              </a:rPr>
+              <a:t>function</a:t>
+            </a:r>
+            <a:r>
+              <a:rPr lang="nl-BE" sz="1600" dirty="0">
+                <a:latin typeface="Consolas" panose="020B0609020204030204" pitchFamily="49" charset="0"/>
+              </a:rPr>
+              <a:t>(</a:t>
+            </a:r>
+            <a:r>
+              <a:rPr lang="nl-BE" sz="1600" dirty="0" err="1">
+                <a:latin typeface="Consolas" panose="020B0609020204030204" pitchFamily="49" charset="0"/>
+              </a:rPr>
+              <a:t>err</a:t>
+            </a:r>
+            <a:r>
+              <a:rPr lang="nl-BE" sz="1600" dirty="0">
+                <a:latin typeface="Consolas" panose="020B0609020204030204" pitchFamily="49" charset="0"/>
+              </a:rPr>
+              <a:t>) {</a:t>
+            </a:r>
+          </a:p>
+          <a:p>
+            <a:pPr marL="180000" lvl="1" indent="0">
+              <a:buNone/>
+            </a:pPr>
+            <a:r>
+              <a:rPr lang="nl-BE" sz="1600" dirty="0">
+                <a:latin typeface="Consolas" panose="020B0609020204030204" pitchFamily="49" charset="0"/>
+              </a:rPr>
+              <a:t>      console.log(</a:t>
+            </a:r>
+            <a:r>
+              <a:rPr lang="nl-BE" sz="1600" dirty="0" err="1">
+                <a:latin typeface="Consolas" panose="020B0609020204030204" pitchFamily="49" charset="0"/>
+              </a:rPr>
+              <a:t>err</a:t>
+            </a:r>
+            <a:r>
+              <a:rPr lang="nl-BE" sz="1600" dirty="0">
+                <a:latin typeface="Consolas" panose="020B0609020204030204" pitchFamily="49" charset="0"/>
+              </a:rPr>
+              <a:t>);</a:t>
+            </a:r>
+          </a:p>
+          <a:p>
+            <a:pPr marL="180000" lvl="1" indent="0">
+              <a:buNone/>
+            </a:pPr>
+            <a:r>
+              <a:rPr lang="nl-BE" sz="1600" dirty="0">
+                <a:latin typeface="Consolas" panose="020B0609020204030204" pitchFamily="49" charset="0"/>
+              </a:rPr>
+              <a:t>    });</a:t>
+            </a:r>
+          </a:p>
+        </p:txBody>
+      </p:sp>
+      <p:sp>
+        <p:nvSpPr>
+          <p:cNvPr id="4" name="Tijdelijke aanduiding voor voettekst 3">
+            <a:extLst>
+              <a:ext uri="{FF2B5EF4-FFF2-40B4-BE49-F238E27FC236}">
+                <a16:creationId xmlns:a16="http://schemas.microsoft.com/office/drawing/2014/main" id="{9A86A9FB-1B9E-4B7A-910C-235D3A566A80}"/>
+              </a:ext>
+            </a:extLst>
+          </p:cNvPr>
+          <p:cNvSpPr>
+            <a:spLocks noGrp="1"/>
+          </p:cNvSpPr>
+          <p:nvPr>
+            <p:ph type="ftr" sz="quarter" idx="11"/>
+          </p:nvPr>
+        </p:nvSpPr>
+        <p:spPr/>
+        <p:txBody>
+          <a:bodyPr/>
+          <a:lstStyle/>
+          <a:p>
+            <a:r>
+              <a:rPr lang="nl-BE" dirty="0"/>
+              <a:t>DWD – HTML5 &amp; Games</a:t>
+            </a:r>
+          </a:p>
+        </p:txBody>
+      </p:sp>
+      <p:sp>
+        <p:nvSpPr>
+          <p:cNvPr id="5" name="Tijdelijke aanduiding voor dianummer 4">
+            <a:extLst>
+              <a:ext uri="{FF2B5EF4-FFF2-40B4-BE49-F238E27FC236}">
+                <a16:creationId xmlns:a16="http://schemas.microsoft.com/office/drawing/2014/main" id="{A64CFB49-2F18-4019-89DD-E4922E4505C1}"/>
+              </a:ext>
+            </a:extLst>
+          </p:cNvPr>
+          <p:cNvSpPr>
+            <a:spLocks noGrp="1"/>
+          </p:cNvSpPr>
+          <p:nvPr>
+            <p:ph type="sldNum" sz="quarter" idx="12"/>
+          </p:nvPr>
+        </p:nvSpPr>
+        <p:spPr/>
+        <p:txBody>
+          <a:bodyPr/>
+          <a:lstStyle/>
+          <a:p>
+            <a:fld id="{FF88DA20-ED00-471C-9170-60F590CB400A}" type="slidenum">
+              <a:rPr lang="nl-BE" smtClean="0"/>
+              <a:t>33</a:t>
+            </a:fld>
+            <a:endParaRPr lang="nl-BE"/>
+          </a:p>
+        </p:txBody>
+      </p:sp>
+      <p:sp>
+        <p:nvSpPr>
+          <p:cNvPr id="3" name="Tijdelijke aanduiding voor tekst 2">
+            <a:extLst>
+              <a:ext uri="{FF2B5EF4-FFF2-40B4-BE49-F238E27FC236}">
+                <a16:creationId xmlns:a16="http://schemas.microsoft.com/office/drawing/2014/main" id="{8007CC32-F96E-4CD9-95CF-403FC6BFF49B}"/>
+              </a:ext>
+            </a:extLst>
+          </p:cNvPr>
+          <p:cNvSpPr>
+            <a:spLocks noGrp="1"/>
+          </p:cNvSpPr>
+          <p:nvPr>
+            <p:ph type="body" sz="quarter" idx="13"/>
+          </p:nvPr>
+        </p:nvSpPr>
+        <p:spPr/>
+        <p:txBody>
+          <a:bodyPr/>
+          <a:lstStyle/>
+          <a:p>
+            <a:r>
+              <a:rPr lang="nl-BE" dirty="0"/>
+              <a:t>Extra’s</a:t>
+            </a:r>
+          </a:p>
+        </p:txBody>
+      </p:sp>
+    </p:spTree>
+    <p:extLst>
+      <p:ext uri="{BB962C8B-B14F-4D97-AF65-F5344CB8AC3E}">
+        <p14:creationId xmlns:p14="http://schemas.microsoft.com/office/powerpoint/2010/main" val="3614797913"/>
+      </p:ext>
+    </p:extLst>
+  </p:cSld>
+  <p:clrMapOvr>
+    <a:masterClrMapping/>
+  </p:clrMapOvr>
+</p:sld>
+</file>
+
+<file path=ppt/slides/slide34.xml><?xml version="1.0" encoding="utf-8"?>
+<p:sld xmlns:a="http://schemas.openxmlformats.org/drawingml/2006/main" xmlns:r="http://schemas.openxmlformats.org/officeDocument/2006/relationships" xmlns:p="http://schemas.openxmlformats.org/presentationml/2006/main">
+  <p:cSld>
+    <p:spTree>
+      <p:nvGrpSpPr>
+        <p:cNvPr id="1" name=""/>
+        <p:cNvGrpSpPr/>
+        <p:nvPr/>
+      </p:nvGrpSpPr>
+      <p:grpSpPr>
+        <a:xfrm>
+          <a:off x="0" y="0"/>
+          <a:ext cx="0" cy="0"/>
+          <a:chOff x="0" y="0"/>
+          <a:chExt cx="0" cy="0"/>
+        </a:xfrm>
+      </p:grpSpPr>
+      <p:sp>
+        <p:nvSpPr>
+          <p:cNvPr id="2" name="Titel 1">
+            <a:extLst>
+              <a:ext uri="{FF2B5EF4-FFF2-40B4-BE49-F238E27FC236}">
                 <a16:creationId xmlns:a16="http://schemas.microsoft.com/office/drawing/2014/main" id="{465F132B-C9CE-4FCE-923D-CCAFB92AB8C8}"/>
               </a:ext>
             </a:extLst>
@@ -13060,7 +13494,7 @@
           <a:p>
             <a:fld id="{FF88DA20-ED00-471C-9170-60F590CB400A}" type="slidenum">
               <a:rPr lang="nl-BE" smtClean="0"/>
-              <a:t>32</a:t>
+              <a:t>34</a:t>
             </a:fld>
             <a:endParaRPr lang="nl-BE"/>
           </a:p>
@@ -13201,427 +13635,6 @@
 </p:sld>
 </file>
 
-<file path=ppt/slides/slide33.xml><?xml version="1.0" encoding="utf-8"?>
-<p:sld xmlns:a="http://schemas.openxmlformats.org/drawingml/2006/main" xmlns:r="http://schemas.openxmlformats.org/officeDocument/2006/relationships" xmlns:p="http://schemas.openxmlformats.org/presentationml/2006/main">
-  <p:cSld>
-    <p:spTree>
-      <p:nvGrpSpPr>
-        <p:cNvPr id="1" name=""/>
-        <p:cNvGrpSpPr/>
-        <p:nvPr/>
-      </p:nvGrpSpPr>
-      <p:grpSpPr>
-        <a:xfrm>
-          <a:off x="0" y="0"/>
-          <a:ext cx="0" cy="0"/>
-          <a:chOff x="0" y="0"/>
-          <a:chExt cx="0" cy="0"/>
-        </a:xfrm>
-      </p:grpSpPr>
-      <p:sp>
-        <p:nvSpPr>
-          <p:cNvPr id="2" name="Titel 1">
-            <a:extLst>
-              <a:ext uri="{FF2B5EF4-FFF2-40B4-BE49-F238E27FC236}">
-                <a16:creationId xmlns:a16="http://schemas.microsoft.com/office/drawing/2014/main" id="{C5EEAFBD-B5B8-4F85-98E4-19C38B628AD3}"/>
-              </a:ext>
-            </a:extLst>
-          </p:cNvPr>
-          <p:cNvSpPr>
-            <a:spLocks noGrp="1"/>
-          </p:cNvSpPr>
-          <p:nvPr>
-            <p:ph type="title"/>
-          </p:nvPr>
-        </p:nvSpPr>
-        <p:spPr/>
-        <p:txBody>
-          <a:bodyPr/>
-          <a:lstStyle/>
-          <a:p>
-            <a:r>
-              <a:rPr lang="nl-BE" dirty="0"/>
-              <a:t>Opdracht</a:t>
-            </a:r>
-          </a:p>
-        </p:txBody>
-      </p:sp>
-      <p:sp>
-        <p:nvSpPr>
-          <p:cNvPr id="3" name="Tijdelijke aanduiding voor tekst 2">
-            <a:extLst>
-              <a:ext uri="{FF2B5EF4-FFF2-40B4-BE49-F238E27FC236}">
-                <a16:creationId xmlns:a16="http://schemas.microsoft.com/office/drawing/2014/main" id="{25E6300B-AC24-4FB2-A05D-06BE75683545}"/>
-              </a:ext>
-            </a:extLst>
-          </p:cNvPr>
-          <p:cNvSpPr>
-            <a:spLocks noGrp="1"/>
-          </p:cNvSpPr>
-          <p:nvPr>
-            <p:ph type="body" idx="1"/>
-          </p:nvPr>
-        </p:nvSpPr>
-        <p:spPr/>
-        <p:txBody>
-          <a:bodyPr/>
-          <a:lstStyle/>
-          <a:p>
-            <a:r>
-              <a:rPr lang="nl-BE" dirty="0" err="1"/>
-              <a:t>What</a:t>
-            </a:r>
-            <a:r>
-              <a:rPr lang="nl-BE" dirty="0"/>
-              <a:t> </a:t>
-            </a:r>
-            <a:r>
-              <a:rPr lang="nl-BE" dirty="0" err="1"/>
-              <a:t>to</a:t>
-            </a:r>
-            <a:r>
-              <a:rPr lang="nl-BE" dirty="0"/>
-              <a:t> do?</a:t>
-            </a:r>
-          </a:p>
-        </p:txBody>
-      </p:sp>
-      <p:sp>
-        <p:nvSpPr>
-          <p:cNvPr id="4" name="Tijdelijke aanduiding voor voettekst 3">
-            <a:extLst>
-              <a:ext uri="{FF2B5EF4-FFF2-40B4-BE49-F238E27FC236}">
-                <a16:creationId xmlns:a16="http://schemas.microsoft.com/office/drawing/2014/main" id="{7926BCFD-3A9A-492A-A57B-0A991170A3B7}"/>
-              </a:ext>
-            </a:extLst>
-          </p:cNvPr>
-          <p:cNvSpPr>
-            <a:spLocks noGrp="1"/>
-          </p:cNvSpPr>
-          <p:nvPr>
-            <p:ph type="ftr" sz="quarter" idx="11"/>
-          </p:nvPr>
-        </p:nvSpPr>
-        <p:spPr/>
-        <p:txBody>
-          <a:bodyPr/>
-          <a:lstStyle/>
-          <a:p>
-            <a:r>
-              <a:rPr lang="nl-BE" dirty="0"/>
-              <a:t>DWD – HTML5 &amp; Games</a:t>
-            </a:r>
-          </a:p>
-        </p:txBody>
-      </p:sp>
-      <p:sp>
-        <p:nvSpPr>
-          <p:cNvPr id="5" name="Tijdelijke aanduiding voor dianummer 4">
-            <a:extLst>
-              <a:ext uri="{FF2B5EF4-FFF2-40B4-BE49-F238E27FC236}">
-                <a16:creationId xmlns:a16="http://schemas.microsoft.com/office/drawing/2014/main" id="{60BD1991-93F2-4440-9BAB-7167DEBBD3C1}"/>
-              </a:ext>
-            </a:extLst>
-          </p:cNvPr>
-          <p:cNvSpPr>
-            <a:spLocks noGrp="1"/>
-          </p:cNvSpPr>
-          <p:nvPr>
-            <p:ph type="sldNum" sz="quarter" idx="12"/>
-          </p:nvPr>
-        </p:nvSpPr>
-        <p:spPr/>
-        <p:txBody>
-          <a:bodyPr/>
-          <a:lstStyle/>
-          <a:p>
-            <a:fld id="{FF88DA20-ED00-471C-9170-60F590CB400A}" type="slidenum">
-              <a:rPr lang="nl-BE" smtClean="0"/>
-              <a:pPr/>
-              <a:t>33</a:t>
-            </a:fld>
-            <a:endParaRPr lang="nl-BE"/>
-          </a:p>
-        </p:txBody>
-      </p:sp>
-      <p:sp>
-        <p:nvSpPr>
-          <p:cNvPr id="6" name="Tijdelijke aanduiding voor tekst 5">
-            <a:extLst>
-              <a:ext uri="{FF2B5EF4-FFF2-40B4-BE49-F238E27FC236}">
-                <a16:creationId xmlns:a16="http://schemas.microsoft.com/office/drawing/2014/main" id="{2BC75DC7-FD2B-4961-80F5-1A77FF877DD9}"/>
-              </a:ext>
-            </a:extLst>
-          </p:cNvPr>
-          <p:cNvSpPr>
-            <a:spLocks noGrp="1"/>
-          </p:cNvSpPr>
-          <p:nvPr>
-            <p:ph type="body" sz="quarter" idx="13"/>
-          </p:nvPr>
-        </p:nvSpPr>
-        <p:spPr/>
-        <p:txBody>
-          <a:bodyPr/>
-          <a:lstStyle/>
-          <a:p>
-            <a:endParaRPr lang="nl-BE"/>
-          </a:p>
-        </p:txBody>
-      </p:sp>
-    </p:spTree>
-    <p:extLst>
-      <p:ext uri="{BB962C8B-B14F-4D97-AF65-F5344CB8AC3E}">
-        <p14:creationId xmlns:p14="http://schemas.microsoft.com/office/powerpoint/2010/main" val="3162246282"/>
-      </p:ext>
-    </p:extLst>
-  </p:cSld>
-  <p:clrMapOvr>
-    <a:masterClrMapping/>
-  </p:clrMapOvr>
-</p:sld>
-</file>
-
-<file path=ppt/slides/slide34.xml><?xml version="1.0" encoding="utf-8"?>
-<p:sld xmlns:a="http://schemas.openxmlformats.org/drawingml/2006/main" xmlns:r="http://schemas.openxmlformats.org/officeDocument/2006/relationships" xmlns:p="http://schemas.openxmlformats.org/presentationml/2006/main">
-  <p:cSld>
-    <p:spTree>
-      <p:nvGrpSpPr>
-        <p:cNvPr id="1" name=""/>
-        <p:cNvGrpSpPr/>
-        <p:nvPr/>
-      </p:nvGrpSpPr>
-      <p:grpSpPr>
-        <a:xfrm>
-          <a:off x="0" y="0"/>
-          <a:ext cx="0" cy="0"/>
-          <a:chOff x="0" y="0"/>
-          <a:chExt cx="0" cy="0"/>
-        </a:xfrm>
-      </p:grpSpPr>
-      <p:sp>
-        <p:nvSpPr>
-          <p:cNvPr id="2" name="Titel 1">
-            <a:extLst>
-              <a:ext uri="{FF2B5EF4-FFF2-40B4-BE49-F238E27FC236}">
-                <a16:creationId xmlns:a16="http://schemas.microsoft.com/office/drawing/2014/main" id="{465F132B-C9CE-4FCE-923D-CCAFB92AB8C8}"/>
-              </a:ext>
-            </a:extLst>
-          </p:cNvPr>
-          <p:cNvSpPr>
-            <a:spLocks noGrp="1"/>
-          </p:cNvSpPr>
-          <p:nvPr>
-            <p:ph type="title"/>
-          </p:nvPr>
-        </p:nvSpPr>
-        <p:spPr/>
-        <p:txBody>
-          <a:bodyPr/>
-          <a:lstStyle/>
-          <a:p>
-            <a:r>
-              <a:rPr lang="nl-BE" dirty="0"/>
-              <a:t>Wat is de bedoeling?</a:t>
-            </a:r>
-          </a:p>
-        </p:txBody>
-      </p:sp>
-      <p:sp>
-        <p:nvSpPr>
-          <p:cNvPr id="8" name="Tijdelijke aanduiding voor inhoud 7">
-            <a:extLst>
-              <a:ext uri="{FF2B5EF4-FFF2-40B4-BE49-F238E27FC236}">
-                <a16:creationId xmlns:a16="http://schemas.microsoft.com/office/drawing/2014/main" id="{46660B48-BEE8-4738-9228-05126E64F4BB}"/>
-              </a:ext>
-            </a:extLst>
-          </p:cNvPr>
-          <p:cNvSpPr>
-            <a:spLocks noGrp="1"/>
-          </p:cNvSpPr>
-          <p:nvPr>
-            <p:ph idx="1"/>
-          </p:nvPr>
-        </p:nvSpPr>
-        <p:spPr>
-          <a:xfrm>
-            <a:off x="822291" y="1585519"/>
-            <a:ext cx="10089309" cy="4404220"/>
-          </a:xfrm>
-        </p:spPr>
-        <p:txBody>
-          <a:bodyPr/>
-          <a:lstStyle/>
-          <a:p>
-            <a:r>
-              <a:rPr lang="nl-BE" dirty="0"/>
-              <a:t>Toepassen van de geziene onderwerpen</a:t>
-            </a:r>
-          </a:p>
-          <a:p>
-            <a:pPr lvl="1"/>
-            <a:r>
-              <a:rPr lang="nl-BE" dirty="0" err="1"/>
-              <a:t>Local</a:t>
-            </a:r>
-            <a:r>
-              <a:rPr lang="nl-BE" dirty="0"/>
-              <a:t> storage</a:t>
-            </a:r>
-          </a:p>
-          <a:p>
-            <a:pPr lvl="1"/>
-            <a:r>
-              <a:rPr lang="nl-BE" dirty="0" err="1"/>
-              <a:t>Variable</a:t>
-            </a:r>
-            <a:r>
-              <a:rPr lang="nl-BE" dirty="0"/>
-              <a:t> fonts</a:t>
-            </a:r>
-          </a:p>
-          <a:p>
-            <a:pPr lvl="1"/>
-            <a:r>
-              <a:rPr lang="nl-BE" dirty="0" err="1"/>
-              <a:t>Transforms</a:t>
-            </a:r>
-            <a:endParaRPr lang="nl-BE" dirty="0"/>
-          </a:p>
-          <a:p>
-            <a:pPr lvl="1"/>
-            <a:r>
-              <a:rPr lang="nl-BE" dirty="0" err="1"/>
-              <a:t>Transitions</a:t>
-            </a:r>
-            <a:endParaRPr lang="nl-BE" dirty="0"/>
-          </a:p>
-          <a:p>
-            <a:pPr lvl="1"/>
-            <a:r>
-              <a:rPr lang="nl-BE" dirty="0" err="1"/>
-              <a:t>Request</a:t>
-            </a:r>
-            <a:r>
-              <a:rPr lang="nl-BE" dirty="0"/>
-              <a:t> </a:t>
-            </a:r>
-            <a:r>
-              <a:rPr lang="nl-BE" dirty="0" err="1"/>
-              <a:t>animation</a:t>
-            </a:r>
-            <a:r>
-              <a:rPr lang="nl-BE" dirty="0"/>
-              <a:t> frame</a:t>
-            </a:r>
-          </a:p>
-          <a:p>
-            <a:pPr lvl="1"/>
-            <a:r>
-              <a:rPr lang="nl-BE" dirty="0"/>
-              <a:t>Web speech API</a:t>
-            </a:r>
-          </a:p>
-        </p:txBody>
-      </p:sp>
-      <p:sp>
-        <p:nvSpPr>
-          <p:cNvPr id="4" name="Tijdelijke aanduiding voor voettekst 3">
-            <a:extLst>
-              <a:ext uri="{FF2B5EF4-FFF2-40B4-BE49-F238E27FC236}">
-                <a16:creationId xmlns:a16="http://schemas.microsoft.com/office/drawing/2014/main" id="{9A86A9FB-1B9E-4B7A-910C-235D3A566A80}"/>
-              </a:ext>
-            </a:extLst>
-          </p:cNvPr>
-          <p:cNvSpPr>
-            <a:spLocks noGrp="1"/>
-          </p:cNvSpPr>
-          <p:nvPr>
-            <p:ph type="ftr" sz="quarter" idx="11"/>
-          </p:nvPr>
-        </p:nvSpPr>
-        <p:spPr/>
-        <p:txBody>
-          <a:bodyPr/>
-          <a:lstStyle/>
-          <a:p>
-            <a:r>
-              <a:rPr lang="nl-BE" dirty="0"/>
-              <a:t>DWD – HTML5 &amp; Games</a:t>
-            </a:r>
-          </a:p>
-        </p:txBody>
-      </p:sp>
-      <p:sp>
-        <p:nvSpPr>
-          <p:cNvPr id="5" name="Tijdelijke aanduiding voor dianummer 4">
-            <a:extLst>
-              <a:ext uri="{FF2B5EF4-FFF2-40B4-BE49-F238E27FC236}">
-                <a16:creationId xmlns:a16="http://schemas.microsoft.com/office/drawing/2014/main" id="{A64CFB49-2F18-4019-89DD-E4922E4505C1}"/>
-              </a:ext>
-            </a:extLst>
-          </p:cNvPr>
-          <p:cNvSpPr>
-            <a:spLocks noGrp="1"/>
-          </p:cNvSpPr>
-          <p:nvPr>
-            <p:ph type="sldNum" sz="quarter" idx="12"/>
-          </p:nvPr>
-        </p:nvSpPr>
-        <p:spPr/>
-        <p:txBody>
-          <a:bodyPr/>
-          <a:lstStyle/>
-          <a:p>
-            <a:fld id="{FF88DA20-ED00-471C-9170-60F590CB400A}" type="slidenum">
-              <a:rPr lang="nl-BE" smtClean="0"/>
-              <a:t>34</a:t>
-            </a:fld>
-            <a:endParaRPr lang="nl-BE"/>
-          </a:p>
-        </p:txBody>
-      </p:sp>
-      <p:sp>
-        <p:nvSpPr>
-          <p:cNvPr id="3" name="Tijdelijke aanduiding voor tekst 2">
-            <a:extLst>
-              <a:ext uri="{FF2B5EF4-FFF2-40B4-BE49-F238E27FC236}">
-                <a16:creationId xmlns:a16="http://schemas.microsoft.com/office/drawing/2014/main" id="{8007CC32-F96E-4CD9-95CF-403FC6BFF49B}"/>
-              </a:ext>
-            </a:extLst>
-          </p:cNvPr>
-          <p:cNvSpPr>
-            <a:spLocks noGrp="1"/>
-          </p:cNvSpPr>
-          <p:nvPr>
-            <p:ph type="body" sz="quarter" idx="13"/>
-          </p:nvPr>
-        </p:nvSpPr>
-        <p:spPr/>
-        <p:txBody>
-          <a:bodyPr/>
-          <a:lstStyle/>
-          <a:p>
-            <a:r>
-              <a:rPr lang="nl-BE" dirty="0"/>
-              <a:t>Opdracht</a:t>
-            </a:r>
-          </a:p>
-        </p:txBody>
-      </p:sp>
-    </p:spTree>
-    <p:extLst>
-      <p:ext uri="{BB962C8B-B14F-4D97-AF65-F5344CB8AC3E}">
-        <p14:creationId xmlns:p14="http://schemas.microsoft.com/office/powerpoint/2010/main" val="2978920285"/>
-      </p:ext>
-    </p:extLst>
-  </p:cSld>
-  <p:clrMapOvr>
-    <a:masterClrMapping/>
-  </p:clrMapOvr>
-</p:sld>
-</file>
-
 <file path=ppt/slides/slide35.xml><?xml version="1.0" encoding="utf-8"?>
 <p:sld xmlns:a="http://schemas.openxmlformats.org/drawingml/2006/main" xmlns:r="http://schemas.openxmlformats.org/officeDocument/2006/relationships" xmlns:p="http://schemas.openxmlformats.org/presentationml/2006/main">
   <p:cSld>
@@ -13644,7 +13657,7 @@
           <p:cNvPr id="2" name="Titel 1">
             <a:extLst>
               <a:ext uri="{FF2B5EF4-FFF2-40B4-BE49-F238E27FC236}">
-                <a16:creationId xmlns:a16="http://schemas.microsoft.com/office/drawing/2014/main" id="{465F132B-C9CE-4FCE-923D-CCAFB92AB8C8}"/>
+                <a16:creationId xmlns:a16="http://schemas.microsoft.com/office/drawing/2014/main" id="{C5EEAFBD-B5B8-4F85-98E4-19C38B628AD3}"/>
               </a:ext>
             </a:extLst>
           </p:cNvPr>
@@ -13662,106 +13675,52 @@
           <a:p>
             <a:r>
               <a:rPr lang="nl-BE" dirty="0"/>
-              <a:t>Onderwerp</a:t>
-            </a:r>
-          </a:p>
-        </p:txBody>
-      </p:sp>
-      <p:sp>
-        <p:nvSpPr>
-          <p:cNvPr id="8" name="Tijdelijke aanduiding voor inhoud 7">
-            <a:extLst>
-              <a:ext uri="{FF2B5EF4-FFF2-40B4-BE49-F238E27FC236}">
-                <a16:creationId xmlns:a16="http://schemas.microsoft.com/office/drawing/2014/main" id="{46660B48-BEE8-4738-9228-05126E64F4BB}"/>
-              </a:ext>
-            </a:extLst>
-          </p:cNvPr>
-          <p:cNvSpPr>
-            <a:spLocks noGrp="1"/>
-          </p:cNvSpPr>
-          <p:nvPr>
-            <p:ph idx="1"/>
-          </p:nvPr>
-        </p:nvSpPr>
-        <p:spPr>
-          <a:xfrm>
-            <a:off x="822291" y="1585519"/>
-            <a:ext cx="10089309" cy="4404220"/>
-          </a:xfrm>
-        </p:spPr>
-        <p:txBody>
-          <a:bodyPr/>
-          <a:lstStyle/>
-          <a:p>
-            <a:r>
-              <a:rPr lang="nl-BE" dirty="0"/>
-              <a:t>Het maken/afwerken van een quiz</a:t>
-            </a:r>
-          </a:p>
-          <a:p>
-            <a:pPr lvl="1"/>
-            <a:r>
-              <a:rPr lang="nl-BE" sz="2400" dirty="0"/>
-              <a:t>Gebruiker kan zijn/haar </a:t>
-            </a:r>
-            <a:r>
-              <a:rPr lang="nl-BE" sz="2400" dirty="0" err="1"/>
-              <a:t>nickname</a:t>
-            </a:r>
-            <a:r>
-              <a:rPr lang="nl-BE" sz="2400" dirty="0"/>
-              <a:t> kiezen</a:t>
-            </a:r>
-          </a:p>
-          <a:p>
-            <a:pPr lvl="2"/>
-            <a:r>
-              <a:rPr lang="nl-BE" sz="2400" dirty="0"/>
-              <a:t>Deze wordt opgeslagen</a:t>
-            </a:r>
-          </a:p>
-          <a:p>
-            <a:pPr lvl="1"/>
-            <a:r>
-              <a:rPr lang="nl-BE" sz="2400" dirty="0"/>
-              <a:t>Bij het klikken op </a:t>
-            </a:r>
-            <a:r>
-              <a:rPr lang="nl-BE" sz="2400" dirty="0" err="1"/>
-              <a:t>play</a:t>
-            </a:r>
-            <a:r>
-              <a:rPr lang="nl-BE" sz="2400" dirty="0"/>
-              <a:t> begint de quiz na een aantal seconden</a:t>
-            </a:r>
-          </a:p>
-          <a:p>
-            <a:pPr lvl="1"/>
-            <a:r>
-              <a:rPr lang="nl-BE" sz="2400" dirty="0"/>
-              <a:t>De gebruiker kan antwoorden geven door te typen of op de </a:t>
-            </a:r>
-            <a:r>
-              <a:rPr lang="nl-BE" sz="2400" dirty="0" err="1"/>
-              <a:t>voice</a:t>
-            </a:r>
-            <a:r>
-              <a:rPr lang="nl-BE" sz="2400" dirty="0"/>
-              <a:t>-knop te klikken en een antwoord in te spreken</a:t>
-            </a:r>
-          </a:p>
-          <a:p>
-            <a:pPr lvl="1"/>
-            <a:r>
-              <a:rPr lang="nl-BE" sz="2400" dirty="0"/>
-              <a:t>De gebruiker heeft een aantal seconden de tijd om een antwoord te geven waarna naar de volgende vraag wordt overgegaan</a:t>
-            </a:r>
-          </a:p>
-          <a:p>
-            <a:pPr lvl="1"/>
-            <a:r>
-              <a:rPr lang="nl-BE" sz="2400" dirty="0"/>
-              <a:t>Op het einde wordt de score toegevoegd aan de totale score van de gebruiker en wordt deze opgeslagen</a:t>
+              <a:t>Opdracht </a:t>
+            </a:r>
+            <a:r>
+              <a:rPr lang="nl-BE"/>
+              <a:t>(Optioneel)</a:t>
+            </a:r>
+            <a:endParaRPr lang="nl-BE" dirty="0"/>
+          </a:p>
+        </p:txBody>
+      </p:sp>
+      <p:sp>
+        <p:nvSpPr>
+          <p:cNvPr id="3" name="Tijdelijke aanduiding voor tekst 2">
+            <a:extLst>
+              <a:ext uri="{FF2B5EF4-FFF2-40B4-BE49-F238E27FC236}">
+                <a16:creationId xmlns:a16="http://schemas.microsoft.com/office/drawing/2014/main" id="{25E6300B-AC24-4FB2-A05D-06BE75683545}"/>
+              </a:ext>
+            </a:extLst>
+          </p:cNvPr>
+          <p:cNvSpPr>
+            <a:spLocks noGrp="1"/>
+          </p:cNvSpPr>
+          <p:nvPr>
+            <p:ph type="body" idx="1"/>
+          </p:nvPr>
+        </p:nvSpPr>
+        <p:spPr/>
+        <p:txBody>
+          <a:bodyPr/>
+          <a:lstStyle/>
+          <a:p>
+            <a:r>
+              <a:rPr lang="nl-BE" dirty="0" err="1"/>
+              <a:t>What</a:t>
+            </a:r>
+            <a:r>
+              <a:rPr lang="nl-BE" dirty="0"/>
+              <a:t> </a:t>
+            </a:r>
+            <a:r>
+              <a:rPr lang="nl-BE" dirty="0" err="1"/>
+              <a:t>to</a:t>
+            </a:r>
+            <a:r>
+              <a:rPr lang="nl-BE" dirty="0"/>
+              <a:t> do?</a:t>
             </a:r>
           </a:p>
         </p:txBody>
@@ -13771,7 +13730,7 @@
           <p:cNvPr id="4" name="Tijdelijke aanduiding voor voettekst 3">
             <a:extLst>
               <a:ext uri="{FF2B5EF4-FFF2-40B4-BE49-F238E27FC236}">
-                <a16:creationId xmlns:a16="http://schemas.microsoft.com/office/drawing/2014/main" id="{9A86A9FB-1B9E-4B7A-910C-235D3A566A80}"/>
+                <a16:creationId xmlns:a16="http://schemas.microsoft.com/office/drawing/2014/main" id="{7926BCFD-3A9A-492A-A57B-0A991170A3B7}"/>
               </a:ext>
             </a:extLst>
           </p:cNvPr>
@@ -13799,7 +13758,7 @@
           <p:cNvPr id="5" name="Tijdelijke aanduiding voor dianummer 4">
             <a:extLst>
               <a:ext uri="{FF2B5EF4-FFF2-40B4-BE49-F238E27FC236}">
-                <a16:creationId xmlns:a16="http://schemas.microsoft.com/office/drawing/2014/main" id="{A64CFB49-2F18-4019-89DD-E4922E4505C1}"/>
+                <a16:creationId xmlns:a16="http://schemas.microsoft.com/office/drawing/2014/main" id="{60BD1991-93F2-4440-9BAB-7167DEBBD3C1}"/>
               </a:ext>
             </a:extLst>
           </p:cNvPr>
@@ -13817,6 +13776,7 @@
           <a:p>
             <a:fld id="{FF88DA20-ED00-471C-9170-60F590CB400A}" type="slidenum">
               <a:rPr lang="nl-BE" smtClean="0"/>
+              <a:pPr/>
               <a:t>35</a:t>
             </a:fld>
             <a:endParaRPr lang="nl-BE"/>
@@ -13825,10 +13785,10 @@
       </p:sp>
       <p:sp>
         <p:nvSpPr>
-          <p:cNvPr id="3" name="Tijdelijke aanduiding voor tekst 2">
-            <a:extLst>
-              <a:ext uri="{FF2B5EF4-FFF2-40B4-BE49-F238E27FC236}">
-                <a16:creationId xmlns:a16="http://schemas.microsoft.com/office/drawing/2014/main" id="{8007CC32-F96E-4CD9-95CF-403FC6BFF49B}"/>
+          <p:cNvPr id="6" name="Tijdelijke aanduiding voor tekst 5">
+            <a:extLst>
+              <a:ext uri="{FF2B5EF4-FFF2-40B4-BE49-F238E27FC236}">
+                <a16:creationId xmlns:a16="http://schemas.microsoft.com/office/drawing/2014/main" id="{2BC75DC7-FD2B-4961-80F5-1A77FF877DD9}"/>
               </a:ext>
             </a:extLst>
           </p:cNvPr>
@@ -13844,17 +13804,14 @@
           <a:bodyPr/>
           <a:lstStyle/>
           <a:p>
-            <a:r>
-              <a:rPr lang="nl-BE" dirty="0"/>
-              <a:t>Opdracht</a:t>
-            </a:r>
+            <a:endParaRPr lang="nl-BE"/>
           </a:p>
         </p:txBody>
       </p:sp>
     </p:spTree>
     <p:extLst>
       <p:ext uri="{BB962C8B-B14F-4D97-AF65-F5344CB8AC3E}">
-        <p14:creationId xmlns:p14="http://schemas.microsoft.com/office/powerpoint/2010/main" val="2523583374"/>
+        <p14:creationId xmlns:p14="http://schemas.microsoft.com/office/powerpoint/2010/main" val="3162246282"/>
       </p:ext>
     </p:extLst>
   </p:cSld>
@@ -13903,12 +13860,8 @@
           <a:lstStyle/>
           <a:p>
             <a:r>
-              <a:rPr lang="nl-BE" dirty="0" err="1"/>
-              <a:t>Local</a:t>
-            </a:r>
-            <a:r>
-              <a:rPr lang="nl-BE" dirty="0"/>
-              <a:t> storage</a:t>
+              <a:rPr lang="nl-BE" dirty="0"/>
+              <a:t>Wat is de bedoeling?</a:t>
             </a:r>
           </a:p>
         </p:txBody>
@@ -13941,807 +13894,72 @@
           <a:p>
             <a:r>
               <a:rPr lang="nl-BE" dirty="0"/>
-              <a:t>Opslaan van de nodige game data</a:t>
-            </a:r>
-          </a:p>
-          <a:p>
-            <a:r>
-              <a:rPr lang="nl-BE" sz="800" b="0" dirty="0">
-                <a:solidFill>
-                  <a:srgbClr val="C678DD"/>
-                </a:solidFill>
-                <a:effectLst/>
-                <a:latin typeface="Consolas" panose="020B0609020204030204" pitchFamily="49" charset="0"/>
-              </a:rPr>
-              <a:t>let</a:t>
-            </a:r>
-            <a:r>
-              <a:rPr lang="nl-BE" sz="800" b="0" dirty="0">
-                <a:solidFill>
-                  <a:srgbClr val="ABB2BF"/>
-                </a:solidFill>
-                <a:effectLst/>
-                <a:latin typeface="Consolas" panose="020B0609020204030204" pitchFamily="49" charset="0"/>
-              </a:rPr>
-              <a:t> state </a:t>
-            </a:r>
-            <a:r>
-              <a:rPr lang="nl-BE" sz="800" b="0" dirty="0">
-                <a:solidFill>
-                  <a:srgbClr val="56B6C2"/>
-                </a:solidFill>
-                <a:effectLst/>
-                <a:latin typeface="Consolas" panose="020B0609020204030204" pitchFamily="49" charset="0"/>
-              </a:rPr>
-              <a:t>=</a:t>
-            </a:r>
-            <a:r>
-              <a:rPr lang="nl-BE" sz="800" b="0" dirty="0">
-                <a:solidFill>
-                  <a:srgbClr val="ABB2BF"/>
-                </a:solidFill>
-                <a:effectLst/>
-                <a:latin typeface="Consolas" panose="020B0609020204030204" pitchFamily="49" charset="0"/>
-              </a:rPr>
-              <a:t> {</a:t>
-            </a:r>
-          </a:p>
-          <a:p>
-            <a:r>
-              <a:rPr lang="nl-BE" sz="800" b="0" dirty="0">
-                <a:solidFill>
-                  <a:srgbClr val="ABB2BF"/>
-                </a:solidFill>
-                <a:effectLst/>
-                <a:latin typeface="Consolas" panose="020B0609020204030204" pitchFamily="49" charset="0"/>
-              </a:rPr>
-              <a:t>    </a:t>
-            </a:r>
-            <a:r>
-              <a:rPr lang="nl-BE" sz="800" b="0" dirty="0" err="1">
-                <a:solidFill>
-                  <a:srgbClr val="E06C75"/>
-                </a:solidFill>
-                <a:effectLst/>
-                <a:latin typeface="Consolas" panose="020B0609020204030204" pitchFamily="49" charset="0"/>
-              </a:rPr>
-              <a:t>startupWindow</a:t>
-            </a:r>
-            <a:r>
-              <a:rPr lang="nl-BE" sz="800" b="0" dirty="0">
-                <a:solidFill>
-                  <a:srgbClr val="56B6C2"/>
-                </a:solidFill>
-                <a:effectLst/>
-                <a:latin typeface="Consolas" panose="020B0609020204030204" pitchFamily="49" charset="0"/>
-              </a:rPr>
-              <a:t>:</a:t>
-            </a:r>
-            <a:r>
-              <a:rPr lang="nl-BE" sz="800" b="0" dirty="0">
-                <a:solidFill>
-                  <a:srgbClr val="ABB2BF"/>
-                </a:solidFill>
-                <a:effectLst/>
-                <a:latin typeface="Consolas" panose="020B0609020204030204" pitchFamily="49" charset="0"/>
-              </a:rPr>
-              <a:t> </a:t>
-            </a:r>
-            <a:r>
-              <a:rPr lang="nl-BE" sz="800" b="0" dirty="0">
-                <a:solidFill>
-                  <a:srgbClr val="98C379"/>
-                </a:solidFill>
-                <a:effectLst/>
-                <a:latin typeface="Consolas" panose="020B0609020204030204" pitchFamily="49" charset="0"/>
-              </a:rPr>
-              <a:t>'</a:t>
-            </a:r>
-            <a:r>
-              <a:rPr lang="nl-BE" sz="800" b="0" dirty="0" err="1">
-                <a:solidFill>
-                  <a:srgbClr val="98C379"/>
-                </a:solidFill>
-                <a:effectLst/>
-                <a:latin typeface="Consolas" panose="020B0609020204030204" pitchFamily="49" charset="0"/>
-              </a:rPr>
-              <a:t>welcomeWindow</a:t>
-            </a:r>
-            <a:r>
-              <a:rPr lang="nl-BE" sz="800" b="0" dirty="0">
-                <a:solidFill>
-                  <a:srgbClr val="98C379"/>
-                </a:solidFill>
-                <a:effectLst/>
-                <a:latin typeface="Consolas" panose="020B0609020204030204" pitchFamily="49" charset="0"/>
-              </a:rPr>
-              <a:t>'</a:t>
-            </a:r>
-            <a:r>
-              <a:rPr lang="nl-BE" sz="800" b="0" dirty="0">
-                <a:solidFill>
-                  <a:srgbClr val="ABB2BF"/>
-                </a:solidFill>
-                <a:effectLst/>
-                <a:latin typeface="Consolas" panose="020B0609020204030204" pitchFamily="49" charset="0"/>
-              </a:rPr>
-              <a:t>,</a:t>
-            </a:r>
-          </a:p>
-          <a:p>
-            <a:r>
-              <a:rPr lang="nl-BE" sz="800" b="0" dirty="0">
-                <a:solidFill>
-                  <a:srgbClr val="ABB2BF"/>
-                </a:solidFill>
-                <a:effectLst/>
-                <a:latin typeface="Consolas" panose="020B0609020204030204" pitchFamily="49" charset="0"/>
-              </a:rPr>
-              <a:t>    </a:t>
-            </a:r>
-            <a:r>
-              <a:rPr lang="nl-BE" sz="800" b="0" dirty="0" err="1">
-                <a:solidFill>
-                  <a:srgbClr val="E06C75"/>
-                </a:solidFill>
-                <a:effectLst/>
-                <a:latin typeface="Consolas" panose="020B0609020204030204" pitchFamily="49" charset="0"/>
-              </a:rPr>
-              <a:t>activeWindow</a:t>
-            </a:r>
-            <a:r>
-              <a:rPr lang="nl-BE" sz="800" b="0" dirty="0">
-                <a:solidFill>
-                  <a:srgbClr val="56B6C2"/>
-                </a:solidFill>
-                <a:effectLst/>
-                <a:latin typeface="Consolas" panose="020B0609020204030204" pitchFamily="49" charset="0"/>
-              </a:rPr>
-              <a:t>:</a:t>
-            </a:r>
-            <a:r>
-              <a:rPr lang="nl-BE" sz="800" b="0" dirty="0">
-                <a:solidFill>
-                  <a:srgbClr val="ABB2BF"/>
-                </a:solidFill>
-                <a:effectLst/>
-                <a:latin typeface="Consolas" panose="020B0609020204030204" pitchFamily="49" charset="0"/>
-              </a:rPr>
-              <a:t> </a:t>
-            </a:r>
-            <a:r>
-              <a:rPr lang="nl-BE" sz="800" b="0" dirty="0">
-                <a:solidFill>
-                  <a:srgbClr val="98C379"/>
-                </a:solidFill>
-                <a:effectLst/>
-                <a:latin typeface="Consolas" panose="020B0609020204030204" pitchFamily="49" charset="0"/>
-              </a:rPr>
-              <a:t>''</a:t>
-            </a:r>
-            <a:r>
-              <a:rPr lang="nl-BE" sz="800" b="0" dirty="0">
-                <a:solidFill>
-                  <a:srgbClr val="ABB2BF"/>
-                </a:solidFill>
-                <a:effectLst/>
-                <a:latin typeface="Consolas" panose="020B0609020204030204" pitchFamily="49" charset="0"/>
-              </a:rPr>
-              <a:t>,</a:t>
-            </a:r>
-          </a:p>
-          <a:p>
-            <a:r>
-              <a:rPr lang="nl-BE" sz="800" b="0" dirty="0">
-                <a:solidFill>
-                  <a:srgbClr val="ABB2BF"/>
-                </a:solidFill>
-                <a:effectLst/>
-                <a:latin typeface="Consolas" panose="020B0609020204030204" pitchFamily="49" charset="0"/>
-              </a:rPr>
-              <a:t>    </a:t>
-            </a:r>
-            <a:r>
-              <a:rPr lang="nl-BE" sz="800" b="0" dirty="0" err="1">
-                <a:solidFill>
-                  <a:srgbClr val="E06C75"/>
-                </a:solidFill>
-                <a:effectLst/>
-                <a:latin typeface="Consolas" panose="020B0609020204030204" pitchFamily="49" charset="0"/>
-              </a:rPr>
-              <a:t>firstLoad</a:t>
-            </a:r>
-            <a:r>
-              <a:rPr lang="nl-BE" sz="800" b="0" dirty="0">
-                <a:solidFill>
-                  <a:srgbClr val="56B6C2"/>
-                </a:solidFill>
-                <a:effectLst/>
-                <a:latin typeface="Consolas" panose="020B0609020204030204" pitchFamily="49" charset="0"/>
-              </a:rPr>
-              <a:t>:</a:t>
-            </a:r>
-            <a:r>
-              <a:rPr lang="nl-BE" sz="800" b="0" dirty="0">
-                <a:solidFill>
-                  <a:srgbClr val="ABB2BF"/>
-                </a:solidFill>
-                <a:effectLst/>
-                <a:latin typeface="Consolas" panose="020B0609020204030204" pitchFamily="49" charset="0"/>
-              </a:rPr>
-              <a:t> </a:t>
-            </a:r>
-            <a:r>
-              <a:rPr lang="nl-BE" sz="800" b="0" dirty="0" err="1">
-                <a:solidFill>
-                  <a:srgbClr val="D19A66"/>
-                </a:solidFill>
-                <a:effectLst/>
-                <a:latin typeface="Consolas" panose="020B0609020204030204" pitchFamily="49" charset="0"/>
-              </a:rPr>
-              <a:t>true</a:t>
-            </a:r>
-            <a:r>
-              <a:rPr lang="nl-BE" sz="800" b="0" dirty="0">
-                <a:solidFill>
-                  <a:srgbClr val="ABB2BF"/>
-                </a:solidFill>
-                <a:effectLst/>
-                <a:latin typeface="Consolas" panose="020B0609020204030204" pitchFamily="49" charset="0"/>
-              </a:rPr>
-              <a:t>,</a:t>
-            </a:r>
-          </a:p>
-          <a:p>
-            <a:r>
-              <a:rPr lang="nl-BE" sz="800" b="0" dirty="0">
-                <a:solidFill>
-                  <a:srgbClr val="ABB2BF"/>
-                </a:solidFill>
-                <a:effectLst/>
-                <a:latin typeface="Consolas" panose="020B0609020204030204" pitchFamily="49" charset="0"/>
-              </a:rPr>
-              <a:t>    </a:t>
-            </a:r>
-            <a:r>
-              <a:rPr lang="nl-BE" sz="800" b="0" dirty="0" err="1">
-                <a:solidFill>
-                  <a:srgbClr val="E06C75"/>
-                </a:solidFill>
-                <a:effectLst/>
-                <a:latin typeface="Consolas" panose="020B0609020204030204" pitchFamily="49" charset="0"/>
-              </a:rPr>
-              <a:t>gameData</a:t>
-            </a:r>
-            <a:r>
-              <a:rPr lang="nl-BE" sz="800" b="0" dirty="0">
-                <a:solidFill>
-                  <a:srgbClr val="56B6C2"/>
-                </a:solidFill>
-                <a:effectLst/>
-                <a:latin typeface="Consolas" panose="020B0609020204030204" pitchFamily="49" charset="0"/>
-              </a:rPr>
-              <a:t>:</a:t>
-            </a:r>
-            <a:r>
-              <a:rPr lang="nl-BE" sz="800" b="0" dirty="0">
-                <a:solidFill>
-                  <a:srgbClr val="ABB2BF"/>
-                </a:solidFill>
-                <a:effectLst/>
-                <a:latin typeface="Consolas" panose="020B0609020204030204" pitchFamily="49" charset="0"/>
-              </a:rPr>
-              <a:t> {</a:t>
-            </a:r>
-          </a:p>
-          <a:p>
-            <a:r>
-              <a:rPr lang="nl-BE" sz="800" b="0" dirty="0">
-                <a:solidFill>
-                  <a:srgbClr val="ABB2BF"/>
-                </a:solidFill>
-                <a:effectLst/>
-                <a:latin typeface="Consolas" panose="020B0609020204030204" pitchFamily="49" charset="0"/>
-              </a:rPr>
-              <a:t>        </a:t>
-            </a:r>
-            <a:r>
-              <a:rPr lang="nl-BE" sz="800" b="0" dirty="0" err="1">
-                <a:solidFill>
-                  <a:srgbClr val="E06C75"/>
-                </a:solidFill>
-                <a:effectLst/>
-                <a:latin typeface="Consolas" panose="020B0609020204030204" pitchFamily="49" charset="0"/>
-              </a:rPr>
-              <a:t>nickname</a:t>
-            </a:r>
-            <a:r>
-              <a:rPr lang="nl-BE" sz="800" b="0" dirty="0">
-                <a:solidFill>
-                  <a:srgbClr val="56B6C2"/>
-                </a:solidFill>
-                <a:effectLst/>
-                <a:latin typeface="Consolas" panose="020B0609020204030204" pitchFamily="49" charset="0"/>
-              </a:rPr>
-              <a:t>:</a:t>
-            </a:r>
-            <a:r>
-              <a:rPr lang="nl-BE" sz="800" b="0" dirty="0">
-                <a:solidFill>
-                  <a:srgbClr val="ABB2BF"/>
-                </a:solidFill>
-                <a:effectLst/>
-                <a:latin typeface="Consolas" panose="020B0609020204030204" pitchFamily="49" charset="0"/>
-              </a:rPr>
-              <a:t> </a:t>
-            </a:r>
-            <a:r>
-              <a:rPr lang="nl-BE" sz="800" b="0" dirty="0">
-                <a:solidFill>
-                  <a:srgbClr val="98C379"/>
-                </a:solidFill>
-                <a:effectLst/>
-                <a:latin typeface="Consolas" panose="020B0609020204030204" pitchFamily="49" charset="0"/>
-              </a:rPr>
-              <a:t>''</a:t>
-            </a:r>
-            <a:r>
-              <a:rPr lang="nl-BE" sz="800" b="0" dirty="0">
-                <a:solidFill>
-                  <a:srgbClr val="ABB2BF"/>
-                </a:solidFill>
-                <a:effectLst/>
-                <a:latin typeface="Consolas" panose="020B0609020204030204" pitchFamily="49" charset="0"/>
-              </a:rPr>
-              <a:t>,</a:t>
-            </a:r>
-          </a:p>
-          <a:p>
-            <a:r>
-              <a:rPr lang="nl-BE" sz="800" b="0" dirty="0">
-                <a:solidFill>
-                  <a:srgbClr val="ABB2BF"/>
-                </a:solidFill>
-                <a:effectLst/>
-                <a:latin typeface="Consolas" panose="020B0609020204030204" pitchFamily="49" charset="0"/>
-              </a:rPr>
-              <a:t>        </a:t>
-            </a:r>
-            <a:r>
-              <a:rPr lang="nl-BE" sz="800" b="0" dirty="0" err="1">
-                <a:solidFill>
-                  <a:srgbClr val="E06C75"/>
-                </a:solidFill>
-                <a:effectLst/>
-                <a:latin typeface="Consolas" panose="020B0609020204030204" pitchFamily="49" charset="0"/>
-              </a:rPr>
-              <a:t>scoreTotal</a:t>
-            </a:r>
-            <a:r>
-              <a:rPr lang="nl-BE" sz="800" b="0" dirty="0">
-                <a:solidFill>
-                  <a:srgbClr val="56B6C2"/>
-                </a:solidFill>
-                <a:effectLst/>
-                <a:latin typeface="Consolas" panose="020B0609020204030204" pitchFamily="49" charset="0"/>
-              </a:rPr>
-              <a:t>:</a:t>
-            </a:r>
-            <a:r>
-              <a:rPr lang="nl-BE" sz="800" b="0" dirty="0">
-                <a:solidFill>
-                  <a:srgbClr val="ABB2BF"/>
-                </a:solidFill>
-                <a:effectLst/>
-                <a:latin typeface="Consolas" panose="020B0609020204030204" pitchFamily="49" charset="0"/>
-              </a:rPr>
-              <a:t> </a:t>
-            </a:r>
-            <a:r>
-              <a:rPr lang="nl-BE" sz="800" b="0" dirty="0">
-                <a:solidFill>
-                  <a:srgbClr val="D19A66"/>
-                </a:solidFill>
-                <a:effectLst/>
-                <a:latin typeface="Consolas" panose="020B0609020204030204" pitchFamily="49" charset="0"/>
-              </a:rPr>
-              <a:t>0</a:t>
-            </a:r>
-            <a:endParaRPr lang="nl-BE" sz="800" b="0" dirty="0">
-              <a:solidFill>
-                <a:srgbClr val="ABB2BF"/>
-              </a:solidFill>
-              <a:effectLst/>
-              <a:latin typeface="Consolas" panose="020B0609020204030204" pitchFamily="49" charset="0"/>
-            </a:endParaRPr>
-          </a:p>
-          <a:p>
-            <a:r>
-              <a:rPr lang="nl-BE" sz="800" b="0" dirty="0">
-                <a:solidFill>
-                  <a:srgbClr val="ABB2BF"/>
-                </a:solidFill>
-                <a:effectLst/>
-                <a:latin typeface="Consolas" panose="020B0609020204030204" pitchFamily="49" charset="0"/>
-              </a:rPr>
-              <a:t>    },</a:t>
-            </a:r>
-          </a:p>
-          <a:p>
-            <a:r>
-              <a:rPr lang="nl-BE" sz="800" b="0" dirty="0">
-                <a:solidFill>
-                  <a:srgbClr val="ABB2BF"/>
-                </a:solidFill>
-                <a:effectLst/>
-                <a:latin typeface="Consolas" panose="020B0609020204030204" pitchFamily="49" charset="0"/>
-              </a:rPr>
-              <a:t>    </a:t>
-            </a:r>
-            <a:r>
-              <a:rPr lang="nl-BE" sz="800" b="0" dirty="0" err="1">
-                <a:solidFill>
-                  <a:srgbClr val="E06C75"/>
-                </a:solidFill>
-                <a:effectLst/>
-                <a:latin typeface="Consolas" panose="020B0609020204030204" pitchFamily="49" charset="0"/>
-              </a:rPr>
-              <a:t>animationFrameIds</a:t>
-            </a:r>
-            <a:r>
-              <a:rPr lang="nl-BE" sz="800" b="0" dirty="0">
-                <a:solidFill>
-                  <a:srgbClr val="56B6C2"/>
-                </a:solidFill>
-                <a:effectLst/>
-                <a:latin typeface="Consolas" panose="020B0609020204030204" pitchFamily="49" charset="0"/>
-              </a:rPr>
-              <a:t>:</a:t>
-            </a:r>
-            <a:r>
-              <a:rPr lang="nl-BE" sz="800" b="0" dirty="0">
-                <a:solidFill>
-                  <a:srgbClr val="ABB2BF"/>
-                </a:solidFill>
-                <a:effectLst/>
-                <a:latin typeface="Consolas" panose="020B0609020204030204" pitchFamily="49" charset="0"/>
-              </a:rPr>
-              <a:t> {</a:t>
-            </a:r>
-          </a:p>
-          <a:p>
-            <a:r>
-              <a:rPr lang="nl-BE" sz="800" b="0" dirty="0">
-                <a:solidFill>
-                  <a:srgbClr val="ABB2BF"/>
-                </a:solidFill>
-                <a:effectLst/>
-                <a:latin typeface="Consolas" panose="020B0609020204030204" pitchFamily="49" charset="0"/>
-              </a:rPr>
-              <a:t>        </a:t>
-            </a:r>
-            <a:r>
-              <a:rPr lang="nl-BE" sz="800" b="0" dirty="0" err="1">
-                <a:solidFill>
-                  <a:srgbClr val="E06C75"/>
-                </a:solidFill>
-                <a:effectLst/>
-                <a:latin typeface="Consolas" panose="020B0609020204030204" pitchFamily="49" charset="0"/>
-              </a:rPr>
-              <a:t>window</a:t>
-            </a:r>
-            <a:r>
-              <a:rPr lang="nl-BE" sz="800" b="0" dirty="0">
-                <a:solidFill>
-                  <a:srgbClr val="56B6C2"/>
-                </a:solidFill>
-                <a:effectLst/>
-                <a:latin typeface="Consolas" panose="020B0609020204030204" pitchFamily="49" charset="0"/>
-              </a:rPr>
-              <a:t>:</a:t>
-            </a:r>
-            <a:r>
-              <a:rPr lang="nl-BE" sz="800" b="0" dirty="0">
-                <a:solidFill>
-                  <a:srgbClr val="ABB2BF"/>
-                </a:solidFill>
-                <a:effectLst/>
-                <a:latin typeface="Consolas" panose="020B0609020204030204" pitchFamily="49" charset="0"/>
-              </a:rPr>
-              <a:t> </a:t>
-            </a:r>
-            <a:r>
-              <a:rPr lang="nl-BE" sz="800" b="0" dirty="0">
-                <a:solidFill>
-                  <a:srgbClr val="98C379"/>
-                </a:solidFill>
-                <a:effectLst/>
-                <a:latin typeface="Consolas" panose="020B0609020204030204" pitchFamily="49" charset="0"/>
-              </a:rPr>
-              <a:t>''</a:t>
-            </a:r>
-            <a:r>
-              <a:rPr lang="nl-BE" sz="800" b="0" dirty="0">
-                <a:solidFill>
-                  <a:srgbClr val="ABB2BF"/>
-                </a:solidFill>
-                <a:effectLst/>
-                <a:latin typeface="Consolas" panose="020B0609020204030204" pitchFamily="49" charset="0"/>
-              </a:rPr>
-              <a:t>,</a:t>
-            </a:r>
-          </a:p>
-          <a:p>
-            <a:r>
-              <a:rPr lang="nl-BE" sz="800" b="0" dirty="0">
-                <a:solidFill>
-                  <a:srgbClr val="ABB2BF"/>
-                </a:solidFill>
-                <a:effectLst/>
-                <a:latin typeface="Consolas" panose="020B0609020204030204" pitchFamily="49" charset="0"/>
-              </a:rPr>
-              <a:t>        </a:t>
-            </a:r>
-            <a:r>
-              <a:rPr lang="nl-BE" sz="800" b="0" dirty="0" err="1">
-                <a:solidFill>
-                  <a:srgbClr val="E06C75"/>
-                </a:solidFill>
-                <a:effectLst/>
-                <a:latin typeface="Consolas" panose="020B0609020204030204" pitchFamily="49" charset="0"/>
-              </a:rPr>
-              <a:t>welcome</a:t>
-            </a:r>
-            <a:r>
-              <a:rPr lang="nl-BE" sz="800" b="0" dirty="0">
-                <a:solidFill>
-                  <a:srgbClr val="56B6C2"/>
-                </a:solidFill>
-                <a:effectLst/>
-                <a:latin typeface="Consolas" panose="020B0609020204030204" pitchFamily="49" charset="0"/>
-              </a:rPr>
-              <a:t>:</a:t>
-            </a:r>
-            <a:r>
-              <a:rPr lang="nl-BE" sz="800" b="0" dirty="0">
-                <a:solidFill>
-                  <a:srgbClr val="ABB2BF"/>
-                </a:solidFill>
-                <a:effectLst/>
-                <a:latin typeface="Consolas" panose="020B0609020204030204" pitchFamily="49" charset="0"/>
-              </a:rPr>
-              <a:t> </a:t>
-            </a:r>
-            <a:r>
-              <a:rPr lang="nl-BE" sz="800" b="0" dirty="0">
-                <a:solidFill>
-                  <a:srgbClr val="98C379"/>
-                </a:solidFill>
-                <a:effectLst/>
-                <a:latin typeface="Consolas" panose="020B0609020204030204" pitchFamily="49" charset="0"/>
-              </a:rPr>
-              <a:t>''</a:t>
-            </a:r>
-            <a:r>
-              <a:rPr lang="nl-BE" sz="800" b="0" dirty="0">
-                <a:solidFill>
-                  <a:srgbClr val="ABB2BF"/>
-                </a:solidFill>
-                <a:effectLst/>
-                <a:latin typeface="Consolas" panose="020B0609020204030204" pitchFamily="49" charset="0"/>
-              </a:rPr>
-              <a:t>,</a:t>
-            </a:r>
-          </a:p>
-          <a:p>
-            <a:r>
-              <a:rPr lang="nl-BE" sz="800" b="0" dirty="0">
-                <a:solidFill>
-                  <a:srgbClr val="ABB2BF"/>
-                </a:solidFill>
-                <a:effectLst/>
-                <a:latin typeface="Consolas" panose="020B0609020204030204" pitchFamily="49" charset="0"/>
-              </a:rPr>
-              <a:t>        </a:t>
-            </a:r>
-            <a:r>
-              <a:rPr lang="nl-BE" sz="800" b="0" dirty="0">
-                <a:solidFill>
-                  <a:srgbClr val="E06C75"/>
-                </a:solidFill>
-                <a:effectLst/>
-                <a:latin typeface="Consolas" panose="020B0609020204030204" pitchFamily="49" charset="0"/>
-              </a:rPr>
-              <a:t>menu</a:t>
-            </a:r>
-            <a:r>
-              <a:rPr lang="nl-BE" sz="800" b="0" dirty="0">
-                <a:solidFill>
-                  <a:srgbClr val="56B6C2"/>
-                </a:solidFill>
-                <a:effectLst/>
-                <a:latin typeface="Consolas" panose="020B0609020204030204" pitchFamily="49" charset="0"/>
-              </a:rPr>
-              <a:t>:</a:t>
-            </a:r>
-            <a:r>
-              <a:rPr lang="nl-BE" sz="800" b="0" dirty="0">
-                <a:solidFill>
-                  <a:srgbClr val="ABB2BF"/>
-                </a:solidFill>
-                <a:effectLst/>
-                <a:latin typeface="Consolas" panose="020B0609020204030204" pitchFamily="49" charset="0"/>
-              </a:rPr>
-              <a:t> </a:t>
-            </a:r>
-            <a:r>
-              <a:rPr lang="nl-BE" sz="800" b="0" dirty="0">
-                <a:solidFill>
-                  <a:srgbClr val="98C379"/>
-                </a:solidFill>
-                <a:effectLst/>
-                <a:latin typeface="Consolas" panose="020B0609020204030204" pitchFamily="49" charset="0"/>
-              </a:rPr>
-              <a:t>''</a:t>
-            </a:r>
-            <a:r>
-              <a:rPr lang="nl-BE" sz="800" b="0" dirty="0">
-                <a:solidFill>
-                  <a:srgbClr val="ABB2BF"/>
-                </a:solidFill>
-                <a:effectLst/>
-                <a:latin typeface="Consolas" panose="020B0609020204030204" pitchFamily="49" charset="0"/>
-              </a:rPr>
-              <a:t>,</a:t>
-            </a:r>
-          </a:p>
-          <a:p>
-            <a:r>
-              <a:rPr lang="nl-BE" sz="800" b="0" dirty="0">
-                <a:solidFill>
-                  <a:srgbClr val="ABB2BF"/>
-                </a:solidFill>
-                <a:effectLst/>
-                <a:latin typeface="Consolas" panose="020B0609020204030204" pitchFamily="49" charset="0"/>
-              </a:rPr>
-              <a:t>        </a:t>
-            </a:r>
-            <a:r>
-              <a:rPr lang="nl-BE" sz="800" b="0" dirty="0">
-                <a:solidFill>
-                  <a:srgbClr val="E06C75"/>
-                </a:solidFill>
-                <a:effectLst/>
-                <a:latin typeface="Consolas" panose="020B0609020204030204" pitchFamily="49" charset="0"/>
-              </a:rPr>
-              <a:t>game</a:t>
-            </a:r>
-            <a:r>
-              <a:rPr lang="nl-BE" sz="800" b="0" dirty="0">
-                <a:solidFill>
-                  <a:srgbClr val="56B6C2"/>
-                </a:solidFill>
-                <a:effectLst/>
-                <a:latin typeface="Consolas" panose="020B0609020204030204" pitchFamily="49" charset="0"/>
-              </a:rPr>
-              <a:t>:</a:t>
-            </a:r>
-            <a:r>
-              <a:rPr lang="nl-BE" sz="800" b="0" dirty="0">
-                <a:solidFill>
-                  <a:srgbClr val="ABB2BF"/>
-                </a:solidFill>
-                <a:effectLst/>
-                <a:latin typeface="Consolas" panose="020B0609020204030204" pitchFamily="49" charset="0"/>
-              </a:rPr>
-              <a:t> </a:t>
-            </a:r>
-            <a:r>
-              <a:rPr lang="nl-BE" sz="800" b="0" dirty="0">
-                <a:solidFill>
-                  <a:srgbClr val="98C379"/>
-                </a:solidFill>
-                <a:effectLst/>
-                <a:latin typeface="Consolas" panose="020B0609020204030204" pitchFamily="49" charset="0"/>
-              </a:rPr>
-              <a:t>''</a:t>
-            </a:r>
-            <a:r>
-              <a:rPr lang="nl-BE" sz="800" b="0" dirty="0">
-                <a:solidFill>
-                  <a:srgbClr val="ABB2BF"/>
-                </a:solidFill>
-                <a:effectLst/>
-                <a:latin typeface="Consolas" panose="020B0609020204030204" pitchFamily="49" charset="0"/>
-              </a:rPr>
-              <a:t>,</a:t>
-            </a:r>
-          </a:p>
-          <a:p>
-            <a:r>
-              <a:rPr lang="nl-BE" sz="800" b="0" dirty="0">
-                <a:solidFill>
-                  <a:srgbClr val="ABB2BF"/>
-                </a:solidFill>
-                <a:effectLst/>
-                <a:latin typeface="Consolas" panose="020B0609020204030204" pitchFamily="49" charset="0"/>
-              </a:rPr>
-              <a:t>        </a:t>
-            </a:r>
-            <a:r>
-              <a:rPr lang="nl-BE" sz="800" b="0" dirty="0">
-                <a:solidFill>
-                  <a:srgbClr val="E06C75"/>
-                </a:solidFill>
-                <a:effectLst/>
-                <a:latin typeface="Consolas" panose="020B0609020204030204" pitchFamily="49" charset="0"/>
-              </a:rPr>
-              <a:t>countdown</a:t>
-            </a:r>
-            <a:r>
-              <a:rPr lang="nl-BE" sz="800" b="0" dirty="0">
-                <a:solidFill>
-                  <a:srgbClr val="56B6C2"/>
-                </a:solidFill>
-                <a:effectLst/>
-                <a:latin typeface="Consolas" panose="020B0609020204030204" pitchFamily="49" charset="0"/>
-              </a:rPr>
-              <a:t>:</a:t>
-            </a:r>
-            <a:r>
-              <a:rPr lang="nl-BE" sz="800" b="0" dirty="0">
-                <a:solidFill>
-                  <a:srgbClr val="ABB2BF"/>
-                </a:solidFill>
-                <a:effectLst/>
-                <a:latin typeface="Consolas" panose="020B0609020204030204" pitchFamily="49" charset="0"/>
-              </a:rPr>
-              <a:t> </a:t>
-            </a:r>
-            <a:r>
-              <a:rPr lang="nl-BE" sz="800" b="0" dirty="0">
-                <a:solidFill>
-                  <a:srgbClr val="98C379"/>
-                </a:solidFill>
-                <a:effectLst/>
-                <a:latin typeface="Consolas" panose="020B0609020204030204" pitchFamily="49" charset="0"/>
-              </a:rPr>
-              <a:t>''</a:t>
-            </a:r>
-            <a:endParaRPr lang="nl-BE" sz="800" b="0" dirty="0">
-              <a:solidFill>
-                <a:srgbClr val="ABB2BF"/>
-              </a:solidFill>
-              <a:effectLst/>
-              <a:latin typeface="Consolas" panose="020B0609020204030204" pitchFamily="49" charset="0"/>
-            </a:endParaRPr>
-          </a:p>
-          <a:p>
-            <a:r>
-              <a:rPr lang="nl-BE" sz="800" b="0" dirty="0">
-                <a:solidFill>
-                  <a:srgbClr val="ABB2BF"/>
-                </a:solidFill>
-                <a:effectLst/>
-                <a:latin typeface="Consolas" panose="020B0609020204030204" pitchFamily="49" charset="0"/>
-              </a:rPr>
-              <a:t>    }</a:t>
-            </a:r>
-          </a:p>
-          <a:p>
-            <a:r>
-              <a:rPr lang="nl-BE" sz="800" b="0" dirty="0">
-                <a:solidFill>
-                  <a:srgbClr val="ABB2BF"/>
-                </a:solidFill>
-                <a:effectLst/>
-                <a:latin typeface="Consolas" panose="020B0609020204030204" pitchFamily="49" charset="0"/>
-              </a:rPr>
-              <a:t>}</a:t>
-            </a:r>
-          </a:p>
-          <a:p>
+              <a:t>Toepassen van de geziene onderwerpen</a:t>
+            </a:r>
+          </a:p>
+          <a:p>
+            <a:pPr lvl="1"/>
+            <a:r>
+              <a:rPr lang="nl-BE" dirty="0" err="1"/>
+              <a:t>Local</a:t>
+            </a:r>
+            <a:r>
+              <a:rPr lang="nl-BE" dirty="0"/>
+              <a:t> storage</a:t>
+            </a:r>
+          </a:p>
+          <a:p>
+            <a:pPr lvl="1"/>
+            <a:r>
+              <a:rPr lang="nl-BE" dirty="0" err="1"/>
+              <a:t>Variable</a:t>
+            </a:r>
+            <a:r>
+              <a:rPr lang="nl-BE" dirty="0"/>
+              <a:t> fonts</a:t>
+            </a:r>
+          </a:p>
+          <a:p>
+            <a:pPr lvl="1"/>
+            <a:r>
+              <a:rPr lang="nl-BE" dirty="0" err="1"/>
+              <a:t>Transforms</a:t>
+            </a:r>
             <a:endParaRPr lang="nl-BE" dirty="0"/>
+          </a:p>
+          <a:p>
+            <a:pPr lvl="1"/>
+            <a:r>
+              <a:rPr lang="nl-BE" dirty="0" err="1"/>
+              <a:t>Transitions</a:t>
+            </a:r>
+            <a:endParaRPr lang="nl-BE" dirty="0"/>
+          </a:p>
+          <a:p>
+            <a:pPr lvl="1"/>
+            <a:r>
+              <a:rPr lang="nl-BE" dirty="0" err="1"/>
+              <a:t>Request</a:t>
+            </a:r>
+            <a:r>
+              <a:rPr lang="nl-BE" dirty="0"/>
+              <a:t> </a:t>
+            </a:r>
+            <a:r>
+              <a:rPr lang="nl-BE" dirty="0" err="1"/>
+              <a:t>animation</a:t>
+            </a:r>
+            <a:r>
+              <a:rPr lang="nl-BE" dirty="0"/>
+              <a:t> frame</a:t>
+            </a:r>
+          </a:p>
+          <a:p>
+            <a:pPr lvl="1"/>
+            <a:r>
+              <a:rPr lang="nl-BE" dirty="0"/>
+              <a:t>Web speech API</a:t>
+            </a:r>
           </a:p>
         </p:txBody>
       </p:sp>
@@ -14833,600 +14051,7 @@
     </p:spTree>
     <p:extLst>
       <p:ext uri="{BB962C8B-B14F-4D97-AF65-F5344CB8AC3E}">
-        <p14:creationId xmlns:p14="http://schemas.microsoft.com/office/powerpoint/2010/main" val="258316034"/>
-      </p:ext>
-    </p:extLst>
-  </p:cSld>
-  <p:clrMapOvr>
-    <a:masterClrMapping/>
-  </p:clrMapOvr>
-</p:sld>
-</file>
-
-<file path=ppt/slides/slide37.xml><?xml version="1.0" encoding="utf-8"?>
-<p:sld xmlns:a="http://schemas.openxmlformats.org/drawingml/2006/main" xmlns:r="http://schemas.openxmlformats.org/officeDocument/2006/relationships" xmlns:p="http://schemas.openxmlformats.org/presentationml/2006/main">
-  <p:cSld>
-    <p:spTree>
-      <p:nvGrpSpPr>
-        <p:cNvPr id="1" name=""/>
-        <p:cNvGrpSpPr/>
-        <p:nvPr/>
-      </p:nvGrpSpPr>
-      <p:grpSpPr>
-        <a:xfrm>
-          <a:off x="0" y="0"/>
-          <a:ext cx="0" cy="0"/>
-          <a:chOff x="0" y="0"/>
-          <a:chExt cx="0" cy="0"/>
-        </a:xfrm>
-      </p:grpSpPr>
-      <p:sp>
-        <p:nvSpPr>
-          <p:cNvPr id="2" name="Titel 1">
-            <a:extLst>
-              <a:ext uri="{FF2B5EF4-FFF2-40B4-BE49-F238E27FC236}">
-                <a16:creationId xmlns:a16="http://schemas.microsoft.com/office/drawing/2014/main" id="{465F132B-C9CE-4FCE-923D-CCAFB92AB8C8}"/>
-              </a:ext>
-            </a:extLst>
-          </p:cNvPr>
-          <p:cNvSpPr>
-            <a:spLocks noGrp="1"/>
-          </p:cNvSpPr>
-          <p:nvPr>
-            <p:ph type="title"/>
-          </p:nvPr>
-        </p:nvSpPr>
-        <p:spPr/>
-        <p:txBody>
-          <a:bodyPr/>
-          <a:lstStyle/>
-          <a:p>
-            <a:r>
-              <a:rPr lang="nl-BE" dirty="0" err="1"/>
-              <a:t>Variable</a:t>
-            </a:r>
-            <a:r>
-              <a:rPr lang="nl-BE" dirty="0"/>
-              <a:t> fonts</a:t>
-            </a:r>
-          </a:p>
-        </p:txBody>
-      </p:sp>
-      <p:sp>
-        <p:nvSpPr>
-          <p:cNvPr id="8" name="Tijdelijke aanduiding voor inhoud 7">
-            <a:extLst>
-              <a:ext uri="{FF2B5EF4-FFF2-40B4-BE49-F238E27FC236}">
-                <a16:creationId xmlns:a16="http://schemas.microsoft.com/office/drawing/2014/main" id="{46660B48-BEE8-4738-9228-05126E64F4BB}"/>
-              </a:ext>
-            </a:extLst>
-          </p:cNvPr>
-          <p:cNvSpPr>
-            <a:spLocks noGrp="1"/>
-          </p:cNvSpPr>
-          <p:nvPr>
-            <p:ph idx="1"/>
-          </p:nvPr>
-        </p:nvSpPr>
-        <p:spPr>
-          <a:xfrm>
-            <a:off x="822291" y="1585519"/>
-            <a:ext cx="10089309" cy="4404220"/>
-          </a:xfrm>
-        </p:spPr>
-        <p:txBody>
-          <a:bodyPr/>
-          <a:lstStyle/>
-          <a:p>
-            <a:r>
-              <a:rPr lang="nl-BE" dirty="0"/>
-              <a:t>Voeg de font toe en gebruik de extra mogelijkheden doorheen de opdracht</a:t>
-            </a:r>
-          </a:p>
-          <a:p>
-            <a:endParaRPr lang="nl-BE" dirty="0"/>
-          </a:p>
-          <a:p>
-            <a:r>
-              <a:rPr lang="nl-BE" dirty="0"/>
-              <a:t>Dit kan bijvoorbeeld door bij </a:t>
-            </a:r>
-            <a:r>
-              <a:rPr lang="nl-BE" dirty="0" err="1"/>
-              <a:t>hovers</a:t>
-            </a:r>
-            <a:r>
-              <a:rPr lang="nl-BE" dirty="0"/>
-              <a:t> een ander font-</a:t>
-            </a:r>
-            <a:r>
-              <a:rPr lang="nl-BE" dirty="0" err="1"/>
-              <a:t>weight</a:t>
-            </a:r>
-            <a:r>
-              <a:rPr lang="nl-BE" dirty="0"/>
-              <a:t> te gebruiken</a:t>
-            </a:r>
-          </a:p>
-          <a:p>
-            <a:endParaRPr lang="nl-BE" dirty="0"/>
-          </a:p>
-          <a:p>
-            <a:r>
-              <a:rPr lang="nl-BE" dirty="0"/>
-              <a:t>Je kan ook kiezen voor een ander font om de quiz er aantrekkelijker te laten uitzien</a:t>
-            </a:r>
-          </a:p>
-          <a:p>
-            <a:pPr lvl="1"/>
-            <a:endParaRPr lang="nl-BE" dirty="0"/>
-          </a:p>
-        </p:txBody>
-      </p:sp>
-      <p:sp>
-        <p:nvSpPr>
-          <p:cNvPr id="4" name="Tijdelijke aanduiding voor voettekst 3">
-            <a:extLst>
-              <a:ext uri="{FF2B5EF4-FFF2-40B4-BE49-F238E27FC236}">
-                <a16:creationId xmlns:a16="http://schemas.microsoft.com/office/drawing/2014/main" id="{9A86A9FB-1B9E-4B7A-910C-235D3A566A80}"/>
-              </a:ext>
-            </a:extLst>
-          </p:cNvPr>
-          <p:cNvSpPr>
-            <a:spLocks noGrp="1"/>
-          </p:cNvSpPr>
-          <p:nvPr>
-            <p:ph type="ftr" sz="quarter" idx="11"/>
-          </p:nvPr>
-        </p:nvSpPr>
-        <p:spPr/>
-        <p:txBody>
-          <a:bodyPr/>
-          <a:lstStyle/>
-          <a:p>
-            <a:r>
-              <a:rPr lang="nl-BE" dirty="0"/>
-              <a:t>DWD – HTML5 &amp; Games</a:t>
-            </a:r>
-          </a:p>
-        </p:txBody>
-      </p:sp>
-      <p:sp>
-        <p:nvSpPr>
-          <p:cNvPr id="5" name="Tijdelijke aanduiding voor dianummer 4">
-            <a:extLst>
-              <a:ext uri="{FF2B5EF4-FFF2-40B4-BE49-F238E27FC236}">
-                <a16:creationId xmlns:a16="http://schemas.microsoft.com/office/drawing/2014/main" id="{A64CFB49-2F18-4019-89DD-E4922E4505C1}"/>
-              </a:ext>
-            </a:extLst>
-          </p:cNvPr>
-          <p:cNvSpPr>
-            <a:spLocks noGrp="1"/>
-          </p:cNvSpPr>
-          <p:nvPr>
-            <p:ph type="sldNum" sz="quarter" idx="12"/>
-          </p:nvPr>
-        </p:nvSpPr>
-        <p:spPr/>
-        <p:txBody>
-          <a:bodyPr/>
-          <a:lstStyle/>
-          <a:p>
-            <a:fld id="{FF88DA20-ED00-471C-9170-60F590CB400A}" type="slidenum">
-              <a:rPr lang="nl-BE" smtClean="0"/>
-              <a:t>37</a:t>
-            </a:fld>
-            <a:endParaRPr lang="nl-BE"/>
-          </a:p>
-        </p:txBody>
-      </p:sp>
-      <p:sp>
-        <p:nvSpPr>
-          <p:cNvPr id="3" name="Tijdelijke aanduiding voor tekst 2">
-            <a:extLst>
-              <a:ext uri="{FF2B5EF4-FFF2-40B4-BE49-F238E27FC236}">
-                <a16:creationId xmlns:a16="http://schemas.microsoft.com/office/drawing/2014/main" id="{8007CC32-F96E-4CD9-95CF-403FC6BFF49B}"/>
-              </a:ext>
-            </a:extLst>
-          </p:cNvPr>
-          <p:cNvSpPr>
-            <a:spLocks noGrp="1"/>
-          </p:cNvSpPr>
-          <p:nvPr>
-            <p:ph type="body" sz="quarter" idx="13"/>
-          </p:nvPr>
-        </p:nvSpPr>
-        <p:spPr/>
-        <p:txBody>
-          <a:bodyPr/>
-          <a:lstStyle/>
-          <a:p>
-            <a:r>
-              <a:rPr lang="nl-BE" dirty="0"/>
-              <a:t>Opdracht</a:t>
-            </a:r>
-          </a:p>
-        </p:txBody>
-      </p:sp>
-    </p:spTree>
-    <p:extLst>
-      <p:ext uri="{BB962C8B-B14F-4D97-AF65-F5344CB8AC3E}">
-        <p14:creationId xmlns:p14="http://schemas.microsoft.com/office/powerpoint/2010/main" val="1113634605"/>
-      </p:ext>
-    </p:extLst>
-  </p:cSld>
-  <p:clrMapOvr>
-    <a:masterClrMapping/>
-  </p:clrMapOvr>
-</p:sld>
-</file>
-
-<file path=ppt/slides/slide38.xml><?xml version="1.0" encoding="utf-8"?>
-<p:sld xmlns:a="http://schemas.openxmlformats.org/drawingml/2006/main" xmlns:r="http://schemas.openxmlformats.org/officeDocument/2006/relationships" xmlns:p="http://schemas.openxmlformats.org/presentationml/2006/main">
-  <p:cSld>
-    <p:spTree>
-      <p:nvGrpSpPr>
-        <p:cNvPr id="1" name=""/>
-        <p:cNvGrpSpPr/>
-        <p:nvPr/>
-      </p:nvGrpSpPr>
-      <p:grpSpPr>
-        <a:xfrm>
-          <a:off x="0" y="0"/>
-          <a:ext cx="0" cy="0"/>
-          <a:chOff x="0" y="0"/>
-          <a:chExt cx="0" cy="0"/>
-        </a:xfrm>
-      </p:grpSpPr>
-      <p:sp>
-        <p:nvSpPr>
-          <p:cNvPr id="2" name="Titel 1">
-            <a:extLst>
-              <a:ext uri="{FF2B5EF4-FFF2-40B4-BE49-F238E27FC236}">
-                <a16:creationId xmlns:a16="http://schemas.microsoft.com/office/drawing/2014/main" id="{465F132B-C9CE-4FCE-923D-CCAFB92AB8C8}"/>
-              </a:ext>
-            </a:extLst>
-          </p:cNvPr>
-          <p:cNvSpPr>
-            <a:spLocks noGrp="1"/>
-          </p:cNvSpPr>
-          <p:nvPr>
-            <p:ph type="title"/>
-          </p:nvPr>
-        </p:nvSpPr>
-        <p:spPr/>
-        <p:txBody>
-          <a:bodyPr/>
-          <a:lstStyle/>
-          <a:p>
-            <a:r>
-              <a:rPr lang="nl-BE" dirty="0" err="1"/>
-              <a:t>Transforms</a:t>
-            </a:r>
-            <a:endParaRPr lang="nl-BE" dirty="0"/>
-          </a:p>
-        </p:txBody>
-      </p:sp>
-      <p:sp>
-        <p:nvSpPr>
-          <p:cNvPr id="8" name="Tijdelijke aanduiding voor inhoud 7">
-            <a:extLst>
-              <a:ext uri="{FF2B5EF4-FFF2-40B4-BE49-F238E27FC236}">
-                <a16:creationId xmlns:a16="http://schemas.microsoft.com/office/drawing/2014/main" id="{46660B48-BEE8-4738-9228-05126E64F4BB}"/>
-              </a:ext>
-            </a:extLst>
-          </p:cNvPr>
-          <p:cNvSpPr>
-            <a:spLocks noGrp="1"/>
-          </p:cNvSpPr>
-          <p:nvPr>
-            <p:ph idx="1"/>
-          </p:nvPr>
-        </p:nvSpPr>
-        <p:spPr>
-          <a:xfrm>
-            <a:off x="822291" y="1585519"/>
-            <a:ext cx="10089309" cy="4404220"/>
-          </a:xfrm>
-        </p:spPr>
-        <p:txBody>
-          <a:bodyPr/>
-          <a:lstStyle/>
-          <a:p>
-            <a:r>
-              <a:rPr lang="nl-BE" dirty="0"/>
-              <a:t>Op verschillende plaatsen is het mogelijk om </a:t>
-            </a:r>
-            <a:r>
-              <a:rPr lang="nl-BE" dirty="0" err="1"/>
-              <a:t>transforms</a:t>
-            </a:r>
-            <a:r>
-              <a:rPr lang="nl-BE" dirty="0"/>
-              <a:t> toe te passen zoals het menu-scherm</a:t>
-            </a:r>
-          </a:p>
-        </p:txBody>
-      </p:sp>
-      <p:sp>
-        <p:nvSpPr>
-          <p:cNvPr id="4" name="Tijdelijke aanduiding voor voettekst 3">
-            <a:extLst>
-              <a:ext uri="{FF2B5EF4-FFF2-40B4-BE49-F238E27FC236}">
-                <a16:creationId xmlns:a16="http://schemas.microsoft.com/office/drawing/2014/main" id="{9A86A9FB-1B9E-4B7A-910C-235D3A566A80}"/>
-              </a:ext>
-            </a:extLst>
-          </p:cNvPr>
-          <p:cNvSpPr>
-            <a:spLocks noGrp="1"/>
-          </p:cNvSpPr>
-          <p:nvPr>
-            <p:ph type="ftr" sz="quarter" idx="11"/>
-          </p:nvPr>
-        </p:nvSpPr>
-        <p:spPr/>
-        <p:txBody>
-          <a:bodyPr/>
-          <a:lstStyle/>
-          <a:p>
-            <a:r>
-              <a:rPr lang="nl-BE" dirty="0"/>
-              <a:t>DWD – HTML5 &amp; Games</a:t>
-            </a:r>
-          </a:p>
-        </p:txBody>
-      </p:sp>
-      <p:sp>
-        <p:nvSpPr>
-          <p:cNvPr id="5" name="Tijdelijke aanduiding voor dianummer 4">
-            <a:extLst>
-              <a:ext uri="{FF2B5EF4-FFF2-40B4-BE49-F238E27FC236}">
-                <a16:creationId xmlns:a16="http://schemas.microsoft.com/office/drawing/2014/main" id="{A64CFB49-2F18-4019-89DD-E4922E4505C1}"/>
-              </a:ext>
-            </a:extLst>
-          </p:cNvPr>
-          <p:cNvSpPr>
-            <a:spLocks noGrp="1"/>
-          </p:cNvSpPr>
-          <p:nvPr>
-            <p:ph type="sldNum" sz="quarter" idx="12"/>
-          </p:nvPr>
-        </p:nvSpPr>
-        <p:spPr/>
-        <p:txBody>
-          <a:bodyPr/>
-          <a:lstStyle/>
-          <a:p>
-            <a:fld id="{FF88DA20-ED00-471C-9170-60F590CB400A}" type="slidenum">
-              <a:rPr lang="nl-BE" smtClean="0"/>
-              <a:t>38</a:t>
-            </a:fld>
-            <a:endParaRPr lang="nl-BE"/>
-          </a:p>
-        </p:txBody>
-      </p:sp>
-      <p:sp>
-        <p:nvSpPr>
-          <p:cNvPr id="3" name="Tijdelijke aanduiding voor tekst 2">
-            <a:extLst>
-              <a:ext uri="{FF2B5EF4-FFF2-40B4-BE49-F238E27FC236}">
-                <a16:creationId xmlns:a16="http://schemas.microsoft.com/office/drawing/2014/main" id="{8007CC32-F96E-4CD9-95CF-403FC6BFF49B}"/>
-              </a:ext>
-            </a:extLst>
-          </p:cNvPr>
-          <p:cNvSpPr>
-            <a:spLocks noGrp="1"/>
-          </p:cNvSpPr>
-          <p:nvPr>
-            <p:ph type="body" sz="quarter" idx="13"/>
-          </p:nvPr>
-        </p:nvSpPr>
-        <p:spPr/>
-        <p:txBody>
-          <a:bodyPr/>
-          <a:lstStyle/>
-          <a:p>
-            <a:r>
-              <a:rPr lang="nl-BE" dirty="0"/>
-              <a:t>Opdracht</a:t>
-            </a:r>
-          </a:p>
-        </p:txBody>
-      </p:sp>
-    </p:spTree>
-    <p:extLst>
-      <p:ext uri="{BB962C8B-B14F-4D97-AF65-F5344CB8AC3E}">
-        <p14:creationId xmlns:p14="http://schemas.microsoft.com/office/powerpoint/2010/main" val="2743570880"/>
-      </p:ext>
-    </p:extLst>
-  </p:cSld>
-  <p:clrMapOvr>
-    <a:masterClrMapping/>
-  </p:clrMapOvr>
-</p:sld>
-</file>
-
-<file path=ppt/slides/slide39.xml><?xml version="1.0" encoding="utf-8"?>
-<p:sld xmlns:a="http://schemas.openxmlformats.org/drawingml/2006/main" xmlns:r="http://schemas.openxmlformats.org/officeDocument/2006/relationships" xmlns:p="http://schemas.openxmlformats.org/presentationml/2006/main">
-  <p:cSld>
-    <p:spTree>
-      <p:nvGrpSpPr>
-        <p:cNvPr id="1" name=""/>
-        <p:cNvGrpSpPr/>
-        <p:nvPr/>
-      </p:nvGrpSpPr>
-      <p:grpSpPr>
-        <a:xfrm>
-          <a:off x="0" y="0"/>
-          <a:ext cx="0" cy="0"/>
-          <a:chOff x="0" y="0"/>
-          <a:chExt cx="0" cy="0"/>
-        </a:xfrm>
-      </p:grpSpPr>
-      <p:sp>
-        <p:nvSpPr>
-          <p:cNvPr id="2" name="Titel 1">
-            <a:extLst>
-              <a:ext uri="{FF2B5EF4-FFF2-40B4-BE49-F238E27FC236}">
-                <a16:creationId xmlns:a16="http://schemas.microsoft.com/office/drawing/2014/main" id="{465F132B-C9CE-4FCE-923D-CCAFB92AB8C8}"/>
-              </a:ext>
-            </a:extLst>
-          </p:cNvPr>
-          <p:cNvSpPr>
-            <a:spLocks noGrp="1"/>
-          </p:cNvSpPr>
-          <p:nvPr>
-            <p:ph type="title"/>
-          </p:nvPr>
-        </p:nvSpPr>
-        <p:spPr/>
-        <p:txBody>
-          <a:bodyPr/>
-          <a:lstStyle/>
-          <a:p>
-            <a:r>
-              <a:rPr lang="nl-BE" dirty="0" err="1"/>
-              <a:t>Transitions</a:t>
-            </a:r>
-            <a:endParaRPr lang="nl-BE" dirty="0"/>
-          </a:p>
-        </p:txBody>
-      </p:sp>
-      <p:sp>
-        <p:nvSpPr>
-          <p:cNvPr id="8" name="Tijdelijke aanduiding voor inhoud 7">
-            <a:extLst>
-              <a:ext uri="{FF2B5EF4-FFF2-40B4-BE49-F238E27FC236}">
-                <a16:creationId xmlns:a16="http://schemas.microsoft.com/office/drawing/2014/main" id="{46660B48-BEE8-4738-9228-05126E64F4BB}"/>
-              </a:ext>
-            </a:extLst>
-          </p:cNvPr>
-          <p:cNvSpPr>
-            <a:spLocks noGrp="1"/>
-          </p:cNvSpPr>
-          <p:nvPr>
-            <p:ph idx="1"/>
-          </p:nvPr>
-        </p:nvSpPr>
-        <p:spPr>
-          <a:xfrm>
-            <a:off x="822291" y="1585519"/>
-            <a:ext cx="10089309" cy="4404220"/>
-          </a:xfrm>
-        </p:spPr>
-        <p:txBody>
-          <a:bodyPr/>
-          <a:lstStyle/>
-          <a:p>
-            <a:r>
-              <a:rPr lang="nl-BE" dirty="0"/>
-              <a:t>Maak de overgangen tussen verschillende stijlen zoals bij </a:t>
-            </a:r>
-            <a:r>
-              <a:rPr lang="nl-BE" dirty="0" err="1"/>
-              <a:t>hovers</a:t>
-            </a:r>
-            <a:r>
-              <a:rPr lang="nl-BE" dirty="0"/>
-              <a:t> vloeiender en maak waar mogelijk gebruik van </a:t>
-            </a:r>
-            <a:r>
-              <a:rPr lang="nl-BE" dirty="0" err="1"/>
-              <a:t>trasitions</a:t>
-            </a:r>
-            <a:endParaRPr lang="nl-BE" dirty="0"/>
-          </a:p>
-        </p:txBody>
-      </p:sp>
-      <p:sp>
-        <p:nvSpPr>
-          <p:cNvPr id="4" name="Tijdelijke aanduiding voor voettekst 3">
-            <a:extLst>
-              <a:ext uri="{FF2B5EF4-FFF2-40B4-BE49-F238E27FC236}">
-                <a16:creationId xmlns:a16="http://schemas.microsoft.com/office/drawing/2014/main" id="{9A86A9FB-1B9E-4B7A-910C-235D3A566A80}"/>
-              </a:ext>
-            </a:extLst>
-          </p:cNvPr>
-          <p:cNvSpPr>
-            <a:spLocks noGrp="1"/>
-          </p:cNvSpPr>
-          <p:nvPr>
-            <p:ph type="ftr" sz="quarter" idx="11"/>
-          </p:nvPr>
-        </p:nvSpPr>
-        <p:spPr/>
-        <p:txBody>
-          <a:bodyPr/>
-          <a:lstStyle/>
-          <a:p>
-            <a:r>
-              <a:rPr lang="nl-BE" dirty="0"/>
-              <a:t>DWD – HTML5 &amp; Games</a:t>
-            </a:r>
-          </a:p>
-        </p:txBody>
-      </p:sp>
-      <p:sp>
-        <p:nvSpPr>
-          <p:cNvPr id="5" name="Tijdelijke aanduiding voor dianummer 4">
-            <a:extLst>
-              <a:ext uri="{FF2B5EF4-FFF2-40B4-BE49-F238E27FC236}">
-                <a16:creationId xmlns:a16="http://schemas.microsoft.com/office/drawing/2014/main" id="{A64CFB49-2F18-4019-89DD-E4922E4505C1}"/>
-              </a:ext>
-            </a:extLst>
-          </p:cNvPr>
-          <p:cNvSpPr>
-            <a:spLocks noGrp="1"/>
-          </p:cNvSpPr>
-          <p:nvPr>
-            <p:ph type="sldNum" sz="quarter" idx="12"/>
-          </p:nvPr>
-        </p:nvSpPr>
-        <p:spPr/>
-        <p:txBody>
-          <a:bodyPr/>
-          <a:lstStyle/>
-          <a:p>
-            <a:fld id="{FF88DA20-ED00-471C-9170-60F590CB400A}" type="slidenum">
-              <a:rPr lang="nl-BE" smtClean="0"/>
-              <a:t>39</a:t>
-            </a:fld>
-            <a:endParaRPr lang="nl-BE"/>
-          </a:p>
-        </p:txBody>
-      </p:sp>
-      <p:sp>
-        <p:nvSpPr>
-          <p:cNvPr id="3" name="Tijdelijke aanduiding voor tekst 2">
-            <a:extLst>
-              <a:ext uri="{FF2B5EF4-FFF2-40B4-BE49-F238E27FC236}">
-                <a16:creationId xmlns:a16="http://schemas.microsoft.com/office/drawing/2014/main" id="{8007CC32-F96E-4CD9-95CF-403FC6BFF49B}"/>
-              </a:ext>
-            </a:extLst>
-          </p:cNvPr>
-          <p:cNvSpPr>
-            <a:spLocks noGrp="1"/>
-          </p:cNvSpPr>
-          <p:nvPr>
-            <p:ph type="body" sz="quarter" idx="13"/>
-          </p:nvPr>
-        </p:nvSpPr>
-        <p:spPr/>
-        <p:txBody>
-          <a:bodyPr/>
-          <a:lstStyle/>
-          <a:p>
-            <a:r>
-              <a:rPr lang="nl-BE" dirty="0"/>
-              <a:t>Opdracht</a:t>
-            </a:r>
-          </a:p>
-        </p:txBody>
-      </p:sp>
-    </p:spTree>
-    <p:extLst>
-      <p:ext uri="{BB962C8B-B14F-4D97-AF65-F5344CB8AC3E}">
-        <p14:creationId xmlns:p14="http://schemas.microsoft.com/office/powerpoint/2010/main" val="4062739331"/>
+        <p14:creationId xmlns:p14="http://schemas.microsoft.com/office/powerpoint/2010/main" val="2978920285"/>
       </p:ext>
     </p:extLst>
   </p:cSld>
@@ -15598,395 +14223,6 @@
     <p:extLst>
       <p:ext uri="{BB962C8B-B14F-4D97-AF65-F5344CB8AC3E}">
         <p14:creationId xmlns:p14="http://schemas.microsoft.com/office/powerpoint/2010/main" val="1840793936"/>
-      </p:ext>
-    </p:extLst>
-  </p:cSld>
-  <p:clrMapOvr>
-    <a:masterClrMapping/>
-  </p:clrMapOvr>
-</p:sld>
-</file>
-
-<file path=ppt/slides/slide40.xml><?xml version="1.0" encoding="utf-8"?>
-<p:sld xmlns:a="http://schemas.openxmlformats.org/drawingml/2006/main" xmlns:r="http://schemas.openxmlformats.org/officeDocument/2006/relationships" xmlns:p="http://schemas.openxmlformats.org/presentationml/2006/main">
-  <p:cSld>
-    <p:spTree>
-      <p:nvGrpSpPr>
-        <p:cNvPr id="1" name=""/>
-        <p:cNvGrpSpPr/>
-        <p:nvPr/>
-      </p:nvGrpSpPr>
-      <p:grpSpPr>
-        <a:xfrm>
-          <a:off x="0" y="0"/>
-          <a:ext cx="0" cy="0"/>
-          <a:chOff x="0" y="0"/>
-          <a:chExt cx="0" cy="0"/>
-        </a:xfrm>
-      </p:grpSpPr>
-      <p:sp>
-        <p:nvSpPr>
-          <p:cNvPr id="2" name="Titel 1">
-            <a:extLst>
-              <a:ext uri="{FF2B5EF4-FFF2-40B4-BE49-F238E27FC236}">
-                <a16:creationId xmlns:a16="http://schemas.microsoft.com/office/drawing/2014/main" id="{465F132B-C9CE-4FCE-923D-CCAFB92AB8C8}"/>
-              </a:ext>
-            </a:extLst>
-          </p:cNvPr>
-          <p:cNvSpPr>
-            <a:spLocks noGrp="1"/>
-          </p:cNvSpPr>
-          <p:nvPr>
-            <p:ph type="title"/>
-          </p:nvPr>
-        </p:nvSpPr>
-        <p:spPr/>
-        <p:txBody>
-          <a:bodyPr/>
-          <a:lstStyle/>
-          <a:p>
-            <a:r>
-              <a:rPr lang="nl-BE" dirty="0" err="1"/>
-              <a:t>Request</a:t>
-            </a:r>
-            <a:r>
-              <a:rPr lang="nl-BE" dirty="0"/>
-              <a:t> </a:t>
-            </a:r>
-            <a:r>
-              <a:rPr lang="nl-BE" dirty="0" err="1"/>
-              <a:t>animation</a:t>
-            </a:r>
-            <a:r>
-              <a:rPr lang="nl-BE" dirty="0"/>
-              <a:t> frame</a:t>
-            </a:r>
-          </a:p>
-        </p:txBody>
-      </p:sp>
-      <p:sp>
-        <p:nvSpPr>
-          <p:cNvPr id="8" name="Tijdelijke aanduiding voor inhoud 7">
-            <a:extLst>
-              <a:ext uri="{FF2B5EF4-FFF2-40B4-BE49-F238E27FC236}">
-                <a16:creationId xmlns:a16="http://schemas.microsoft.com/office/drawing/2014/main" id="{46660B48-BEE8-4738-9228-05126E64F4BB}"/>
-              </a:ext>
-            </a:extLst>
-          </p:cNvPr>
-          <p:cNvSpPr>
-            <a:spLocks noGrp="1"/>
-          </p:cNvSpPr>
-          <p:nvPr>
-            <p:ph idx="1"/>
-          </p:nvPr>
-        </p:nvSpPr>
-        <p:spPr>
-          <a:xfrm>
-            <a:off x="822291" y="1585519"/>
-            <a:ext cx="10089309" cy="4404220"/>
-          </a:xfrm>
-        </p:spPr>
-        <p:txBody>
-          <a:bodyPr/>
-          <a:lstStyle/>
-          <a:p>
-            <a:r>
-              <a:rPr lang="nl-BE" dirty="0"/>
-              <a:t>Elke keer je iets visueel verandert gebruik je hiervoor </a:t>
-            </a:r>
-            <a:r>
-              <a:rPr lang="nl-BE" dirty="0" err="1"/>
-              <a:t>requestAnimationFrame</a:t>
-            </a:r>
-            <a:r>
-              <a:rPr lang="nl-BE" dirty="0"/>
-              <a:t>()</a:t>
-            </a:r>
-          </a:p>
-          <a:p>
-            <a:endParaRPr lang="nl-BE" dirty="0"/>
-          </a:p>
-          <a:p>
-            <a:r>
-              <a:rPr lang="nl-BE" dirty="0"/>
-              <a:t>De timer-loop maakt ook gebruik van </a:t>
-            </a:r>
-            <a:r>
-              <a:rPr lang="nl-BE" dirty="0" err="1"/>
-              <a:t>requestAnimationFrame</a:t>
-            </a:r>
-            <a:r>
-              <a:rPr lang="nl-BE" dirty="0"/>
-              <a:t>()</a:t>
-            </a:r>
-          </a:p>
-        </p:txBody>
-      </p:sp>
-      <p:sp>
-        <p:nvSpPr>
-          <p:cNvPr id="4" name="Tijdelijke aanduiding voor voettekst 3">
-            <a:extLst>
-              <a:ext uri="{FF2B5EF4-FFF2-40B4-BE49-F238E27FC236}">
-                <a16:creationId xmlns:a16="http://schemas.microsoft.com/office/drawing/2014/main" id="{9A86A9FB-1B9E-4B7A-910C-235D3A566A80}"/>
-              </a:ext>
-            </a:extLst>
-          </p:cNvPr>
-          <p:cNvSpPr>
-            <a:spLocks noGrp="1"/>
-          </p:cNvSpPr>
-          <p:nvPr>
-            <p:ph type="ftr" sz="quarter" idx="11"/>
-          </p:nvPr>
-        </p:nvSpPr>
-        <p:spPr/>
-        <p:txBody>
-          <a:bodyPr/>
-          <a:lstStyle/>
-          <a:p>
-            <a:r>
-              <a:rPr lang="nl-BE" dirty="0"/>
-              <a:t>DWD – HTML5 &amp; Games</a:t>
-            </a:r>
-          </a:p>
-        </p:txBody>
-      </p:sp>
-      <p:sp>
-        <p:nvSpPr>
-          <p:cNvPr id="5" name="Tijdelijke aanduiding voor dianummer 4">
-            <a:extLst>
-              <a:ext uri="{FF2B5EF4-FFF2-40B4-BE49-F238E27FC236}">
-                <a16:creationId xmlns:a16="http://schemas.microsoft.com/office/drawing/2014/main" id="{A64CFB49-2F18-4019-89DD-E4922E4505C1}"/>
-              </a:ext>
-            </a:extLst>
-          </p:cNvPr>
-          <p:cNvSpPr>
-            <a:spLocks noGrp="1"/>
-          </p:cNvSpPr>
-          <p:nvPr>
-            <p:ph type="sldNum" sz="quarter" idx="12"/>
-          </p:nvPr>
-        </p:nvSpPr>
-        <p:spPr/>
-        <p:txBody>
-          <a:bodyPr/>
-          <a:lstStyle/>
-          <a:p>
-            <a:fld id="{FF88DA20-ED00-471C-9170-60F590CB400A}" type="slidenum">
-              <a:rPr lang="nl-BE" smtClean="0"/>
-              <a:t>40</a:t>
-            </a:fld>
-            <a:endParaRPr lang="nl-BE"/>
-          </a:p>
-        </p:txBody>
-      </p:sp>
-      <p:sp>
-        <p:nvSpPr>
-          <p:cNvPr id="3" name="Tijdelijke aanduiding voor tekst 2">
-            <a:extLst>
-              <a:ext uri="{FF2B5EF4-FFF2-40B4-BE49-F238E27FC236}">
-                <a16:creationId xmlns:a16="http://schemas.microsoft.com/office/drawing/2014/main" id="{8007CC32-F96E-4CD9-95CF-403FC6BFF49B}"/>
-              </a:ext>
-            </a:extLst>
-          </p:cNvPr>
-          <p:cNvSpPr>
-            <a:spLocks noGrp="1"/>
-          </p:cNvSpPr>
-          <p:nvPr>
-            <p:ph type="body" sz="quarter" idx="13"/>
-          </p:nvPr>
-        </p:nvSpPr>
-        <p:spPr/>
-        <p:txBody>
-          <a:bodyPr/>
-          <a:lstStyle/>
-          <a:p>
-            <a:r>
-              <a:rPr lang="nl-BE" dirty="0"/>
-              <a:t>Opdracht</a:t>
-            </a:r>
-          </a:p>
-        </p:txBody>
-      </p:sp>
-    </p:spTree>
-    <p:extLst>
-      <p:ext uri="{BB962C8B-B14F-4D97-AF65-F5344CB8AC3E}">
-        <p14:creationId xmlns:p14="http://schemas.microsoft.com/office/powerpoint/2010/main" val="1193637796"/>
-      </p:ext>
-    </p:extLst>
-  </p:cSld>
-  <p:clrMapOvr>
-    <a:masterClrMapping/>
-  </p:clrMapOvr>
-</p:sld>
-</file>
-
-<file path=ppt/slides/slide41.xml><?xml version="1.0" encoding="utf-8"?>
-<p:sld xmlns:a="http://schemas.openxmlformats.org/drawingml/2006/main" xmlns:r="http://schemas.openxmlformats.org/officeDocument/2006/relationships" xmlns:p="http://schemas.openxmlformats.org/presentationml/2006/main">
-  <p:cSld>
-    <p:spTree>
-      <p:nvGrpSpPr>
-        <p:cNvPr id="1" name=""/>
-        <p:cNvGrpSpPr/>
-        <p:nvPr/>
-      </p:nvGrpSpPr>
-      <p:grpSpPr>
-        <a:xfrm>
-          <a:off x="0" y="0"/>
-          <a:ext cx="0" cy="0"/>
-          <a:chOff x="0" y="0"/>
-          <a:chExt cx="0" cy="0"/>
-        </a:xfrm>
-      </p:grpSpPr>
-      <p:sp>
-        <p:nvSpPr>
-          <p:cNvPr id="2" name="Titel 1">
-            <a:extLst>
-              <a:ext uri="{FF2B5EF4-FFF2-40B4-BE49-F238E27FC236}">
-                <a16:creationId xmlns:a16="http://schemas.microsoft.com/office/drawing/2014/main" id="{465F132B-C9CE-4FCE-923D-CCAFB92AB8C8}"/>
-              </a:ext>
-            </a:extLst>
-          </p:cNvPr>
-          <p:cNvSpPr>
-            <a:spLocks noGrp="1"/>
-          </p:cNvSpPr>
-          <p:nvPr>
-            <p:ph type="title"/>
-          </p:nvPr>
-        </p:nvSpPr>
-        <p:spPr/>
-        <p:txBody>
-          <a:bodyPr/>
-          <a:lstStyle/>
-          <a:p>
-            <a:r>
-              <a:rPr lang="nl-BE" dirty="0"/>
-              <a:t>Web speech API</a:t>
-            </a:r>
-          </a:p>
-        </p:txBody>
-      </p:sp>
-      <p:sp>
-        <p:nvSpPr>
-          <p:cNvPr id="8" name="Tijdelijke aanduiding voor inhoud 7">
-            <a:extLst>
-              <a:ext uri="{FF2B5EF4-FFF2-40B4-BE49-F238E27FC236}">
-                <a16:creationId xmlns:a16="http://schemas.microsoft.com/office/drawing/2014/main" id="{46660B48-BEE8-4738-9228-05126E64F4BB}"/>
-              </a:ext>
-            </a:extLst>
-          </p:cNvPr>
-          <p:cNvSpPr>
-            <a:spLocks noGrp="1"/>
-          </p:cNvSpPr>
-          <p:nvPr>
-            <p:ph idx="1"/>
-          </p:nvPr>
-        </p:nvSpPr>
-        <p:spPr>
-          <a:xfrm>
-            <a:off x="822291" y="1937857"/>
-            <a:ext cx="10089309" cy="4051882"/>
-          </a:xfrm>
-        </p:spPr>
-        <p:txBody>
-          <a:bodyPr/>
-          <a:lstStyle/>
-          <a:p>
-            <a:r>
-              <a:rPr lang="nl-BE" dirty="0"/>
-              <a:t>Zorg ervoor dat een gebruiker met zijn/haar stem een antwoord kan geven op de quizvragen</a:t>
-            </a:r>
-          </a:p>
-        </p:txBody>
-      </p:sp>
-      <p:sp>
-        <p:nvSpPr>
-          <p:cNvPr id="4" name="Tijdelijke aanduiding voor voettekst 3">
-            <a:extLst>
-              <a:ext uri="{FF2B5EF4-FFF2-40B4-BE49-F238E27FC236}">
-                <a16:creationId xmlns:a16="http://schemas.microsoft.com/office/drawing/2014/main" id="{9A86A9FB-1B9E-4B7A-910C-235D3A566A80}"/>
-              </a:ext>
-            </a:extLst>
-          </p:cNvPr>
-          <p:cNvSpPr>
-            <a:spLocks noGrp="1"/>
-          </p:cNvSpPr>
-          <p:nvPr>
-            <p:ph type="ftr" sz="quarter" idx="11"/>
-          </p:nvPr>
-        </p:nvSpPr>
-        <p:spPr/>
-        <p:txBody>
-          <a:bodyPr/>
-          <a:lstStyle/>
-          <a:p>
-            <a:r>
-              <a:rPr lang="nl-BE" dirty="0"/>
-              <a:t>DWD – HTML5 &amp; Games</a:t>
-            </a:r>
-          </a:p>
-        </p:txBody>
-      </p:sp>
-      <p:sp>
-        <p:nvSpPr>
-          <p:cNvPr id="5" name="Tijdelijke aanduiding voor dianummer 4">
-            <a:extLst>
-              <a:ext uri="{FF2B5EF4-FFF2-40B4-BE49-F238E27FC236}">
-                <a16:creationId xmlns:a16="http://schemas.microsoft.com/office/drawing/2014/main" id="{A64CFB49-2F18-4019-89DD-E4922E4505C1}"/>
-              </a:ext>
-            </a:extLst>
-          </p:cNvPr>
-          <p:cNvSpPr>
-            <a:spLocks noGrp="1"/>
-          </p:cNvSpPr>
-          <p:nvPr>
-            <p:ph type="sldNum" sz="quarter" idx="12"/>
-          </p:nvPr>
-        </p:nvSpPr>
-        <p:spPr/>
-        <p:txBody>
-          <a:bodyPr/>
-          <a:lstStyle/>
-          <a:p>
-            <a:fld id="{FF88DA20-ED00-471C-9170-60F590CB400A}" type="slidenum">
-              <a:rPr lang="nl-BE" smtClean="0"/>
-              <a:t>41</a:t>
-            </a:fld>
-            <a:endParaRPr lang="nl-BE"/>
-          </a:p>
-        </p:txBody>
-      </p:sp>
-      <p:sp>
-        <p:nvSpPr>
-          <p:cNvPr id="3" name="Tijdelijke aanduiding voor tekst 2">
-            <a:extLst>
-              <a:ext uri="{FF2B5EF4-FFF2-40B4-BE49-F238E27FC236}">
-                <a16:creationId xmlns:a16="http://schemas.microsoft.com/office/drawing/2014/main" id="{8007CC32-F96E-4CD9-95CF-403FC6BFF49B}"/>
-              </a:ext>
-            </a:extLst>
-          </p:cNvPr>
-          <p:cNvSpPr>
-            <a:spLocks noGrp="1"/>
-          </p:cNvSpPr>
-          <p:nvPr>
-            <p:ph type="body" sz="quarter" idx="13"/>
-          </p:nvPr>
-        </p:nvSpPr>
-        <p:spPr/>
-        <p:txBody>
-          <a:bodyPr/>
-          <a:lstStyle/>
-          <a:p>
-            <a:r>
-              <a:rPr lang="nl-BE" dirty="0"/>
-              <a:t>Opdracht</a:t>
-            </a:r>
-          </a:p>
-        </p:txBody>
-      </p:sp>
-    </p:spTree>
-    <p:extLst>
-      <p:ext uri="{BB962C8B-B14F-4D97-AF65-F5344CB8AC3E}">
-        <p14:creationId xmlns:p14="http://schemas.microsoft.com/office/powerpoint/2010/main" val="3468849008"/>
       </p:ext>
     </p:extLst>
   </p:cSld>

--- a/DWD - Javascript Games - Theorie.pptx
+++ b/DWD - Javascript Games - Theorie.pptx
@@ -18,7 +18,7 @@
     <p:sldId id="292" r:id="rId9"/>
     <p:sldId id="293" r:id="rId10"/>
     <p:sldId id="295" r:id="rId11"/>
-    <p:sldId id="314" r:id="rId12"/>
+    <p:sldId id="315" r:id="rId12"/>
     <p:sldId id="257" r:id="rId13"/>
     <p:sldId id="278" r:id="rId14"/>
     <p:sldId id="296" r:id="rId15"/>
@@ -6971,7 +6971,7 @@
           <a:p>
             <a:r>
               <a:rPr lang="nl-BE" dirty="0"/>
-              <a:t>Wat gebruik je dan best?</a:t>
+              <a:t>Geef niet op!</a:t>
             </a:r>
           </a:p>
         </p:txBody>
@@ -6994,18 +6994,26 @@
         </p:nvSpPr>
         <p:spPr>
           <a:xfrm>
-            <a:off x="410178" y="1511384"/>
-            <a:ext cx="9443527" cy="3132000"/>
+            <a:off x="534291" y="1314721"/>
+            <a:ext cx="10304285" cy="4716963"/>
           </a:xfrm>
         </p:spPr>
         <p:txBody>
           <a:bodyPr/>
           <a:lstStyle/>
           <a:p>
-            <a:pPr lvl="1"/>
-            <a:r>
-              <a:rPr lang="nl-BE" dirty="0"/>
-              <a:t>Een game maken </a:t>
+            <a:r>
+              <a:rPr lang="nl-BE" dirty="0"/>
+              <a:t>Een spel maken zal in het begin altijd een moeilijke leerervaring zijn omdat je met zo veel verschillende dingen leert werken.</a:t>
+            </a:r>
+          </a:p>
+          <a:p>
+            <a:endParaRPr lang="nl-BE" dirty="0"/>
+          </a:p>
+          <a:p>
+            <a:r>
+              <a:rPr lang="nl-BE" dirty="0"/>
+              <a:t>Je kan ook zeggen dat een game maken een heel goede manier is om veel verschillende nieuwe dingen te leren.</a:t>
             </a:r>
           </a:p>
         </p:txBody>
@@ -7095,55 +7103,10 @@
           </a:p>
         </p:txBody>
       </p:sp>
-      <p:pic>
-        <p:nvPicPr>
-          <p:cNvPr id="2050" name="Picture 2" descr="how to make a website with javascript">
-            <a:extLst>
-              <a:ext uri="{FF2B5EF4-FFF2-40B4-BE49-F238E27FC236}">
-                <a16:creationId xmlns:a16="http://schemas.microsoft.com/office/drawing/2014/main" id="{01B2E3BB-71D7-47F5-AAAC-FC3112C1BC8F}"/>
-              </a:ext>
-            </a:extLst>
-          </p:cNvPr>
-          <p:cNvPicPr>
-            <a:picLocks noChangeAspect="1" noChangeArrowheads="1"/>
-          </p:cNvPicPr>
-          <p:nvPr/>
-        </p:nvPicPr>
-        <p:blipFill rotWithShape="1">
-          <a:blip r:embed="rId2">
-            <a:extLst>
-              <a:ext uri="{28A0092B-C50C-407E-A947-70E740481C1C}">
-                <a14:useLocalDpi xmlns:a14="http://schemas.microsoft.com/office/drawing/2010/main" val="0"/>
-              </a:ext>
-            </a:extLst>
-          </a:blip>
-          <a:srcRect l="6680" t="24629" r="6279" b="24564"/>
-          <a:stretch/>
-        </p:blipFill>
-        <p:spPr bwMode="auto">
-          <a:xfrm>
-            <a:off x="2944536" y="3504501"/>
-            <a:ext cx="6300132" cy="2452818"/>
-          </a:xfrm>
-          <a:prstGeom prst="rect">
-            <a:avLst/>
-          </a:prstGeom>
-          <a:noFill/>
-          <a:extLst>
-            <a:ext uri="{909E8E84-426E-40DD-AFC4-6F175D3DCCD1}">
-              <a14:hiddenFill xmlns:a14="http://schemas.microsoft.com/office/drawing/2010/main">
-                <a:solidFill>
-                  <a:srgbClr val="FFFFFF"/>
-                </a:solidFill>
-              </a14:hiddenFill>
-            </a:ext>
-          </a:extLst>
-        </p:spPr>
-      </p:pic>
     </p:spTree>
     <p:extLst>
       <p:ext uri="{BB962C8B-B14F-4D97-AF65-F5344CB8AC3E}">
-        <p14:creationId xmlns:p14="http://schemas.microsoft.com/office/powerpoint/2010/main" val="1363847085"/>
+        <p14:creationId xmlns:p14="http://schemas.microsoft.com/office/powerpoint/2010/main" val="3206204313"/>
       </p:ext>
     </p:extLst>
   </p:cSld>

--- a/DWD - Javascript Games - Theorie.pptx
+++ b/DWD - Javascript Games - Theorie.pptx
@@ -6994,8 +6994,8 @@
         </p:nvSpPr>
         <p:spPr>
           <a:xfrm>
-            <a:off x="534291" y="1314721"/>
-            <a:ext cx="10304285" cy="4716963"/>
+            <a:off x="534291" y="1998617"/>
+            <a:ext cx="10304285" cy="4033067"/>
           </a:xfrm>
         </p:spPr>
         <p:txBody>
@@ -7361,8 +7361,8 @@
         </p:nvSpPr>
         <p:spPr>
           <a:xfrm>
-            <a:off x="534291" y="1501629"/>
-            <a:ext cx="10377309" cy="4622333"/>
+            <a:off x="534291" y="1314721"/>
+            <a:ext cx="10377309" cy="4809241"/>
           </a:xfrm>
         </p:spPr>
         <p:txBody>
@@ -7444,26 +7444,20 @@
           <a:p>
             <a:pPr lvl="3"/>
             <a:r>
-              <a:rPr lang="nl-BE" sz="2400" dirty="0" err="1">
-                <a:latin typeface="+mj-lt"/>
-              </a:rPr>
-              <a:t>JSON.parse</a:t>
-            </a:r>
-            <a:r>
               <a:rPr lang="nl-BE" sz="2400" dirty="0">
                 <a:latin typeface="+mj-lt"/>
               </a:rPr>
-              <a:t> &amp; </a:t>
-            </a:r>
-            <a:r>
-              <a:rPr lang="nl-BE" sz="2400" dirty="0" err="1">
+              <a:t>JSON.parse (Naar JSON)</a:t>
+            </a:r>
+          </a:p>
+          <a:p>
+            <a:pPr lvl="3"/>
+            <a:r>
+              <a:rPr lang="nl-BE" sz="2400" dirty="0">
                 <a:latin typeface="+mj-lt"/>
               </a:rPr>
-              <a:t>JSON.stringify</a:t>
-            </a:r>
-            <a:endParaRPr lang="nl-BE" sz="2400" dirty="0">
-              <a:latin typeface="+mj-lt"/>
-            </a:endParaRPr>
+              <a:t>JSON.stringify (Naar string)</a:t>
+            </a:r>
           </a:p>
           <a:p>
             <a:pPr lvl="1"/>

--- a/DWD - Javascript Games - Theorie.pptx
+++ b/DWD - Javascript Games - Theorie.pptx
@@ -5,7 +5,7 @@
     <p:sldMasterId id="2147483648" r:id="rId1"/>
   </p:sldMasterIdLst>
   <p:notesMasterIdLst>
-    <p:notesMasterId r:id="rId38"/>
+    <p:notesMasterId r:id="rId42"/>
   </p:notesMasterIdLst>
   <p:sldIdLst>
     <p:sldId id="261" r:id="rId2"/>
@@ -32,18 +32,22 @@
     <p:sldId id="276" r:id="rId23"/>
     <p:sldId id="281" r:id="rId24"/>
     <p:sldId id="277" r:id="rId25"/>
-    <p:sldId id="282" r:id="rId26"/>
-    <p:sldId id="313" r:id="rId27"/>
-    <p:sldId id="301" r:id="rId28"/>
-    <p:sldId id="302" r:id="rId29"/>
-    <p:sldId id="273" r:id="rId30"/>
-    <p:sldId id="259" r:id="rId31"/>
-    <p:sldId id="303" r:id="rId32"/>
-    <p:sldId id="284" r:id="rId33"/>
-    <p:sldId id="283" r:id="rId34"/>
-    <p:sldId id="298" r:id="rId35"/>
-    <p:sldId id="304" r:id="rId36"/>
-    <p:sldId id="305" r:id="rId37"/>
+    <p:sldId id="317" r:id="rId26"/>
+    <p:sldId id="318" r:id="rId27"/>
+    <p:sldId id="316" r:id="rId28"/>
+    <p:sldId id="282" r:id="rId29"/>
+    <p:sldId id="319" r:id="rId30"/>
+    <p:sldId id="301" r:id="rId31"/>
+    <p:sldId id="313" r:id="rId32"/>
+    <p:sldId id="302" r:id="rId33"/>
+    <p:sldId id="273" r:id="rId34"/>
+    <p:sldId id="259" r:id="rId35"/>
+    <p:sldId id="303" r:id="rId36"/>
+    <p:sldId id="284" r:id="rId37"/>
+    <p:sldId id="283" r:id="rId38"/>
+    <p:sldId id="298" r:id="rId39"/>
+    <p:sldId id="304" r:id="rId40"/>
+    <p:sldId id="305" r:id="rId41"/>
   </p:sldIdLst>
   <p:sldSz cx="12192000" cy="6858000"/>
   <p:notesSz cx="6858000" cy="9144000"/>
@@ -10446,54 +10450,41 @@
           <a:lstStyle/>
           <a:p>
             <a:r>
+              <a:rPr lang="nl-BE" dirty="0"/>
+              <a:t>Sprites</a:t>
+            </a:r>
+          </a:p>
+        </p:txBody>
+      </p:sp>
+      <p:sp>
+        <p:nvSpPr>
+          <p:cNvPr id="3" name="Tijdelijke aanduiding voor tekst 2">
+            <a:extLst>
+              <a:ext uri="{FF2B5EF4-FFF2-40B4-BE49-F238E27FC236}">
+                <a16:creationId xmlns:a16="http://schemas.microsoft.com/office/drawing/2014/main" id="{25E6300B-AC24-4FB2-A05D-06BE75683545}"/>
+              </a:ext>
+            </a:extLst>
+          </p:cNvPr>
+          <p:cNvSpPr>
+            <a:spLocks noGrp="1"/>
+          </p:cNvSpPr>
+          <p:nvPr>
+            <p:ph type="body" idx="1"/>
+          </p:nvPr>
+        </p:nvSpPr>
+        <p:spPr/>
+        <p:txBody>
+          <a:bodyPr/>
+          <a:lstStyle/>
+          <a:p>
+            <a:r>
               <a:rPr lang="nl-BE" dirty="0" err="1"/>
-              <a:t>Request</a:t>
-            </a:r>
-            <a:r>
-              <a:rPr lang="nl-BE" dirty="0"/>
-              <a:t> </a:t>
-            </a:r>
-            <a:r>
-              <a:rPr lang="nl-BE" dirty="0" err="1"/>
-              <a:t>animation</a:t>
-            </a:r>
-            <a:r>
-              <a:rPr lang="nl-BE" dirty="0"/>
-              <a:t> frame</a:t>
-            </a:r>
-          </a:p>
-        </p:txBody>
-      </p:sp>
-      <p:sp>
-        <p:nvSpPr>
-          <p:cNvPr id="3" name="Tijdelijke aanduiding voor tekst 2">
-            <a:extLst>
-              <a:ext uri="{FF2B5EF4-FFF2-40B4-BE49-F238E27FC236}">
-                <a16:creationId xmlns:a16="http://schemas.microsoft.com/office/drawing/2014/main" id="{25E6300B-AC24-4FB2-A05D-06BE75683545}"/>
-              </a:ext>
-            </a:extLst>
-          </p:cNvPr>
-          <p:cNvSpPr>
-            <a:spLocks noGrp="1"/>
-          </p:cNvSpPr>
-          <p:nvPr>
-            <p:ph type="body" idx="1"/>
-          </p:nvPr>
-        </p:nvSpPr>
-        <p:spPr/>
-        <p:txBody>
-          <a:bodyPr/>
-          <a:lstStyle/>
-          <a:p>
-            <a:r>
-              <a:rPr lang="nl-BE" dirty="0"/>
-              <a:t>Smart </a:t>
-            </a:r>
-            <a:r>
-              <a:rPr lang="nl-BE" dirty="0" err="1"/>
-              <a:t>rendering</a:t>
-            </a:r>
-            <a:endParaRPr lang="nl-BE" dirty="0"/>
+              <a:t>Animate</a:t>
+            </a:r>
+            <a:r>
+              <a:rPr lang="nl-BE" dirty="0"/>
+              <a:t> images</a:t>
+            </a:r>
           </a:p>
         </p:txBody>
       </p:sp>
@@ -10633,7 +10624,7 @@
           <a:p>
             <a:r>
               <a:rPr lang="nl-BE" dirty="0"/>
-              <a:t>Waarom?</a:t>
+              <a:t>Wat zijn ze?</a:t>
             </a:r>
           </a:p>
         </p:txBody>
@@ -10656,8 +10647,8 @@
         </p:nvSpPr>
         <p:spPr>
           <a:xfrm>
-            <a:off x="922789" y="2223082"/>
-            <a:ext cx="9988811" cy="2816917"/>
+            <a:off x="922789" y="1535185"/>
+            <a:ext cx="9988811" cy="3504814"/>
           </a:xfrm>
         </p:spPr>
         <p:txBody>
@@ -10666,12 +10657,30 @@
           <a:p>
             <a:pPr lvl="1"/>
             <a:r>
+              <a:rPr lang="nl-BE" dirty="0"/>
+              <a:t>Een </a:t>
+            </a:r>
+            <a:r>
               <a:rPr lang="nl-BE" dirty="0" err="1"/>
-              <a:t>SetInterval</a:t>
-            </a:r>
-            <a:r>
-              <a:rPr lang="nl-BE" dirty="0"/>
-              <a:t>()</a:t>
+              <a:t>sprite</a:t>
+            </a:r>
+            <a:r>
+              <a:rPr lang="nl-BE" dirty="0"/>
+              <a:t> is een animatie opgebouwd uit een reeks afbeeldingen</a:t>
+            </a:r>
+          </a:p>
+          <a:p>
+            <a:pPr lvl="1"/>
+            <a:r>
+              <a:rPr lang="nl-BE" dirty="0"/>
+              <a:t>Deze verschillende afbeeldingen stellen elk een frame voor binnen een animatie</a:t>
+            </a:r>
+          </a:p>
+          <a:p>
+            <a:pPr lvl="1"/>
+            <a:r>
+              <a:rPr lang="nl-BE" dirty="0"/>
+              <a:t>Deze verschillende frames kunnen zich binnen hetzelfde of verschillende bestanden bevinden</a:t>
             </a:r>
           </a:p>
         </p:txBody>
@@ -10755,28 +10764,52 @@
           <a:lstStyle/>
           <a:p>
             <a:r>
-              <a:rPr lang="nl-BE" dirty="0" err="1"/>
-              <a:t>Request</a:t>
-            </a:r>
-            <a:r>
-              <a:rPr lang="nl-BE" dirty="0"/>
-              <a:t> </a:t>
-            </a:r>
-            <a:r>
-              <a:rPr lang="nl-BE" dirty="0" err="1"/>
-              <a:t>animation</a:t>
-            </a:r>
-            <a:r>
-              <a:rPr lang="nl-BE" dirty="0"/>
-              <a:t> frame</a:t>
-            </a:r>
-          </a:p>
-        </p:txBody>
-      </p:sp>
+              <a:rPr lang="nl-BE" dirty="0"/>
+              <a:t>Sprites</a:t>
+            </a:r>
+          </a:p>
+        </p:txBody>
+      </p:sp>
+      <p:pic>
+        <p:nvPicPr>
+          <p:cNvPr id="7" name="Picture 6" descr="Logo&#10;&#10;Description automatically generated">
+            <a:extLst>
+              <a:ext uri="{FF2B5EF4-FFF2-40B4-BE49-F238E27FC236}">
+                <a16:creationId xmlns:a16="http://schemas.microsoft.com/office/drawing/2014/main" id="{D5B9801D-7E8B-4847-BD0A-B115A988B20C}"/>
+              </a:ext>
+            </a:extLst>
+          </p:cNvPr>
+          <p:cNvPicPr>
+            <a:picLocks noChangeAspect="1"/>
+          </p:cNvPicPr>
+          <p:nvPr/>
+        </p:nvPicPr>
+        <p:blipFill>
+          <a:blip r:embed="rId2">
+            <a:extLst>
+              <a:ext uri="{28A0092B-C50C-407E-A947-70E740481C1C}">
+                <a14:useLocalDpi xmlns:a14="http://schemas.microsoft.com/office/drawing/2010/main" val="0"/>
+              </a:ext>
+            </a:extLst>
+          </a:blip>
+          <a:stretch>
+            <a:fillRect/>
+          </a:stretch>
+        </p:blipFill>
+        <p:spPr>
+          <a:xfrm>
+            <a:off x="0" y="3620105"/>
+            <a:ext cx="12192000" cy="2032000"/>
+          </a:xfrm>
+          <a:prstGeom prst="rect">
+            <a:avLst/>
+          </a:prstGeom>
+        </p:spPr>
+      </p:pic>
     </p:spTree>
     <p:extLst>
       <p:ext uri="{BB962C8B-B14F-4D97-AF65-F5344CB8AC3E}">
-        <p14:creationId xmlns:p14="http://schemas.microsoft.com/office/powerpoint/2010/main" val="1802154112"/>
+        <p14:creationId xmlns:p14="http://schemas.microsoft.com/office/powerpoint/2010/main" val="3732580902"/>
       </p:ext>
     </p:extLst>
   </p:cSld>
@@ -10826,59 +10859,45 @@
           <a:p>
             <a:r>
               <a:rPr lang="nl-BE" dirty="0"/>
-              <a:t>Waarom?</a:t>
-            </a:r>
-          </a:p>
-        </p:txBody>
-      </p:sp>
-      <p:sp>
-        <p:nvSpPr>
-          <p:cNvPr id="8" name="Tijdelijke aanduiding voor inhoud 7">
-            <a:extLst>
-              <a:ext uri="{FF2B5EF4-FFF2-40B4-BE49-F238E27FC236}">
-                <a16:creationId xmlns:a16="http://schemas.microsoft.com/office/drawing/2014/main" id="{46660B48-BEE8-4738-9228-05126E64F4BB}"/>
-              </a:ext>
-            </a:extLst>
-          </p:cNvPr>
-          <p:cNvSpPr>
-            <a:spLocks noGrp="1"/>
-          </p:cNvSpPr>
+              <a:t>Voorbeelden</a:t>
+            </a:r>
+          </a:p>
+        </p:txBody>
+      </p:sp>
+      <p:pic>
+        <p:nvPicPr>
+          <p:cNvPr id="13" name="Content Placeholder 12" descr="A picture containing text&#10;&#10;Description automatically generated">
+            <a:extLst>
+              <a:ext uri="{FF2B5EF4-FFF2-40B4-BE49-F238E27FC236}">
+                <a16:creationId xmlns:a16="http://schemas.microsoft.com/office/drawing/2014/main" id="{C4957349-D583-4AA3-9395-8333317DBF9C}"/>
+              </a:ext>
+            </a:extLst>
+          </p:cNvPr>
+          <p:cNvPicPr>
+            <a:picLocks noGrp="1" noChangeAspect="1"/>
+          </p:cNvPicPr>
           <p:nvPr>
             <p:ph idx="1"/>
           </p:nvPr>
-        </p:nvSpPr>
+        </p:nvPicPr>
+        <p:blipFill rotWithShape="1">
+          <a:blip r:embed="rId2">
+            <a:extLst>
+              <a:ext uri="{28A0092B-C50C-407E-A947-70E740481C1C}">
+                <a14:useLocalDpi xmlns:a14="http://schemas.microsoft.com/office/drawing/2010/main" val="0"/>
+              </a:ext>
+            </a:extLst>
+          </a:blip>
+          <a:srcRect r="44572" b="64659"/>
+          <a:stretch/>
+        </p:blipFill>
         <p:spPr>
           <a:xfrm>
-            <a:off x="922789" y="2223082"/>
-            <a:ext cx="9988811" cy="2816917"/>
+            <a:off x="396000" y="2319320"/>
+            <a:ext cx="6771154" cy="3386242"/>
           </a:xfrm>
         </p:spPr>
-        <p:txBody>
-          <a:bodyPr/>
-          <a:lstStyle/>
-          <a:p>
-            <a:pPr lvl="1"/>
-            <a:r>
-              <a:rPr lang="nl-BE" dirty="0"/>
-              <a:t>De browser kan je animatie optimaliseren</a:t>
-            </a:r>
-          </a:p>
-          <a:p>
-            <a:pPr lvl="1"/>
-            <a:r>
-              <a:rPr lang="nl-BE" dirty="0"/>
-              <a:t>Animaties in inactieve tabs stoppen, dit zorgt ervoor dat de CPU minder berekeningen hoeft te doen</a:t>
-            </a:r>
-          </a:p>
-          <a:p>
-            <a:pPr lvl="1"/>
-            <a:r>
-              <a:rPr lang="nl-BE" dirty="0"/>
-              <a:t>Batterij-vriendelijker</a:t>
-            </a:r>
-          </a:p>
-        </p:txBody>
-      </p:sp>
+      </p:pic>
       <p:sp>
         <p:nvSpPr>
           <p:cNvPr id="4" name="Tijdelijke aanduiding voor voettekst 3">
@@ -10958,28 +10977,52 @@
           <a:lstStyle/>
           <a:p>
             <a:r>
-              <a:rPr lang="nl-BE" dirty="0" err="1"/>
-              <a:t>Request</a:t>
-            </a:r>
-            <a:r>
-              <a:rPr lang="nl-BE" dirty="0"/>
-              <a:t> </a:t>
-            </a:r>
-            <a:r>
-              <a:rPr lang="nl-BE" dirty="0" err="1"/>
-              <a:t>animation</a:t>
-            </a:r>
-            <a:r>
-              <a:rPr lang="nl-BE" dirty="0"/>
-              <a:t> frame</a:t>
-            </a:r>
-          </a:p>
-        </p:txBody>
-      </p:sp>
+              <a:rPr lang="nl-BE" dirty="0"/>
+              <a:t>Sprites</a:t>
+            </a:r>
+          </a:p>
+        </p:txBody>
+      </p:sp>
+      <p:pic>
+        <p:nvPicPr>
+          <p:cNvPr id="15" name="Picture 14" descr="A picture containing dancer, group, posing, line&#10;&#10;Description automatically generated">
+            <a:extLst>
+              <a:ext uri="{FF2B5EF4-FFF2-40B4-BE49-F238E27FC236}">
+                <a16:creationId xmlns:a16="http://schemas.microsoft.com/office/drawing/2014/main" id="{F55D0430-A82E-401A-A720-C3F0330BB8F0}"/>
+              </a:ext>
+            </a:extLst>
+          </p:cNvPr>
+          <p:cNvPicPr>
+            <a:picLocks noChangeAspect="1"/>
+          </p:cNvPicPr>
+          <p:nvPr/>
+        </p:nvPicPr>
+        <p:blipFill>
+          <a:blip r:embed="rId3">
+            <a:extLst>
+              <a:ext uri="{28A0092B-C50C-407E-A947-70E740481C1C}">
+                <a14:useLocalDpi xmlns:a14="http://schemas.microsoft.com/office/drawing/2010/main" val="0"/>
+              </a:ext>
+            </a:extLst>
+          </a:blip>
+          <a:stretch>
+            <a:fillRect/>
+          </a:stretch>
+        </p:blipFill>
+        <p:spPr>
+          <a:xfrm>
+            <a:off x="6244046" y="501153"/>
+            <a:ext cx="4946321" cy="3353438"/>
+          </a:xfrm>
+          <a:prstGeom prst="rect">
+            <a:avLst/>
+          </a:prstGeom>
+        </p:spPr>
+      </p:pic>
     </p:spTree>
     <p:extLst>
       <p:ext uri="{BB962C8B-B14F-4D97-AF65-F5344CB8AC3E}">
-        <p14:creationId xmlns:p14="http://schemas.microsoft.com/office/powerpoint/2010/main" val="4270358474"/>
+        <p14:creationId xmlns:p14="http://schemas.microsoft.com/office/powerpoint/2010/main" val="2762625433"/>
       </p:ext>
     </p:extLst>
   </p:cSld>
@@ -11008,10 +11051,10 @@
       </p:grpSpPr>
       <p:sp>
         <p:nvSpPr>
-          <p:cNvPr id="2" name="Title 1">
-            <a:extLst>
-              <a:ext uri="{FF2B5EF4-FFF2-40B4-BE49-F238E27FC236}">
-                <a16:creationId xmlns:a16="http://schemas.microsoft.com/office/drawing/2014/main" id="{A3E6F2B2-081F-42D1-A341-BCBA1748155C}"/>
+          <p:cNvPr id="2" name="Titel 1">
+            <a:extLst>
+              <a:ext uri="{FF2B5EF4-FFF2-40B4-BE49-F238E27FC236}">
+                <a16:creationId xmlns:a16="http://schemas.microsoft.com/office/drawing/2014/main" id="{C5EEAFBD-B5B8-4F85-98E4-19C38B628AD3}"/>
               </a:ext>
             </a:extLst>
           </p:cNvPr>
@@ -11028,149 +11071,63 @@
           <a:lstStyle/>
           <a:p>
             <a:r>
-              <a:rPr lang="nl-BE" dirty="0"/>
-              <a:t>Voorbeeld</a:t>
-            </a:r>
-          </a:p>
-        </p:txBody>
-      </p:sp>
-      <p:sp>
-        <p:nvSpPr>
-          <p:cNvPr id="3" name="Content Placeholder 2">
-            <a:extLst>
-              <a:ext uri="{FF2B5EF4-FFF2-40B4-BE49-F238E27FC236}">
-                <a16:creationId xmlns:a16="http://schemas.microsoft.com/office/drawing/2014/main" id="{9B68AEDE-1A7A-4C72-8E0A-69B89F69B4F7}"/>
-              </a:ext>
-            </a:extLst>
-          </p:cNvPr>
-          <p:cNvSpPr>
-            <a:spLocks noGrp="1"/>
-          </p:cNvSpPr>
-          <p:nvPr>
-            <p:ph idx="1"/>
-          </p:nvPr>
-        </p:nvSpPr>
-        <p:spPr/>
-        <p:txBody>
-          <a:bodyPr/>
-          <a:lstStyle/>
-          <a:p>
-            <a:r>
-              <a:rPr lang="nl-BE" b="0" dirty="0" err="1">
-                <a:latin typeface="Consolas" panose="020B0609020204030204" pitchFamily="49" charset="0"/>
-              </a:rPr>
-              <a:t>function</a:t>
-            </a:r>
-            <a:r>
-              <a:rPr lang="nl-BE" b="0" dirty="0">
-                <a:latin typeface="Consolas" panose="020B0609020204030204" pitchFamily="49" charset="0"/>
-              </a:rPr>
+              <a:rPr lang="nl-BE" dirty="0" err="1"/>
+              <a:t>Request</a:t>
+            </a:r>
+            <a:r>
+              <a:rPr lang="nl-BE" dirty="0"/>
               <a:t> </a:t>
             </a:r>
             <a:r>
-              <a:rPr lang="nl-BE" dirty="0" err="1">
-                <a:latin typeface="Consolas" panose="020B0609020204030204" pitchFamily="49" charset="0"/>
-              </a:rPr>
-              <a:t>repeatOften</a:t>
-            </a:r>
-            <a:r>
-              <a:rPr lang="nl-BE" b="0" dirty="0">
-                <a:latin typeface="Consolas" panose="020B0609020204030204" pitchFamily="49" charset="0"/>
-              </a:rPr>
-              <a:t>() {</a:t>
-            </a:r>
-          </a:p>
-          <a:p>
-            <a:r>
-              <a:rPr lang="nl-BE" b="0" dirty="0">
-                <a:latin typeface="Consolas" panose="020B0609020204030204" pitchFamily="49" charset="0"/>
-              </a:rPr>
-              <a:t>  // Do </a:t>
-            </a:r>
-            <a:r>
-              <a:rPr lang="nl-BE" b="0" dirty="0" err="1">
-                <a:latin typeface="Consolas" panose="020B0609020204030204" pitchFamily="49" charset="0"/>
-              </a:rPr>
-              <a:t>whatever</a:t>
-            </a:r>
-            <a:endParaRPr lang="nl-BE" b="0" dirty="0">
-              <a:latin typeface="Consolas" panose="020B0609020204030204" pitchFamily="49" charset="0"/>
-            </a:endParaRPr>
-          </a:p>
-          <a:p>
-            <a:r>
-              <a:rPr lang="nl-BE" b="0" dirty="0">
-                <a:latin typeface="Consolas" panose="020B0609020204030204" pitchFamily="49" charset="0"/>
-              </a:rPr>
-              <a:t>  </a:t>
-            </a:r>
-            <a:r>
-              <a:rPr lang="nl-BE" b="0" dirty="0" err="1">
-                <a:latin typeface="Consolas" panose="020B0609020204030204" pitchFamily="49" charset="0"/>
-              </a:rPr>
-              <a:t>requestAnimationFrame</a:t>
-            </a:r>
-            <a:r>
-              <a:rPr lang="nl-BE" b="0" dirty="0">
-                <a:latin typeface="Consolas" panose="020B0609020204030204" pitchFamily="49" charset="0"/>
-              </a:rPr>
-              <a:t>(</a:t>
-            </a:r>
-            <a:r>
-              <a:rPr lang="nl-BE" dirty="0" err="1">
-                <a:latin typeface="Consolas" panose="020B0609020204030204" pitchFamily="49" charset="0"/>
-              </a:rPr>
-              <a:t>repeatOften</a:t>
-            </a:r>
-            <a:r>
-              <a:rPr lang="nl-BE" b="0" dirty="0">
-                <a:latin typeface="Consolas" panose="020B0609020204030204" pitchFamily="49" charset="0"/>
-              </a:rPr>
-              <a:t>);</a:t>
-            </a:r>
-          </a:p>
-          <a:p>
-            <a:r>
-              <a:rPr lang="nl-BE" b="0" dirty="0">
-                <a:latin typeface="Consolas" panose="020B0609020204030204" pitchFamily="49" charset="0"/>
-              </a:rPr>
-              <a:t>}</a:t>
-            </a:r>
-          </a:p>
-          <a:p>
-            <a:r>
-              <a:rPr lang="nl-BE" b="0" dirty="0" err="1">
-                <a:latin typeface="Consolas" panose="020B0609020204030204" pitchFamily="49" charset="0"/>
-              </a:rPr>
-              <a:t>requestAnimationFrame</a:t>
-            </a:r>
-            <a:r>
-              <a:rPr lang="nl-BE" b="0" dirty="0">
-                <a:latin typeface="Consolas" panose="020B0609020204030204" pitchFamily="49" charset="0"/>
-              </a:rPr>
-              <a:t>(</a:t>
-            </a:r>
-            <a:r>
-              <a:rPr lang="nl-BE" dirty="0" err="1">
-                <a:latin typeface="Consolas" panose="020B0609020204030204" pitchFamily="49" charset="0"/>
-              </a:rPr>
-              <a:t>repeatOften</a:t>
-            </a:r>
-            <a:r>
-              <a:rPr lang="nl-BE" b="0" dirty="0">
-                <a:latin typeface="Consolas" panose="020B0609020204030204" pitchFamily="49" charset="0"/>
-              </a:rPr>
-              <a:t>);</a:t>
-            </a:r>
-          </a:p>
-        </p:txBody>
-      </p:sp>
-      <p:sp>
-        <p:nvSpPr>
-          <p:cNvPr id="4" name="Footer Placeholder 3">
-            <a:extLst>
-              <a:ext uri="{FF2B5EF4-FFF2-40B4-BE49-F238E27FC236}">
-                <a16:creationId xmlns:a16="http://schemas.microsoft.com/office/drawing/2014/main" id="{A019479A-C7B4-40DC-ABA6-3FDFAF64AF9E}"/>
+              <a:rPr lang="nl-BE" dirty="0" err="1"/>
+              <a:t>animation</a:t>
+            </a:r>
+            <a:r>
+              <a:rPr lang="nl-BE" dirty="0"/>
+              <a:t> frame</a:t>
+            </a:r>
+          </a:p>
+        </p:txBody>
+      </p:sp>
+      <p:sp>
+        <p:nvSpPr>
+          <p:cNvPr id="3" name="Tijdelijke aanduiding voor tekst 2">
+            <a:extLst>
+              <a:ext uri="{FF2B5EF4-FFF2-40B4-BE49-F238E27FC236}">
+                <a16:creationId xmlns:a16="http://schemas.microsoft.com/office/drawing/2014/main" id="{25E6300B-AC24-4FB2-A05D-06BE75683545}"/>
+              </a:ext>
+            </a:extLst>
+          </p:cNvPr>
+          <p:cNvSpPr>
+            <a:spLocks noGrp="1"/>
+          </p:cNvSpPr>
+          <p:nvPr>
+            <p:ph type="body" idx="1"/>
+          </p:nvPr>
+        </p:nvSpPr>
+        <p:spPr/>
+        <p:txBody>
+          <a:bodyPr/>
+          <a:lstStyle/>
+          <a:p>
+            <a:r>
+              <a:rPr lang="nl-BE" dirty="0"/>
+              <a:t>Smart </a:t>
+            </a:r>
+            <a:r>
+              <a:rPr lang="nl-BE" dirty="0" err="1"/>
+              <a:t>rendering</a:t>
+            </a:r>
+            <a:endParaRPr lang="nl-BE" dirty="0"/>
+          </a:p>
+        </p:txBody>
+      </p:sp>
+      <p:sp>
+        <p:nvSpPr>
+          <p:cNvPr id="4" name="Tijdelijke aanduiding voor voettekst 3">
+            <a:extLst>
+              <a:ext uri="{FF2B5EF4-FFF2-40B4-BE49-F238E27FC236}">
+                <a16:creationId xmlns:a16="http://schemas.microsoft.com/office/drawing/2014/main" id="{7926BCFD-3A9A-492A-A57B-0A991170A3B7}"/>
               </a:ext>
             </a:extLst>
           </p:cNvPr>
@@ -11195,10 +11152,10 @@
       </p:sp>
       <p:sp>
         <p:nvSpPr>
-          <p:cNvPr id="5" name="Slide Number Placeholder 4">
-            <a:extLst>
-              <a:ext uri="{FF2B5EF4-FFF2-40B4-BE49-F238E27FC236}">
-                <a16:creationId xmlns:a16="http://schemas.microsoft.com/office/drawing/2014/main" id="{E5E49462-1BEB-49B1-937F-5C9FF1759EEA}"/>
+          <p:cNvPr id="5" name="Tijdelijke aanduiding voor dianummer 4">
+            <a:extLst>
+              <a:ext uri="{FF2B5EF4-FFF2-40B4-BE49-F238E27FC236}">
+                <a16:creationId xmlns:a16="http://schemas.microsoft.com/office/drawing/2014/main" id="{60BD1991-93F2-4440-9BAB-7167DEBBD3C1}"/>
               </a:ext>
             </a:extLst>
           </p:cNvPr>
@@ -11216,6 +11173,7 @@
           <a:p>
             <a:fld id="{FF88DA20-ED00-471C-9170-60F590CB400A}" type="slidenum">
               <a:rPr lang="nl-BE" smtClean="0"/>
+              <a:pPr/>
               <a:t>27</a:t>
             </a:fld>
             <a:endParaRPr lang="nl-BE"/>
@@ -11224,10 +11182,10 @@
       </p:sp>
       <p:sp>
         <p:nvSpPr>
-          <p:cNvPr id="6" name="Text Placeholder 5">
-            <a:extLst>
-              <a:ext uri="{FF2B5EF4-FFF2-40B4-BE49-F238E27FC236}">
-                <a16:creationId xmlns:a16="http://schemas.microsoft.com/office/drawing/2014/main" id="{4D2DE9C0-B7F6-445B-AE30-A1035FD034D7}"/>
+          <p:cNvPr id="6" name="Tijdelijke aanduiding voor tekst 5">
+            <a:extLst>
+              <a:ext uri="{FF2B5EF4-FFF2-40B4-BE49-F238E27FC236}">
+                <a16:creationId xmlns:a16="http://schemas.microsoft.com/office/drawing/2014/main" id="{2BC75DC7-FD2B-4961-80F5-1A77FF877DD9}"/>
               </a:ext>
             </a:extLst>
           </p:cNvPr>
@@ -11243,29 +11201,14 @@
           <a:bodyPr/>
           <a:lstStyle/>
           <a:p>
-            <a:r>
-              <a:rPr lang="nl-BE" dirty="0" err="1"/>
-              <a:t>Request</a:t>
-            </a:r>
-            <a:r>
-              <a:rPr lang="nl-BE" dirty="0"/>
-              <a:t> </a:t>
-            </a:r>
-            <a:r>
-              <a:rPr lang="nl-BE" dirty="0" err="1"/>
-              <a:t>animation</a:t>
-            </a:r>
-            <a:r>
-              <a:rPr lang="nl-BE" dirty="0"/>
-              <a:t> frame</a:t>
-            </a:r>
+            <a:endParaRPr lang="nl-BE"/>
           </a:p>
         </p:txBody>
       </p:sp>
     </p:spTree>
     <p:extLst>
       <p:ext uri="{BB962C8B-B14F-4D97-AF65-F5344CB8AC3E}">
-        <p14:creationId xmlns:p14="http://schemas.microsoft.com/office/powerpoint/2010/main" val="3876490024"/>
+        <p14:creationId xmlns:p14="http://schemas.microsoft.com/office/powerpoint/2010/main" val="871834472"/>
       </p:ext>
     </p:extLst>
   </p:cSld>
@@ -11294,10 +11237,10 @@
       </p:grpSpPr>
       <p:sp>
         <p:nvSpPr>
-          <p:cNvPr id="2" name="Title 1">
-            <a:extLst>
-              <a:ext uri="{FF2B5EF4-FFF2-40B4-BE49-F238E27FC236}">
-                <a16:creationId xmlns:a16="http://schemas.microsoft.com/office/drawing/2014/main" id="{A3E6F2B2-081F-42D1-A341-BCBA1748155C}"/>
+          <p:cNvPr id="2" name="Titel 1">
+            <a:extLst>
+              <a:ext uri="{FF2B5EF4-FFF2-40B4-BE49-F238E27FC236}">
+                <a16:creationId xmlns:a16="http://schemas.microsoft.com/office/drawing/2014/main" id="{465F132B-C9CE-4FCE-923D-CCAFB92AB8C8}"/>
               </a:ext>
             </a:extLst>
           </p:cNvPr>
@@ -11315,17 +11258,17 @@
           <a:p>
             <a:r>
               <a:rPr lang="nl-BE" dirty="0"/>
-              <a:t>Voorbeeld</a:t>
-            </a:r>
-          </a:p>
-        </p:txBody>
-      </p:sp>
-      <p:sp>
-        <p:nvSpPr>
-          <p:cNvPr id="3" name="Content Placeholder 2">
-            <a:extLst>
-              <a:ext uri="{FF2B5EF4-FFF2-40B4-BE49-F238E27FC236}">
-                <a16:creationId xmlns:a16="http://schemas.microsoft.com/office/drawing/2014/main" id="{9B68AEDE-1A7A-4C72-8E0A-69B89F69B4F7}"/>
+              <a:t>Waarom?</a:t>
+            </a:r>
+          </a:p>
+        </p:txBody>
+      </p:sp>
+      <p:sp>
+        <p:nvSpPr>
+          <p:cNvPr id="8" name="Tijdelijke aanduiding voor inhoud 7">
+            <a:extLst>
+              <a:ext uri="{FF2B5EF4-FFF2-40B4-BE49-F238E27FC236}">
+                <a16:creationId xmlns:a16="http://schemas.microsoft.com/office/drawing/2014/main" id="{46660B48-BEE8-4738-9228-05126E64F4BB}"/>
               </a:ext>
             </a:extLst>
           </p:cNvPr>
@@ -11338,286 +11281,115 @@
         </p:nvSpPr>
         <p:spPr>
           <a:xfrm>
-            <a:off x="2541864" y="880844"/>
-            <a:ext cx="8369735" cy="5184396"/>
+            <a:off x="1258349" y="1577130"/>
+            <a:ext cx="9471169" cy="4479722"/>
           </a:xfrm>
         </p:spPr>
         <p:txBody>
           <a:bodyPr/>
           <a:lstStyle/>
           <a:p>
-            <a:r>
-              <a:rPr lang="nl-BE" sz="1600" b="0" dirty="0">
+            <a:pPr lvl="1"/>
+            <a:r>
+              <a:rPr lang="nl-BE" dirty="0"/>
+              <a:t>In Javascript kan je een functie na een bepaalde tijd uitvoeren </a:t>
+            </a:r>
+            <a:r>
+              <a:rPr lang="en-US" dirty="0" err="1">
                 <a:latin typeface="Consolas" panose="020B0609020204030204" pitchFamily="49" charset="0"/>
               </a:rPr>
-              <a:t>var </a:t>
-            </a:r>
-            <a:r>
-              <a:rPr lang="nl-BE" sz="1600" dirty="0" err="1">
+              <a:t>setTimeout</a:t>
+            </a:r>
+            <a:r>
+              <a:rPr lang="en-US" dirty="0">
                 <a:latin typeface="Consolas" panose="020B0609020204030204" pitchFamily="49" charset="0"/>
               </a:rPr>
-              <a:t>globalID</a:t>
-            </a:r>
-            <a:r>
-              <a:rPr lang="nl-BE" sz="1600" b="0" dirty="0">
+              <a:t>(function(){</a:t>
+            </a:r>
+            <a:br>
+              <a:rPr lang="en-US" dirty="0">
                 <a:latin typeface="Consolas" panose="020B0609020204030204" pitchFamily="49" charset="0"/>
               </a:rPr>
-              <a:t>;</a:t>
-            </a:r>
-          </a:p>
-          <a:p>
-            <a:endParaRPr lang="nl-BE" sz="1600" b="0" dirty="0">
+            </a:br>
+            <a:r>
+              <a:rPr lang="en-US" dirty="0">
+                <a:latin typeface="Consolas" panose="020B0609020204030204" pitchFamily="49" charset="0"/>
+              </a:rPr>
+              <a:t> 	alert("Sup!"); </a:t>
+            </a:r>
+            <a:br>
+              <a:rPr lang="en-US" dirty="0">
+                <a:latin typeface="Consolas" panose="020B0609020204030204" pitchFamily="49" charset="0"/>
+              </a:rPr>
+            </a:br>
+            <a:r>
+              <a:rPr lang="en-US" dirty="0">
+                <a:latin typeface="Consolas" panose="020B0609020204030204" pitchFamily="49" charset="0"/>
+              </a:rPr>
+              <a:t>}, 2000);</a:t>
+            </a:r>
+            <a:br>
+              <a:rPr lang="en-US" dirty="0">
+                <a:latin typeface="Consolas" panose="020B0609020204030204" pitchFamily="49" charset="0"/>
+              </a:rPr>
+            </a:br>
+            <a:endParaRPr lang="en-US" dirty="0">
               <a:latin typeface="Consolas" panose="020B0609020204030204" pitchFamily="49" charset="0"/>
             </a:endParaRPr>
           </a:p>
           <a:p>
-            <a:r>
-              <a:rPr lang="nl-BE" sz="1600" b="0" dirty="0" err="1">
+            <a:pPr lvl="1"/>
+            <a:r>
+              <a:rPr lang="nl-BE" dirty="0"/>
+              <a:t>Je kan ook een functie blijven uitvoeren met een interval </a:t>
+            </a:r>
+            <a:r>
+              <a:rPr lang="en-US" dirty="0" err="1">
                 <a:latin typeface="Consolas" panose="020B0609020204030204" pitchFamily="49" charset="0"/>
               </a:rPr>
-              <a:t>function</a:t>
-            </a:r>
-            <a:r>
-              <a:rPr lang="nl-BE" sz="1600" b="0" dirty="0">
+              <a:t>setInterval</a:t>
+            </a:r>
+            <a:r>
+              <a:rPr lang="en-US" dirty="0">
                 <a:latin typeface="Consolas" panose="020B0609020204030204" pitchFamily="49" charset="0"/>
               </a:rPr>
-              <a:t> </a:t>
-            </a:r>
-            <a:r>
-              <a:rPr lang="nl-BE" sz="1600" dirty="0" err="1">
+              <a:t>(function(){</a:t>
+            </a:r>
+            <a:br>
+              <a:rPr lang="en-US" dirty="0">
                 <a:latin typeface="Consolas" panose="020B0609020204030204" pitchFamily="49" charset="0"/>
               </a:rPr>
-              <a:t>repeatOften</a:t>
-            </a:r>
-            <a:r>
-              <a:rPr lang="nl-BE" sz="1600" b="0" dirty="0">
+            </a:br>
+            <a:r>
+              <a:rPr lang="en-US" dirty="0">
                 <a:latin typeface="Consolas" panose="020B0609020204030204" pitchFamily="49" charset="0"/>
               </a:rPr>
-              <a:t>() {</a:t>
-            </a:r>
-          </a:p>
-          <a:p>
-            <a:r>
-              <a:rPr lang="nl-BE" sz="1600" b="0" dirty="0">
+              <a:t> 	alert("Sup!"); </a:t>
+            </a:r>
+            <a:br>
+              <a:rPr lang="en-US" dirty="0">
                 <a:latin typeface="Consolas" panose="020B0609020204030204" pitchFamily="49" charset="0"/>
               </a:rPr>
-              <a:t>  $("&lt;div /&gt;").</a:t>
-            </a:r>
-            <a:r>
-              <a:rPr lang="nl-BE" sz="1600" b="0" dirty="0" err="1">
+            </a:br>
+            <a:r>
+              <a:rPr lang="en-US" dirty="0">
                 <a:latin typeface="Consolas" panose="020B0609020204030204" pitchFamily="49" charset="0"/>
               </a:rPr>
-              <a:t>appendTo</a:t>
-            </a:r>
-            <a:r>
-              <a:rPr lang="nl-BE" sz="1600" b="0" dirty="0">
-                <a:latin typeface="Consolas" panose="020B0609020204030204" pitchFamily="49" charset="0"/>
-              </a:rPr>
-              <a:t>("body");</a:t>
-            </a:r>
-          </a:p>
-          <a:p>
-            <a:r>
-              <a:rPr lang="nl-BE" sz="1600" b="0" dirty="0">
-                <a:latin typeface="Consolas" panose="020B0609020204030204" pitchFamily="49" charset="0"/>
-              </a:rPr>
-              <a:t>  </a:t>
-            </a:r>
-            <a:r>
-              <a:rPr lang="nl-BE" sz="1600" dirty="0" err="1">
-                <a:latin typeface="Consolas" panose="020B0609020204030204" pitchFamily="49" charset="0"/>
-              </a:rPr>
-              <a:t>globalID</a:t>
-            </a:r>
-            <a:r>
-              <a:rPr lang="nl-BE" sz="1600" b="0" dirty="0">
-                <a:latin typeface="Consolas" panose="020B0609020204030204" pitchFamily="49" charset="0"/>
-              </a:rPr>
-              <a:t> = </a:t>
-            </a:r>
-            <a:r>
-              <a:rPr lang="nl-BE" sz="1600" b="0" dirty="0" err="1">
-                <a:latin typeface="Consolas" panose="020B0609020204030204" pitchFamily="49" charset="0"/>
-              </a:rPr>
-              <a:t>requestAnimationFrame</a:t>
-            </a:r>
-            <a:r>
-              <a:rPr lang="nl-BE" sz="1600" b="0" dirty="0">
-                <a:latin typeface="Consolas" panose="020B0609020204030204" pitchFamily="49" charset="0"/>
-              </a:rPr>
-              <a:t>(</a:t>
-            </a:r>
-            <a:r>
-              <a:rPr lang="nl-BE" sz="1600" dirty="0" err="1">
-                <a:latin typeface="Consolas" panose="020B0609020204030204" pitchFamily="49" charset="0"/>
-              </a:rPr>
-              <a:t>repeatOften</a:t>
-            </a:r>
-            <a:r>
-              <a:rPr lang="nl-BE" sz="1600" b="0" dirty="0">
-                <a:latin typeface="Consolas" panose="020B0609020204030204" pitchFamily="49" charset="0"/>
-              </a:rPr>
-              <a:t>);</a:t>
-            </a:r>
-          </a:p>
-          <a:p>
-            <a:r>
-              <a:rPr lang="nl-BE" sz="1600" b="0" dirty="0">
-                <a:latin typeface="Consolas" panose="020B0609020204030204" pitchFamily="49" charset="0"/>
-              </a:rPr>
-              <a:t>}</a:t>
-            </a:r>
-          </a:p>
-          <a:p>
-            <a:endParaRPr lang="nl-BE" sz="1600" b="0" dirty="0">
-              <a:latin typeface="Consolas" panose="020B0609020204030204" pitchFamily="49" charset="0"/>
-            </a:endParaRPr>
-          </a:p>
-          <a:p>
-            <a:r>
-              <a:rPr lang="nl-BE" sz="1600" b="0" dirty="0">
-                <a:latin typeface="Consolas" panose="020B0609020204030204" pitchFamily="49" charset="0"/>
-              </a:rPr>
-              <a:t>$("#start").on("click", </a:t>
-            </a:r>
-            <a:r>
-              <a:rPr lang="nl-BE" sz="1600" b="0" dirty="0" err="1">
-                <a:latin typeface="Consolas" panose="020B0609020204030204" pitchFamily="49" charset="0"/>
-              </a:rPr>
-              <a:t>function</a:t>
-            </a:r>
-            <a:r>
-              <a:rPr lang="nl-BE" sz="1600" b="0" dirty="0">
-                <a:latin typeface="Consolas" panose="020B0609020204030204" pitchFamily="49" charset="0"/>
-              </a:rPr>
-              <a:t>() {</a:t>
-            </a:r>
-          </a:p>
-          <a:p>
-            <a:r>
-              <a:rPr lang="nl-BE" sz="1600" b="0" dirty="0">
-                <a:latin typeface="Consolas" panose="020B0609020204030204" pitchFamily="49" charset="0"/>
-              </a:rPr>
-              <a:t>  </a:t>
-            </a:r>
-            <a:r>
-              <a:rPr lang="nl-BE" sz="1600" dirty="0" err="1">
-                <a:latin typeface="Consolas" panose="020B0609020204030204" pitchFamily="49" charset="0"/>
-              </a:rPr>
-              <a:t>globalID</a:t>
-            </a:r>
-            <a:r>
-              <a:rPr lang="nl-BE" sz="1600" b="0" dirty="0">
-                <a:latin typeface="Consolas" panose="020B0609020204030204" pitchFamily="49" charset="0"/>
-              </a:rPr>
-              <a:t> = </a:t>
-            </a:r>
-            <a:r>
-              <a:rPr lang="nl-BE" sz="1600" b="0" dirty="0" err="1">
-                <a:latin typeface="Consolas" panose="020B0609020204030204" pitchFamily="49" charset="0"/>
-              </a:rPr>
-              <a:t>requestAnimationFrame</a:t>
-            </a:r>
-            <a:r>
-              <a:rPr lang="nl-BE" sz="1600" b="0" dirty="0">
-                <a:latin typeface="Consolas" panose="020B0609020204030204" pitchFamily="49" charset="0"/>
-              </a:rPr>
-              <a:t>(</a:t>
-            </a:r>
-            <a:r>
-              <a:rPr lang="nl-BE" sz="1600" dirty="0" err="1">
-                <a:latin typeface="Consolas" panose="020B0609020204030204" pitchFamily="49" charset="0"/>
-              </a:rPr>
-              <a:t>repeatOften</a:t>
-            </a:r>
-            <a:r>
-              <a:rPr lang="nl-BE" sz="1600" b="0" dirty="0">
-                <a:latin typeface="Consolas" panose="020B0609020204030204" pitchFamily="49" charset="0"/>
-              </a:rPr>
-              <a:t>);</a:t>
-            </a:r>
-          </a:p>
-          <a:p>
-            <a:r>
-              <a:rPr lang="nl-BE" sz="1600" b="0" dirty="0">
-                <a:latin typeface="Consolas" panose="020B0609020204030204" pitchFamily="49" charset="0"/>
-              </a:rPr>
-              <a:t>});</a:t>
-            </a:r>
-          </a:p>
-          <a:p>
-            <a:endParaRPr lang="nl-BE" sz="1600" b="0" dirty="0">
-              <a:latin typeface="Consolas" panose="020B0609020204030204" pitchFamily="49" charset="0"/>
-            </a:endParaRPr>
-          </a:p>
-          <a:p>
-            <a:r>
-              <a:rPr lang="nl-BE" sz="1600" b="0" dirty="0">
-                <a:latin typeface="Consolas" panose="020B0609020204030204" pitchFamily="49" charset="0"/>
-              </a:rPr>
-              <a:t>$("#stop").on("click", </a:t>
-            </a:r>
-            <a:r>
-              <a:rPr lang="nl-BE" sz="1600" b="0" dirty="0" err="1">
-                <a:latin typeface="Consolas" panose="020B0609020204030204" pitchFamily="49" charset="0"/>
-              </a:rPr>
-              <a:t>function</a:t>
-            </a:r>
-            <a:r>
-              <a:rPr lang="nl-BE" sz="1600" b="0" dirty="0">
-                <a:latin typeface="Consolas" panose="020B0609020204030204" pitchFamily="49" charset="0"/>
-              </a:rPr>
-              <a:t>() {</a:t>
-            </a:r>
-          </a:p>
-          <a:p>
-            <a:r>
-              <a:rPr lang="nl-BE" sz="1600" b="0" dirty="0">
-                <a:latin typeface="Consolas" panose="020B0609020204030204" pitchFamily="49" charset="0"/>
-              </a:rPr>
-              <a:t>  </a:t>
-            </a:r>
-            <a:r>
-              <a:rPr lang="nl-BE" sz="1600" b="0" dirty="0" err="1">
-                <a:latin typeface="Consolas" panose="020B0609020204030204" pitchFamily="49" charset="0"/>
-              </a:rPr>
-              <a:t>cancelAnimationFrame</a:t>
-            </a:r>
-            <a:r>
-              <a:rPr lang="nl-BE" sz="1600" b="0" dirty="0">
-                <a:latin typeface="Consolas" panose="020B0609020204030204" pitchFamily="49" charset="0"/>
-              </a:rPr>
-              <a:t>(</a:t>
-            </a:r>
-            <a:r>
-              <a:rPr lang="nl-BE" sz="1600" dirty="0" err="1">
-                <a:latin typeface="Consolas" panose="020B0609020204030204" pitchFamily="49" charset="0"/>
-              </a:rPr>
-              <a:t>globalID</a:t>
-            </a:r>
-            <a:r>
-              <a:rPr lang="nl-BE" sz="1600" b="0" dirty="0">
-                <a:latin typeface="Consolas" panose="020B0609020204030204" pitchFamily="49" charset="0"/>
-              </a:rPr>
-              <a:t>);</a:t>
-            </a:r>
-          </a:p>
-          <a:p>
-            <a:r>
-              <a:rPr lang="nl-BE" sz="1600" b="0" dirty="0">
-                <a:latin typeface="Consolas" panose="020B0609020204030204" pitchFamily="49" charset="0"/>
-              </a:rPr>
-              <a:t>});</a:t>
-            </a:r>
-          </a:p>
-        </p:txBody>
-      </p:sp>
-      <p:sp>
-        <p:nvSpPr>
-          <p:cNvPr id="4" name="Footer Placeholder 3">
-            <a:extLst>
-              <a:ext uri="{FF2B5EF4-FFF2-40B4-BE49-F238E27FC236}">
-                <a16:creationId xmlns:a16="http://schemas.microsoft.com/office/drawing/2014/main" id="{A019479A-C7B4-40DC-ABA6-3FDFAF64AF9E}"/>
+              <a:t>}, 2000);</a:t>
+            </a:r>
+          </a:p>
+          <a:p>
+            <a:pPr lvl="1"/>
+            <a:endParaRPr lang="nl-BE" dirty="0"/>
+          </a:p>
+        </p:txBody>
+      </p:sp>
+      <p:sp>
+        <p:nvSpPr>
+          <p:cNvPr id="4" name="Tijdelijke aanduiding voor voettekst 3">
+            <a:extLst>
+              <a:ext uri="{FF2B5EF4-FFF2-40B4-BE49-F238E27FC236}">
+                <a16:creationId xmlns:a16="http://schemas.microsoft.com/office/drawing/2014/main" id="{9A86A9FB-1B9E-4B7A-910C-235D3A566A80}"/>
               </a:ext>
             </a:extLst>
           </p:cNvPr>
@@ -11642,10 +11414,10 @@
       </p:sp>
       <p:sp>
         <p:nvSpPr>
-          <p:cNvPr id="5" name="Slide Number Placeholder 4">
-            <a:extLst>
-              <a:ext uri="{FF2B5EF4-FFF2-40B4-BE49-F238E27FC236}">
-                <a16:creationId xmlns:a16="http://schemas.microsoft.com/office/drawing/2014/main" id="{E5E49462-1BEB-49B1-937F-5C9FF1759EEA}"/>
+          <p:cNvPr id="5" name="Tijdelijke aanduiding voor dianummer 4">
+            <a:extLst>
+              <a:ext uri="{FF2B5EF4-FFF2-40B4-BE49-F238E27FC236}">
+                <a16:creationId xmlns:a16="http://schemas.microsoft.com/office/drawing/2014/main" id="{A64CFB49-2F18-4019-89DD-E4922E4505C1}"/>
               </a:ext>
             </a:extLst>
           </p:cNvPr>
@@ -11671,10 +11443,10 @@
       </p:sp>
       <p:sp>
         <p:nvSpPr>
-          <p:cNvPr id="6" name="Text Placeholder 5">
-            <a:extLst>
-              <a:ext uri="{FF2B5EF4-FFF2-40B4-BE49-F238E27FC236}">
-                <a16:creationId xmlns:a16="http://schemas.microsoft.com/office/drawing/2014/main" id="{4D2DE9C0-B7F6-445B-AE30-A1035FD034D7}"/>
+          <p:cNvPr id="3" name="Tijdelijke aanduiding voor tekst 2">
+            <a:extLst>
+              <a:ext uri="{FF2B5EF4-FFF2-40B4-BE49-F238E27FC236}">
+                <a16:creationId xmlns:a16="http://schemas.microsoft.com/office/drawing/2014/main" id="{8007CC32-F96E-4CD9-95CF-403FC6BFF49B}"/>
               </a:ext>
             </a:extLst>
           </p:cNvPr>
@@ -11712,7 +11484,7 @@
     </p:spTree>
     <p:extLst>
       <p:ext uri="{BB962C8B-B14F-4D97-AF65-F5344CB8AC3E}">
-        <p14:creationId xmlns:p14="http://schemas.microsoft.com/office/powerpoint/2010/main" val="89553126"/>
+        <p14:creationId xmlns:p14="http://schemas.microsoft.com/office/powerpoint/2010/main" val="1802154112"/>
       </p:ext>
     </p:extLst>
   </p:cSld>
@@ -11744,7 +11516,7 @@
           <p:cNvPr id="2" name="Titel 1">
             <a:extLst>
               <a:ext uri="{FF2B5EF4-FFF2-40B4-BE49-F238E27FC236}">
-                <a16:creationId xmlns:a16="http://schemas.microsoft.com/office/drawing/2014/main" id="{C5EEAFBD-B5B8-4F85-98E4-19C38B628AD3}"/>
+                <a16:creationId xmlns:a16="http://schemas.microsoft.com/office/drawing/2014/main" id="{465F132B-C9CE-4FCE-923D-CCAFB92AB8C8}"/>
               </a:ext>
             </a:extLst>
           </p:cNvPr>
@@ -11762,52 +11534,38 @@
           <a:p>
             <a:r>
               <a:rPr lang="nl-BE" dirty="0"/>
-              <a:t>Web speech API</a:t>
-            </a:r>
-          </a:p>
-        </p:txBody>
-      </p:sp>
-      <p:sp>
-        <p:nvSpPr>
-          <p:cNvPr id="3" name="Tijdelijke aanduiding voor tekst 2">
-            <a:extLst>
-              <a:ext uri="{FF2B5EF4-FFF2-40B4-BE49-F238E27FC236}">
-                <a16:creationId xmlns:a16="http://schemas.microsoft.com/office/drawing/2014/main" id="{25E6300B-AC24-4FB2-A05D-06BE75683545}"/>
-              </a:ext>
-            </a:extLst>
-          </p:cNvPr>
-          <p:cNvSpPr>
-            <a:spLocks noGrp="1"/>
-          </p:cNvSpPr>
-          <p:nvPr>
-            <p:ph type="body" idx="1"/>
-          </p:nvPr>
-        </p:nvSpPr>
-        <p:spPr/>
-        <p:txBody>
-          <a:bodyPr/>
-          <a:lstStyle/>
-          <a:p>
-            <a:r>
-              <a:rPr lang="nl-BE" dirty="0" err="1"/>
-              <a:t>Words</a:t>
-            </a:r>
-            <a:r>
-              <a:rPr lang="nl-BE" dirty="0"/>
-              <a:t> </a:t>
-            </a:r>
-            <a:r>
-              <a:rPr lang="nl-BE" dirty="0" err="1"/>
-              <a:t>to</a:t>
-            </a:r>
-            <a:r>
-              <a:rPr lang="nl-BE" dirty="0"/>
-              <a:t> </a:t>
-            </a:r>
-            <a:r>
-              <a:rPr lang="nl-BE" dirty="0" err="1"/>
-              <a:t>text</a:t>
-            </a:r>
+              <a:t>Frames per second</a:t>
+            </a:r>
+          </a:p>
+        </p:txBody>
+      </p:sp>
+      <p:sp>
+        <p:nvSpPr>
+          <p:cNvPr id="8" name="Tijdelijke aanduiding voor inhoud 7">
+            <a:extLst>
+              <a:ext uri="{FF2B5EF4-FFF2-40B4-BE49-F238E27FC236}">
+                <a16:creationId xmlns:a16="http://schemas.microsoft.com/office/drawing/2014/main" id="{46660B48-BEE8-4738-9228-05126E64F4BB}"/>
+              </a:ext>
+            </a:extLst>
+          </p:cNvPr>
+          <p:cNvSpPr>
+            <a:spLocks noGrp="1"/>
+          </p:cNvSpPr>
+          <p:nvPr>
+            <p:ph idx="1"/>
+          </p:nvPr>
+        </p:nvSpPr>
+        <p:spPr>
+          <a:xfrm>
+            <a:off x="1258349" y="1577130"/>
+            <a:ext cx="9471169" cy="4479722"/>
+          </a:xfrm>
+        </p:spPr>
+        <p:txBody>
+          <a:bodyPr/>
+          <a:lstStyle/>
+          <a:p>
+            <a:pPr lvl="1"/>
             <a:endParaRPr lang="nl-BE" dirty="0"/>
           </a:p>
         </p:txBody>
@@ -11817,7 +11575,7 @@
           <p:cNvPr id="4" name="Tijdelijke aanduiding voor voettekst 3">
             <a:extLst>
               <a:ext uri="{FF2B5EF4-FFF2-40B4-BE49-F238E27FC236}">
-                <a16:creationId xmlns:a16="http://schemas.microsoft.com/office/drawing/2014/main" id="{7926BCFD-3A9A-492A-A57B-0A991170A3B7}"/>
+                <a16:creationId xmlns:a16="http://schemas.microsoft.com/office/drawing/2014/main" id="{9A86A9FB-1B9E-4B7A-910C-235D3A566A80}"/>
               </a:ext>
             </a:extLst>
           </p:cNvPr>
@@ -11845,7 +11603,7 @@
           <p:cNvPr id="5" name="Tijdelijke aanduiding voor dianummer 4">
             <a:extLst>
               <a:ext uri="{FF2B5EF4-FFF2-40B4-BE49-F238E27FC236}">
-                <a16:creationId xmlns:a16="http://schemas.microsoft.com/office/drawing/2014/main" id="{60BD1991-93F2-4440-9BAB-7167DEBBD3C1}"/>
+                <a16:creationId xmlns:a16="http://schemas.microsoft.com/office/drawing/2014/main" id="{A64CFB49-2F18-4019-89DD-E4922E4505C1}"/>
               </a:ext>
             </a:extLst>
           </p:cNvPr>
@@ -11863,7 +11621,6 @@
           <a:p>
             <a:fld id="{FF88DA20-ED00-471C-9170-60F590CB400A}" type="slidenum">
               <a:rPr lang="nl-BE" smtClean="0"/>
-              <a:pPr/>
               <a:t>29</a:t>
             </a:fld>
             <a:endParaRPr lang="nl-BE"/>
@@ -11872,10 +11629,10 @@
       </p:sp>
       <p:sp>
         <p:nvSpPr>
-          <p:cNvPr id="6" name="Tijdelijke aanduiding voor tekst 5">
-            <a:extLst>
-              <a:ext uri="{FF2B5EF4-FFF2-40B4-BE49-F238E27FC236}">
-                <a16:creationId xmlns:a16="http://schemas.microsoft.com/office/drawing/2014/main" id="{2BC75DC7-FD2B-4961-80F5-1A77FF877DD9}"/>
+          <p:cNvPr id="3" name="Tijdelijke aanduiding voor tekst 2">
+            <a:extLst>
+              <a:ext uri="{FF2B5EF4-FFF2-40B4-BE49-F238E27FC236}">
+                <a16:creationId xmlns:a16="http://schemas.microsoft.com/office/drawing/2014/main" id="{8007CC32-F96E-4CD9-95CF-403FC6BFF49B}"/>
               </a:ext>
             </a:extLst>
           </p:cNvPr>
@@ -11891,14 +11648,76 @@
           <a:bodyPr/>
           <a:lstStyle/>
           <a:p>
-            <a:endParaRPr lang="nl-BE"/>
-          </a:p>
-        </p:txBody>
-      </p:sp>
+            <a:r>
+              <a:rPr lang="nl-BE" dirty="0" err="1"/>
+              <a:t>Request</a:t>
+            </a:r>
+            <a:r>
+              <a:rPr lang="nl-BE" dirty="0"/>
+              <a:t> </a:t>
+            </a:r>
+            <a:r>
+              <a:rPr lang="nl-BE" dirty="0" err="1"/>
+              <a:t>animation</a:t>
+            </a:r>
+            <a:r>
+              <a:rPr lang="nl-BE" dirty="0"/>
+              <a:t> frame</a:t>
+            </a:r>
+          </a:p>
+        </p:txBody>
+      </p:sp>
+      <p:pic>
+        <p:nvPicPr>
+          <p:cNvPr id="1026" name="Picture 2" descr="Frame Rate: A Beginner's Guide | TechSmith">
+            <a:extLst>
+              <a:ext uri="{FF2B5EF4-FFF2-40B4-BE49-F238E27FC236}">
+                <a16:creationId xmlns:a16="http://schemas.microsoft.com/office/drawing/2014/main" id="{450070E1-85CB-425C-8483-1078E3BDF93A}"/>
+              </a:ext>
+            </a:extLst>
+          </p:cNvPr>
+          <p:cNvPicPr>
+            <a:picLocks noChangeAspect="1" noChangeArrowheads="1"/>
+          </p:cNvPicPr>
+          <p:nvPr/>
+        </p:nvPicPr>
+        <p:blipFill>
+          <a:blip r:embed="rId2">
+            <a:extLst>
+              <a:ext uri="{28A0092B-C50C-407E-A947-70E740481C1C}">
+                <a14:useLocalDpi xmlns:a14="http://schemas.microsoft.com/office/drawing/2010/main" val="0"/>
+              </a:ext>
+            </a:extLst>
+          </a:blip>
+          <a:srcRect/>
+          <a:stretch>
+            <a:fillRect/>
+          </a:stretch>
+        </p:blipFill>
+        <p:spPr bwMode="auto">
+          <a:xfrm>
+            <a:off x="521515" y="1824884"/>
+            <a:ext cx="11148969" cy="3208232"/>
+          </a:xfrm>
+          <a:prstGeom prst="rect">
+            <a:avLst/>
+          </a:prstGeom>
+          <a:noFill/>
+          <a:extLst>
+            <a:ext uri="{909E8E84-426E-40DD-AFC4-6F175D3DCCD1}">
+              <a14:hiddenFill xmlns:a14="http://schemas.microsoft.com/office/drawing/2010/main">
+                <a:solidFill>
+                  <a:srgbClr val="FFFFFF"/>
+                </a:solidFill>
+              </a14:hiddenFill>
+            </a:ext>
+          </a:extLst>
+        </p:spPr>
+      </p:pic>
     </p:spTree>
     <p:extLst>
       <p:ext uri="{BB962C8B-B14F-4D97-AF65-F5344CB8AC3E}">
-        <p14:creationId xmlns:p14="http://schemas.microsoft.com/office/powerpoint/2010/main" val="125624917"/>
+        <p14:creationId xmlns:p14="http://schemas.microsoft.com/office/powerpoint/2010/main" val="1456392233"/>
       </p:ext>
     </p:extLst>
   </p:cSld>
@@ -11983,6 +11802,12 @@
               <a:t>Transitions</a:t>
             </a:r>
             <a:endParaRPr lang="nl-BE" dirty="0"/>
+          </a:p>
+          <a:p>
+            <a:r>
+              <a:rPr lang="nl-BE" dirty="0"/>
+              <a:t>Sprite</a:t>
+            </a:r>
           </a:p>
           <a:p>
             <a:r>
@@ -12125,10 +11950,10 @@
       </p:grpSpPr>
       <p:sp>
         <p:nvSpPr>
-          <p:cNvPr id="2" name="Titel 1">
-            <a:extLst>
-              <a:ext uri="{FF2B5EF4-FFF2-40B4-BE49-F238E27FC236}">
-                <a16:creationId xmlns:a16="http://schemas.microsoft.com/office/drawing/2014/main" id="{465F132B-C9CE-4FCE-923D-CCAFB92AB8C8}"/>
+          <p:cNvPr id="2" name="Title 1">
+            <a:extLst>
+              <a:ext uri="{FF2B5EF4-FFF2-40B4-BE49-F238E27FC236}">
+                <a16:creationId xmlns:a16="http://schemas.microsoft.com/office/drawing/2014/main" id="{A3E6F2B2-081F-42D1-A341-BCBA1748155C}"/>
               </a:ext>
             </a:extLst>
           </p:cNvPr>
@@ -12146,17 +11971,17 @@
           <a:p>
             <a:r>
               <a:rPr lang="nl-BE" dirty="0"/>
-              <a:t>Wat kan je ermee doen?</a:t>
-            </a:r>
-          </a:p>
-        </p:txBody>
-      </p:sp>
-      <p:sp>
-        <p:nvSpPr>
-          <p:cNvPr id="8" name="Tijdelijke aanduiding voor inhoud 7">
-            <a:extLst>
-              <a:ext uri="{FF2B5EF4-FFF2-40B4-BE49-F238E27FC236}">
-                <a16:creationId xmlns:a16="http://schemas.microsoft.com/office/drawing/2014/main" id="{46660B48-BEE8-4738-9228-05126E64F4BB}"/>
+              <a:t>Voorbeeld</a:t>
+            </a:r>
+          </a:p>
+        </p:txBody>
+      </p:sp>
+      <p:sp>
+        <p:nvSpPr>
+          <p:cNvPr id="3" name="Content Placeholder 2">
+            <a:extLst>
+              <a:ext uri="{FF2B5EF4-FFF2-40B4-BE49-F238E27FC236}">
+                <a16:creationId xmlns:a16="http://schemas.microsoft.com/office/drawing/2014/main" id="{9B68AEDE-1A7A-4C72-8E0A-69B89F69B4F7}"/>
               </a:ext>
             </a:extLst>
           </p:cNvPr>
@@ -12167,54 +11992,127 @@
             <p:ph idx="1"/>
           </p:nvPr>
         </p:nvSpPr>
-        <p:spPr>
-          <a:xfrm>
-            <a:off x="534291" y="1908000"/>
-            <a:ext cx="10377309" cy="3132000"/>
-          </a:xfrm>
-        </p:spPr>
-        <p:txBody>
-          <a:bodyPr/>
-          <a:lstStyle/>
-          <a:p>
-            <a:r>
-              <a:rPr lang="nl-BE" dirty="0"/>
-              <a:t>Twee richtingen</a:t>
-            </a:r>
-          </a:p>
-          <a:p>
-            <a:endParaRPr lang="nl-BE" dirty="0"/>
-          </a:p>
-          <a:p>
-            <a:pPr lvl="1"/>
-            <a:r>
-              <a:rPr lang="nl-BE" dirty="0" err="1"/>
-              <a:t>SpeechRecognition</a:t>
-            </a:r>
-            <a:r>
-              <a:rPr lang="nl-BE" dirty="0"/>
-              <a:t>: Spraak naar tekst</a:t>
-            </a:r>
-          </a:p>
-          <a:p>
-            <a:pPr lvl="1"/>
-            <a:r>
-              <a:rPr lang="nl-BE" dirty="0" err="1"/>
-              <a:t>SpeechSynthesis</a:t>
-            </a:r>
-            <a:r>
-              <a:rPr lang="nl-BE" dirty="0"/>
-              <a:t>: Tekst naar spraak</a:t>
-            </a:r>
-          </a:p>
-        </p:txBody>
-      </p:sp>
-      <p:sp>
-        <p:nvSpPr>
-          <p:cNvPr id="4" name="Tijdelijke aanduiding voor voettekst 3">
-            <a:extLst>
-              <a:ext uri="{FF2B5EF4-FFF2-40B4-BE49-F238E27FC236}">
-                <a16:creationId xmlns:a16="http://schemas.microsoft.com/office/drawing/2014/main" id="{9A86A9FB-1B9E-4B7A-910C-235D3A566A80}"/>
+        <p:spPr/>
+        <p:txBody>
+          <a:bodyPr/>
+          <a:lstStyle/>
+          <a:p>
+            <a:r>
+              <a:rPr lang="nl-BE" b="0" dirty="0" err="1">
+                <a:latin typeface="Consolas" panose="020B0609020204030204" pitchFamily="49" charset="0"/>
+              </a:rPr>
+              <a:t>function</a:t>
+            </a:r>
+            <a:r>
+              <a:rPr lang="nl-BE" b="0" dirty="0">
+                <a:latin typeface="Consolas" panose="020B0609020204030204" pitchFamily="49" charset="0"/>
+              </a:rPr>
+              <a:t> </a:t>
+            </a:r>
+            <a:r>
+              <a:rPr lang="nl-BE" dirty="0" err="1">
+                <a:latin typeface="Consolas" panose="020B0609020204030204" pitchFamily="49" charset="0"/>
+              </a:rPr>
+              <a:t>repeatOften</a:t>
+            </a:r>
+            <a:r>
+              <a:rPr lang="nl-BE" b="0" dirty="0">
+                <a:latin typeface="Consolas" panose="020B0609020204030204" pitchFamily="49" charset="0"/>
+              </a:rPr>
+              <a:t>() {</a:t>
+            </a:r>
+          </a:p>
+          <a:p>
+            <a:r>
+              <a:rPr lang="nl-BE" b="0" dirty="0">
+                <a:latin typeface="Consolas" panose="020B0609020204030204" pitchFamily="49" charset="0"/>
+              </a:rPr>
+              <a:t>  // Do </a:t>
+            </a:r>
+            <a:r>
+              <a:rPr lang="nl-BE" b="0" dirty="0" err="1">
+                <a:latin typeface="Consolas" panose="020B0609020204030204" pitchFamily="49" charset="0"/>
+              </a:rPr>
+              <a:t>whatever</a:t>
+            </a:r>
+            <a:endParaRPr lang="nl-BE" b="0" dirty="0">
+              <a:latin typeface="Consolas" panose="020B0609020204030204" pitchFamily="49" charset="0"/>
+            </a:endParaRPr>
+          </a:p>
+          <a:p>
+            <a:r>
+              <a:rPr lang="nl-BE" b="0" dirty="0">
+                <a:latin typeface="Consolas" panose="020B0609020204030204" pitchFamily="49" charset="0"/>
+              </a:rPr>
+              <a:t>  </a:t>
+            </a:r>
+            <a:r>
+              <a:rPr lang="nl-BE" b="0" dirty="0" err="1">
+                <a:latin typeface="Consolas" panose="020B0609020204030204" pitchFamily="49" charset="0"/>
+              </a:rPr>
+              <a:t>requestAnimationFrame</a:t>
+            </a:r>
+            <a:r>
+              <a:rPr lang="nl-BE" b="0" dirty="0">
+                <a:latin typeface="Consolas" panose="020B0609020204030204" pitchFamily="49" charset="0"/>
+              </a:rPr>
+              <a:t>(</a:t>
+            </a:r>
+            <a:r>
+              <a:rPr lang="nl-BE" dirty="0" err="1">
+                <a:latin typeface="Consolas" panose="020B0609020204030204" pitchFamily="49" charset="0"/>
+              </a:rPr>
+              <a:t>repeatOften</a:t>
+            </a:r>
+            <a:r>
+              <a:rPr lang="nl-BE" b="0" dirty="0">
+                <a:latin typeface="Consolas" panose="020B0609020204030204" pitchFamily="49" charset="0"/>
+              </a:rPr>
+              <a:t>);</a:t>
+            </a:r>
+          </a:p>
+          <a:p>
+            <a:r>
+              <a:rPr lang="nl-BE" b="0" dirty="0">
+                <a:latin typeface="Consolas" panose="020B0609020204030204" pitchFamily="49" charset="0"/>
+              </a:rPr>
+              <a:t>}</a:t>
+            </a:r>
+          </a:p>
+          <a:p>
+            <a:r>
+              <a:rPr lang="nl-BE" b="0" dirty="0" err="1">
+                <a:latin typeface="Consolas" panose="020B0609020204030204" pitchFamily="49" charset="0"/>
+              </a:rPr>
+              <a:t>requestAnimationFrame</a:t>
+            </a:r>
+            <a:r>
+              <a:rPr lang="nl-BE" b="0" dirty="0">
+                <a:latin typeface="Consolas" panose="020B0609020204030204" pitchFamily="49" charset="0"/>
+              </a:rPr>
+              <a:t>(</a:t>
+            </a:r>
+            <a:r>
+              <a:rPr lang="nl-BE" dirty="0" err="1">
+                <a:latin typeface="Consolas" panose="020B0609020204030204" pitchFamily="49" charset="0"/>
+              </a:rPr>
+              <a:t>repeatOften</a:t>
+            </a:r>
+            <a:r>
+              <a:rPr lang="nl-BE" b="0" dirty="0">
+                <a:latin typeface="Consolas" panose="020B0609020204030204" pitchFamily="49" charset="0"/>
+              </a:rPr>
+              <a:t>);</a:t>
+            </a:r>
+          </a:p>
+        </p:txBody>
+      </p:sp>
+      <p:sp>
+        <p:nvSpPr>
+          <p:cNvPr id="4" name="Footer Placeholder 3">
+            <a:extLst>
+              <a:ext uri="{FF2B5EF4-FFF2-40B4-BE49-F238E27FC236}">
+                <a16:creationId xmlns:a16="http://schemas.microsoft.com/office/drawing/2014/main" id="{A019479A-C7B4-40DC-ABA6-3FDFAF64AF9E}"/>
               </a:ext>
             </a:extLst>
           </p:cNvPr>
@@ -12239,10 +12137,10 @@
       </p:sp>
       <p:sp>
         <p:nvSpPr>
-          <p:cNvPr id="5" name="Tijdelijke aanduiding voor dianummer 4">
-            <a:extLst>
-              <a:ext uri="{FF2B5EF4-FFF2-40B4-BE49-F238E27FC236}">
-                <a16:creationId xmlns:a16="http://schemas.microsoft.com/office/drawing/2014/main" id="{A64CFB49-2F18-4019-89DD-E4922E4505C1}"/>
+          <p:cNvPr id="5" name="Slide Number Placeholder 4">
+            <a:extLst>
+              <a:ext uri="{FF2B5EF4-FFF2-40B4-BE49-F238E27FC236}">
+                <a16:creationId xmlns:a16="http://schemas.microsoft.com/office/drawing/2014/main" id="{E5E49462-1BEB-49B1-937F-5C9FF1759EEA}"/>
               </a:ext>
             </a:extLst>
           </p:cNvPr>
@@ -12268,10 +12166,10 @@
       </p:sp>
       <p:sp>
         <p:nvSpPr>
-          <p:cNvPr id="3" name="Tijdelijke aanduiding voor tekst 2">
-            <a:extLst>
-              <a:ext uri="{FF2B5EF4-FFF2-40B4-BE49-F238E27FC236}">
-                <a16:creationId xmlns:a16="http://schemas.microsoft.com/office/drawing/2014/main" id="{8007CC32-F96E-4CD9-95CF-403FC6BFF49B}"/>
+          <p:cNvPr id="6" name="Text Placeholder 5">
+            <a:extLst>
+              <a:ext uri="{FF2B5EF4-FFF2-40B4-BE49-F238E27FC236}">
+                <a16:creationId xmlns:a16="http://schemas.microsoft.com/office/drawing/2014/main" id="{4D2DE9C0-B7F6-445B-AE30-A1035FD034D7}"/>
               </a:ext>
             </a:extLst>
           </p:cNvPr>
@@ -12288,8 +12186,20 @@
           <a:lstStyle/>
           <a:p>
             <a:r>
-              <a:rPr lang="nl-BE" dirty="0"/>
-              <a:t>Web speech API</a:t>
+              <a:rPr lang="nl-BE" dirty="0" err="1"/>
+              <a:t>Request</a:t>
+            </a:r>
+            <a:r>
+              <a:rPr lang="nl-BE" dirty="0"/>
+              <a:t> </a:t>
+            </a:r>
+            <a:r>
+              <a:rPr lang="nl-BE" dirty="0" err="1"/>
+              <a:t>animation</a:t>
+            </a:r>
+            <a:r>
+              <a:rPr lang="nl-BE" dirty="0"/>
+              <a:t> frame</a:t>
             </a:r>
           </a:p>
         </p:txBody>
@@ -12297,7 +12207,7 @@
     </p:spTree>
     <p:extLst>
       <p:ext uri="{BB962C8B-B14F-4D97-AF65-F5344CB8AC3E}">
-        <p14:creationId xmlns:p14="http://schemas.microsoft.com/office/powerpoint/2010/main" val="831974721"/>
+        <p14:creationId xmlns:p14="http://schemas.microsoft.com/office/powerpoint/2010/main" val="3876490024"/>
       </p:ext>
     </p:extLst>
   </p:cSld>
@@ -12347,7 +12257,7 @@
           <a:p>
             <a:r>
               <a:rPr lang="nl-BE" dirty="0"/>
-              <a:t>Hoe gebruiken?</a:t>
+              <a:t>Waarom?</a:t>
             </a:r>
           </a:p>
         </p:txBody>
@@ -12370,215 +12280,32 @@
         </p:nvSpPr>
         <p:spPr>
           <a:xfrm>
-            <a:off x="534291" y="1314721"/>
-            <a:ext cx="10377309" cy="4867965"/>
+            <a:off x="922789" y="2223082"/>
+            <a:ext cx="9988811" cy="2816917"/>
           </a:xfrm>
         </p:spPr>
         <p:txBody>
           <a:bodyPr/>
           <a:lstStyle/>
           <a:p>
-            <a:r>
-              <a:rPr lang="nl-BE" sz="2400" b="0" dirty="0"/>
-              <a:t> </a:t>
-            </a:r>
-            <a:r>
-              <a:rPr lang="nl-BE" sz="2400" b="0" dirty="0" err="1"/>
-              <a:t>button.addEventListener</a:t>
-            </a:r>
-            <a:r>
-              <a:rPr lang="nl-BE" sz="2400" b="0" dirty="0"/>
-              <a:t>('click', </a:t>
-            </a:r>
-            <a:r>
-              <a:rPr lang="nl-BE" sz="2400" b="0" dirty="0" err="1"/>
-              <a:t>function</a:t>
-            </a:r>
-            <a:r>
-              <a:rPr lang="nl-BE" sz="2400" b="0" dirty="0"/>
-              <a:t>() {</a:t>
-            </a:r>
-          </a:p>
-          <a:p>
-            <a:r>
-              <a:rPr lang="nl-BE" sz="2400" b="0" dirty="0"/>
-              <a:t>            let </a:t>
-            </a:r>
-            <a:r>
-              <a:rPr lang="nl-BE" sz="2400" dirty="0" err="1"/>
-              <a:t>recognition</a:t>
-            </a:r>
-            <a:r>
-              <a:rPr lang="nl-BE" sz="2400" b="0" dirty="0"/>
-              <a:t> = new (</a:t>
-            </a:r>
-            <a:r>
-              <a:rPr lang="nl-BE" sz="2400" b="0" dirty="0" err="1"/>
-              <a:t>webkitSpeechRecognition</a:t>
-            </a:r>
-            <a:r>
-              <a:rPr lang="nl-BE" sz="2400" b="0" dirty="0"/>
-              <a:t> || </a:t>
-            </a:r>
-            <a:r>
-              <a:rPr lang="nl-BE" sz="2400" b="0" dirty="0" err="1"/>
-              <a:t>SpeechRecognition</a:t>
-            </a:r>
-            <a:r>
-              <a:rPr lang="nl-BE" sz="2400" b="0" dirty="0"/>
-              <a:t>)();</a:t>
-            </a:r>
-          </a:p>
-          <a:p>
-            <a:r>
-              <a:rPr lang="nl-BE" sz="2400" b="0" dirty="0"/>
-              <a:t>            </a:t>
-            </a:r>
-            <a:r>
-              <a:rPr lang="nl-BE" sz="2400" b="0" dirty="0" err="1"/>
-              <a:t>recognition.</a:t>
-            </a:r>
-            <a:r>
-              <a:rPr lang="nl-BE" sz="2400" dirty="0" err="1"/>
-              <a:t>lang</a:t>
-            </a:r>
-            <a:r>
-              <a:rPr lang="nl-BE" sz="2400" b="0" dirty="0"/>
-              <a:t> = 'en-US';</a:t>
-            </a:r>
-          </a:p>
-          <a:p>
-            <a:r>
-              <a:rPr lang="nl-BE" sz="2400" b="0" dirty="0"/>
-              <a:t>            </a:t>
-            </a:r>
-            <a:r>
-              <a:rPr lang="nl-BE" sz="2400" b="0" dirty="0" err="1"/>
-              <a:t>recognition.</a:t>
-            </a:r>
-            <a:r>
-              <a:rPr lang="nl-BE" sz="2400" dirty="0" err="1"/>
-              <a:t>interimResults</a:t>
-            </a:r>
-            <a:r>
-              <a:rPr lang="nl-BE" sz="2400" b="0" dirty="0"/>
-              <a:t> = </a:t>
-            </a:r>
-            <a:r>
-              <a:rPr lang="nl-BE" sz="2400" b="0" dirty="0" err="1"/>
-              <a:t>false</a:t>
-            </a:r>
-            <a:r>
-              <a:rPr lang="nl-BE" sz="2400" b="0" dirty="0"/>
-              <a:t>;</a:t>
-            </a:r>
-          </a:p>
-          <a:p>
-            <a:r>
-              <a:rPr lang="nl-BE" sz="2400" b="0" dirty="0"/>
-              <a:t>            </a:t>
-            </a:r>
-            <a:r>
-              <a:rPr lang="nl-BE" sz="2400" b="0" dirty="0" err="1"/>
-              <a:t>recognition.</a:t>
-            </a:r>
-            <a:r>
-              <a:rPr lang="nl-BE" sz="2400" dirty="0" err="1"/>
-              <a:t>maxAlternatives</a:t>
-            </a:r>
-            <a:r>
-              <a:rPr lang="nl-BE" sz="2400" b="0" dirty="0"/>
-              <a:t> = 1;</a:t>
-            </a:r>
-          </a:p>
-          <a:p>
-            <a:r>
-              <a:rPr lang="nl-BE" sz="2400" b="0" dirty="0"/>
-              <a:t>            </a:t>
-            </a:r>
-            <a:r>
-              <a:rPr lang="nl-BE" sz="2400" b="0" dirty="0" err="1"/>
-              <a:t>recognition.</a:t>
-            </a:r>
-            <a:r>
-              <a:rPr lang="nl-BE" sz="2400" dirty="0" err="1"/>
-              <a:t>start</a:t>
-            </a:r>
-            <a:r>
-              <a:rPr lang="nl-BE" sz="2400" b="0" dirty="0"/>
-              <a:t>();</a:t>
-            </a:r>
-          </a:p>
-          <a:p>
-            <a:r>
-              <a:rPr lang="nl-BE" sz="2400" b="0" dirty="0"/>
-              <a:t>            </a:t>
-            </a:r>
-            <a:r>
-              <a:rPr lang="nl-BE" sz="2400" b="0" dirty="0" err="1"/>
-              <a:t>recognition.</a:t>
-            </a:r>
-            <a:r>
-              <a:rPr lang="nl-BE" sz="2400" dirty="0" err="1"/>
-              <a:t>onresult</a:t>
-            </a:r>
-            <a:r>
-              <a:rPr lang="nl-BE" sz="2400" b="0" dirty="0"/>
-              <a:t> = </a:t>
-            </a:r>
-            <a:r>
-              <a:rPr lang="nl-BE" sz="2400" b="0" dirty="0" err="1"/>
-              <a:t>function</a:t>
-            </a:r>
-            <a:r>
-              <a:rPr lang="nl-BE" sz="2400" b="0" dirty="0"/>
-              <a:t>(event) {</a:t>
-            </a:r>
-          </a:p>
-          <a:p>
-            <a:r>
-              <a:rPr lang="nl-BE" sz="2400" b="0" dirty="0"/>
-              <a:t>                      </a:t>
-            </a:r>
-            <a:r>
-              <a:rPr lang="nl-BE" sz="2400" b="0" dirty="0" err="1"/>
-              <a:t>HTMLElement.innerHTML</a:t>
-            </a:r>
-            <a:r>
-              <a:rPr lang="nl-BE" sz="2400" b="0" dirty="0"/>
-              <a:t> = </a:t>
-            </a:r>
-            <a:r>
-              <a:rPr lang="nl-BE" sz="2400" b="0" dirty="0" err="1"/>
-              <a:t>event.</a:t>
-            </a:r>
-            <a:r>
-              <a:rPr lang="nl-BE" sz="2400" dirty="0" err="1"/>
-              <a:t>results</a:t>
-            </a:r>
-            <a:r>
-              <a:rPr lang="nl-BE" sz="2400" b="0" dirty="0"/>
-              <a:t>[0][0].</a:t>
-            </a:r>
-            <a:r>
-              <a:rPr lang="nl-BE" sz="2400" dirty="0"/>
-              <a:t>transcript</a:t>
-            </a:r>
-            <a:r>
-              <a:rPr lang="nl-BE" sz="2400" b="0" dirty="0"/>
-              <a:t>;</a:t>
-            </a:r>
-          </a:p>
-          <a:p>
-            <a:r>
-              <a:rPr lang="nl-BE" sz="2400" b="0" dirty="0"/>
-              <a:t>            };</a:t>
-            </a:r>
-          </a:p>
-          <a:p>
-            <a:r>
-              <a:rPr lang="nl-BE" sz="2400" b="0" dirty="0"/>
-              <a:t>});</a:t>
+            <a:pPr lvl="1"/>
+            <a:r>
+              <a:rPr lang="nl-BE" dirty="0"/>
+              <a:t>De browser kan je animatie optimaliseren</a:t>
+            </a:r>
+          </a:p>
+          <a:p>
+            <a:pPr lvl="1"/>
+            <a:r>
+              <a:rPr lang="nl-BE" dirty="0"/>
+              <a:t>Animaties in inactieve tabs stoppen, dit zorgt ervoor dat de CPU minder berekeningen hoeft te doen</a:t>
+            </a:r>
+          </a:p>
+          <a:p>
+            <a:pPr lvl="1"/>
+            <a:r>
+              <a:rPr lang="nl-BE" dirty="0"/>
+              <a:t>Batterij-vriendelijker</a:t>
             </a:r>
           </a:p>
         </p:txBody>
@@ -12662,8 +12389,20 @@
           <a:lstStyle/>
           <a:p>
             <a:r>
-              <a:rPr lang="nl-BE" dirty="0"/>
-              <a:t>Web speech API</a:t>
+              <a:rPr lang="nl-BE" dirty="0" err="1"/>
+              <a:t>Request</a:t>
+            </a:r>
+            <a:r>
+              <a:rPr lang="nl-BE" dirty="0"/>
+              <a:t> </a:t>
+            </a:r>
+            <a:r>
+              <a:rPr lang="nl-BE" dirty="0" err="1"/>
+              <a:t>animation</a:t>
+            </a:r>
+            <a:r>
+              <a:rPr lang="nl-BE" dirty="0"/>
+              <a:t> frame</a:t>
             </a:r>
           </a:p>
         </p:txBody>
@@ -12671,7 +12410,7 @@
     </p:spTree>
     <p:extLst>
       <p:ext uri="{BB962C8B-B14F-4D97-AF65-F5344CB8AC3E}">
-        <p14:creationId xmlns:p14="http://schemas.microsoft.com/office/powerpoint/2010/main" val="1660766576"/>
+        <p14:creationId xmlns:p14="http://schemas.microsoft.com/office/powerpoint/2010/main" val="4270358474"/>
       </p:ext>
     </p:extLst>
   </p:cSld>
@@ -12700,10 +12439,10 @@
       </p:grpSpPr>
       <p:sp>
         <p:nvSpPr>
-          <p:cNvPr id="2" name="Titel 1">
-            <a:extLst>
-              <a:ext uri="{FF2B5EF4-FFF2-40B4-BE49-F238E27FC236}">
-                <a16:creationId xmlns:a16="http://schemas.microsoft.com/office/drawing/2014/main" id="{C5EEAFBD-B5B8-4F85-98E4-19C38B628AD3}"/>
+          <p:cNvPr id="2" name="Title 1">
+            <a:extLst>
+              <a:ext uri="{FF2B5EF4-FFF2-40B4-BE49-F238E27FC236}">
+                <a16:creationId xmlns:a16="http://schemas.microsoft.com/office/drawing/2014/main" id="{A3E6F2B2-081F-42D1-A341-BCBA1748155C}"/>
               </a:ext>
             </a:extLst>
           </p:cNvPr>
@@ -12721,61 +12460,309 @@
           <a:p>
             <a:r>
               <a:rPr lang="nl-BE" dirty="0"/>
-              <a:t>Extra’s</a:t>
-            </a:r>
-          </a:p>
-        </p:txBody>
-      </p:sp>
-      <p:sp>
-        <p:nvSpPr>
-          <p:cNvPr id="3" name="Tijdelijke aanduiding voor tekst 2">
-            <a:extLst>
-              <a:ext uri="{FF2B5EF4-FFF2-40B4-BE49-F238E27FC236}">
-                <a16:creationId xmlns:a16="http://schemas.microsoft.com/office/drawing/2014/main" id="{25E6300B-AC24-4FB2-A05D-06BE75683545}"/>
-              </a:ext>
-            </a:extLst>
-          </p:cNvPr>
-          <p:cNvSpPr>
-            <a:spLocks noGrp="1"/>
-          </p:cNvSpPr>
-          <p:nvPr>
-            <p:ph type="body" idx="1"/>
-          </p:nvPr>
-        </p:nvSpPr>
-        <p:spPr/>
-        <p:txBody>
-          <a:bodyPr/>
-          <a:lstStyle/>
-          <a:p>
-            <a:r>
-              <a:rPr lang="nl-BE" dirty="0"/>
-              <a:t>But </a:t>
-            </a:r>
-            <a:r>
-              <a:rPr lang="nl-BE" dirty="0" err="1"/>
-              <a:t>wait</a:t>
-            </a:r>
-            <a:r>
-              <a:rPr lang="nl-BE" dirty="0"/>
-              <a:t>… </a:t>
-            </a:r>
-            <a:r>
-              <a:rPr lang="nl-BE" dirty="0" err="1"/>
-              <a:t>There’s</a:t>
-            </a:r>
-            <a:r>
-              <a:rPr lang="nl-BE" dirty="0"/>
-              <a:t> more!</a:t>
-            </a:r>
-          </a:p>
-        </p:txBody>
-      </p:sp>
-      <p:sp>
-        <p:nvSpPr>
-          <p:cNvPr id="4" name="Tijdelijke aanduiding voor voettekst 3">
-            <a:extLst>
-              <a:ext uri="{FF2B5EF4-FFF2-40B4-BE49-F238E27FC236}">
-                <a16:creationId xmlns:a16="http://schemas.microsoft.com/office/drawing/2014/main" id="{7926BCFD-3A9A-492A-A57B-0A991170A3B7}"/>
+              <a:t>Voorbeeld</a:t>
+            </a:r>
+          </a:p>
+        </p:txBody>
+      </p:sp>
+      <p:sp>
+        <p:nvSpPr>
+          <p:cNvPr id="3" name="Content Placeholder 2">
+            <a:extLst>
+              <a:ext uri="{FF2B5EF4-FFF2-40B4-BE49-F238E27FC236}">
+                <a16:creationId xmlns:a16="http://schemas.microsoft.com/office/drawing/2014/main" id="{9B68AEDE-1A7A-4C72-8E0A-69B89F69B4F7}"/>
+              </a:ext>
+            </a:extLst>
+          </p:cNvPr>
+          <p:cNvSpPr>
+            <a:spLocks noGrp="1"/>
+          </p:cNvSpPr>
+          <p:nvPr>
+            <p:ph idx="1"/>
+          </p:nvPr>
+        </p:nvSpPr>
+        <p:spPr>
+          <a:xfrm>
+            <a:off x="2541864" y="880844"/>
+            <a:ext cx="8369735" cy="5184396"/>
+          </a:xfrm>
+        </p:spPr>
+        <p:txBody>
+          <a:bodyPr/>
+          <a:lstStyle/>
+          <a:p>
+            <a:r>
+              <a:rPr lang="nl-BE" sz="1600" b="0" dirty="0">
+                <a:latin typeface="Consolas" panose="020B0609020204030204" pitchFamily="49" charset="0"/>
+              </a:rPr>
+              <a:t>var </a:t>
+            </a:r>
+            <a:r>
+              <a:rPr lang="nl-BE" sz="1600" dirty="0" err="1">
+                <a:latin typeface="Consolas" panose="020B0609020204030204" pitchFamily="49" charset="0"/>
+              </a:rPr>
+              <a:t>globalID</a:t>
+            </a:r>
+            <a:r>
+              <a:rPr lang="nl-BE" sz="1600" b="0" dirty="0">
+                <a:latin typeface="Consolas" panose="020B0609020204030204" pitchFamily="49" charset="0"/>
+              </a:rPr>
+              <a:t>;</a:t>
+            </a:r>
+          </a:p>
+          <a:p>
+            <a:endParaRPr lang="nl-BE" sz="1600" b="0" dirty="0">
+              <a:latin typeface="Consolas" panose="020B0609020204030204" pitchFamily="49" charset="0"/>
+            </a:endParaRPr>
+          </a:p>
+          <a:p>
+            <a:r>
+              <a:rPr lang="nl-BE" sz="1600" b="0" dirty="0" err="1">
+                <a:latin typeface="Consolas" panose="020B0609020204030204" pitchFamily="49" charset="0"/>
+              </a:rPr>
+              <a:t>function</a:t>
+            </a:r>
+            <a:r>
+              <a:rPr lang="nl-BE" sz="1600" b="0" dirty="0">
+                <a:latin typeface="Consolas" panose="020B0609020204030204" pitchFamily="49" charset="0"/>
+              </a:rPr>
+              <a:t> </a:t>
+            </a:r>
+            <a:r>
+              <a:rPr lang="nl-BE" sz="1600" dirty="0" err="1">
+                <a:latin typeface="Consolas" panose="020B0609020204030204" pitchFamily="49" charset="0"/>
+              </a:rPr>
+              <a:t>repeatOften</a:t>
+            </a:r>
+            <a:r>
+              <a:rPr lang="nl-BE" sz="1600" b="0" dirty="0">
+                <a:latin typeface="Consolas" panose="020B0609020204030204" pitchFamily="49" charset="0"/>
+              </a:rPr>
+              <a:t>() {</a:t>
+            </a:r>
+          </a:p>
+          <a:p>
+            <a:r>
+              <a:rPr lang="nl-BE" sz="1600" b="0" dirty="0">
+                <a:latin typeface="Consolas" panose="020B0609020204030204" pitchFamily="49" charset="0"/>
+              </a:rPr>
+              <a:t>  $("&lt;div /&gt;").</a:t>
+            </a:r>
+            <a:r>
+              <a:rPr lang="nl-BE" sz="1600" b="0" dirty="0" err="1">
+                <a:latin typeface="Consolas" panose="020B0609020204030204" pitchFamily="49" charset="0"/>
+              </a:rPr>
+              <a:t>appendTo</a:t>
+            </a:r>
+            <a:r>
+              <a:rPr lang="nl-BE" sz="1600" b="0" dirty="0">
+                <a:latin typeface="Consolas" panose="020B0609020204030204" pitchFamily="49" charset="0"/>
+              </a:rPr>
+              <a:t>("body");</a:t>
+            </a:r>
+          </a:p>
+          <a:p>
+            <a:r>
+              <a:rPr lang="nl-BE" sz="1600" b="0" dirty="0">
+                <a:latin typeface="Consolas" panose="020B0609020204030204" pitchFamily="49" charset="0"/>
+              </a:rPr>
+              <a:t>  </a:t>
+            </a:r>
+            <a:r>
+              <a:rPr lang="nl-BE" sz="1600" dirty="0" err="1">
+                <a:latin typeface="Consolas" panose="020B0609020204030204" pitchFamily="49" charset="0"/>
+              </a:rPr>
+              <a:t>globalID</a:t>
+            </a:r>
+            <a:r>
+              <a:rPr lang="nl-BE" sz="1600" b="0" dirty="0">
+                <a:latin typeface="Consolas" panose="020B0609020204030204" pitchFamily="49" charset="0"/>
+              </a:rPr>
+              <a:t> = </a:t>
+            </a:r>
+            <a:r>
+              <a:rPr lang="nl-BE" sz="1600" b="0" dirty="0" err="1">
+                <a:latin typeface="Consolas" panose="020B0609020204030204" pitchFamily="49" charset="0"/>
+              </a:rPr>
+              <a:t>requestAnimationFrame</a:t>
+            </a:r>
+            <a:r>
+              <a:rPr lang="nl-BE" sz="1600" b="0" dirty="0">
+                <a:latin typeface="Consolas" panose="020B0609020204030204" pitchFamily="49" charset="0"/>
+              </a:rPr>
+              <a:t>(</a:t>
+            </a:r>
+            <a:r>
+              <a:rPr lang="nl-BE" sz="1600" dirty="0" err="1">
+                <a:latin typeface="Consolas" panose="020B0609020204030204" pitchFamily="49" charset="0"/>
+              </a:rPr>
+              <a:t>repeatOften</a:t>
+            </a:r>
+            <a:r>
+              <a:rPr lang="nl-BE" sz="1600" b="0" dirty="0">
+                <a:latin typeface="Consolas" panose="020B0609020204030204" pitchFamily="49" charset="0"/>
+              </a:rPr>
+              <a:t>);</a:t>
+            </a:r>
+          </a:p>
+          <a:p>
+            <a:r>
+              <a:rPr lang="nl-BE" sz="1600" b="0" dirty="0">
+                <a:latin typeface="Consolas" panose="020B0609020204030204" pitchFamily="49" charset="0"/>
+              </a:rPr>
+              <a:t>}</a:t>
+            </a:r>
+          </a:p>
+          <a:p>
+            <a:endParaRPr lang="nl-BE" sz="1600" b="0" dirty="0">
+              <a:latin typeface="Consolas" panose="020B0609020204030204" pitchFamily="49" charset="0"/>
+            </a:endParaRPr>
+          </a:p>
+          <a:p>
+            <a:r>
+              <a:rPr lang="nl-BE" sz="1600" b="0" dirty="0">
+                <a:latin typeface="Consolas" panose="020B0609020204030204" pitchFamily="49" charset="0"/>
+              </a:rPr>
+              <a:t>$("#start").on("click", </a:t>
+            </a:r>
+            <a:r>
+              <a:rPr lang="nl-BE" sz="1600" b="0" dirty="0" err="1">
+                <a:latin typeface="Consolas" panose="020B0609020204030204" pitchFamily="49" charset="0"/>
+              </a:rPr>
+              <a:t>function</a:t>
+            </a:r>
+            <a:r>
+              <a:rPr lang="nl-BE" sz="1600" b="0" dirty="0">
+                <a:latin typeface="Consolas" panose="020B0609020204030204" pitchFamily="49" charset="0"/>
+              </a:rPr>
+              <a:t>() {</a:t>
+            </a:r>
+          </a:p>
+          <a:p>
+            <a:r>
+              <a:rPr lang="nl-BE" sz="1600" b="0" dirty="0">
+                <a:latin typeface="Consolas" panose="020B0609020204030204" pitchFamily="49" charset="0"/>
+              </a:rPr>
+              <a:t>  </a:t>
+            </a:r>
+            <a:r>
+              <a:rPr lang="nl-BE" sz="1600" dirty="0" err="1">
+                <a:latin typeface="Consolas" panose="020B0609020204030204" pitchFamily="49" charset="0"/>
+              </a:rPr>
+              <a:t>globalID</a:t>
+            </a:r>
+            <a:r>
+              <a:rPr lang="nl-BE" sz="1600" b="0" dirty="0">
+                <a:latin typeface="Consolas" panose="020B0609020204030204" pitchFamily="49" charset="0"/>
+              </a:rPr>
+              <a:t> = </a:t>
+            </a:r>
+            <a:r>
+              <a:rPr lang="nl-BE" sz="1600" b="0" dirty="0" err="1">
+                <a:latin typeface="Consolas" panose="020B0609020204030204" pitchFamily="49" charset="0"/>
+              </a:rPr>
+              <a:t>requestAnimationFrame</a:t>
+            </a:r>
+            <a:r>
+              <a:rPr lang="nl-BE" sz="1600" b="0" dirty="0">
+                <a:latin typeface="Consolas" panose="020B0609020204030204" pitchFamily="49" charset="0"/>
+              </a:rPr>
+              <a:t>(</a:t>
+            </a:r>
+            <a:r>
+              <a:rPr lang="nl-BE" sz="1600" dirty="0" err="1">
+                <a:latin typeface="Consolas" panose="020B0609020204030204" pitchFamily="49" charset="0"/>
+              </a:rPr>
+              <a:t>repeatOften</a:t>
+            </a:r>
+            <a:r>
+              <a:rPr lang="nl-BE" sz="1600" b="0" dirty="0">
+                <a:latin typeface="Consolas" panose="020B0609020204030204" pitchFamily="49" charset="0"/>
+              </a:rPr>
+              <a:t>);</a:t>
+            </a:r>
+          </a:p>
+          <a:p>
+            <a:r>
+              <a:rPr lang="nl-BE" sz="1600" b="0" dirty="0">
+                <a:latin typeface="Consolas" panose="020B0609020204030204" pitchFamily="49" charset="0"/>
+              </a:rPr>
+              <a:t>});</a:t>
+            </a:r>
+          </a:p>
+          <a:p>
+            <a:endParaRPr lang="nl-BE" sz="1600" b="0" dirty="0">
+              <a:latin typeface="Consolas" panose="020B0609020204030204" pitchFamily="49" charset="0"/>
+            </a:endParaRPr>
+          </a:p>
+          <a:p>
+            <a:r>
+              <a:rPr lang="nl-BE" sz="1600" b="0" dirty="0">
+                <a:latin typeface="Consolas" panose="020B0609020204030204" pitchFamily="49" charset="0"/>
+              </a:rPr>
+              <a:t>$("#stop").on("click", </a:t>
+            </a:r>
+            <a:r>
+              <a:rPr lang="nl-BE" sz="1600" b="0" dirty="0" err="1">
+                <a:latin typeface="Consolas" panose="020B0609020204030204" pitchFamily="49" charset="0"/>
+              </a:rPr>
+              <a:t>function</a:t>
+            </a:r>
+            <a:r>
+              <a:rPr lang="nl-BE" sz="1600" b="0" dirty="0">
+                <a:latin typeface="Consolas" panose="020B0609020204030204" pitchFamily="49" charset="0"/>
+              </a:rPr>
+              <a:t>() {</a:t>
+            </a:r>
+          </a:p>
+          <a:p>
+            <a:r>
+              <a:rPr lang="nl-BE" sz="1600" b="0" dirty="0">
+                <a:latin typeface="Consolas" panose="020B0609020204030204" pitchFamily="49" charset="0"/>
+              </a:rPr>
+              <a:t>  </a:t>
+            </a:r>
+            <a:r>
+              <a:rPr lang="nl-BE" sz="1600" b="0" dirty="0" err="1">
+                <a:latin typeface="Consolas" panose="020B0609020204030204" pitchFamily="49" charset="0"/>
+              </a:rPr>
+              <a:t>cancelAnimationFrame</a:t>
+            </a:r>
+            <a:r>
+              <a:rPr lang="nl-BE" sz="1600" b="0" dirty="0">
+                <a:latin typeface="Consolas" panose="020B0609020204030204" pitchFamily="49" charset="0"/>
+              </a:rPr>
+              <a:t>(</a:t>
+            </a:r>
+            <a:r>
+              <a:rPr lang="nl-BE" sz="1600" dirty="0" err="1">
+                <a:latin typeface="Consolas" panose="020B0609020204030204" pitchFamily="49" charset="0"/>
+              </a:rPr>
+              <a:t>globalID</a:t>
+            </a:r>
+            <a:r>
+              <a:rPr lang="nl-BE" sz="1600" b="0" dirty="0">
+                <a:latin typeface="Consolas" panose="020B0609020204030204" pitchFamily="49" charset="0"/>
+              </a:rPr>
+              <a:t>);</a:t>
+            </a:r>
+          </a:p>
+          <a:p>
+            <a:r>
+              <a:rPr lang="nl-BE" sz="1600" b="0" dirty="0">
+                <a:latin typeface="Consolas" panose="020B0609020204030204" pitchFamily="49" charset="0"/>
+              </a:rPr>
+              <a:t>});</a:t>
+            </a:r>
+          </a:p>
+        </p:txBody>
+      </p:sp>
+      <p:sp>
+        <p:nvSpPr>
+          <p:cNvPr id="4" name="Footer Placeholder 3">
+            <a:extLst>
+              <a:ext uri="{FF2B5EF4-FFF2-40B4-BE49-F238E27FC236}">
+                <a16:creationId xmlns:a16="http://schemas.microsoft.com/office/drawing/2014/main" id="{A019479A-C7B4-40DC-ABA6-3FDFAF64AF9E}"/>
               </a:ext>
             </a:extLst>
           </p:cNvPr>
@@ -12800,10 +12787,10 @@
       </p:sp>
       <p:sp>
         <p:nvSpPr>
-          <p:cNvPr id="5" name="Tijdelijke aanduiding voor dianummer 4">
-            <a:extLst>
-              <a:ext uri="{FF2B5EF4-FFF2-40B4-BE49-F238E27FC236}">
-                <a16:creationId xmlns:a16="http://schemas.microsoft.com/office/drawing/2014/main" id="{60BD1991-93F2-4440-9BAB-7167DEBBD3C1}"/>
+          <p:cNvPr id="5" name="Slide Number Placeholder 4">
+            <a:extLst>
+              <a:ext uri="{FF2B5EF4-FFF2-40B4-BE49-F238E27FC236}">
+                <a16:creationId xmlns:a16="http://schemas.microsoft.com/office/drawing/2014/main" id="{E5E49462-1BEB-49B1-937F-5C9FF1759EEA}"/>
               </a:ext>
             </a:extLst>
           </p:cNvPr>
@@ -12821,7 +12808,6 @@
           <a:p>
             <a:fld id="{FF88DA20-ED00-471C-9170-60F590CB400A}" type="slidenum">
               <a:rPr lang="nl-BE" smtClean="0"/>
-              <a:pPr/>
               <a:t>32</a:t>
             </a:fld>
             <a:endParaRPr lang="nl-BE"/>
@@ -12830,10 +12816,10 @@
       </p:sp>
       <p:sp>
         <p:nvSpPr>
-          <p:cNvPr id="6" name="Tijdelijke aanduiding voor tekst 5">
-            <a:extLst>
-              <a:ext uri="{FF2B5EF4-FFF2-40B4-BE49-F238E27FC236}">
-                <a16:creationId xmlns:a16="http://schemas.microsoft.com/office/drawing/2014/main" id="{2BC75DC7-FD2B-4961-80F5-1A77FF877DD9}"/>
+          <p:cNvPr id="6" name="Text Placeholder 5">
+            <a:extLst>
+              <a:ext uri="{FF2B5EF4-FFF2-40B4-BE49-F238E27FC236}">
+                <a16:creationId xmlns:a16="http://schemas.microsoft.com/office/drawing/2014/main" id="{4D2DE9C0-B7F6-445B-AE30-A1035FD034D7}"/>
               </a:ext>
             </a:extLst>
           </p:cNvPr>
@@ -12849,14 +12835,29 @@
           <a:bodyPr/>
           <a:lstStyle/>
           <a:p>
-            <a:endParaRPr lang="nl-BE"/>
+            <a:r>
+              <a:rPr lang="nl-BE" dirty="0" err="1"/>
+              <a:t>Request</a:t>
+            </a:r>
+            <a:r>
+              <a:rPr lang="nl-BE" dirty="0"/>
+              <a:t> </a:t>
+            </a:r>
+            <a:r>
+              <a:rPr lang="nl-BE" dirty="0" err="1"/>
+              <a:t>animation</a:t>
+            </a:r>
+            <a:r>
+              <a:rPr lang="nl-BE" dirty="0"/>
+              <a:t> frame</a:t>
+            </a:r>
           </a:p>
         </p:txBody>
       </p:sp>
     </p:spTree>
     <p:extLst>
       <p:ext uri="{BB962C8B-B14F-4D97-AF65-F5344CB8AC3E}">
-        <p14:creationId xmlns:p14="http://schemas.microsoft.com/office/powerpoint/2010/main" val="979472685"/>
+        <p14:creationId xmlns:p14="http://schemas.microsoft.com/office/powerpoint/2010/main" val="89553126"/>
       </p:ext>
     </p:extLst>
   </p:cSld>
@@ -12888,7 +12889,7 @@
           <p:cNvPr id="2" name="Titel 1">
             <a:extLst>
               <a:ext uri="{FF2B5EF4-FFF2-40B4-BE49-F238E27FC236}">
-                <a16:creationId xmlns:a16="http://schemas.microsoft.com/office/drawing/2014/main" id="{465F132B-C9CE-4FCE-923D-CCAFB92AB8C8}"/>
+                <a16:creationId xmlns:a16="http://schemas.microsoft.com/office/drawing/2014/main" id="{C5EEAFBD-B5B8-4F85-98E4-19C38B628AD3}"/>
               </a:ext>
             </a:extLst>
           </p:cNvPr>
@@ -12906,282 +12907,53 @@
           <a:p>
             <a:r>
               <a:rPr lang="nl-BE" dirty="0"/>
-              <a:t>Webcam</a:t>
-            </a:r>
-          </a:p>
-        </p:txBody>
-      </p:sp>
-      <p:sp>
-        <p:nvSpPr>
-          <p:cNvPr id="8" name="Tijdelijke aanduiding voor inhoud 7">
-            <a:extLst>
-              <a:ext uri="{FF2B5EF4-FFF2-40B4-BE49-F238E27FC236}">
-                <a16:creationId xmlns:a16="http://schemas.microsoft.com/office/drawing/2014/main" id="{46660B48-BEE8-4738-9228-05126E64F4BB}"/>
-              </a:ext>
-            </a:extLst>
-          </p:cNvPr>
-          <p:cNvSpPr>
-            <a:spLocks noGrp="1"/>
-          </p:cNvSpPr>
-          <p:nvPr>
-            <p:ph idx="1"/>
-          </p:nvPr>
-        </p:nvSpPr>
-        <p:spPr>
-          <a:xfrm>
-            <a:off x="822291" y="1585519"/>
-            <a:ext cx="10089309" cy="4404220"/>
-          </a:xfrm>
-        </p:spPr>
-        <p:txBody>
-          <a:bodyPr/>
-          <a:lstStyle/>
-          <a:p>
-            <a:r>
-              <a:rPr lang="nl-BE" dirty="0"/>
-              <a:t>Toegang tot je webcam</a:t>
-            </a:r>
-          </a:p>
-          <a:p>
-            <a:pPr lvl="1"/>
-            <a:r>
-              <a:rPr lang="nl-BE" dirty="0"/>
-              <a:t>Videostream</a:t>
-            </a:r>
-          </a:p>
-          <a:p>
-            <a:pPr marL="180000" lvl="1" indent="0">
-              <a:buNone/>
-            </a:pPr>
-            <a:r>
-              <a:rPr lang="nl-BE" sz="1600" dirty="0">
-                <a:latin typeface="Consolas" panose="020B0609020204030204" pitchFamily="49" charset="0"/>
-              </a:rPr>
-              <a:t>    let video = </a:t>
-            </a:r>
-            <a:r>
-              <a:rPr lang="nl-BE" sz="1600" dirty="0" err="1">
-                <a:latin typeface="Consolas" panose="020B0609020204030204" pitchFamily="49" charset="0"/>
-              </a:rPr>
-              <a:t>document.getElementById</a:t>
-            </a:r>
-            <a:r>
-              <a:rPr lang="nl-BE" sz="1600" dirty="0">
-                <a:latin typeface="Consolas" panose="020B0609020204030204" pitchFamily="49" charset="0"/>
-              </a:rPr>
-              <a:t>('webcamstream');</a:t>
-            </a:r>
-          </a:p>
-          <a:p>
-            <a:pPr lvl="1"/>
-            <a:endParaRPr lang="nl-BE" sz="1600" dirty="0">
-              <a:latin typeface="Consolas" panose="020B0609020204030204" pitchFamily="49" charset="0"/>
-            </a:endParaRPr>
-          </a:p>
-          <a:p>
-            <a:pPr marL="180000" lvl="1" indent="0">
-              <a:buNone/>
-            </a:pPr>
-            <a:r>
-              <a:rPr lang="nl-BE" sz="1600" dirty="0">
-                <a:latin typeface="Consolas" panose="020B0609020204030204" pitchFamily="49" charset="0"/>
-              </a:rPr>
-              <a:t>    // open webcam </a:t>
-            </a:r>
-            <a:r>
-              <a:rPr lang="nl-BE" sz="1600" dirty="0" err="1">
-                <a:latin typeface="Consolas" panose="020B0609020204030204" pitchFamily="49" charset="0"/>
-              </a:rPr>
-              <a:t>and</a:t>
-            </a:r>
-            <a:r>
-              <a:rPr lang="nl-BE" sz="1600" dirty="0">
-                <a:latin typeface="Consolas" panose="020B0609020204030204" pitchFamily="49" charset="0"/>
-              </a:rPr>
-              <a:t> stream </a:t>
-            </a:r>
-            <a:r>
-              <a:rPr lang="nl-BE" sz="1600" dirty="0" err="1">
-                <a:latin typeface="Consolas" panose="020B0609020204030204" pitchFamily="49" charset="0"/>
-              </a:rPr>
+              <a:t>Web speech API</a:t>
+            </a:r>
+          </a:p>
+        </p:txBody>
+      </p:sp>
+      <p:sp>
+        <p:nvSpPr>
+          <p:cNvPr id="3" name="Tijdelijke aanduiding voor tekst 2">
+            <a:extLst>
+              <a:ext uri="{FF2B5EF4-FFF2-40B4-BE49-F238E27FC236}">
+                <a16:creationId xmlns:a16="http://schemas.microsoft.com/office/drawing/2014/main" id="{25E6300B-AC24-4FB2-A05D-06BE75683545}"/>
+              </a:ext>
+            </a:extLst>
+          </p:cNvPr>
+          <p:cNvSpPr>
+            <a:spLocks noGrp="1"/>
+          </p:cNvSpPr>
+          <p:nvPr>
+            <p:ph type="body" idx="1"/>
+          </p:nvPr>
+        </p:nvSpPr>
+        <p:spPr/>
+        <p:txBody>
+          <a:bodyPr/>
+          <a:lstStyle/>
+          <a:p>
+            <a:r>
+              <a:rPr lang="nl-BE" dirty="0" err="1"/>
+              <a:t>Words</a:t>
+            </a:r>
+            <a:r>
+              <a:rPr lang="nl-BE" dirty="0"/>
+              <a:t> </a:t>
+            </a:r>
+            <a:r>
+              <a:rPr lang="nl-BE" dirty="0" err="1"/>
               <a:t>to</a:t>
             </a:r>
             <a:r>
-              <a:rPr lang="nl-BE" sz="1600" dirty="0">
-                <a:latin typeface="Consolas" panose="020B0609020204030204" pitchFamily="49" charset="0"/>
-              </a:rPr>
-              <a:t> video element</a:t>
-            </a:r>
-          </a:p>
-          <a:p>
-            <a:pPr marL="180000" lvl="1" indent="0">
-              <a:buNone/>
-            </a:pPr>
-            <a:r>
-              <a:rPr lang="nl-BE" sz="1600" dirty="0">
-                <a:latin typeface="Consolas" panose="020B0609020204030204" pitchFamily="49" charset="0"/>
-              </a:rPr>
-              <a:t>    </a:t>
-            </a:r>
-            <a:r>
-              <a:rPr lang="nl-BE" sz="1600" dirty="0" err="1">
-                <a:latin typeface="Consolas" panose="020B0609020204030204" pitchFamily="49" charset="0"/>
-              </a:rPr>
-              <a:t>navigator.mediaDevices.getUserMedia</a:t>
-            </a:r>
-            <a:r>
-              <a:rPr lang="nl-BE" sz="1600" dirty="0">
-                <a:latin typeface="Consolas" panose="020B0609020204030204" pitchFamily="49" charset="0"/>
-              </a:rPr>
-              <a:t>({</a:t>
-            </a:r>
-          </a:p>
-          <a:p>
-            <a:pPr marL="180000" lvl="1" indent="0">
-              <a:buNone/>
-            </a:pPr>
-            <a:r>
-              <a:rPr lang="nl-BE" sz="1600" dirty="0">
-                <a:latin typeface="Consolas" panose="020B0609020204030204" pitchFamily="49" charset="0"/>
-              </a:rPr>
-              <a:t>      video: </a:t>
-            </a:r>
-            <a:r>
-              <a:rPr lang="nl-BE" sz="1600" dirty="0" err="1">
-                <a:latin typeface="Consolas" panose="020B0609020204030204" pitchFamily="49" charset="0"/>
-              </a:rPr>
-              <a:t>true</a:t>
-            </a:r>
-            <a:endParaRPr lang="nl-BE" sz="1600" dirty="0">
-              <a:latin typeface="Consolas" panose="020B0609020204030204" pitchFamily="49" charset="0"/>
-            </a:endParaRPr>
-          </a:p>
-          <a:p>
-            <a:pPr marL="180000" lvl="1" indent="0">
-              <a:buNone/>
-            </a:pPr>
-            <a:r>
-              <a:rPr lang="nl-BE" sz="1600" dirty="0">
-                <a:latin typeface="Consolas" panose="020B0609020204030204" pitchFamily="49" charset="0"/>
-              </a:rPr>
-              <a:t>    }).</a:t>
-            </a:r>
-            <a:r>
-              <a:rPr lang="nl-BE" sz="1600" dirty="0" err="1">
-                <a:latin typeface="Consolas" panose="020B0609020204030204" pitchFamily="49" charset="0"/>
-              </a:rPr>
-              <a:t>then</a:t>
-            </a:r>
-            <a:r>
-              <a:rPr lang="nl-BE" sz="1600" dirty="0">
-                <a:latin typeface="Consolas" panose="020B0609020204030204" pitchFamily="49" charset="0"/>
-              </a:rPr>
-              <a:t>(</a:t>
-            </a:r>
-            <a:r>
-              <a:rPr lang="nl-BE" sz="1600" dirty="0" err="1">
-                <a:latin typeface="Consolas" panose="020B0609020204030204" pitchFamily="49" charset="0"/>
-              </a:rPr>
-              <a:t>function</a:t>
-            </a:r>
-            <a:r>
-              <a:rPr lang="nl-BE" sz="1600" dirty="0">
-                <a:latin typeface="Consolas" panose="020B0609020204030204" pitchFamily="49" charset="0"/>
-              </a:rPr>
-              <a:t>(stream) {</a:t>
-            </a:r>
-          </a:p>
-          <a:p>
-            <a:pPr marL="180000" lvl="1" indent="0">
-              <a:buNone/>
-            </a:pPr>
-            <a:r>
-              <a:rPr lang="nl-BE" sz="1600" dirty="0">
-                <a:latin typeface="Consolas" panose="020B0609020204030204" pitchFamily="49" charset="0"/>
-              </a:rPr>
-              <a:t>      </a:t>
-            </a:r>
-            <a:r>
-              <a:rPr lang="nl-BE" sz="1600" dirty="0" err="1">
-                <a:latin typeface="Consolas" panose="020B0609020204030204" pitchFamily="49" charset="0"/>
-              </a:rPr>
-              <a:t>video.srcObject</a:t>
-            </a:r>
-            <a:r>
-              <a:rPr lang="nl-BE" sz="1600" dirty="0">
-                <a:latin typeface="Consolas" panose="020B0609020204030204" pitchFamily="49" charset="0"/>
-              </a:rPr>
-              <a:t> = stream;</a:t>
-            </a:r>
-          </a:p>
-          <a:p>
-            <a:pPr marL="180000" lvl="1" indent="0">
-              <a:buNone/>
-            </a:pPr>
-            <a:r>
-              <a:rPr lang="nl-BE" sz="1600" dirty="0">
-                <a:latin typeface="Consolas" panose="020B0609020204030204" pitchFamily="49" charset="0"/>
-              </a:rPr>
-              <a:t>    }).catch(</a:t>
-            </a:r>
-            <a:r>
-              <a:rPr lang="nl-BE" sz="1600" dirty="0" err="1">
-                <a:latin typeface="Consolas" panose="020B0609020204030204" pitchFamily="49" charset="0"/>
-              </a:rPr>
-              <a:t>function</a:t>
-            </a:r>
-            <a:r>
-              <a:rPr lang="nl-BE" sz="1600" dirty="0">
-                <a:latin typeface="Consolas" panose="020B0609020204030204" pitchFamily="49" charset="0"/>
-              </a:rPr>
-              <a:t>(</a:t>
-            </a:r>
-            <a:r>
-              <a:rPr lang="nl-BE" sz="1600" dirty="0" err="1">
-                <a:latin typeface="Consolas" panose="020B0609020204030204" pitchFamily="49" charset="0"/>
-              </a:rPr>
-              <a:t>err</a:t>
-            </a:r>
-            <a:r>
-              <a:rPr lang="nl-BE" sz="1600" dirty="0">
-                <a:latin typeface="Consolas" panose="020B0609020204030204" pitchFamily="49" charset="0"/>
-              </a:rPr>
-              <a:t>) {</a:t>
-            </a:r>
-          </a:p>
-          <a:p>
-            <a:pPr marL="180000" lvl="1" indent="0">
-              <a:buNone/>
-            </a:pPr>
-            <a:r>
-              <a:rPr lang="nl-BE" sz="1600" dirty="0">
-                <a:latin typeface="Consolas" panose="020B0609020204030204" pitchFamily="49" charset="0"/>
-              </a:rPr>
-              <a:t>      console.log(</a:t>
-            </a:r>
-            <a:r>
-              <a:rPr lang="nl-BE" sz="1600" dirty="0" err="1">
-                <a:latin typeface="Consolas" panose="020B0609020204030204" pitchFamily="49" charset="0"/>
-              </a:rPr>
-              <a:t>err</a:t>
-            </a:r>
-            <a:r>
-              <a:rPr lang="nl-BE" sz="1600" dirty="0">
-                <a:latin typeface="Consolas" panose="020B0609020204030204" pitchFamily="49" charset="0"/>
-              </a:rPr>
-              <a:t>);</a:t>
-            </a:r>
-          </a:p>
-          <a:p>
-            <a:pPr marL="180000" lvl="1" indent="0">
-              <a:buNone/>
-            </a:pPr>
-            <a:r>
-              <a:rPr lang="nl-BE" sz="1600" dirty="0">
-                <a:latin typeface="Consolas" panose="020B0609020204030204" pitchFamily="49" charset="0"/>
-              </a:rPr>
-              <a:t>    });</a:t>
-            </a:r>
+              <a:rPr lang="nl-BE" dirty="0"/>
+              <a:t> </a:t>
+            </a:r>
+            <a:r>
+              <a:rPr lang="nl-BE" dirty="0" err="1"/>
+              <a:t>text</a:t>
+            </a:r>
+            <a:endParaRPr lang="nl-BE" dirty="0"/>
           </a:p>
         </p:txBody>
       </p:sp>
@@ -13190,7 +12962,7 @@
           <p:cNvPr id="4" name="Tijdelijke aanduiding voor voettekst 3">
             <a:extLst>
               <a:ext uri="{FF2B5EF4-FFF2-40B4-BE49-F238E27FC236}">
-                <a16:creationId xmlns:a16="http://schemas.microsoft.com/office/drawing/2014/main" id="{9A86A9FB-1B9E-4B7A-910C-235D3A566A80}"/>
+                <a16:creationId xmlns:a16="http://schemas.microsoft.com/office/drawing/2014/main" id="{7926BCFD-3A9A-492A-A57B-0A991170A3B7}"/>
               </a:ext>
             </a:extLst>
           </p:cNvPr>
@@ -13218,7 +12990,7 @@
           <p:cNvPr id="5" name="Tijdelijke aanduiding voor dianummer 4">
             <a:extLst>
               <a:ext uri="{FF2B5EF4-FFF2-40B4-BE49-F238E27FC236}">
-                <a16:creationId xmlns:a16="http://schemas.microsoft.com/office/drawing/2014/main" id="{A64CFB49-2F18-4019-89DD-E4922E4505C1}"/>
+                <a16:creationId xmlns:a16="http://schemas.microsoft.com/office/drawing/2014/main" id="{60BD1991-93F2-4440-9BAB-7167DEBBD3C1}"/>
               </a:ext>
             </a:extLst>
           </p:cNvPr>
@@ -13236,6 +13008,7 @@
           <a:p>
             <a:fld id="{FF88DA20-ED00-471C-9170-60F590CB400A}" type="slidenum">
               <a:rPr lang="nl-BE" smtClean="0"/>
+              <a:pPr/>
               <a:t>33</a:t>
             </a:fld>
             <a:endParaRPr lang="nl-BE"/>
@@ -13244,10 +13017,10 @@
       </p:sp>
       <p:sp>
         <p:nvSpPr>
-          <p:cNvPr id="3" name="Tijdelijke aanduiding voor tekst 2">
-            <a:extLst>
-              <a:ext uri="{FF2B5EF4-FFF2-40B4-BE49-F238E27FC236}">
-                <a16:creationId xmlns:a16="http://schemas.microsoft.com/office/drawing/2014/main" id="{8007CC32-F96E-4CD9-95CF-403FC6BFF49B}"/>
+          <p:cNvPr id="6" name="Tijdelijke aanduiding voor tekst 5">
+            <a:extLst>
+              <a:ext uri="{FF2B5EF4-FFF2-40B4-BE49-F238E27FC236}">
+                <a16:creationId xmlns:a16="http://schemas.microsoft.com/office/drawing/2014/main" id="{2BC75DC7-FD2B-4961-80F5-1A77FF877DD9}"/>
               </a:ext>
             </a:extLst>
           </p:cNvPr>
@@ -13263,17 +13036,14 @@
           <a:bodyPr/>
           <a:lstStyle/>
           <a:p>
-            <a:r>
-              <a:rPr lang="nl-BE" dirty="0"/>
-              <a:t>Extra’s</a:t>
-            </a:r>
+            <a:endParaRPr lang="nl-BE"/>
           </a:p>
         </p:txBody>
       </p:sp>
     </p:spTree>
     <p:extLst>
       <p:ext uri="{BB962C8B-B14F-4D97-AF65-F5344CB8AC3E}">
-        <p14:creationId xmlns:p14="http://schemas.microsoft.com/office/powerpoint/2010/main" val="3614797913"/>
+        <p14:creationId xmlns:p14="http://schemas.microsoft.com/office/powerpoint/2010/main" val="125624917"/>
       </p:ext>
     </p:extLst>
   </p:cSld>
@@ -13322,6 +13092,1183 @@
           <a:lstStyle/>
           <a:p>
             <a:r>
+              <a:rPr lang="nl-BE" dirty="0"/>
+              <a:t>Wat kan je ermee doen?</a:t>
+            </a:r>
+          </a:p>
+        </p:txBody>
+      </p:sp>
+      <p:sp>
+        <p:nvSpPr>
+          <p:cNvPr id="8" name="Tijdelijke aanduiding voor inhoud 7">
+            <a:extLst>
+              <a:ext uri="{FF2B5EF4-FFF2-40B4-BE49-F238E27FC236}">
+                <a16:creationId xmlns:a16="http://schemas.microsoft.com/office/drawing/2014/main" id="{46660B48-BEE8-4738-9228-05126E64F4BB}"/>
+              </a:ext>
+            </a:extLst>
+          </p:cNvPr>
+          <p:cNvSpPr>
+            <a:spLocks noGrp="1"/>
+          </p:cNvSpPr>
+          <p:nvPr>
+            <p:ph idx="1"/>
+          </p:nvPr>
+        </p:nvSpPr>
+        <p:spPr>
+          <a:xfrm>
+            <a:off x="534291" y="1908000"/>
+            <a:ext cx="10377309" cy="3132000"/>
+          </a:xfrm>
+        </p:spPr>
+        <p:txBody>
+          <a:bodyPr/>
+          <a:lstStyle/>
+          <a:p>
+            <a:r>
+              <a:rPr lang="nl-BE" dirty="0"/>
+              <a:t>Twee richtingen</a:t>
+            </a:r>
+          </a:p>
+          <a:p>
+            <a:endParaRPr lang="nl-BE" dirty="0"/>
+          </a:p>
+          <a:p>
+            <a:pPr lvl="1"/>
+            <a:r>
+              <a:rPr lang="nl-BE" dirty="0" err="1"/>
+              <a:t>SpeechRecognition</a:t>
+            </a:r>
+            <a:r>
+              <a:rPr lang="nl-BE" dirty="0"/>
+              <a:t>: Spraak naar tekst</a:t>
+            </a:r>
+          </a:p>
+          <a:p>
+            <a:pPr lvl="1"/>
+            <a:r>
+              <a:rPr lang="nl-BE" dirty="0" err="1"/>
+              <a:t>SpeechSynthesis</a:t>
+            </a:r>
+            <a:r>
+              <a:rPr lang="nl-BE" dirty="0"/>
+              <a:t>: Tekst naar spraak</a:t>
+            </a:r>
+          </a:p>
+        </p:txBody>
+      </p:sp>
+      <p:sp>
+        <p:nvSpPr>
+          <p:cNvPr id="4" name="Tijdelijke aanduiding voor voettekst 3">
+            <a:extLst>
+              <a:ext uri="{FF2B5EF4-FFF2-40B4-BE49-F238E27FC236}">
+                <a16:creationId xmlns:a16="http://schemas.microsoft.com/office/drawing/2014/main" id="{9A86A9FB-1B9E-4B7A-910C-235D3A566A80}"/>
+              </a:ext>
+            </a:extLst>
+          </p:cNvPr>
+          <p:cNvSpPr>
+            <a:spLocks noGrp="1"/>
+          </p:cNvSpPr>
+          <p:nvPr>
+            <p:ph type="ftr" sz="quarter" idx="11"/>
+          </p:nvPr>
+        </p:nvSpPr>
+        <p:spPr/>
+        <p:txBody>
+          <a:bodyPr/>
+          <a:lstStyle/>
+          <a:p>
+            <a:r>
+              <a:rPr lang="nl-BE" dirty="0"/>
+              <a:t>DWD – HTML5 &amp; Games</a:t>
+            </a:r>
+          </a:p>
+        </p:txBody>
+      </p:sp>
+      <p:sp>
+        <p:nvSpPr>
+          <p:cNvPr id="5" name="Tijdelijke aanduiding voor dianummer 4">
+            <a:extLst>
+              <a:ext uri="{FF2B5EF4-FFF2-40B4-BE49-F238E27FC236}">
+                <a16:creationId xmlns:a16="http://schemas.microsoft.com/office/drawing/2014/main" id="{A64CFB49-2F18-4019-89DD-E4922E4505C1}"/>
+              </a:ext>
+            </a:extLst>
+          </p:cNvPr>
+          <p:cNvSpPr>
+            <a:spLocks noGrp="1"/>
+          </p:cNvSpPr>
+          <p:nvPr>
+            <p:ph type="sldNum" sz="quarter" idx="12"/>
+          </p:nvPr>
+        </p:nvSpPr>
+        <p:spPr/>
+        <p:txBody>
+          <a:bodyPr/>
+          <a:lstStyle/>
+          <a:p>
+            <a:fld id="{FF88DA20-ED00-471C-9170-60F590CB400A}" type="slidenum">
+              <a:rPr lang="nl-BE" smtClean="0"/>
+              <a:t>34</a:t>
+            </a:fld>
+            <a:endParaRPr lang="nl-BE"/>
+          </a:p>
+        </p:txBody>
+      </p:sp>
+      <p:sp>
+        <p:nvSpPr>
+          <p:cNvPr id="3" name="Tijdelijke aanduiding voor tekst 2">
+            <a:extLst>
+              <a:ext uri="{FF2B5EF4-FFF2-40B4-BE49-F238E27FC236}">
+                <a16:creationId xmlns:a16="http://schemas.microsoft.com/office/drawing/2014/main" id="{8007CC32-F96E-4CD9-95CF-403FC6BFF49B}"/>
+              </a:ext>
+            </a:extLst>
+          </p:cNvPr>
+          <p:cNvSpPr>
+            <a:spLocks noGrp="1"/>
+          </p:cNvSpPr>
+          <p:nvPr>
+            <p:ph type="body" sz="quarter" idx="13"/>
+          </p:nvPr>
+        </p:nvSpPr>
+        <p:spPr/>
+        <p:txBody>
+          <a:bodyPr/>
+          <a:lstStyle/>
+          <a:p>
+            <a:r>
+              <a:rPr lang="nl-BE" dirty="0"/>
+              <a:t>Web speech API</a:t>
+            </a:r>
+          </a:p>
+        </p:txBody>
+      </p:sp>
+    </p:spTree>
+    <p:extLst>
+      <p:ext uri="{BB962C8B-B14F-4D97-AF65-F5344CB8AC3E}">
+        <p14:creationId xmlns:p14="http://schemas.microsoft.com/office/powerpoint/2010/main" val="831974721"/>
+      </p:ext>
+    </p:extLst>
+  </p:cSld>
+  <p:clrMapOvr>
+    <a:masterClrMapping/>
+  </p:clrMapOvr>
+</p:sld>
+</file>
+
+<file path=ppt/slides/slide35.xml><?xml version="1.0" encoding="utf-8"?>
+<p:sld xmlns:a="http://schemas.openxmlformats.org/drawingml/2006/main" xmlns:r="http://schemas.openxmlformats.org/officeDocument/2006/relationships" xmlns:p="http://schemas.openxmlformats.org/presentationml/2006/main">
+  <p:cSld>
+    <p:spTree>
+      <p:nvGrpSpPr>
+        <p:cNvPr id="1" name=""/>
+        <p:cNvGrpSpPr/>
+        <p:nvPr/>
+      </p:nvGrpSpPr>
+      <p:grpSpPr>
+        <a:xfrm>
+          <a:off x="0" y="0"/>
+          <a:ext cx="0" cy="0"/>
+          <a:chOff x="0" y="0"/>
+          <a:chExt cx="0" cy="0"/>
+        </a:xfrm>
+      </p:grpSpPr>
+      <p:sp>
+        <p:nvSpPr>
+          <p:cNvPr id="2" name="Titel 1">
+            <a:extLst>
+              <a:ext uri="{FF2B5EF4-FFF2-40B4-BE49-F238E27FC236}">
+                <a16:creationId xmlns:a16="http://schemas.microsoft.com/office/drawing/2014/main" id="{465F132B-C9CE-4FCE-923D-CCAFB92AB8C8}"/>
+              </a:ext>
+            </a:extLst>
+          </p:cNvPr>
+          <p:cNvSpPr>
+            <a:spLocks noGrp="1"/>
+          </p:cNvSpPr>
+          <p:nvPr>
+            <p:ph type="title"/>
+          </p:nvPr>
+        </p:nvSpPr>
+        <p:spPr/>
+        <p:txBody>
+          <a:bodyPr/>
+          <a:lstStyle/>
+          <a:p>
+            <a:r>
+              <a:rPr lang="nl-BE" dirty="0"/>
+              <a:t>Hoe gebruiken?</a:t>
+            </a:r>
+          </a:p>
+        </p:txBody>
+      </p:sp>
+      <p:sp>
+        <p:nvSpPr>
+          <p:cNvPr id="8" name="Tijdelijke aanduiding voor inhoud 7">
+            <a:extLst>
+              <a:ext uri="{FF2B5EF4-FFF2-40B4-BE49-F238E27FC236}">
+                <a16:creationId xmlns:a16="http://schemas.microsoft.com/office/drawing/2014/main" id="{46660B48-BEE8-4738-9228-05126E64F4BB}"/>
+              </a:ext>
+            </a:extLst>
+          </p:cNvPr>
+          <p:cNvSpPr>
+            <a:spLocks noGrp="1"/>
+          </p:cNvSpPr>
+          <p:nvPr>
+            <p:ph idx="1"/>
+          </p:nvPr>
+        </p:nvSpPr>
+        <p:spPr>
+          <a:xfrm>
+            <a:off x="534291" y="1314721"/>
+            <a:ext cx="10377309" cy="4867965"/>
+          </a:xfrm>
+        </p:spPr>
+        <p:txBody>
+          <a:bodyPr/>
+          <a:lstStyle/>
+          <a:p>
+            <a:r>
+              <a:rPr lang="nl-BE" sz="2400" b="0" dirty="0"/>
+              <a:t> </a:t>
+            </a:r>
+            <a:r>
+              <a:rPr lang="nl-BE" sz="2400" b="0" dirty="0" err="1"/>
+              <a:t>button.addEventListener</a:t>
+            </a:r>
+            <a:r>
+              <a:rPr lang="nl-BE" sz="2400" b="0" dirty="0"/>
+              <a:t>('click', </a:t>
+            </a:r>
+            <a:r>
+              <a:rPr lang="nl-BE" sz="2400" b="0" dirty="0" err="1"/>
+              <a:t>function</a:t>
+            </a:r>
+            <a:r>
+              <a:rPr lang="nl-BE" sz="2400" b="0" dirty="0"/>
+              <a:t>() {</a:t>
+            </a:r>
+          </a:p>
+          <a:p>
+            <a:r>
+              <a:rPr lang="nl-BE" sz="2400" b="0" dirty="0"/>
+              <a:t>            let </a:t>
+            </a:r>
+            <a:r>
+              <a:rPr lang="nl-BE" sz="2400" dirty="0" err="1"/>
+              <a:t>recognition</a:t>
+            </a:r>
+            <a:r>
+              <a:rPr lang="nl-BE" sz="2400" b="0" dirty="0"/>
+              <a:t> = new (</a:t>
+            </a:r>
+            <a:r>
+              <a:rPr lang="nl-BE" sz="2400" b="0" dirty="0" err="1"/>
+              <a:t>webkitSpeechRecognition</a:t>
+            </a:r>
+            <a:r>
+              <a:rPr lang="nl-BE" sz="2400" b="0" dirty="0"/>
+              <a:t> || </a:t>
+            </a:r>
+            <a:r>
+              <a:rPr lang="nl-BE" sz="2400" b="0" dirty="0" err="1"/>
+              <a:t>SpeechRecognition</a:t>
+            </a:r>
+            <a:r>
+              <a:rPr lang="nl-BE" sz="2400" b="0" dirty="0"/>
+              <a:t>)();</a:t>
+            </a:r>
+          </a:p>
+          <a:p>
+            <a:r>
+              <a:rPr lang="nl-BE" sz="2400" b="0" dirty="0"/>
+              <a:t>            </a:t>
+            </a:r>
+            <a:r>
+              <a:rPr lang="nl-BE" sz="2400" b="0" dirty="0" err="1"/>
+              <a:t>recognition.</a:t>
+            </a:r>
+            <a:r>
+              <a:rPr lang="nl-BE" sz="2400" dirty="0" err="1"/>
+              <a:t>lang</a:t>
+            </a:r>
+            <a:r>
+              <a:rPr lang="nl-BE" sz="2400" b="0" dirty="0"/>
+              <a:t> = 'en-US';</a:t>
+            </a:r>
+          </a:p>
+          <a:p>
+            <a:r>
+              <a:rPr lang="nl-BE" sz="2400" b="0" dirty="0"/>
+              <a:t>            </a:t>
+            </a:r>
+            <a:r>
+              <a:rPr lang="nl-BE" sz="2400" b="0" dirty="0" err="1"/>
+              <a:t>recognition.</a:t>
+            </a:r>
+            <a:r>
+              <a:rPr lang="nl-BE" sz="2400" dirty="0" err="1"/>
+              <a:t>interimResults</a:t>
+            </a:r>
+            <a:r>
+              <a:rPr lang="nl-BE" sz="2400" b="0" dirty="0"/>
+              <a:t> = </a:t>
+            </a:r>
+            <a:r>
+              <a:rPr lang="nl-BE" sz="2400" b="0" dirty="0" err="1"/>
+              <a:t>false</a:t>
+            </a:r>
+            <a:r>
+              <a:rPr lang="nl-BE" sz="2400" b="0" dirty="0"/>
+              <a:t>;</a:t>
+            </a:r>
+          </a:p>
+          <a:p>
+            <a:r>
+              <a:rPr lang="nl-BE" sz="2400" b="0" dirty="0"/>
+              <a:t>            </a:t>
+            </a:r>
+            <a:r>
+              <a:rPr lang="nl-BE" sz="2400" b="0" dirty="0" err="1"/>
+              <a:t>recognition.</a:t>
+            </a:r>
+            <a:r>
+              <a:rPr lang="nl-BE" sz="2400" dirty="0" err="1"/>
+              <a:t>maxAlternatives</a:t>
+            </a:r>
+            <a:r>
+              <a:rPr lang="nl-BE" sz="2400" b="0" dirty="0"/>
+              <a:t> = 1;</a:t>
+            </a:r>
+          </a:p>
+          <a:p>
+            <a:r>
+              <a:rPr lang="nl-BE" sz="2400" b="0" dirty="0"/>
+              <a:t>            </a:t>
+            </a:r>
+            <a:r>
+              <a:rPr lang="nl-BE" sz="2400" b="0" dirty="0" err="1"/>
+              <a:t>recognition.</a:t>
+            </a:r>
+            <a:r>
+              <a:rPr lang="nl-BE" sz="2400" dirty="0" err="1"/>
+              <a:t>start</a:t>
+            </a:r>
+            <a:r>
+              <a:rPr lang="nl-BE" sz="2400" b="0" dirty="0"/>
+              <a:t>();</a:t>
+            </a:r>
+          </a:p>
+          <a:p>
+            <a:r>
+              <a:rPr lang="nl-BE" sz="2400" b="0" dirty="0"/>
+              <a:t>            </a:t>
+            </a:r>
+            <a:r>
+              <a:rPr lang="nl-BE" sz="2400" b="0" dirty="0" err="1"/>
+              <a:t>recognition.</a:t>
+            </a:r>
+            <a:r>
+              <a:rPr lang="nl-BE" sz="2400" dirty="0" err="1"/>
+              <a:t>onresult</a:t>
+            </a:r>
+            <a:r>
+              <a:rPr lang="nl-BE" sz="2400" b="0" dirty="0"/>
+              <a:t> = </a:t>
+            </a:r>
+            <a:r>
+              <a:rPr lang="nl-BE" sz="2400" b="0" dirty="0" err="1"/>
+              <a:t>function</a:t>
+            </a:r>
+            <a:r>
+              <a:rPr lang="nl-BE" sz="2400" b="0" dirty="0"/>
+              <a:t>(event) {</a:t>
+            </a:r>
+          </a:p>
+          <a:p>
+            <a:r>
+              <a:rPr lang="nl-BE" sz="2400" b="0" dirty="0"/>
+              <a:t>                      </a:t>
+            </a:r>
+            <a:r>
+              <a:rPr lang="nl-BE" sz="2400" b="0" dirty="0" err="1"/>
+              <a:t>HTMLElement.innerHTML</a:t>
+            </a:r>
+            <a:r>
+              <a:rPr lang="nl-BE" sz="2400" b="0" dirty="0"/>
+              <a:t> = </a:t>
+            </a:r>
+            <a:r>
+              <a:rPr lang="nl-BE" sz="2400" b="0" dirty="0" err="1"/>
+              <a:t>event.</a:t>
+            </a:r>
+            <a:r>
+              <a:rPr lang="nl-BE" sz="2400" dirty="0" err="1"/>
+              <a:t>results</a:t>
+            </a:r>
+            <a:r>
+              <a:rPr lang="nl-BE" sz="2400" b="0" dirty="0"/>
+              <a:t>[0][0].</a:t>
+            </a:r>
+            <a:r>
+              <a:rPr lang="nl-BE" sz="2400" dirty="0"/>
+              <a:t>transcript</a:t>
+            </a:r>
+            <a:r>
+              <a:rPr lang="nl-BE" sz="2400" b="0" dirty="0"/>
+              <a:t>;</a:t>
+            </a:r>
+          </a:p>
+          <a:p>
+            <a:r>
+              <a:rPr lang="nl-BE" sz="2400" b="0" dirty="0"/>
+              <a:t>            };</a:t>
+            </a:r>
+          </a:p>
+          <a:p>
+            <a:r>
+              <a:rPr lang="nl-BE" sz="2400" b="0" dirty="0"/>
+              <a:t>});</a:t>
+            </a:r>
+          </a:p>
+        </p:txBody>
+      </p:sp>
+      <p:sp>
+        <p:nvSpPr>
+          <p:cNvPr id="4" name="Tijdelijke aanduiding voor voettekst 3">
+            <a:extLst>
+              <a:ext uri="{FF2B5EF4-FFF2-40B4-BE49-F238E27FC236}">
+                <a16:creationId xmlns:a16="http://schemas.microsoft.com/office/drawing/2014/main" id="{9A86A9FB-1B9E-4B7A-910C-235D3A566A80}"/>
+              </a:ext>
+            </a:extLst>
+          </p:cNvPr>
+          <p:cNvSpPr>
+            <a:spLocks noGrp="1"/>
+          </p:cNvSpPr>
+          <p:nvPr>
+            <p:ph type="ftr" sz="quarter" idx="11"/>
+          </p:nvPr>
+        </p:nvSpPr>
+        <p:spPr/>
+        <p:txBody>
+          <a:bodyPr/>
+          <a:lstStyle/>
+          <a:p>
+            <a:r>
+              <a:rPr lang="nl-BE" dirty="0"/>
+              <a:t>DWD – HTML5 &amp; Games</a:t>
+            </a:r>
+          </a:p>
+        </p:txBody>
+      </p:sp>
+      <p:sp>
+        <p:nvSpPr>
+          <p:cNvPr id="5" name="Tijdelijke aanduiding voor dianummer 4">
+            <a:extLst>
+              <a:ext uri="{FF2B5EF4-FFF2-40B4-BE49-F238E27FC236}">
+                <a16:creationId xmlns:a16="http://schemas.microsoft.com/office/drawing/2014/main" id="{A64CFB49-2F18-4019-89DD-E4922E4505C1}"/>
+              </a:ext>
+            </a:extLst>
+          </p:cNvPr>
+          <p:cNvSpPr>
+            <a:spLocks noGrp="1"/>
+          </p:cNvSpPr>
+          <p:nvPr>
+            <p:ph type="sldNum" sz="quarter" idx="12"/>
+          </p:nvPr>
+        </p:nvSpPr>
+        <p:spPr/>
+        <p:txBody>
+          <a:bodyPr/>
+          <a:lstStyle/>
+          <a:p>
+            <a:fld id="{FF88DA20-ED00-471C-9170-60F590CB400A}" type="slidenum">
+              <a:rPr lang="nl-BE" smtClean="0"/>
+              <a:t>35</a:t>
+            </a:fld>
+            <a:endParaRPr lang="nl-BE"/>
+          </a:p>
+        </p:txBody>
+      </p:sp>
+      <p:sp>
+        <p:nvSpPr>
+          <p:cNvPr id="3" name="Tijdelijke aanduiding voor tekst 2">
+            <a:extLst>
+              <a:ext uri="{FF2B5EF4-FFF2-40B4-BE49-F238E27FC236}">
+                <a16:creationId xmlns:a16="http://schemas.microsoft.com/office/drawing/2014/main" id="{8007CC32-F96E-4CD9-95CF-403FC6BFF49B}"/>
+              </a:ext>
+            </a:extLst>
+          </p:cNvPr>
+          <p:cNvSpPr>
+            <a:spLocks noGrp="1"/>
+          </p:cNvSpPr>
+          <p:nvPr>
+            <p:ph type="body" sz="quarter" idx="13"/>
+          </p:nvPr>
+        </p:nvSpPr>
+        <p:spPr/>
+        <p:txBody>
+          <a:bodyPr/>
+          <a:lstStyle/>
+          <a:p>
+            <a:r>
+              <a:rPr lang="nl-BE" dirty="0"/>
+              <a:t>Web speech API</a:t>
+            </a:r>
+          </a:p>
+        </p:txBody>
+      </p:sp>
+    </p:spTree>
+    <p:extLst>
+      <p:ext uri="{BB962C8B-B14F-4D97-AF65-F5344CB8AC3E}">
+        <p14:creationId xmlns:p14="http://schemas.microsoft.com/office/powerpoint/2010/main" val="1660766576"/>
+      </p:ext>
+    </p:extLst>
+  </p:cSld>
+  <p:clrMapOvr>
+    <a:masterClrMapping/>
+  </p:clrMapOvr>
+</p:sld>
+</file>
+
+<file path=ppt/slides/slide36.xml><?xml version="1.0" encoding="utf-8"?>
+<p:sld xmlns:a="http://schemas.openxmlformats.org/drawingml/2006/main" xmlns:r="http://schemas.openxmlformats.org/officeDocument/2006/relationships" xmlns:p="http://schemas.openxmlformats.org/presentationml/2006/main">
+  <p:cSld>
+    <p:spTree>
+      <p:nvGrpSpPr>
+        <p:cNvPr id="1" name=""/>
+        <p:cNvGrpSpPr/>
+        <p:nvPr/>
+      </p:nvGrpSpPr>
+      <p:grpSpPr>
+        <a:xfrm>
+          <a:off x="0" y="0"/>
+          <a:ext cx="0" cy="0"/>
+          <a:chOff x="0" y="0"/>
+          <a:chExt cx="0" cy="0"/>
+        </a:xfrm>
+      </p:grpSpPr>
+      <p:sp>
+        <p:nvSpPr>
+          <p:cNvPr id="2" name="Titel 1">
+            <a:extLst>
+              <a:ext uri="{FF2B5EF4-FFF2-40B4-BE49-F238E27FC236}">
+                <a16:creationId xmlns:a16="http://schemas.microsoft.com/office/drawing/2014/main" id="{C5EEAFBD-B5B8-4F85-98E4-19C38B628AD3}"/>
+              </a:ext>
+            </a:extLst>
+          </p:cNvPr>
+          <p:cNvSpPr>
+            <a:spLocks noGrp="1"/>
+          </p:cNvSpPr>
+          <p:nvPr>
+            <p:ph type="title"/>
+          </p:nvPr>
+        </p:nvSpPr>
+        <p:spPr/>
+        <p:txBody>
+          <a:bodyPr/>
+          <a:lstStyle/>
+          <a:p>
+            <a:r>
+              <a:rPr lang="nl-BE" dirty="0"/>
+              <a:t>Extra’s</a:t>
+            </a:r>
+          </a:p>
+        </p:txBody>
+      </p:sp>
+      <p:sp>
+        <p:nvSpPr>
+          <p:cNvPr id="3" name="Tijdelijke aanduiding voor tekst 2">
+            <a:extLst>
+              <a:ext uri="{FF2B5EF4-FFF2-40B4-BE49-F238E27FC236}">
+                <a16:creationId xmlns:a16="http://schemas.microsoft.com/office/drawing/2014/main" id="{25E6300B-AC24-4FB2-A05D-06BE75683545}"/>
+              </a:ext>
+            </a:extLst>
+          </p:cNvPr>
+          <p:cNvSpPr>
+            <a:spLocks noGrp="1"/>
+          </p:cNvSpPr>
+          <p:nvPr>
+            <p:ph type="body" idx="1"/>
+          </p:nvPr>
+        </p:nvSpPr>
+        <p:spPr/>
+        <p:txBody>
+          <a:bodyPr/>
+          <a:lstStyle/>
+          <a:p>
+            <a:r>
+              <a:rPr lang="nl-BE" dirty="0"/>
+              <a:t>But </a:t>
+            </a:r>
+            <a:r>
+              <a:rPr lang="nl-BE" dirty="0" err="1"/>
+              <a:t>wait</a:t>
+            </a:r>
+            <a:r>
+              <a:rPr lang="nl-BE" dirty="0"/>
+              <a:t>… </a:t>
+            </a:r>
+            <a:r>
+              <a:rPr lang="nl-BE" dirty="0" err="1"/>
+              <a:t>There’s</a:t>
+            </a:r>
+            <a:r>
+              <a:rPr lang="nl-BE" dirty="0"/>
+              <a:t> more!</a:t>
+            </a:r>
+          </a:p>
+        </p:txBody>
+      </p:sp>
+      <p:sp>
+        <p:nvSpPr>
+          <p:cNvPr id="4" name="Tijdelijke aanduiding voor voettekst 3">
+            <a:extLst>
+              <a:ext uri="{FF2B5EF4-FFF2-40B4-BE49-F238E27FC236}">
+                <a16:creationId xmlns:a16="http://schemas.microsoft.com/office/drawing/2014/main" id="{7926BCFD-3A9A-492A-A57B-0A991170A3B7}"/>
+              </a:ext>
+            </a:extLst>
+          </p:cNvPr>
+          <p:cNvSpPr>
+            <a:spLocks noGrp="1"/>
+          </p:cNvSpPr>
+          <p:nvPr>
+            <p:ph type="ftr" sz="quarter" idx="11"/>
+          </p:nvPr>
+        </p:nvSpPr>
+        <p:spPr/>
+        <p:txBody>
+          <a:bodyPr/>
+          <a:lstStyle/>
+          <a:p>
+            <a:r>
+              <a:rPr lang="nl-BE" dirty="0"/>
+              <a:t>DWD – HTML5 &amp; Games</a:t>
+            </a:r>
+          </a:p>
+        </p:txBody>
+      </p:sp>
+      <p:sp>
+        <p:nvSpPr>
+          <p:cNvPr id="5" name="Tijdelijke aanduiding voor dianummer 4">
+            <a:extLst>
+              <a:ext uri="{FF2B5EF4-FFF2-40B4-BE49-F238E27FC236}">
+                <a16:creationId xmlns:a16="http://schemas.microsoft.com/office/drawing/2014/main" id="{60BD1991-93F2-4440-9BAB-7167DEBBD3C1}"/>
+              </a:ext>
+            </a:extLst>
+          </p:cNvPr>
+          <p:cNvSpPr>
+            <a:spLocks noGrp="1"/>
+          </p:cNvSpPr>
+          <p:nvPr>
+            <p:ph type="sldNum" sz="quarter" idx="12"/>
+          </p:nvPr>
+        </p:nvSpPr>
+        <p:spPr/>
+        <p:txBody>
+          <a:bodyPr/>
+          <a:lstStyle/>
+          <a:p>
+            <a:fld id="{FF88DA20-ED00-471C-9170-60F590CB400A}" type="slidenum">
+              <a:rPr lang="nl-BE" smtClean="0"/>
+              <a:pPr/>
+              <a:t>36</a:t>
+            </a:fld>
+            <a:endParaRPr lang="nl-BE"/>
+          </a:p>
+        </p:txBody>
+      </p:sp>
+      <p:sp>
+        <p:nvSpPr>
+          <p:cNvPr id="6" name="Tijdelijke aanduiding voor tekst 5">
+            <a:extLst>
+              <a:ext uri="{FF2B5EF4-FFF2-40B4-BE49-F238E27FC236}">
+                <a16:creationId xmlns:a16="http://schemas.microsoft.com/office/drawing/2014/main" id="{2BC75DC7-FD2B-4961-80F5-1A77FF877DD9}"/>
+              </a:ext>
+            </a:extLst>
+          </p:cNvPr>
+          <p:cNvSpPr>
+            <a:spLocks noGrp="1"/>
+          </p:cNvSpPr>
+          <p:nvPr>
+            <p:ph type="body" sz="quarter" idx="13"/>
+          </p:nvPr>
+        </p:nvSpPr>
+        <p:spPr/>
+        <p:txBody>
+          <a:bodyPr/>
+          <a:lstStyle/>
+          <a:p>
+            <a:endParaRPr lang="nl-BE"/>
+          </a:p>
+        </p:txBody>
+      </p:sp>
+    </p:spTree>
+    <p:extLst>
+      <p:ext uri="{BB962C8B-B14F-4D97-AF65-F5344CB8AC3E}">
+        <p14:creationId xmlns:p14="http://schemas.microsoft.com/office/powerpoint/2010/main" val="979472685"/>
+      </p:ext>
+    </p:extLst>
+  </p:cSld>
+  <p:clrMapOvr>
+    <a:masterClrMapping/>
+  </p:clrMapOvr>
+</p:sld>
+</file>
+
+<file path=ppt/slides/slide37.xml><?xml version="1.0" encoding="utf-8"?>
+<p:sld xmlns:a="http://schemas.openxmlformats.org/drawingml/2006/main" xmlns:r="http://schemas.openxmlformats.org/officeDocument/2006/relationships" xmlns:p="http://schemas.openxmlformats.org/presentationml/2006/main">
+  <p:cSld>
+    <p:spTree>
+      <p:nvGrpSpPr>
+        <p:cNvPr id="1" name=""/>
+        <p:cNvGrpSpPr/>
+        <p:nvPr/>
+      </p:nvGrpSpPr>
+      <p:grpSpPr>
+        <a:xfrm>
+          <a:off x="0" y="0"/>
+          <a:ext cx="0" cy="0"/>
+          <a:chOff x="0" y="0"/>
+          <a:chExt cx="0" cy="0"/>
+        </a:xfrm>
+      </p:grpSpPr>
+      <p:sp>
+        <p:nvSpPr>
+          <p:cNvPr id="2" name="Titel 1">
+            <a:extLst>
+              <a:ext uri="{FF2B5EF4-FFF2-40B4-BE49-F238E27FC236}">
+                <a16:creationId xmlns:a16="http://schemas.microsoft.com/office/drawing/2014/main" id="{465F132B-C9CE-4FCE-923D-CCAFB92AB8C8}"/>
+              </a:ext>
+            </a:extLst>
+          </p:cNvPr>
+          <p:cNvSpPr>
+            <a:spLocks noGrp="1"/>
+          </p:cNvSpPr>
+          <p:nvPr>
+            <p:ph type="title"/>
+          </p:nvPr>
+        </p:nvSpPr>
+        <p:spPr/>
+        <p:txBody>
+          <a:bodyPr/>
+          <a:lstStyle/>
+          <a:p>
+            <a:r>
+              <a:rPr lang="nl-BE" dirty="0"/>
+              <a:t>Webcam</a:t>
+            </a:r>
+          </a:p>
+        </p:txBody>
+      </p:sp>
+      <p:sp>
+        <p:nvSpPr>
+          <p:cNvPr id="8" name="Tijdelijke aanduiding voor inhoud 7">
+            <a:extLst>
+              <a:ext uri="{FF2B5EF4-FFF2-40B4-BE49-F238E27FC236}">
+                <a16:creationId xmlns:a16="http://schemas.microsoft.com/office/drawing/2014/main" id="{46660B48-BEE8-4738-9228-05126E64F4BB}"/>
+              </a:ext>
+            </a:extLst>
+          </p:cNvPr>
+          <p:cNvSpPr>
+            <a:spLocks noGrp="1"/>
+          </p:cNvSpPr>
+          <p:nvPr>
+            <p:ph idx="1"/>
+          </p:nvPr>
+        </p:nvSpPr>
+        <p:spPr>
+          <a:xfrm>
+            <a:off x="822291" y="1585519"/>
+            <a:ext cx="10089309" cy="4404220"/>
+          </a:xfrm>
+        </p:spPr>
+        <p:txBody>
+          <a:bodyPr/>
+          <a:lstStyle/>
+          <a:p>
+            <a:r>
+              <a:rPr lang="nl-BE" dirty="0"/>
+              <a:t>Toegang tot je webcam</a:t>
+            </a:r>
+          </a:p>
+          <a:p>
+            <a:pPr lvl="1"/>
+            <a:r>
+              <a:rPr lang="nl-BE" dirty="0"/>
+              <a:t>Videostream</a:t>
+            </a:r>
+          </a:p>
+          <a:p>
+            <a:pPr marL="180000" lvl="1" indent="0">
+              <a:buNone/>
+            </a:pPr>
+            <a:r>
+              <a:rPr lang="nl-BE" sz="1600" dirty="0">
+                <a:latin typeface="Consolas" panose="020B0609020204030204" pitchFamily="49" charset="0"/>
+              </a:rPr>
+              <a:t>    let video = </a:t>
+            </a:r>
+            <a:r>
+              <a:rPr lang="nl-BE" sz="1600" dirty="0" err="1">
+                <a:latin typeface="Consolas" panose="020B0609020204030204" pitchFamily="49" charset="0"/>
+              </a:rPr>
+              <a:t>document.getElementById</a:t>
+            </a:r>
+            <a:r>
+              <a:rPr lang="nl-BE" sz="1600" dirty="0">
+                <a:latin typeface="Consolas" panose="020B0609020204030204" pitchFamily="49" charset="0"/>
+              </a:rPr>
+              <a:t>('webcamstream');</a:t>
+            </a:r>
+          </a:p>
+          <a:p>
+            <a:pPr lvl="1"/>
+            <a:endParaRPr lang="nl-BE" sz="1600" dirty="0">
+              <a:latin typeface="Consolas" panose="020B0609020204030204" pitchFamily="49" charset="0"/>
+            </a:endParaRPr>
+          </a:p>
+          <a:p>
+            <a:pPr marL="180000" lvl="1" indent="0">
+              <a:buNone/>
+            </a:pPr>
+            <a:r>
+              <a:rPr lang="nl-BE" sz="1600" dirty="0">
+                <a:latin typeface="Consolas" panose="020B0609020204030204" pitchFamily="49" charset="0"/>
+              </a:rPr>
+              <a:t>    // open webcam </a:t>
+            </a:r>
+            <a:r>
+              <a:rPr lang="nl-BE" sz="1600" dirty="0" err="1">
+                <a:latin typeface="Consolas" panose="020B0609020204030204" pitchFamily="49" charset="0"/>
+              </a:rPr>
+              <a:t>and</a:t>
+            </a:r>
+            <a:r>
+              <a:rPr lang="nl-BE" sz="1600" dirty="0">
+                <a:latin typeface="Consolas" panose="020B0609020204030204" pitchFamily="49" charset="0"/>
+              </a:rPr>
+              <a:t> stream </a:t>
+            </a:r>
+            <a:r>
+              <a:rPr lang="nl-BE" sz="1600" dirty="0" err="1">
+                <a:latin typeface="Consolas" panose="020B0609020204030204" pitchFamily="49" charset="0"/>
+              </a:rPr>
+              <a:t>to</a:t>
+            </a:r>
+            <a:r>
+              <a:rPr lang="nl-BE" sz="1600" dirty="0">
+                <a:latin typeface="Consolas" panose="020B0609020204030204" pitchFamily="49" charset="0"/>
+              </a:rPr>
+              <a:t> video element</a:t>
+            </a:r>
+          </a:p>
+          <a:p>
+            <a:pPr marL="180000" lvl="1" indent="0">
+              <a:buNone/>
+            </a:pPr>
+            <a:r>
+              <a:rPr lang="nl-BE" sz="1600" dirty="0">
+                <a:latin typeface="Consolas" panose="020B0609020204030204" pitchFamily="49" charset="0"/>
+              </a:rPr>
+              <a:t>    </a:t>
+            </a:r>
+            <a:r>
+              <a:rPr lang="nl-BE" sz="1600" dirty="0" err="1">
+                <a:latin typeface="Consolas" panose="020B0609020204030204" pitchFamily="49" charset="0"/>
+              </a:rPr>
+              <a:t>navigator.mediaDevices.getUserMedia</a:t>
+            </a:r>
+            <a:r>
+              <a:rPr lang="nl-BE" sz="1600" dirty="0">
+                <a:latin typeface="Consolas" panose="020B0609020204030204" pitchFamily="49" charset="0"/>
+              </a:rPr>
+              <a:t>({</a:t>
+            </a:r>
+          </a:p>
+          <a:p>
+            <a:pPr marL="180000" lvl="1" indent="0">
+              <a:buNone/>
+            </a:pPr>
+            <a:r>
+              <a:rPr lang="nl-BE" sz="1600" dirty="0">
+                <a:latin typeface="Consolas" panose="020B0609020204030204" pitchFamily="49" charset="0"/>
+              </a:rPr>
+              <a:t>      video: </a:t>
+            </a:r>
+            <a:r>
+              <a:rPr lang="nl-BE" sz="1600" dirty="0" err="1">
+                <a:latin typeface="Consolas" panose="020B0609020204030204" pitchFamily="49" charset="0"/>
+              </a:rPr>
+              <a:t>true</a:t>
+            </a:r>
+            <a:endParaRPr lang="nl-BE" sz="1600" dirty="0">
+              <a:latin typeface="Consolas" panose="020B0609020204030204" pitchFamily="49" charset="0"/>
+            </a:endParaRPr>
+          </a:p>
+          <a:p>
+            <a:pPr marL="180000" lvl="1" indent="0">
+              <a:buNone/>
+            </a:pPr>
+            <a:r>
+              <a:rPr lang="nl-BE" sz="1600" dirty="0">
+                <a:latin typeface="Consolas" panose="020B0609020204030204" pitchFamily="49" charset="0"/>
+              </a:rPr>
+              <a:t>    }).</a:t>
+            </a:r>
+            <a:r>
+              <a:rPr lang="nl-BE" sz="1600" dirty="0" err="1">
+                <a:latin typeface="Consolas" panose="020B0609020204030204" pitchFamily="49" charset="0"/>
+              </a:rPr>
+              <a:t>then</a:t>
+            </a:r>
+            <a:r>
+              <a:rPr lang="nl-BE" sz="1600" dirty="0">
+                <a:latin typeface="Consolas" panose="020B0609020204030204" pitchFamily="49" charset="0"/>
+              </a:rPr>
+              <a:t>(</a:t>
+            </a:r>
+            <a:r>
+              <a:rPr lang="nl-BE" sz="1600" dirty="0" err="1">
+                <a:latin typeface="Consolas" panose="020B0609020204030204" pitchFamily="49" charset="0"/>
+              </a:rPr>
+              <a:t>function</a:t>
+            </a:r>
+            <a:r>
+              <a:rPr lang="nl-BE" sz="1600" dirty="0">
+                <a:latin typeface="Consolas" panose="020B0609020204030204" pitchFamily="49" charset="0"/>
+              </a:rPr>
+              <a:t>(stream) {</a:t>
+            </a:r>
+          </a:p>
+          <a:p>
+            <a:pPr marL="180000" lvl="1" indent="0">
+              <a:buNone/>
+            </a:pPr>
+            <a:r>
+              <a:rPr lang="nl-BE" sz="1600" dirty="0">
+                <a:latin typeface="Consolas" panose="020B0609020204030204" pitchFamily="49" charset="0"/>
+              </a:rPr>
+              <a:t>      </a:t>
+            </a:r>
+            <a:r>
+              <a:rPr lang="nl-BE" sz="1600" dirty="0" err="1">
+                <a:latin typeface="Consolas" panose="020B0609020204030204" pitchFamily="49" charset="0"/>
+              </a:rPr>
+              <a:t>video.srcObject</a:t>
+            </a:r>
+            <a:r>
+              <a:rPr lang="nl-BE" sz="1600" dirty="0">
+                <a:latin typeface="Consolas" panose="020B0609020204030204" pitchFamily="49" charset="0"/>
+              </a:rPr>
+              <a:t> = stream;</a:t>
+            </a:r>
+          </a:p>
+          <a:p>
+            <a:pPr marL="180000" lvl="1" indent="0">
+              <a:buNone/>
+            </a:pPr>
+            <a:r>
+              <a:rPr lang="nl-BE" sz="1600" dirty="0">
+                <a:latin typeface="Consolas" panose="020B0609020204030204" pitchFamily="49" charset="0"/>
+              </a:rPr>
+              <a:t>    }).catch(</a:t>
+            </a:r>
+            <a:r>
+              <a:rPr lang="nl-BE" sz="1600" dirty="0" err="1">
+                <a:latin typeface="Consolas" panose="020B0609020204030204" pitchFamily="49" charset="0"/>
+              </a:rPr>
+              <a:t>function</a:t>
+            </a:r>
+            <a:r>
+              <a:rPr lang="nl-BE" sz="1600" dirty="0">
+                <a:latin typeface="Consolas" panose="020B0609020204030204" pitchFamily="49" charset="0"/>
+              </a:rPr>
+              <a:t>(</a:t>
+            </a:r>
+            <a:r>
+              <a:rPr lang="nl-BE" sz="1600" dirty="0" err="1">
+                <a:latin typeface="Consolas" panose="020B0609020204030204" pitchFamily="49" charset="0"/>
+              </a:rPr>
+              <a:t>err</a:t>
+            </a:r>
+            <a:r>
+              <a:rPr lang="nl-BE" sz="1600" dirty="0">
+                <a:latin typeface="Consolas" panose="020B0609020204030204" pitchFamily="49" charset="0"/>
+              </a:rPr>
+              <a:t>) {</a:t>
+            </a:r>
+          </a:p>
+          <a:p>
+            <a:pPr marL="180000" lvl="1" indent="0">
+              <a:buNone/>
+            </a:pPr>
+            <a:r>
+              <a:rPr lang="nl-BE" sz="1600" dirty="0">
+                <a:latin typeface="Consolas" panose="020B0609020204030204" pitchFamily="49" charset="0"/>
+              </a:rPr>
+              <a:t>      console.log(</a:t>
+            </a:r>
+            <a:r>
+              <a:rPr lang="nl-BE" sz="1600" dirty="0" err="1">
+                <a:latin typeface="Consolas" panose="020B0609020204030204" pitchFamily="49" charset="0"/>
+              </a:rPr>
+              <a:t>err</a:t>
+            </a:r>
+            <a:r>
+              <a:rPr lang="nl-BE" sz="1600" dirty="0">
+                <a:latin typeface="Consolas" panose="020B0609020204030204" pitchFamily="49" charset="0"/>
+              </a:rPr>
+              <a:t>);</a:t>
+            </a:r>
+          </a:p>
+          <a:p>
+            <a:pPr marL="180000" lvl="1" indent="0">
+              <a:buNone/>
+            </a:pPr>
+            <a:r>
+              <a:rPr lang="nl-BE" sz="1600" dirty="0">
+                <a:latin typeface="Consolas" panose="020B0609020204030204" pitchFamily="49" charset="0"/>
+              </a:rPr>
+              <a:t>    });</a:t>
+            </a:r>
+          </a:p>
+        </p:txBody>
+      </p:sp>
+      <p:sp>
+        <p:nvSpPr>
+          <p:cNvPr id="4" name="Tijdelijke aanduiding voor voettekst 3">
+            <a:extLst>
+              <a:ext uri="{FF2B5EF4-FFF2-40B4-BE49-F238E27FC236}">
+                <a16:creationId xmlns:a16="http://schemas.microsoft.com/office/drawing/2014/main" id="{9A86A9FB-1B9E-4B7A-910C-235D3A566A80}"/>
+              </a:ext>
+            </a:extLst>
+          </p:cNvPr>
+          <p:cNvSpPr>
+            <a:spLocks noGrp="1"/>
+          </p:cNvSpPr>
+          <p:nvPr>
+            <p:ph type="ftr" sz="quarter" idx="11"/>
+          </p:nvPr>
+        </p:nvSpPr>
+        <p:spPr/>
+        <p:txBody>
+          <a:bodyPr/>
+          <a:lstStyle/>
+          <a:p>
+            <a:r>
+              <a:rPr lang="nl-BE" dirty="0"/>
+              <a:t>DWD – HTML5 &amp; Games</a:t>
+            </a:r>
+          </a:p>
+        </p:txBody>
+      </p:sp>
+      <p:sp>
+        <p:nvSpPr>
+          <p:cNvPr id="5" name="Tijdelijke aanduiding voor dianummer 4">
+            <a:extLst>
+              <a:ext uri="{FF2B5EF4-FFF2-40B4-BE49-F238E27FC236}">
+                <a16:creationId xmlns:a16="http://schemas.microsoft.com/office/drawing/2014/main" id="{A64CFB49-2F18-4019-89DD-E4922E4505C1}"/>
+              </a:ext>
+            </a:extLst>
+          </p:cNvPr>
+          <p:cNvSpPr>
+            <a:spLocks noGrp="1"/>
+          </p:cNvSpPr>
+          <p:nvPr>
+            <p:ph type="sldNum" sz="quarter" idx="12"/>
+          </p:nvPr>
+        </p:nvSpPr>
+        <p:spPr/>
+        <p:txBody>
+          <a:bodyPr/>
+          <a:lstStyle/>
+          <a:p>
+            <a:fld id="{FF88DA20-ED00-471C-9170-60F590CB400A}" type="slidenum">
+              <a:rPr lang="nl-BE" smtClean="0"/>
+              <a:t>37</a:t>
+            </a:fld>
+            <a:endParaRPr lang="nl-BE"/>
+          </a:p>
+        </p:txBody>
+      </p:sp>
+      <p:sp>
+        <p:nvSpPr>
+          <p:cNvPr id="3" name="Tijdelijke aanduiding voor tekst 2">
+            <a:extLst>
+              <a:ext uri="{FF2B5EF4-FFF2-40B4-BE49-F238E27FC236}">
+                <a16:creationId xmlns:a16="http://schemas.microsoft.com/office/drawing/2014/main" id="{8007CC32-F96E-4CD9-95CF-403FC6BFF49B}"/>
+              </a:ext>
+            </a:extLst>
+          </p:cNvPr>
+          <p:cNvSpPr>
+            <a:spLocks noGrp="1"/>
+          </p:cNvSpPr>
+          <p:nvPr>
+            <p:ph type="body" sz="quarter" idx="13"/>
+          </p:nvPr>
+        </p:nvSpPr>
+        <p:spPr/>
+        <p:txBody>
+          <a:bodyPr/>
+          <a:lstStyle/>
+          <a:p>
+            <a:r>
+              <a:rPr lang="nl-BE" dirty="0"/>
+              <a:t>Extra’s</a:t>
+            </a:r>
+          </a:p>
+        </p:txBody>
+      </p:sp>
+    </p:spTree>
+    <p:extLst>
+      <p:ext uri="{BB962C8B-B14F-4D97-AF65-F5344CB8AC3E}">
+        <p14:creationId xmlns:p14="http://schemas.microsoft.com/office/powerpoint/2010/main" val="3614797913"/>
+      </p:ext>
+    </p:extLst>
+  </p:cSld>
+  <p:clrMapOvr>
+    <a:masterClrMapping/>
+  </p:clrMapOvr>
+</p:sld>
+</file>
+
+<file path=ppt/slides/slide38.xml><?xml version="1.0" encoding="utf-8"?>
+<p:sld xmlns:a="http://schemas.openxmlformats.org/drawingml/2006/main" xmlns:r="http://schemas.openxmlformats.org/officeDocument/2006/relationships" xmlns:p="http://schemas.openxmlformats.org/presentationml/2006/main">
+  <p:cSld>
+    <p:spTree>
+      <p:nvGrpSpPr>
+        <p:cNvPr id="1" name=""/>
+        <p:cNvGrpSpPr/>
+        <p:nvPr/>
+      </p:nvGrpSpPr>
+      <p:grpSpPr>
+        <a:xfrm>
+          <a:off x="0" y="0"/>
+          <a:ext cx="0" cy="0"/>
+          <a:chOff x="0" y="0"/>
+          <a:chExt cx="0" cy="0"/>
+        </a:xfrm>
+      </p:grpSpPr>
+      <p:sp>
+        <p:nvSpPr>
+          <p:cNvPr id="2" name="Titel 1">
+            <a:extLst>
+              <a:ext uri="{FF2B5EF4-FFF2-40B4-BE49-F238E27FC236}">
+                <a16:creationId xmlns:a16="http://schemas.microsoft.com/office/drawing/2014/main" id="{465F132B-C9CE-4FCE-923D-CCAFB92AB8C8}"/>
+              </a:ext>
+            </a:extLst>
+          </p:cNvPr>
+          <p:cNvSpPr>
+            <a:spLocks noGrp="1"/>
+          </p:cNvSpPr>
+          <p:nvPr>
+            <p:ph type="title"/>
+          </p:nvPr>
+        </p:nvSpPr>
+        <p:spPr/>
+        <p:txBody>
+          <a:bodyPr/>
+          <a:lstStyle/>
+          <a:p>
+            <a:r>
               <a:rPr lang="nl-BE" dirty="0" err="1"/>
               <a:t>WebGL</a:t>
             </a:r>
@@ -13451,7 +14398,7 @@
           <a:p>
             <a:fld id="{FF88DA20-ED00-471C-9170-60F590CB400A}" type="slidenum">
               <a:rPr lang="nl-BE" smtClean="0"/>
-              <a:t>34</a:t>
+              <a:t>38</a:t>
             </a:fld>
             <a:endParaRPr lang="nl-BE"/>
           </a:p>
@@ -13592,7 +14539,7 @@
 </p:sld>
 </file>
 
-<file path=ppt/slides/slide35.xml><?xml version="1.0" encoding="utf-8"?>
+<file path=ppt/slides/slide39.xml><?xml version="1.0" encoding="utf-8"?>
 <p:sld xmlns:a="http://schemas.openxmlformats.org/drawingml/2006/main" xmlns:r="http://schemas.openxmlformats.org/officeDocument/2006/relationships" xmlns:p="http://schemas.openxmlformats.org/presentationml/2006/main">
   <p:cSld>
     <p:spTree>
@@ -13734,7 +14681,7 @@
             <a:fld id="{FF88DA20-ED00-471C-9170-60F590CB400A}" type="slidenum">
               <a:rPr lang="nl-BE" smtClean="0"/>
               <a:pPr/>
-              <a:t>35</a:t>
+              <a:t>39</a:t>
             </a:fld>
             <a:endParaRPr lang="nl-BE"/>
           </a:p>
@@ -13769,246 +14716,6 @@
     <p:extLst>
       <p:ext uri="{BB962C8B-B14F-4D97-AF65-F5344CB8AC3E}">
         <p14:creationId xmlns:p14="http://schemas.microsoft.com/office/powerpoint/2010/main" val="3162246282"/>
-      </p:ext>
-    </p:extLst>
-  </p:cSld>
-  <p:clrMapOvr>
-    <a:masterClrMapping/>
-  </p:clrMapOvr>
-</p:sld>
-</file>
-
-<file path=ppt/slides/slide36.xml><?xml version="1.0" encoding="utf-8"?>
-<p:sld xmlns:a="http://schemas.openxmlformats.org/drawingml/2006/main" xmlns:r="http://schemas.openxmlformats.org/officeDocument/2006/relationships" xmlns:p="http://schemas.openxmlformats.org/presentationml/2006/main">
-  <p:cSld>
-    <p:spTree>
-      <p:nvGrpSpPr>
-        <p:cNvPr id="1" name=""/>
-        <p:cNvGrpSpPr/>
-        <p:nvPr/>
-      </p:nvGrpSpPr>
-      <p:grpSpPr>
-        <a:xfrm>
-          <a:off x="0" y="0"/>
-          <a:ext cx="0" cy="0"/>
-          <a:chOff x="0" y="0"/>
-          <a:chExt cx="0" cy="0"/>
-        </a:xfrm>
-      </p:grpSpPr>
-      <p:sp>
-        <p:nvSpPr>
-          <p:cNvPr id="2" name="Titel 1">
-            <a:extLst>
-              <a:ext uri="{FF2B5EF4-FFF2-40B4-BE49-F238E27FC236}">
-                <a16:creationId xmlns:a16="http://schemas.microsoft.com/office/drawing/2014/main" id="{465F132B-C9CE-4FCE-923D-CCAFB92AB8C8}"/>
-              </a:ext>
-            </a:extLst>
-          </p:cNvPr>
-          <p:cNvSpPr>
-            <a:spLocks noGrp="1"/>
-          </p:cNvSpPr>
-          <p:nvPr>
-            <p:ph type="title"/>
-          </p:nvPr>
-        </p:nvSpPr>
-        <p:spPr/>
-        <p:txBody>
-          <a:bodyPr/>
-          <a:lstStyle/>
-          <a:p>
-            <a:r>
-              <a:rPr lang="nl-BE" dirty="0"/>
-              <a:t>Wat is de bedoeling?</a:t>
-            </a:r>
-          </a:p>
-        </p:txBody>
-      </p:sp>
-      <p:sp>
-        <p:nvSpPr>
-          <p:cNvPr id="8" name="Tijdelijke aanduiding voor inhoud 7">
-            <a:extLst>
-              <a:ext uri="{FF2B5EF4-FFF2-40B4-BE49-F238E27FC236}">
-                <a16:creationId xmlns:a16="http://schemas.microsoft.com/office/drawing/2014/main" id="{46660B48-BEE8-4738-9228-05126E64F4BB}"/>
-              </a:ext>
-            </a:extLst>
-          </p:cNvPr>
-          <p:cNvSpPr>
-            <a:spLocks noGrp="1"/>
-          </p:cNvSpPr>
-          <p:nvPr>
-            <p:ph idx="1"/>
-          </p:nvPr>
-        </p:nvSpPr>
-        <p:spPr>
-          <a:xfrm>
-            <a:off x="822291" y="1585519"/>
-            <a:ext cx="10089309" cy="4404220"/>
-          </a:xfrm>
-        </p:spPr>
-        <p:txBody>
-          <a:bodyPr/>
-          <a:lstStyle/>
-          <a:p>
-            <a:r>
-              <a:rPr lang="nl-BE" dirty="0"/>
-              <a:t>Toepassen van de geziene onderwerpen</a:t>
-            </a:r>
-          </a:p>
-          <a:p>
-            <a:pPr lvl="1"/>
-            <a:r>
-              <a:rPr lang="nl-BE" dirty="0" err="1"/>
-              <a:t>Local</a:t>
-            </a:r>
-            <a:r>
-              <a:rPr lang="nl-BE" dirty="0"/>
-              <a:t> storage</a:t>
-            </a:r>
-          </a:p>
-          <a:p>
-            <a:pPr lvl="1"/>
-            <a:r>
-              <a:rPr lang="nl-BE" dirty="0" err="1"/>
-              <a:t>Variable</a:t>
-            </a:r>
-            <a:r>
-              <a:rPr lang="nl-BE" dirty="0"/>
-              <a:t> fonts</a:t>
-            </a:r>
-          </a:p>
-          <a:p>
-            <a:pPr lvl="1"/>
-            <a:r>
-              <a:rPr lang="nl-BE" dirty="0" err="1"/>
-              <a:t>Transforms</a:t>
-            </a:r>
-            <a:endParaRPr lang="nl-BE" dirty="0"/>
-          </a:p>
-          <a:p>
-            <a:pPr lvl="1"/>
-            <a:r>
-              <a:rPr lang="nl-BE" dirty="0" err="1"/>
-              <a:t>Transitions</a:t>
-            </a:r>
-            <a:endParaRPr lang="nl-BE" dirty="0"/>
-          </a:p>
-          <a:p>
-            <a:pPr lvl="1"/>
-            <a:r>
-              <a:rPr lang="nl-BE" dirty="0" err="1"/>
-              <a:t>Request</a:t>
-            </a:r>
-            <a:r>
-              <a:rPr lang="nl-BE" dirty="0"/>
-              <a:t> </a:t>
-            </a:r>
-            <a:r>
-              <a:rPr lang="nl-BE" dirty="0" err="1"/>
-              <a:t>animation</a:t>
-            </a:r>
-            <a:r>
-              <a:rPr lang="nl-BE" dirty="0"/>
-              <a:t> frame</a:t>
-            </a:r>
-          </a:p>
-          <a:p>
-            <a:pPr lvl="1"/>
-            <a:r>
-              <a:rPr lang="nl-BE" dirty="0"/>
-              <a:t>Web speech API</a:t>
-            </a:r>
-          </a:p>
-        </p:txBody>
-      </p:sp>
-      <p:sp>
-        <p:nvSpPr>
-          <p:cNvPr id="4" name="Tijdelijke aanduiding voor voettekst 3">
-            <a:extLst>
-              <a:ext uri="{FF2B5EF4-FFF2-40B4-BE49-F238E27FC236}">
-                <a16:creationId xmlns:a16="http://schemas.microsoft.com/office/drawing/2014/main" id="{9A86A9FB-1B9E-4B7A-910C-235D3A566A80}"/>
-              </a:ext>
-            </a:extLst>
-          </p:cNvPr>
-          <p:cNvSpPr>
-            <a:spLocks noGrp="1"/>
-          </p:cNvSpPr>
-          <p:nvPr>
-            <p:ph type="ftr" sz="quarter" idx="11"/>
-          </p:nvPr>
-        </p:nvSpPr>
-        <p:spPr/>
-        <p:txBody>
-          <a:bodyPr/>
-          <a:lstStyle/>
-          <a:p>
-            <a:r>
-              <a:rPr lang="nl-BE" dirty="0"/>
-              <a:t>DWD – HTML5 &amp; Games</a:t>
-            </a:r>
-          </a:p>
-        </p:txBody>
-      </p:sp>
-      <p:sp>
-        <p:nvSpPr>
-          <p:cNvPr id="5" name="Tijdelijke aanduiding voor dianummer 4">
-            <a:extLst>
-              <a:ext uri="{FF2B5EF4-FFF2-40B4-BE49-F238E27FC236}">
-                <a16:creationId xmlns:a16="http://schemas.microsoft.com/office/drawing/2014/main" id="{A64CFB49-2F18-4019-89DD-E4922E4505C1}"/>
-              </a:ext>
-            </a:extLst>
-          </p:cNvPr>
-          <p:cNvSpPr>
-            <a:spLocks noGrp="1"/>
-          </p:cNvSpPr>
-          <p:nvPr>
-            <p:ph type="sldNum" sz="quarter" idx="12"/>
-          </p:nvPr>
-        </p:nvSpPr>
-        <p:spPr/>
-        <p:txBody>
-          <a:bodyPr/>
-          <a:lstStyle/>
-          <a:p>
-            <a:fld id="{FF88DA20-ED00-471C-9170-60F590CB400A}" type="slidenum">
-              <a:rPr lang="nl-BE" smtClean="0"/>
-              <a:t>36</a:t>
-            </a:fld>
-            <a:endParaRPr lang="nl-BE"/>
-          </a:p>
-        </p:txBody>
-      </p:sp>
-      <p:sp>
-        <p:nvSpPr>
-          <p:cNvPr id="3" name="Tijdelijke aanduiding voor tekst 2">
-            <a:extLst>
-              <a:ext uri="{FF2B5EF4-FFF2-40B4-BE49-F238E27FC236}">
-                <a16:creationId xmlns:a16="http://schemas.microsoft.com/office/drawing/2014/main" id="{8007CC32-F96E-4CD9-95CF-403FC6BFF49B}"/>
-              </a:ext>
-            </a:extLst>
-          </p:cNvPr>
-          <p:cNvSpPr>
-            <a:spLocks noGrp="1"/>
-          </p:cNvSpPr>
-          <p:nvPr>
-            <p:ph type="body" sz="quarter" idx="13"/>
-          </p:nvPr>
-        </p:nvSpPr>
-        <p:spPr/>
-        <p:txBody>
-          <a:bodyPr/>
-          <a:lstStyle/>
-          <a:p>
-            <a:r>
-              <a:rPr lang="nl-BE" dirty="0"/>
-              <a:t>Opdracht</a:t>
-            </a:r>
-          </a:p>
-        </p:txBody>
-      </p:sp>
-    </p:spTree>
-    <p:extLst>
-      <p:ext uri="{BB962C8B-B14F-4D97-AF65-F5344CB8AC3E}">
-        <p14:creationId xmlns:p14="http://schemas.microsoft.com/office/powerpoint/2010/main" val="2978920285"/>
       </p:ext>
     </p:extLst>
   </p:cSld>
@@ -14180,6 +14887,246 @@
     <p:extLst>
       <p:ext uri="{BB962C8B-B14F-4D97-AF65-F5344CB8AC3E}">
         <p14:creationId xmlns:p14="http://schemas.microsoft.com/office/powerpoint/2010/main" val="1840793936"/>
+      </p:ext>
+    </p:extLst>
+  </p:cSld>
+  <p:clrMapOvr>
+    <a:masterClrMapping/>
+  </p:clrMapOvr>
+</p:sld>
+</file>
+
+<file path=ppt/slides/slide40.xml><?xml version="1.0" encoding="utf-8"?>
+<p:sld xmlns:a="http://schemas.openxmlformats.org/drawingml/2006/main" xmlns:r="http://schemas.openxmlformats.org/officeDocument/2006/relationships" xmlns:p="http://schemas.openxmlformats.org/presentationml/2006/main">
+  <p:cSld>
+    <p:spTree>
+      <p:nvGrpSpPr>
+        <p:cNvPr id="1" name=""/>
+        <p:cNvGrpSpPr/>
+        <p:nvPr/>
+      </p:nvGrpSpPr>
+      <p:grpSpPr>
+        <a:xfrm>
+          <a:off x="0" y="0"/>
+          <a:ext cx="0" cy="0"/>
+          <a:chOff x="0" y="0"/>
+          <a:chExt cx="0" cy="0"/>
+        </a:xfrm>
+      </p:grpSpPr>
+      <p:sp>
+        <p:nvSpPr>
+          <p:cNvPr id="2" name="Titel 1">
+            <a:extLst>
+              <a:ext uri="{FF2B5EF4-FFF2-40B4-BE49-F238E27FC236}">
+                <a16:creationId xmlns:a16="http://schemas.microsoft.com/office/drawing/2014/main" id="{465F132B-C9CE-4FCE-923D-CCAFB92AB8C8}"/>
+              </a:ext>
+            </a:extLst>
+          </p:cNvPr>
+          <p:cNvSpPr>
+            <a:spLocks noGrp="1"/>
+          </p:cNvSpPr>
+          <p:nvPr>
+            <p:ph type="title"/>
+          </p:nvPr>
+        </p:nvSpPr>
+        <p:spPr/>
+        <p:txBody>
+          <a:bodyPr/>
+          <a:lstStyle/>
+          <a:p>
+            <a:r>
+              <a:rPr lang="nl-BE" dirty="0"/>
+              <a:t>Wat is de bedoeling?</a:t>
+            </a:r>
+          </a:p>
+        </p:txBody>
+      </p:sp>
+      <p:sp>
+        <p:nvSpPr>
+          <p:cNvPr id="8" name="Tijdelijke aanduiding voor inhoud 7">
+            <a:extLst>
+              <a:ext uri="{FF2B5EF4-FFF2-40B4-BE49-F238E27FC236}">
+                <a16:creationId xmlns:a16="http://schemas.microsoft.com/office/drawing/2014/main" id="{46660B48-BEE8-4738-9228-05126E64F4BB}"/>
+              </a:ext>
+            </a:extLst>
+          </p:cNvPr>
+          <p:cNvSpPr>
+            <a:spLocks noGrp="1"/>
+          </p:cNvSpPr>
+          <p:nvPr>
+            <p:ph idx="1"/>
+          </p:nvPr>
+        </p:nvSpPr>
+        <p:spPr>
+          <a:xfrm>
+            <a:off x="822291" y="1585519"/>
+            <a:ext cx="10089309" cy="4404220"/>
+          </a:xfrm>
+        </p:spPr>
+        <p:txBody>
+          <a:bodyPr/>
+          <a:lstStyle/>
+          <a:p>
+            <a:r>
+              <a:rPr lang="nl-BE" dirty="0"/>
+              <a:t>Toepassen van de geziene onderwerpen</a:t>
+            </a:r>
+          </a:p>
+          <a:p>
+            <a:pPr lvl="1"/>
+            <a:r>
+              <a:rPr lang="nl-BE" dirty="0" err="1"/>
+              <a:t>Local</a:t>
+            </a:r>
+            <a:r>
+              <a:rPr lang="nl-BE" dirty="0"/>
+              <a:t> storage</a:t>
+            </a:r>
+          </a:p>
+          <a:p>
+            <a:pPr lvl="1"/>
+            <a:r>
+              <a:rPr lang="nl-BE" dirty="0" err="1"/>
+              <a:t>Variable</a:t>
+            </a:r>
+            <a:r>
+              <a:rPr lang="nl-BE" dirty="0"/>
+              <a:t> fonts</a:t>
+            </a:r>
+          </a:p>
+          <a:p>
+            <a:pPr lvl="1"/>
+            <a:r>
+              <a:rPr lang="nl-BE" dirty="0" err="1"/>
+              <a:t>Transforms</a:t>
+            </a:r>
+            <a:endParaRPr lang="nl-BE" dirty="0"/>
+          </a:p>
+          <a:p>
+            <a:pPr lvl="1"/>
+            <a:r>
+              <a:rPr lang="nl-BE" dirty="0" err="1"/>
+              <a:t>Transitions</a:t>
+            </a:r>
+            <a:endParaRPr lang="nl-BE" dirty="0"/>
+          </a:p>
+          <a:p>
+            <a:pPr lvl="1"/>
+            <a:r>
+              <a:rPr lang="nl-BE" dirty="0"/>
+              <a:t>Sprites</a:t>
+            </a:r>
+          </a:p>
+          <a:p>
+            <a:pPr lvl="1"/>
+            <a:r>
+              <a:rPr lang="nl-BE" dirty="0" err="1"/>
+              <a:t>Request</a:t>
+            </a:r>
+            <a:r>
+              <a:rPr lang="nl-BE" dirty="0"/>
+              <a:t> </a:t>
+            </a:r>
+            <a:r>
+              <a:rPr lang="nl-BE" dirty="0" err="1"/>
+              <a:t>animation</a:t>
+            </a:r>
+            <a:r>
+              <a:rPr lang="nl-BE" dirty="0"/>
+              <a:t> frame</a:t>
+            </a:r>
+          </a:p>
+        </p:txBody>
+      </p:sp>
+      <p:sp>
+        <p:nvSpPr>
+          <p:cNvPr id="4" name="Tijdelijke aanduiding voor voettekst 3">
+            <a:extLst>
+              <a:ext uri="{FF2B5EF4-FFF2-40B4-BE49-F238E27FC236}">
+                <a16:creationId xmlns:a16="http://schemas.microsoft.com/office/drawing/2014/main" id="{9A86A9FB-1B9E-4B7A-910C-235D3A566A80}"/>
+              </a:ext>
+            </a:extLst>
+          </p:cNvPr>
+          <p:cNvSpPr>
+            <a:spLocks noGrp="1"/>
+          </p:cNvSpPr>
+          <p:nvPr>
+            <p:ph type="ftr" sz="quarter" idx="11"/>
+          </p:nvPr>
+        </p:nvSpPr>
+        <p:spPr/>
+        <p:txBody>
+          <a:bodyPr/>
+          <a:lstStyle/>
+          <a:p>
+            <a:r>
+              <a:rPr lang="nl-BE" dirty="0"/>
+              <a:t>DWD – HTML5 &amp; Games</a:t>
+            </a:r>
+          </a:p>
+        </p:txBody>
+      </p:sp>
+      <p:sp>
+        <p:nvSpPr>
+          <p:cNvPr id="5" name="Tijdelijke aanduiding voor dianummer 4">
+            <a:extLst>
+              <a:ext uri="{FF2B5EF4-FFF2-40B4-BE49-F238E27FC236}">
+                <a16:creationId xmlns:a16="http://schemas.microsoft.com/office/drawing/2014/main" id="{A64CFB49-2F18-4019-89DD-E4922E4505C1}"/>
+              </a:ext>
+            </a:extLst>
+          </p:cNvPr>
+          <p:cNvSpPr>
+            <a:spLocks noGrp="1"/>
+          </p:cNvSpPr>
+          <p:nvPr>
+            <p:ph type="sldNum" sz="quarter" idx="12"/>
+          </p:nvPr>
+        </p:nvSpPr>
+        <p:spPr/>
+        <p:txBody>
+          <a:bodyPr/>
+          <a:lstStyle/>
+          <a:p>
+            <a:fld id="{FF88DA20-ED00-471C-9170-60F590CB400A}" type="slidenum">
+              <a:rPr lang="nl-BE" smtClean="0"/>
+              <a:t>40</a:t>
+            </a:fld>
+            <a:endParaRPr lang="nl-BE"/>
+          </a:p>
+        </p:txBody>
+      </p:sp>
+      <p:sp>
+        <p:nvSpPr>
+          <p:cNvPr id="3" name="Tijdelijke aanduiding voor tekst 2">
+            <a:extLst>
+              <a:ext uri="{FF2B5EF4-FFF2-40B4-BE49-F238E27FC236}">
+                <a16:creationId xmlns:a16="http://schemas.microsoft.com/office/drawing/2014/main" id="{8007CC32-F96E-4CD9-95CF-403FC6BFF49B}"/>
+              </a:ext>
+            </a:extLst>
+          </p:cNvPr>
+          <p:cNvSpPr>
+            <a:spLocks noGrp="1"/>
+          </p:cNvSpPr>
+          <p:nvPr>
+            <p:ph type="body" sz="quarter" idx="13"/>
+          </p:nvPr>
+        </p:nvSpPr>
+        <p:spPr/>
+        <p:txBody>
+          <a:bodyPr/>
+          <a:lstStyle/>
+          <a:p>
+            <a:r>
+              <a:rPr lang="nl-BE" dirty="0"/>
+              <a:t>Opdracht</a:t>
+            </a:r>
+          </a:p>
+        </p:txBody>
+      </p:sp>
+    </p:spTree>
+    <p:extLst>
+      <p:ext uri="{BB962C8B-B14F-4D97-AF65-F5344CB8AC3E}">
+        <p14:creationId xmlns:p14="http://schemas.microsoft.com/office/powerpoint/2010/main" val="2978920285"/>
       </p:ext>
     </p:extLst>
   </p:cSld>

--- a/DWD - Javascript Games - Theorie.pptx
+++ b/DWD - Javascript Games - Theorie.pptx
@@ -9485,7 +9485,12 @@
             <p:ph type="body" sz="quarter" idx="14"/>
           </p:nvPr>
         </p:nvSpPr>
-        <p:spPr/>
+        <p:spPr>
+          <a:xfrm>
+            <a:off x="1440603" y="4493298"/>
+            <a:ext cx="5455147" cy="1617663"/>
+          </a:xfrm>
+        </p:spPr>
         <p:txBody>
           <a:bodyPr/>
           <a:lstStyle/>
@@ -9493,6 +9498,12 @@
             <a:r>
               <a:rPr lang="nl-BE" dirty="0"/>
               <a:t>27 april 2021</a:t>
+            </a:r>
+          </a:p>
+          <a:p>
+            <a:r>
+              <a:rPr lang="nl-BE" dirty="0"/>
+              <a:t>dmitriy.vanderelst@student.arteveldehs.be</a:t>
             </a:r>
           </a:p>
         </p:txBody>

--- a/DWD - Javascript Games - Theorie.pptx
+++ b/DWD - Javascript Games - Theorie.pptx
@@ -5,7 +5,7 @@
     <p:sldMasterId id="2147483648" r:id="rId1"/>
   </p:sldMasterIdLst>
   <p:notesMasterIdLst>
-    <p:notesMasterId r:id="rId42"/>
+    <p:notesMasterId r:id="rId43"/>
   </p:notesMasterIdLst>
   <p:sldIdLst>
     <p:sldId id="261" r:id="rId2"/>
@@ -46,8 +46,9 @@
     <p:sldId id="284" r:id="rId37"/>
     <p:sldId id="283" r:id="rId38"/>
     <p:sldId id="298" r:id="rId39"/>
-    <p:sldId id="304" r:id="rId40"/>
-    <p:sldId id="305" r:id="rId41"/>
+    <p:sldId id="320" r:id="rId40"/>
+    <p:sldId id="304" r:id="rId41"/>
+    <p:sldId id="305" r:id="rId42"/>
   </p:sldIdLst>
   <p:sldSz cx="12192000" cy="6858000"/>
   <p:notesSz cx="6858000" cy="9144000"/>
@@ -236,7 +237,7 @@
           <a:p>
             <a:fld id="{D8EBF3A7-A7E5-42B6-9154-500A7CB5E3E8}" type="datetimeFigureOut">
               <a:rPr lang="nl-BE" smtClean="0"/>
-              <a:t>26/04/2021</a:t>
+              <a:t>27/04/2021</a:t>
             </a:fld>
             <a:endParaRPr lang="nl-BE"/>
           </a:p>
@@ -12291,8 +12292,8 @@
         </p:nvSpPr>
         <p:spPr>
           <a:xfrm>
-            <a:off x="922789" y="2223082"/>
-            <a:ext cx="9988811" cy="2816917"/>
+            <a:off x="922789" y="1633714"/>
+            <a:ext cx="9988811" cy="3406286"/>
           </a:xfrm>
         </p:spPr>
         <p:txBody>
@@ -12418,6 +12419,45 @@
           </a:p>
         </p:txBody>
       </p:sp>
+      <p:pic>
+        <p:nvPicPr>
+          <p:cNvPr id="7" name="Picture 6" descr="Icon&#10;&#10;Description automatically generated with medium confidence">
+            <a:extLst>
+              <a:ext uri="{FF2B5EF4-FFF2-40B4-BE49-F238E27FC236}">
+                <a16:creationId xmlns:a16="http://schemas.microsoft.com/office/drawing/2014/main" id="{7C8AF728-C747-46EB-9034-3BF4A73351FF}"/>
+              </a:ext>
+            </a:extLst>
+          </p:cNvPr>
+          <p:cNvPicPr>
+            <a:picLocks noChangeAspect="1"/>
+          </p:cNvPicPr>
+          <p:nvPr/>
+        </p:nvPicPr>
+        <p:blipFill>
+          <a:blip r:embed="rId2">
+            <a:extLst>
+              <a:ext uri="{28A0092B-C50C-407E-A947-70E740481C1C}">
+                <a14:useLocalDpi xmlns:a14="http://schemas.microsoft.com/office/drawing/2010/main" val="0"/>
+              </a:ext>
+              <a:ext uri="{837473B0-CC2E-450A-ABE3-18F120FF3D39}">
+                <a1611:picAttrSrcUrl xmlns:a1611="http://schemas.microsoft.com/office/drawing/2016/11/main" r:id="rId3"/>
+              </a:ext>
+            </a:extLst>
+          </a:blip>
+          <a:stretch>
+            <a:fillRect/>
+          </a:stretch>
+        </p:blipFill>
+        <p:spPr>
+          <a:xfrm>
+            <a:off x="4577768" y="3388500"/>
+            <a:ext cx="5905500" cy="2857500"/>
+          </a:xfrm>
+          <a:prstGeom prst="rect">
+            <a:avLst/>
+          </a:prstGeom>
+        </p:spPr>
+      </p:pic>
     </p:spTree>
     <p:extLst>
       <p:ext uri="{BB962C8B-B14F-4D97-AF65-F5344CB8AC3E}">
@@ -13252,6 +13292,45 @@
           </a:p>
         </p:txBody>
       </p:sp>
+      <p:pic>
+        <p:nvPicPr>
+          <p:cNvPr id="7" name="Picture 6" descr="A picture containing text, outdoor&#10;&#10;Description automatically generated">
+            <a:extLst>
+              <a:ext uri="{FF2B5EF4-FFF2-40B4-BE49-F238E27FC236}">
+                <a16:creationId xmlns:a16="http://schemas.microsoft.com/office/drawing/2014/main" id="{A6AC9009-8079-44E6-B81E-5041DB18648A}"/>
+              </a:ext>
+            </a:extLst>
+          </p:cNvPr>
+          <p:cNvPicPr>
+            <a:picLocks noChangeAspect="1"/>
+          </p:cNvPicPr>
+          <p:nvPr/>
+        </p:nvPicPr>
+        <p:blipFill>
+          <a:blip r:embed="rId2">
+            <a:extLst>
+              <a:ext uri="{28A0092B-C50C-407E-A947-70E740481C1C}">
+                <a14:useLocalDpi xmlns:a14="http://schemas.microsoft.com/office/drawing/2010/main" val="0"/>
+              </a:ext>
+              <a:ext uri="{837473B0-CC2E-450A-ABE3-18F120FF3D39}">
+                <a1611:picAttrSrcUrl xmlns:a1611="http://schemas.microsoft.com/office/drawing/2016/11/main" r:id="rId3"/>
+              </a:ext>
+            </a:extLst>
+          </a:blip>
+          <a:stretch>
+            <a:fillRect/>
+          </a:stretch>
+        </p:blipFill>
+        <p:spPr>
+          <a:xfrm>
+            <a:off x="6810594" y="2026710"/>
+            <a:ext cx="4847115" cy="3013290"/>
+          </a:xfrm>
+          <a:prstGeom prst="rect">
+            <a:avLst/>
+          </a:prstGeom>
+        </p:spPr>
+      </p:pic>
     </p:spTree>
     <p:extLst>
       <p:ext uri="{BB962C8B-B14F-4D97-AF65-F5344CB8AC3E}">
@@ -14572,7 +14651,7 @@
           <p:cNvPr id="2" name="Titel 1">
             <a:extLst>
               <a:ext uri="{FF2B5EF4-FFF2-40B4-BE49-F238E27FC236}">
-                <a16:creationId xmlns:a16="http://schemas.microsoft.com/office/drawing/2014/main" id="{C5EEAFBD-B5B8-4F85-98E4-19C38B628AD3}"/>
+                <a16:creationId xmlns:a16="http://schemas.microsoft.com/office/drawing/2014/main" id="{465F132B-C9CE-4FCE-923D-CCAFB92AB8C8}"/>
               </a:ext>
             </a:extLst>
           </p:cNvPr>
@@ -14590,52 +14669,303 @@
           <a:p>
             <a:r>
               <a:rPr lang="nl-BE" dirty="0"/>
-              <a:t>Opdracht </a:t>
-            </a:r>
-            <a:r>
-              <a:rPr lang="nl-BE"/>
-              <a:t>(Optioneel)</a:t>
-            </a:r>
-            <a:endParaRPr lang="nl-BE" dirty="0"/>
-          </a:p>
-        </p:txBody>
-      </p:sp>
-      <p:sp>
-        <p:nvSpPr>
-          <p:cNvPr id="3" name="Tijdelijke aanduiding voor tekst 2">
-            <a:extLst>
-              <a:ext uri="{FF2B5EF4-FFF2-40B4-BE49-F238E27FC236}">
-                <a16:creationId xmlns:a16="http://schemas.microsoft.com/office/drawing/2014/main" id="{25E6300B-AC24-4FB2-A05D-06BE75683545}"/>
-              </a:ext>
-            </a:extLst>
-          </p:cNvPr>
-          <p:cNvSpPr>
-            <a:spLocks noGrp="1"/>
-          </p:cNvSpPr>
-          <p:nvPr>
-            <p:ph type="body" idx="1"/>
-          </p:nvPr>
-        </p:nvSpPr>
-        <p:spPr/>
-        <p:txBody>
-          <a:bodyPr/>
-          <a:lstStyle/>
-          <a:p>
+              <a:t>Three.js - </a:t>
+            </a:r>
             <a:r>
               <a:rPr lang="nl-BE" dirty="0" err="1"/>
-              <a:t>What</a:t>
-            </a:r>
-            <a:r>
-              <a:rPr lang="nl-BE" dirty="0"/>
+              <a:t>gITF</a:t>
+            </a:r>
+            <a:r>
+              <a:rPr lang="nl-BE" dirty="0"/>
+              <a:t> export</a:t>
+            </a:r>
+          </a:p>
+        </p:txBody>
+      </p:sp>
+      <p:sp>
+        <p:nvSpPr>
+          <p:cNvPr id="8" name="Tijdelijke aanduiding voor inhoud 7">
+            <a:extLst>
+              <a:ext uri="{FF2B5EF4-FFF2-40B4-BE49-F238E27FC236}">
+                <a16:creationId xmlns:a16="http://schemas.microsoft.com/office/drawing/2014/main" id="{46660B48-BEE8-4738-9228-05126E64F4BB}"/>
+              </a:ext>
+            </a:extLst>
+          </p:cNvPr>
+          <p:cNvSpPr>
+            <a:spLocks noGrp="1"/>
+          </p:cNvSpPr>
+          <p:nvPr>
+            <p:ph idx="1"/>
+          </p:nvPr>
+        </p:nvSpPr>
+        <p:spPr>
+          <a:xfrm>
+            <a:off x="964734" y="1484851"/>
+            <a:ext cx="7544497" cy="4076639"/>
+          </a:xfrm>
+        </p:spPr>
+        <p:txBody>
+          <a:bodyPr/>
+          <a:lstStyle/>
+          <a:p>
+            <a:r>
+              <a:rPr lang="nl-BE" dirty="0"/>
+              <a:t>Het is ook mogelijk om 3D-modellen te importeren die je hebt gemaakt in software zoals:</a:t>
+            </a:r>
+          </a:p>
+          <a:p>
+            <a:pPr lvl="1"/>
+            <a:r>
+              <a:rPr lang="nl-BE" sz="2000" b="1" dirty="0"/>
+              <a:t>Blender</a:t>
+            </a:r>
+            <a:r>
+              <a:rPr lang="nl-BE" sz="2000" dirty="0"/>
               <a:t> </a:t>
             </a:r>
             <a:r>
-              <a:rPr lang="nl-BE" dirty="0" err="1"/>
-              <a:t>to</a:t>
-            </a:r>
-            <a:r>
-              <a:rPr lang="nl-BE" dirty="0"/>
-              <a:t> do?</a:t>
+              <a:rPr lang="nl-BE" sz="2000" dirty="0" err="1"/>
+              <a:t>by</a:t>
+            </a:r>
+            <a:r>
+              <a:rPr lang="nl-BE" sz="2000" dirty="0"/>
+              <a:t> </a:t>
+            </a:r>
+            <a:r>
+              <a:rPr lang="nl-BE" sz="2000" dirty="0" err="1"/>
+              <a:t>the</a:t>
+            </a:r>
+            <a:r>
+              <a:rPr lang="nl-BE" sz="2000" dirty="0"/>
+              <a:t> Blender Foundation</a:t>
+            </a:r>
+          </a:p>
+          <a:p>
+            <a:pPr lvl="1"/>
+            <a:r>
+              <a:rPr lang="nl-BE" sz="2000" b="1" dirty="0" err="1"/>
+              <a:t>Substance</a:t>
+            </a:r>
+            <a:r>
+              <a:rPr lang="nl-BE" sz="2000" b="1" dirty="0"/>
+              <a:t> </a:t>
+            </a:r>
+            <a:r>
+              <a:rPr lang="nl-BE" sz="2000" b="1" dirty="0" err="1"/>
+              <a:t>Painter</a:t>
+            </a:r>
+            <a:r>
+              <a:rPr lang="nl-BE" sz="2000" b="1" dirty="0"/>
+              <a:t> </a:t>
+            </a:r>
+            <a:r>
+              <a:rPr lang="nl-BE" sz="2000" dirty="0" err="1"/>
+              <a:t>by</a:t>
+            </a:r>
+            <a:r>
+              <a:rPr lang="nl-BE" sz="2000" dirty="0"/>
+              <a:t> </a:t>
+            </a:r>
+            <a:r>
+              <a:rPr lang="nl-BE" sz="2000" dirty="0" err="1"/>
+              <a:t>Allegorithmic</a:t>
+            </a:r>
+            <a:endParaRPr lang="nl-BE" sz="2000" dirty="0"/>
+          </a:p>
+          <a:p>
+            <a:pPr lvl="1"/>
+            <a:r>
+              <a:rPr lang="nl-BE" sz="2000" b="1" dirty="0" err="1"/>
+              <a:t>Modo</a:t>
+            </a:r>
+            <a:r>
+              <a:rPr lang="nl-BE" sz="2000" dirty="0"/>
+              <a:t> </a:t>
+            </a:r>
+            <a:r>
+              <a:rPr lang="nl-BE" sz="2000" dirty="0" err="1"/>
+              <a:t>by</a:t>
+            </a:r>
+            <a:r>
+              <a:rPr lang="nl-BE" sz="2000" dirty="0"/>
+              <a:t> </a:t>
+            </a:r>
+            <a:r>
+              <a:rPr lang="nl-BE" sz="2000" dirty="0" err="1"/>
+              <a:t>Foundry</a:t>
+            </a:r>
+            <a:endParaRPr lang="nl-BE" sz="2000" dirty="0"/>
+          </a:p>
+          <a:p>
+            <a:pPr lvl="1"/>
+            <a:r>
+              <a:rPr lang="nl-BE" sz="2000" b="1" dirty="0" err="1"/>
+              <a:t>Toolbag</a:t>
+            </a:r>
+            <a:r>
+              <a:rPr lang="nl-BE" sz="2000" dirty="0"/>
+              <a:t> </a:t>
+            </a:r>
+            <a:r>
+              <a:rPr lang="nl-BE" sz="2000" dirty="0" err="1"/>
+              <a:t>by</a:t>
+            </a:r>
+            <a:r>
+              <a:rPr lang="nl-BE" sz="2000" dirty="0"/>
+              <a:t> </a:t>
+            </a:r>
+            <a:r>
+              <a:rPr lang="nl-BE" sz="2000" dirty="0" err="1"/>
+              <a:t>Marmoset</a:t>
+            </a:r>
+            <a:endParaRPr lang="nl-BE" sz="2000" dirty="0"/>
+          </a:p>
+          <a:p>
+            <a:pPr lvl="1"/>
+            <a:r>
+              <a:rPr lang="nl-BE" sz="2000" b="1" dirty="0" err="1"/>
+              <a:t>Houdini</a:t>
+            </a:r>
+            <a:r>
+              <a:rPr lang="nl-BE" sz="2000" dirty="0"/>
+              <a:t> </a:t>
+            </a:r>
+            <a:r>
+              <a:rPr lang="nl-BE" sz="2000" dirty="0" err="1"/>
+              <a:t>by</a:t>
+            </a:r>
+            <a:r>
+              <a:rPr lang="nl-BE" sz="2000" dirty="0"/>
+              <a:t> </a:t>
+            </a:r>
+            <a:r>
+              <a:rPr lang="nl-BE" sz="2000" dirty="0" err="1"/>
+              <a:t>SideFX</a:t>
+            </a:r>
+            <a:endParaRPr lang="nl-BE" sz="2000" dirty="0"/>
+          </a:p>
+          <a:p>
+            <a:pPr lvl="1"/>
+            <a:r>
+              <a:rPr lang="nl-BE" sz="2000" b="1" dirty="0"/>
+              <a:t>Cinema 4D </a:t>
+            </a:r>
+            <a:r>
+              <a:rPr lang="nl-BE" sz="2000" dirty="0" err="1"/>
+              <a:t>by</a:t>
+            </a:r>
+            <a:r>
+              <a:rPr lang="nl-BE" sz="2000" dirty="0"/>
+              <a:t> MAXON</a:t>
+            </a:r>
+          </a:p>
+          <a:p>
+            <a:pPr lvl="1"/>
+            <a:r>
+              <a:rPr lang="nl-BE" sz="2000" b="1" dirty="0"/>
+              <a:t>COLLADA2GLTF</a:t>
+            </a:r>
+            <a:r>
+              <a:rPr lang="nl-BE" sz="2000" dirty="0"/>
+              <a:t> </a:t>
+            </a:r>
+            <a:r>
+              <a:rPr lang="nl-BE" sz="2000" dirty="0" err="1"/>
+              <a:t>by</a:t>
+            </a:r>
+            <a:r>
+              <a:rPr lang="nl-BE" sz="2000" dirty="0"/>
+              <a:t> </a:t>
+            </a:r>
+            <a:r>
+              <a:rPr lang="nl-BE" sz="2000" dirty="0" err="1"/>
+              <a:t>the</a:t>
+            </a:r>
+            <a:r>
+              <a:rPr lang="nl-BE" sz="2000" dirty="0"/>
+              <a:t> </a:t>
+            </a:r>
+            <a:r>
+              <a:rPr lang="nl-BE" sz="2000" dirty="0" err="1"/>
+              <a:t>Khronos</a:t>
+            </a:r>
+            <a:r>
+              <a:rPr lang="nl-BE" sz="2000" dirty="0"/>
+              <a:t> Group</a:t>
+            </a:r>
+          </a:p>
+          <a:p>
+            <a:pPr lvl="1"/>
+            <a:r>
+              <a:rPr lang="nl-BE" sz="2000" b="1" dirty="0"/>
+              <a:t>FBX2GLTF</a:t>
+            </a:r>
+            <a:r>
+              <a:rPr lang="nl-BE" sz="2000" dirty="0"/>
+              <a:t> </a:t>
+            </a:r>
+            <a:r>
+              <a:rPr lang="nl-BE" sz="2000" dirty="0" err="1"/>
+              <a:t>by</a:t>
+            </a:r>
+            <a:r>
+              <a:rPr lang="nl-BE" sz="2000" dirty="0"/>
+              <a:t> Facebook</a:t>
+            </a:r>
+          </a:p>
+          <a:p>
+            <a:pPr lvl="1"/>
+            <a:r>
+              <a:rPr lang="nl-BE" sz="2000" b="1" dirty="0"/>
+              <a:t>OBJ2GLTF</a:t>
+            </a:r>
+            <a:r>
+              <a:rPr lang="nl-BE" sz="2000" dirty="0"/>
+              <a:t> </a:t>
+            </a:r>
+            <a:r>
+              <a:rPr lang="nl-BE" sz="2000" dirty="0" err="1"/>
+              <a:t>by</a:t>
+            </a:r>
+            <a:r>
+              <a:rPr lang="nl-BE" sz="2000" dirty="0"/>
+              <a:t> </a:t>
+            </a:r>
+            <a:r>
+              <a:rPr lang="nl-BE" sz="2000" dirty="0" err="1"/>
+              <a:t>Analytical</a:t>
+            </a:r>
+            <a:r>
+              <a:rPr lang="nl-BE" sz="2000" dirty="0"/>
+              <a:t> Graphics </a:t>
+            </a:r>
+            <a:r>
+              <a:rPr lang="nl-BE" sz="2000" dirty="0" err="1"/>
+              <a:t>Inc</a:t>
+            </a:r>
+            <a:endParaRPr lang="nl-BE" sz="2000" dirty="0"/>
+          </a:p>
+          <a:p>
+            <a:pPr lvl="1"/>
+            <a:r>
+              <a:rPr lang="nl-BE" sz="2000" dirty="0"/>
+              <a:t>…</a:t>
+            </a:r>
+            <a:r>
+              <a:rPr lang="nl-BE" sz="2000" dirty="0" err="1"/>
+              <a:t>and</a:t>
+            </a:r>
+            <a:r>
+              <a:rPr lang="nl-BE" sz="2000" dirty="0"/>
+              <a:t> </a:t>
+            </a:r>
+            <a:r>
+              <a:rPr lang="nl-BE" sz="2000" b="1" dirty="0" err="1"/>
+              <a:t>many</a:t>
+            </a:r>
+            <a:r>
+              <a:rPr lang="nl-BE" sz="2000" b="1" dirty="0"/>
+              <a:t> more</a:t>
             </a:r>
           </a:p>
         </p:txBody>
@@ -14645,7 +14975,7 @@
           <p:cNvPr id="4" name="Tijdelijke aanduiding voor voettekst 3">
             <a:extLst>
               <a:ext uri="{FF2B5EF4-FFF2-40B4-BE49-F238E27FC236}">
-                <a16:creationId xmlns:a16="http://schemas.microsoft.com/office/drawing/2014/main" id="{7926BCFD-3A9A-492A-A57B-0A991170A3B7}"/>
+                <a16:creationId xmlns:a16="http://schemas.microsoft.com/office/drawing/2014/main" id="{9A86A9FB-1B9E-4B7A-910C-235D3A566A80}"/>
               </a:ext>
             </a:extLst>
           </p:cNvPr>
@@ -14673,7 +15003,7 @@
           <p:cNvPr id="5" name="Tijdelijke aanduiding voor dianummer 4">
             <a:extLst>
               <a:ext uri="{FF2B5EF4-FFF2-40B4-BE49-F238E27FC236}">
-                <a16:creationId xmlns:a16="http://schemas.microsoft.com/office/drawing/2014/main" id="{60BD1991-93F2-4440-9BAB-7167DEBBD3C1}"/>
+                <a16:creationId xmlns:a16="http://schemas.microsoft.com/office/drawing/2014/main" id="{A64CFB49-2F18-4019-89DD-E4922E4505C1}"/>
               </a:ext>
             </a:extLst>
           </p:cNvPr>
@@ -14691,7 +15021,6 @@
           <a:p>
             <a:fld id="{FF88DA20-ED00-471C-9170-60F590CB400A}" type="slidenum">
               <a:rPr lang="nl-BE" smtClean="0"/>
-              <a:pPr/>
               <a:t>39</a:t>
             </a:fld>
             <a:endParaRPr lang="nl-BE"/>
@@ -14700,10 +15029,10 @@
       </p:sp>
       <p:sp>
         <p:nvSpPr>
-          <p:cNvPr id="6" name="Tijdelijke aanduiding voor tekst 5">
-            <a:extLst>
-              <a:ext uri="{FF2B5EF4-FFF2-40B4-BE49-F238E27FC236}">
-                <a16:creationId xmlns:a16="http://schemas.microsoft.com/office/drawing/2014/main" id="{2BC75DC7-FD2B-4961-80F5-1A77FF877DD9}"/>
+          <p:cNvPr id="3" name="Tijdelijke aanduiding voor tekst 2">
+            <a:extLst>
+              <a:ext uri="{FF2B5EF4-FFF2-40B4-BE49-F238E27FC236}">
+                <a16:creationId xmlns:a16="http://schemas.microsoft.com/office/drawing/2014/main" id="{8007CC32-F96E-4CD9-95CF-403FC6BFF49B}"/>
               </a:ext>
             </a:extLst>
           </p:cNvPr>
@@ -14719,14 +15048,64 @@
           <a:bodyPr/>
           <a:lstStyle/>
           <a:p>
-            <a:endParaRPr lang="nl-BE"/>
-          </a:p>
-        </p:txBody>
-      </p:sp>
+            <a:r>
+              <a:rPr lang="nl-BE" dirty="0"/>
+              <a:t>Extra’s</a:t>
+            </a:r>
+          </a:p>
+        </p:txBody>
+      </p:sp>
+      <p:pic>
+        <p:nvPicPr>
+          <p:cNvPr id="5124" name="Picture 4" descr="Developing 3D Web Apps With Three.js | by Tom Castagna | JavaScript in  Plain English">
+            <a:extLst>
+              <a:ext uri="{FF2B5EF4-FFF2-40B4-BE49-F238E27FC236}">
+                <a16:creationId xmlns:a16="http://schemas.microsoft.com/office/drawing/2014/main" id="{7AE9964E-0B44-45D6-A69B-CD7EC14FC46C}"/>
+              </a:ext>
+            </a:extLst>
+          </p:cNvPr>
+          <p:cNvPicPr>
+            <a:picLocks noChangeAspect="1" noChangeArrowheads="1"/>
+          </p:cNvPicPr>
+          <p:nvPr/>
+        </p:nvPicPr>
+        <p:blipFill>
+          <a:blip r:embed="rId2">
+            <a:extLst>
+              <a:ext uri="{28A0092B-C50C-407E-A947-70E740481C1C}">
+                <a14:useLocalDpi xmlns:a14="http://schemas.microsoft.com/office/drawing/2010/main" val="0"/>
+              </a:ext>
+            </a:extLst>
+          </a:blip>
+          <a:srcRect/>
+          <a:stretch>
+            <a:fillRect/>
+          </a:stretch>
+        </p:blipFill>
+        <p:spPr bwMode="auto">
+          <a:xfrm>
+            <a:off x="6470706" y="2913190"/>
+            <a:ext cx="4625524" cy="2338318"/>
+          </a:xfrm>
+          <a:prstGeom prst="rect">
+            <a:avLst/>
+          </a:prstGeom>
+          <a:noFill/>
+          <a:extLst>
+            <a:ext uri="{909E8E84-426E-40DD-AFC4-6F175D3DCCD1}">
+              <a14:hiddenFill xmlns:a14="http://schemas.microsoft.com/office/drawing/2010/main">
+                <a:solidFill>
+                  <a:srgbClr val="FFFFFF"/>
+                </a:solidFill>
+              </a14:hiddenFill>
+            </a:ext>
+          </a:extLst>
+        </p:spPr>
+      </p:pic>
     </p:spTree>
     <p:extLst>
       <p:ext uri="{BB962C8B-B14F-4D97-AF65-F5344CB8AC3E}">
-        <p14:creationId xmlns:p14="http://schemas.microsoft.com/office/powerpoint/2010/main" val="3162246282"/>
+        <p14:creationId xmlns:p14="http://schemas.microsoft.com/office/powerpoint/2010/main" val="3491309351"/>
       </p:ext>
     </p:extLst>
   </p:cSld>
@@ -14929,6 +15308,192 @@
           <p:cNvPr id="2" name="Titel 1">
             <a:extLst>
               <a:ext uri="{FF2B5EF4-FFF2-40B4-BE49-F238E27FC236}">
+                <a16:creationId xmlns:a16="http://schemas.microsoft.com/office/drawing/2014/main" id="{C5EEAFBD-B5B8-4F85-98E4-19C38B628AD3}"/>
+              </a:ext>
+            </a:extLst>
+          </p:cNvPr>
+          <p:cNvSpPr>
+            <a:spLocks noGrp="1"/>
+          </p:cNvSpPr>
+          <p:nvPr>
+            <p:ph type="title"/>
+          </p:nvPr>
+        </p:nvSpPr>
+        <p:spPr/>
+        <p:txBody>
+          <a:bodyPr/>
+          <a:lstStyle/>
+          <a:p>
+            <a:r>
+              <a:rPr lang="nl-BE" dirty="0"/>
+              <a:t>Opdracht </a:t>
+            </a:r>
+            <a:r>
+              <a:rPr lang="nl-BE"/>
+              <a:t>(Optioneel)</a:t>
+            </a:r>
+            <a:endParaRPr lang="nl-BE" dirty="0"/>
+          </a:p>
+        </p:txBody>
+      </p:sp>
+      <p:sp>
+        <p:nvSpPr>
+          <p:cNvPr id="3" name="Tijdelijke aanduiding voor tekst 2">
+            <a:extLst>
+              <a:ext uri="{FF2B5EF4-FFF2-40B4-BE49-F238E27FC236}">
+                <a16:creationId xmlns:a16="http://schemas.microsoft.com/office/drawing/2014/main" id="{25E6300B-AC24-4FB2-A05D-06BE75683545}"/>
+              </a:ext>
+            </a:extLst>
+          </p:cNvPr>
+          <p:cNvSpPr>
+            <a:spLocks noGrp="1"/>
+          </p:cNvSpPr>
+          <p:nvPr>
+            <p:ph type="body" idx="1"/>
+          </p:nvPr>
+        </p:nvSpPr>
+        <p:spPr/>
+        <p:txBody>
+          <a:bodyPr/>
+          <a:lstStyle/>
+          <a:p>
+            <a:r>
+              <a:rPr lang="nl-BE" dirty="0" err="1"/>
+              <a:t>What</a:t>
+            </a:r>
+            <a:r>
+              <a:rPr lang="nl-BE" dirty="0"/>
+              <a:t> </a:t>
+            </a:r>
+            <a:r>
+              <a:rPr lang="nl-BE" dirty="0" err="1"/>
+              <a:t>to</a:t>
+            </a:r>
+            <a:r>
+              <a:rPr lang="nl-BE" dirty="0"/>
+              <a:t> do?</a:t>
+            </a:r>
+          </a:p>
+        </p:txBody>
+      </p:sp>
+      <p:sp>
+        <p:nvSpPr>
+          <p:cNvPr id="4" name="Tijdelijke aanduiding voor voettekst 3">
+            <a:extLst>
+              <a:ext uri="{FF2B5EF4-FFF2-40B4-BE49-F238E27FC236}">
+                <a16:creationId xmlns:a16="http://schemas.microsoft.com/office/drawing/2014/main" id="{7926BCFD-3A9A-492A-A57B-0A991170A3B7}"/>
+              </a:ext>
+            </a:extLst>
+          </p:cNvPr>
+          <p:cNvSpPr>
+            <a:spLocks noGrp="1"/>
+          </p:cNvSpPr>
+          <p:nvPr>
+            <p:ph type="ftr" sz="quarter" idx="11"/>
+          </p:nvPr>
+        </p:nvSpPr>
+        <p:spPr/>
+        <p:txBody>
+          <a:bodyPr/>
+          <a:lstStyle/>
+          <a:p>
+            <a:r>
+              <a:rPr lang="nl-BE" dirty="0"/>
+              <a:t>DWD – HTML5 &amp; Games</a:t>
+            </a:r>
+          </a:p>
+        </p:txBody>
+      </p:sp>
+      <p:sp>
+        <p:nvSpPr>
+          <p:cNvPr id="5" name="Tijdelijke aanduiding voor dianummer 4">
+            <a:extLst>
+              <a:ext uri="{FF2B5EF4-FFF2-40B4-BE49-F238E27FC236}">
+                <a16:creationId xmlns:a16="http://schemas.microsoft.com/office/drawing/2014/main" id="{60BD1991-93F2-4440-9BAB-7167DEBBD3C1}"/>
+              </a:ext>
+            </a:extLst>
+          </p:cNvPr>
+          <p:cNvSpPr>
+            <a:spLocks noGrp="1"/>
+          </p:cNvSpPr>
+          <p:nvPr>
+            <p:ph type="sldNum" sz="quarter" idx="12"/>
+          </p:nvPr>
+        </p:nvSpPr>
+        <p:spPr/>
+        <p:txBody>
+          <a:bodyPr/>
+          <a:lstStyle/>
+          <a:p>
+            <a:fld id="{FF88DA20-ED00-471C-9170-60F590CB400A}" type="slidenum">
+              <a:rPr lang="nl-BE" smtClean="0"/>
+              <a:pPr/>
+              <a:t>40</a:t>
+            </a:fld>
+            <a:endParaRPr lang="nl-BE"/>
+          </a:p>
+        </p:txBody>
+      </p:sp>
+      <p:sp>
+        <p:nvSpPr>
+          <p:cNvPr id="6" name="Tijdelijke aanduiding voor tekst 5">
+            <a:extLst>
+              <a:ext uri="{FF2B5EF4-FFF2-40B4-BE49-F238E27FC236}">
+                <a16:creationId xmlns:a16="http://schemas.microsoft.com/office/drawing/2014/main" id="{2BC75DC7-FD2B-4961-80F5-1A77FF877DD9}"/>
+              </a:ext>
+            </a:extLst>
+          </p:cNvPr>
+          <p:cNvSpPr>
+            <a:spLocks noGrp="1"/>
+          </p:cNvSpPr>
+          <p:nvPr>
+            <p:ph type="body" sz="quarter" idx="13"/>
+          </p:nvPr>
+        </p:nvSpPr>
+        <p:spPr/>
+        <p:txBody>
+          <a:bodyPr/>
+          <a:lstStyle/>
+          <a:p>
+            <a:endParaRPr lang="nl-BE"/>
+          </a:p>
+        </p:txBody>
+      </p:sp>
+    </p:spTree>
+    <p:extLst>
+      <p:ext uri="{BB962C8B-B14F-4D97-AF65-F5344CB8AC3E}">
+        <p14:creationId xmlns:p14="http://schemas.microsoft.com/office/powerpoint/2010/main" val="3162246282"/>
+      </p:ext>
+    </p:extLst>
+  </p:cSld>
+  <p:clrMapOvr>
+    <a:masterClrMapping/>
+  </p:clrMapOvr>
+</p:sld>
+</file>
+
+<file path=ppt/slides/slide41.xml><?xml version="1.0" encoding="utf-8"?>
+<p:sld xmlns:a="http://schemas.openxmlformats.org/drawingml/2006/main" xmlns:r="http://schemas.openxmlformats.org/officeDocument/2006/relationships" xmlns:p="http://schemas.openxmlformats.org/presentationml/2006/main">
+  <p:cSld>
+    <p:spTree>
+      <p:nvGrpSpPr>
+        <p:cNvPr id="1" name=""/>
+        <p:cNvGrpSpPr/>
+        <p:nvPr/>
+      </p:nvGrpSpPr>
+      <p:grpSpPr>
+        <a:xfrm>
+          <a:off x="0" y="0"/>
+          <a:ext cx="0" cy="0"/>
+          <a:chOff x="0" y="0"/>
+          <a:chExt cx="0" cy="0"/>
+        </a:xfrm>
+      </p:grpSpPr>
+      <p:sp>
+        <p:nvSpPr>
+          <p:cNvPr id="2" name="Titel 1">
+            <a:extLst>
+              <a:ext uri="{FF2B5EF4-FFF2-40B4-BE49-F238E27FC236}">
                 <a16:creationId xmlns:a16="http://schemas.microsoft.com/office/drawing/2014/main" id="{465F132B-C9CE-4FCE-923D-CCAFB92AB8C8}"/>
               </a:ext>
             </a:extLst>
@@ -15100,7 +15665,7 @@
           <a:p>
             <a:fld id="{FF88DA20-ED00-471C-9170-60F590CB400A}" type="slidenum">
               <a:rPr lang="nl-BE" smtClean="0"/>
-              <a:t>40</a:t>
+              <a:t>41</a:t>
             </a:fld>
             <a:endParaRPr lang="nl-BE"/>
           </a:p>

--- a/DWD - Javascript Games - Theorie.pptx
+++ b/DWD - Javascript Games - Theorie.pptx
@@ -5,7 +5,7 @@
     <p:sldMasterId id="2147483648" r:id="rId1"/>
   </p:sldMasterIdLst>
   <p:notesMasterIdLst>
-    <p:notesMasterId r:id="rId43"/>
+    <p:notesMasterId r:id="rId44"/>
   </p:notesMasterIdLst>
   <p:sldIdLst>
     <p:sldId id="261" r:id="rId2"/>
@@ -31,24 +31,25 @@
     <p:sldId id="280" r:id="rId22"/>
     <p:sldId id="276" r:id="rId23"/>
     <p:sldId id="281" r:id="rId24"/>
-    <p:sldId id="277" r:id="rId25"/>
-    <p:sldId id="317" r:id="rId26"/>
-    <p:sldId id="318" r:id="rId27"/>
-    <p:sldId id="316" r:id="rId28"/>
+    <p:sldId id="316" r:id="rId25"/>
+    <p:sldId id="319" r:id="rId26"/>
+    <p:sldId id="301" r:id="rId27"/>
+    <p:sldId id="321" r:id="rId28"/>
     <p:sldId id="282" r:id="rId29"/>
-    <p:sldId id="319" r:id="rId30"/>
-    <p:sldId id="301" r:id="rId31"/>
-    <p:sldId id="313" r:id="rId32"/>
-    <p:sldId id="302" r:id="rId33"/>
-    <p:sldId id="273" r:id="rId34"/>
-    <p:sldId id="259" r:id="rId35"/>
-    <p:sldId id="303" r:id="rId36"/>
-    <p:sldId id="284" r:id="rId37"/>
-    <p:sldId id="283" r:id="rId38"/>
-    <p:sldId id="298" r:id="rId39"/>
-    <p:sldId id="320" r:id="rId40"/>
-    <p:sldId id="304" r:id="rId41"/>
-    <p:sldId id="305" r:id="rId42"/>
+    <p:sldId id="302" r:id="rId30"/>
+    <p:sldId id="313" r:id="rId31"/>
+    <p:sldId id="277" r:id="rId32"/>
+    <p:sldId id="317" r:id="rId33"/>
+    <p:sldId id="318" r:id="rId34"/>
+    <p:sldId id="273" r:id="rId35"/>
+    <p:sldId id="259" r:id="rId36"/>
+    <p:sldId id="303" r:id="rId37"/>
+    <p:sldId id="284" r:id="rId38"/>
+    <p:sldId id="283" r:id="rId39"/>
+    <p:sldId id="298" r:id="rId40"/>
+    <p:sldId id="320" r:id="rId41"/>
+    <p:sldId id="304" r:id="rId42"/>
+    <p:sldId id="305" r:id="rId43"/>
   </p:sldIdLst>
   <p:sldSz cx="12192000" cy="6858000"/>
   <p:notesSz cx="6858000" cy="9144000"/>
@@ -237,7 +238,7 @@
           <a:p>
             <a:fld id="{D8EBF3A7-A7E5-42B6-9154-500A7CB5E3E8}" type="datetimeFigureOut">
               <a:rPr lang="nl-BE" smtClean="0"/>
-              <a:t>27/04/2021</a:t>
+              <a:t>28/04/2021</a:t>
             </a:fld>
             <a:endParaRPr lang="nl-BE"/>
           </a:p>
@@ -10462,8 +10463,20 @@
           <a:lstStyle/>
           <a:p>
             <a:r>
-              <a:rPr lang="nl-BE" dirty="0"/>
-              <a:t>Sprites</a:t>
+              <a:rPr lang="nl-BE" dirty="0" err="1"/>
+              <a:t>Request</a:t>
+            </a:r>
+            <a:r>
+              <a:rPr lang="nl-BE" dirty="0"/>
+              <a:t> </a:t>
+            </a:r>
+            <a:r>
+              <a:rPr lang="nl-BE" dirty="0" err="1"/>
+              <a:t>animation</a:t>
+            </a:r>
+            <a:r>
+              <a:rPr lang="nl-BE" dirty="0"/>
+              <a:t> frame</a:t>
             </a:r>
           </a:p>
         </p:txBody>
@@ -10490,13 +10503,14 @@
           <a:lstStyle/>
           <a:p>
             <a:r>
+              <a:rPr lang="nl-BE" dirty="0"/>
+              <a:t>Smart </a:t>
+            </a:r>
+            <a:r>
               <a:rPr lang="nl-BE" dirty="0" err="1"/>
-              <a:t>Animate</a:t>
-            </a:r>
-            <a:r>
-              <a:rPr lang="nl-BE" dirty="0"/>
-              <a:t> images</a:t>
-            </a:r>
+              <a:t>rendering</a:t>
+            </a:r>
+            <a:endParaRPr lang="nl-BE" dirty="0"/>
           </a:p>
         </p:txBody>
       </p:sp>
@@ -10586,7 +10600,7 @@
     </p:spTree>
     <p:extLst>
       <p:ext uri="{BB962C8B-B14F-4D97-AF65-F5344CB8AC3E}">
-        <p14:creationId xmlns:p14="http://schemas.microsoft.com/office/powerpoint/2010/main" val="519223587"/>
+        <p14:creationId xmlns:p14="http://schemas.microsoft.com/office/powerpoint/2010/main" val="871834472"/>
       </p:ext>
     </p:extLst>
   </p:cSld>
@@ -10636,7 +10650,7 @@
           <a:p>
             <a:r>
               <a:rPr lang="nl-BE" dirty="0"/>
-              <a:t>Wat zijn ze?</a:t>
+              <a:t>Frames per second</a:t>
             </a:r>
           </a:p>
         </p:txBody>
@@ -10659,8 +10673,8 @@
         </p:nvSpPr>
         <p:spPr>
           <a:xfrm>
-            <a:off x="922789" y="1535185"/>
-            <a:ext cx="9988811" cy="3504814"/>
+            <a:off x="1258349" y="1577130"/>
+            <a:ext cx="9471169" cy="4479722"/>
           </a:xfrm>
         </p:spPr>
         <p:txBody>
@@ -10668,32 +10682,7 @@
           <a:lstStyle/>
           <a:p>
             <a:pPr lvl="1"/>
-            <a:r>
-              <a:rPr lang="nl-BE" dirty="0"/>
-              <a:t>Een </a:t>
-            </a:r>
-            <a:r>
-              <a:rPr lang="nl-BE" dirty="0" err="1"/>
-              <a:t>sprite</a:t>
-            </a:r>
-            <a:r>
-              <a:rPr lang="nl-BE" dirty="0"/>
-              <a:t> is een animatie opgebouwd uit een reeks afbeeldingen</a:t>
-            </a:r>
-          </a:p>
-          <a:p>
-            <a:pPr lvl="1"/>
-            <a:r>
-              <a:rPr lang="nl-BE" dirty="0"/>
-              <a:t>Deze verschillende afbeeldingen stellen elk een frame voor binnen een animatie</a:t>
-            </a:r>
-          </a:p>
-          <a:p>
-            <a:pPr lvl="1"/>
-            <a:r>
-              <a:rPr lang="nl-BE" dirty="0"/>
-              <a:t>Deze verschillende frames kunnen zich binnen hetzelfde of verschillende bestanden bevinden</a:t>
-            </a:r>
+            <a:endParaRPr lang="nl-BE" dirty="0"/>
           </a:p>
         </p:txBody>
       </p:sp>
@@ -10776,23 +10765,35 @@
           <a:lstStyle/>
           <a:p>
             <a:r>
-              <a:rPr lang="nl-BE" dirty="0"/>
-              <a:t>Sprites</a:t>
+              <a:rPr lang="nl-BE" dirty="0" err="1"/>
+              <a:t>Request</a:t>
+            </a:r>
+            <a:r>
+              <a:rPr lang="nl-BE" dirty="0"/>
+              <a:t> </a:t>
+            </a:r>
+            <a:r>
+              <a:rPr lang="nl-BE" dirty="0" err="1"/>
+              <a:t>animation</a:t>
+            </a:r>
+            <a:r>
+              <a:rPr lang="nl-BE" dirty="0"/>
+              <a:t> frame</a:t>
             </a:r>
           </a:p>
         </p:txBody>
       </p:sp>
       <p:pic>
         <p:nvPicPr>
-          <p:cNvPr id="7" name="Picture 6" descr="Logo&#10;&#10;Description automatically generated">
-            <a:extLst>
-              <a:ext uri="{FF2B5EF4-FFF2-40B4-BE49-F238E27FC236}">
-                <a16:creationId xmlns:a16="http://schemas.microsoft.com/office/drawing/2014/main" id="{D5B9801D-7E8B-4847-BD0A-B115A988B20C}"/>
+          <p:cNvPr id="1026" name="Picture 2" descr="Frame Rate: A Beginner's Guide | TechSmith">
+            <a:extLst>
+              <a:ext uri="{FF2B5EF4-FFF2-40B4-BE49-F238E27FC236}">
+                <a16:creationId xmlns:a16="http://schemas.microsoft.com/office/drawing/2014/main" id="{450070E1-85CB-425C-8483-1078E3BDF93A}"/>
               </a:ext>
             </a:extLst>
           </p:cNvPr>
           <p:cNvPicPr>
-            <a:picLocks noChangeAspect="1"/>
+            <a:picLocks noChangeAspect="1" noChangeArrowheads="1"/>
           </p:cNvPicPr>
           <p:nvPr/>
         </p:nvPicPr>
@@ -10804,24 +10805,35 @@
               </a:ext>
             </a:extLst>
           </a:blip>
+          <a:srcRect/>
           <a:stretch>
             <a:fillRect/>
           </a:stretch>
         </p:blipFill>
-        <p:spPr>
+        <p:spPr bwMode="auto">
           <a:xfrm>
-            <a:off x="0" y="3620105"/>
-            <a:ext cx="12192000" cy="2032000"/>
+            <a:off x="521515" y="1824884"/>
+            <a:ext cx="11148969" cy="3208232"/>
           </a:xfrm>
           <a:prstGeom prst="rect">
             <a:avLst/>
           </a:prstGeom>
+          <a:noFill/>
+          <a:extLst>
+            <a:ext uri="{909E8E84-426E-40DD-AFC4-6F175D3DCCD1}">
+              <a14:hiddenFill xmlns:a14="http://schemas.microsoft.com/office/drawing/2010/main">
+                <a:solidFill>
+                  <a:srgbClr val="FFFFFF"/>
+                </a:solidFill>
+              </a14:hiddenFill>
+            </a:ext>
+          </a:extLst>
         </p:spPr>
       </p:pic>
     </p:spTree>
     <p:extLst>
       <p:ext uri="{BB962C8B-B14F-4D97-AF65-F5344CB8AC3E}">
-        <p14:creationId xmlns:p14="http://schemas.microsoft.com/office/powerpoint/2010/main" val="3732580902"/>
+        <p14:creationId xmlns:p14="http://schemas.microsoft.com/office/powerpoint/2010/main" val="1456392233"/>
       </p:ext>
     </p:extLst>
   </p:cSld>
@@ -10850,10 +10862,10 @@
       </p:grpSpPr>
       <p:sp>
         <p:nvSpPr>
-          <p:cNvPr id="2" name="Titel 1">
-            <a:extLst>
-              <a:ext uri="{FF2B5EF4-FFF2-40B4-BE49-F238E27FC236}">
-                <a16:creationId xmlns:a16="http://schemas.microsoft.com/office/drawing/2014/main" id="{465F132B-C9CE-4FCE-923D-CCAFB92AB8C8}"/>
+          <p:cNvPr id="2" name="Title 1">
+            <a:extLst>
+              <a:ext uri="{FF2B5EF4-FFF2-40B4-BE49-F238E27FC236}">
+                <a16:creationId xmlns:a16="http://schemas.microsoft.com/office/drawing/2014/main" id="{A3E6F2B2-081F-42D1-A341-BCBA1748155C}"/>
               </a:ext>
             </a:extLst>
           </p:cNvPr>
@@ -10871,51 +10883,17 @@
           <a:p>
             <a:r>
               <a:rPr lang="nl-BE" dirty="0"/>
-              <a:t>Voorbeelden</a:t>
-            </a:r>
-          </a:p>
-        </p:txBody>
-      </p:sp>
-      <p:pic>
-        <p:nvPicPr>
-          <p:cNvPr id="13" name="Content Placeholder 12" descr="A picture containing text&#10;&#10;Description automatically generated">
-            <a:extLst>
-              <a:ext uri="{FF2B5EF4-FFF2-40B4-BE49-F238E27FC236}">
-                <a16:creationId xmlns:a16="http://schemas.microsoft.com/office/drawing/2014/main" id="{C4957349-D583-4AA3-9395-8333317DBF9C}"/>
-              </a:ext>
-            </a:extLst>
-          </p:cNvPr>
-          <p:cNvPicPr>
-            <a:picLocks noGrp="1" noChangeAspect="1"/>
-          </p:cNvPicPr>
-          <p:nvPr>
-            <p:ph idx="1"/>
-          </p:nvPr>
-        </p:nvPicPr>
-        <p:blipFill rotWithShape="1">
-          <a:blip r:embed="rId2">
-            <a:extLst>
-              <a:ext uri="{28A0092B-C50C-407E-A947-70E740481C1C}">
-                <a14:useLocalDpi xmlns:a14="http://schemas.microsoft.com/office/drawing/2010/main" val="0"/>
-              </a:ext>
-            </a:extLst>
-          </a:blip>
-          <a:srcRect r="44572" b="64659"/>
-          <a:stretch/>
-        </p:blipFill>
-        <p:spPr>
-          <a:xfrm>
-            <a:off x="396000" y="2319320"/>
-            <a:ext cx="6771154" cy="3386242"/>
-          </a:xfrm>
-        </p:spPr>
-      </p:pic>
-      <p:sp>
-        <p:nvSpPr>
-          <p:cNvPr id="4" name="Tijdelijke aanduiding voor voettekst 3">
-            <a:extLst>
-              <a:ext uri="{FF2B5EF4-FFF2-40B4-BE49-F238E27FC236}">
-                <a16:creationId xmlns:a16="http://schemas.microsoft.com/office/drawing/2014/main" id="{9A86A9FB-1B9E-4B7A-910C-235D3A566A80}"/>
+              <a:t>Voorbeeld</a:t>
+            </a:r>
+          </a:p>
+        </p:txBody>
+      </p:sp>
+      <p:sp>
+        <p:nvSpPr>
+          <p:cNvPr id="4" name="Footer Placeholder 3">
+            <a:extLst>
+              <a:ext uri="{FF2B5EF4-FFF2-40B4-BE49-F238E27FC236}">
+                <a16:creationId xmlns:a16="http://schemas.microsoft.com/office/drawing/2014/main" id="{A019479A-C7B4-40DC-ABA6-3FDFAF64AF9E}"/>
               </a:ext>
             </a:extLst>
           </p:cNvPr>
@@ -10940,10 +10918,10 @@
       </p:sp>
       <p:sp>
         <p:nvSpPr>
-          <p:cNvPr id="5" name="Tijdelijke aanduiding voor dianummer 4">
-            <a:extLst>
-              <a:ext uri="{FF2B5EF4-FFF2-40B4-BE49-F238E27FC236}">
-                <a16:creationId xmlns:a16="http://schemas.microsoft.com/office/drawing/2014/main" id="{A64CFB49-2F18-4019-89DD-E4922E4505C1}"/>
+          <p:cNvPr id="5" name="Slide Number Placeholder 4">
+            <a:extLst>
+              <a:ext uri="{FF2B5EF4-FFF2-40B4-BE49-F238E27FC236}">
+                <a16:creationId xmlns:a16="http://schemas.microsoft.com/office/drawing/2014/main" id="{E5E49462-1BEB-49B1-937F-5C9FF1759EEA}"/>
               </a:ext>
             </a:extLst>
           </p:cNvPr>
@@ -10969,10 +10947,10 @@
       </p:sp>
       <p:sp>
         <p:nvSpPr>
-          <p:cNvPr id="3" name="Tijdelijke aanduiding voor tekst 2">
-            <a:extLst>
-              <a:ext uri="{FF2B5EF4-FFF2-40B4-BE49-F238E27FC236}">
-                <a16:creationId xmlns:a16="http://schemas.microsoft.com/office/drawing/2014/main" id="{8007CC32-F96E-4CD9-95CF-403FC6BFF49B}"/>
+          <p:cNvPr id="6" name="Text Placeholder 5">
+            <a:extLst>
+              <a:ext uri="{FF2B5EF4-FFF2-40B4-BE49-F238E27FC236}">
+                <a16:creationId xmlns:a16="http://schemas.microsoft.com/office/drawing/2014/main" id="{4D2DE9C0-B7F6-445B-AE30-A1035FD034D7}"/>
               </a:ext>
             </a:extLst>
           </p:cNvPr>
@@ -10989,52 +10967,324 @@
           <a:lstStyle/>
           <a:p>
             <a:r>
-              <a:rPr lang="nl-BE" dirty="0"/>
-              <a:t>Sprites</a:t>
-            </a:r>
-          </a:p>
-        </p:txBody>
-      </p:sp>
-      <p:pic>
-        <p:nvPicPr>
-          <p:cNvPr id="15" name="Picture 14" descr="A picture containing dancer, group, posing, line&#10;&#10;Description automatically generated">
-            <a:extLst>
-              <a:ext uri="{FF2B5EF4-FFF2-40B4-BE49-F238E27FC236}">
-                <a16:creationId xmlns:a16="http://schemas.microsoft.com/office/drawing/2014/main" id="{F55D0430-A82E-401A-A720-C3F0330BB8F0}"/>
-              </a:ext>
-            </a:extLst>
-          </p:cNvPr>
-          <p:cNvPicPr>
-            <a:picLocks noChangeAspect="1"/>
-          </p:cNvPicPr>
+              <a:rPr lang="nl-BE" dirty="0" err="1"/>
+              <a:t>Request</a:t>
+            </a:r>
+            <a:r>
+              <a:rPr lang="nl-BE" dirty="0"/>
+              <a:t> </a:t>
+            </a:r>
+            <a:r>
+              <a:rPr lang="nl-BE" dirty="0" err="1"/>
+              <a:t>animation</a:t>
+            </a:r>
+            <a:r>
+              <a:rPr lang="nl-BE" dirty="0"/>
+              <a:t> frame</a:t>
+            </a:r>
+          </a:p>
+        </p:txBody>
+      </p:sp>
+      <p:sp>
+        <p:nvSpPr>
+          <p:cNvPr id="8" name="TextBox 7">
+            <a:extLst>
+              <a:ext uri="{FF2B5EF4-FFF2-40B4-BE49-F238E27FC236}">
+                <a16:creationId xmlns:a16="http://schemas.microsoft.com/office/drawing/2014/main" id="{51A2FFED-4BF8-40F8-B629-661D7959731C}"/>
+              </a:ext>
+            </a:extLst>
+          </p:cNvPr>
+          <p:cNvSpPr txBox="1"/>
           <p:nvPr/>
-        </p:nvPicPr>
-        <p:blipFill>
-          <a:blip r:embed="rId3">
-            <a:extLst>
-              <a:ext uri="{28A0092B-C50C-407E-A947-70E740481C1C}">
-                <a14:useLocalDpi xmlns:a14="http://schemas.microsoft.com/office/drawing/2010/main" val="0"/>
-              </a:ext>
-            </a:extLst>
-          </a:blip>
-          <a:stretch>
-            <a:fillRect/>
-          </a:stretch>
-        </p:blipFill>
+        </p:nvSpPr>
         <p:spPr>
           <a:xfrm>
-            <a:off x="6244046" y="501153"/>
-            <a:ext cx="4946321" cy="3353438"/>
+            <a:off x="2516697" y="2063692"/>
+            <a:ext cx="8867164" cy="2677656"/>
           </a:xfrm>
           <a:prstGeom prst="rect">
             <a:avLst/>
           </a:prstGeom>
+          <a:noFill/>
         </p:spPr>
-      </p:pic>
+        <p:txBody>
+          <a:bodyPr wrap="square">
+            <a:spAutoFit/>
+          </a:bodyPr>
+          <a:lstStyle/>
+          <a:p>
+            <a:r>
+              <a:rPr lang="nl-BE" sz="2800" b="0" dirty="0" err="1">
+                <a:solidFill>
+                  <a:srgbClr val="7A3E9D"/>
+                </a:solidFill>
+                <a:effectLst/>
+                <a:latin typeface="Consolas" panose="020B0609020204030204" pitchFamily="49" charset="0"/>
+              </a:rPr>
+              <a:t>function</a:t>
+            </a:r>
+            <a:r>
+              <a:rPr lang="nl-BE" sz="2800" b="0" dirty="0">
+                <a:solidFill>
+                  <a:srgbClr val="333333"/>
+                </a:solidFill>
+                <a:effectLst/>
+                <a:latin typeface="Consolas" panose="020B0609020204030204" pitchFamily="49" charset="0"/>
+              </a:rPr>
+              <a:t> </a:t>
+            </a:r>
+            <a:r>
+              <a:rPr lang="nl-BE" sz="2800" b="1" dirty="0" err="1">
+                <a:solidFill>
+                  <a:srgbClr val="AA3731"/>
+                </a:solidFill>
+                <a:effectLst/>
+                <a:latin typeface="Consolas" panose="020B0609020204030204" pitchFamily="49" charset="0"/>
+              </a:rPr>
+              <a:t>repeatOften</a:t>
+            </a:r>
+            <a:r>
+              <a:rPr lang="nl-BE" sz="2800" b="0" dirty="0">
+                <a:solidFill>
+                  <a:srgbClr val="777777"/>
+                </a:solidFill>
+                <a:effectLst/>
+                <a:latin typeface="Consolas" panose="020B0609020204030204" pitchFamily="49" charset="0"/>
+              </a:rPr>
+              <a:t>()</a:t>
+            </a:r>
+            <a:r>
+              <a:rPr lang="nl-BE" sz="2800" b="0" dirty="0">
+                <a:solidFill>
+                  <a:srgbClr val="333333"/>
+                </a:solidFill>
+                <a:effectLst/>
+                <a:latin typeface="Consolas" panose="020B0609020204030204" pitchFamily="49" charset="0"/>
+              </a:rPr>
+              <a:t> </a:t>
+            </a:r>
+            <a:r>
+              <a:rPr lang="nl-BE" sz="2800" b="0" dirty="0">
+                <a:solidFill>
+                  <a:srgbClr val="777777"/>
+                </a:solidFill>
+                <a:effectLst/>
+                <a:latin typeface="Consolas" panose="020B0609020204030204" pitchFamily="49" charset="0"/>
+              </a:rPr>
+              <a:t>{</a:t>
+            </a:r>
+            <a:endParaRPr lang="nl-BE" sz="2800" b="0" dirty="0">
+              <a:solidFill>
+                <a:srgbClr val="333333"/>
+              </a:solidFill>
+              <a:effectLst/>
+              <a:latin typeface="Consolas" panose="020B0609020204030204" pitchFamily="49" charset="0"/>
+            </a:endParaRPr>
+          </a:p>
+          <a:p>
+            <a:r>
+              <a:rPr lang="nl-BE" sz="2800" b="0" dirty="0">
+                <a:solidFill>
+                  <a:srgbClr val="777777"/>
+                </a:solidFill>
+                <a:effectLst/>
+                <a:latin typeface="Consolas" panose="020B0609020204030204" pitchFamily="49" charset="0"/>
+              </a:rPr>
+              <a:t>   </a:t>
+            </a:r>
+            <a:r>
+              <a:rPr lang="nl-BE" sz="2800" b="0" i="1" dirty="0">
+                <a:solidFill>
+                  <a:srgbClr val="AAAAAA"/>
+                </a:solidFill>
+                <a:effectLst/>
+                <a:latin typeface="Consolas" panose="020B0609020204030204" pitchFamily="49" charset="0"/>
+              </a:rPr>
+              <a:t>// Do </a:t>
+            </a:r>
+            <a:r>
+              <a:rPr lang="nl-BE" sz="2800" b="0" i="1" dirty="0" err="1">
+                <a:solidFill>
+                  <a:srgbClr val="AAAAAA"/>
+                </a:solidFill>
+                <a:effectLst/>
+                <a:latin typeface="Consolas" panose="020B0609020204030204" pitchFamily="49" charset="0"/>
+              </a:rPr>
+              <a:t>whatever</a:t>
+            </a:r>
+            <a:endParaRPr lang="nl-BE" sz="2800" b="0" dirty="0">
+              <a:solidFill>
+                <a:srgbClr val="333333"/>
+              </a:solidFill>
+              <a:effectLst/>
+              <a:latin typeface="Consolas" panose="020B0609020204030204" pitchFamily="49" charset="0"/>
+            </a:endParaRPr>
+          </a:p>
+          <a:p>
+            <a:r>
+              <a:rPr lang="nl-BE" sz="2800" b="0" dirty="0">
+                <a:solidFill>
+                  <a:srgbClr val="333333"/>
+                </a:solidFill>
+                <a:effectLst/>
+                <a:latin typeface="Consolas" panose="020B0609020204030204" pitchFamily="49" charset="0"/>
+              </a:rPr>
+              <a:t>   </a:t>
+            </a:r>
+            <a:r>
+              <a:rPr lang="nl-BE" sz="2800" b="1" dirty="0" err="1">
+                <a:solidFill>
+                  <a:srgbClr val="AA3731"/>
+                </a:solidFill>
+                <a:effectLst/>
+                <a:latin typeface="Consolas" panose="020B0609020204030204" pitchFamily="49" charset="0"/>
+              </a:rPr>
+              <a:t>requestAnimationFrame</a:t>
+            </a:r>
+            <a:r>
+              <a:rPr lang="nl-BE" sz="2800" b="0" dirty="0">
+                <a:solidFill>
+                  <a:srgbClr val="333333"/>
+                </a:solidFill>
+                <a:effectLst/>
+                <a:latin typeface="Consolas" panose="020B0609020204030204" pitchFamily="49" charset="0"/>
+              </a:rPr>
+              <a:t>(</a:t>
+            </a:r>
+            <a:r>
+              <a:rPr lang="nl-BE" sz="2800" b="1" dirty="0" err="1">
+                <a:solidFill>
+                  <a:srgbClr val="AA3731"/>
+                </a:solidFill>
+                <a:effectLst/>
+                <a:latin typeface="Consolas" panose="020B0609020204030204" pitchFamily="49" charset="0"/>
+              </a:rPr>
+              <a:t>repeatOften</a:t>
+            </a:r>
+            <a:r>
+              <a:rPr lang="nl-BE" sz="2800" b="0" dirty="0">
+                <a:solidFill>
+                  <a:srgbClr val="333333"/>
+                </a:solidFill>
+                <a:effectLst/>
+                <a:latin typeface="Consolas" panose="020B0609020204030204" pitchFamily="49" charset="0"/>
+              </a:rPr>
+              <a:t>)</a:t>
+            </a:r>
+            <a:r>
+              <a:rPr lang="nl-BE" sz="2800" b="0" dirty="0">
+                <a:solidFill>
+                  <a:srgbClr val="777777"/>
+                </a:solidFill>
+                <a:effectLst/>
+                <a:latin typeface="Consolas" panose="020B0609020204030204" pitchFamily="49" charset="0"/>
+              </a:rPr>
+              <a:t>;</a:t>
+            </a:r>
+            <a:endParaRPr lang="nl-BE" sz="2800" b="0" dirty="0">
+              <a:solidFill>
+                <a:srgbClr val="333333"/>
+              </a:solidFill>
+              <a:effectLst/>
+              <a:latin typeface="Consolas" panose="020B0609020204030204" pitchFamily="49" charset="0"/>
+            </a:endParaRPr>
+          </a:p>
+          <a:p>
+            <a:r>
+              <a:rPr lang="nl-BE" sz="2800" b="0" dirty="0">
+                <a:solidFill>
+                  <a:srgbClr val="777777"/>
+                </a:solidFill>
+                <a:effectLst/>
+                <a:latin typeface="Consolas" panose="020B0609020204030204" pitchFamily="49" charset="0"/>
+              </a:rPr>
+              <a:t>}</a:t>
+            </a:r>
+            <a:endParaRPr lang="nl-BE" sz="2800" b="0" dirty="0">
+              <a:solidFill>
+                <a:srgbClr val="333333"/>
+              </a:solidFill>
+              <a:effectLst/>
+              <a:latin typeface="Consolas" panose="020B0609020204030204" pitchFamily="49" charset="0"/>
+            </a:endParaRPr>
+          </a:p>
+          <a:p>
+            <a:r>
+              <a:rPr lang="nl-BE" sz="2800" b="1" dirty="0" err="1">
+                <a:solidFill>
+                  <a:srgbClr val="AA3731"/>
+                </a:solidFill>
+                <a:effectLst/>
+                <a:latin typeface="Consolas" panose="020B0609020204030204" pitchFamily="49" charset="0"/>
+              </a:rPr>
+              <a:t>requestAnimationFrame</a:t>
+            </a:r>
+            <a:r>
+              <a:rPr lang="nl-BE" sz="2800" b="0" dirty="0">
+                <a:solidFill>
+                  <a:srgbClr val="333333"/>
+                </a:solidFill>
+                <a:effectLst/>
+                <a:latin typeface="Consolas" panose="020B0609020204030204" pitchFamily="49" charset="0"/>
+              </a:rPr>
+              <a:t>(</a:t>
+            </a:r>
+            <a:r>
+              <a:rPr lang="nl-BE" sz="2800" b="1" dirty="0" err="1">
+                <a:solidFill>
+                  <a:srgbClr val="AA3731"/>
+                </a:solidFill>
+                <a:effectLst/>
+                <a:latin typeface="Consolas" panose="020B0609020204030204" pitchFamily="49" charset="0"/>
+              </a:rPr>
+              <a:t>repeatOften</a:t>
+            </a:r>
+            <a:r>
+              <a:rPr lang="nl-BE" sz="2800" b="0" dirty="0">
+                <a:solidFill>
+                  <a:srgbClr val="333333"/>
+                </a:solidFill>
+                <a:effectLst/>
+                <a:latin typeface="Consolas" panose="020B0609020204030204" pitchFamily="49" charset="0"/>
+              </a:rPr>
+              <a:t>)</a:t>
+            </a:r>
+            <a:r>
+              <a:rPr lang="nl-BE" sz="2800" b="0" dirty="0">
+                <a:solidFill>
+                  <a:srgbClr val="777777"/>
+                </a:solidFill>
+                <a:effectLst/>
+                <a:latin typeface="Consolas" panose="020B0609020204030204" pitchFamily="49" charset="0"/>
+              </a:rPr>
+              <a:t>;</a:t>
+            </a:r>
+            <a:endParaRPr lang="nl-BE" sz="2800" b="0" dirty="0">
+              <a:solidFill>
+                <a:srgbClr val="333333"/>
+              </a:solidFill>
+              <a:effectLst/>
+              <a:latin typeface="Consolas" panose="020B0609020204030204" pitchFamily="49" charset="0"/>
+            </a:endParaRPr>
+          </a:p>
+          <a:p>
+            <a:r>
+              <a:rPr lang="nl-BE" sz="2800" b="0" dirty="0">
+                <a:solidFill>
+                  <a:srgbClr val="333333"/>
+                </a:solidFill>
+                <a:effectLst/>
+                <a:latin typeface="Consolas" panose="020B0609020204030204" pitchFamily="49" charset="0"/>
+              </a:rPr>
+              <a:t>  </a:t>
+            </a:r>
+          </a:p>
+        </p:txBody>
+      </p:sp>
     </p:spTree>
     <p:extLst>
       <p:ext uri="{BB962C8B-B14F-4D97-AF65-F5344CB8AC3E}">
-        <p14:creationId xmlns:p14="http://schemas.microsoft.com/office/powerpoint/2010/main" val="2762625433"/>
+        <p14:creationId xmlns:p14="http://schemas.microsoft.com/office/powerpoint/2010/main" val="3876490024"/>
       </p:ext>
     </p:extLst>
   </p:cSld>
@@ -11066,7 +11316,7 @@
           <p:cNvPr id="2" name="Titel 1">
             <a:extLst>
               <a:ext uri="{FF2B5EF4-FFF2-40B4-BE49-F238E27FC236}">
-                <a16:creationId xmlns:a16="http://schemas.microsoft.com/office/drawing/2014/main" id="{C5EEAFBD-B5B8-4F85-98E4-19C38B628AD3}"/>
+                <a16:creationId xmlns:a16="http://schemas.microsoft.com/office/drawing/2014/main" id="{465F132B-C9CE-4FCE-923D-CCAFB92AB8C8}"/>
               </a:ext>
             </a:extLst>
           </p:cNvPr>
@@ -11083,54 +11333,70 @@
           <a:lstStyle/>
           <a:p>
             <a:r>
+              <a:rPr lang="nl-BE" dirty="0"/>
+              <a:t>Waarom niet gewoon een loop?</a:t>
+            </a:r>
+          </a:p>
+        </p:txBody>
+      </p:sp>
+      <p:sp>
+        <p:nvSpPr>
+          <p:cNvPr id="8" name="Tijdelijke aanduiding voor inhoud 7">
+            <a:extLst>
+              <a:ext uri="{FF2B5EF4-FFF2-40B4-BE49-F238E27FC236}">
+                <a16:creationId xmlns:a16="http://schemas.microsoft.com/office/drawing/2014/main" id="{46660B48-BEE8-4738-9228-05126E64F4BB}"/>
+              </a:ext>
+            </a:extLst>
+          </p:cNvPr>
+          <p:cNvSpPr>
+            <a:spLocks noGrp="1"/>
+          </p:cNvSpPr>
+          <p:nvPr>
+            <p:ph idx="1"/>
+          </p:nvPr>
+        </p:nvSpPr>
+        <p:spPr>
+          <a:xfrm>
+            <a:off x="922789" y="1633714"/>
+            <a:ext cx="9988811" cy="3406286"/>
+          </a:xfrm>
+        </p:spPr>
+        <p:txBody>
+          <a:bodyPr/>
+          <a:lstStyle/>
+          <a:p>
+            <a:pPr lvl="1"/>
+            <a:r>
+              <a:rPr lang="nl-BE" dirty="0"/>
+              <a:t>Javascript is single-</a:t>
+            </a:r>
+            <a:r>
               <a:rPr lang="nl-BE" dirty="0" err="1"/>
-              <a:t>Request</a:t>
-            </a:r>
-            <a:r>
-              <a:rPr lang="nl-BE" dirty="0"/>
-              <a:t> </a:t>
+              <a:t>threaded</a:t>
+            </a:r>
+            <a:endParaRPr lang="nl-BE" dirty="0"/>
+          </a:p>
+          <a:p>
+            <a:pPr lvl="1"/>
+            <a:r>
+              <a:rPr lang="nl-BE" dirty="0"/>
+              <a:t>Loops zijn ‘</a:t>
             </a:r>
             <a:r>
               <a:rPr lang="nl-BE" dirty="0" err="1"/>
-              <a:t>animation</a:t>
-            </a:r>
-            <a:r>
-              <a:rPr lang="nl-BE" dirty="0"/>
-              <a:t> frame</a:t>
-            </a:r>
-          </a:p>
-        </p:txBody>
-      </p:sp>
-      <p:sp>
-        <p:nvSpPr>
-          <p:cNvPr id="3" name="Tijdelijke aanduiding voor tekst 2">
-            <a:extLst>
-              <a:ext uri="{FF2B5EF4-FFF2-40B4-BE49-F238E27FC236}">
-                <a16:creationId xmlns:a16="http://schemas.microsoft.com/office/drawing/2014/main" id="{25E6300B-AC24-4FB2-A05D-06BE75683545}"/>
-              </a:ext>
-            </a:extLst>
-          </p:cNvPr>
-          <p:cNvSpPr>
-            <a:spLocks noGrp="1"/>
-          </p:cNvSpPr>
-          <p:nvPr>
-            <p:ph type="body" idx="1"/>
-          </p:nvPr>
-        </p:nvSpPr>
-        <p:spPr/>
-        <p:txBody>
-          <a:bodyPr/>
-          <a:lstStyle/>
-          <a:p>
-            <a:r>
-              <a:rPr lang="nl-BE" dirty="0"/>
-              <a:t>Smart </a:t>
-            </a:r>
-            <a:r>
-              <a:rPr lang="nl-BE" dirty="0" err="1"/>
-              <a:t>rendering</a:t>
-            </a:r>
-            <a:endParaRPr lang="nl-BE" dirty="0"/>
+              <a:t>blocking</a:t>
+            </a:r>
+            <a:r>
+              <a:rPr lang="nl-BE" dirty="0"/>
+              <a:t>’-code</a:t>
+            </a:r>
+          </a:p>
+          <a:p>
+            <a:pPr lvl="1"/>
+            <a:r>
+              <a:rPr lang="nl-BE" dirty="0"/>
+              <a:t>Geen controle over snelheid</a:t>
+            </a:r>
           </a:p>
         </p:txBody>
       </p:sp>
@@ -11139,7 +11405,7 @@
           <p:cNvPr id="4" name="Tijdelijke aanduiding voor voettekst 3">
             <a:extLst>
               <a:ext uri="{FF2B5EF4-FFF2-40B4-BE49-F238E27FC236}">
-                <a16:creationId xmlns:a16="http://schemas.microsoft.com/office/drawing/2014/main" id="{7926BCFD-3A9A-492A-A57B-0A991170A3B7}"/>
+                <a16:creationId xmlns:a16="http://schemas.microsoft.com/office/drawing/2014/main" id="{9A86A9FB-1B9E-4B7A-910C-235D3A566A80}"/>
               </a:ext>
             </a:extLst>
           </p:cNvPr>
@@ -11167,7 +11433,7 @@
           <p:cNvPr id="5" name="Tijdelijke aanduiding voor dianummer 4">
             <a:extLst>
               <a:ext uri="{FF2B5EF4-FFF2-40B4-BE49-F238E27FC236}">
-                <a16:creationId xmlns:a16="http://schemas.microsoft.com/office/drawing/2014/main" id="{60BD1991-93F2-4440-9BAB-7167DEBBD3C1}"/>
+                <a16:creationId xmlns:a16="http://schemas.microsoft.com/office/drawing/2014/main" id="{A64CFB49-2F18-4019-89DD-E4922E4505C1}"/>
               </a:ext>
             </a:extLst>
           </p:cNvPr>
@@ -11185,7 +11451,6 @@
           <a:p>
             <a:fld id="{FF88DA20-ED00-471C-9170-60F590CB400A}" type="slidenum">
               <a:rPr lang="nl-BE" smtClean="0"/>
-              <a:pPr/>
               <a:t>27</a:t>
             </a:fld>
             <a:endParaRPr lang="nl-BE"/>
@@ -11194,10 +11459,10 @@
       </p:sp>
       <p:sp>
         <p:nvSpPr>
-          <p:cNvPr id="6" name="Tijdelijke aanduiding voor tekst 5">
-            <a:extLst>
-              <a:ext uri="{FF2B5EF4-FFF2-40B4-BE49-F238E27FC236}">
-                <a16:creationId xmlns:a16="http://schemas.microsoft.com/office/drawing/2014/main" id="{2BC75DC7-FD2B-4961-80F5-1A77FF877DD9}"/>
+          <p:cNvPr id="3" name="Tijdelijke aanduiding voor tekst 2">
+            <a:extLst>
+              <a:ext uri="{FF2B5EF4-FFF2-40B4-BE49-F238E27FC236}">
+                <a16:creationId xmlns:a16="http://schemas.microsoft.com/office/drawing/2014/main" id="{8007CC32-F96E-4CD9-95CF-403FC6BFF49B}"/>
               </a:ext>
             </a:extLst>
           </p:cNvPr>
@@ -11213,14 +11478,355 @@
           <a:bodyPr/>
           <a:lstStyle/>
           <a:p>
-            <a:endParaRPr lang="nl-BE"/>
+            <a:r>
+              <a:rPr lang="nl-BE" dirty="0" err="1"/>
+              <a:t>Request</a:t>
+            </a:r>
+            <a:r>
+              <a:rPr lang="nl-BE" dirty="0"/>
+              <a:t> </a:t>
+            </a:r>
+            <a:r>
+              <a:rPr lang="nl-BE" dirty="0" err="1"/>
+              <a:t>animation</a:t>
+            </a:r>
+            <a:r>
+              <a:rPr lang="nl-BE" dirty="0"/>
+              <a:t> frame</a:t>
+            </a:r>
+          </a:p>
+        </p:txBody>
+      </p:sp>
+      <p:sp>
+        <p:nvSpPr>
+          <p:cNvPr id="9" name="TextBox 8">
+            <a:extLst>
+              <a:ext uri="{FF2B5EF4-FFF2-40B4-BE49-F238E27FC236}">
+                <a16:creationId xmlns:a16="http://schemas.microsoft.com/office/drawing/2014/main" id="{FD04729C-8554-44BD-82E7-ED2871C85B2A}"/>
+              </a:ext>
+            </a:extLst>
+          </p:cNvPr>
+          <p:cNvSpPr txBox="1"/>
+          <p:nvPr/>
+        </p:nvSpPr>
+        <p:spPr>
+          <a:xfrm>
+            <a:off x="3154261" y="3655005"/>
+            <a:ext cx="8585752" cy="1384995"/>
+          </a:xfrm>
+          <a:prstGeom prst="rect">
+            <a:avLst/>
+          </a:prstGeom>
+          <a:noFill/>
+        </p:spPr>
+        <p:txBody>
+          <a:bodyPr wrap="square">
+            <a:spAutoFit/>
+          </a:bodyPr>
+          <a:lstStyle/>
+          <a:p>
+            <a:r>
+              <a:rPr lang="nl-BE" sz="2800" b="0" dirty="0" err="1">
+                <a:solidFill>
+                  <a:srgbClr val="4B69C6"/>
+                </a:solidFill>
+                <a:effectLst/>
+                <a:latin typeface="Consolas" panose="020B0609020204030204" pitchFamily="49" charset="0"/>
+              </a:rPr>
+              <a:t>for</a:t>
+            </a:r>
+            <a:r>
+              <a:rPr lang="nl-BE" sz="2800" b="0" dirty="0">
+                <a:solidFill>
+                  <a:srgbClr val="333333"/>
+                </a:solidFill>
+                <a:effectLst/>
+                <a:latin typeface="Consolas" panose="020B0609020204030204" pitchFamily="49" charset="0"/>
+              </a:rPr>
+              <a:t> (</a:t>
+            </a:r>
+            <a:r>
+              <a:rPr lang="nl-BE" sz="2800" b="0" dirty="0">
+                <a:solidFill>
+                  <a:srgbClr val="7A3E9D"/>
+                </a:solidFill>
+                <a:effectLst/>
+                <a:latin typeface="Consolas" panose="020B0609020204030204" pitchFamily="49" charset="0"/>
+              </a:rPr>
+              <a:t>let</a:t>
+            </a:r>
+            <a:r>
+              <a:rPr lang="nl-BE" sz="2800" b="0" dirty="0">
+                <a:solidFill>
+                  <a:srgbClr val="333333"/>
+                </a:solidFill>
+                <a:effectLst/>
+                <a:latin typeface="Consolas" panose="020B0609020204030204" pitchFamily="49" charset="0"/>
+              </a:rPr>
+              <a:t> </a:t>
+            </a:r>
+            <a:r>
+              <a:rPr lang="nl-BE" sz="2800" b="0" dirty="0">
+                <a:solidFill>
+                  <a:srgbClr val="7A3E9D"/>
+                </a:solidFill>
+                <a:effectLst/>
+                <a:latin typeface="Consolas" panose="020B0609020204030204" pitchFamily="49" charset="0"/>
+              </a:rPr>
+              <a:t>i</a:t>
+            </a:r>
+            <a:r>
+              <a:rPr lang="nl-BE" sz="2800" b="0" dirty="0">
+                <a:solidFill>
+                  <a:srgbClr val="333333"/>
+                </a:solidFill>
+                <a:effectLst/>
+                <a:latin typeface="Consolas" panose="020B0609020204030204" pitchFamily="49" charset="0"/>
+              </a:rPr>
+              <a:t> </a:t>
+            </a:r>
+            <a:r>
+              <a:rPr lang="nl-BE" sz="2800" b="0" dirty="0">
+                <a:solidFill>
+                  <a:srgbClr val="777777"/>
+                </a:solidFill>
+                <a:effectLst/>
+                <a:latin typeface="Consolas" panose="020B0609020204030204" pitchFamily="49" charset="0"/>
+              </a:rPr>
+              <a:t>=</a:t>
+            </a:r>
+            <a:r>
+              <a:rPr lang="nl-BE" sz="2800" b="0" dirty="0">
+                <a:solidFill>
+                  <a:srgbClr val="333333"/>
+                </a:solidFill>
+                <a:effectLst/>
+                <a:latin typeface="Consolas" panose="020B0609020204030204" pitchFamily="49" charset="0"/>
+              </a:rPr>
+              <a:t> </a:t>
+            </a:r>
+            <a:r>
+              <a:rPr lang="nl-BE" sz="2800" b="0" dirty="0">
+                <a:solidFill>
+                  <a:srgbClr val="9C5D27"/>
+                </a:solidFill>
+                <a:effectLst/>
+                <a:latin typeface="Consolas" panose="020B0609020204030204" pitchFamily="49" charset="0"/>
+              </a:rPr>
+              <a:t>0</a:t>
+            </a:r>
+            <a:r>
+              <a:rPr lang="nl-BE" sz="2800" b="0" dirty="0">
+                <a:solidFill>
+                  <a:srgbClr val="777777"/>
+                </a:solidFill>
+                <a:effectLst/>
+                <a:latin typeface="Consolas" panose="020B0609020204030204" pitchFamily="49" charset="0"/>
+              </a:rPr>
+              <a:t>;</a:t>
+            </a:r>
+            <a:r>
+              <a:rPr lang="nl-BE" sz="2800" b="0" dirty="0">
+                <a:solidFill>
+                  <a:srgbClr val="333333"/>
+                </a:solidFill>
+                <a:effectLst/>
+                <a:latin typeface="Consolas" panose="020B0609020204030204" pitchFamily="49" charset="0"/>
+              </a:rPr>
+              <a:t> </a:t>
+            </a:r>
+            <a:r>
+              <a:rPr lang="nl-BE" sz="2800" b="0" dirty="0">
+                <a:solidFill>
+                  <a:srgbClr val="7A3E9D"/>
+                </a:solidFill>
+                <a:effectLst/>
+                <a:latin typeface="Consolas" panose="020B0609020204030204" pitchFamily="49" charset="0"/>
+              </a:rPr>
+              <a:t>i</a:t>
+            </a:r>
+            <a:r>
+              <a:rPr lang="nl-BE" sz="2800" b="0" dirty="0">
+                <a:solidFill>
+                  <a:srgbClr val="333333"/>
+                </a:solidFill>
+                <a:effectLst/>
+                <a:latin typeface="Consolas" panose="020B0609020204030204" pitchFamily="49" charset="0"/>
+              </a:rPr>
+              <a:t> </a:t>
+            </a:r>
+            <a:r>
+              <a:rPr lang="nl-BE" sz="2800" b="0" dirty="0">
+                <a:solidFill>
+                  <a:srgbClr val="777777"/>
+                </a:solidFill>
+                <a:effectLst/>
+                <a:latin typeface="Consolas" panose="020B0609020204030204" pitchFamily="49" charset="0"/>
+              </a:rPr>
+              <a:t>&gt;=</a:t>
+            </a:r>
+            <a:r>
+              <a:rPr lang="nl-BE" sz="2800" b="0" dirty="0">
+                <a:solidFill>
+                  <a:srgbClr val="333333"/>
+                </a:solidFill>
+                <a:effectLst/>
+                <a:latin typeface="Consolas" panose="020B0609020204030204" pitchFamily="49" charset="0"/>
+              </a:rPr>
+              <a:t> </a:t>
+            </a:r>
+            <a:r>
+              <a:rPr lang="nl-BE" sz="2800" b="0" dirty="0">
+                <a:solidFill>
+                  <a:srgbClr val="9C5D27"/>
+                </a:solidFill>
+                <a:effectLst/>
+                <a:latin typeface="Consolas" panose="020B0609020204030204" pitchFamily="49" charset="0"/>
+              </a:rPr>
+              <a:t>1e7</a:t>
+            </a:r>
+            <a:r>
+              <a:rPr lang="nl-BE" sz="2800" b="0" dirty="0">
+                <a:solidFill>
+                  <a:srgbClr val="777777"/>
+                </a:solidFill>
+                <a:effectLst/>
+                <a:latin typeface="Consolas" panose="020B0609020204030204" pitchFamily="49" charset="0"/>
+              </a:rPr>
+              <a:t>;</a:t>
+            </a:r>
+            <a:r>
+              <a:rPr lang="nl-BE" sz="2800" b="0" dirty="0">
+                <a:solidFill>
+                  <a:srgbClr val="333333"/>
+                </a:solidFill>
+                <a:effectLst/>
+                <a:latin typeface="Consolas" panose="020B0609020204030204" pitchFamily="49" charset="0"/>
+              </a:rPr>
+              <a:t> </a:t>
+            </a:r>
+            <a:r>
+              <a:rPr lang="nl-BE" sz="2800" b="0" dirty="0">
+                <a:solidFill>
+                  <a:srgbClr val="7A3E9D"/>
+                </a:solidFill>
+                <a:effectLst/>
+                <a:latin typeface="Consolas" panose="020B0609020204030204" pitchFamily="49" charset="0"/>
+              </a:rPr>
+              <a:t>i</a:t>
+            </a:r>
+            <a:r>
+              <a:rPr lang="nl-BE" sz="2800" b="0" dirty="0">
+                <a:solidFill>
+                  <a:srgbClr val="777777"/>
+                </a:solidFill>
+                <a:effectLst/>
+                <a:latin typeface="Consolas" panose="020B0609020204030204" pitchFamily="49" charset="0"/>
+              </a:rPr>
+              <a:t>++</a:t>
+            </a:r>
+            <a:r>
+              <a:rPr lang="nl-BE" sz="2800" b="0" dirty="0">
+                <a:solidFill>
+                  <a:srgbClr val="333333"/>
+                </a:solidFill>
+                <a:effectLst/>
+                <a:latin typeface="Consolas" panose="020B0609020204030204" pitchFamily="49" charset="0"/>
+              </a:rPr>
+              <a:t>) </a:t>
+            </a:r>
+            <a:r>
+              <a:rPr lang="nl-BE" sz="2800" b="0" dirty="0">
+                <a:solidFill>
+                  <a:srgbClr val="777777"/>
+                </a:solidFill>
+                <a:effectLst/>
+                <a:latin typeface="Consolas" panose="020B0609020204030204" pitchFamily="49" charset="0"/>
+              </a:rPr>
+              <a:t>{</a:t>
+            </a:r>
+            <a:endParaRPr lang="nl-BE" sz="2800" b="0" dirty="0">
+              <a:solidFill>
+                <a:srgbClr val="333333"/>
+              </a:solidFill>
+              <a:effectLst/>
+              <a:latin typeface="Consolas" panose="020B0609020204030204" pitchFamily="49" charset="0"/>
+            </a:endParaRPr>
+          </a:p>
+          <a:p>
+            <a:r>
+              <a:rPr lang="nl-BE" sz="2800" b="0" dirty="0">
+                <a:solidFill>
+                  <a:srgbClr val="333333"/>
+                </a:solidFill>
+                <a:effectLst/>
+                <a:latin typeface="Consolas" panose="020B0609020204030204" pitchFamily="49" charset="0"/>
+              </a:rPr>
+              <a:t>    </a:t>
+            </a:r>
+            <a:r>
+              <a:rPr lang="nl-BE" sz="2800" b="1" dirty="0" err="1">
+                <a:solidFill>
+                  <a:srgbClr val="AA3731"/>
+                </a:solidFill>
+                <a:effectLst/>
+                <a:latin typeface="Consolas" panose="020B0609020204030204" pitchFamily="49" charset="0"/>
+              </a:rPr>
+              <a:t>renderFrame</a:t>
+            </a:r>
+            <a:r>
+              <a:rPr lang="nl-BE" sz="2800" b="0" dirty="0">
+                <a:solidFill>
+                  <a:srgbClr val="333333"/>
+                </a:solidFill>
+                <a:effectLst/>
+                <a:latin typeface="Consolas" panose="020B0609020204030204" pitchFamily="49" charset="0"/>
+              </a:rPr>
+              <a:t>()</a:t>
+            </a:r>
+            <a:r>
+              <a:rPr lang="nl-BE" sz="2800" b="0" dirty="0">
+                <a:solidFill>
+                  <a:srgbClr val="777777"/>
+                </a:solidFill>
+                <a:effectLst/>
+                <a:latin typeface="Consolas" panose="020B0609020204030204" pitchFamily="49" charset="0"/>
+              </a:rPr>
+              <a:t>;</a:t>
+            </a:r>
+            <a:endParaRPr lang="nl-BE" sz="2800" b="0" dirty="0">
+              <a:solidFill>
+                <a:srgbClr val="333333"/>
+              </a:solidFill>
+              <a:effectLst/>
+              <a:latin typeface="Consolas" panose="020B0609020204030204" pitchFamily="49" charset="0"/>
+            </a:endParaRPr>
+          </a:p>
+          <a:p>
+            <a:r>
+              <a:rPr lang="nl-BE" sz="2800" b="0" dirty="0">
+                <a:solidFill>
+                  <a:srgbClr val="777777"/>
+                </a:solidFill>
+                <a:effectLst/>
+                <a:latin typeface="Consolas" panose="020B0609020204030204" pitchFamily="49" charset="0"/>
+              </a:rPr>
+              <a:t>}</a:t>
+            </a:r>
+            <a:endParaRPr lang="nl-BE" sz="2800" b="0" dirty="0">
+              <a:solidFill>
+                <a:srgbClr val="333333"/>
+              </a:solidFill>
+              <a:effectLst/>
+              <a:latin typeface="Consolas" panose="020B0609020204030204" pitchFamily="49" charset="0"/>
+            </a:endParaRPr>
           </a:p>
         </p:txBody>
       </p:sp>
     </p:spTree>
     <p:extLst>
       <p:ext uri="{BB962C8B-B14F-4D97-AF65-F5344CB8AC3E}">
-        <p14:creationId xmlns:p14="http://schemas.microsoft.com/office/powerpoint/2010/main" val="871834472"/>
+        <p14:creationId xmlns:p14="http://schemas.microsoft.com/office/powerpoint/2010/main" val="2984576047"/>
       </p:ext>
     </p:extLst>
   </p:cSld>
@@ -11269,9 +11875,10 @@
           <a:lstStyle/>
           <a:p>
             <a:r>
-              <a:rPr lang="nl-BE" dirty="0"/>
-              <a:t>Waarom?</a:t>
-            </a:r>
+              <a:rPr lang="nl-BE" dirty="0" err="1"/>
+              <a:t>setInterval</a:t>
+            </a:r>
+            <a:endParaRPr lang="nl-BE" dirty="0"/>
           </a:p>
         </p:txBody>
       </p:sp>
@@ -11293,8 +11900,8 @@
         </p:nvSpPr>
         <p:spPr>
           <a:xfrm>
-            <a:off x="1258349" y="1577130"/>
-            <a:ext cx="9471169" cy="4479722"/>
+            <a:off x="1258349" y="2164360"/>
+            <a:ext cx="9471169" cy="3892492"/>
           </a:xfrm>
         </p:spPr>
         <p:txBody>
@@ -11304,95 +11911,8 @@
             <a:pPr lvl="1"/>
             <a:r>
               <a:rPr lang="nl-BE" dirty="0"/>
-              <a:t>In Javascript kan je een functie na een bepaalde tijd uitvoeren </a:t>
-            </a:r>
-            <a:r>
-              <a:rPr lang="en-US" dirty="0" err="1">
-                <a:latin typeface="Consolas" panose="020B0609020204030204" pitchFamily="49" charset="0"/>
-              </a:rPr>
-              <a:t>setTimeout</a:t>
-            </a:r>
-            <a:r>
-              <a:rPr lang="en-US" dirty="0">
-                <a:latin typeface="Consolas" panose="020B0609020204030204" pitchFamily="49" charset="0"/>
-              </a:rPr>
-              <a:t>(function(){</a:t>
-            </a:r>
-            <a:br>
-              <a:rPr lang="en-US" dirty="0">
-                <a:latin typeface="Consolas" panose="020B0609020204030204" pitchFamily="49" charset="0"/>
-              </a:rPr>
-            </a:br>
-            <a:r>
-              <a:rPr lang="en-US" dirty="0">
-                <a:latin typeface="Consolas" panose="020B0609020204030204" pitchFamily="49" charset="0"/>
-              </a:rPr>
-              <a:t> 	alert("Sup!"); </a:t>
-            </a:r>
-            <a:br>
-              <a:rPr lang="en-US" dirty="0">
-                <a:latin typeface="Consolas" panose="020B0609020204030204" pitchFamily="49" charset="0"/>
-              </a:rPr>
-            </a:br>
-            <a:r>
-              <a:rPr lang="en-US" dirty="0">
-                <a:latin typeface="Consolas" panose="020B0609020204030204" pitchFamily="49" charset="0"/>
-              </a:rPr>
-              <a:t>}, 2000);</a:t>
-            </a:r>
-            <a:br>
-              <a:rPr lang="en-US" dirty="0">
-                <a:latin typeface="Consolas" panose="020B0609020204030204" pitchFamily="49" charset="0"/>
-              </a:rPr>
-            </a:br>
-            <a:endParaRPr lang="en-US" dirty="0">
-              <a:latin typeface="Consolas" panose="020B0609020204030204" pitchFamily="49" charset="0"/>
-            </a:endParaRPr>
-          </a:p>
-          <a:p>
-            <a:pPr lvl="1"/>
-            <a:r>
-              <a:rPr lang="nl-BE" dirty="0"/>
-              <a:t>Je kan ook een functie blijven uitvoeren met een interval </a:t>
-            </a:r>
-            <a:r>
-              <a:rPr lang="en-US" dirty="0" err="1">
-                <a:latin typeface="Consolas" panose="020B0609020204030204" pitchFamily="49" charset="0"/>
-              </a:rPr>
-              <a:t>setInterval</a:t>
-            </a:r>
-            <a:r>
-              <a:rPr lang="en-US" dirty="0">
-                <a:latin typeface="Consolas" panose="020B0609020204030204" pitchFamily="49" charset="0"/>
-              </a:rPr>
-              <a:t>(function(){</a:t>
-            </a:r>
-            <a:br>
-              <a:rPr lang="en-US" dirty="0">
-                <a:latin typeface="Consolas" panose="020B0609020204030204" pitchFamily="49" charset="0"/>
-              </a:rPr>
-            </a:br>
-            <a:r>
-              <a:rPr lang="en-US" dirty="0">
-                <a:latin typeface="Consolas" panose="020B0609020204030204" pitchFamily="49" charset="0"/>
-              </a:rPr>
-              <a:t> 	alert("Sup!"); </a:t>
-            </a:r>
-            <a:br>
-              <a:rPr lang="en-US" dirty="0">
-                <a:latin typeface="Consolas" panose="020B0609020204030204" pitchFamily="49" charset="0"/>
-              </a:rPr>
-            </a:br>
-            <a:r>
-              <a:rPr lang="en-US" dirty="0">
-                <a:latin typeface="Consolas" panose="020B0609020204030204" pitchFamily="49" charset="0"/>
-              </a:rPr>
-              <a:t>}, 2000);</a:t>
-            </a:r>
-          </a:p>
-          <a:p>
-            <a:pPr lvl="1"/>
-            <a:endParaRPr lang="nl-BE" dirty="0"/>
+              <a:t>Je kan ook een functie blijven uitvoeren met een interval</a:t>
+            </a:r>
           </a:p>
         </p:txBody>
       </p:sp>
@@ -11490,6 +12010,212 @@
               <a:rPr lang="nl-BE" dirty="0"/>
               <a:t> frame</a:t>
             </a:r>
+          </a:p>
+        </p:txBody>
+      </p:sp>
+      <p:sp>
+        <p:nvSpPr>
+          <p:cNvPr id="9" name="TextBox 8">
+            <a:extLst>
+              <a:ext uri="{FF2B5EF4-FFF2-40B4-BE49-F238E27FC236}">
+                <a16:creationId xmlns:a16="http://schemas.microsoft.com/office/drawing/2014/main" id="{B08180DF-2EB5-49A1-A890-D1C3E53C0D41}"/>
+              </a:ext>
+            </a:extLst>
+          </p:cNvPr>
+          <p:cNvSpPr txBox="1"/>
+          <p:nvPr/>
+        </p:nvSpPr>
+        <p:spPr>
+          <a:xfrm>
+            <a:off x="3366081" y="2995275"/>
+            <a:ext cx="6094602" cy="1569660"/>
+          </a:xfrm>
+          <a:prstGeom prst="rect">
+            <a:avLst/>
+          </a:prstGeom>
+          <a:noFill/>
+        </p:spPr>
+        <p:txBody>
+          <a:bodyPr wrap="square">
+            <a:spAutoFit/>
+          </a:bodyPr>
+          <a:lstStyle/>
+          <a:p>
+            <a:r>
+              <a:rPr lang="nl-BE" sz="3200" b="1" dirty="0" err="1">
+                <a:solidFill>
+                  <a:srgbClr val="AA3731"/>
+                </a:solidFill>
+                <a:effectLst/>
+                <a:latin typeface="Consolas" panose="020B0609020204030204" pitchFamily="49" charset="0"/>
+              </a:rPr>
+              <a:t>setInterval</a:t>
+            </a:r>
+            <a:r>
+              <a:rPr lang="nl-BE" sz="3200" b="0" dirty="0">
+                <a:solidFill>
+                  <a:srgbClr val="333333"/>
+                </a:solidFill>
+                <a:effectLst/>
+                <a:latin typeface="Consolas" panose="020B0609020204030204" pitchFamily="49" charset="0"/>
+              </a:rPr>
+              <a:t>(</a:t>
+            </a:r>
+            <a:r>
+              <a:rPr lang="nl-BE" sz="3200" b="0" dirty="0" err="1">
+                <a:solidFill>
+                  <a:srgbClr val="7A3E9D"/>
+                </a:solidFill>
+                <a:effectLst/>
+                <a:latin typeface="Consolas" panose="020B0609020204030204" pitchFamily="49" charset="0"/>
+              </a:rPr>
+              <a:t>function</a:t>
+            </a:r>
+            <a:r>
+              <a:rPr lang="nl-BE" sz="3200" b="0" dirty="0">
+                <a:solidFill>
+                  <a:srgbClr val="777777"/>
+                </a:solidFill>
+                <a:effectLst/>
+                <a:latin typeface="Consolas" panose="020B0609020204030204" pitchFamily="49" charset="0"/>
+              </a:rPr>
+              <a:t>(){</a:t>
+            </a:r>
+            <a:endParaRPr lang="nl-BE" sz="3200" b="0" dirty="0">
+              <a:solidFill>
+                <a:srgbClr val="333333"/>
+              </a:solidFill>
+              <a:effectLst/>
+              <a:latin typeface="Consolas" panose="020B0609020204030204" pitchFamily="49" charset="0"/>
+            </a:endParaRPr>
+          </a:p>
+          <a:p>
+            <a:r>
+              <a:rPr lang="nl-BE" sz="3200" b="0" dirty="0">
+                <a:solidFill>
+                  <a:srgbClr val="333333"/>
+                </a:solidFill>
+                <a:effectLst/>
+                <a:latin typeface="Consolas" panose="020B0609020204030204" pitchFamily="49" charset="0"/>
+              </a:rPr>
+              <a:t>    </a:t>
+            </a:r>
+            <a:r>
+              <a:rPr lang="nl-BE" sz="3200" b="1" dirty="0" err="1">
+                <a:solidFill>
+                  <a:srgbClr val="AA3731"/>
+                </a:solidFill>
+                <a:effectLst/>
+                <a:latin typeface="Consolas" panose="020B0609020204030204" pitchFamily="49" charset="0"/>
+              </a:rPr>
+              <a:t>renderFrame</a:t>
+            </a:r>
+            <a:r>
+              <a:rPr lang="nl-BE" sz="3200" b="0" dirty="0">
+                <a:solidFill>
+                  <a:srgbClr val="333333"/>
+                </a:solidFill>
+                <a:effectLst/>
+                <a:latin typeface="Consolas" panose="020B0609020204030204" pitchFamily="49" charset="0"/>
+              </a:rPr>
+              <a:t>()</a:t>
+            </a:r>
+            <a:r>
+              <a:rPr lang="nl-BE" sz="3200" b="0" dirty="0">
+                <a:solidFill>
+                  <a:srgbClr val="777777"/>
+                </a:solidFill>
+                <a:effectLst/>
+                <a:latin typeface="Consolas" panose="020B0609020204030204" pitchFamily="49" charset="0"/>
+              </a:rPr>
+              <a:t>;</a:t>
+            </a:r>
+            <a:endParaRPr lang="nl-BE" sz="3200" b="0" dirty="0">
+              <a:solidFill>
+                <a:srgbClr val="333333"/>
+              </a:solidFill>
+              <a:effectLst/>
+              <a:latin typeface="Consolas" panose="020B0609020204030204" pitchFamily="49" charset="0"/>
+            </a:endParaRPr>
+          </a:p>
+          <a:p>
+            <a:r>
+              <a:rPr lang="nl-BE" sz="3200" b="0" dirty="0">
+                <a:solidFill>
+                  <a:srgbClr val="777777"/>
+                </a:solidFill>
+                <a:effectLst/>
+                <a:latin typeface="Consolas" panose="020B0609020204030204" pitchFamily="49" charset="0"/>
+              </a:rPr>
+              <a:t>},</a:t>
+            </a:r>
+            <a:r>
+              <a:rPr lang="nl-BE" sz="3200" b="0" dirty="0">
+                <a:solidFill>
+                  <a:srgbClr val="333333"/>
+                </a:solidFill>
+                <a:effectLst/>
+                <a:latin typeface="Consolas" panose="020B0609020204030204" pitchFamily="49" charset="0"/>
+              </a:rPr>
+              <a:t> </a:t>
+            </a:r>
+            <a:r>
+              <a:rPr lang="nl-BE" sz="3200" b="0" dirty="0">
+                <a:solidFill>
+                  <a:srgbClr val="9C5D27"/>
+                </a:solidFill>
+                <a:effectLst/>
+                <a:latin typeface="Consolas" panose="020B0609020204030204" pitchFamily="49" charset="0"/>
+              </a:rPr>
+              <a:t>1000</a:t>
+            </a:r>
+            <a:r>
+              <a:rPr lang="nl-BE" sz="3200" b="0" dirty="0">
+                <a:solidFill>
+                  <a:srgbClr val="777777"/>
+                </a:solidFill>
+                <a:effectLst/>
+                <a:latin typeface="Consolas" panose="020B0609020204030204" pitchFamily="49" charset="0"/>
+              </a:rPr>
+              <a:t>/</a:t>
+            </a:r>
+            <a:r>
+              <a:rPr lang="nl-BE" sz="3200" b="0" dirty="0">
+                <a:solidFill>
+                  <a:srgbClr val="9C5D27"/>
+                </a:solidFill>
+                <a:effectLst/>
+                <a:latin typeface="Consolas" panose="020B0609020204030204" pitchFamily="49" charset="0"/>
+              </a:rPr>
+              <a:t>60</a:t>
+            </a:r>
+            <a:r>
+              <a:rPr lang="nl-BE" sz="3200" b="0" dirty="0">
+                <a:solidFill>
+                  <a:srgbClr val="333333"/>
+                </a:solidFill>
+                <a:effectLst/>
+                <a:latin typeface="Consolas" panose="020B0609020204030204" pitchFamily="49" charset="0"/>
+              </a:rPr>
+              <a:t>)</a:t>
+            </a:r>
+            <a:r>
+              <a:rPr lang="nl-BE" sz="3200" b="0" dirty="0">
+                <a:solidFill>
+                  <a:srgbClr val="777777"/>
+                </a:solidFill>
+                <a:effectLst/>
+                <a:latin typeface="Consolas" panose="020B0609020204030204" pitchFamily="49" charset="0"/>
+              </a:rPr>
+              <a:t>;</a:t>
+            </a:r>
+            <a:endParaRPr lang="nl-BE" sz="3200" b="0" dirty="0">
+              <a:solidFill>
+                <a:srgbClr val="333333"/>
+              </a:solidFill>
+              <a:effectLst/>
+              <a:latin typeface="Consolas" panose="020B0609020204030204" pitchFamily="49" charset="0"/>
+            </a:endParaRPr>
           </a:p>
         </p:txBody>
       </p:sp>
@@ -11525,10 +12251,10 @@
       </p:grpSpPr>
       <p:sp>
         <p:nvSpPr>
-          <p:cNvPr id="2" name="Titel 1">
-            <a:extLst>
-              <a:ext uri="{FF2B5EF4-FFF2-40B4-BE49-F238E27FC236}">
-                <a16:creationId xmlns:a16="http://schemas.microsoft.com/office/drawing/2014/main" id="{465F132B-C9CE-4FCE-923D-CCAFB92AB8C8}"/>
+          <p:cNvPr id="2" name="Title 1">
+            <a:extLst>
+              <a:ext uri="{FF2B5EF4-FFF2-40B4-BE49-F238E27FC236}">
+                <a16:creationId xmlns:a16="http://schemas.microsoft.com/office/drawing/2014/main" id="{A3E6F2B2-081F-42D1-A341-BCBA1748155C}"/>
               </a:ext>
             </a:extLst>
           </p:cNvPr>
@@ -11546,48 +12272,17 @@
           <a:p>
             <a:r>
               <a:rPr lang="nl-BE" dirty="0"/>
-              <a:t>Frames per second</a:t>
-            </a:r>
-          </a:p>
-        </p:txBody>
-      </p:sp>
-      <p:sp>
-        <p:nvSpPr>
-          <p:cNvPr id="8" name="Tijdelijke aanduiding voor inhoud 7">
-            <a:extLst>
-              <a:ext uri="{FF2B5EF4-FFF2-40B4-BE49-F238E27FC236}">
-                <a16:creationId xmlns:a16="http://schemas.microsoft.com/office/drawing/2014/main" id="{46660B48-BEE8-4738-9228-05126E64F4BB}"/>
-              </a:ext>
-            </a:extLst>
-          </p:cNvPr>
-          <p:cNvSpPr>
-            <a:spLocks noGrp="1"/>
-          </p:cNvSpPr>
-          <p:nvPr>
-            <p:ph idx="1"/>
-          </p:nvPr>
-        </p:nvSpPr>
-        <p:spPr>
-          <a:xfrm>
-            <a:off x="1258349" y="1577130"/>
-            <a:ext cx="9471169" cy="4479722"/>
-          </a:xfrm>
-        </p:spPr>
-        <p:txBody>
-          <a:bodyPr/>
-          <a:lstStyle/>
-          <a:p>
-            <a:pPr lvl="1"/>
-            <a:endParaRPr lang="nl-BE" dirty="0"/>
-          </a:p>
-        </p:txBody>
-      </p:sp>
-      <p:sp>
-        <p:nvSpPr>
-          <p:cNvPr id="4" name="Tijdelijke aanduiding voor voettekst 3">
-            <a:extLst>
-              <a:ext uri="{FF2B5EF4-FFF2-40B4-BE49-F238E27FC236}">
-                <a16:creationId xmlns:a16="http://schemas.microsoft.com/office/drawing/2014/main" id="{9A86A9FB-1B9E-4B7A-910C-235D3A566A80}"/>
+              <a:t>Voorbeeld</a:t>
+            </a:r>
+          </a:p>
+        </p:txBody>
+      </p:sp>
+      <p:sp>
+        <p:nvSpPr>
+          <p:cNvPr id="4" name="Footer Placeholder 3">
+            <a:extLst>
+              <a:ext uri="{FF2B5EF4-FFF2-40B4-BE49-F238E27FC236}">
+                <a16:creationId xmlns:a16="http://schemas.microsoft.com/office/drawing/2014/main" id="{A019479A-C7B4-40DC-ABA6-3FDFAF64AF9E}"/>
               </a:ext>
             </a:extLst>
           </p:cNvPr>
@@ -11612,10 +12307,10 @@
       </p:sp>
       <p:sp>
         <p:nvSpPr>
-          <p:cNvPr id="5" name="Tijdelijke aanduiding voor dianummer 4">
-            <a:extLst>
-              <a:ext uri="{FF2B5EF4-FFF2-40B4-BE49-F238E27FC236}">
-                <a16:creationId xmlns:a16="http://schemas.microsoft.com/office/drawing/2014/main" id="{A64CFB49-2F18-4019-89DD-E4922E4505C1}"/>
+          <p:cNvPr id="5" name="Slide Number Placeholder 4">
+            <a:extLst>
+              <a:ext uri="{FF2B5EF4-FFF2-40B4-BE49-F238E27FC236}">
+                <a16:creationId xmlns:a16="http://schemas.microsoft.com/office/drawing/2014/main" id="{E5E49462-1BEB-49B1-937F-5C9FF1759EEA}"/>
               </a:ext>
             </a:extLst>
           </p:cNvPr>
@@ -11641,10 +12336,10 @@
       </p:sp>
       <p:sp>
         <p:nvSpPr>
-          <p:cNvPr id="3" name="Tijdelijke aanduiding voor tekst 2">
-            <a:extLst>
-              <a:ext uri="{FF2B5EF4-FFF2-40B4-BE49-F238E27FC236}">
-                <a16:creationId xmlns:a16="http://schemas.microsoft.com/office/drawing/2014/main" id="{8007CC32-F96E-4CD9-95CF-403FC6BFF49B}"/>
+          <p:cNvPr id="6" name="Text Placeholder 5">
+            <a:extLst>
+              <a:ext uri="{FF2B5EF4-FFF2-40B4-BE49-F238E27FC236}">
+                <a16:creationId xmlns:a16="http://schemas.microsoft.com/office/drawing/2014/main" id="{4D2DE9C0-B7F6-445B-AE30-A1035FD034D7}"/>
               </a:ext>
             </a:extLst>
           </p:cNvPr>
@@ -11679,57 +12374,1373 @@
           </a:p>
         </p:txBody>
       </p:sp>
-      <p:pic>
-        <p:nvPicPr>
-          <p:cNvPr id="1026" name="Picture 2" descr="Frame Rate: A Beginner's Guide | TechSmith">
-            <a:extLst>
-              <a:ext uri="{FF2B5EF4-FFF2-40B4-BE49-F238E27FC236}">
-                <a16:creationId xmlns:a16="http://schemas.microsoft.com/office/drawing/2014/main" id="{450070E1-85CB-425C-8483-1078E3BDF93A}"/>
-              </a:ext>
-            </a:extLst>
-          </p:cNvPr>
-          <p:cNvPicPr>
-            <a:picLocks noChangeAspect="1" noChangeArrowheads="1"/>
-          </p:cNvPicPr>
+      <p:sp>
+        <p:nvSpPr>
+          <p:cNvPr id="10" name="TextBox 9">
+            <a:extLst>
+              <a:ext uri="{FF2B5EF4-FFF2-40B4-BE49-F238E27FC236}">
+                <a16:creationId xmlns:a16="http://schemas.microsoft.com/office/drawing/2014/main" id="{3BD7C818-E892-4BE4-B69F-FCAF94DBCDBB}"/>
+              </a:ext>
+            </a:extLst>
+          </p:cNvPr>
+          <p:cNvSpPr txBox="1"/>
           <p:nvPr/>
-        </p:nvPicPr>
-        <p:blipFill>
-          <a:blip r:embed="rId2">
-            <a:extLst>
-              <a:ext uri="{28A0092B-C50C-407E-A947-70E740481C1C}">
-                <a14:useLocalDpi xmlns:a14="http://schemas.microsoft.com/office/drawing/2010/main" val="0"/>
-              </a:ext>
-            </a:extLst>
-          </a:blip>
-          <a:srcRect/>
-          <a:stretch>
-            <a:fillRect/>
-          </a:stretch>
-        </p:blipFill>
-        <p:spPr bwMode="auto">
+        </p:nvSpPr>
+        <p:spPr>
           <a:xfrm>
-            <a:off x="521515" y="1824884"/>
-            <a:ext cx="11148969" cy="3208232"/>
+            <a:off x="2004968" y="1097228"/>
+            <a:ext cx="9315887" cy="4524315"/>
           </a:xfrm>
           <a:prstGeom prst="rect">
             <a:avLst/>
           </a:prstGeom>
           <a:noFill/>
-          <a:extLst>
-            <a:ext uri="{909E8E84-426E-40DD-AFC4-6F175D3DCCD1}">
-              <a14:hiddenFill xmlns:a14="http://schemas.microsoft.com/office/drawing/2010/main">
-                <a:solidFill>
-                  <a:srgbClr val="FFFFFF"/>
-                </a:solidFill>
-              </a14:hiddenFill>
-            </a:ext>
-          </a:extLst>
         </p:spPr>
-      </p:pic>
+        <p:txBody>
+          <a:bodyPr wrap="square">
+            <a:spAutoFit/>
+          </a:bodyPr>
+          <a:lstStyle/>
+          <a:p>
+            <a:r>
+              <a:rPr lang="nl-BE" b="0" dirty="0">
+                <a:solidFill>
+                  <a:srgbClr val="7A3E9D"/>
+                </a:solidFill>
+                <a:effectLst/>
+                <a:latin typeface="Consolas" panose="020B0609020204030204" pitchFamily="49" charset="0"/>
+              </a:rPr>
+              <a:t>let</a:t>
+            </a:r>
+            <a:r>
+              <a:rPr lang="nl-BE" b="0" dirty="0">
+                <a:solidFill>
+                  <a:srgbClr val="333333"/>
+                </a:solidFill>
+                <a:effectLst/>
+                <a:latin typeface="Consolas" panose="020B0609020204030204" pitchFamily="49" charset="0"/>
+              </a:rPr>
+              <a:t> </a:t>
+            </a:r>
+            <a:r>
+              <a:rPr lang="nl-BE" b="0" dirty="0" err="1">
+                <a:solidFill>
+                  <a:srgbClr val="7A3E9D"/>
+                </a:solidFill>
+                <a:effectLst/>
+                <a:latin typeface="Consolas" panose="020B0609020204030204" pitchFamily="49" charset="0"/>
+              </a:rPr>
+              <a:t>globalID</a:t>
+            </a:r>
+            <a:r>
+              <a:rPr lang="nl-BE" b="0" dirty="0">
+                <a:solidFill>
+                  <a:srgbClr val="777777"/>
+                </a:solidFill>
+                <a:effectLst/>
+                <a:latin typeface="Consolas" panose="020B0609020204030204" pitchFamily="49" charset="0"/>
+              </a:rPr>
+              <a:t>;</a:t>
+            </a:r>
+            <a:endParaRPr lang="nl-BE" b="0" dirty="0">
+              <a:solidFill>
+                <a:srgbClr val="333333"/>
+              </a:solidFill>
+              <a:effectLst/>
+              <a:latin typeface="Consolas" panose="020B0609020204030204" pitchFamily="49" charset="0"/>
+            </a:endParaRPr>
+          </a:p>
+          <a:p>
+            <a:br>
+              <a:rPr lang="nl-BE" b="0" dirty="0">
+                <a:solidFill>
+                  <a:srgbClr val="333333"/>
+                </a:solidFill>
+                <a:effectLst/>
+                <a:latin typeface="Consolas" panose="020B0609020204030204" pitchFamily="49" charset="0"/>
+              </a:rPr>
+            </a:br>
+            <a:r>
+              <a:rPr lang="nl-BE" b="0" dirty="0" err="1">
+                <a:solidFill>
+                  <a:srgbClr val="7A3E9D"/>
+                </a:solidFill>
+                <a:effectLst/>
+                <a:latin typeface="Consolas" panose="020B0609020204030204" pitchFamily="49" charset="0"/>
+              </a:rPr>
+              <a:t>function</a:t>
+            </a:r>
+            <a:r>
+              <a:rPr lang="nl-BE" b="0" dirty="0">
+                <a:solidFill>
+                  <a:srgbClr val="333333"/>
+                </a:solidFill>
+                <a:effectLst/>
+                <a:latin typeface="Consolas" panose="020B0609020204030204" pitchFamily="49" charset="0"/>
+              </a:rPr>
+              <a:t> </a:t>
+            </a:r>
+            <a:r>
+              <a:rPr lang="nl-BE" b="1" dirty="0" err="1">
+                <a:solidFill>
+                  <a:srgbClr val="AA3731"/>
+                </a:solidFill>
+                <a:effectLst/>
+                <a:latin typeface="Consolas" panose="020B0609020204030204" pitchFamily="49" charset="0"/>
+              </a:rPr>
+              <a:t>repeatOften</a:t>
+            </a:r>
+            <a:r>
+              <a:rPr lang="nl-BE" b="0" dirty="0">
+                <a:solidFill>
+                  <a:srgbClr val="777777"/>
+                </a:solidFill>
+                <a:effectLst/>
+                <a:latin typeface="Consolas" panose="020B0609020204030204" pitchFamily="49" charset="0"/>
+              </a:rPr>
+              <a:t>()</a:t>
+            </a:r>
+            <a:r>
+              <a:rPr lang="nl-BE" b="0" dirty="0">
+                <a:solidFill>
+                  <a:srgbClr val="333333"/>
+                </a:solidFill>
+                <a:effectLst/>
+                <a:latin typeface="Consolas" panose="020B0609020204030204" pitchFamily="49" charset="0"/>
+              </a:rPr>
+              <a:t> </a:t>
+            </a:r>
+            <a:r>
+              <a:rPr lang="nl-BE" b="0" dirty="0">
+                <a:solidFill>
+                  <a:srgbClr val="777777"/>
+                </a:solidFill>
+                <a:effectLst/>
+                <a:latin typeface="Consolas" panose="020B0609020204030204" pitchFamily="49" charset="0"/>
+              </a:rPr>
+              <a:t>{</a:t>
+            </a:r>
+            <a:endParaRPr lang="nl-BE" b="0" dirty="0">
+              <a:solidFill>
+                <a:srgbClr val="333333"/>
+              </a:solidFill>
+              <a:effectLst/>
+              <a:latin typeface="Consolas" panose="020B0609020204030204" pitchFamily="49" charset="0"/>
+            </a:endParaRPr>
+          </a:p>
+          <a:p>
+            <a:r>
+              <a:rPr lang="nl-BE" b="0" dirty="0">
+                <a:solidFill>
+                  <a:srgbClr val="333333"/>
+                </a:solidFill>
+                <a:effectLst/>
+                <a:latin typeface="Consolas" panose="020B0609020204030204" pitchFamily="49" charset="0"/>
+              </a:rPr>
+              <a:t>  </a:t>
+            </a:r>
+            <a:r>
+              <a:rPr lang="nl-BE" b="0" dirty="0">
+                <a:solidFill>
+                  <a:srgbClr val="7A3E9D"/>
+                </a:solidFill>
+                <a:effectLst/>
+                <a:latin typeface="Consolas" panose="020B0609020204030204" pitchFamily="49" charset="0"/>
+              </a:rPr>
+              <a:t>let</a:t>
+            </a:r>
+            <a:r>
+              <a:rPr lang="nl-BE" b="0" dirty="0">
+                <a:solidFill>
+                  <a:srgbClr val="333333"/>
+                </a:solidFill>
+                <a:effectLst/>
+                <a:latin typeface="Consolas" panose="020B0609020204030204" pitchFamily="49" charset="0"/>
+              </a:rPr>
+              <a:t> </a:t>
+            </a:r>
+            <a:r>
+              <a:rPr lang="nl-BE" b="0" dirty="0" err="1">
+                <a:solidFill>
+                  <a:srgbClr val="7A3E9D"/>
+                </a:solidFill>
+                <a:effectLst/>
+                <a:latin typeface="Consolas" panose="020B0609020204030204" pitchFamily="49" charset="0"/>
+              </a:rPr>
+              <a:t>newElement</a:t>
+            </a:r>
+            <a:r>
+              <a:rPr lang="nl-BE" b="0" dirty="0">
+                <a:solidFill>
+                  <a:srgbClr val="333333"/>
+                </a:solidFill>
+                <a:effectLst/>
+                <a:latin typeface="Consolas" panose="020B0609020204030204" pitchFamily="49" charset="0"/>
+              </a:rPr>
+              <a:t> </a:t>
+            </a:r>
+            <a:r>
+              <a:rPr lang="nl-BE" b="0" dirty="0">
+                <a:solidFill>
+                  <a:srgbClr val="777777"/>
+                </a:solidFill>
+                <a:effectLst/>
+                <a:latin typeface="Consolas" panose="020B0609020204030204" pitchFamily="49" charset="0"/>
+              </a:rPr>
+              <a:t>=</a:t>
+            </a:r>
+            <a:r>
+              <a:rPr lang="nl-BE" b="0" dirty="0">
+                <a:solidFill>
+                  <a:srgbClr val="333333"/>
+                </a:solidFill>
+                <a:effectLst/>
+                <a:latin typeface="Consolas" panose="020B0609020204030204" pitchFamily="49" charset="0"/>
+              </a:rPr>
+              <a:t> </a:t>
+            </a:r>
+            <a:r>
+              <a:rPr lang="nl-BE" b="0" dirty="0" err="1">
+                <a:solidFill>
+                  <a:srgbClr val="7A3E9D"/>
+                </a:solidFill>
+                <a:effectLst/>
+                <a:latin typeface="Consolas" panose="020B0609020204030204" pitchFamily="49" charset="0"/>
+              </a:rPr>
+              <a:t>document</a:t>
+            </a:r>
+            <a:r>
+              <a:rPr lang="nl-BE" b="0" dirty="0" err="1">
+                <a:solidFill>
+                  <a:srgbClr val="777777"/>
+                </a:solidFill>
+                <a:effectLst/>
+                <a:latin typeface="Consolas" panose="020B0609020204030204" pitchFamily="49" charset="0"/>
+              </a:rPr>
+              <a:t>.</a:t>
+            </a:r>
+            <a:r>
+              <a:rPr lang="nl-BE" b="1" dirty="0" err="1">
+                <a:solidFill>
+                  <a:srgbClr val="AA3731"/>
+                </a:solidFill>
+                <a:effectLst/>
+                <a:latin typeface="Consolas" panose="020B0609020204030204" pitchFamily="49" charset="0"/>
+              </a:rPr>
+              <a:t>createElement</a:t>
+            </a:r>
+            <a:r>
+              <a:rPr lang="nl-BE" b="0" dirty="0">
+                <a:solidFill>
+                  <a:srgbClr val="333333"/>
+                </a:solidFill>
+                <a:effectLst/>
+                <a:latin typeface="Consolas" panose="020B0609020204030204" pitchFamily="49" charset="0"/>
+              </a:rPr>
+              <a:t>(</a:t>
+            </a:r>
+            <a:r>
+              <a:rPr lang="nl-BE" b="0" dirty="0">
+                <a:solidFill>
+                  <a:srgbClr val="777777"/>
+                </a:solidFill>
+                <a:effectLst/>
+                <a:latin typeface="Consolas" panose="020B0609020204030204" pitchFamily="49" charset="0"/>
+              </a:rPr>
+              <a:t>"</a:t>
+            </a:r>
+            <a:r>
+              <a:rPr lang="nl-BE" b="0" dirty="0">
+                <a:solidFill>
+                  <a:srgbClr val="448C27"/>
+                </a:solidFill>
+                <a:effectLst/>
+                <a:latin typeface="Consolas" panose="020B0609020204030204" pitchFamily="49" charset="0"/>
+              </a:rPr>
+              <a:t>div</a:t>
+            </a:r>
+            <a:r>
+              <a:rPr lang="nl-BE" b="0" dirty="0">
+                <a:solidFill>
+                  <a:srgbClr val="777777"/>
+                </a:solidFill>
+                <a:effectLst/>
+                <a:latin typeface="Consolas" panose="020B0609020204030204" pitchFamily="49" charset="0"/>
+              </a:rPr>
+              <a:t>"</a:t>
+            </a:r>
+            <a:r>
+              <a:rPr lang="nl-BE" b="0" dirty="0">
+                <a:solidFill>
+                  <a:srgbClr val="333333"/>
+                </a:solidFill>
+                <a:effectLst/>
+                <a:latin typeface="Consolas" panose="020B0609020204030204" pitchFamily="49" charset="0"/>
+              </a:rPr>
+              <a:t>)</a:t>
+            </a:r>
+            <a:r>
+              <a:rPr lang="nl-BE" b="0" dirty="0">
+                <a:solidFill>
+                  <a:srgbClr val="777777"/>
+                </a:solidFill>
+                <a:effectLst/>
+                <a:latin typeface="Consolas" panose="020B0609020204030204" pitchFamily="49" charset="0"/>
+              </a:rPr>
+              <a:t>;</a:t>
+            </a:r>
+            <a:endParaRPr lang="nl-BE" b="0" dirty="0">
+              <a:solidFill>
+                <a:srgbClr val="333333"/>
+              </a:solidFill>
+              <a:effectLst/>
+              <a:latin typeface="Consolas" panose="020B0609020204030204" pitchFamily="49" charset="0"/>
+            </a:endParaRPr>
+          </a:p>
+          <a:p>
+            <a:r>
+              <a:rPr lang="nl-BE" b="0" dirty="0">
+                <a:solidFill>
+                  <a:srgbClr val="333333"/>
+                </a:solidFill>
+                <a:effectLst/>
+                <a:latin typeface="Consolas" panose="020B0609020204030204" pitchFamily="49" charset="0"/>
+              </a:rPr>
+              <a:t>  </a:t>
+            </a:r>
+            <a:r>
+              <a:rPr lang="nl-BE" b="0" dirty="0" err="1">
+                <a:solidFill>
+                  <a:srgbClr val="7A3E9D"/>
+                </a:solidFill>
+                <a:effectLst/>
+                <a:latin typeface="Consolas" panose="020B0609020204030204" pitchFamily="49" charset="0"/>
+              </a:rPr>
+              <a:t>newElement</a:t>
+            </a:r>
+            <a:r>
+              <a:rPr lang="nl-BE" b="0" dirty="0" err="1">
+                <a:solidFill>
+                  <a:srgbClr val="777777"/>
+                </a:solidFill>
+                <a:effectLst/>
+                <a:latin typeface="Consolas" panose="020B0609020204030204" pitchFamily="49" charset="0"/>
+              </a:rPr>
+              <a:t>.</a:t>
+            </a:r>
+            <a:r>
+              <a:rPr lang="nl-BE" b="0" dirty="0" err="1">
+                <a:solidFill>
+                  <a:srgbClr val="7A3E9D"/>
+                </a:solidFill>
+                <a:effectLst/>
+                <a:latin typeface="Consolas" panose="020B0609020204030204" pitchFamily="49" charset="0"/>
+              </a:rPr>
+              <a:t>className</a:t>
+            </a:r>
+            <a:r>
+              <a:rPr lang="nl-BE" b="0" dirty="0">
+                <a:solidFill>
+                  <a:srgbClr val="333333"/>
+                </a:solidFill>
+                <a:effectLst/>
+                <a:latin typeface="Consolas" panose="020B0609020204030204" pitchFamily="49" charset="0"/>
+              </a:rPr>
+              <a:t> </a:t>
+            </a:r>
+            <a:r>
+              <a:rPr lang="nl-BE" b="0" dirty="0">
+                <a:solidFill>
+                  <a:srgbClr val="777777"/>
+                </a:solidFill>
+                <a:effectLst/>
+                <a:latin typeface="Consolas" panose="020B0609020204030204" pitchFamily="49" charset="0"/>
+              </a:rPr>
+              <a:t>=</a:t>
+            </a:r>
+            <a:r>
+              <a:rPr lang="nl-BE" b="0" dirty="0">
+                <a:solidFill>
+                  <a:srgbClr val="333333"/>
+                </a:solidFill>
+                <a:effectLst/>
+                <a:latin typeface="Consolas" panose="020B0609020204030204" pitchFamily="49" charset="0"/>
+              </a:rPr>
+              <a:t> </a:t>
+            </a:r>
+            <a:r>
+              <a:rPr lang="nl-BE" b="0" dirty="0">
+                <a:solidFill>
+                  <a:srgbClr val="777777"/>
+                </a:solidFill>
+                <a:effectLst/>
+                <a:latin typeface="Consolas" panose="020B0609020204030204" pitchFamily="49" charset="0"/>
+              </a:rPr>
+              <a:t>"</a:t>
+            </a:r>
+            <a:r>
+              <a:rPr lang="nl-BE" b="0" dirty="0" err="1">
+                <a:solidFill>
+                  <a:srgbClr val="448C27"/>
+                </a:solidFill>
+                <a:effectLst/>
+                <a:latin typeface="Consolas" panose="020B0609020204030204" pitchFamily="49" charset="0"/>
+              </a:rPr>
+              <a:t>some_class</a:t>
+            </a:r>
+            <a:r>
+              <a:rPr lang="nl-BE" b="0" dirty="0">
+                <a:solidFill>
+                  <a:srgbClr val="777777"/>
+                </a:solidFill>
+                <a:effectLst/>
+                <a:latin typeface="Consolas" panose="020B0609020204030204" pitchFamily="49" charset="0"/>
+              </a:rPr>
+              <a:t>";</a:t>
+            </a:r>
+            <a:endParaRPr lang="nl-BE" b="0" dirty="0">
+              <a:solidFill>
+                <a:srgbClr val="333333"/>
+              </a:solidFill>
+              <a:effectLst/>
+              <a:latin typeface="Consolas" panose="020B0609020204030204" pitchFamily="49" charset="0"/>
+            </a:endParaRPr>
+          </a:p>
+          <a:p>
+            <a:r>
+              <a:rPr lang="nl-BE" b="0" dirty="0">
+                <a:solidFill>
+                  <a:srgbClr val="333333"/>
+                </a:solidFill>
+                <a:effectLst/>
+                <a:latin typeface="Consolas" panose="020B0609020204030204" pitchFamily="49" charset="0"/>
+              </a:rPr>
+              <a:t>  </a:t>
+            </a:r>
+            <a:r>
+              <a:rPr lang="nl-BE" b="0" dirty="0" err="1">
+                <a:solidFill>
+                  <a:srgbClr val="7A3E9D"/>
+                </a:solidFill>
+                <a:effectLst/>
+                <a:latin typeface="Consolas" panose="020B0609020204030204" pitchFamily="49" charset="0"/>
+              </a:rPr>
+              <a:t>document</a:t>
+            </a:r>
+            <a:r>
+              <a:rPr lang="nl-BE" b="0" dirty="0" err="1">
+                <a:solidFill>
+                  <a:srgbClr val="777777"/>
+                </a:solidFill>
+                <a:effectLst/>
+                <a:latin typeface="Consolas" panose="020B0609020204030204" pitchFamily="49" charset="0"/>
+              </a:rPr>
+              <a:t>.</a:t>
+            </a:r>
+            <a:r>
+              <a:rPr lang="nl-BE" b="0" dirty="0" err="1">
+                <a:solidFill>
+                  <a:srgbClr val="7A3E9D"/>
+                </a:solidFill>
+                <a:effectLst/>
+                <a:latin typeface="Consolas" panose="020B0609020204030204" pitchFamily="49" charset="0"/>
+              </a:rPr>
+              <a:t>body</a:t>
+            </a:r>
+            <a:r>
+              <a:rPr lang="nl-BE" b="0" dirty="0" err="1">
+                <a:solidFill>
+                  <a:srgbClr val="777777"/>
+                </a:solidFill>
+                <a:effectLst/>
+                <a:latin typeface="Consolas" panose="020B0609020204030204" pitchFamily="49" charset="0"/>
+              </a:rPr>
+              <a:t>.</a:t>
+            </a:r>
+            <a:r>
+              <a:rPr lang="nl-BE" b="1" dirty="0" err="1">
+                <a:solidFill>
+                  <a:srgbClr val="AA3731"/>
+                </a:solidFill>
+                <a:effectLst/>
+                <a:latin typeface="Consolas" panose="020B0609020204030204" pitchFamily="49" charset="0"/>
+              </a:rPr>
+              <a:t>appendChild</a:t>
+            </a:r>
+            <a:r>
+              <a:rPr lang="nl-BE" b="0" dirty="0">
+                <a:solidFill>
+                  <a:srgbClr val="333333"/>
+                </a:solidFill>
+                <a:effectLst/>
+                <a:latin typeface="Consolas" panose="020B0609020204030204" pitchFamily="49" charset="0"/>
+              </a:rPr>
+              <a:t>(</a:t>
+            </a:r>
+            <a:r>
+              <a:rPr lang="nl-BE" b="0" dirty="0" err="1">
+                <a:solidFill>
+                  <a:srgbClr val="7A3E9D"/>
+                </a:solidFill>
+                <a:effectLst/>
+                <a:latin typeface="Consolas" panose="020B0609020204030204" pitchFamily="49" charset="0"/>
+              </a:rPr>
+              <a:t>newElement</a:t>
+            </a:r>
+            <a:r>
+              <a:rPr lang="nl-BE" b="0" dirty="0">
+                <a:solidFill>
+                  <a:srgbClr val="333333"/>
+                </a:solidFill>
+                <a:effectLst/>
+                <a:latin typeface="Consolas" panose="020B0609020204030204" pitchFamily="49" charset="0"/>
+              </a:rPr>
+              <a:t>)</a:t>
+            </a:r>
+            <a:r>
+              <a:rPr lang="nl-BE" b="0" dirty="0">
+                <a:solidFill>
+                  <a:srgbClr val="777777"/>
+                </a:solidFill>
+                <a:effectLst/>
+                <a:latin typeface="Consolas" panose="020B0609020204030204" pitchFamily="49" charset="0"/>
+              </a:rPr>
+              <a:t>;</a:t>
+            </a:r>
+            <a:endParaRPr lang="nl-BE" b="0" dirty="0">
+              <a:solidFill>
+                <a:srgbClr val="333333"/>
+              </a:solidFill>
+              <a:effectLst/>
+              <a:latin typeface="Consolas" panose="020B0609020204030204" pitchFamily="49" charset="0"/>
+            </a:endParaRPr>
+          </a:p>
+          <a:p>
+            <a:r>
+              <a:rPr lang="nl-BE" b="0" dirty="0">
+                <a:solidFill>
+                  <a:srgbClr val="333333"/>
+                </a:solidFill>
+                <a:effectLst/>
+                <a:latin typeface="Consolas" panose="020B0609020204030204" pitchFamily="49" charset="0"/>
+              </a:rPr>
+              <a:t>  </a:t>
+            </a:r>
+            <a:r>
+              <a:rPr lang="nl-BE" b="0" dirty="0" err="1">
+                <a:solidFill>
+                  <a:srgbClr val="7A3E9D"/>
+                </a:solidFill>
+                <a:effectLst/>
+                <a:latin typeface="Consolas" panose="020B0609020204030204" pitchFamily="49" charset="0"/>
+              </a:rPr>
+              <a:t>globalID</a:t>
+            </a:r>
+            <a:r>
+              <a:rPr lang="nl-BE" b="0" dirty="0">
+                <a:solidFill>
+                  <a:srgbClr val="333333"/>
+                </a:solidFill>
+                <a:effectLst/>
+                <a:latin typeface="Consolas" panose="020B0609020204030204" pitchFamily="49" charset="0"/>
+              </a:rPr>
+              <a:t> </a:t>
+            </a:r>
+            <a:r>
+              <a:rPr lang="nl-BE" b="0" dirty="0">
+                <a:solidFill>
+                  <a:srgbClr val="777777"/>
+                </a:solidFill>
+                <a:effectLst/>
+                <a:latin typeface="Consolas" panose="020B0609020204030204" pitchFamily="49" charset="0"/>
+              </a:rPr>
+              <a:t>=</a:t>
+            </a:r>
+            <a:r>
+              <a:rPr lang="nl-BE" b="0" dirty="0">
+                <a:solidFill>
+                  <a:srgbClr val="333333"/>
+                </a:solidFill>
+                <a:effectLst/>
+                <a:latin typeface="Consolas" panose="020B0609020204030204" pitchFamily="49" charset="0"/>
+              </a:rPr>
+              <a:t> </a:t>
+            </a:r>
+            <a:r>
+              <a:rPr lang="nl-BE" b="1" dirty="0" err="1">
+                <a:solidFill>
+                  <a:srgbClr val="AA3731"/>
+                </a:solidFill>
+                <a:effectLst/>
+                <a:latin typeface="Consolas" panose="020B0609020204030204" pitchFamily="49" charset="0"/>
+              </a:rPr>
+              <a:t>requestAnimationFrame</a:t>
+            </a:r>
+            <a:r>
+              <a:rPr lang="nl-BE" b="0" dirty="0">
+                <a:solidFill>
+                  <a:srgbClr val="333333"/>
+                </a:solidFill>
+                <a:effectLst/>
+                <a:latin typeface="Consolas" panose="020B0609020204030204" pitchFamily="49" charset="0"/>
+              </a:rPr>
+              <a:t>(</a:t>
+            </a:r>
+            <a:r>
+              <a:rPr lang="nl-BE" b="1" dirty="0" err="1">
+                <a:solidFill>
+                  <a:srgbClr val="AA3731"/>
+                </a:solidFill>
+                <a:effectLst/>
+                <a:latin typeface="Consolas" panose="020B0609020204030204" pitchFamily="49" charset="0"/>
+              </a:rPr>
+              <a:t>repeatOften</a:t>
+            </a:r>
+            <a:r>
+              <a:rPr lang="nl-BE" b="0" dirty="0">
+                <a:solidFill>
+                  <a:srgbClr val="333333"/>
+                </a:solidFill>
+                <a:effectLst/>
+                <a:latin typeface="Consolas" panose="020B0609020204030204" pitchFamily="49" charset="0"/>
+              </a:rPr>
+              <a:t>)</a:t>
+            </a:r>
+            <a:r>
+              <a:rPr lang="nl-BE" b="0" dirty="0">
+                <a:solidFill>
+                  <a:srgbClr val="777777"/>
+                </a:solidFill>
+                <a:effectLst/>
+                <a:latin typeface="Consolas" panose="020B0609020204030204" pitchFamily="49" charset="0"/>
+              </a:rPr>
+              <a:t>;</a:t>
+            </a:r>
+            <a:endParaRPr lang="nl-BE" b="0" dirty="0">
+              <a:solidFill>
+                <a:srgbClr val="333333"/>
+              </a:solidFill>
+              <a:effectLst/>
+              <a:latin typeface="Consolas" panose="020B0609020204030204" pitchFamily="49" charset="0"/>
+            </a:endParaRPr>
+          </a:p>
+          <a:p>
+            <a:r>
+              <a:rPr lang="nl-BE" b="0" dirty="0">
+                <a:solidFill>
+                  <a:srgbClr val="777777"/>
+                </a:solidFill>
+                <a:effectLst/>
+                <a:latin typeface="Consolas" panose="020B0609020204030204" pitchFamily="49" charset="0"/>
+              </a:rPr>
+              <a:t>}</a:t>
+            </a:r>
+            <a:endParaRPr lang="nl-BE" b="0" dirty="0">
+              <a:solidFill>
+                <a:srgbClr val="333333"/>
+              </a:solidFill>
+              <a:effectLst/>
+              <a:latin typeface="Consolas" panose="020B0609020204030204" pitchFamily="49" charset="0"/>
+            </a:endParaRPr>
+          </a:p>
+          <a:p>
+            <a:br>
+              <a:rPr lang="nl-BE" b="0" dirty="0">
+                <a:solidFill>
+                  <a:srgbClr val="333333"/>
+                </a:solidFill>
+                <a:effectLst/>
+                <a:latin typeface="Consolas" panose="020B0609020204030204" pitchFamily="49" charset="0"/>
+              </a:rPr>
+            </a:br>
+            <a:r>
+              <a:rPr lang="nl-BE" b="0" dirty="0" err="1">
+                <a:solidFill>
+                  <a:srgbClr val="7A3E9D"/>
+                </a:solidFill>
+                <a:effectLst/>
+                <a:latin typeface="Consolas" panose="020B0609020204030204" pitchFamily="49" charset="0"/>
+              </a:rPr>
+              <a:t>document</a:t>
+            </a:r>
+            <a:r>
+              <a:rPr lang="nl-BE" b="0" dirty="0" err="1">
+                <a:solidFill>
+                  <a:srgbClr val="777777"/>
+                </a:solidFill>
+                <a:effectLst/>
+                <a:latin typeface="Consolas" panose="020B0609020204030204" pitchFamily="49" charset="0"/>
+              </a:rPr>
+              <a:t>.</a:t>
+            </a:r>
+            <a:r>
+              <a:rPr lang="nl-BE" b="1" dirty="0" err="1">
+                <a:solidFill>
+                  <a:srgbClr val="AA3731"/>
+                </a:solidFill>
+                <a:effectLst/>
+                <a:latin typeface="Consolas" panose="020B0609020204030204" pitchFamily="49" charset="0"/>
+              </a:rPr>
+              <a:t>getElementById</a:t>
+            </a:r>
+            <a:r>
+              <a:rPr lang="nl-BE" b="0" dirty="0">
+                <a:solidFill>
+                  <a:srgbClr val="333333"/>
+                </a:solidFill>
+                <a:effectLst/>
+                <a:latin typeface="Consolas" panose="020B0609020204030204" pitchFamily="49" charset="0"/>
+              </a:rPr>
+              <a:t>(</a:t>
+            </a:r>
+            <a:r>
+              <a:rPr lang="nl-BE" b="0" dirty="0">
+                <a:solidFill>
+                  <a:srgbClr val="777777"/>
+                </a:solidFill>
+                <a:effectLst/>
+                <a:latin typeface="Consolas" panose="020B0609020204030204" pitchFamily="49" charset="0"/>
+              </a:rPr>
+              <a:t>"</a:t>
+            </a:r>
+            <a:r>
+              <a:rPr lang="nl-BE" b="0" dirty="0" err="1">
+                <a:solidFill>
+                  <a:srgbClr val="448C27"/>
+                </a:solidFill>
+                <a:effectLst/>
+                <a:latin typeface="Consolas" panose="020B0609020204030204" pitchFamily="49" charset="0"/>
+              </a:rPr>
+              <a:t>start_button</a:t>
+            </a:r>
+            <a:r>
+              <a:rPr lang="nl-BE" b="0" dirty="0">
+                <a:solidFill>
+                  <a:srgbClr val="777777"/>
+                </a:solidFill>
+                <a:effectLst/>
+                <a:latin typeface="Consolas" panose="020B0609020204030204" pitchFamily="49" charset="0"/>
+              </a:rPr>
+              <a:t>"</a:t>
+            </a:r>
+            <a:r>
+              <a:rPr lang="nl-BE" b="0" dirty="0">
+                <a:solidFill>
+                  <a:srgbClr val="333333"/>
+                </a:solidFill>
+                <a:effectLst/>
+                <a:latin typeface="Consolas" panose="020B0609020204030204" pitchFamily="49" charset="0"/>
+              </a:rPr>
+              <a:t>)</a:t>
+            </a:r>
+            <a:r>
+              <a:rPr lang="nl-BE" b="0" dirty="0">
+                <a:solidFill>
+                  <a:srgbClr val="777777"/>
+                </a:solidFill>
+                <a:effectLst/>
+                <a:latin typeface="Consolas" panose="020B0609020204030204" pitchFamily="49" charset="0"/>
+              </a:rPr>
+              <a:t>.</a:t>
+            </a:r>
+            <a:r>
+              <a:rPr lang="nl-BE" b="1" dirty="0">
+                <a:solidFill>
+                  <a:srgbClr val="AA3731"/>
+                </a:solidFill>
+                <a:effectLst/>
+                <a:latin typeface="Consolas" panose="020B0609020204030204" pitchFamily="49" charset="0"/>
+              </a:rPr>
+              <a:t>on</a:t>
+            </a:r>
+            <a:r>
+              <a:rPr lang="nl-BE" b="0" dirty="0">
+                <a:solidFill>
+                  <a:srgbClr val="333333"/>
+                </a:solidFill>
+                <a:effectLst/>
+                <a:latin typeface="Consolas" panose="020B0609020204030204" pitchFamily="49" charset="0"/>
+              </a:rPr>
+              <a:t>(</a:t>
+            </a:r>
+            <a:r>
+              <a:rPr lang="nl-BE" b="0" dirty="0">
+                <a:solidFill>
+                  <a:srgbClr val="777777"/>
+                </a:solidFill>
+                <a:effectLst/>
+                <a:latin typeface="Consolas" panose="020B0609020204030204" pitchFamily="49" charset="0"/>
+              </a:rPr>
+              <a:t>"</a:t>
+            </a:r>
+            <a:r>
+              <a:rPr lang="nl-BE" b="0" dirty="0">
+                <a:solidFill>
+                  <a:srgbClr val="448C27"/>
+                </a:solidFill>
+                <a:effectLst/>
+                <a:latin typeface="Consolas" panose="020B0609020204030204" pitchFamily="49" charset="0"/>
+              </a:rPr>
+              <a:t>click</a:t>
+            </a:r>
+            <a:r>
+              <a:rPr lang="nl-BE" b="0" dirty="0">
+                <a:solidFill>
+                  <a:srgbClr val="777777"/>
+                </a:solidFill>
+                <a:effectLst/>
+                <a:latin typeface="Consolas" panose="020B0609020204030204" pitchFamily="49" charset="0"/>
+              </a:rPr>
+              <a:t>",</a:t>
+            </a:r>
+            <a:r>
+              <a:rPr lang="nl-BE" b="0" dirty="0">
+                <a:solidFill>
+                  <a:srgbClr val="333333"/>
+                </a:solidFill>
+                <a:effectLst/>
+                <a:latin typeface="Consolas" panose="020B0609020204030204" pitchFamily="49" charset="0"/>
+              </a:rPr>
+              <a:t> </a:t>
+            </a:r>
+            <a:r>
+              <a:rPr lang="nl-BE" b="0" dirty="0" err="1">
+                <a:solidFill>
+                  <a:srgbClr val="7A3E9D"/>
+                </a:solidFill>
+                <a:effectLst/>
+                <a:latin typeface="Consolas" panose="020B0609020204030204" pitchFamily="49" charset="0"/>
+              </a:rPr>
+              <a:t>function</a:t>
+            </a:r>
+            <a:r>
+              <a:rPr lang="nl-BE" b="0" dirty="0">
+                <a:solidFill>
+                  <a:srgbClr val="333333"/>
+                </a:solidFill>
+                <a:effectLst/>
+                <a:latin typeface="Consolas" panose="020B0609020204030204" pitchFamily="49" charset="0"/>
+              </a:rPr>
+              <a:t> </a:t>
+            </a:r>
+            <a:r>
+              <a:rPr lang="nl-BE" b="0" dirty="0">
+                <a:solidFill>
+                  <a:srgbClr val="777777"/>
+                </a:solidFill>
+                <a:effectLst/>
+                <a:latin typeface="Consolas" panose="020B0609020204030204" pitchFamily="49" charset="0"/>
+              </a:rPr>
+              <a:t>()</a:t>
+            </a:r>
+            <a:r>
+              <a:rPr lang="nl-BE" b="0" dirty="0">
+                <a:solidFill>
+                  <a:srgbClr val="333333"/>
+                </a:solidFill>
+                <a:effectLst/>
+                <a:latin typeface="Consolas" panose="020B0609020204030204" pitchFamily="49" charset="0"/>
+              </a:rPr>
+              <a:t> </a:t>
+            </a:r>
+            <a:r>
+              <a:rPr lang="nl-BE" b="0" dirty="0">
+                <a:solidFill>
+                  <a:srgbClr val="777777"/>
+                </a:solidFill>
+                <a:effectLst/>
+                <a:latin typeface="Consolas" panose="020B0609020204030204" pitchFamily="49" charset="0"/>
+              </a:rPr>
+              <a:t>{</a:t>
+            </a:r>
+            <a:endParaRPr lang="nl-BE" b="0" dirty="0">
+              <a:solidFill>
+                <a:srgbClr val="333333"/>
+              </a:solidFill>
+              <a:effectLst/>
+              <a:latin typeface="Consolas" panose="020B0609020204030204" pitchFamily="49" charset="0"/>
+            </a:endParaRPr>
+          </a:p>
+          <a:p>
+            <a:r>
+              <a:rPr lang="nl-BE" b="0" dirty="0">
+                <a:solidFill>
+                  <a:srgbClr val="333333"/>
+                </a:solidFill>
+                <a:effectLst/>
+                <a:latin typeface="Consolas" panose="020B0609020204030204" pitchFamily="49" charset="0"/>
+              </a:rPr>
+              <a:t>  </a:t>
+            </a:r>
+            <a:r>
+              <a:rPr lang="nl-BE" b="0" dirty="0" err="1">
+                <a:solidFill>
+                  <a:srgbClr val="7A3E9D"/>
+                </a:solidFill>
+                <a:effectLst/>
+                <a:latin typeface="Consolas" panose="020B0609020204030204" pitchFamily="49" charset="0"/>
+              </a:rPr>
+              <a:t>globalID</a:t>
+            </a:r>
+            <a:r>
+              <a:rPr lang="nl-BE" b="0" dirty="0">
+                <a:solidFill>
+                  <a:srgbClr val="333333"/>
+                </a:solidFill>
+                <a:effectLst/>
+                <a:latin typeface="Consolas" panose="020B0609020204030204" pitchFamily="49" charset="0"/>
+              </a:rPr>
+              <a:t> </a:t>
+            </a:r>
+            <a:r>
+              <a:rPr lang="nl-BE" b="0" dirty="0">
+                <a:solidFill>
+                  <a:srgbClr val="777777"/>
+                </a:solidFill>
+                <a:effectLst/>
+                <a:latin typeface="Consolas" panose="020B0609020204030204" pitchFamily="49" charset="0"/>
+              </a:rPr>
+              <a:t>=</a:t>
+            </a:r>
+            <a:r>
+              <a:rPr lang="nl-BE" b="0" dirty="0">
+                <a:solidFill>
+                  <a:srgbClr val="333333"/>
+                </a:solidFill>
+                <a:effectLst/>
+                <a:latin typeface="Consolas" panose="020B0609020204030204" pitchFamily="49" charset="0"/>
+              </a:rPr>
+              <a:t> </a:t>
+            </a:r>
+            <a:r>
+              <a:rPr lang="nl-BE" b="1" dirty="0" err="1">
+                <a:solidFill>
+                  <a:srgbClr val="AA3731"/>
+                </a:solidFill>
+                <a:effectLst/>
+                <a:latin typeface="Consolas" panose="020B0609020204030204" pitchFamily="49" charset="0"/>
+              </a:rPr>
+              <a:t>requestAnimationFrame</a:t>
+            </a:r>
+            <a:r>
+              <a:rPr lang="nl-BE" b="0" dirty="0">
+                <a:solidFill>
+                  <a:srgbClr val="333333"/>
+                </a:solidFill>
+                <a:effectLst/>
+                <a:latin typeface="Consolas" panose="020B0609020204030204" pitchFamily="49" charset="0"/>
+              </a:rPr>
+              <a:t>(</a:t>
+            </a:r>
+            <a:r>
+              <a:rPr lang="nl-BE" b="1" dirty="0" err="1">
+                <a:solidFill>
+                  <a:srgbClr val="AA3731"/>
+                </a:solidFill>
+                <a:effectLst/>
+                <a:latin typeface="Consolas" panose="020B0609020204030204" pitchFamily="49" charset="0"/>
+              </a:rPr>
+              <a:t>repeatOften</a:t>
+            </a:r>
+            <a:r>
+              <a:rPr lang="nl-BE" b="0" dirty="0">
+                <a:solidFill>
+                  <a:srgbClr val="333333"/>
+                </a:solidFill>
+                <a:effectLst/>
+                <a:latin typeface="Consolas" panose="020B0609020204030204" pitchFamily="49" charset="0"/>
+              </a:rPr>
+              <a:t>)</a:t>
+            </a:r>
+            <a:r>
+              <a:rPr lang="nl-BE" b="0" dirty="0">
+                <a:solidFill>
+                  <a:srgbClr val="777777"/>
+                </a:solidFill>
+                <a:effectLst/>
+                <a:latin typeface="Consolas" panose="020B0609020204030204" pitchFamily="49" charset="0"/>
+              </a:rPr>
+              <a:t>;</a:t>
+            </a:r>
+            <a:endParaRPr lang="nl-BE" b="0" dirty="0">
+              <a:solidFill>
+                <a:srgbClr val="333333"/>
+              </a:solidFill>
+              <a:effectLst/>
+              <a:latin typeface="Consolas" panose="020B0609020204030204" pitchFamily="49" charset="0"/>
+            </a:endParaRPr>
+          </a:p>
+          <a:p>
+            <a:r>
+              <a:rPr lang="nl-BE" b="0" dirty="0">
+                <a:solidFill>
+                  <a:srgbClr val="777777"/>
+                </a:solidFill>
+                <a:effectLst/>
+                <a:latin typeface="Consolas" panose="020B0609020204030204" pitchFamily="49" charset="0"/>
+              </a:rPr>
+              <a:t>}</a:t>
+            </a:r>
+            <a:r>
+              <a:rPr lang="nl-BE" b="0" dirty="0">
+                <a:solidFill>
+                  <a:srgbClr val="333333"/>
+                </a:solidFill>
+                <a:effectLst/>
+                <a:latin typeface="Consolas" panose="020B0609020204030204" pitchFamily="49" charset="0"/>
+              </a:rPr>
+              <a:t>)</a:t>
+            </a:r>
+            <a:r>
+              <a:rPr lang="nl-BE" b="0" dirty="0">
+                <a:solidFill>
+                  <a:srgbClr val="777777"/>
+                </a:solidFill>
+                <a:effectLst/>
+                <a:latin typeface="Consolas" panose="020B0609020204030204" pitchFamily="49" charset="0"/>
+              </a:rPr>
+              <a:t>;</a:t>
+            </a:r>
+            <a:endParaRPr lang="nl-BE" b="0" dirty="0">
+              <a:solidFill>
+                <a:srgbClr val="333333"/>
+              </a:solidFill>
+              <a:effectLst/>
+              <a:latin typeface="Consolas" panose="020B0609020204030204" pitchFamily="49" charset="0"/>
+            </a:endParaRPr>
+          </a:p>
+          <a:p>
+            <a:br>
+              <a:rPr lang="nl-BE" b="0" dirty="0">
+                <a:solidFill>
+                  <a:srgbClr val="333333"/>
+                </a:solidFill>
+                <a:effectLst/>
+                <a:latin typeface="Consolas" panose="020B0609020204030204" pitchFamily="49" charset="0"/>
+              </a:rPr>
+            </a:br>
+            <a:r>
+              <a:rPr lang="nl-BE" b="0" dirty="0" err="1">
+                <a:solidFill>
+                  <a:srgbClr val="7A3E9D"/>
+                </a:solidFill>
+                <a:effectLst/>
+                <a:latin typeface="Consolas" panose="020B0609020204030204" pitchFamily="49" charset="0"/>
+              </a:rPr>
+              <a:t>document</a:t>
+            </a:r>
+            <a:r>
+              <a:rPr lang="nl-BE" b="0" dirty="0" err="1">
+                <a:solidFill>
+                  <a:srgbClr val="777777"/>
+                </a:solidFill>
+                <a:effectLst/>
+                <a:latin typeface="Consolas" panose="020B0609020204030204" pitchFamily="49" charset="0"/>
+              </a:rPr>
+              <a:t>.</a:t>
+            </a:r>
+            <a:r>
+              <a:rPr lang="nl-BE" b="1" dirty="0" err="1">
+                <a:solidFill>
+                  <a:srgbClr val="AA3731"/>
+                </a:solidFill>
+                <a:effectLst/>
+                <a:latin typeface="Consolas" panose="020B0609020204030204" pitchFamily="49" charset="0"/>
+              </a:rPr>
+              <a:t>getElementById</a:t>
+            </a:r>
+            <a:r>
+              <a:rPr lang="nl-BE" b="0" dirty="0">
+                <a:solidFill>
+                  <a:srgbClr val="333333"/>
+                </a:solidFill>
+                <a:effectLst/>
+                <a:latin typeface="Consolas" panose="020B0609020204030204" pitchFamily="49" charset="0"/>
+              </a:rPr>
+              <a:t>(</a:t>
+            </a:r>
+            <a:r>
+              <a:rPr lang="nl-BE" b="0" dirty="0">
+                <a:solidFill>
+                  <a:srgbClr val="777777"/>
+                </a:solidFill>
+                <a:effectLst/>
+                <a:latin typeface="Consolas" panose="020B0609020204030204" pitchFamily="49" charset="0"/>
+              </a:rPr>
+              <a:t>"</a:t>
+            </a:r>
+            <a:r>
+              <a:rPr lang="nl-BE" b="0" dirty="0" err="1">
+                <a:solidFill>
+                  <a:srgbClr val="448C27"/>
+                </a:solidFill>
+                <a:effectLst/>
+                <a:latin typeface="Consolas" panose="020B0609020204030204" pitchFamily="49" charset="0"/>
+              </a:rPr>
+              <a:t>stop_button</a:t>
+            </a:r>
+            <a:r>
+              <a:rPr lang="nl-BE" b="0" dirty="0">
+                <a:solidFill>
+                  <a:srgbClr val="777777"/>
+                </a:solidFill>
+                <a:effectLst/>
+                <a:latin typeface="Consolas" panose="020B0609020204030204" pitchFamily="49" charset="0"/>
+              </a:rPr>
+              <a:t>"</a:t>
+            </a:r>
+            <a:r>
+              <a:rPr lang="nl-BE" b="0" dirty="0">
+                <a:solidFill>
+                  <a:srgbClr val="333333"/>
+                </a:solidFill>
+                <a:effectLst/>
+                <a:latin typeface="Consolas" panose="020B0609020204030204" pitchFamily="49" charset="0"/>
+              </a:rPr>
+              <a:t>)</a:t>
+            </a:r>
+            <a:r>
+              <a:rPr lang="nl-BE" b="0" dirty="0">
+                <a:solidFill>
+                  <a:srgbClr val="777777"/>
+                </a:solidFill>
+                <a:effectLst/>
+                <a:latin typeface="Consolas" panose="020B0609020204030204" pitchFamily="49" charset="0"/>
+              </a:rPr>
+              <a:t>.</a:t>
+            </a:r>
+            <a:r>
+              <a:rPr lang="nl-BE" b="1" dirty="0">
+                <a:solidFill>
+                  <a:srgbClr val="AA3731"/>
+                </a:solidFill>
+                <a:effectLst/>
+                <a:latin typeface="Consolas" panose="020B0609020204030204" pitchFamily="49" charset="0"/>
+              </a:rPr>
+              <a:t>on</a:t>
+            </a:r>
+            <a:r>
+              <a:rPr lang="nl-BE" b="0" dirty="0">
+                <a:solidFill>
+                  <a:srgbClr val="333333"/>
+                </a:solidFill>
+                <a:effectLst/>
+                <a:latin typeface="Consolas" panose="020B0609020204030204" pitchFamily="49" charset="0"/>
+              </a:rPr>
+              <a:t>(</a:t>
+            </a:r>
+            <a:r>
+              <a:rPr lang="nl-BE" b="0" dirty="0">
+                <a:solidFill>
+                  <a:srgbClr val="777777"/>
+                </a:solidFill>
+                <a:effectLst/>
+                <a:latin typeface="Consolas" panose="020B0609020204030204" pitchFamily="49" charset="0"/>
+              </a:rPr>
+              <a:t>"</a:t>
+            </a:r>
+            <a:r>
+              <a:rPr lang="nl-BE" b="0" dirty="0">
+                <a:solidFill>
+                  <a:srgbClr val="448C27"/>
+                </a:solidFill>
+                <a:effectLst/>
+                <a:latin typeface="Consolas" panose="020B0609020204030204" pitchFamily="49" charset="0"/>
+              </a:rPr>
+              <a:t>click</a:t>
+            </a:r>
+            <a:r>
+              <a:rPr lang="nl-BE" b="0" dirty="0">
+                <a:solidFill>
+                  <a:srgbClr val="777777"/>
+                </a:solidFill>
+                <a:effectLst/>
+                <a:latin typeface="Consolas" panose="020B0609020204030204" pitchFamily="49" charset="0"/>
+              </a:rPr>
+              <a:t>",</a:t>
+            </a:r>
+            <a:r>
+              <a:rPr lang="nl-BE" b="0" dirty="0">
+                <a:solidFill>
+                  <a:srgbClr val="333333"/>
+                </a:solidFill>
+                <a:effectLst/>
+                <a:latin typeface="Consolas" panose="020B0609020204030204" pitchFamily="49" charset="0"/>
+              </a:rPr>
+              <a:t> </a:t>
+            </a:r>
+            <a:r>
+              <a:rPr lang="nl-BE" b="0" dirty="0" err="1">
+                <a:solidFill>
+                  <a:srgbClr val="7A3E9D"/>
+                </a:solidFill>
+                <a:effectLst/>
+                <a:latin typeface="Consolas" panose="020B0609020204030204" pitchFamily="49" charset="0"/>
+              </a:rPr>
+              <a:t>function</a:t>
+            </a:r>
+            <a:r>
+              <a:rPr lang="nl-BE" b="0" dirty="0">
+                <a:solidFill>
+                  <a:srgbClr val="333333"/>
+                </a:solidFill>
+                <a:effectLst/>
+                <a:latin typeface="Consolas" panose="020B0609020204030204" pitchFamily="49" charset="0"/>
+              </a:rPr>
+              <a:t> </a:t>
+            </a:r>
+            <a:r>
+              <a:rPr lang="nl-BE" b="0" dirty="0">
+                <a:solidFill>
+                  <a:srgbClr val="777777"/>
+                </a:solidFill>
+                <a:effectLst/>
+                <a:latin typeface="Consolas" panose="020B0609020204030204" pitchFamily="49" charset="0"/>
+              </a:rPr>
+              <a:t>()</a:t>
+            </a:r>
+            <a:r>
+              <a:rPr lang="nl-BE" b="0" dirty="0">
+                <a:solidFill>
+                  <a:srgbClr val="333333"/>
+                </a:solidFill>
+                <a:effectLst/>
+                <a:latin typeface="Consolas" panose="020B0609020204030204" pitchFamily="49" charset="0"/>
+              </a:rPr>
+              <a:t> </a:t>
+            </a:r>
+            <a:r>
+              <a:rPr lang="nl-BE" b="0" dirty="0">
+                <a:solidFill>
+                  <a:srgbClr val="777777"/>
+                </a:solidFill>
+                <a:effectLst/>
+                <a:latin typeface="Consolas" panose="020B0609020204030204" pitchFamily="49" charset="0"/>
+              </a:rPr>
+              <a:t>{</a:t>
+            </a:r>
+            <a:endParaRPr lang="nl-BE" b="0" dirty="0">
+              <a:solidFill>
+                <a:srgbClr val="333333"/>
+              </a:solidFill>
+              <a:effectLst/>
+              <a:latin typeface="Consolas" panose="020B0609020204030204" pitchFamily="49" charset="0"/>
+            </a:endParaRPr>
+          </a:p>
+          <a:p>
+            <a:r>
+              <a:rPr lang="nl-BE" b="0" dirty="0">
+                <a:solidFill>
+                  <a:srgbClr val="333333"/>
+                </a:solidFill>
+                <a:effectLst/>
+                <a:latin typeface="Consolas" panose="020B0609020204030204" pitchFamily="49" charset="0"/>
+              </a:rPr>
+              <a:t>  </a:t>
+            </a:r>
+            <a:r>
+              <a:rPr lang="nl-BE" b="1" dirty="0" err="1">
+                <a:solidFill>
+                  <a:srgbClr val="AA3731"/>
+                </a:solidFill>
+                <a:effectLst/>
+                <a:latin typeface="Consolas" panose="020B0609020204030204" pitchFamily="49" charset="0"/>
+              </a:rPr>
+              <a:t>cancelAnimationFrame</a:t>
+            </a:r>
+            <a:r>
+              <a:rPr lang="nl-BE" b="0" dirty="0">
+                <a:solidFill>
+                  <a:srgbClr val="333333"/>
+                </a:solidFill>
+                <a:effectLst/>
+                <a:latin typeface="Consolas" panose="020B0609020204030204" pitchFamily="49" charset="0"/>
+              </a:rPr>
+              <a:t>(</a:t>
+            </a:r>
+            <a:r>
+              <a:rPr lang="nl-BE" b="0" dirty="0" err="1">
+                <a:solidFill>
+                  <a:srgbClr val="7A3E9D"/>
+                </a:solidFill>
+                <a:effectLst/>
+                <a:latin typeface="Consolas" panose="020B0609020204030204" pitchFamily="49" charset="0"/>
+              </a:rPr>
+              <a:t>globalID</a:t>
+            </a:r>
+            <a:r>
+              <a:rPr lang="nl-BE" b="0" dirty="0">
+                <a:solidFill>
+                  <a:srgbClr val="333333"/>
+                </a:solidFill>
+                <a:effectLst/>
+                <a:latin typeface="Consolas" panose="020B0609020204030204" pitchFamily="49" charset="0"/>
+              </a:rPr>
+              <a:t>)</a:t>
+            </a:r>
+            <a:r>
+              <a:rPr lang="nl-BE" b="0" dirty="0">
+                <a:solidFill>
+                  <a:srgbClr val="777777"/>
+                </a:solidFill>
+                <a:effectLst/>
+                <a:latin typeface="Consolas" panose="020B0609020204030204" pitchFamily="49" charset="0"/>
+              </a:rPr>
+              <a:t>;</a:t>
+            </a:r>
+            <a:endParaRPr lang="nl-BE" b="0" dirty="0">
+              <a:solidFill>
+                <a:srgbClr val="333333"/>
+              </a:solidFill>
+              <a:effectLst/>
+              <a:latin typeface="Consolas" panose="020B0609020204030204" pitchFamily="49" charset="0"/>
+            </a:endParaRPr>
+          </a:p>
+          <a:p>
+            <a:r>
+              <a:rPr lang="nl-BE" b="0" dirty="0">
+                <a:solidFill>
+                  <a:srgbClr val="777777"/>
+                </a:solidFill>
+                <a:effectLst/>
+                <a:latin typeface="Consolas" panose="020B0609020204030204" pitchFamily="49" charset="0"/>
+              </a:rPr>
+              <a:t>}</a:t>
+            </a:r>
+            <a:r>
+              <a:rPr lang="nl-BE" b="0" dirty="0">
+                <a:solidFill>
+                  <a:srgbClr val="333333"/>
+                </a:solidFill>
+                <a:effectLst/>
+                <a:latin typeface="Consolas" panose="020B0609020204030204" pitchFamily="49" charset="0"/>
+              </a:rPr>
+              <a:t>)</a:t>
+            </a:r>
+            <a:r>
+              <a:rPr lang="nl-BE" b="0" dirty="0">
+                <a:solidFill>
+                  <a:srgbClr val="777777"/>
+                </a:solidFill>
+                <a:effectLst/>
+                <a:latin typeface="Consolas" panose="020B0609020204030204" pitchFamily="49" charset="0"/>
+              </a:rPr>
+              <a:t>;</a:t>
+            </a:r>
+            <a:endParaRPr lang="nl-BE" b="0" dirty="0">
+              <a:solidFill>
+                <a:srgbClr val="333333"/>
+              </a:solidFill>
+              <a:effectLst/>
+              <a:latin typeface="Consolas" panose="020B0609020204030204" pitchFamily="49" charset="0"/>
+            </a:endParaRPr>
+          </a:p>
+        </p:txBody>
+      </p:sp>
     </p:spTree>
     <p:extLst>
       <p:ext uri="{BB962C8B-B14F-4D97-AF65-F5344CB8AC3E}">
-        <p14:creationId xmlns:p14="http://schemas.microsoft.com/office/powerpoint/2010/main" val="1456392233"/>
+        <p14:creationId xmlns:p14="http://schemas.microsoft.com/office/powerpoint/2010/main" val="89553126"/>
       </p:ext>
     </p:extLst>
   </p:cSld>
@@ -11817,12 +13828,6 @@
           </a:p>
           <a:p>
             <a:r>
-              <a:rPr lang="nl-BE" dirty="0"/>
-              <a:t>Sprite</a:t>
-            </a:r>
-          </a:p>
-          <a:p>
-            <a:r>
               <a:rPr lang="nl-BE" dirty="0" err="1"/>
               <a:t>Request</a:t>
             </a:r>
@@ -11837,6 +13842,12 @@
             <a:r>
               <a:rPr lang="nl-BE" dirty="0"/>
               <a:t> frame</a:t>
+            </a:r>
+          </a:p>
+          <a:p>
+            <a:r>
+              <a:rPr lang="nl-BE" dirty="0"/>
+              <a:t>Sprite</a:t>
             </a:r>
           </a:p>
           <a:p>
@@ -11962,10 +13973,10 @@
       </p:grpSpPr>
       <p:sp>
         <p:nvSpPr>
-          <p:cNvPr id="2" name="Title 1">
-            <a:extLst>
-              <a:ext uri="{FF2B5EF4-FFF2-40B4-BE49-F238E27FC236}">
-                <a16:creationId xmlns:a16="http://schemas.microsoft.com/office/drawing/2014/main" id="{A3E6F2B2-081F-42D1-A341-BCBA1748155C}"/>
+          <p:cNvPr id="2" name="Titel 1">
+            <a:extLst>
+              <a:ext uri="{FF2B5EF4-FFF2-40B4-BE49-F238E27FC236}">
+                <a16:creationId xmlns:a16="http://schemas.microsoft.com/office/drawing/2014/main" id="{465F132B-C9CE-4FCE-923D-CCAFB92AB8C8}"/>
               </a:ext>
             </a:extLst>
           </p:cNvPr>
@@ -11983,293 +13994,7 @@
           <a:p>
             <a:r>
               <a:rPr lang="nl-BE" dirty="0"/>
-              <a:t>Voorbeeld</a:t>
-            </a:r>
-          </a:p>
-        </p:txBody>
-      </p:sp>
-      <p:sp>
-        <p:nvSpPr>
-          <p:cNvPr id="3" name="Content Placeholder 2">
-            <a:extLst>
-              <a:ext uri="{FF2B5EF4-FFF2-40B4-BE49-F238E27FC236}">
-                <a16:creationId xmlns:a16="http://schemas.microsoft.com/office/drawing/2014/main" id="{9B68AEDE-1A7A-4C72-8E0A-69B89F69B4F7}"/>
-              </a:ext>
-            </a:extLst>
-          </p:cNvPr>
-          <p:cNvSpPr>
-            <a:spLocks noGrp="1"/>
-          </p:cNvSpPr>
-          <p:nvPr>
-            <p:ph idx="1"/>
-          </p:nvPr>
-        </p:nvSpPr>
-        <p:spPr/>
-        <p:txBody>
-          <a:bodyPr/>
-          <a:lstStyle/>
-          <a:p>
-            <a:r>
-              <a:rPr lang="nl-BE" b="0" dirty="0" err="1">
-                <a:latin typeface="Consolas" panose="020B0609020204030204" pitchFamily="49" charset="0"/>
-              </a:rPr>
-              <a:t>function</a:t>
-            </a:r>
-            <a:r>
-              <a:rPr lang="nl-BE" b="0" dirty="0">
-                <a:latin typeface="Consolas" panose="020B0609020204030204" pitchFamily="49" charset="0"/>
-              </a:rPr>
-              <a:t> </a:t>
-            </a:r>
-            <a:r>
-              <a:rPr lang="nl-BE" dirty="0" err="1">
-                <a:latin typeface="Consolas" panose="020B0609020204030204" pitchFamily="49" charset="0"/>
-              </a:rPr>
-              <a:t>repeatOften</a:t>
-            </a:r>
-            <a:r>
-              <a:rPr lang="nl-BE" b="0" dirty="0">
-                <a:latin typeface="Consolas" panose="020B0609020204030204" pitchFamily="49" charset="0"/>
-              </a:rPr>
-              <a:t>() {</a:t>
-            </a:r>
-          </a:p>
-          <a:p>
-            <a:r>
-              <a:rPr lang="nl-BE" b="0" dirty="0">
-                <a:latin typeface="Consolas" panose="020B0609020204030204" pitchFamily="49" charset="0"/>
-              </a:rPr>
-              <a:t>  // Do </a:t>
-            </a:r>
-            <a:r>
-              <a:rPr lang="nl-BE" b="0" dirty="0" err="1">
-                <a:latin typeface="Consolas" panose="020B0609020204030204" pitchFamily="49" charset="0"/>
-              </a:rPr>
-              <a:t>whatever</a:t>
-            </a:r>
-            <a:endParaRPr lang="nl-BE" b="0" dirty="0">
-              <a:latin typeface="Consolas" panose="020B0609020204030204" pitchFamily="49" charset="0"/>
-            </a:endParaRPr>
-          </a:p>
-          <a:p>
-            <a:r>
-              <a:rPr lang="nl-BE" b="0" dirty="0">
-                <a:latin typeface="Consolas" panose="020B0609020204030204" pitchFamily="49" charset="0"/>
-              </a:rPr>
-              <a:t>  </a:t>
-            </a:r>
-            <a:r>
-              <a:rPr lang="nl-BE" b="0" dirty="0" err="1">
-                <a:latin typeface="Consolas" panose="020B0609020204030204" pitchFamily="49" charset="0"/>
-              </a:rPr>
-              <a:t>requestAnimationFrame</a:t>
-            </a:r>
-            <a:r>
-              <a:rPr lang="nl-BE" b="0" dirty="0">
-                <a:latin typeface="Consolas" panose="020B0609020204030204" pitchFamily="49" charset="0"/>
-              </a:rPr>
-              <a:t>(</a:t>
-            </a:r>
-            <a:r>
-              <a:rPr lang="nl-BE" dirty="0" err="1">
-                <a:latin typeface="Consolas" panose="020B0609020204030204" pitchFamily="49" charset="0"/>
-              </a:rPr>
-              <a:t>repeatOften</a:t>
-            </a:r>
-            <a:r>
-              <a:rPr lang="nl-BE" b="0" dirty="0">
-                <a:latin typeface="Consolas" panose="020B0609020204030204" pitchFamily="49" charset="0"/>
-              </a:rPr>
-              <a:t>);</a:t>
-            </a:r>
-          </a:p>
-          <a:p>
-            <a:r>
-              <a:rPr lang="nl-BE" b="0" dirty="0">
-                <a:latin typeface="Consolas" panose="020B0609020204030204" pitchFamily="49" charset="0"/>
-              </a:rPr>
-              <a:t>}</a:t>
-            </a:r>
-          </a:p>
-          <a:p>
-            <a:r>
-              <a:rPr lang="nl-BE" b="0" dirty="0" err="1">
-                <a:latin typeface="Consolas" panose="020B0609020204030204" pitchFamily="49" charset="0"/>
-              </a:rPr>
-              <a:t>requestAnimationFrame</a:t>
-            </a:r>
-            <a:r>
-              <a:rPr lang="nl-BE" b="0" dirty="0">
-                <a:latin typeface="Consolas" panose="020B0609020204030204" pitchFamily="49" charset="0"/>
-              </a:rPr>
-              <a:t>(</a:t>
-            </a:r>
-            <a:r>
-              <a:rPr lang="nl-BE" dirty="0" err="1">
-                <a:latin typeface="Consolas" panose="020B0609020204030204" pitchFamily="49" charset="0"/>
-              </a:rPr>
-              <a:t>repeatOften</a:t>
-            </a:r>
-            <a:r>
-              <a:rPr lang="nl-BE" b="0" dirty="0">
-                <a:latin typeface="Consolas" panose="020B0609020204030204" pitchFamily="49" charset="0"/>
-              </a:rPr>
-              <a:t>);</a:t>
-            </a:r>
-          </a:p>
-        </p:txBody>
-      </p:sp>
-      <p:sp>
-        <p:nvSpPr>
-          <p:cNvPr id="4" name="Footer Placeholder 3">
-            <a:extLst>
-              <a:ext uri="{FF2B5EF4-FFF2-40B4-BE49-F238E27FC236}">
-                <a16:creationId xmlns:a16="http://schemas.microsoft.com/office/drawing/2014/main" id="{A019479A-C7B4-40DC-ABA6-3FDFAF64AF9E}"/>
-              </a:ext>
-            </a:extLst>
-          </p:cNvPr>
-          <p:cNvSpPr>
-            <a:spLocks noGrp="1"/>
-          </p:cNvSpPr>
-          <p:nvPr>
-            <p:ph type="ftr" sz="quarter" idx="11"/>
-          </p:nvPr>
-        </p:nvSpPr>
-        <p:spPr/>
-        <p:txBody>
-          <a:bodyPr/>
-          <a:lstStyle/>
-          <a:p>
-            <a:r>
-              <a:rPr lang="nl-BE" dirty="0"/>
-              <a:t>DWD – HTML5 &amp; Games</a:t>
-            </a:r>
-          </a:p>
-        </p:txBody>
-      </p:sp>
-      <p:sp>
-        <p:nvSpPr>
-          <p:cNvPr id="5" name="Slide Number Placeholder 4">
-            <a:extLst>
-              <a:ext uri="{FF2B5EF4-FFF2-40B4-BE49-F238E27FC236}">
-                <a16:creationId xmlns:a16="http://schemas.microsoft.com/office/drawing/2014/main" id="{E5E49462-1BEB-49B1-937F-5C9FF1759EEA}"/>
-              </a:ext>
-            </a:extLst>
-          </p:cNvPr>
-          <p:cNvSpPr>
-            <a:spLocks noGrp="1"/>
-          </p:cNvSpPr>
-          <p:nvPr>
-            <p:ph type="sldNum" sz="quarter" idx="12"/>
-          </p:nvPr>
-        </p:nvSpPr>
-        <p:spPr/>
-        <p:txBody>
-          <a:bodyPr/>
-          <a:lstStyle/>
-          <a:p>
-            <a:fld id="{FF88DA20-ED00-471C-9170-60F590CB400A}" type="slidenum">
-              <a:rPr lang="nl-BE" smtClean="0"/>
-              <a:t>30</a:t>
-            </a:fld>
-            <a:endParaRPr lang="nl-BE"/>
-          </a:p>
-        </p:txBody>
-      </p:sp>
-      <p:sp>
-        <p:nvSpPr>
-          <p:cNvPr id="6" name="Text Placeholder 5">
-            <a:extLst>
-              <a:ext uri="{FF2B5EF4-FFF2-40B4-BE49-F238E27FC236}">
-                <a16:creationId xmlns:a16="http://schemas.microsoft.com/office/drawing/2014/main" id="{4D2DE9C0-B7F6-445B-AE30-A1035FD034D7}"/>
-              </a:ext>
-            </a:extLst>
-          </p:cNvPr>
-          <p:cNvSpPr>
-            <a:spLocks noGrp="1"/>
-          </p:cNvSpPr>
-          <p:nvPr>
-            <p:ph type="body" sz="quarter" idx="13"/>
-          </p:nvPr>
-        </p:nvSpPr>
-        <p:spPr/>
-        <p:txBody>
-          <a:bodyPr/>
-          <a:lstStyle/>
-          <a:p>
-            <a:r>
-              <a:rPr lang="nl-BE" dirty="0" err="1"/>
-              <a:t>Request</a:t>
-            </a:r>
-            <a:r>
-              <a:rPr lang="nl-BE" dirty="0"/>
-              <a:t> </a:t>
-            </a:r>
-            <a:r>
-              <a:rPr lang="nl-BE" dirty="0" err="1"/>
-              <a:t>animation</a:t>
-            </a:r>
-            <a:r>
-              <a:rPr lang="nl-BE" dirty="0"/>
-              <a:t> frame</a:t>
-            </a:r>
-          </a:p>
-        </p:txBody>
-      </p:sp>
-    </p:spTree>
-    <p:extLst>
-      <p:ext uri="{BB962C8B-B14F-4D97-AF65-F5344CB8AC3E}">
-        <p14:creationId xmlns:p14="http://schemas.microsoft.com/office/powerpoint/2010/main" val="3876490024"/>
-      </p:ext>
-    </p:extLst>
-  </p:cSld>
-  <p:clrMapOvr>
-    <a:masterClrMapping/>
-  </p:clrMapOvr>
-</p:sld>
-</file>
-
-<file path=ppt/slides/slide31.xml><?xml version="1.0" encoding="utf-8"?>
-<p:sld xmlns:a="http://schemas.openxmlformats.org/drawingml/2006/main" xmlns:r="http://schemas.openxmlformats.org/officeDocument/2006/relationships" xmlns:p="http://schemas.openxmlformats.org/presentationml/2006/main">
-  <p:cSld>
-    <p:spTree>
-      <p:nvGrpSpPr>
-        <p:cNvPr id="1" name=""/>
-        <p:cNvGrpSpPr/>
-        <p:nvPr/>
-      </p:nvGrpSpPr>
-      <p:grpSpPr>
-        <a:xfrm>
-          <a:off x="0" y="0"/>
-          <a:ext cx="0" cy="0"/>
-          <a:chOff x="0" y="0"/>
-          <a:chExt cx="0" cy="0"/>
-        </a:xfrm>
-      </p:grpSpPr>
-      <p:sp>
-        <p:nvSpPr>
-          <p:cNvPr id="2" name="Titel 1">
-            <a:extLst>
-              <a:ext uri="{FF2B5EF4-FFF2-40B4-BE49-F238E27FC236}">
-                <a16:creationId xmlns:a16="http://schemas.microsoft.com/office/drawing/2014/main" id="{465F132B-C9CE-4FCE-923D-CCAFB92AB8C8}"/>
-              </a:ext>
-            </a:extLst>
-          </p:cNvPr>
-          <p:cNvSpPr>
-            <a:spLocks noGrp="1"/>
-          </p:cNvSpPr>
-          <p:nvPr>
-            <p:ph type="title"/>
-          </p:nvPr>
-        </p:nvSpPr>
-        <p:spPr/>
-        <p:txBody>
-          <a:bodyPr/>
-          <a:lstStyle/>
-          <a:p>
-            <a:r>
-              <a:rPr lang="nl-BE" dirty="0"/>
-              <a:t>Waarom?</a:t>
+              <a:t>Voordelen</a:t>
             </a:r>
           </a:p>
         </p:txBody>
@@ -12373,7 +14098,7 @@
           <a:p>
             <a:fld id="{FF88DA20-ED00-471C-9170-60F590CB400A}" type="slidenum">
               <a:rPr lang="nl-BE" smtClean="0"/>
-              <a:t>31</a:t>
+              <a:t>30</a:t>
             </a:fld>
             <a:endParaRPr lang="nl-BE"/>
           </a:p>
@@ -12471,6 +14196,179 @@
 </p:sld>
 </file>
 
+<file path=ppt/slides/slide31.xml><?xml version="1.0" encoding="utf-8"?>
+<p:sld xmlns:a="http://schemas.openxmlformats.org/drawingml/2006/main" xmlns:r="http://schemas.openxmlformats.org/officeDocument/2006/relationships" xmlns:p="http://schemas.openxmlformats.org/presentationml/2006/main">
+  <p:cSld>
+    <p:spTree>
+      <p:nvGrpSpPr>
+        <p:cNvPr id="1" name=""/>
+        <p:cNvGrpSpPr/>
+        <p:nvPr/>
+      </p:nvGrpSpPr>
+      <p:grpSpPr>
+        <a:xfrm>
+          <a:off x="0" y="0"/>
+          <a:ext cx="0" cy="0"/>
+          <a:chOff x="0" y="0"/>
+          <a:chExt cx="0" cy="0"/>
+        </a:xfrm>
+      </p:grpSpPr>
+      <p:sp>
+        <p:nvSpPr>
+          <p:cNvPr id="2" name="Titel 1">
+            <a:extLst>
+              <a:ext uri="{FF2B5EF4-FFF2-40B4-BE49-F238E27FC236}">
+                <a16:creationId xmlns:a16="http://schemas.microsoft.com/office/drawing/2014/main" id="{C5EEAFBD-B5B8-4F85-98E4-19C38B628AD3}"/>
+              </a:ext>
+            </a:extLst>
+          </p:cNvPr>
+          <p:cNvSpPr>
+            <a:spLocks noGrp="1"/>
+          </p:cNvSpPr>
+          <p:nvPr>
+            <p:ph type="title"/>
+          </p:nvPr>
+        </p:nvSpPr>
+        <p:spPr/>
+        <p:txBody>
+          <a:bodyPr/>
+          <a:lstStyle/>
+          <a:p>
+            <a:r>
+              <a:rPr lang="nl-BE" dirty="0"/>
+              <a:t>Sprites</a:t>
+            </a:r>
+          </a:p>
+        </p:txBody>
+      </p:sp>
+      <p:sp>
+        <p:nvSpPr>
+          <p:cNvPr id="3" name="Tijdelijke aanduiding voor tekst 2">
+            <a:extLst>
+              <a:ext uri="{FF2B5EF4-FFF2-40B4-BE49-F238E27FC236}">
+                <a16:creationId xmlns:a16="http://schemas.microsoft.com/office/drawing/2014/main" id="{25E6300B-AC24-4FB2-A05D-06BE75683545}"/>
+              </a:ext>
+            </a:extLst>
+          </p:cNvPr>
+          <p:cNvSpPr>
+            <a:spLocks noGrp="1"/>
+          </p:cNvSpPr>
+          <p:nvPr>
+            <p:ph type="body" idx="1"/>
+          </p:nvPr>
+        </p:nvSpPr>
+        <p:spPr/>
+        <p:txBody>
+          <a:bodyPr/>
+          <a:lstStyle/>
+          <a:p>
+            <a:r>
+              <a:rPr lang="nl-BE" dirty="0" err="1"/>
+              <a:t>Animate</a:t>
+            </a:r>
+            <a:r>
+              <a:rPr lang="nl-BE" dirty="0"/>
+              <a:t> images</a:t>
+            </a:r>
+          </a:p>
+        </p:txBody>
+      </p:sp>
+      <p:sp>
+        <p:nvSpPr>
+          <p:cNvPr id="4" name="Tijdelijke aanduiding voor voettekst 3">
+            <a:extLst>
+              <a:ext uri="{FF2B5EF4-FFF2-40B4-BE49-F238E27FC236}">
+                <a16:creationId xmlns:a16="http://schemas.microsoft.com/office/drawing/2014/main" id="{7926BCFD-3A9A-492A-A57B-0A991170A3B7}"/>
+              </a:ext>
+            </a:extLst>
+          </p:cNvPr>
+          <p:cNvSpPr>
+            <a:spLocks noGrp="1"/>
+          </p:cNvSpPr>
+          <p:nvPr>
+            <p:ph type="ftr" sz="quarter" idx="11"/>
+          </p:nvPr>
+        </p:nvSpPr>
+        <p:spPr/>
+        <p:txBody>
+          <a:bodyPr/>
+          <a:lstStyle/>
+          <a:p>
+            <a:r>
+              <a:rPr lang="nl-BE" dirty="0"/>
+              <a:t>DWD – HTML5 &amp; Games</a:t>
+            </a:r>
+          </a:p>
+        </p:txBody>
+      </p:sp>
+      <p:sp>
+        <p:nvSpPr>
+          <p:cNvPr id="5" name="Tijdelijke aanduiding voor dianummer 4">
+            <a:extLst>
+              <a:ext uri="{FF2B5EF4-FFF2-40B4-BE49-F238E27FC236}">
+                <a16:creationId xmlns:a16="http://schemas.microsoft.com/office/drawing/2014/main" id="{60BD1991-93F2-4440-9BAB-7167DEBBD3C1}"/>
+              </a:ext>
+            </a:extLst>
+          </p:cNvPr>
+          <p:cNvSpPr>
+            <a:spLocks noGrp="1"/>
+          </p:cNvSpPr>
+          <p:nvPr>
+            <p:ph type="sldNum" sz="quarter" idx="12"/>
+          </p:nvPr>
+        </p:nvSpPr>
+        <p:spPr/>
+        <p:txBody>
+          <a:bodyPr/>
+          <a:lstStyle/>
+          <a:p>
+            <a:fld id="{FF88DA20-ED00-471C-9170-60F590CB400A}" type="slidenum">
+              <a:rPr lang="nl-BE" smtClean="0"/>
+              <a:pPr/>
+              <a:t>31</a:t>
+            </a:fld>
+            <a:endParaRPr lang="nl-BE"/>
+          </a:p>
+        </p:txBody>
+      </p:sp>
+      <p:sp>
+        <p:nvSpPr>
+          <p:cNvPr id="6" name="Tijdelijke aanduiding voor tekst 5">
+            <a:extLst>
+              <a:ext uri="{FF2B5EF4-FFF2-40B4-BE49-F238E27FC236}">
+                <a16:creationId xmlns:a16="http://schemas.microsoft.com/office/drawing/2014/main" id="{2BC75DC7-FD2B-4961-80F5-1A77FF877DD9}"/>
+              </a:ext>
+            </a:extLst>
+          </p:cNvPr>
+          <p:cNvSpPr>
+            <a:spLocks noGrp="1"/>
+          </p:cNvSpPr>
+          <p:nvPr>
+            <p:ph type="body" sz="quarter" idx="13"/>
+          </p:nvPr>
+        </p:nvSpPr>
+        <p:spPr/>
+        <p:txBody>
+          <a:bodyPr/>
+          <a:lstStyle/>
+          <a:p>
+            <a:endParaRPr lang="nl-BE"/>
+          </a:p>
+        </p:txBody>
+      </p:sp>
+    </p:spTree>
+    <p:extLst>
+      <p:ext uri="{BB962C8B-B14F-4D97-AF65-F5344CB8AC3E}">
+        <p14:creationId xmlns:p14="http://schemas.microsoft.com/office/powerpoint/2010/main" val="519223587"/>
+      </p:ext>
+    </p:extLst>
+  </p:cSld>
+  <p:clrMapOvr>
+    <a:masterClrMapping/>
+  </p:clrMapOvr>
+</p:sld>
+</file>
+
 <file path=ppt/slides/slide32.xml><?xml version="1.0" encoding="utf-8"?>
 <p:sld xmlns:a="http://schemas.openxmlformats.org/drawingml/2006/main" xmlns:r="http://schemas.openxmlformats.org/officeDocument/2006/relationships" xmlns:p="http://schemas.openxmlformats.org/presentationml/2006/main">
   <p:cSld>
@@ -12490,10 +14388,10 @@
       </p:grpSpPr>
       <p:sp>
         <p:nvSpPr>
-          <p:cNvPr id="2" name="Title 1">
-            <a:extLst>
-              <a:ext uri="{FF2B5EF4-FFF2-40B4-BE49-F238E27FC236}">
-                <a16:creationId xmlns:a16="http://schemas.microsoft.com/office/drawing/2014/main" id="{A3E6F2B2-081F-42D1-A341-BCBA1748155C}"/>
+          <p:cNvPr id="2" name="Titel 1">
+            <a:extLst>
+              <a:ext uri="{FF2B5EF4-FFF2-40B4-BE49-F238E27FC236}">
+                <a16:creationId xmlns:a16="http://schemas.microsoft.com/office/drawing/2014/main" id="{465F132B-C9CE-4FCE-923D-CCAFB92AB8C8}"/>
               </a:ext>
             </a:extLst>
           </p:cNvPr>
@@ -12511,17 +14409,17 @@
           <a:p>
             <a:r>
               <a:rPr lang="nl-BE" dirty="0"/>
-              <a:t>Voorbeeld</a:t>
-            </a:r>
-          </a:p>
-        </p:txBody>
-      </p:sp>
-      <p:sp>
-        <p:nvSpPr>
-          <p:cNvPr id="3" name="Content Placeholder 2">
-            <a:extLst>
-              <a:ext uri="{FF2B5EF4-FFF2-40B4-BE49-F238E27FC236}">
-                <a16:creationId xmlns:a16="http://schemas.microsoft.com/office/drawing/2014/main" id="{9B68AEDE-1A7A-4C72-8E0A-69B89F69B4F7}"/>
+              <a:t>Wat zijn ze?</a:t>
+            </a:r>
+          </a:p>
+        </p:txBody>
+      </p:sp>
+      <p:sp>
+        <p:nvSpPr>
+          <p:cNvPr id="8" name="Tijdelijke aanduiding voor inhoud 7">
+            <a:extLst>
+              <a:ext uri="{FF2B5EF4-FFF2-40B4-BE49-F238E27FC236}">
+                <a16:creationId xmlns:a16="http://schemas.microsoft.com/office/drawing/2014/main" id="{46660B48-BEE8-4738-9228-05126E64F4BB}"/>
               </a:ext>
             </a:extLst>
           </p:cNvPr>
@@ -12534,286 +14432,50 @@
         </p:nvSpPr>
         <p:spPr>
           <a:xfrm>
-            <a:off x="2541864" y="880844"/>
-            <a:ext cx="8369735" cy="5184396"/>
+            <a:off x="922789" y="1535185"/>
+            <a:ext cx="9988811" cy="3504814"/>
           </a:xfrm>
         </p:spPr>
         <p:txBody>
           <a:bodyPr/>
           <a:lstStyle/>
           <a:p>
-            <a:r>
-              <a:rPr lang="nl-BE" sz="1600" b="0" dirty="0">
-                <a:latin typeface="Consolas" panose="020B0609020204030204" pitchFamily="49" charset="0"/>
-              </a:rPr>
-              <a:t>var </a:t>
-            </a:r>
-            <a:r>
-              <a:rPr lang="nl-BE" sz="1600" dirty="0" err="1">
-                <a:latin typeface="Consolas" panose="020B0609020204030204" pitchFamily="49" charset="0"/>
-              </a:rPr>
-              <a:t>globalID</a:t>
-            </a:r>
-            <a:r>
-              <a:rPr lang="nl-BE" sz="1600" b="0" dirty="0">
-                <a:latin typeface="Consolas" panose="020B0609020204030204" pitchFamily="49" charset="0"/>
-              </a:rPr>
-              <a:t>;</a:t>
-            </a:r>
-          </a:p>
-          <a:p>
-            <a:endParaRPr lang="nl-BE" sz="1600" b="0" dirty="0">
-              <a:latin typeface="Consolas" panose="020B0609020204030204" pitchFamily="49" charset="0"/>
-            </a:endParaRPr>
-          </a:p>
-          <a:p>
-            <a:r>
-              <a:rPr lang="nl-BE" sz="1600" b="0" dirty="0" err="1">
-                <a:latin typeface="Consolas" panose="020B0609020204030204" pitchFamily="49" charset="0"/>
-              </a:rPr>
-              <a:t>function</a:t>
-            </a:r>
-            <a:r>
-              <a:rPr lang="nl-BE" sz="1600" b="0" dirty="0">
-                <a:latin typeface="Consolas" panose="020B0609020204030204" pitchFamily="49" charset="0"/>
-              </a:rPr>
-              <a:t> </a:t>
-            </a:r>
-            <a:r>
-              <a:rPr lang="nl-BE" sz="1600" dirty="0" err="1">
-                <a:latin typeface="Consolas" panose="020B0609020204030204" pitchFamily="49" charset="0"/>
-              </a:rPr>
-              <a:t>repeatOften</a:t>
-            </a:r>
-            <a:r>
-              <a:rPr lang="nl-BE" sz="1600" b="0" dirty="0">
-                <a:latin typeface="Consolas" panose="020B0609020204030204" pitchFamily="49" charset="0"/>
-              </a:rPr>
-              <a:t>() {</a:t>
-            </a:r>
-          </a:p>
-          <a:p>
-            <a:r>
-              <a:rPr lang="nl-BE" sz="1600" b="0" dirty="0">
-                <a:latin typeface="Consolas" panose="020B0609020204030204" pitchFamily="49" charset="0"/>
-              </a:rPr>
-              <a:t>  $("&lt;div /&gt;").</a:t>
-            </a:r>
-            <a:r>
-              <a:rPr lang="nl-BE" sz="1600" b="0" dirty="0" err="1">
-                <a:latin typeface="Consolas" panose="020B0609020204030204" pitchFamily="49" charset="0"/>
-              </a:rPr>
-              <a:t>appendTo</a:t>
-            </a:r>
-            <a:r>
-              <a:rPr lang="nl-BE" sz="1600" b="0" dirty="0">
-                <a:latin typeface="Consolas" panose="020B0609020204030204" pitchFamily="49" charset="0"/>
-              </a:rPr>
-              <a:t>("body");</a:t>
-            </a:r>
-          </a:p>
-          <a:p>
-            <a:r>
-              <a:rPr lang="nl-BE" sz="1600" b="0" dirty="0">
-                <a:latin typeface="Consolas" panose="020B0609020204030204" pitchFamily="49" charset="0"/>
-              </a:rPr>
-              <a:t>  </a:t>
-            </a:r>
-            <a:r>
-              <a:rPr lang="nl-BE" sz="1600" dirty="0" err="1">
-                <a:latin typeface="Consolas" panose="020B0609020204030204" pitchFamily="49" charset="0"/>
-              </a:rPr>
-              <a:t>globalID</a:t>
-            </a:r>
-            <a:r>
-              <a:rPr lang="nl-BE" sz="1600" b="0" dirty="0">
-                <a:latin typeface="Consolas" panose="020B0609020204030204" pitchFamily="49" charset="0"/>
-              </a:rPr>
-              <a:t> = </a:t>
-            </a:r>
-            <a:r>
-              <a:rPr lang="nl-BE" sz="1600" b="0" dirty="0" err="1">
-                <a:latin typeface="Consolas" panose="020B0609020204030204" pitchFamily="49" charset="0"/>
-              </a:rPr>
-              <a:t>requestAnimationFrame</a:t>
-            </a:r>
-            <a:r>
-              <a:rPr lang="nl-BE" sz="1600" b="0" dirty="0">
-                <a:latin typeface="Consolas" panose="020B0609020204030204" pitchFamily="49" charset="0"/>
-              </a:rPr>
-              <a:t>(</a:t>
-            </a:r>
-            <a:r>
-              <a:rPr lang="nl-BE" sz="1600" dirty="0" err="1">
-                <a:latin typeface="Consolas" panose="020B0609020204030204" pitchFamily="49" charset="0"/>
-              </a:rPr>
-              <a:t>repeatOften</a:t>
-            </a:r>
-            <a:r>
-              <a:rPr lang="nl-BE" sz="1600" b="0" dirty="0">
-                <a:latin typeface="Consolas" panose="020B0609020204030204" pitchFamily="49" charset="0"/>
-              </a:rPr>
-              <a:t>);</a:t>
-            </a:r>
-          </a:p>
-          <a:p>
-            <a:r>
-              <a:rPr lang="nl-BE" sz="1600" b="0" dirty="0">
-                <a:latin typeface="Consolas" panose="020B0609020204030204" pitchFamily="49" charset="0"/>
-              </a:rPr>
-              <a:t>}</a:t>
-            </a:r>
-          </a:p>
-          <a:p>
-            <a:endParaRPr lang="nl-BE" sz="1600" b="0" dirty="0">
-              <a:latin typeface="Consolas" panose="020B0609020204030204" pitchFamily="49" charset="0"/>
-            </a:endParaRPr>
-          </a:p>
-          <a:p>
-            <a:r>
-              <a:rPr lang="nl-BE" sz="1600" b="0" dirty="0">
-                <a:latin typeface="Consolas" panose="020B0609020204030204" pitchFamily="49" charset="0"/>
-              </a:rPr>
-              <a:t>$("#start").on("click", </a:t>
-            </a:r>
-            <a:r>
-              <a:rPr lang="nl-BE" sz="1600" b="0" dirty="0" err="1">
-                <a:latin typeface="Consolas" panose="020B0609020204030204" pitchFamily="49" charset="0"/>
-              </a:rPr>
-              <a:t>function</a:t>
-            </a:r>
-            <a:r>
-              <a:rPr lang="nl-BE" sz="1600" b="0" dirty="0">
-                <a:latin typeface="Consolas" panose="020B0609020204030204" pitchFamily="49" charset="0"/>
-              </a:rPr>
-              <a:t>() {</a:t>
-            </a:r>
-          </a:p>
-          <a:p>
-            <a:r>
-              <a:rPr lang="nl-BE" sz="1600" b="0" dirty="0">
-                <a:latin typeface="Consolas" panose="020B0609020204030204" pitchFamily="49" charset="0"/>
-              </a:rPr>
-              <a:t>  </a:t>
-            </a:r>
-            <a:r>
-              <a:rPr lang="nl-BE" sz="1600" dirty="0" err="1">
-                <a:latin typeface="Consolas" panose="020B0609020204030204" pitchFamily="49" charset="0"/>
-              </a:rPr>
-              <a:t>globalID</a:t>
-            </a:r>
-            <a:r>
-              <a:rPr lang="nl-BE" sz="1600" b="0" dirty="0">
-                <a:latin typeface="Consolas" panose="020B0609020204030204" pitchFamily="49" charset="0"/>
-              </a:rPr>
-              <a:t> = </a:t>
-            </a:r>
-            <a:r>
-              <a:rPr lang="nl-BE" sz="1600" b="0" dirty="0" err="1">
-                <a:latin typeface="Consolas" panose="020B0609020204030204" pitchFamily="49" charset="0"/>
-              </a:rPr>
-              <a:t>requestAnimationFrame</a:t>
-            </a:r>
-            <a:r>
-              <a:rPr lang="nl-BE" sz="1600" b="0" dirty="0">
-                <a:latin typeface="Consolas" panose="020B0609020204030204" pitchFamily="49" charset="0"/>
-              </a:rPr>
-              <a:t>(</a:t>
-            </a:r>
-            <a:r>
-              <a:rPr lang="nl-BE" sz="1600" dirty="0" err="1">
-                <a:latin typeface="Consolas" panose="020B0609020204030204" pitchFamily="49" charset="0"/>
-              </a:rPr>
-              <a:t>repeatOften</a:t>
-            </a:r>
-            <a:r>
-              <a:rPr lang="nl-BE" sz="1600" b="0" dirty="0">
-                <a:latin typeface="Consolas" panose="020B0609020204030204" pitchFamily="49" charset="0"/>
-              </a:rPr>
-              <a:t>);</a:t>
-            </a:r>
-          </a:p>
-          <a:p>
-            <a:r>
-              <a:rPr lang="nl-BE" sz="1600" b="0" dirty="0">
-                <a:latin typeface="Consolas" panose="020B0609020204030204" pitchFamily="49" charset="0"/>
-              </a:rPr>
-              <a:t>});</a:t>
-            </a:r>
-          </a:p>
-          <a:p>
-            <a:endParaRPr lang="nl-BE" sz="1600" b="0" dirty="0">
-              <a:latin typeface="Consolas" panose="020B0609020204030204" pitchFamily="49" charset="0"/>
-            </a:endParaRPr>
-          </a:p>
-          <a:p>
-            <a:r>
-              <a:rPr lang="nl-BE" sz="1600" b="0" dirty="0">
-                <a:latin typeface="Consolas" panose="020B0609020204030204" pitchFamily="49" charset="0"/>
-              </a:rPr>
-              <a:t>$("#stop").on("click", </a:t>
-            </a:r>
-            <a:r>
-              <a:rPr lang="nl-BE" sz="1600" b="0" dirty="0" err="1">
-                <a:latin typeface="Consolas" panose="020B0609020204030204" pitchFamily="49" charset="0"/>
-              </a:rPr>
-              <a:t>function</a:t>
-            </a:r>
-            <a:r>
-              <a:rPr lang="nl-BE" sz="1600" b="0" dirty="0">
-                <a:latin typeface="Consolas" panose="020B0609020204030204" pitchFamily="49" charset="0"/>
-              </a:rPr>
-              <a:t>() {</a:t>
-            </a:r>
-          </a:p>
-          <a:p>
-            <a:r>
-              <a:rPr lang="nl-BE" sz="1600" b="0" dirty="0">
-                <a:latin typeface="Consolas" panose="020B0609020204030204" pitchFamily="49" charset="0"/>
-              </a:rPr>
-              <a:t>  </a:t>
-            </a:r>
-            <a:r>
-              <a:rPr lang="nl-BE" sz="1600" b="0" dirty="0" err="1">
-                <a:latin typeface="Consolas" panose="020B0609020204030204" pitchFamily="49" charset="0"/>
-              </a:rPr>
-              <a:t>cancelAnimationFrame</a:t>
-            </a:r>
-            <a:r>
-              <a:rPr lang="nl-BE" sz="1600" b="0" dirty="0">
-                <a:latin typeface="Consolas" panose="020B0609020204030204" pitchFamily="49" charset="0"/>
-              </a:rPr>
-              <a:t>(</a:t>
-            </a:r>
-            <a:r>
-              <a:rPr lang="nl-BE" sz="1600" dirty="0" err="1">
-                <a:latin typeface="Consolas" panose="020B0609020204030204" pitchFamily="49" charset="0"/>
-              </a:rPr>
-              <a:t>globalID</a:t>
-            </a:r>
-            <a:r>
-              <a:rPr lang="nl-BE" sz="1600" b="0" dirty="0">
-                <a:latin typeface="Consolas" panose="020B0609020204030204" pitchFamily="49" charset="0"/>
-              </a:rPr>
-              <a:t>);</a:t>
-            </a:r>
-          </a:p>
-          <a:p>
-            <a:r>
-              <a:rPr lang="nl-BE" sz="1600" b="0" dirty="0">
-                <a:latin typeface="Consolas" panose="020B0609020204030204" pitchFamily="49" charset="0"/>
-              </a:rPr>
-              <a:t>});</a:t>
-            </a:r>
-          </a:p>
-        </p:txBody>
-      </p:sp>
-      <p:sp>
-        <p:nvSpPr>
-          <p:cNvPr id="4" name="Footer Placeholder 3">
-            <a:extLst>
-              <a:ext uri="{FF2B5EF4-FFF2-40B4-BE49-F238E27FC236}">
-                <a16:creationId xmlns:a16="http://schemas.microsoft.com/office/drawing/2014/main" id="{A019479A-C7B4-40DC-ABA6-3FDFAF64AF9E}"/>
+            <a:pPr lvl="1"/>
+            <a:r>
+              <a:rPr lang="nl-BE" dirty="0"/>
+              <a:t>Een </a:t>
+            </a:r>
+            <a:r>
+              <a:rPr lang="nl-BE" dirty="0" err="1"/>
+              <a:t>sprite</a:t>
+            </a:r>
+            <a:r>
+              <a:rPr lang="nl-BE" dirty="0"/>
+              <a:t> is een animatie opgebouwd uit een reeks afbeeldingen</a:t>
+            </a:r>
+          </a:p>
+          <a:p>
+            <a:pPr lvl="1"/>
+            <a:r>
+              <a:rPr lang="nl-BE" dirty="0"/>
+              <a:t>Deze verschillende afbeeldingen stellen elk een frame voor binnen een animatie</a:t>
+            </a:r>
+          </a:p>
+          <a:p>
+            <a:pPr lvl="1"/>
+            <a:r>
+              <a:rPr lang="nl-BE" dirty="0"/>
+              <a:t>Deze verschillende frames kunnen zich binnen hetzelfde of verschillende bestanden bevinden</a:t>
+            </a:r>
+          </a:p>
+        </p:txBody>
+      </p:sp>
+      <p:sp>
+        <p:nvSpPr>
+          <p:cNvPr id="4" name="Tijdelijke aanduiding voor voettekst 3">
+            <a:extLst>
+              <a:ext uri="{FF2B5EF4-FFF2-40B4-BE49-F238E27FC236}">
+                <a16:creationId xmlns:a16="http://schemas.microsoft.com/office/drawing/2014/main" id="{9A86A9FB-1B9E-4B7A-910C-235D3A566A80}"/>
               </a:ext>
             </a:extLst>
           </p:cNvPr>
@@ -12838,10 +14500,10 @@
       </p:sp>
       <p:sp>
         <p:nvSpPr>
-          <p:cNvPr id="5" name="Slide Number Placeholder 4">
-            <a:extLst>
-              <a:ext uri="{FF2B5EF4-FFF2-40B4-BE49-F238E27FC236}">
-                <a16:creationId xmlns:a16="http://schemas.microsoft.com/office/drawing/2014/main" id="{E5E49462-1BEB-49B1-937F-5C9FF1759EEA}"/>
+          <p:cNvPr id="5" name="Tijdelijke aanduiding voor dianummer 4">
+            <a:extLst>
+              <a:ext uri="{FF2B5EF4-FFF2-40B4-BE49-F238E27FC236}">
+                <a16:creationId xmlns:a16="http://schemas.microsoft.com/office/drawing/2014/main" id="{A64CFB49-2F18-4019-89DD-E4922E4505C1}"/>
               </a:ext>
             </a:extLst>
           </p:cNvPr>
@@ -12867,10 +14529,10 @@
       </p:sp>
       <p:sp>
         <p:nvSpPr>
-          <p:cNvPr id="6" name="Text Placeholder 5">
-            <a:extLst>
-              <a:ext uri="{FF2B5EF4-FFF2-40B4-BE49-F238E27FC236}">
-                <a16:creationId xmlns:a16="http://schemas.microsoft.com/office/drawing/2014/main" id="{4D2DE9C0-B7F6-445B-AE30-A1035FD034D7}"/>
+          <p:cNvPr id="3" name="Tijdelijke aanduiding voor tekst 2">
+            <a:extLst>
+              <a:ext uri="{FF2B5EF4-FFF2-40B4-BE49-F238E27FC236}">
+                <a16:creationId xmlns:a16="http://schemas.microsoft.com/office/drawing/2014/main" id="{8007CC32-F96E-4CD9-95CF-403FC6BFF49B}"/>
               </a:ext>
             </a:extLst>
           </p:cNvPr>
@@ -12887,28 +14549,52 @@
           <a:lstStyle/>
           <a:p>
             <a:r>
-              <a:rPr lang="nl-BE" dirty="0" err="1"/>
-              <a:t>Request</a:t>
-            </a:r>
-            <a:r>
-              <a:rPr lang="nl-BE" dirty="0"/>
-              <a:t> </a:t>
-            </a:r>
-            <a:r>
-              <a:rPr lang="nl-BE" dirty="0" err="1"/>
-              <a:t>animation</a:t>
-            </a:r>
-            <a:r>
-              <a:rPr lang="nl-BE" dirty="0"/>
-              <a:t> frame</a:t>
-            </a:r>
-          </a:p>
-        </p:txBody>
-      </p:sp>
+              <a:rPr lang="nl-BE" dirty="0"/>
+              <a:t>Sprites</a:t>
+            </a:r>
+          </a:p>
+        </p:txBody>
+      </p:sp>
+      <p:pic>
+        <p:nvPicPr>
+          <p:cNvPr id="7" name="Picture 6" descr="Logo&#10;&#10;Description automatically generated">
+            <a:extLst>
+              <a:ext uri="{FF2B5EF4-FFF2-40B4-BE49-F238E27FC236}">
+                <a16:creationId xmlns:a16="http://schemas.microsoft.com/office/drawing/2014/main" id="{D5B9801D-7E8B-4847-BD0A-B115A988B20C}"/>
+              </a:ext>
+            </a:extLst>
+          </p:cNvPr>
+          <p:cNvPicPr>
+            <a:picLocks noChangeAspect="1"/>
+          </p:cNvPicPr>
+          <p:nvPr/>
+        </p:nvPicPr>
+        <p:blipFill>
+          <a:blip r:embed="rId2">
+            <a:extLst>
+              <a:ext uri="{28A0092B-C50C-407E-A947-70E740481C1C}">
+                <a14:useLocalDpi xmlns:a14="http://schemas.microsoft.com/office/drawing/2010/main" val="0"/>
+              </a:ext>
+            </a:extLst>
+          </a:blip>
+          <a:stretch>
+            <a:fillRect/>
+          </a:stretch>
+        </p:blipFill>
+        <p:spPr>
+          <a:xfrm>
+            <a:off x="0" y="3620105"/>
+            <a:ext cx="12192000" cy="2032000"/>
+          </a:xfrm>
+          <a:prstGeom prst="rect">
+            <a:avLst/>
+          </a:prstGeom>
+        </p:spPr>
+      </p:pic>
     </p:spTree>
     <p:extLst>
       <p:ext uri="{BB962C8B-B14F-4D97-AF65-F5344CB8AC3E}">
-        <p14:creationId xmlns:p14="http://schemas.microsoft.com/office/powerpoint/2010/main" val="89553126"/>
+        <p14:creationId xmlns:p14="http://schemas.microsoft.com/office/powerpoint/2010/main" val="3732580902"/>
       </p:ext>
     </p:extLst>
   </p:cSld>
@@ -12940,7 +14626,7 @@
           <p:cNvPr id="2" name="Titel 1">
             <a:extLst>
               <a:ext uri="{FF2B5EF4-FFF2-40B4-BE49-F238E27FC236}">
-                <a16:creationId xmlns:a16="http://schemas.microsoft.com/office/drawing/2014/main" id="{C5EEAFBD-B5B8-4F85-98E4-19C38B628AD3}"/>
+                <a16:creationId xmlns:a16="http://schemas.microsoft.com/office/drawing/2014/main" id="{465F132B-C9CE-4FCE-923D-CCAFB92AB8C8}"/>
               </a:ext>
             </a:extLst>
           </p:cNvPr>
@@ -12958,62 +14644,51 @@
           <a:p>
             <a:r>
               <a:rPr lang="nl-BE" dirty="0"/>
-              <a:t>Web speech API</a:t>
-            </a:r>
-          </a:p>
-        </p:txBody>
-      </p:sp>
-      <p:sp>
-        <p:nvSpPr>
-          <p:cNvPr id="3" name="Tijdelijke aanduiding voor tekst 2">
-            <a:extLst>
-              <a:ext uri="{FF2B5EF4-FFF2-40B4-BE49-F238E27FC236}">
-                <a16:creationId xmlns:a16="http://schemas.microsoft.com/office/drawing/2014/main" id="{25E6300B-AC24-4FB2-A05D-06BE75683545}"/>
-              </a:ext>
-            </a:extLst>
-          </p:cNvPr>
-          <p:cNvSpPr>
-            <a:spLocks noGrp="1"/>
-          </p:cNvSpPr>
-          <p:nvPr>
-            <p:ph type="body" idx="1"/>
-          </p:nvPr>
-        </p:nvSpPr>
-        <p:spPr/>
-        <p:txBody>
-          <a:bodyPr/>
-          <a:lstStyle/>
-          <a:p>
-            <a:r>
-              <a:rPr lang="nl-BE" dirty="0" err="1"/>
-              <a:t>Words</a:t>
-            </a:r>
-            <a:r>
-              <a:rPr lang="nl-BE" dirty="0"/>
-              <a:t> </a:t>
-            </a:r>
-            <a:r>
-              <a:rPr lang="nl-BE" dirty="0" err="1"/>
-              <a:t>to</a:t>
-            </a:r>
-            <a:r>
-              <a:rPr lang="nl-BE" dirty="0"/>
-              <a:t> </a:t>
-            </a:r>
-            <a:r>
-              <a:rPr lang="nl-BE" dirty="0" err="1"/>
-              <a:t>text</a:t>
-            </a:r>
-            <a:endParaRPr lang="nl-BE" dirty="0"/>
-          </a:p>
-        </p:txBody>
-      </p:sp>
+              <a:t>Voorbeelden</a:t>
+            </a:r>
+          </a:p>
+        </p:txBody>
+      </p:sp>
+      <p:pic>
+        <p:nvPicPr>
+          <p:cNvPr id="13" name="Content Placeholder 12" descr="A picture containing text&#10;&#10;Description automatically generated">
+            <a:extLst>
+              <a:ext uri="{FF2B5EF4-FFF2-40B4-BE49-F238E27FC236}">
+                <a16:creationId xmlns:a16="http://schemas.microsoft.com/office/drawing/2014/main" id="{C4957349-D583-4AA3-9395-8333317DBF9C}"/>
+              </a:ext>
+            </a:extLst>
+          </p:cNvPr>
+          <p:cNvPicPr>
+            <a:picLocks noGrp="1" noChangeAspect="1"/>
+          </p:cNvPicPr>
+          <p:nvPr>
+            <p:ph idx="1"/>
+          </p:nvPr>
+        </p:nvPicPr>
+        <p:blipFill rotWithShape="1">
+          <a:blip r:embed="rId2">
+            <a:extLst>
+              <a:ext uri="{28A0092B-C50C-407E-A947-70E740481C1C}">
+                <a14:useLocalDpi xmlns:a14="http://schemas.microsoft.com/office/drawing/2010/main" val="0"/>
+              </a:ext>
+            </a:extLst>
+          </a:blip>
+          <a:srcRect r="44572" b="64659"/>
+          <a:stretch/>
+        </p:blipFill>
+        <p:spPr>
+          <a:xfrm>
+            <a:off x="396000" y="2319320"/>
+            <a:ext cx="6771154" cy="3386242"/>
+          </a:xfrm>
+        </p:spPr>
+      </p:pic>
       <p:sp>
         <p:nvSpPr>
           <p:cNvPr id="4" name="Tijdelijke aanduiding voor voettekst 3">
             <a:extLst>
               <a:ext uri="{FF2B5EF4-FFF2-40B4-BE49-F238E27FC236}">
-                <a16:creationId xmlns:a16="http://schemas.microsoft.com/office/drawing/2014/main" id="{7926BCFD-3A9A-492A-A57B-0A991170A3B7}"/>
+                <a16:creationId xmlns:a16="http://schemas.microsoft.com/office/drawing/2014/main" id="{9A86A9FB-1B9E-4B7A-910C-235D3A566A80}"/>
               </a:ext>
             </a:extLst>
           </p:cNvPr>
@@ -13041,7 +14716,7 @@
           <p:cNvPr id="5" name="Tijdelijke aanduiding voor dianummer 4">
             <a:extLst>
               <a:ext uri="{FF2B5EF4-FFF2-40B4-BE49-F238E27FC236}">
-                <a16:creationId xmlns:a16="http://schemas.microsoft.com/office/drawing/2014/main" id="{60BD1991-93F2-4440-9BAB-7167DEBBD3C1}"/>
+                <a16:creationId xmlns:a16="http://schemas.microsoft.com/office/drawing/2014/main" id="{A64CFB49-2F18-4019-89DD-E4922E4505C1}"/>
               </a:ext>
             </a:extLst>
           </p:cNvPr>
@@ -13059,7 +14734,6 @@
           <a:p>
             <a:fld id="{FF88DA20-ED00-471C-9170-60F590CB400A}" type="slidenum">
               <a:rPr lang="nl-BE" smtClean="0"/>
-              <a:pPr/>
               <a:t>33</a:t>
             </a:fld>
             <a:endParaRPr lang="nl-BE"/>
@@ -13068,10 +14742,10 @@
       </p:sp>
       <p:sp>
         <p:nvSpPr>
-          <p:cNvPr id="6" name="Tijdelijke aanduiding voor tekst 5">
-            <a:extLst>
-              <a:ext uri="{FF2B5EF4-FFF2-40B4-BE49-F238E27FC236}">
-                <a16:creationId xmlns:a16="http://schemas.microsoft.com/office/drawing/2014/main" id="{2BC75DC7-FD2B-4961-80F5-1A77FF877DD9}"/>
+          <p:cNvPr id="3" name="Tijdelijke aanduiding voor tekst 2">
+            <a:extLst>
+              <a:ext uri="{FF2B5EF4-FFF2-40B4-BE49-F238E27FC236}">
+                <a16:creationId xmlns:a16="http://schemas.microsoft.com/office/drawing/2014/main" id="{8007CC32-F96E-4CD9-95CF-403FC6BFF49B}"/>
               </a:ext>
             </a:extLst>
           </p:cNvPr>
@@ -13087,14 +14761,53 @@
           <a:bodyPr/>
           <a:lstStyle/>
           <a:p>
-            <a:endParaRPr lang="nl-BE"/>
-          </a:p>
-        </p:txBody>
-      </p:sp>
+            <a:r>
+              <a:rPr lang="nl-BE" dirty="0"/>
+              <a:t>Sprites</a:t>
+            </a:r>
+          </a:p>
+        </p:txBody>
+      </p:sp>
+      <p:pic>
+        <p:nvPicPr>
+          <p:cNvPr id="15" name="Picture 14" descr="A picture containing dancer, group, posing, line&#10;&#10;Description automatically generated">
+            <a:extLst>
+              <a:ext uri="{FF2B5EF4-FFF2-40B4-BE49-F238E27FC236}">
+                <a16:creationId xmlns:a16="http://schemas.microsoft.com/office/drawing/2014/main" id="{F55D0430-A82E-401A-A720-C3F0330BB8F0}"/>
+              </a:ext>
+            </a:extLst>
+          </p:cNvPr>
+          <p:cNvPicPr>
+            <a:picLocks noChangeAspect="1"/>
+          </p:cNvPicPr>
+          <p:nvPr/>
+        </p:nvPicPr>
+        <p:blipFill>
+          <a:blip r:embed="rId3">
+            <a:extLst>
+              <a:ext uri="{28A0092B-C50C-407E-A947-70E740481C1C}">
+                <a14:useLocalDpi xmlns:a14="http://schemas.microsoft.com/office/drawing/2010/main" val="0"/>
+              </a:ext>
+            </a:extLst>
+          </a:blip>
+          <a:stretch>
+            <a:fillRect/>
+          </a:stretch>
+        </p:blipFill>
+        <p:spPr>
+          <a:xfrm>
+            <a:off x="6244046" y="501153"/>
+            <a:ext cx="4946321" cy="3353438"/>
+          </a:xfrm>
+          <a:prstGeom prst="rect">
+            <a:avLst/>
+          </a:prstGeom>
+        </p:spPr>
+      </p:pic>
     </p:spTree>
     <p:extLst>
       <p:ext uri="{BB962C8B-B14F-4D97-AF65-F5344CB8AC3E}">
-        <p14:creationId xmlns:p14="http://schemas.microsoft.com/office/powerpoint/2010/main" val="125624917"/>
+        <p14:creationId xmlns:p14="http://schemas.microsoft.com/office/powerpoint/2010/main" val="2762625433"/>
       </p:ext>
     </p:extLst>
   </p:cSld>
@@ -13126,6 +14839,192 @@
           <p:cNvPr id="2" name="Titel 1">
             <a:extLst>
               <a:ext uri="{FF2B5EF4-FFF2-40B4-BE49-F238E27FC236}">
+                <a16:creationId xmlns:a16="http://schemas.microsoft.com/office/drawing/2014/main" id="{C5EEAFBD-B5B8-4F85-98E4-19C38B628AD3}"/>
+              </a:ext>
+            </a:extLst>
+          </p:cNvPr>
+          <p:cNvSpPr>
+            <a:spLocks noGrp="1"/>
+          </p:cNvSpPr>
+          <p:nvPr>
+            <p:ph type="title"/>
+          </p:nvPr>
+        </p:nvSpPr>
+        <p:spPr/>
+        <p:txBody>
+          <a:bodyPr/>
+          <a:lstStyle/>
+          <a:p>
+            <a:r>
+              <a:rPr lang="nl-BE" dirty="0"/>
+              <a:t>Web speech API</a:t>
+            </a:r>
+          </a:p>
+        </p:txBody>
+      </p:sp>
+      <p:sp>
+        <p:nvSpPr>
+          <p:cNvPr id="3" name="Tijdelijke aanduiding voor tekst 2">
+            <a:extLst>
+              <a:ext uri="{FF2B5EF4-FFF2-40B4-BE49-F238E27FC236}">
+                <a16:creationId xmlns:a16="http://schemas.microsoft.com/office/drawing/2014/main" id="{25E6300B-AC24-4FB2-A05D-06BE75683545}"/>
+              </a:ext>
+            </a:extLst>
+          </p:cNvPr>
+          <p:cNvSpPr>
+            <a:spLocks noGrp="1"/>
+          </p:cNvSpPr>
+          <p:nvPr>
+            <p:ph type="body" idx="1"/>
+          </p:nvPr>
+        </p:nvSpPr>
+        <p:spPr/>
+        <p:txBody>
+          <a:bodyPr/>
+          <a:lstStyle/>
+          <a:p>
+            <a:r>
+              <a:rPr lang="nl-BE" dirty="0" err="1"/>
+              <a:t>Words</a:t>
+            </a:r>
+            <a:r>
+              <a:rPr lang="nl-BE" dirty="0"/>
+              <a:t> </a:t>
+            </a:r>
+            <a:r>
+              <a:rPr lang="nl-BE" dirty="0" err="1"/>
+              <a:t>to</a:t>
+            </a:r>
+            <a:r>
+              <a:rPr lang="nl-BE" dirty="0"/>
+              <a:t> </a:t>
+            </a:r>
+            <a:r>
+              <a:rPr lang="nl-BE" dirty="0" err="1"/>
+              <a:t>text</a:t>
+            </a:r>
+            <a:endParaRPr lang="nl-BE" dirty="0"/>
+          </a:p>
+        </p:txBody>
+      </p:sp>
+      <p:sp>
+        <p:nvSpPr>
+          <p:cNvPr id="4" name="Tijdelijke aanduiding voor voettekst 3">
+            <a:extLst>
+              <a:ext uri="{FF2B5EF4-FFF2-40B4-BE49-F238E27FC236}">
+                <a16:creationId xmlns:a16="http://schemas.microsoft.com/office/drawing/2014/main" id="{7926BCFD-3A9A-492A-A57B-0A991170A3B7}"/>
+              </a:ext>
+            </a:extLst>
+          </p:cNvPr>
+          <p:cNvSpPr>
+            <a:spLocks noGrp="1"/>
+          </p:cNvSpPr>
+          <p:nvPr>
+            <p:ph type="ftr" sz="quarter" idx="11"/>
+          </p:nvPr>
+        </p:nvSpPr>
+        <p:spPr/>
+        <p:txBody>
+          <a:bodyPr/>
+          <a:lstStyle/>
+          <a:p>
+            <a:r>
+              <a:rPr lang="nl-BE" dirty="0"/>
+              <a:t>DWD – HTML5 &amp; Games</a:t>
+            </a:r>
+          </a:p>
+        </p:txBody>
+      </p:sp>
+      <p:sp>
+        <p:nvSpPr>
+          <p:cNvPr id="5" name="Tijdelijke aanduiding voor dianummer 4">
+            <a:extLst>
+              <a:ext uri="{FF2B5EF4-FFF2-40B4-BE49-F238E27FC236}">
+                <a16:creationId xmlns:a16="http://schemas.microsoft.com/office/drawing/2014/main" id="{60BD1991-93F2-4440-9BAB-7167DEBBD3C1}"/>
+              </a:ext>
+            </a:extLst>
+          </p:cNvPr>
+          <p:cNvSpPr>
+            <a:spLocks noGrp="1"/>
+          </p:cNvSpPr>
+          <p:nvPr>
+            <p:ph type="sldNum" sz="quarter" idx="12"/>
+          </p:nvPr>
+        </p:nvSpPr>
+        <p:spPr/>
+        <p:txBody>
+          <a:bodyPr/>
+          <a:lstStyle/>
+          <a:p>
+            <a:fld id="{FF88DA20-ED00-471C-9170-60F590CB400A}" type="slidenum">
+              <a:rPr lang="nl-BE" smtClean="0"/>
+              <a:pPr/>
+              <a:t>34</a:t>
+            </a:fld>
+            <a:endParaRPr lang="nl-BE"/>
+          </a:p>
+        </p:txBody>
+      </p:sp>
+      <p:sp>
+        <p:nvSpPr>
+          <p:cNvPr id="6" name="Tijdelijke aanduiding voor tekst 5">
+            <a:extLst>
+              <a:ext uri="{FF2B5EF4-FFF2-40B4-BE49-F238E27FC236}">
+                <a16:creationId xmlns:a16="http://schemas.microsoft.com/office/drawing/2014/main" id="{2BC75DC7-FD2B-4961-80F5-1A77FF877DD9}"/>
+              </a:ext>
+            </a:extLst>
+          </p:cNvPr>
+          <p:cNvSpPr>
+            <a:spLocks noGrp="1"/>
+          </p:cNvSpPr>
+          <p:nvPr>
+            <p:ph type="body" sz="quarter" idx="13"/>
+          </p:nvPr>
+        </p:nvSpPr>
+        <p:spPr/>
+        <p:txBody>
+          <a:bodyPr/>
+          <a:lstStyle/>
+          <a:p>
+            <a:endParaRPr lang="nl-BE"/>
+          </a:p>
+        </p:txBody>
+      </p:sp>
+    </p:spTree>
+    <p:extLst>
+      <p:ext uri="{BB962C8B-B14F-4D97-AF65-F5344CB8AC3E}">
+        <p14:creationId xmlns:p14="http://schemas.microsoft.com/office/powerpoint/2010/main" val="125624917"/>
+      </p:ext>
+    </p:extLst>
+  </p:cSld>
+  <p:clrMapOvr>
+    <a:masterClrMapping/>
+  </p:clrMapOvr>
+</p:sld>
+</file>
+
+<file path=ppt/slides/slide35.xml><?xml version="1.0" encoding="utf-8"?>
+<p:sld xmlns:a="http://schemas.openxmlformats.org/drawingml/2006/main" xmlns:r="http://schemas.openxmlformats.org/officeDocument/2006/relationships" xmlns:p="http://schemas.openxmlformats.org/presentationml/2006/main">
+  <p:cSld>
+    <p:spTree>
+      <p:nvGrpSpPr>
+        <p:cNvPr id="1" name=""/>
+        <p:cNvGrpSpPr/>
+        <p:nvPr/>
+      </p:nvGrpSpPr>
+      <p:grpSpPr>
+        <a:xfrm>
+          <a:off x="0" y="0"/>
+          <a:ext cx="0" cy="0"/>
+          <a:chOff x="0" y="0"/>
+          <a:chExt cx="0" cy="0"/>
+        </a:xfrm>
+      </p:grpSpPr>
+      <p:sp>
+        <p:nvSpPr>
+          <p:cNvPr id="2" name="Titel 1">
+            <a:extLst>
+              <a:ext uri="{FF2B5EF4-FFF2-40B4-BE49-F238E27FC236}">
                 <a16:creationId xmlns:a16="http://schemas.microsoft.com/office/drawing/2014/main" id="{465F132B-C9CE-4FCE-923D-CCAFB92AB8C8}"/>
               </a:ext>
             </a:extLst>
@@ -13258,7 +15157,7 @@
           <a:p>
             <a:fld id="{FF88DA20-ED00-471C-9170-60F590CB400A}" type="slidenum">
               <a:rPr lang="nl-BE" smtClean="0"/>
-              <a:t>34</a:t>
+              <a:t>35</a:t>
             </a:fld>
             <a:endParaRPr lang="nl-BE"/>
           </a:p>
@@ -13344,380 +15243,6 @@
 </p:sld>
 </file>
 
-<file path=ppt/slides/slide35.xml><?xml version="1.0" encoding="utf-8"?>
-<p:sld xmlns:a="http://schemas.openxmlformats.org/drawingml/2006/main" xmlns:r="http://schemas.openxmlformats.org/officeDocument/2006/relationships" xmlns:p="http://schemas.openxmlformats.org/presentationml/2006/main">
-  <p:cSld>
-    <p:spTree>
-      <p:nvGrpSpPr>
-        <p:cNvPr id="1" name=""/>
-        <p:cNvGrpSpPr/>
-        <p:nvPr/>
-      </p:nvGrpSpPr>
-      <p:grpSpPr>
-        <a:xfrm>
-          <a:off x="0" y="0"/>
-          <a:ext cx="0" cy="0"/>
-          <a:chOff x="0" y="0"/>
-          <a:chExt cx="0" cy="0"/>
-        </a:xfrm>
-      </p:grpSpPr>
-      <p:sp>
-        <p:nvSpPr>
-          <p:cNvPr id="2" name="Titel 1">
-            <a:extLst>
-              <a:ext uri="{FF2B5EF4-FFF2-40B4-BE49-F238E27FC236}">
-                <a16:creationId xmlns:a16="http://schemas.microsoft.com/office/drawing/2014/main" id="{465F132B-C9CE-4FCE-923D-CCAFB92AB8C8}"/>
-              </a:ext>
-            </a:extLst>
-          </p:cNvPr>
-          <p:cNvSpPr>
-            <a:spLocks noGrp="1"/>
-          </p:cNvSpPr>
-          <p:nvPr>
-            <p:ph type="title"/>
-          </p:nvPr>
-        </p:nvSpPr>
-        <p:spPr/>
-        <p:txBody>
-          <a:bodyPr/>
-          <a:lstStyle/>
-          <a:p>
-            <a:r>
-              <a:rPr lang="nl-BE" dirty="0"/>
-              <a:t>Hoe gebruiken?</a:t>
-            </a:r>
-          </a:p>
-        </p:txBody>
-      </p:sp>
-      <p:sp>
-        <p:nvSpPr>
-          <p:cNvPr id="8" name="Tijdelijke aanduiding voor inhoud 7">
-            <a:extLst>
-              <a:ext uri="{FF2B5EF4-FFF2-40B4-BE49-F238E27FC236}">
-                <a16:creationId xmlns:a16="http://schemas.microsoft.com/office/drawing/2014/main" id="{46660B48-BEE8-4738-9228-05126E64F4BB}"/>
-              </a:ext>
-            </a:extLst>
-          </p:cNvPr>
-          <p:cNvSpPr>
-            <a:spLocks noGrp="1"/>
-          </p:cNvSpPr>
-          <p:nvPr>
-            <p:ph idx="1"/>
-          </p:nvPr>
-        </p:nvSpPr>
-        <p:spPr>
-          <a:xfrm>
-            <a:off x="534291" y="1314721"/>
-            <a:ext cx="10377309" cy="4867965"/>
-          </a:xfrm>
-        </p:spPr>
-        <p:txBody>
-          <a:bodyPr/>
-          <a:lstStyle/>
-          <a:p>
-            <a:r>
-              <a:rPr lang="nl-BE" sz="2400" b="0" dirty="0"/>
-              <a:t> </a:t>
-            </a:r>
-            <a:r>
-              <a:rPr lang="nl-BE" sz="2400" b="0" dirty="0" err="1"/>
-              <a:t>button.addEventListener</a:t>
-            </a:r>
-            <a:r>
-              <a:rPr lang="nl-BE" sz="2400" b="0" dirty="0"/>
-              <a:t>('click', </a:t>
-            </a:r>
-            <a:r>
-              <a:rPr lang="nl-BE" sz="2400" b="0" dirty="0" err="1"/>
-              <a:t>function</a:t>
-            </a:r>
-            <a:r>
-              <a:rPr lang="nl-BE" sz="2400" b="0" dirty="0"/>
-              <a:t>() {</a:t>
-            </a:r>
-          </a:p>
-          <a:p>
-            <a:r>
-              <a:rPr lang="nl-BE" sz="2400" b="0" dirty="0"/>
-              <a:t>            let </a:t>
-            </a:r>
-            <a:r>
-              <a:rPr lang="nl-BE" sz="2400" dirty="0" err="1"/>
-              <a:t>recognition</a:t>
-            </a:r>
-            <a:r>
-              <a:rPr lang="nl-BE" sz="2400" b="0" dirty="0"/>
-              <a:t> = new (</a:t>
-            </a:r>
-            <a:r>
-              <a:rPr lang="nl-BE" sz="2400" b="0" dirty="0" err="1"/>
-              <a:t>webkitSpeechRecognition</a:t>
-            </a:r>
-            <a:r>
-              <a:rPr lang="nl-BE" sz="2400" b="0" dirty="0"/>
-              <a:t> || </a:t>
-            </a:r>
-            <a:r>
-              <a:rPr lang="nl-BE" sz="2400" b="0" dirty="0" err="1"/>
-              <a:t>SpeechRecognition</a:t>
-            </a:r>
-            <a:r>
-              <a:rPr lang="nl-BE" sz="2400" b="0" dirty="0"/>
-              <a:t>)();</a:t>
-            </a:r>
-          </a:p>
-          <a:p>
-            <a:r>
-              <a:rPr lang="nl-BE" sz="2400" b="0" dirty="0"/>
-              <a:t>            </a:t>
-            </a:r>
-            <a:r>
-              <a:rPr lang="nl-BE" sz="2400" b="0" dirty="0" err="1"/>
-              <a:t>recognition.</a:t>
-            </a:r>
-            <a:r>
-              <a:rPr lang="nl-BE" sz="2400" dirty="0" err="1"/>
-              <a:t>lang</a:t>
-            </a:r>
-            <a:r>
-              <a:rPr lang="nl-BE" sz="2400" b="0" dirty="0"/>
-              <a:t> = 'en-US';</a:t>
-            </a:r>
-          </a:p>
-          <a:p>
-            <a:r>
-              <a:rPr lang="nl-BE" sz="2400" b="0" dirty="0"/>
-              <a:t>            </a:t>
-            </a:r>
-            <a:r>
-              <a:rPr lang="nl-BE" sz="2400" b="0" dirty="0" err="1"/>
-              <a:t>recognition.</a:t>
-            </a:r>
-            <a:r>
-              <a:rPr lang="nl-BE" sz="2400" dirty="0" err="1"/>
-              <a:t>interimResults</a:t>
-            </a:r>
-            <a:r>
-              <a:rPr lang="nl-BE" sz="2400" b="0" dirty="0"/>
-              <a:t> = </a:t>
-            </a:r>
-            <a:r>
-              <a:rPr lang="nl-BE" sz="2400" b="0" dirty="0" err="1"/>
-              <a:t>false</a:t>
-            </a:r>
-            <a:r>
-              <a:rPr lang="nl-BE" sz="2400" b="0" dirty="0"/>
-              <a:t>;</a:t>
-            </a:r>
-          </a:p>
-          <a:p>
-            <a:r>
-              <a:rPr lang="nl-BE" sz="2400" b="0" dirty="0"/>
-              <a:t>            </a:t>
-            </a:r>
-            <a:r>
-              <a:rPr lang="nl-BE" sz="2400" b="0" dirty="0" err="1"/>
-              <a:t>recognition.</a:t>
-            </a:r>
-            <a:r>
-              <a:rPr lang="nl-BE" sz="2400" dirty="0" err="1"/>
-              <a:t>maxAlternatives</a:t>
-            </a:r>
-            <a:r>
-              <a:rPr lang="nl-BE" sz="2400" b="0" dirty="0"/>
-              <a:t> = 1;</a:t>
-            </a:r>
-          </a:p>
-          <a:p>
-            <a:r>
-              <a:rPr lang="nl-BE" sz="2400" b="0" dirty="0"/>
-              <a:t>            </a:t>
-            </a:r>
-            <a:r>
-              <a:rPr lang="nl-BE" sz="2400" b="0" dirty="0" err="1"/>
-              <a:t>recognition.</a:t>
-            </a:r>
-            <a:r>
-              <a:rPr lang="nl-BE" sz="2400" dirty="0" err="1"/>
-              <a:t>start</a:t>
-            </a:r>
-            <a:r>
-              <a:rPr lang="nl-BE" sz="2400" b="0" dirty="0"/>
-              <a:t>();</a:t>
-            </a:r>
-          </a:p>
-          <a:p>
-            <a:r>
-              <a:rPr lang="nl-BE" sz="2400" b="0" dirty="0"/>
-              <a:t>            </a:t>
-            </a:r>
-            <a:r>
-              <a:rPr lang="nl-BE" sz="2400" b="0" dirty="0" err="1"/>
-              <a:t>recognition.</a:t>
-            </a:r>
-            <a:r>
-              <a:rPr lang="nl-BE" sz="2400" dirty="0" err="1"/>
-              <a:t>onresult</a:t>
-            </a:r>
-            <a:r>
-              <a:rPr lang="nl-BE" sz="2400" b="0" dirty="0"/>
-              <a:t> = </a:t>
-            </a:r>
-            <a:r>
-              <a:rPr lang="nl-BE" sz="2400" b="0" dirty="0" err="1"/>
-              <a:t>function</a:t>
-            </a:r>
-            <a:r>
-              <a:rPr lang="nl-BE" sz="2400" b="0" dirty="0"/>
-              <a:t>(event) {</a:t>
-            </a:r>
-          </a:p>
-          <a:p>
-            <a:r>
-              <a:rPr lang="nl-BE" sz="2400" b="0" dirty="0"/>
-              <a:t>                      </a:t>
-            </a:r>
-            <a:r>
-              <a:rPr lang="nl-BE" sz="2400" b="0" dirty="0" err="1"/>
-              <a:t>HTMLElement.innerHTML</a:t>
-            </a:r>
-            <a:r>
-              <a:rPr lang="nl-BE" sz="2400" b="0" dirty="0"/>
-              <a:t> = </a:t>
-            </a:r>
-            <a:r>
-              <a:rPr lang="nl-BE" sz="2400" b="0" dirty="0" err="1"/>
-              <a:t>event.</a:t>
-            </a:r>
-            <a:r>
-              <a:rPr lang="nl-BE" sz="2400" dirty="0" err="1"/>
-              <a:t>results</a:t>
-            </a:r>
-            <a:r>
-              <a:rPr lang="nl-BE" sz="2400" b="0" dirty="0"/>
-              <a:t>[0][0].</a:t>
-            </a:r>
-            <a:r>
-              <a:rPr lang="nl-BE" sz="2400" dirty="0"/>
-              <a:t>transcript</a:t>
-            </a:r>
-            <a:r>
-              <a:rPr lang="nl-BE" sz="2400" b="0" dirty="0"/>
-              <a:t>;</a:t>
-            </a:r>
-          </a:p>
-          <a:p>
-            <a:r>
-              <a:rPr lang="nl-BE" sz="2400" b="0" dirty="0"/>
-              <a:t>            };</a:t>
-            </a:r>
-          </a:p>
-          <a:p>
-            <a:r>
-              <a:rPr lang="nl-BE" sz="2400" b="0" dirty="0"/>
-              <a:t>});</a:t>
-            </a:r>
-          </a:p>
-        </p:txBody>
-      </p:sp>
-      <p:sp>
-        <p:nvSpPr>
-          <p:cNvPr id="4" name="Tijdelijke aanduiding voor voettekst 3">
-            <a:extLst>
-              <a:ext uri="{FF2B5EF4-FFF2-40B4-BE49-F238E27FC236}">
-                <a16:creationId xmlns:a16="http://schemas.microsoft.com/office/drawing/2014/main" id="{9A86A9FB-1B9E-4B7A-910C-235D3A566A80}"/>
-              </a:ext>
-            </a:extLst>
-          </p:cNvPr>
-          <p:cNvSpPr>
-            <a:spLocks noGrp="1"/>
-          </p:cNvSpPr>
-          <p:nvPr>
-            <p:ph type="ftr" sz="quarter" idx="11"/>
-          </p:nvPr>
-        </p:nvSpPr>
-        <p:spPr/>
-        <p:txBody>
-          <a:bodyPr/>
-          <a:lstStyle/>
-          <a:p>
-            <a:r>
-              <a:rPr lang="nl-BE" dirty="0"/>
-              <a:t>DWD – HTML5 &amp; Games</a:t>
-            </a:r>
-          </a:p>
-        </p:txBody>
-      </p:sp>
-      <p:sp>
-        <p:nvSpPr>
-          <p:cNvPr id="5" name="Tijdelijke aanduiding voor dianummer 4">
-            <a:extLst>
-              <a:ext uri="{FF2B5EF4-FFF2-40B4-BE49-F238E27FC236}">
-                <a16:creationId xmlns:a16="http://schemas.microsoft.com/office/drawing/2014/main" id="{A64CFB49-2F18-4019-89DD-E4922E4505C1}"/>
-              </a:ext>
-            </a:extLst>
-          </p:cNvPr>
-          <p:cNvSpPr>
-            <a:spLocks noGrp="1"/>
-          </p:cNvSpPr>
-          <p:nvPr>
-            <p:ph type="sldNum" sz="quarter" idx="12"/>
-          </p:nvPr>
-        </p:nvSpPr>
-        <p:spPr/>
-        <p:txBody>
-          <a:bodyPr/>
-          <a:lstStyle/>
-          <a:p>
-            <a:fld id="{FF88DA20-ED00-471C-9170-60F590CB400A}" type="slidenum">
-              <a:rPr lang="nl-BE" smtClean="0"/>
-              <a:t>35</a:t>
-            </a:fld>
-            <a:endParaRPr lang="nl-BE"/>
-          </a:p>
-        </p:txBody>
-      </p:sp>
-      <p:sp>
-        <p:nvSpPr>
-          <p:cNvPr id="3" name="Tijdelijke aanduiding voor tekst 2">
-            <a:extLst>
-              <a:ext uri="{FF2B5EF4-FFF2-40B4-BE49-F238E27FC236}">
-                <a16:creationId xmlns:a16="http://schemas.microsoft.com/office/drawing/2014/main" id="{8007CC32-F96E-4CD9-95CF-403FC6BFF49B}"/>
-              </a:ext>
-            </a:extLst>
-          </p:cNvPr>
-          <p:cNvSpPr>
-            <a:spLocks noGrp="1"/>
-          </p:cNvSpPr>
-          <p:nvPr>
-            <p:ph type="body" sz="quarter" idx="13"/>
-          </p:nvPr>
-        </p:nvSpPr>
-        <p:spPr/>
-        <p:txBody>
-          <a:bodyPr/>
-          <a:lstStyle/>
-          <a:p>
-            <a:r>
-              <a:rPr lang="nl-BE" dirty="0"/>
-              <a:t>Web speech API</a:t>
-            </a:r>
-          </a:p>
-        </p:txBody>
-      </p:sp>
-    </p:spTree>
-    <p:extLst>
-      <p:ext uri="{BB962C8B-B14F-4D97-AF65-F5344CB8AC3E}">
-        <p14:creationId xmlns:p14="http://schemas.microsoft.com/office/powerpoint/2010/main" val="1660766576"/>
-      </p:ext>
-    </p:extLst>
-  </p:cSld>
-  <p:clrMapOvr>
-    <a:masterClrMapping/>
-  </p:clrMapOvr>
-</p:sld>
-</file>
-
 <file path=ppt/slides/slide36.xml><?xml version="1.0" encoding="utf-8"?>
 <p:sld xmlns:a="http://schemas.openxmlformats.org/drawingml/2006/main" xmlns:r="http://schemas.openxmlformats.org/officeDocument/2006/relationships" xmlns:p="http://schemas.openxmlformats.org/presentationml/2006/main">
   <p:cSld>
@@ -13740,7 +15265,7 @@
           <p:cNvPr id="2" name="Titel 1">
             <a:extLst>
               <a:ext uri="{FF2B5EF4-FFF2-40B4-BE49-F238E27FC236}">
-                <a16:creationId xmlns:a16="http://schemas.microsoft.com/office/drawing/2014/main" id="{C5EEAFBD-B5B8-4F85-98E4-19C38B628AD3}"/>
+                <a16:creationId xmlns:a16="http://schemas.microsoft.com/office/drawing/2014/main" id="{465F132B-C9CE-4FCE-923D-CCAFB92AB8C8}"/>
               </a:ext>
             </a:extLst>
           </p:cNvPr>
@@ -13758,51 +15283,238 @@
           <a:p>
             <a:r>
               <a:rPr lang="nl-BE" dirty="0"/>
-              <a:t>Extra’s</a:t>
-            </a:r>
-          </a:p>
-        </p:txBody>
-      </p:sp>
-      <p:sp>
-        <p:nvSpPr>
-          <p:cNvPr id="3" name="Tijdelijke aanduiding voor tekst 2">
-            <a:extLst>
-              <a:ext uri="{FF2B5EF4-FFF2-40B4-BE49-F238E27FC236}">
-                <a16:creationId xmlns:a16="http://schemas.microsoft.com/office/drawing/2014/main" id="{25E6300B-AC24-4FB2-A05D-06BE75683545}"/>
-              </a:ext>
-            </a:extLst>
-          </p:cNvPr>
-          <p:cNvSpPr>
-            <a:spLocks noGrp="1"/>
-          </p:cNvSpPr>
-          <p:nvPr>
-            <p:ph type="body" idx="1"/>
-          </p:nvPr>
-        </p:nvSpPr>
-        <p:spPr/>
-        <p:txBody>
-          <a:bodyPr/>
-          <a:lstStyle/>
-          <a:p>
-            <a:r>
-              <a:rPr lang="nl-BE" dirty="0"/>
-              <a:t>But </a:t>
-            </a:r>
-            <a:r>
-              <a:rPr lang="nl-BE" dirty="0" err="1"/>
-              <a:t>wait</a:t>
-            </a:r>
-            <a:r>
-              <a:rPr lang="nl-BE" dirty="0"/>
-              <a:t>… </a:t>
-            </a:r>
-            <a:r>
-              <a:rPr lang="nl-BE" dirty="0" err="1"/>
-              <a:t>There’s</a:t>
-            </a:r>
-            <a:r>
-              <a:rPr lang="nl-BE" dirty="0"/>
-              <a:t> more!</a:t>
+              <a:t>Hoe gebruiken?</a:t>
+            </a:r>
+          </a:p>
+        </p:txBody>
+      </p:sp>
+      <p:sp>
+        <p:nvSpPr>
+          <p:cNvPr id="8" name="Tijdelijke aanduiding voor inhoud 7">
+            <a:extLst>
+              <a:ext uri="{FF2B5EF4-FFF2-40B4-BE49-F238E27FC236}">
+                <a16:creationId xmlns:a16="http://schemas.microsoft.com/office/drawing/2014/main" id="{46660B48-BEE8-4738-9228-05126E64F4BB}"/>
+              </a:ext>
+            </a:extLst>
+          </p:cNvPr>
+          <p:cNvSpPr>
+            <a:spLocks noGrp="1"/>
+          </p:cNvSpPr>
+          <p:nvPr>
+            <p:ph idx="1"/>
+          </p:nvPr>
+        </p:nvSpPr>
+        <p:spPr>
+          <a:xfrm>
+            <a:off x="534291" y="1314721"/>
+            <a:ext cx="10377309" cy="4867965"/>
+          </a:xfrm>
+        </p:spPr>
+        <p:txBody>
+          <a:bodyPr/>
+          <a:lstStyle/>
+          <a:p>
+            <a:r>
+              <a:rPr lang="nl-BE" sz="2400" b="0" dirty="0"/>
+              <a:t> </a:t>
+            </a:r>
+            <a:r>
+              <a:rPr lang="nl-BE" sz="2400" b="0" dirty="0" err="1"/>
+              <a:t>button.addEventListener</a:t>
+            </a:r>
+            <a:r>
+              <a:rPr lang="nl-BE" sz="2400" b="0" dirty="0"/>
+              <a:t>('click', </a:t>
+            </a:r>
+            <a:r>
+              <a:rPr lang="nl-BE" sz="2400" b="0" dirty="0" err="1"/>
+              <a:t>function</a:t>
+            </a:r>
+            <a:r>
+              <a:rPr lang="nl-BE" sz="2400" b="0" dirty="0"/>
+              <a:t>() {</a:t>
+            </a:r>
+          </a:p>
+          <a:p>
+            <a:r>
+              <a:rPr lang="nl-BE" sz="2400" b="0" dirty="0"/>
+              <a:t>            let </a:t>
+            </a:r>
+            <a:r>
+              <a:rPr lang="nl-BE" sz="2400" dirty="0" err="1"/>
+              <a:t>recognition</a:t>
+            </a:r>
+            <a:r>
+              <a:rPr lang="nl-BE" sz="2400" b="0" dirty="0"/>
+              <a:t> = new (</a:t>
+            </a:r>
+            <a:r>
+              <a:rPr lang="nl-BE" sz="2400" b="0" dirty="0" err="1"/>
+              <a:t>webkitSpeechRecognition</a:t>
+            </a:r>
+            <a:r>
+              <a:rPr lang="nl-BE" sz="2400" b="0" dirty="0"/>
+              <a:t> || </a:t>
+            </a:r>
+            <a:r>
+              <a:rPr lang="nl-BE" sz="2400" b="0" dirty="0" err="1"/>
+              <a:t>SpeechRecognition</a:t>
+            </a:r>
+            <a:r>
+              <a:rPr lang="nl-BE" sz="2400" b="0" dirty="0"/>
+              <a:t>)();</a:t>
+            </a:r>
+          </a:p>
+          <a:p>
+            <a:r>
+              <a:rPr lang="nl-BE" sz="2400" b="0" dirty="0"/>
+              <a:t>            </a:t>
+            </a:r>
+            <a:r>
+              <a:rPr lang="nl-BE" sz="2400" b="0" dirty="0" err="1"/>
+              <a:t>recognition.</a:t>
+            </a:r>
+            <a:r>
+              <a:rPr lang="nl-BE" sz="2400" dirty="0" err="1"/>
+              <a:t>lang</a:t>
+            </a:r>
+            <a:r>
+              <a:rPr lang="nl-BE" sz="2400" b="0" dirty="0"/>
+              <a:t> = 'en-US';</a:t>
+            </a:r>
+          </a:p>
+          <a:p>
+            <a:r>
+              <a:rPr lang="nl-BE" sz="2400" b="0" dirty="0"/>
+              <a:t>            </a:t>
+            </a:r>
+            <a:r>
+              <a:rPr lang="nl-BE" sz="2400" b="0" dirty="0" err="1"/>
+              <a:t>recognition.</a:t>
+            </a:r>
+            <a:r>
+              <a:rPr lang="nl-BE" sz="2400" dirty="0" err="1"/>
+              <a:t>interimResults</a:t>
+            </a:r>
+            <a:r>
+              <a:rPr lang="nl-BE" sz="2400" b="0" dirty="0"/>
+              <a:t> = </a:t>
+            </a:r>
+            <a:r>
+              <a:rPr lang="nl-BE" sz="2400" b="0" dirty="0" err="1"/>
+              <a:t>false</a:t>
+            </a:r>
+            <a:r>
+              <a:rPr lang="nl-BE" sz="2400" b="0" dirty="0"/>
+              <a:t>;</a:t>
+            </a:r>
+          </a:p>
+          <a:p>
+            <a:r>
+              <a:rPr lang="nl-BE" sz="2400" b="0" dirty="0"/>
+              <a:t>            </a:t>
+            </a:r>
+            <a:r>
+              <a:rPr lang="nl-BE" sz="2400" b="0" dirty="0" err="1"/>
+              <a:t>recognition.</a:t>
+            </a:r>
+            <a:r>
+              <a:rPr lang="nl-BE" sz="2400" dirty="0" err="1"/>
+              <a:t>maxAlternatives</a:t>
+            </a:r>
+            <a:r>
+              <a:rPr lang="nl-BE" sz="2400" b="0" dirty="0"/>
+              <a:t> = 1;</a:t>
+            </a:r>
+          </a:p>
+          <a:p>
+            <a:r>
+              <a:rPr lang="nl-BE" sz="2400" b="0" dirty="0"/>
+              <a:t>            </a:t>
+            </a:r>
+            <a:r>
+              <a:rPr lang="nl-BE" sz="2400" b="0" dirty="0" err="1"/>
+              <a:t>recognition.</a:t>
+            </a:r>
+            <a:r>
+              <a:rPr lang="nl-BE" sz="2400" dirty="0" err="1"/>
+              <a:t>start</a:t>
+            </a:r>
+            <a:r>
+              <a:rPr lang="nl-BE" sz="2400" b="0" dirty="0"/>
+              <a:t>();</a:t>
+            </a:r>
+          </a:p>
+          <a:p>
+            <a:r>
+              <a:rPr lang="nl-BE" sz="2400" b="0" dirty="0"/>
+              <a:t>            </a:t>
+            </a:r>
+            <a:r>
+              <a:rPr lang="nl-BE" sz="2400" b="0" dirty="0" err="1"/>
+              <a:t>recognition.</a:t>
+            </a:r>
+            <a:r>
+              <a:rPr lang="nl-BE" sz="2400" dirty="0" err="1"/>
+              <a:t>onresult</a:t>
+            </a:r>
+            <a:r>
+              <a:rPr lang="nl-BE" sz="2400" b="0" dirty="0"/>
+              <a:t> = </a:t>
+            </a:r>
+            <a:r>
+              <a:rPr lang="nl-BE" sz="2400" b="0" dirty="0" err="1"/>
+              <a:t>function</a:t>
+            </a:r>
+            <a:r>
+              <a:rPr lang="nl-BE" sz="2400" b="0" dirty="0"/>
+              <a:t>(event) {</a:t>
+            </a:r>
+          </a:p>
+          <a:p>
+            <a:r>
+              <a:rPr lang="nl-BE" sz="2400" b="0" dirty="0"/>
+              <a:t>                      </a:t>
+            </a:r>
+            <a:r>
+              <a:rPr lang="nl-BE" sz="2400" b="0" dirty="0" err="1"/>
+              <a:t>HTMLElement.innerHTML</a:t>
+            </a:r>
+            <a:r>
+              <a:rPr lang="nl-BE" sz="2400" b="0" dirty="0"/>
+              <a:t> = </a:t>
+            </a:r>
+            <a:r>
+              <a:rPr lang="nl-BE" sz="2400" b="0" dirty="0" err="1"/>
+              <a:t>event.</a:t>
+            </a:r>
+            <a:r>
+              <a:rPr lang="nl-BE" sz="2400" dirty="0" err="1"/>
+              <a:t>results</a:t>
+            </a:r>
+            <a:r>
+              <a:rPr lang="nl-BE" sz="2400" b="0" dirty="0"/>
+              <a:t>[0][0].</a:t>
+            </a:r>
+            <a:r>
+              <a:rPr lang="nl-BE" sz="2400" dirty="0"/>
+              <a:t>transcript</a:t>
+            </a:r>
+            <a:r>
+              <a:rPr lang="nl-BE" sz="2400" b="0" dirty="0"/>
+              <a:t>;</a:t>
+            </a:r>
+          </a:p>
+          <a:p>
+            <a:r>
+              <a:rPr lang="nl-BE" sz="2400" b="0" dirty="0"/>
+              <a:t>            };</a:t>
+            </a:r>
+          </a:p>
+          <a:p>
+            <a:r>
+              <a:rPr lang="nl-BE" sz="2400" b="0" dirty="0"/>
+              <a:t>});</a:t>
             </a:r>
           </a:p>
         </p:txBody>
@@ -13812,7 +15524,7 @@
           <p:cNvPr id="4" name="Tijdelijke aanduiding voor voettekst 3">
             <a:extLst>
               <a:ext uri="{FF2B5EF4-FFF2-40B4-BE49-F238E27FC236}">
-                <a16:creationId xmlns:a16="http://schemas.microsoft.com/office/drawing/2014/main" id="{7926BCFD-3A9A-492A-A57B-0A991170A3B7}"/>
+                <a16:creationId xmlns:a16="http://schemas.microsoft.com/office/drawing/2014/main" id="{9A86A9FB-1B9E-4B7A-910C-235D3A566A80}"/>
               </a:ext>
             </a:extLst>
           </p:cNvPr>
@@ -13840,7 +15552,7 @@
           <p:cNvPr id="5" name="Tijdelijke aanduiding voor dianummer 4">
             <a:extLst>
               <a:ext uri="{FF2B5EF4-FFF2-40B4-BE49-F238E27FC236}">
-                <a16:creationId xmlns:a16="http://schemas.microsoft.com/office/drawing/2014/main" id="{60BD1991-93F2-4440-9BAB-7167DEBBD3C1}"/>
+                <a16:creationId xmlns:a16="http://schemas.microsoft.com/office/drawing/2014/main" id="{A64CFB49-2F18-4019-89DD-E4922E4505C1}"/>
               </a:ext>
             </a:extLst>
           </p:cNvPr>
@@ -13858,7 +15570,6 @@
           <a:p>
             <a:fld id="{FF88DA20-ED00-471C-9170-60F590CB400A}" type="slidenum">
               <a:rPr lang="nl-BE" smtClean="0"/>
-              <a:pPr/>
               <a:t>36</a:t>
             </a:fld>
             <a:endParaRPr lang="nl-BE"/>
@@ -13867,10 +15578,10 @@
       </p:sp>
       <p:sp>
         <p:nvSpPr>
-          <p:cNvPr id="6" name="Tijdelijke aanduiding voor tekst 5">
-            <a:extLst>
-              <a:ext uri="{FF2B5EF4-FFF2-40B4-BE49-F238E27FC236}">
-                <a16:creationId xmlns:a16="http://schemas.microsoft.com/office/drawing/2014/main" id="{2BC75DC7-FD2B-4961-80F5-1A77FF877DD9}"/>
+          <p:cNvPr id="3" name="Tijdelijke aanduiding voor tekst 2">
+            <a:extLst>
+              <a:ext uri="{FF2B5EF4-FFF2-40B4-BE49-F238E27FC236}">
+                <a16:creationId xmlns:a16="http://schemas.microsoft.com/office/drawing/2014/main" id="{8007CC32-F96E-4CD9-95CF-403FC6BFF49B}"/>
               </a:ext>
             </a:extLst>
           </p:cNvPr>
@@ -13886,14 +15597,17 @@
           <a:bodyPr/>
           <a:lstStyle/>
           <a:p>
-            <a:endParaRPr lang="nl-BE"/>
+            <a:r>
+              <a:rPr lang="nl-BE" dirty="0"/>
+              <a:t>Web speech API</a:t>
+            </a:r>
           </a:p>
         </p:txBody>
       </p:sp>
     </p:spTree>
     <p:extLst>
       <p:ext uri="{BB962C8B-B14F-4D97-AF65-F5344CB8AC3E}">
-        <p14:creationId xmlns:p14="http://schemas.microsoft.com/office/powerpoint/2010/main" val="979472685"/>
+        <p14:creationId xmlns:p14="http://schemas.microsoft.com/office/powerpoint/2010/main" val="1660766576"/>
       </p:ext>
     </p:extLst>
   </p:cSld>
@@ -13925,7 +15639,7 @@
           <p:cNvPr id="2" name="Titel 1">
             <a:extLst>
               <a:ext uri="{FF2B5EF4-FFF2-40B4-BE49-F238E27FC236}">
-                <a16:creationId xmlns:a16="http://schemas.microsoft.com/office/drawing/2014/main" id="{465F132B-C9CE-4FCE-923D-CCAFB92AB8C8}"/>
+                <a16:creationId xmlns:a16="http://schemas.microsoft.com/office/drawing/2014/main" id="{C5EEAFBD-B5B8-4F85-98E4-19C38B628AD3}"/>
               </a:ext>
             </a:extLst>
           </p:cNvPr>
@@ -13943,281 +15657,51 @@
           <a:p>
             <a:r>
               <a:rPr lang="nl-BE" dirty="0"/>
-              <a:t>Webcam</a:t>
-            </a:r>
-          </a:p>
-        </p:txBody>
-      </p:sp>
-      <p:sp>
-        <p:nvSpPr>
-          <p:cNvPr id="8" name="Tijdelijke aanduiding voor inhoud 7">
-            <a:extLst>
-              <a:ext uri="{FF2B5EF4-FFF2-40B4-BE49-F238E27FC236}">
-                <a16:creationId xmlns:a16="http://schemas.microsoft.com/office/drawing/2014/main" id="{46660B48-BEE8-4738-9228-05126E64F4BB}"/>
-              </a:ext>
-            </a:extLst>
-          </p:cNvPr>
-          <p:cNvSpPr>
-            <a:spLocks noGrp="1"/>
-          </p:cNvSpPr>
-          <p:nvPr>
-            <p:ph idx="1"/>
-          </p:nvPr>
-        </p:nvSpPr>
-        <p:spPr>
-          <a:xfrm>
-            <a:off x="822291" y="1585519"/>
-            <a:ext cx="10089309" cy="4404220"/>
-          </a:xfrm>
-        </p:spPr>
-        <p:txBody>
-          <a:bodyPr/>
-          <a:lstStyle/>
-          <a:p>
-            <a:r>
-              <a:rPr lang="nl-BE" dirty="0"/>
-              <a:t>Toegang tot je webcam</a:t>
-            </a:r>
-          </a:p>
-          <a:p>
-            <a:pPr lvl="1"/>
-            <a:r>
-              <a:rPr lang="nl-BE" dirty="0"/>
-              <a:t>Videostream</a:t>
-            </a:r>
-          </a:p>
-          <a:p>
-            <a:pPr marL="180000" lvl="1" indent="0">
-              <a:buNone/>
-            </a:pPr>
-            <a:r>
-              <a:rPr lang="nl-BE" sz="1600" dirty="0">
-                <a:latin typeface="Consolas" panose="020B0609020204030204" pitchFamily="49" charset="0"/>
-              </a:rPr>
-              <a:t>    let video = </a:t>
-            </a:r>
-            <a:r>
-              <a:rPr lang="nl-BE" sz="1600" dirty="0" err="1">
-                <a:latin typeface="Consolas" panose="020B0609020204030204" pitchFamily="49" charset="0"/>
-              </a:rPr>
-              <a:t>document.getElementById</a:t>
-            </a:r>
-            <a:r>
-              <a:rPr lang="nl-BE" sz="1600" dirty="0">
-                <a:latin typeface="Consolas" panose="020B0609020204030204" pitchFamily="49" charset="0"/>
-              </a:rPr>
-              <a:t>('webcamstream');</a:t>
-            </a:r>
-          </a:p>
-          <a:p>
-            <a:pPr lvl="1"/>
-            <a:endParaRPr lang="nl-BE" sz="1600" dirty="0">
-              <a:latin typeface="Consolas" panose="020B0609020204030204" pitchFamily="49" charset="0"/>
-            </a:endParaRPr>
-          </a:p>
-          <a:p>
-            <a:pPr marL="180000" lvl="1" indent="0">
-              <a:buNone/>
-            </a:pPr>
-            <a:r>
-              <a:rPr lang="nl-BE" sz="1600" dirty="0">
-                <a:latin typeface="Consolas" panose="020B0609020204030204" pitchFamily="49" charset="0"/>
-              </a:rPr>
-              <a:t>    // open webcam </a:t>
-            </a:r>
-            <a:r>
-              <a:rPr lang="nl-BE" sz="1600" dirty="0" err="1">
-                <a:latin typeface="Consolas" panose="020B0609020204030204" pitchFamily="49" charset="0"/>
-              </a:rPr>
-              <a:t>and</a:t>
-            </a:r>
-            <a:r>
-              <a:rPr lang="nl-BE" sz="1600" dirty="0">
-                <a:latin typeface="Consolas" panose="020B0609020204030204" pitchFamily="49" charset="0"/>
-              </a:rPr>
-              <a:t> stream </a:t>
-            </a:r>
-            <a:r>
-              <a:rPr lang="nl-BE" sz="1600" dirty="0" err="1">
-                <a:latin typeface="Consolas" panose="020B0609020204030204" pitchFamily="49" charset="0"/>
-              </a:rPr>
-              <a:t>to</a:t>
-            </a:r>
-            <a:r>
-              <a:rPr lang="nl-BE" sz="1600" dirty="0">
-                <a:latin typeface="Consolas" panose="020B0609020204030204" pitchFamily="49" charset="0"/>
-              </a:rPr>
-              <a:t> video element</a:t>
-            </a:r>
-          </a:p>
-          <a:p>
-            <a:pPr marL="180000" lvl="1" indent="0">
-              <a:buNone/>
-            </a:pPr>
-            <a:r>
-              <a:rPr lang="nl-BE" sz="1600" dirty="0">
-                <a:latin typeface="Consolas" panose="020B0609020204030204" pitchFamily="49" charset="0"/>
-              </a:rPr>
-              <a:t>    </a:t>
-            </a:r>
-            <a:r>
-              <a:rPr lang="nl-BE" sz="1600" dirty="0" err="1">
-                <a:latin typeface="Consolas" panose="020B0609020204030204" pitchFamily="49" charset="0"/>
-              </a:rPr>
-              <a:t>navigator.mediaDevices.getUserMedia</a:t>
-            </a:r>
-            <a:r>
-              <a:rPr lang="nl-BE" sz="1600" dirty="0">
-                <a:latin typeface="Consolas" panose="020B0609020204030204" pitchFamily="49" charset="0"/>
-              </a:rPr>
-              <a:t>({</a:t>
-            </a:r>
-          </a:p>
-          <a:p>
-            <a:pPr marL="180000" lvl="1" indent="0">
-              <a:buNone/>
-            </a:pPr>
-            <a:r>
-              <a:rPr lang="nl-BE" sz="1600" dirty="0">
-                <a:latin typeface="Consolas" panose="020B0609020204030204" pitchFamily="49" charset="0"/>
-              </a:rPr>
-              <a:t>      video: </a:t>
-            </a:r>
-            <a:r>
-              <a:rPr lang="nl-BE" sz="1600" dirty="0" err="1">
-                <a:latin typeface="Consolas" panose="020B0609020204030204" pitchFamily="49" charset="0"/>
-              </a:rPr>
-              <a:t>true</a:t>
-            </a:r>
-            <a:endParaRPr lang="nl-BE" sz="1600" dirty="0">
-              <a:latin typeface="Consolas" panose="020B0609020204030204" pitchFamily="49" charset="0"/>
-            </a:endParaRPr>
-          </a:p>
-          <a:p>
-            <a:pPr marL="180000" lvl="1" indent="0">
-              <a:buNone/>
-            </a:pPr>
-            <a:r>
-              <a:rPr lang="nl-BE" sz="1600" dirty="0">
-                <a:latin typeface="Consolas" panose="020B0609020204030204" pitchFamily="49" charset="0"/>
-              </a:rPr>
-              <a:t>    }).</a:t>
-            </a:r>
-            <a:r>
-              <a:rPr lang="nl-BE" sz="1600" dirty="0" err="1">
-                <a:latin typeface="Consolas" panose="020B0609020204030204" pitchFamily="49" charset="0"/>
-              </a:rPr>
-              <a:t>then</a:t>
-            </a:r>
-            <a:r>
-              <a:rPr lang="nl-BE" sz="1600" dirty="0">
-                <a:latin typeface="Consolas" panose="020B0609020204030204" pitchFamily="49" charset="0"/>
-              </a:rPr>
-              <a:t>(</a:t>
-            </a:r>
-            <a:r>
-              <a:rPr lang="nl-BE" sz="1600" dirty="0" err="1">
-                <a:latin typeface="Consolas" panose="020B0609020204030204" pitchFamily="49" charset="0"/>
-              </a:rPr>
-              <a:t>function</a:t>
-            </a:r>
-            <a:r>
-              <a:rPr lang="nl-BE" sz="1600" dirty="0">
-                <a:latin typeface="Consolas" panose="020B0609020204030204" pitchFamily="49" charset="0"/>
-              </a:rPr>
-              <a:t>(stream) {</a:t>
-            </a:r>
-          </a:p>
-          <a:p>
-            <a:pPr marL="180000" lvl="1" indent="0">
-              <a:buNone/>
-            </a:pPr>
-            <a:r>
-              <a:rPr lang="nl-BE" sz="1600" dirty="0">
-                <a:latin typeface="Consolas" panose="020B0609020204030204" pitchFamily="49" charset="0"/>
-              </a:rPr>
-              <a:t>      </a:t>
-            </a:r>
-            <a:r>
-              <a:rPr lang="nl-BE" sz="1600" dirty="0" err="1">
-                <a:latin typeface="Consolas" panose="020B0609020204030204" pitchFamily="49" charset="0"/>
-              </a:rPr>
-              <a:t>video.srcObject</a:t>
-            </a:r>
-            <a:r>
-              <a:rPr lang="nl-BE" sz="1600" dirty="0">
-                <a:latin typeface="Consolas" panose="020B0609020204030204" pitchFamily="49" charset="0"/>
-              </a:rPr>
-              <a:t> = stream;</a:t>
-            </a:r>
-          </a:p>
-          <a:p>
-            <a:pPr marL="180000" lvl="1" indent="0">
-              <a:buNone/>
-            </a:pPr>
-            <a:r>
-              <a:rPr lang="nl-BE" sz="1600" dirty="0">
-                <a:latin typeface="Consolas" panose="020B0609020204030204" pitchFamily="49" charset="0"/>
-              </a:rPr>
-              <a:t>    }).catch(</a:t>
-            </a:r>
-            <a:r>
-              <a:rPr lang="nl-BE" sz="1600" dirty="0" err="1">
-                <a:latin typeface="Consolas" panose="020B0609020204030204" pitchFamily="49" charset="0"/>
-              </a:rPr>
-              <a:t>function</a:t>
-            </a:r>
-            <a:r>
-              <a:rPr lang="nl-BE" sz="1600" dirty="0">
-                <a:latin typeface="Consolas" panose="020B0609020204030204" pitchFamily="49" charset="0"/>
-              </a:rPr>
-              <a:t>(</a:t>
-            </a:r>
-            <a:r>
-              <a:rPr lang="nl-BE" sz="1600" dirty="0" err="1">
-                <a:latin typeface="Consolas" panose="020B0609020204030204" pitchFamily="49" charset="0"/>
-              </a:rPr>
-              <a:t>err</a:t>
-            </a:r>
-            <a:r>
-              <a:rPr lang="nl-BE" sz="1600" dirty="0">
-                <a:latin typeface="Consolas" panose="020B0609020204030204" pitchFamily="49" charset="0"/>
-              </a:rPr>
-              <a:t>) {</a:t>
-            </a:r>
-          </a:p>
-          <a:p>
-            <a:pPr marL="180000" lvl="1" indent="0">
-              <a:buNone/>
-            </a:pPr>
-            <a:r>
-              <a:rPr lang="nl-BE" sz="1600" dirty="0">
-                <a:latin typeface="Consolas" panose="020B0609020204030204" pitchFamily="49" charset="0"/>
-              </a:rPr>
-              <a:t>      console.log(</a:t>
-            </a:r>
-            <a:r>
-              <a:rPr lang="nl-BE" sz="1600" dirty="0" err="1">
-                <a:latin typeface="Consolas" panose="020B0609020204030204" pitchFamily="49" charset="0"/>
-              </a:rPr>
-              <a:t>err</a:t>
-            </a:r>
-            <a:r>
-              <a:rPr lang="nl-BE" sz="1600" dirty="0">
-                <a:latin typeface="Consolas" panose="020B0609020204030204" pitchFamily="49" charset="0"/>
-              </a:rPr>
-              <a:t>);</a:t>
-            </a:r>
-          </a:p>
-          <a:p>
-            <a:pPr marL="180000" lvl="1" indent="0">
-              <a:buNone/>
-            </a:pPr>
-            <a:r>
-              <a:rPr lang="nl-BE" sz="1600" dirty="0">
-                <a:latin typeface="Consolas" panose="020B0609020204030204" pitchFamily="49" charset="0"/>
-              </a:rPr>
-              <a:t>    });</a:t>
+              <a:t>Extra’s</a:t>
+            </a:r>
+          </a:p>
+        </p:txBody>
+      </p:sp>
+      <p:sp>
+        <p:nvSpPr>
+          <p:cNvPr id="3" name="Tijdelijke aanduiding voor tekst 2">
+            <a:extLst>
+              <a:ext uri="{FF2B5EF4-FFF2-40B4-BE49-F238E27FC236}">
+                <a16:creationId xmlns:a16="http://schemas.microsoft.com/office/drawing/2014/main" id="{25E6300B-AC24-4FB2-A05D-06BE75683545}"/>
+              </a:ext>
+            </a:extLst>
+          </p:cNvPr>
+          <p:cNvSpPr>
+            <a:spLocks noGrp="1"/>
+          </p:cNvSpPr>
+          <p:nvPr>
+            <p:ph type="body" idx="1"/>
+          </p:nvPr>
+        </p:nvSpPr>
+        <p:spPr/>
+        <p:txBody>
+          <a:bodyPr/>
+          <a:lstStyle/>
+          <a:p>
+            <a:r>
+              <a:rPr lang="nl-BE" dirty="0"/>
+              <a:t>But </a:t>
+            </a:r>
+            <a:r>
+              <a:rPr lang="nl-BE" dirty="0" err="1"/>
+              <a:t>wait</a:t>
+            </a:r>
+            <a:r>
+              <a:rPr lang="nl-BE" dirty="0"/>
+              <a:t>… </a:t>
+            </a:r>
+            <a:r>
+              <a:rPr lang="nl-BE" dirty="0" err="1"/>
+              <a:t>There’s</a:t>
+            </a:r>
+            <a:r>
+              <a:rPr lang="nl-BE" dirty="0"/>
+              <a:t> more!</a:t>
             </a:r>
           </a:p>
         </p:txBody>
@@ -14227,7 +15711,7 @@
           <p:cNvPr id="4" name="Tijdelijke aanduiding voor voettekst 3">
             <a:extLst>
               <a:ext uri="{FF2B5EF4-FFF2-40B4-BE49-F238E27FC236}">
-                <a16:creationId xmlns:a16="http://schemas.microsoft.com/office/drawing/2014/main" id="{9A86A9FB-1B9E-4B7A-910C-235D3A566A80}"/>
+                <a16:creationId xmlns:a16="http://schemas.microsoft.com/office/drawing/2014/main" id="{7926BCFD-3A9A-492A-A57B-0A991170A3B7}"/>
               </a:ext>
             </a:extLst>
           </p:cNvPr>
@@ -14255,7 +15739,7 @@
           <p:cNvPr id="5" name="Tijdelijke aanduiding voor dianummer 4">
             <a:extLst>
               <a:ext uri="{FF2B5EF4-FFF2-40B4-BE49-F238E27FC236}">
-                <a16:creationId xmlns:a16="http://schemas.microsoft.com/office/drawing/2014/main" id="{A64CFB49-2F18-4019-89DD-E4922E4505C1}"/>
+                <a16:creationId xmlns:a16="http://schemas.microsoft.com/office/drawing/2014/main" id="{60BD1991-93F2-4440-9BAB-7167DEBBD3C1}"/>
               </a:ext>
             </a:extLst>
           </p:cNvPr>
@@ -14273,6 +15757,7 @@
           <a:p>
             <a:fld id="{FF88DA20-ED00-471C-9170-60F590CB400A}" type="slidenum">
               <a:rPr lang="nl-BE" smtClean="0"/>
+              <a:pPr/>
               <a:t>37</a:t>
             </a:fld>
             <a:endParaRPr lang="nl-BE"/>
@@ -14281,10 +15766,10 @@
       </p:sp>
       <p:sp>
         <p:nvSpPr>
-          <p:cNvPr id="3" name="Tijdelijke aanduiding voor tekst 2">
-            <a:extLst>
-              <a:ext uri="{FF2B5EF4-FFF2-40B4-BE49-F238E27FC236}">
-                <a16:creationId xmlns:a16="http://schemas.microsoft.com/office/drawing/2014/main" id="{8007CC32-F96E-4CD9-95CF-403FC6BFF49B}"/>
+          <p:cNvPr id="6" name="Tijdelijke aanduiding voor tekst 5">
+            <a:extLst>
+              <a:ext uri="{FF2B5EF4-FFF2-40B4-BE49-F238E27FC236}">
+                <a16:creationId xmlns:a16="http://schemas.microsoft.com/office/drawing/2014/main" id="{2BC75DC7-FD2B-4961-80F5-1A77FF877DD9}"/>
               </a:ext>
             </a:extLst>
           </p:cNvPr>
@@ -14300,17 +15785,14 @@
           <a:bodyPr/>
           <a:lstStyle/>
           <a:p>
-            <a:r>
-              <a:rPr lang="nl-BE" dirty="0"/>
-              <a:t>Extra’s</a:t>
-            </a:r>
+            <a:endParaRPr lang="nl-BE"/>
           </a:p>
         </p:txBody>
       </p:sp>
     </p:spTree>
     <p:extLst>
       <p:ext uri="{BB962C8B-B14F-4D97-AF65-F5344CB8AC3E}">
-        <p14:creationId xmlns:p14="http://schemas.microsoft.com/office/powerpoint/2010/main" val="3614797913"/>
+        <p14:creationId xmlns:p14="http://schemas.microsoft.com/office/powerpoint/2010/main" val="979472685"/>
       </p:ext>
     </p:extLst>
   </p:cSld>
@@ -14359,10 +15841,9 @@
           <a:lstStyle/>
           <a:p>
             <a:r>
-              <a:rPr lang="nl-BE" dirty="0" err="1"/>
-              <a:t>WebGL</a:t>
-            </a:r>
-            <a:endParaRPr lang="nl-BE" dirty="0"/>
+              <a:rPr lang="nl-BE" dirty="0"/>
+              <a:t>Webcam</a:t>
+            </a:r>
           </a:p>
         </p:txBody>
       </p:sp>
@@ -14384,8 +15865,8 @@
         </p:nvSpPr>
         <p:spPr>
           <a:xfrm>
-            <a:off x="964734" y="2256639"/>
-            <a:ext cx="9946866" cy="3304851"/>
+            <a:off x="822291" y="1585519"/>
+            <a:ext cx="10089309" cy="4404220"/>
           </a:xfrm>
         </p:spPr>
         <p:txBody>
@@ -14394,46 +15875,249 @@
           <a:p>
             <a:r>
               <a:rPr lang="nl-BE" dirty="0"/>
-              <a:t>2D &amp; 3D tekenen in je browser</a:t>
+              <a:t>Toegang tot je webcam</a:t>
             </a:r>
           </a:p>
           <a:p>
             <a:pPr lvl="1"/>
             <a:r>
               <a:rPr lang="nl-BE" dirty="0"/>
-              <a:t>Gebruikt het ‘canvas’-element</a:t>
+              <a:t>Videostream</a:t>
+            </a:r>
+          </a:p>
+          <a:p>
+            <a:pPr marL="180000" lvl="1" indent="0">
+              <a:buNone/>
+            </a:pPr>
+            <a:r>
+              <a:rPr lang="nl-BE" sz="1600" dirty="0">
+                <a:latin typeface="Consolas" panose="020B0609020204030204" pitchFamily="49" charset="0"/>
+              </a:rPr>
+              <a:t>    let video = </a:t>
+            </a:r>
+            <a:r>
+              <a:rPr lang="nl-BE" sz="1600" dirty="0" err="1">
+                <a:latin typeface="Consolas" panose="020B0609020204030204" pitchFamily="49" charset="0"/>
+              </a:rPr>
+              <a:t>document.getElementById</a:t>
+            </a:r>
+            <a:r>
+              <a:rPr lang="nl-BE" sz="1600" dirty="0">
+                <a:latin typeface="Consolas" panose="020B0609020204030204" pitchFamily="49" charset="0"/>
+              </a:rPr>
+              <a:t>('webcamstream');</a:t>
             </a:r>
           </a:p>
           <a:p>
             <a:pPr lvl="1"/>
-            <a:endParaRPr lang="nl-BE" dirty="0"/>
-          </a:p>
-          <a:p>
-            <a:pPr lvl="1"/>
-            <a:r>
-              <a:rPr lang="nl-BE" dirty="0"/>
-              <a:t>Mobiele/browser versie van </a:t>
-            </a:r>
-            <a:r>
-              <a:rPr lang="nl-BE" dirty="0" err="1"/>
-              <a:t>OpenGL</a:t>
-            </a:r>
-            <a:endParaRPr lang="nl-BE" dirty="0"/>
-          </a:p>
-          <a:p>
-            <a:pPr lvl="1"/>
-            <a:endParaRPr lang="nl-BE" dirty="0"/>
-          </a:p>
-          <a:p>
-            <a:pPr lvl="1"/>
-            <a:r>
-              <a:rPr lang="nl-BE" dirty="0"/>
-              <a:t>Three.js</a:t>
-            </a:r>
-          </a:p>
-          <a:p>
-            <a:pPr lvl="1"/>
-            <a:endParaRPr lang="nl-BE" dirty="0"/>
+            <a:endParaRPr lang="nl-BE" sz="1600" dirty="0">
+              <a:latin typeface="Consolas" panose="020B0609020204030204" pitchFamily="49" charset="0"/>
+            </a:endParaRPr>
+          </a:p>
+          <a:p>
+            <a:pPr marL="180000" lvl="1" indent="0">
+              <a:buNone/>
+            </a:pPr>
+            <a:r>
+              <a:rPr lang="nl-BE" sz="1600" dirty="0">
+                <a:latin typeface="Consolas" panose="020B0609020204030204" pitchFamily="49" charset="0"/>
+              </a:rPr>
+              <a:t>    // open webcam </a:t>
+            </a:r>
+            <a:r>
+              <a:rPr lang="nl-BE" sz="1600" dirty="0" err="1">
+                <a:latin typeface="Consolas" panose="020B0609020204030204" pitchFamily="49" charset="0"/>
+              </a:rPr>
+              <a:t>and</a:t>
+            </a:r>
+            <a:r>
+              <a:rPr lang="nl-BE" sz="1600" dirty="0">
+                <a:latin typeface="Consolas" panose="020B0609020204030204" pitchFamily="49" charset="0"/>
+              </a:rPr>
+              <a:t> stream </a:t>
+            </a:r>
+            <a:r>
+              <a:rPr lang="nl-BE" sz="1600" dirty="0" err="1">
+                <a:latin typeface="Consolas" panose="020B0609020204030204" pitchFamily="49" charset="0"/>
+              </a:rPr>
+              <a:t>to</a:t>
+            </a:r>
+            <a:r>
+              <a:rPr lang="nl-BE" sz="1600" dirty="0">
+                <a:latin typeface="Consolas" panose="020B0609020204030204" pitchFamily="49" charset="0"/>
+              </a:rPr>
+              <a:t> video element</a:t>
+            </a:r>
+          </a:p>
+          <a:p>
+            <a:pPr marL="180000" lvl="1" indent="0">
+              <a:buNone/>
+            </a:pPr>
+            <a:r>
+              <a:rPr lang="nl-BE" sz="1600" dirty="0">
+                <a:latin typeface="Consolas" panose="020B0609020204030204" pitchFamily="49" charset="0"/>
+              </a:rPr>
+              <a:t>    </a:t>
+            </a:r>
+            <a:r>
+              <a:rPr lang="nl-BE" sz="1600" dirty="0" err="1">
+                <a:latin typeface="Consolas" panose="020B0609020204030204" pitchFamily="49" charset="0"/>
+              </a:rPr>
+              <a:t>navigator.mediaDevices.getUserMedia</a:t>
+            </a:r>
+            <a:r>
+              <a:rPr lang="nl-BE" sz="1600" dirty="0">
+                <a:latin typeface="Consolas" panose="020B0609020204030204" pitchFamily="49" charset="0"/>
+              </a:rPr>
+              <a:t>({</a:t>
+            </a:r>
+          </a:p>
+          <a:p>
+            <a:pPr marL="180000" lvl="1" indent="0">
+              <a:buNone/>
+            </a:pPr>
+            <a:r>
+              <a:rPr lang="nl-BE" sz="1600" dirty="0">
+                <a:latin typeface="Consolas" panose="020B0609020204030204" pitchFamily="49" charset="0"/>
+              </a:rPr>
+              <a:t>      video: </a:t>
+            </a:r>
+            <a:r>
+              <a:rPr lang="nl-BE" sz="1600" dirty="0" err="1">
+                <a:latin typeface="Consolas" panose="020B0609020204030204" pitchFamily="49" charset="0"/>
+              </a:rPr>
+              <a:t>true</a:t>
+            </a:r>
+            <a:endParaRPr lang="nl-BE" sz="1600" dirty="0">
+              <a:latin typeface="Consolas" panose="020B0609020204030204" pitchFamily="49" charset="0"/>
+            </a:endParaRPr>
+          </a:p>
+          <a:p>
+            <a:pPr marL="180000" lvl="1" indent="0">
+              <a:buNone/>
+            </a:pPr>
+            <a:r>
+              <a:rPr lang="nl-BE" sz="1600" dirty="0">
+                <a:latin typeface="Consolas" panose="020B0609020204030204" pitchFamily="49" charset="0"/>
+              </a:rPr>
+              <a:t>    }).</a:t>
+            </a:r>
+            <a:r>
+              <a:rPr lang="nl-BE" sz="1600" dirty="0" err="1">
+                <a:latin typeface="Consolas" panose="020B0609020204030204" pitchFamily="49" charset="0"/>
+              </a:rPr>
+              <a:t>then</a:t>
+            </a:r>
+            <a:r>
+              <a:rPr lang="nl-BE" sz="1600" dirty="0">
+                <a:latin typeface="Consolas" panose="020B0609020204030204" pitchFamily="49" charset="0"/>
+              </a:rPr>
+              <a:t>(</a:t>
+            </a:r>
+            <a:r>
+              <a:rPr lang="nl-BE" sz="1600" dirty="0" err="1">
+                <a:latin typeface="Consolas" panose="020B0609020204030204" pitchFamily="49" charset="0"/>
+              </a:rPr>
+              <a:t>function</a:t>
+            </a:r>
+            <a:r>
+              <a:rPr lang="nl-BE" sz="1600" dirty="0">
+                <a:latin typeface="Consolas" panose="020B0609020204030204" pitchFamily="49" charset="0"/>
+              </a:rPr>
+              <a:t>(stream) {</a:t>
+            </a:r>
+          </a:p>
+          <a:p>
+            <a:pPr marL="180000" lvl="1" indent="0">
+              <a:buNone/>
+            </a:pPr>
+            <a:r>
+              <a:rPr lang="nl-BE" sz="1600" dirty="0">
+                <a:latin typeface="Consolas" panose="020B0609020204030204" pitchFamily="49" charset="0"/>
+              </a:rPr>
+              <a:t>      </a:t>
+            </a:r>
+            <a:r>
+              <a:rPr lang="nl-BE" sz="1600" dirty="0" err="1">
+                <a:latin typeface="Consolas" panose="020B0609020204030204" pitchFamily="49" charset="0"/>
+              </a:rPr>
+              <a:t>video.srcObject</a:t>
+            </a:r>
+            <a:r>
+              <a:rPr lang="nl-BE" sz="1600" dirty="0">
+                <a:latin typeface="Consolas" panose="020B0609020204030204" pitchFamily="49" charset="0"/>
+              </a:rPr>
+              <a:t> = stream;</a:t>
+            </a:r>
+          </a:p>
+          <a:p>
+            <a:pPr marL="180000" lvl="1" indent="0">
+              <a:buNone/>
+            </a:pPr>
+            <a:r>
+              <a:rPr lang="nl-BE" sz="1600" dirty="0">
+                <a:latin typeface="Consolas" panose="020B0609020204030204" pitchFamily="49" charset="0"/>
+              </a:rPr>
+              <a:t>    }).catch(</a:t>
+            </a:r>
+            <a:r>
+              <a:rPr lang="nl-BE" sz="1600" dirty="0" err="1">
+                <a:latin typeface="Consolas" panose="020B0609020204030204" pitchFamily="49" charset="0"/>
+              </a:rPr>
+              <a:t>function</a:t>
+            </a:r>
+            <a:r>
+              <a:rPr lang="nl-BE" sz="1600" dirty="0">
+                <a:latin typeface="Consolas" panose="020B0609020204030204" pitchFamily="49" charset="0"/>
+              </a:rPr>
+              <a:t>(</a:t>
+            </a:r>
+            <a:r>
+              <a:rPr lang="nl-BE" sz="1600" dirty="0" err="1">
+                <a:latin typeface="Consolas" panose="020B0609020204030204" pitchFamily="49" charset="0"/>
+              </a:rPr>
+              <a:t>err</a:t>
+            </a:r>
+            <a:r>
+              <a:rPr lang="nl-BE" sz="1600" dirty="0">
+                <a:latin typeface="Consolas" panose="020B0609020204030204" pitchFamily="49" charset="0"/>
+              </a:rPr>
+              <a:t>) {</a:t>
+            </a:r>
+          </a:p>
+          <a:p>
+            <a:pPr marL="180000" lvl="1" indent="0">
+              <a:buNone/>
+            </a:pPr>
+            <a:r>
+              <a:rPr lang="nl-BE" sz="1600" dirty="0">
+                <a:latin typeface="Consolas" panose="020B0609020204030204" pitchFamily="49" charset="0"/>
+              </a:rPr>
+              <a:t>      console.log(</a:t>
+            </a:r>
+            <a:r>
+              <a:rPr lang="nl-BE" sz="1600" dirty="0" err="1">
+                <a:latin typeface="Consolas" panose="020B0609020204030204" pitchFamily="49" charset="0"/>
+              </a:rPr>
+              <a:t>err</a:t>
+            </a:r>
+            <a:r>
+              <a:rPr lang="nl-BE" sz="1600" dirty="0">
+                <a:latin typeface="Consolas" panose="020B0609020204030204" pitchFamily="49" charset="0"/>
+              </a:rPr>
+              <a:t>);</a:t>
+            </a:r>
+          </a:p>
+          <a:p>
+            <a:pPr marL="180000" lvl="1" indent="0">
+              <a:buNone/>
+            </a:pPr>
+            <a:r>
+              <a:rPr lang="nl-BE" sz="1600" dirty="0">
+                <a:latin typeface="Consolas" panose="020B0609020204030204" pitchFamily="49" charset="0"/>
+              </a:rPr>
+              <a:t>    });</a:t>
+            </a:r>
           </a:p>
         </p:txBody>
       </p:sp>
@@ -14522,104 +16206,10 @@
           </a:p>
         </p:txBody>
       </p:sp>
-      <p:pic>
-        <p:nvPicPr>
-          <p:cNvPr id="5122" name="Picture 2" descr="upload.wikimedia.org/wikipedia/commons/thumb/2/...">
-            <a:extLst>
-              <a:ext uri="{FF2B5EF4-FFF2-40B4-BE49-F238E27FC236}">
-                <a16:creationId xmlns:a16="http://schemas.microsoft.com/office/drawing/2014/main" id="{433104B8-CC59-4901-9EBB-E8B1089F9765}"/>
-              </a:ext>
-            </a:extLst>
-          </p:cNvPr>
-          <p:cNvPicPr>
-            <a:picLocks noChangeAspect="1" noChangeArrowheads="1"/>
-          </p:cNvPicPr>
-          <p:nvPr/>
-        </p:nvPicPr>
-        <p:blipFill>
-          <a:blip r:embed="rId2">
-            <a:extLst>
-              <a:ext uri="{28A0092B-C50C-407E-A947-70E740481C1C}">
-                <a14:useLocalDpi xmlns:a14="http://schemas.microsoft.com/office/drawing/2010/main" val="0"/>
-              </a:ext>
-            </a:extLst>
-          </a:blip>
-          <a:srcRect/>
-          <a:stretch>
-            <a:fillRect/>
-          </a:stretch>
-        </p:blipFill>
-        <p:spPr bwMode="auto">
-          <a:xfrm>
-            <a:off x="6422554" y="954000"/>
-            <a:ext cx="5235155" cy="2185677"/>
-          </a:xfrm>
-          <a:prstGeom prst="rect">
-            <a:avLst/>
-          </a:prstGeom>
-          <a:noFill/>
-          <a:extLst>
-            <a:ext uri="{909E8E84-426E-40DD-AFC4-6F175D3DCCD1}">
-              <a14:hiddenFill xmlns:a14="http://schemas.microsoft.com/office/drawing/2010/main">
-                <a:solidFill>
-                  <a:srgbClr val="FFFFFF"/>
-                </a:solidFill>
-              </a14:hiddenFill>
-            </a:ext>
-          </a:extLst>
-        </p:spPr>
-      </p:pic>
-      <p:pic>
-        <p:nvPicPr>
-          <p:cNvPr id="5124" name="Picture 4" descr="Developing 3D Web Apps With Three.js | by Tom Castagna | JavaScript in  Plain English">
-            <a:extLst>
-              <a:ext uri="{FF2B5EF4-FFF2-40B4-BE49-F238E27FC236}">
-                <a16:creationId xmlns:a16="http://schemas.microsoft.com/office/drawing/2014/main" id="{7AE9964E-0B44-45D6-A69B-CD7EC14FC46C}"/>
-              </a:ext>
-            </a:extLst>
-          </p:cNvPr>
-          <p:cNvPicPr>
-            <a:picLocks noChangeAspect="1" noChangeArrowheads="1"/>
-          </p:cNvPicPr>
-          <p:nvPr/>
-        </p:nvPicPr>
-        <p:blipFill>
-          <a:blip r:embed="rId3">
-            <a:extLst>
-              <a:ext uri="{28A0092B-C50C-407E-A947-70E740481C1C}">
-                <a14:useLocalDpi xmlns:a14="http://schemas.microsoft.com/office/drawing/2010/main" val="0"/>
-              </a:ext>
-            </a:extLst>
-          </a:blip>
-          <a:srcRect/>
-          <a:stretch>
-            <a:fillRect/>
-          </a:stretch>
-        </p:blipFill>
-        <p:spPr bwMode="auto">
-          <a:xfrm>
-            <a:off x="2918646" y="4453421"/>
-            <a:ext cx="3050971" cy="1542342"/>
-          </a:xfrm>
-          <a:prstGeom prst="rect">
-            <a:avLst/>
-          </a:prstGeom>
-          <a:noFill/>
-          <a:extLst>
-            <a:ext uri="{909E8E84-426E-40DD-AFC4-6F175D3DCCD1}">
-              <a14:hiddenFill xmlns:a14="http://schemas.microsoft.com/office/drawing/2010/main">
-                <a:solidFill>
-                  <a:srgbClr val="FFFFFF"/>
-                </a:solidFill>
-              </a14:hiddenFill>
-            </a:ext>
-          </a:extLst>
-        </p:spPr>
-      </p:pic>
     </p:spTree>
     <p:extLst>
       <p:ext uri="{BB962C8B-B14F-4D97-AF65-F5344CB8AC3E}">
-        <p14:creationId xmlns:p14="http://schemas.microsoft.com/office/powerpoint/2010/main" val="1631331329"/>
+        <p14:creationId xmlns:p14="http://schemas.microsoft.com/office/powerpoint/2010/main" val="3614797913"/>
       </p:ext>
     </p:extLst>
   </p:cSld>
@@ -14668,17 +16258,10 @@
           <a:lstStyle/>
           <a:p>
             <a:r>
-              <a:rPr lang="nl-BE" dirty="0"/>
-              <a:t>Three.js - </a:t>
-            </a:r>
-            <a:r>
               <a:rPr lang="nl-BE" dirty="0" err="1"/>
-              <a:t>gITF</a:t>
-            </a:r>
-            <a:r>
-              <a:rPr lang="nl-BE" dirty="0"/>
-              <a:t> export</a:t>
-            </a:r>
+              <a:t>WebGL</a:t>
+            </a:r>
+            <a:endParaRPr lang="nl-BE" dirty="0"/>
           </a:p>
         </p:txBody>
       </p:sp>
@@ -14700,8 +16283,8 @@
         </p:nvSpPr>
         <p:spPr>
           <a:xfrm>
-            <a:off x="964734" y="1484851"/>
-            <a:ext cx="7544497" cy="4076639"/>
+            <a:off x="964734" y="2256639"/>
+            <a:ext cx="9946866" cy="3304851"/>
           </a:xfrm>
         </p:spPr>
         <p:txBody>
@@ -14710,263 +16293,46 @@
           <a:p>
             <a:r>
               <a:rPr lang="nl-BE" dirty="0"/>
-              <a:t>Het is ook mogelijk om 3D-modellen te importeren die je hebt gemaakt in software zoals:</a:t>
+              <a:t>2D &amp; 3D tekenen in je browser</a:t>
             </a:r>
           </a:p>
           <a:p>
             <a:pPr lvl="1"/>
             <a:r>
-              <a:rPr lang="nl-BE" sz="2000" b="1" dirty="0"/>
-              <a:t>Blender</a:t>
-            </a:r>
-            <a:r>
-              <a:rPr lang="nl-BE" sz="2000" dirty="0"/>
-              <a:t> </a:t>
-            </a:r>
-            <a:r>
-              <a:rPr lang="nl-BE" sz="2000" dirty="0" err="1"/>
-              <a:t>by</a:t>
-            </a:r>
-            <a:r>
-              <a:rPr lang="nl-BE" sz="2000" dirty="0"/>
-              <a:t> </a:t>
-            </a:r>
-            <a:r>
-              <a:rPr lang="nl-BE" sz="2000" dirty="0" err="1"/>
-              <a:t>the</a:t>
-            </a:r>
-            <a:r>
-              <a:rPr lang="nl-BE" sz="2000" dirty="0"/>
-              <a:t> Blender Foundation</a:t>
+              <a:rPr lang="nl-BE" dirty="0"/>
+              <a:t>Gebruikt het ‘canvas’-element</a:t>
             </a:r>
           </a:p>
           <a:p>
             <a:pPr lvl="1"/>
-            <a:r>
-              <a:rPr lang="nl-BE" sz="2000" b="1" dirty="0" err="1"/>
-              <a:t>Substance</a:t>
-            </a:r>
-            <a:r>
-              <a:rPr lang="nl-BE" sz="2000" b="1" dirty="0"/>
-              <a:t> </a:t>
-            </a:r>
-            <a:r>
-              <a:rPr lang="nl-BE" sz="2000" b="1" dirty="0" err="1"/>
-              <a:t>Painter</a:t>
-            </a:r>
-            <a:r>
-              <a:rPr lang="nl-BE" sz="2000" b="1" dirty="0"/>
-              <a:t> </a:t>
-            </a:r>
-            <a:r>
-              <a:rPr lang="nl-BE" sz="2000" dirty="0" err="1"/>
-              <a:t>by</a:t>
-            </a:r>
-            <a:r>
-              <a:rPr lang="nl-BE" sz="2000" dirty="0"/>
-              <a:t> </a:t>
-            </a:r>
-            <a:r>
-              <a:rPr lang="nl-BE" sz="2000" dirty="0" err="1"/>
-              <a:t>Allegorithmic</a:t>
-            </a:r>
-            <a:endParaRPr lang="nl-BE" sz="2000" dirty="0"/>
+            <a:endParaRPr lang="nl-BE" dirty="0"/>
           </a:p>
           <a:p>
             <a:pPr lvl="1"/>
             <a:r>
-              <a:rPr lang="nl-BE" sz="2000" b="1" dirty="0" err="1"/>
-              <a:t>Modo</a:t>
-            </a:r>
-            <a:r>
-              <a:rPr lang="nl-BE" sz="2000" dirty="0"/>
-              <a:t> </a:t>
-            </a:r>
-            <a:r>
-              <a:rPr lang="nl-BE" sz="2000" dirty="0" err="1"/>
-              <a:t>by</a:t>
-            </a:r>
-            <a:r>
-              <a:rPr lang="nl-BE" sz="2000" dirty="0"/>
-              <a:t> </a:t>
-            </a:r>
-            <a:r>
-              <a:rPr lang="nl-BE" sz="2000" dirty="0" err="1"/>
-              <a:t>Foundry</a:t>
-            </a:r>
-            <a:endParaRPr lang="nl-BE" sz="2000" dirty="0"/>
+              <a:rPr lang="nl-BE" dirty="0"/>
+              <a:t>Mobiele/browser versie van </a:t>
+            </a:r>
+            <a:r>
+              <a:rPr lang="nl-BE" dirty="0" err="1"/>
+              <a:t>OpenGL</a:t>
+            </a:r>
+            <a:endParaRPr lang="nl-BE" dirty="0"/>
           </a:p>
           <a:p>
             <a:pPr lvl="1"/>
-            <a:r>
-              <a:rPr lang="nl-BE" sz="2000" b="1" dirty="0" err="1"/>
-              <a:t>Toolbag</a:t>
-            </a:r>
-            <a:r>
-              <a:rPr lang="nl-BE" sz="2000" dirty="0"/>
-              <a:t> </a:t>
-            </a:r>
-            <a:r>
-              <a:rPr lang="nl-BE" sz="2000" dirty="0" err="1"/>
-              <a:t>by</a:t>
-            </a:r>
-            <a:r>
-              <a:rPr lang="nl-BE" sz="2000" dirty="0"/>
-              <a:t> </a:t>
-            </a:r>
-            <a:r>
-              <a:rPr lang="nl-BE" sz="2000" dirty="0" err="1"/>
-              <a:t>Marmoset</a:t>
-            </a:r>
-            <a:endParaRPr lang="nl-BE" sz="2000" dirty="0"/>
+            <a:endParaRPr lang="nl-BE" dirty="0"/>
           </a:p>
           <a:p>
             <a:pPr lvl="1"/>
             <a:r>
-              <a:rPr lang="nl-BE" sz="2000" b="1" dirty="0" err="1"/>
-              <a:t>Houdini</a:t>
-            </a:r>
-            <a:r>
-              <a:rPr lang="nl-BE" sz="2000" dirty="0"/>
-              <a:t> </a:t>
-            </a:r>
-            <a:r>
-              <a:rPr lang="nl-BE" sz="2000" dirty="0" err="1"/>
-              <a:t>by</a:t>
-            </a:r>
-            <a:r>
-              <a:rPr lang="nl-BE" sz="2000" dirty="0"/>
-              <a:t> </a:t>
-            </a:r>
-            <a:r>
-              <a:rPr lang="nl-BE" sz="2000" dirty="0" err="1"/>
-              <a:t>SideFX</a:t>
-            </a:r>
-            <a:endParaRPr lang="nl-BE" sz="2000" dirty="0"/>
+              <a:rPr lang="nl-BE" dirty="0"/>
+              <a:t>Three.js</a:t>
+            </a:r>
           </a:p>
           <a:p>
             <a:pPr lvl="1"/>
-            <a:r>
-              <a:rPr lang="nl-BE" sz="2000" b="1" dirty="0"/>
-              <a:t>Cinema 4D </a:t>
-            </a:r>
-            <a:r>
-              <a:rPr lang="nl-BE" sz="2000" dirty="0" err="1"/>
-              <a:t>by</a:t>
-            </a:r>
-            <a:r>
-              <a:rPr lang="nl-BE" sz="2000" dirty="0"/>
-              <a:t> MAXON</a:t>
-            </a:r>
-          </a:p>
-          <a:p>
-            <a:pPr lvl="1"/>
-            <a:r>
-              <a:rPr lang="nl-BE" sz="2000" b="1" dirty="0"/>
-              <a:t>COLLADA2GLTF</a:t>
-            </a:r>
-            <a:r>
-              <a:rPr lang="nl-BE" sz="2000" dirty="0"/>
-              <a:t> </a:t>
-            </a:r>
-            <a:r>
-              <a:rPr lang="nl-BE" sz="2000" dirty="0" err="1"/>
-              <a:t>by</a:t>
-            </a:r>
-            <a:r>
-              <a:rPr lang="nl-BE" sz="2000" dirty="0"/>
-              <a:t> </a:t>
-            </a:r>
-            <a:r>
-              <a:rPr lang="nl-BE" sz="2000" dirty="0" err="1"/>
-              <a:t>the</a:t>
-            </a:r>
-            <a:r>
-              <a:rPr lang="nl-BE" sz="2000" dirty="0"/>
-              <a:t> </a:t>
-            </a:r>
-            <a:r>
-              <a:rPr lang="nl-BE" sz="2000" dirty="0" err="1"/>
-              <a:t>Khronos</a:t>
-            </a:r>
-            <a:r>
-              <a:rPr lang="nl-BE" sz="2000" dirty="0"/>
-              <a:t> Group</a:t>
-            </a:r>
-          </a:p>
-          <a:p>
-            <a:pPr lvl="1"/>
-            <a:r>
-              <a:rPr lang="nl-BE" sz="2000" b="1" dirty="0"/>
-              <a:t>FBX2GLTF</a:t>
-            </a:r>
-            <a:r>
-              <a:rPr lang="nl-BE" sz="2000" dirty="0"/>
-              <a:t> </a:t>
-            </a:r>
-            <a:r>
-              <a:rPr lang="nl-BE" sz="2000" dirty="0" err="1"/>
-              <a:t>by</a:t>
-            </a:r>
-            <a:r>
-              <a:rPr lang="nl-BE" sz="2000" dirty="0"/>
-              <a:t> Facebook</a:t>
-            </a:r>
-          </a:p>
-          <a:p>
-            <a:pPr lvl="1"/>
-            <a:r>
-              <a:rPr lang="nl-BE" sz="2000" b="1" dirty="0"/>
-              <a:t>OBJ2GLTF</a:t>
-            </a:r>
-            <a:r>
-              <a:rPr lang="nl-BE" sz="2000" dirty="0"/>
-              <a:t> </a:t>
-            </a:r>
-            <a:r>
-              <a:rPr lang="nl-BE" sz="2000" dirty="0" err="1"/>
-              <a:t>by</a:t>
-            </a:r>
-            <a:r>
-              <a:rPr lang="nl-BE" sz="2000" dirty="0"/>
-              <a:t> </a:t>
-            </a:r>
-            <a:r>
-              <a:rPr lang="nl-BE" sz="2000" dirty="0" err="1"/>
-              <a:t>Analytical</a:t>
-            </a:r>
-            <a:r>
-              <a:rPr lang="nl-BE" sz="2000" dirty="0"/>
-              <a:t> Graphics </a:t>
-            </a:r>
-            <a:r>
-              <a:rPr lang="nl-BE" sz="2000" dirty="0" err="1"/>
-              <a:t>Inc</a:t>
-            </a:r>
-            <a:endParaRPr lang="nl-BE" sz="2000" dirty="0"/>
-          </a:p>
-          <a:p>
-            <a:pPr lvl="1"/>
-            <a:r>
-              <a:rPr lang="nl-BE" sz="2000" dirty="0"/>
-              <a:t>…</a:t>
-            </a:r>
-            <a:r>
-              <a:rPr lang="nl-BE" sz="2000" dirty="0" err="1"/>
-              <a:t>and</a:t>
-            </a:r>
-            <a:r>
-              <a:rPr lang="nl-BE" sz="2000" dirty="0"/>
-              <a:t> </a:t>
-            </a:r>
-            <a:r>
-              <a:rPr lang="nl-BE" sz="2000" b="1" dirty="0" err="1"/>
-              <a:t>many</a:t>
-            </a:r>
-            <a:r>
-              <a:rPr lang="nl-BE" sz="2000" b="1" dirty="0"/>
-              <a:t> more</a:t>
-            </a:r>
+            <a:endParaRPr lang="nl-BE" dirty="0"/>
           </a:p>
         </p:txBody>
       </p:sp>
@@ -15057,10 +16423,10 @@
       </p:sp>
       <p:pic>
         <p:nvPicPr>
-          <p:cNvPr id="5124" name="Picture 4" descr="Developing 3D Web Apps With Three.js | by Tom Castagna | JavaScript in  Plain English">
-            <a:extLst>
-              <a:ext uri="{FF2B5EF4-FFF2-40B4-BE49-F238E27FC236}">
-                <a16:creationId xmlns:a16="http://schemas.microsoft.com/office/drawing/2014/main" id="{7AE9964E-0B44-45D6-A69B-CD7EC14FC46C}"/>
+          <p:cNvPr id="5122" name="Picture 2" descr="upload.wikimedia.org/wikipedia/commons/thumb/2/...">
+            <a:extLst>
+              <a:ext uri="{FF2B5EF4-FFF2-40B4-BE49-F238E27FC236}">
+                <a16:creationId xmlns:a16="http://schemas.microsoft.com/office/drawing/2014/main" id="{433104B8-CC59-4901-9EBB-E8B1089F9765}"/>
               </a:ext>
             </a:extLst>
           </p:cNvPr>
@@ -15084,8 +16450,8 @@
         </p:blipFill>
         <p:spPr bwMode="auto">
           <a:xfrm>
-            <a:off x="6470706" y="2913190"/>
-            <a:ext cx="4625524" cy="2338318"/>
+            <a:off x="6422554" y="954000"/>
+            <a:ext cx="5235155" cy="2185677"/>
           </a:xfrm>
           <a:prstGeom prst="rect">
             <a:avLst/>
@@ -15102,10 +16468,57 @@
           </a:extLst>
         </p:spPr>
       </p:pic>
+      <p:pic>
+        <p:nvPicPr>
+          <p:cNvPr id="5124" name="Picture 4" descr="Developing 3D Web Apps With Three.js | by Tom Castagna | JavaScript in  Plain English">
+            <a:extLst>
+              <a:ext uri="{FF2B5EF4-FFF2-40B4-BE49-F238E27FC236}">
+                <a16:creationId xmlns:a16="http://schemas.microsoft.com/office/drawing/2014/main" id="{7AE9964E-0B44-45D6-A69B-CD7EC14FC46C}"/>
+              </a:ext>
+            </a:extLst>
+          </p:cNvPr>
+          <p:cNvPicPr>
+            <a:picLocks noChangeAspect="1" noChangeArrowheads="1"/>
+          </p:cNvPicPr>
+          <p:nvPr/>
+        </p:nvPicPr>
+        <p:blipFill>
+          <a:blip r:embed="rId3">
+            <a:extLst>
+              <a:ext uri="{28A0092B-C50C-407E-A947-70E740481C1C}">
+                <a14:useLocalDpi xmlns:a14="http://schemas.microsoft.com/office/drawing/2010/main" val="0"/>
+              </a:ext>
+            </a:extLst>
+          </a:blip>
+          <a:srcRect/>
+          <a:stretch>
+            <a:fillRect/>
+          </a:stretch>
+        </p:blipFill>
+        <p:spPr bwMode="auto">
+          <a:xfrm>
+            <a:off x="2918646" y="4453421"/>
+            <a:ext cx="3050971" cy="1542342"/>
+          </a:xfrm>
+          <a:prstGeom prst="rect">
+            <a:avLst/>
+          </a:prstGeom>
+          <a:noFill/>
+          <a:extLst>
+            <a:ext uri="{909E8E84-426E-40DD-AFC4-6F175D3DCCD1}">
+              <a14:hiddenFill xmlns:a14="http://schemas.microsoft.com/office/drawing/2010/main">
+                <a:solidFill>
+                  <a:srgbClr val="FFFFFF"/>
+                </a:solidFill>
+              </a14:hiddenFill>
+            </a:ext>
+          </a:extLst>
+        </p:spPr>
+      </p:pic>
     </p:spTree>
     <p:extLst>
       <p:ext uri="{BB962C8B-B14F-4D97-AF65-F5344CB8AC3E}">
-        <p14:creationId xmlns:p14="http://schemas.microsoft.com/office/powerpoint/2010/main" val="3491309351"/>
+        <p14:creationId xmlns:p14="http://schemas.microsoft.com/office/powerpoint/2010/main" val="1631331329"/>
       </p:ext>
     </p:extLst>
   </p:cSld>
@@ -15308,7 +16721,7 @@
           <p:cNvPr id="2" name="Titel 1">
             <a:extLst>
               <a:ext uri="{FF2B5EF4-FFF2-40B4-BE49-F238E27FC236}">
-                <a16:creationId xmlns:a16="http://schemas.microsoft.com/office/drawing/2014/main" id="{C5EEAFBD-B5B8-4F85-98E4-19C38B628AD3}"/>
+                <a16:creationId xmlns:a16="http://schemas.microsoft.com/office/drawing/2014/main" id="{465F132B-C9CE-4FCE-923D-CCAFB92AB8C8}"/>
               </a:ext>
             </a:extLst>
           </p:cNvPr>
@@ -15326,52 +16739,303 @@
           <a:p>
             <a:r>
               <a:rPr lang="nl-BE" dirty="0"/>
-              <a:t>Opdracht </a:t>
-            </a:r>
-            <a:r>
-              <a:rPr lang="nl-BE"/>
-              <a:t>(Optioneel)</a:t>
-            </a:r>
-            <a:endParaRPr lang="nl-BE" dirty="0"/>
-          </a:p>
-        </p:txBody>
-      </p:sp>
-      <p:sp>
-        <p:nvSpPr>
-          <p:cNvPr id="3" name="Tijdelijke aanduiding voor tekst 2">
-            <a:extLst>
-              <a:ext uri="{FF2B5EF4-FFF2-40B4-BE49-F238E27FC236}">
-                <a16:creationId xmlns:a16="http://schemas.microsoft.com/office/drawing/2014/main" id="{25E6300B-AC24-4FB2-A05D-06BE75683545}"/>
-              </a:ext>
-            </a:extLst>
-          </p:cNvPr>
-          <p:cNvSpPr>
-            <a:spLocks noGrp="1"/>
-          </p:cNvSpPr>
-          <p:nvPr>
-            <p:ph type="body" idx="1"/>
-          </p:nvPr>
-        </p:nvSpPr>
-        <p:spPr/>
-        <p:txBody>
-          <a:bodyPr/>
-          <a:lstStyle/>
-          <a:p>
+              <a:t>Three.js - </a:t>
+            </a:r>
             <a:r>
               <a:rPr lang="nl-BE" dirty="0" err="1"/>
-              <a:t>What</a:t>
-            </a:r>
-            <a:r>
-              <a:rPr lang="nl-BE" dirty="0"/>
+              <a:t>gITF</a:t>
+            </a:r>
+            <a:r>
+              <a:rPr lang="nl-BE" dirty="0"/>
+              <a:t> export</a:t>
+            </a:r>
+          </a:p>
+        </p:txBody>
+      </p:sp>
+      <p:sp>
+        <p:nvSpPr>
+          <p:cNvPr id="8" name="Tijdelijke aanduiding voor inhoud 7">
+            <a:extLst>
+              <a:ext uri="{FF2B5EF4-FFF2-40B4-BE49-F238E27FC236}">
+                <a16:creationId xmlns:a16="http://schemas.microsoft.com/office/drawing/2014/main" id="{46660B48-BEE8-4738-9228-05126E64F4BB}"/>
+              </a:ext>
+            </a:extLst>
+          </p:cNvPr>
+          <p:cNvSpPr>
+            <a:spLocks noGrp="1"/>
+          </p:cNvSpPr>
+          <p:nvPr>
+            <p:ph idx="1"/>
+          </p:nvPr>
+        </p:nvSpPr>
+        <p:spPr>
+          <a:xfrm>
+            <a:off x="964734" y="1484851"/>
+            <a:ext cx="7544497" cy="4076639"/>
+          </a:xfrm>
+        </p:spPr>
+        <p:txBody>
+          <a:bodyPr/>
+          <a:lstStyle/>
+          <a:p>
+            <a:r>
+              <a:rPr lang="nl-BE" dirty="0"/>
+              <a:t>Het is ook mogelijk om 3D-modellen te importeren die je hebt gemaakt in software zoals:</a:t>
+            </a:r>
+          </a:p>
+          <a:p>
+            <a:pPr lvl="1"/>
+            <a:r>
+              <a:rPr lang="nl-BE" sz="2000" b="1" dirty="0"/>
+              <a:t>Blender</a:t>
+            </a:r>
+            <a:r>
+              <a:rPr lang="nl-BE" sz="2000" dirty="0"/>
               <a:t> </a:t>
             </a:r>
             <a:r>
-              <a:rPr lang="nl-BE" dirty="0" err="1"/>
-              <a:t>to</a:t>
-            </a:r>
-            <a:r>
-              <a:rPr lang="nl-BE" dirty="0"/>
-              <a:t> do?</a:t>
+              <a:rPr lang="nl-BE" sz="2000" dirty="0" err="1"/>
+              <a:t>by</a:t>
+            </a:r>
+            <a:r>
+              <a:rPr lang="nl-BE" sz="2000" dirty="0"/>
+              <a:t> </a:t>
+            </a:r>
+            <a:r>
+              <a:rPr lang="nl-BE" sz="2000" dirty="0" err="1"/>
+              <a:t>the</a:t>
+            </a:r>
+            <a:r>
+              <a:rPr lang="nl-BE" sz="2000" dirty="0"/>
+              <a:t> Blender Foundation</a:t>
+            </a:r>
+          </a:p>
+          <a:p>
+            <a:pPr lvl="1"/>
+            <a:r>
+              <a:rPr lang="nl-BE" sz="2000" b="1" dirty="0" err="1"/>
+              <a:t>Substance</a:t>
+            </a:r>
+            <a:r>
+              <a:rPr lang="nl-BE" sz="2000" b="1" dirty="0"/>
+              <a:t> </a:t>
+            </a:r>
+            <a:r>
+              <a:rPr lang="nl-BE" sz="2000" b="1" dirty="0" err="1"/>
+              <a:t>Painter</a:t>
+            </a:r>
+            <a:r>
+              <a:rPr lang="nl-BE" sz="2000" b="1" dirty="0"/>
+              <a:t> </a:t>
+            </a:r>
+            <a:r>
+              <a:rPr lang="nl-BE" sz="2000" dirty="0" err="1"/>
+              <a:t>by</a:t>
+            </a:r>
+            <a:r>
+              <a:rPr lang="nl-BE" sz="2000" dirty="0"/>
+              <a:t> </a:t>
+            </a:r>
+            <a:r>
+              <a:rPr lang="nl-BE" sz="2000" dirty="0" err="1"/>
+              <a:t>Allegorithmic</a:t>
+            </a:r>
+            <a:endParaRPr lang="nl-BE" sz="2000" dirty="0"/>
+          </a:p>
+          <a:p>
+            <a:pPr lvl="1"/>
+            <a:r>
+              <a:rPr lang="nl-BE" sz="2000" b="1" dirty="0" err="1"/>
+              <a:t>Modo</a:t>
+            </a:r>
+            <a:r>
+              <a:rPr lang="nl-BE" sz="2000" dirty="0"/>
+              <a:t> </a:t>
+            </a:r>
+            <a:r>
+              <a:rPr lang="nl-BE" sz="2000" dirty="0" err="1"/>
+              <a:t>by</a:t>
+            </a:r>
+            <a:r>
+              <a:rPr lang="nl-BE" sz="2000" dirty="0"/>
+              <a:t> </a:t>
+            </a:r>
+            <a:r>
+              <a:rPr lang="nl-BE" sz="2000" dirty="0" err="1"/>
+              <a:t>Foundry</a:t>
+            </a:r>
+            <a:endParaRPr lang="nl-BE" sz="2000" dirty="0"/>
+          </a:p>
+          <a:p>
+            <a:pPr lvl="1"/>
+            <a:r>
+              <a:rPr lang="nl-BE" sz="2000" b="1" dirty="0" err="1"/>
+              <a:t>Toolbag</a:t>
+            </a:r>
+            <a:r>
+              <a:rPr lang="nl-BE" sz="2000" dirty="0"/>
+              <a:t> </a:t>
+            </a:r>
+            <a:r>
+              <a:rPr lang="nl-BE" sz="2000" dirty="0" err="1"/>
+              <a:t>by</a:t>
+            </a:r>
+            <a:r>
+              <a:rPr lang="nl-BE" sz="2000" dirty="0"/>
+              <a:t> </a:t>
+            </a:r>
+            <a:r>
+              <a:rPr lang="nl-BE" sz="2000" dirty="0" err="1"/>
+              <a:t>Marmoset</a:t>
+            </a:r>
+            <a:endParaRPr lang="nl-BE" sz="2000" dirty="0"/>
+          </a:p>
+          <a:p>
+            <a:pPr lvl="1"/>
+            <a:r>
+              <a:rPr lang="nl-BE" sz="2000" b="1" dirty="0" err="1"/>
+              <a:t>Houdini</a:t>
+            </a:r>
+            <a:r>
+              <a:rPr lang="nl-BE" sz="2000" dirty="0"/>
+              <a:t> </a:t>
+            </a:r>
+            <a:r>
+              <a:rPr lang="nl-BE" sz="2000" dirty="0" err="1"/>
+              <a:t>by</a:t>
+            </a:r>
+            <a:r>
+              <a:rPr lang="nl-BE" sz="2000" dirty="0"/>
+              <a:t> </a:t>
+            </a:r>
+            <a:r>
+              <a:rPr lang="nl-BE" sz="2000" dirty="0" err="1"/>
+              <a:t>SideFX</a:t>
+            </a:r>
+            <a:endParaRPr lang="nl-BE" sz="2000" dirty="0"/>
+          </a:p>
+          <a:p>
+            <a:pPr lvl="1"/>
+            <a:r>
+              <a:rPr lang="nl-BE" sz="2000" b="1" dirty="0"/>
+              <a:t>Cinema 4D </a:t>
+            </a:r>
+            <a:r>
+              <a:rPr lang="nl-BE" sz="2000" dirty="0" err="1"/>
+              <a:t>by</a:t>
+            </a:r>
+            <a:r>
+              <a:rPr lang="nl-BE" sz="2000" dirty="0"/>
+              <a:t> MAXON</a:t>
+            </a:r>
+          </a:p>
+          <a:p>
+            <a:pPr lvl="1"/>
+            <a:r>
+              <a:rPr lang="nl-BE" sz="2000" b="1" dirty="0"/>
+              <a:t>COLLADA2GLTF</a:t>
+            </a:r>
+            <a:r>
+              <a:rPr lang="nl-BE" sz="2000" dirty="0"/>
+              <a:t> </a:t>
+            </a:r>
+            <a:r>
+              <a:rPr lang="nl-BE" sz="2000" dirty="0" err="1"/>
+              <a:t>by</a:t>
+            </a:r>
+            <a:r>
+              <a:rPr lang="nl-BE" sz="2000" dirty="0"/>
+              <a:t> </a:t>
+            </a:r>
+            <a:r>
+              <a:rPr lang="nl-BE" sz="2000" dirty="0" err="1"/>
+              <a:t>the</a:t>
+            </a:r>
+            <a:r>
+              <a:rPr lang="nl-BE" sz="2000" dirty="0"/>
+              <a:t> </a:t>
+            </a:r>
+            <a:r>
+              <a:rPr lang="nl-BE" sz="2000" dirty="0" err="1"/>
+              <a:t>Khronos</a:t>
+            </a:r>
+            <a:r>
+              <a:rPr lang="nl-BE" sz="2000" dirty="0"/>
+              <a:t> Group</a:t>
+            </a:r>
+          </a:p>
+          <a:p>
+            <a:pPr lvl="1"/>
+            <a:r>
+              <a:rPr lang="nl-BE" sz="2000" b="1" dirty="0"/>
+              <a:t>FBX2GLTF</a:t>
+            </a:r>
+            <a:r>
+              <a:rPr lang="nl-BE" sz="2000" dirty="0"/>
+              <a:t> </a:t>
+            </a:r>
+            <a:r>
+              <a:rPr lang="nl-BE" sz="2000" dirty="0" err="1"/>
+              <a:t>by</a:t>
+            </a:r>
+            <a:r>
+              <a:rPr lang="nl-BE" sz="2000" dirty="0"/>
+              <a:t> Facebook</a:t>
+            </a:r>
+          </a:p>
+          <a:p>
+            <a:pPr lvl="1"/>
+            <a:r>
+              <a:rPr lang="nl-BE" sz="2000" b="1" dirty="0"/>
+              <a:t>OBJ2GLTF</a:t>
+            </a:r>
+            <a:r>
+              <a:rPr lang="nl-BE" sz="2000" dirty="0"/>
+              <a:t> </a:t>
+            </a:r>
+            <a:r>
+              <a:rPr lang="nl-BE" sz="2000" dirty="0" err="1"/>
+              <a:t>by</a:t>
+            </a:r>
+            <a:r>
+              <a:rPr lang="nl-BE" sz="2000" dirty="0"/>
+              <a:t> </a:t>
+            </a:r>
+            <a:r>
+              <a:rPr lang="nl-BE" sz="2000" dirty="0" err="1"/>
+              <a:t>Analytical</a:t>
+            </a:r>
+            <a:r>
+              <a:rPr lang="nl-BE" sz="2000" dirty="0"/>
+              <a:t> Graphics </a:t>
+            </a:r>
+            <a:r>
+              <a:rPr lang="nl-BE" sz="2000" dirty="0" err="1"/>
+              <a:t>Inc</a:t>
+            </a:r>
+            <a:endParaRPr lang="nl-BE" sz="2000" dirty="0"/>
+          </a:p>
+          <a:p>
+            <a:pPr lvl="1"/>
+            <a:r>
+              <a:rPr lang="nl-BE" sz="2000" dirty="0"/>
+              <a:t>…</a:t>
+            </a:r>
+            <a:r>
+              <a:rPr lang="nl-BE" sz="2000" dirty="0" err="1"/>
+              <a:t>and</a:t>
+            </a:r>
+            <a:r>
+              <a:rPr lang="nl-BE" sz="2000" dirty="0"/>
+              <a:t> </a:t>
+            </a:r>
+            <a:r>
+              <a:rPr lang="nl-BE" sz="2000" b="1" dirty="0" err="1"/>
+              <a:t>many</a:t>
+            </a:r>
+            <a:r>
+              <a:rPr lang="nl-BE" sz="2000" b="1" dirty="0"/>
+              <a:t> more</a:t>
             </a:r>
           </a:p>
         </p:txBody>
@@ -15381,7 +17045,7 @@
           <p:cNvPr id="4" name="Tijdelijke aanduiding voor voettekst 3">
             <a:extLst>
               <a:ext uri="{FF2B5EF4-FFF2-40B4-BE49-F238E27FC236}">
-                <a16:creationId xmlns:a16="http://schemas.microsoft.com/office/drawing/2014/main" id="{7926BCFD-3A9A-492A-A57B-0A991170A3B7}"/>
+                <a16:creationId xmlns:a16="http://schemas.microsoft.com/office/drawing/2014/main" id="{9A86A9FB-1B9E-4B7A-910C-235D3A566A80}"/>
               </a:ext>
             </a:extLst>
           </p:cNvPr>
@@ -15409,7 +17073,7 @@
           <p:cNvPr id="5" name="Tijdelijke aanduiding voor dianummer 4">
             <a:extLst>
               <a:ext uri="{FF2B5EF4-FFF2-40B4-BE49-F238E27FC236}">
-                <a16:creationId xmlns:a16="http://schemas.microsoft.com/office/drawing/2014/main" id="{60BD1991-93F2-4440-9BAB-7167DEBBD3C1}"/>
+                <a16:creationId xmlns:a16="http://schemas.microsoft.com/office/drawing/2014/main" id="{A64CFB49-2F18-4019-89DD-E4922E4505C1}"/>
               </a:ext>
             </a:extLst>
           </p:cNvPr>
@@ -15427,7 +17091,6 @@
           <a:p>
             <a:fld id="{FF88DA20-ED00-471C-9170-60F590CB400A}" type="slidenum">
               <a:rPr lang="nl-BE" smtClean="0"/>
-              <a:pPr/>
               <a:t>40</a:t>
             </a:fld>
             <a:endParaRPr lang="nl-BE"/>
@@ -15436,10 +17099,10 @@
       </p:sp>
       <p:sp>
         <p:nvSpPr>
-          <p:cNvPr id="6" name="Tijdelijke aanduiding voor tekst 5">
-            <a:extLst>
-              <a:ext uri="{FF2B5EF4-FFF2-40B4-BE49-F238E27FC236}">
-                <a16:creationId xmlns:a16="http://schemas.microsoft.com/office/drawing/2014/main" id="{2BC75DC7-FD2B-4961-80F5-1A77FF877DD9}"/>
+          <p:cNvPr id="3" name="Tijdelijke aanduiding voor tekst 2">
+            <a:extLst>
+              <a:ext uri="{FF2B5EF4-FFF2-40B4-BE49-F238E27FC236}">
+                <a16:creationId xmlns:a16="http://schemas.microsoft.com/office/drawing/2014/main" id="{8007CC32-F96E-4CD9-95CF-403FC6BFF49B}"/>
               </a:ext>
             </a:extLst>
           </p:cNvPr>
@@ -15455,14 +17118,64 @@
           <a:bodyPr/>
           <a:lstStyle/>
           <a:p>
-            <a:endParaRPr lang="nl-BE"/>
-          </a:p>
-        </p:txBody>
-      </p:sp>
+            <a:r>
+              <a:rPr lang="nl-BE" dirty="0"/>
+              <a:t>Extra’s</a:t>
+            </a:r>
+          </a:p>
+        </p:txBody>
+      </p:sp>
+      <p:pic>
+        <p:nvPicPr>
+          <p:cNvPr id="5124" name="Picture 4" descr="Developing 3D Web Apps With Three.js | by Tom Castagna | JavaScript in  Plain English">
+            <a:extLst>
+              <a:ext uri="{FF2B5EF4-FFF2-40B4-BE49-F238E27FC236}">
+                <a16:creationId xmlns:a16="http://schemas.microsoft.com/office/drawing/2014/main" id="{7AE9964E-0B44-45D6-A69B-CD7EC14FC46C}"/>
+              </a:ext>
+            </a:extLst>
+          </p:cNvPr>
+          <p:cNvPicPr>
+            <a:picLocks noChangeAspect="1" noChangeArrowheads="1"/>
+          </p:cNvPicPr>
+          <p:nvPr/>
+        </p:nvPicPr>
+        <p:blipFill>
+          <a:blip r:embed="rId2">
+            <a:extLst>
+              <a:ext uri="{28A0092B-C50C-407E-A947-70E740481C1C}">
+                <a14:useLocalDpi xmlns:a14="http://schemas.microsoft.com/office/drawing/2010/main" val="0"/>
+              </a:ext>
+            </a:extLst>
+          </a:blip>
+          <a:srcRect/>
+          <a:stretch>
+            <a:fillRect/>
+          </a:stretch>
+        </p:blipFill>
+        <p:spPr bwMode="auto">
+          <a:xfrm>
+            <a:off x="6470706" y="2913190"/>
+            <a:ext cx="4625524" cy="2338318"/>
+          </a:xfrm>
+          <a:prstGeom prst="rect">
+            <a:avLst/>
+          </a:prstGeom>
+          <a:noFill/>
+          <a:extLst>
+            <a:ext uri="{909E8E84-426E-40DD-AFC4-6F175D3DCCD1}">
+              <a14:hiddenFill xmlns:a14="http://schemas.microsoft.com/office/drawing/2010/main">
+                <a:solidFill>
+                  <a:srgbClr val="FFFFFF"/>
+                </a:solidFill>
+              </a14:hiddenFill>
+            </a:ext>
+          </a:extLst>
+        </p:spPr>
+      </p:pic>
     </p:spTree>
     <p:extLst>
       <p:ext uri="{BB962C8B-B14F-4D97-AF65-F5344CB8AC3E}">
-        <p14:creationId xmlns:p14="http://schemas.microsoft.com/office/powerpoint/2010/main" val="3162246282"/>
+        <p14:creationId xmlns:p14="http://schemas.microsoft.com/office/powerpoint/2010/main" val="3491309351"/>
       </p:ext>
     </p:extLst>
   </p:cSld>
@@ -15494,6 +17207,192 @@
           <p:cNvPr id="2" name="Titel 1">
             <a:extLst>
               <a:ext uri="{FF2B5EF4-FFF2-40B4-BE49-F238E27FC236}">
+                <a16:creationId xmlns:a16="http://schemas.microsoft.com/office/drawing/2014/main" id="{C5EEAFBD-B5B8-4F85-98E4-19C38B628AD3}"/>
+              </a:ext>
+            </a:extLst>
+          </p:cNvPr>
+          <p:cNvSpPr>
+            <a:spLocks noGrp="1"/>
+          </p:cNvSpPr>
+          <p:nvPr>
+            <p:ph type="title"/>
+          </p:nvPr>
+        </p:nvSpPr>
+        <p:spPr/>
+        <p:txBody>
+          <a:bodyPr/>
+          <a:lstStyle/>
+          <a:p>
+            <a:r>
+              <a:rPr lang="nl-BE" dirty="0"/>
+              <a:t>Opdracht </a:t>
+            </a:r>
+            <a:r>
+              <a:rPr lang="nl-BE"/>
+              <a:t>(Optioneel)</a:t>
+            </a:r>
+            <a:endParaRPr lang="nl-BE" dirty="0"/>
+          </a:p>
+        </p:txBody>
+      </p:sp>
+      <p:sp>
+        <p:nvSpPr>
+          <p:cNvPr id="3" name="Tijdelijke aanduiding voor tekst 2">
+            <a:extLst>
+              <a:ext uri="{FF2B5EF4-FFF2-40B4-BE49-F238E27FC236}">
+                <a16:creationId xmlns:a16="http://schemas.microsoft.com/office/drawing/2014/main" id="{25E6300B-AC24-4FB2-A05D-06BE75683545}"/>
+              </a:ext>
+            </a:extLst>
+          </p:cNvPr>
+          <p:cNvSpPr>
+            <a:spLocks noGrp="1"/>
+          </p:cNvSpPr>
+          <p:nvPr>
+            <p:ph type="body" idx="1"/>
+          </p:nvPr>
+        </p:nvSpPr>
+        <p:spPr/>
+        <p:txBody>
+          <a:bodyPr/>
+          <a:lstStyle/>
+          <a:p>
+            <a:r>
+              <a:rPr lang="nl-BE" dirty="0" err="1"/>
+              <a:t>What</a:t>
+            </a:r>
+            <a:r>
+              <a:rPr lang="nl-BE" dirty="0"/>
+              <a:t> </a:t>
+            </a:r>
+            <a:r>
+              <a:rPr lang="nl-BE" dirty="0" err="1"/>
+              <a:t>to</a:t>
+            </a:r>
+            <a:r>
+              <a:rPr lang="nl-BE" dirty="0"/>
+              <a:t> do?</a:t>
+            </a:r>
+          </a:p>
+        </p:txBody>
+      </p:sp>
+      <p:sp>
+        <p:nvSpPr>
+          <p:cNvPr id="4" name="Tijdelijke aanduiding voor voettekst 3">
+            <a:extLst>
+              <a:ext uri="{FF2B5EF4-FFF2-40B4-BE49-F238E27FC236}">
+                <a16:creationId xmlns:a16="http://schemas.microsoft.com/office/drawing/2014/main" id="{7926BCFD-3A9A-492A-A57B-0A991170A3B7}"/>
+              </a:ext>
+            </a:extLst>
+          </p:cNvPr>
+          <p:cNvSpPr>
+            <a:spLocks noGrp="1"/>
+          </p:cNvSpPr>
+          <p:nvPr>
+            <p:ph type="ftr" sz="quarter" idx="11"/>
+          </p:nvPr>
+        </p:nvSpPr>
+        <p:spPr/>
+        <p:txBody>
+          <a:bodyPr/>
+          <a:lstStyle/>
+          <a:p>
+            <a:r>
+              <a:rPr lang="nl-BE" dirty="0"/>
+              <a:t>DWD – HTML5 &amp; Games</a:t>
+            </a:r>
+          </a:p>
+        </p:txBody>
+      </p:sp>
+      <p:sp>
+        <p:nvSpPr>
+          <p:cNvPr id="5" name="Tijdelijke aanduiding voor dianummer 4">
+            <a:extLst>
+              <a:ext uri="{FF2B5EF4-FFF2-40B4-BE49-F238E27FC236}">
+                <a16:creationId xmlns:a16="http://schemas.microsoft.com/office/drawing/2014/main" id="{60BD1991-93F2-4440-9BAB-7167DEBBD3C1}"/>
+              </a:ext>
+            </a:extLst>
+          </p:cNvPr>
+          <p:cNvSpPr>
+            <a:spLocks noGrp="1"/>
+          </p:cNvSpPr>
+          <p:nvPr>
+            <p:ph type="sldNum" sz="quarter" idx="12"/>
+          </p:nvPr>
+        </p:nvSpPr>
+        <p:spPr/>
+        <p:txBody>
+          <a:bodyPr/>
+          <a:lstStyle/>
+          <a:p>
+            <a:fld id="{FF88DA20-ED00-471C-9170-60F590CB400A}" type="slidenum">
+              <a:rPr lang="nl-BE" smtClean="0"/>
+              <a:pPr/>
+              <a:t>41</a:t>
+            </a:fld>
+            <a:endParaRPr lang="nl-BE"/>
+          </a:p>
+        </p:txBody>
+      </p:sp>
+      <p:sp>
+        <p:nvSpPr>
+          <p:cNvPr id="6" name="Tijdelijke aanduiding voor tekst 5">
+            <a:extLst>
+              <a:ext uri="{FF2B5EF4-FFF2-40B4-BE49-F238E27FC236}">
+                <a16:creationId xmlns:a16="http://schemas.microsoft.com/office/drawing/2014/main" id="{2BC75DC7-FD2B-4961-80F5-1A77FF877DD9}"/>
+              </a:ext>
+            </a:extLst>
+          </p:cNvPr>
+          <p:cNvSpPr>
+            <a:spLocks noGrp="1"/>
+          </p:cNvSpPr>
+          <p:nvPr>
+            <p:ph type="body" sz="quarter" idx="13"/>
+          </p:nvPr>
+        </p:nvSpPr>
+        <p:spPr/>
+        <p:txBody>
+          <a:bodyPr/>
+          <a:lstStyle/>
+          <a:p>
+            <a:endParaRPr lang="nl-BE"/>
+          </a:p>
+        </p:txBody>
+      </p:sp>
+    </p:spTree>
+    <p:extLst>
+      <p:ext uri="{BB962C8B-B14F-4D97-AF65-F5344CB8AC3E}">
+        <p14:creationId xmlns:p14="http://schemas.microsoft.com/office/powerpoint/2010/main" val="3162246282"/>
+      </p:ext>
+    </p:extLst>
+  </p:cSld>
+  <p:clrMapOvr>
+    <a:masterClrMapping/>
+  </p:clrMapOvr>
+</p:sld>
+</file>
+
+<file path=ppt/slides/slide42.xml><?xml version="1.0" encoding="utf-8"?>
+<p:sld xmlns:a="http://schemas.openxmlformats.org/drawingml/2006/main" xmlns:r="http://schemas.openxmlformats.org/officeDocument/2006/relationships" xmlns:p="http://schemas.openxmlformats.org/presentationml/2006/main">
+  <p:cSld>
+    <p:spTree>
+      <p:nvGrpSpPr>
+        <p:cNvPr id="1" name=""/>
+        <p:cNvGrpSpPr/>
+        <p:nvPr/>
+      </p:nvGrpSpPr>
+      <p:grpSpPr>
+        <a:xfrm>
+          <a:off x="0" y="0"/>
+          <a:ext cx="0" cy="0"/>
+          <a:chOff x="0" y="0"/>
+          <a:chExt cx="0" cy="0"/>
+        </a:xfrm>
+      </p:grpSpPr>
+      <p:sp>
+        <p:nvSpPr>
+          <p:cNvPr id="2" name="Titel 1">
+            <a:extLst>
+              <a:ext uri="{FF2B5EF4-FFF2-40B4-BE49-F238E27FC236}">
                 <a16:creationId xmlns:a16="http://schemas.microsoft.com/office/drawing/2014/main" id="{465F132B-C9CE-4FCE-923D-CCAFB92AB8C8}"/>
               </a:ext>
             </a:extLst>
@@ -15665,7 +17564,7 @@
           <a:p>
             <a:fld id="{FF88DA20-ED00-471C-9170-60F590CB400A}" type="slidenum">
               <a:rPr lang="nl-BE" smtClean="0"/>
-              <a:t>41</a:t>
+              <a:t>42</a:t>
             </a:fld>
             <a:endParaRPr lang="nl-BE"/>
           </a:p>

--- a/DWD - Javascript Games - Theorie.pptx
+++ b/DWD - Javascript Games - Theorie.pptx
@@ -6768,8 +6768,8 @@
         </p:nvSpPr>
         <p:spPr>
           <a:xfrm>
-            <a:off x="998290" y="1314721"/>
-            <a:ext cx="9913310" cy="4809241"/>
+            <a:off x="998290" y="1392571"/>
+            <a:ext cx="9913310" cy="4731391"/>
           </a:xfrm>
         </p:spPr>
         <p:txBody>
@@ -6786,9 +6786,6 @@
             </a:r>
           </a:p>
           <a:p>
-            <a:endParaRPr lang="en-US" dirty="0"/>
-          </a:p>
-          <a:p>
             <a:pPr lvl="1"/>
             <a:r>
               <a:rPr lang="nl-BE" dirty="0">
@@ -6813,6 +6810,15 @@
                 <a:latin typeface="+mj-lt"/>
               </a:rPr>
               <a:t>Maximaal 5MB per domein</a:t>
+            </a:r>
+          </a:p>
+          <a:p>
+            <a:pPr lvl="3"/>
+            <a:r>
+              <a:rPr lang="nl-BE" sz="2400" dirty="0">
+                <a:latin typeface="+mj-lt"/>
+              </a:rPr>
+              <a:t>“QUOTA_EXCEEDED_ERR”</a:t>
             </a:r>
           </a:p>
           <a:p>
@@ -7041,253 +7047,6 @@
       </p:sp>
       <p:sp>
         <p:nvSpPr>
-          <p:cNvPr id="8" name="Tijdelijke aanduiding voor inhoud 7">
-            <a:extLst>
-              <a:ext uri="{FF2B5EF4-FFF2-40B4-BE49-F238E27FC236}">
-                <a16:creationId xmlns:a16="http://schemas.microsoft.com/office/drawing/2014/main" id="{46660B48-BEE8-4738-9228-05126E64F4BB}"/>
-              </a:ext>
-            </a:extLst>
-          </p:cNvPr>
-          <p:cNvSpPr>
-            <a:spLocks noGrp="1"/>
-          </p:cNvSpPr>
-          <p:nvPr>
-            <p:ph idx="1"/>
-          </p:nvPr>
-        </p:nvSpPr>
-        <p:spPr>
-          <a:xfrm>
-            <a:off x="534291" y="1442906"/>
-            <a:ext cx="10377309" cy="4379054"/>
-          </a:xfrm>
-        </p:spPr>
-        <p:txBody>
-          <a:bodyPr/>
-          <a:lstStyle/>
-          <a:p>
-            <a:pPr marL="180000" lvl="1" indent="0">
-              <a:buNone/>
-            </a:pPr>
-            <a:r>
-              <a:rPr lang="en-US" dirty="0">
-                <a:latin typeface="Consolas" panose="020B0609020204030204" pitchFamily="49" charset="0"/>
-              </a:rPr>
-              <a:t>Let </a:t>
-            </a:r>
-            <a:r>
-              <a:rPr lang="en-US" dirty="0" err="1">
-                <a:latin typeface="Consolas" panose="020B0609020204030204" pitchFamily="49" charset="0"/>
-              </a:rPr>
-              <a:t>todoItems</a:t>
-            </a:r>
-            <a:r>
-              <a:rPr lang="en-US" dirty="0">
-                <a:latin typeface="Consolas" panose="020B0609020204030204" pitchFamily="49" charset="0"/>
-              </a:rPr>
-              <a:t> = {</a:t>
-            </a:r>
-          </a:p>
-          <a:p>
-            <a:pPr marL="180000" lvl="1" indent="0">
-              <a:buNone/>
-            </a:pPr>
-            <a:r>
-              <a:rPr lang="en-US" dirty="0">
-                <a:latin typeface="Consolas" panose="020B0609020204030204" pitchFamily="49" charset="0"/>
-              </a:rPr>
-              <a:t>	“item 1”: “</a:t>
-            </a:r>
-            <a:r>
-              <a:rPr lang="en-US" dirty="0" err="1">
-                <a:latin typeface="Consolas" panose="020B0609020204030204" pitchFamily="49" charset="0"/>
-              </a:rPr>
-              <a:t>Hond</a:t>
-            </a:r>
-            <a:r>
-              <a:rPr lang="en-US" dirty="0">
-                <a:latin typeface="Consolas" panose="020B0609020204030204" pitchFamily="49" charset="0"/>
-              </a:rPr>
-              <a:t> </a:t>
-            </a:r>
-            <a:r>
-              <a:rPr lang="en-US" dirty="0" err="1">
-                <a:latin typeface="Consolas" panose="020B0609020204030204" pitchFamily="49" charset="0"/>
-              </a:rPr>
-              <a:t>uitlaten</a:t>
-            </a:r>
-            <a:r>
-              <a:rPr lang="en-US" dirty="0">
-                <a:latin typeface="Consolas" panose="020B0609020204030204" pitchFamily="49" charset="0"/>
-              </a:rPr>
-              <a:t>”,</a:t>
-            </a:r>
-          </a:p>
-          <a:p>
-            <a:pPr marL="180000" lvl="1" indent="0">
-              <a:buNone/>
-            </a:pPr>
-            <a:r>
-              <a:rPr lang="en-US" dirty="0">
-                <a:latin typeface="Consolas" panose="020B0609020204030204" pitchFamily="49" charset="0"/>
-              </a:rPr>
-              <a:t>	“item 2”: “Eten </a:t>
-            </a:r>
-            <a:r>
-              <a:rPr lang="en-US" dirty="0" err="1">
-                <a:latin typeface="Consolas" panose="020B0609020204030204" pitchFamily="49" charset="0"/>
-              </a:rPr>
-              <a:t>maken</a:t>
-            </a:r>
-            <a:r>
-              <a:rPr lang="en-US" dirty="0">
-                <a:latin typeface="Consolas" panose="020B0609020204030204" pitchFamily="49" charset="0"/>
-              </a:rPr>
-              <a:t>”</a:t>
-            </a:r>
-          </a:p>
-          <a:p>
-            <a:pPr marL="180000" lvl="1" indent="0">
-              <a:buNone/>
-            </a:pPr>
-            <a:r>
-              <a:rPr lang="en-US" dirty="0">
-                <a:latin typeface="Consolas" panose="020B0609020204030204" pitchFamily="49" charset="0"/>
-              </a:rPr>
-              <a:t>}</a:t>
-            </a:r>
-            <a:endParaRPr lang="nl-BE" dirty="0">
-              <a:latin typeface="Consolas" panose="020B0609020204030204" pitchFamily="49" charset="0"/>
-            </a:endParaRPr>
-          </a:p>
-          <a:p>
-            <a:pPr marL="180000" lvl="1" indent="0">
-              <a:buNone/>
-            </a:pPr>
-            <a:endParaRPr lang="nl-BE" dirty="0">
-              <a:latin typeface="Consolas" panose="020B0609020204030204" pitchFamily="49" charset="0"/>
-            </a:endParaRPr>
-          </a:p>
-          <a:p>
-            <a:pPr marL="180000" lvl="1" indent="0">
-              <a:buNone/>
-            </a:pPr>
-            <a:r>
-              <a:rPr lang="nl-BE" dirty="0" err="1">
-                <a:latin typeface="Consolas" panose="020B0609020204030204" pitchFamily="49" charset="0"/>
-              </a:rPr>
-              <a:t>localStorage.setItem</a:t>
-            </a:r>
-            <a:r>
-              <a:rPr lang="nl-BE" dirty="0">
-                <a:latin typeface="Consolas" panose="020B0609020204030204" pitchFamily="49" charset="0"/>
-              </a:rPr>
-              <a:t>("</a:t>
-            </a:r>
-            <a:r>
-              <a:rPr lang="nl-BE" dirty="0" err="1">
-                <a:solidFill>
-                  <a:srgbClr val="C00000"/>
-                </a:solidFill>
-                <a:latin typeface="Consolas" panose="020B0609020204030204" pitchFamily="49" charset="0"/>
-              </a:rPr>
-              <a:t>todoData</a:t>
-            </a:r>
-            <a:r>
-              <a:rPr lang="nl-BE" dirty="0">
-                <a:latin typeface="Consolas" panose="020B0609020204030204" pitchFamily="49" charset="0"/>
-              </a:rPr>
-              <a:t>", </a:t>
-            </a:r>
-            <a:r>
-              <a:rPr lang="nl-BE" dirty="0" err="1">
-                <a:solidFill>
-                  <a:srgbClr val="0070C0"/>
-                </a:solidFill>
-                <a:latin typeface="Consolas" panose="020B0609020204030204" pitchFamily="49" charset="0"/>
-              </a:rPr>
-              <a:t>todoItems</a:t>
-            </a:r>
-            <a:r>
-              <a:rPr lang="nl-BE" dirty="0">
-                <a:latin typeface="Consolas" panose="020B0609020204030204" pitchFamily="49" charset="0"/>
-              </a:rPr>
-              <a:t>)</a:t>
-            </a:r>
-          </a:p>
-          <a:p>
-            <a:pPr marL="180000" lvl="1" indent="0">
-              <a:buNone/>
-            </a:pPr>
-            <a:r>
-              <a:rPr lang="nl-BE" dirty="0" err="1">
-                <a:latin typeface="Consolas" panose="020B0609020204030204" pitchFamily="49" charset="0"/>
-              </a:rPr>
-              <a:t>localStorage.getItem</a:t>
-            </a:r>
-            <a:r>
-              <a:rPr lang="nl-BE" dirty="0">
-                <a:latin typeface="Consolas" panose="020B0609020204030204" pitchFamily="49" charset="0"/>
-              </a:rPr>
-              <a:t>("</a:t>
-            </a:r>
-            <a:r>
-              <a:rPr lang="nl-BE" dirty="0" err="1">
-                <a:solidFill>
-                  <a:srgbClr val="B81515"/>
-                </a:solidFill>
-                <a:latin typeface="Consolas" panose="020B0609020204030204" pitchFamily="49" charset="0"/>
-              </a:rPr>
-              <a:t>todoData</a:t>
-            </a:r>
-            <a:r>
-              <a:rPr lang="nl-BE" dirty="0">
-                <a:latin typeface="Consolas" panose="020B0609020204030204" pitchFamily="49" charset="0"/>
-              </a:rPr>
-              <a:t>")</a:t>
-            </a:r>
-          </a:p>
-          <a:p>
-            <a:pPr marL="180000" lvl="1" indent="0">
-              <a:buNone/>
-            </a:pPr>
-            <a:r>
-              <a:rPr lang="nl-BE" dirty="0" err="1">
-                <a:latin typeface="Consolas" panose="020B0609020204030204" pitchFamily="49" charset="0"/>
-              </a:rPr>
-              <a:t>localStorage.removeItem</a:t>
-            </a:r>
-            <a:r>
-              <a:rPr lang="nl-BE" dirty="0">
-                <a:latin typeface="Consolas" panose="020B0609020204030204" pitchFamily="49" charset="0"/>
-              </a:rPr>
-              <a:t>("</a:t>
-            </a:r>
-            <a:r>
-              <a:rPr lang="nl-BE" dirty="0" err="1">
-                <a:solidFill>
-                  <a:srgbClr val="B81515"/>
-                </a:solidFill>
-                <a:latin typeface="Consolas" panose="020B0609020204030204" pitchFamily="49" charset="0"/>
-              </a:rPr>
-              <a:t>todoData</a:t>
-            </a:r>
-            <a:r>
-              <a:rPr lang="nl-BE" dirty="0">
-                <a:latin typeface="Consolas" panose="020B0609020204030204" pitchFamily="49" charset="0"/>
-              </a:rPr>
-              <a:t>")</a:t>
-            </a:r>
-          </a:p>
-          <a:p>
-            <a:pPr lvl="1"/>
-            <a:endParaRPr lang="nl-BE" dirty="0">
-              <a:latin typeface="Consolas" panose="020B0609020204030204" pitchFamily="49" charset="0"/>
-            </a:endParaRPr>
-          </a:p>
-        </p:txBody>
-      </p:sp>
-      <p:sp>
-        <p:nvSpPr>
           <p:cNvPr id="4" name="Tijdelijke aanduiding voor voettekst 3">
             <a:extLst>
               <a:ext uri="{FF2B5EF4-FFF2-40B4-BE49-F238E27FC236}">
@@ -7372,6 +7131,701 @@
               <a:rPr lang="nl-BE" dirty="0"/>
               <a:t> storage</a:t>
             </a:r>
+          </a:p>
+        </p:txBody>
+      </p:sp>
+      <p:sp>
+        <p:nvSpPr>
+          <p:cNvPr id="9" name="TextBox 8">
+            <a:extLst>
+              <a:ext uri="{FF2B5EF4-FFF2-40B4-BE49-F238E27FC236}">
+                <a16:creationId xmlns:a16="http://schemas.microsoft.com/office/drawing/2014/main" id="{EE886CE6-9A70-478D-B560-4EB23C2497D3}"/>
+              </a:ext>
+            </a:extLst>
+          </p:cNvPr>
+          <p:cNvSpPr txBox="1"/>
+          <p:nvPr/>
+        </p:nvSpPr>
+        <p:spPr>
+          <a:xfrm>
+            <a:off x="1015068" y="1659285"/>
+            <a:ext cx="10586905" cy="3785652"/>
+          </a:xfrm>
+          <a:prstGeom prst="rect">
+            <a:avLst/>
+          </a:prstGeom>
+          <a:noFill/>
+        </p:spPr>
+        <p:txBody>
+          <a:bodyPr wrap="square">
+            <a:spAutoFit/>
+          </a:bodyPr>
+          <a:lstStyle/>
+          <a:p>
+            <a:r>
+              <a:rPr lang="nl-BE" sz="2400" b="0" dirty="0">
+                <a:solidFill>
+                  <a:srgbClr val="7A3E9D"/>
+                </a:solidFill>
+                <a:effectLst/>
+                <a:latin typeface="Consolas" panose="020B0609020204030204" pitchFamily="49" charset="0"/>
+              </a:rPr>
+              <a:t>let</a:t>
+            </a:r>
+            <a:r>
+              <a:rPr lang="nl-BE" sz="2400" b="0" dirty="0">
+                <a:solidFill>
+                  <a:srgbClr val="333333"/>
+                </a:solidFill>
+                <a:effectLst/>
+                <a:latin typeface="Consolas" panose="020B0609020204030204" pitchFamily="49" charset="0"/>
+              </a:rPr>
+              <a:t> </a:t>
+            </a:r>
+            <a:r>
+              <a:rPr lang="nl-BE" sz="2400" b="0" dirty="0" err="1">
+                <a:solidFill>
+                  <a:srgbClr val="7A3E9D"/>
+                </a:solidFill>
+                <a:effectLst/>
+                <a:latin typeface="Consolas" panose="020B0609020204030204" pitchFamily="49" charset="0"/>
+              </a:rPr>
+              <a:t>todoItems</a:t>
+            </a:r>
+            <a:r>
+              <a:rPr lang="nl-BE" sz="2400" b="0" dirty="0">
+                <a:solidFill>
+                  <a:srgbClr val="333333"/>
+                </a:solidFill>
+                <a:effectLst/>
+                <a:latin typeface="Consolas" panose="020B0609020204030204" pitchFamily="49" charset="0"/>
+              </a:rPr>
+              <a:t> </a:t>
+            </a:r>
+            <a:r>
+              <a:rPr lang="nl-BE" sz="2400" b="0" dirty="0">
+                <a:solidFill>
+                  <a:srgbClr val="777777"/>
+                </a:solidFill>
+                <a:effectLst/>
+                <a:latin typeface="Consolas" panose="020B0609020204030204" pitchFamily="49" charset="0"/>
+              </a:rPr>
+              <a:t>=</a:t>
+            </a:r>
+            <a:r>
+              <a:rPr lang="nl-BE" sz="2400" b="0" dirty="0">
+                <a:solidFill>
+                  <a:srgbClr val="333333"/>
+                </a:solidFill>
+                <a:effectLst/>
+                <a:latin typeface="Consolas" panose="020B0609020204030204" pitchFamily="49" charset="0"/>
+              </a:rPr>
+              <a:t> </a:t>
+            </a:r>
+            <a:r>
+              <a:rPr lang="nl-BE" sz="2400" b="0" dirty="0">
+                <a:solidFill>
+                  <a:srgbClr val="777777"/>
+                </a:solidFill>
+                <a:effectLst/>
+                <a:latin typeface="Consolas" panose="020B0609020204030204" pitchFamily="49" charset="0"/>
+              </a:rPr>
+              <a:t>{</a:t>
+            </a:r>
+            <a:endParaRPr lang="nl-BE" sz="2400" b="0" dirty="0">
+              <a:solidFill>
+                <a:srgbClr val="333333"/>
+              </a:solidFill>
+              <a:effectLst/>
+              <a:latin typeface="Consolas" panose="020B0609020204030204" pitchFamily="49" charset="0"/>
+            </a:endParaRPr>
+          </a:p>
+          <a:p>
+            <a:r>
+              <a:rPr lang="nl-BE" sz="2400" b="0" dirty="0">
+                <a:solidFill>
+                  <a:srgbClr val="333333"/>
+                </a:solidFill>
+                <a:effectLst/>
+                <a:latin typeface="Consolas" panose="020B0609020204030204" pitchFamily="49" charset="0"/>
+              </a:rPr>
+              <a:t>  </a:t>
+            </a:r>
+            <a:r>
+              <a:rPr lang="nl-BE" sz="2400" b="0" dirty="0">
+                <a:solidFill>
+                  <a:srgbClr val="7A3E9D"/>
+                </a:solidFill>
+                <a:effectLst/>
+                <a:latin typeface="Consolas" panose="020B0609020204030204" pitchFamily="49" charset="0"/>
+              </a:rPr>
+              <a:t>item_1</a:t>
+            </a:r>
+            <a:r>
+              <a:rPr lang="nl-BE" sz="2400" b="0" dirty="0">
+                <a:solidFill>
+                  <a:srgbClr val="777777"/>
+                </a:solidFill>
+                <a:effectLst/>
+                <a:latin typeface="Consolas" panose="020B0609020204030204" pitchFamily="49" charset="0"/>
+              </a:rPr>
+              <a:t>:</a:t>
+            </a:r>
+            <a:r>
+              <a:rPr lang="nl-BE" sz="2400" b="0" dirty="0">
+                <a:solidFill>
+                  <a:srgbClr val="333333"/>
+                </a:solidFill>
+                <a:effectLst/>
+                <a:latin typeface="Consolas" panose="020B0609020204030204" pitchFamily="49" charset="0"/>
+              </a:rPr>
+              <a:t> </a:t>
+            </a:r>
+            <a:r>
+              <a:rPr lang="nl-BE" sz="2400" b="0" dirty="0">
+                <a:solidFill>
+                  <a:srgbClr val="777777"/>
+                </a:solidFill>
+                <a:effectLst/>
+                <a:latin typeface="Consolas" panose="020B0609020204030204" pitchFamily="49" charset="0"/>
+              </a:rPr>
+              <a:t>"</a:t>
+            </a:r>
+            <a:r>
+              <a:rPr lang="nl-BE" sz="2400" b="0" dirty="0">
+                <a:solidFill>
+                  <a:srgbClr val="448C27"/>
+                </a:solidFill>
+                <a:effectLst/>
+                <a:latin typeface="Consolas" panose="020B0609020204030204" pitchFamily="49" charset="0"/>
+              </a:rPr>
+              <a:t>Hond uitlaten</a:t>
+            </a:r>
+            <a:r>
+              <a:rPr lang="nl-BE" sz="2400" b="0" dirty="0">
+                <a:solidFill>
+                  <a:srgbClr val="777777"/>
+                </a:solidFill>
+                <a:effectLst/>
+                <a:latin typeface="Consolas" panose="020B0609020204030204" pitchFamily="49" charset="0"/>
+              </a:rPr>
+              <a:t>",</a:t>
+            </a:r>
+            <a:endParaRPr lang="nl-BE" sz="2400" b="0" dirty="0">
+              <a:solidFill>
+                <a:srgbClr val="333333"/>
+              </a:solidFill>
+              <a:effectLst/>
+              <a:latin typeface="Consolas" panose="020B0609020204030204" pitchFamily="49" charset="0"/>
+            </a:endParaRPr>
+          </a:p>
+          <a:p>
+            <a:r>
+              <a:rPr lang="nl-BE" sz="2400" b="0" dirty="0">
+                <a:solidFill>
+                  <a:srgbClr val="333333"/>
+                </a:solidFill>
+                <a:effectLst/>
+                <a:latin typeface="Consolas" panose="020B0609020204030204" pitchFamily="49" charset="0"/>
+              </a:rPr>
+              <a:t>  </a:t>
+            </a:r>
+            <a:r>
+              <a:rPr lang="nl-BE" sz="2400" b="0" dirty="0">
+                <a:solidFill>
+                  <a:srgbClr val="7A3E9D"/>
+                </a:solidFill>
+                <a:effectLst/>
+                <a:latin typeface="Consolas" panose="020B0609020204030204" pitchFamily="49" charset="0"/>
+              </a:rPr>
+              <a:t>item_2</a:t>
+            </a:r>
+            <a:r>
+              <a:rPr lang="nl-BE" sz="2400" b="0" dirty="0">
+                <a:solidFill>
+                  <a:srgbClr val="777777"/>
+                </a:solidFill>
+                <a:effectLst/>
+                <a:latin typeface="Consolas" panose="020B0609020204030204" pitchFamily="49" charset="0"/>
+              </a:rPr>
+              <a:t>:</a:t>
+            </a:r>
+            <a:r>
+              <a:rPr lang="nl-BE" sz="2400" b="0" dirty="0">
+                <a:solidFill>
+                  <a:srgbClr val="333333"/>
+                </a:solidFill>
+                <a:effectLst/>
+                <a:latin typeface="Consolas" panose="020B0609020204030204" pitchFamily="49" charset="0"/>
+              </a:rPr>
+              <a:t> </a:t>
+            </a:r>
+            <a:r>
+              <a:rPr lang="nl-BE" sz="2400" b="0" dirty="0">
+                <a:solidFill>
+                  <a:srgbClr val="777777"/>
+                </a:solidFill>
+                <a:effectLst/>
+                <a:latin typeface="Consolas" panose="020B0609020204030204" pitchFamily="49" charset="0"/>
+              </a:rPr>
+              <a:t>"</a:t>
+            </a:r>
+            <a:r>
+              <a:rPr lang="nl-BE" sz="2400" b="0" dirty="0">
+                <a:solidFill>
+                  <a:srgbClr val="448C27"/>
+                </a:solidFill>
+                <a:effectLst/>
+                <a:latin typeface="Consolas" panose="020B0609020204030204" pitchFamily="49" charset="0"/>
+              </a:rPr>
+              <a:t>Eten maken</a:t>
+            </a:r>
+            <a:r>
+              <a:rPr lang="nl-BE" sz="2400" b="0" dirty="0">
+                <a:solidFill>
+                  <a:srgbClr val="777777"/>
+                </a:solidFill>
+                <a:effectLst/>
+                <a:latin typeface="Consolas" panose="020B0609020204030204" pitchFamily="49" charset="0"/>
+              </a:rPr>
+              <a:t>"</a:t>
+            </a:r>
+            <a:endParaRPr lang="nl-BE" sz="2400" b="0" dirty="0">
+              <a:solidFill>
+                <a:srgbClr val="333333"/>
+              </a:solidFill>
+              <a:effectLst/>
+              <a:latin typeface="Consolas" panose="020B0609020204030204" pitchFamily="49" charset="0"/>
+            </a:endParaRPr>
+          </a:p>
+          <a:p>
+            <a:r>
+              <a:rPr lang="nl-BE" sz="2400" b="0" dirty="0">
+                <a:solidFill>
+                  <a:srgbClr val="777777"/>
+                </a:solidFill>
+                <a:effectLst/>
+                <a:latin typeface="Consolas" panose="020B0609020204030204" pitchFamily="49" charset="0"/>
+              </a:rPr>
+              <a:t>}</a:t>
+            </a:r>
+            <a:endParaRPr lang="nl-BE" sz="2400" b="0" dirty="0">
+              <a:solidFill>
+                <a:srgbClr val="333333"/>
+              </a:solidFill>
+              <a:effectLst/>
+              <a:latin typeface="Consolas" panose="020B0609020204030204" pitchFamily="49" charset="0"/>
+            </a:endParaRPr>
+          </a:p>
+          <a:p>
+            <a:br>
+              <a:rPr lang="nl-BE" sz="2400" b="0" dirty="0">
+                <a:solidFill>
+                  <a:srgbClr val="333333"/>
+                </a:solidFill>
+                <a:effectLst/>
+                <a:latin typeface="Consolas" panose="020B0609020204030204" pitchFamily="49" charset="0"/>
+              </a:rPr>
+            </a:br>
+            <a:r>
+              <a:rPr lang="nl-BE" sz="2400" b="0" dirty="0" err="1">
+                <a:solidFill>
+                  <a:srgbClr val="7A3E9D"/>
+                </a:solidFill>
+                <a:effectLst/>
+                <a:latin typeface="Consolas" panose="020B0609020204030204" pitchFamily="49" charset="0"/>
+              </a:rPr>
+              <a:t>localStorage</a:t>
+            </a:r>
+            <a:r>
+              <a:rPr lang="nl-BE" sz="2400" b="0" dirty="0" err="1">
+                <a:solidFill>
+                  <a:srgbClr val="777777"/>
+                </a:solidFill>
+                <a:effectLst/>
+                <a:latin typeface="Consolas" panose="020B0609020204030204" pitchFamily="49" charset="0"/>
+              </a:rPr>
+              <a:t>.</a:t>
+            </a:r>
+            <a:r>
+              <a:rPr lang="nl-BE" sz="2400" b="1" dirty="0" err="1">
+                <a:solidFill>
+                  <a:srgbClr val="AA3731"/>
+                </a:solidFill>
+                <a:effectLst/>
+                <a:latin typeface="Consolas" panose="020B0609020204030204" pitchFamily="49" charset="0"/>
+              </a:rPr>
+              <a:t>setItem</a:t>
+            </a:r>
+            <a:r>
+              <a:rPr lang="nl-BE" sz="2400" b="0" dirty="0">
+                <a:solidFill>
+                  <a:srgbClr val="333333"/>
+                </a:solidFill>
+                <a:effectLst/>
+                <a:latin typeface="Consolas" panose="020B0609020204030204" pitchFamily="49" charset="0"/>
+              </a:rPr>
+              <a:t>(</a:t>
+            </a:r>
+            <a:r>
+              <a:rPr lang="nl-BE" sz="2400" b="0" dirty="0">
+                <a:solidFill>
+                  <a:srgbClr val="777777"/>
+                </a:solidFill>
+                <a:effectLst/>
+                <a:latin typeface="Consolas" panose="020B0609020204030204" pitchFamily="49" charset="0"/>
+              </a:rPr>
+              <a:t>"</a:t>
+            </a:r>
+            <a:r>
+              <a:rPr lang="nl-BE" sz="2400" b="0" dirty="0" err="1">
+                <a:solidFill>
+                  <a:srgbClr val="448C27"/>
+                </a:solidFill>
+                <a:effectLst/>
+                <a:latin typeface="Consolas" panose="020B0609020204030204" pitchFamily="49" charset="0"/>
+              </a:rPr>
+              <a:t>todoData</a:t>
+            </a:r>
+            <a:r>
+              <a:rPr lang="nl-BE" sz="2400" b="0" dirty="0">
+                <a:solidFill>
+                  <a:srgbClr val="777777"/>
+                </a:solidFill>
+                <a:effectLst/>
+                <a:latin typeface="Consolas" panose="020B0609020204030204" pitchFamily="49" charset="0"/>
+              </a:rPr>
+              <a:t>",</a:t>
+            </a:r>
+            <a:r>
+              <a:rPr lang="nl-BE" sz="2400" b="0" dirty="0">
+                <a:solidFill>
+                  <a:srgbClr val="333333"/>
+                </a:solidFill>
+                <a:effectLst/>
+                <a:latin typeface="Consolas" panose="020B0609020204030204" pitchFamily="49" charset="0"/>
+              </a:rPr>
+              <a:t> </a:t>
+            </a:r>
+            <a:r>
+              <a:rPr lang="nl-BE" sz="2400" b="0" dirty="0" err="1">
+                <a:solidFill>
+                  <a:srgbClr val="7A3E9D"/>
+                </a:solidFill>
+                <a:effectLst/>
+                <a:latin typeface="Consolas" panose="020B0609020204030204" pitchFamily="49" charset="0"/>
+              </a:rPr>
+              <a:t>JSON</a:t>
+            </a:r>
+            <a:r>
+              <a:rPr lang="nl-BE" sz="2400" b="0" dirty="0" err="1">
+                <a:solidFill>
+                  <a:srgbClr val="777777"/>
+                </a:solidFill>
+                <a:effectLst/>
+                <a:latin typeface="Consolas" panose="020B0609020204030204" pitchFamily="49" charset="0"/>
+              </a:rPr>
+              <a:t>.</a:t>
+            </a:r>
+            <a:r>
+              <a:rPr lang="nl-BE" sz="2400" b="1" dirty="0" err="1">
+                <a:solidFill>
+                  <a:srgbClr val="AA3731"/>
+                </a:solidFill>
+                <a:effectLst/>
+                <a:latin typeface="Consolas" panose="020B0609020204030204" pitchFamily="49" charset="0"/>
+              </a:rPr>
+              <a:t>stringify</a:t>
+            </a:r>
+            <a:r>
+              <a:rPr lang="nl-BE" sz="2400" b="0" dirty="0">
+                <a:solidFill>
+                  <a:srgbClr val="333333"/>
+                </a:solidFill>
+                <a:effectLst/>
+                <a:latin typeface="Consolas" panose="020B0609020204030204" pitchFamily="49" charset="0"/>
+              </a:rPr>
+              <a:t>(</a:t>
+            </a:r>
+            <a:r>
+              <a:rPr lang="nl-BE" sz="2400" b="0" dirty="0" err="1">
+                <a:solidFill>
+                  <a:srgbClr val="7A3E9D"/>
+                </a:solidFill>
+                <a:effectLst/>
+                <a:latin typeface="Consolas" panose="020B0609020204030204" pitchFamily="49" charset="0"/>
+              </a:rPr>
+              <a:t>todoItems</a:t>
+            </a:r>
+            <a:r>
+              <a:rPr lang="nl-BE" sz="2400" b="0" dirty="0">
+                <a:solidFill>
+                  <a:srgbClr val="333333"/>
+                </a:solidFill>
+                <a:effectLst/>
+                <a:latin typeface="Consolas" panose="020B0609020204030204" pitchFamily="49" charset="0"/>
+              </a:rPr>
+              <a:t>))</a:t>
+            </a:r>
+            <a:r>
+              <a:rPr lang="nl-BE" sz="2400" b="0" dirty="0">
+                <a:solidFill>
+                  <a:srgbClr val="777777"/>
+                </a:solidFill>
+                <a:effectLst/>
+                <a:latin typeface="Consolas" panose="020B0609020204030204" pitchFamily="49" charset="0"/>
+              </a:rPr>
+              <a:t>;</a:t>
+            </a:r>
+          </a:p>
+          <a:p>
+            <a:endParaRPr lang="nl-BE" sz="2400" b="0" dirty="0">
+              <a:solidFill>
+                <a:srgbClr val="333333"/>
+              </a:solidFill>
+              <a:effectLst/>
+              <a:latin typeface="Consolas" panose="020B0609020204030204" pitchFamily="49" charset="0"/>
+            </a:endParaRPr>
+          </a:p>
+          <a:p>
+            <a:r>
+              <a:rPr lang="nl-BE" sz="2400" b="0" dirty="0" err="1">
+                <a:solidFill>
+                  <a:srgbClr val="7A3E9D"/>
+                </a:solidFill>
+                <a:effectLst/>
+                <a:latin typeface="Consolas" panose="020B0609020204030204" pitchFamily="49" charset="0"/>
+              </a:rPr>
+              <a:t>JSON</a:t>
+            </a:r>
+            <a:r>
+              <a:rPr lang="nl-BE" sz="2400" b="0" dirty="0" err="1">
+                <a:solidFill>
+                  <a:srgbClr val="777777"/>
+                </a:solidFill>
+                <a:effectLst/>
+                <a:latin typeface="Consolas" panose="020B0609020204030204" pitchFamily="49" charset="0"/>
+              </a:rPr>
+              <a:t>.</a:t>
+            </a:r>
+            <a:r>
+              <a:rPr lang="nl-BE" sz="2400" b="1" dirty="0" err="1">
+                <a:solidFill>
+                  <a:srgbClr val="AA3731"/>
+                </a:solidFill>
+                <a:effectLst/>
+                <a:latin typeface="Consolas" panose="020B0609020204030204" pitchFamily="49" charset="0"/>
+              </a:rPr>
+              <a:t>parse</a:t>
+            </a:r>
+            <a:r>
+              <a:rPr lang="nl-BE" sz="2400" b="0" dirty="0">
+                <a:solidFill>
+                  <a:srgbClr val="333333"/>
+                </a:solidFill>
+                <a:effectLst/>
+                <a:latin typeface="Consolas" panose="020B0609020204030204" pitchFamily="49" charset="0"/>
+              </a:rPr>
+              <a:t>(</a:t>
+            </a:r>
+            <a:r>
+              <a:rPr lang="nl-BE" sz="2400" b="0" dirty="0" err="1">
+                <a:solidFill>
+                  <a:srgbClr val="7A3E9D"/>
+                </a:solidFill>
+                <a:effectLst/>
+                <a:latin typeface="Consolas" panose="020B0609020204030204" pitchFamily="49" charset="0"/>
+              </a:rPr>
+              <a:t>localStorage</a:t>
+            </a:r>
+            <a:r>
+              <a:rPr lang="nl-BE" sz="2400" b="0" dirty="0" err="1">
+                <a:solidFill>
+                  <a:srgbClr val="777777"/>
+                </a:solidFill>
+                <a:effectLst/>
+                <a:latin typeface="Consolas" panose="020B0609020204030204" pitchFamily="49" charset="0"/>
+              </a:rPr>
+              <a:t>.</a:t>
+            </a:r>
+            <a:r>
+              <a:rPr lang="nl-BE" sz="2400" b="1" dirty="0" err="1">
+                <a:solidFill>
+                  <a:srgbClr val="AA3731"/>
+                </a:solidFill>
+                <a:effectLst/>
+                <a:latin typeface="Consolas" panose="020B0609020204030204" pitchFamily="49" charset="0"/>
+              </a:rPr>
+              <a:t>getItem</a:t>
+            </a:r>
+            <a:r>
+              <a:rPr lang="nl-BE" sz="2400" b="0" dirty="0">
+                <a:solidFill>
+                  <a:srgbClr val="333333"/>
+                </a:solidFill>
+                <a:effectLst/>
+                <a:latin typeface="Consolas" panose="020B0609020204030204" pitchFamily="49" charset="0"/>
+              </a:rPr>
+              <a:t>(</a:t>
+            </a:r>
+            <a:r>
+              <a:rPr lang="nl-BE" sz="2400" b="0" dirty="0">
+                <a:solidFill>
+                  <a:srgbClr val="777777"/>
+                </a:solidFill>
+                <a:effectLst/>
+                <a:latin typeface="Consolas" panose="020B0609020204030204" pitchFamily="49" charset="0"/>
+              </a:rPr>
+              <a:t>"</a:t>
+            </a:r>
+            <a:r>
+              <a:rPr lang="nl-BE" sz="2400" b="0" dirty="0" err="1">
+                <a:solidFill>
+                  <a:srgbClr val="448C27"/>
+                </a:solidFill>
+                <a:effectLst/>
+                <a:latin typeface="Consolas" panose="020B0609020204030204" pitchFamily="49" charset="0"/>
+              </a:rPr>
+              <a:t>todoData</a:t>
+            </a:r>
+            <a:r>
+              <a:rPr lang="nl-BE" sz="2400" b="0" dirty="0">
+                <a:solidFill>
+                  <a:srgbClr val="777777"/>
+                </a:solidFill>
+                <a:effectLst/>
+                <a:latin typeface="Consolas" panose="020B0609020204030204" pitchFamily="49" charset="0"/>
+              </a:rPr>
+              <a:t>"</a:t>
+            </a:r>
+            <a:r>
+              <a:rPr lang="nl-BE" sz="2400" b="0" dirty="0">
+                <a:solidFill>
+                  <a:srgbClr val="333333"/>
+                </a:solidFill>
+                <a:effectLst/>
+                <a:latin typeface="Consolas" panose="020B0609020204030204" pitchFamily="49" charset="0"/>
+              </a:rPr>
+              <a:t>))</a:t>
+            </a:r>
+            <a:r>
+              <a:rPr lang="nl-BE" sz="2400" b="0" dirty="0">
+                <a:solidFill>
+                  <a:srgbClr val="777777"/>
+                </a:solidFill>
+                <a:effectLst/>
+                <a:latin typeface="Consolas" panose="020B0609020204030204" pitchFamily="49" charset="0"/>
+              </a:rPr>
+              <a:t>;</a:t>
+            </a:r>
+          </a:p>
+          <a:p>
+            <a:endParaRPr lang="nl-BE" sz="2400" b="0" dirty="0">
+              <a:solidFill>
+                <a:srgbClr val="333333"/>
+              </a:solidFill>
+              <a:effectLst/>
+              <a:latin typeface="Consolas" panose="020B0609020204030204" pitchFamily="49" charset="0"/>
+            </a:endParaRPr>
+          </a:p>
+          <a:p>
+            <a:r>
+              <a:rPr lang="nl-BE" sz="2400" b="0" dirty="0" err="1">
+                <a:solidFill>
+                  <a:srgbClr val="7A3E9D"/>
+                </a:solidFill>
+                <a:effectLst/>
+                <a:latin typeface="Consolas" panose="020B0609020204030204" pitchFamily="49" charset="0"/>
+              </a:rPr>
+              <a:t>localStorage</a:t>
+            </a:r>
+            <a:r>
+              <a:rPr lang="nl-BE" sz="2400" b="0" dirty="0" err="1">
+                <a:solidFill>
+                  <a:srgbClr val="777777"/>
+                </a:solidFill>
+                <a:effectLst/>
+                <a:latin typeface="Consolas" panose="020B0609020204030204" pitchFamily="49" charset="0"/>
+              </a:rPr>
+              <a:t>.</a:t>
+            </a:r>
+            <a:r>
+              <a:rPr lang="nl-BE" sz="2400" b="1" dirty="0" err="1">
+                <a:solidFill>
+                  <a:srgbClr val="AA3731"/>
+                </a:solidFill>
+                <a:effectLst/>
+                <a:latin typeface="Consolas" panose="020B0609020204030204" pitchFamily="49" charset="0"/>
+              </a:rPr>
+              <a:t>removeItem</a:t>
+            </a:r>
+            <a:r>
+              <a:rPr lang="nl-BE" sz="2400" b="0" dirty="0">
+                <a:solidFill>
+                  <a:srgbClr val="333333"/>
+                </a:solidFill>
+                <a:effectLst/>
+                <a:latin typeface="Consolas" panose="020B0609020204030204" pitchFamily="49" charset="0"/>
+              </a:rPr>
+              <a:t>(</a:t>
+            </a:r>
+            <a:r>
+              <a:rPr lang="nl-BE" sz="2400" b="0" dirty="0">
+                <a:solidFill>
+                  <a:srgbClr val="777777"/>
+                </a:solidFill>
+                <a:effectLst/>
+                <a:latin typeface="Consolas" panose="020B0609020204030204" pitchFamily="49" charset="0"/>
+              </a:rPr>
+              <a:t>"</a:t>
+            </a:r>
+            <a:r>
+              <a:rPr lang="nl-BE" sz="2400" b="0" dirty="0" err="1">
+                <a:solidFill>
+                  <a:srgbClr val="448C27"/>
+                </a:solidFill>
+                <a:effectLst/>
+                <a:latin typeface="Consolas" panose="020B0609020204030204" pitchFamily="49" charset="0"/>
+              </a:rPr>
+              <a:t>todoData</a:t>
+            </a:r>
+            <a:r>
+              <a:rPr lang="nl-BE" sz="2400" b="0" dirty="0">
+                <a:solidFill>
+                  <a:srgbClr val="777777"/>
+                </a:solidFill>
+                <a:effectLst/>
+                <a:latin typeface="Consolas" panose="020B0609020204030204" pitchFamily="49" charset="0"/>
+              </a:rPr>
+              <a:t>"</a:t>
+            </a:r>
+            <a:r>
+              <a:rPr lang="nl-BE" sz="2400" b="0" dirty="0">
+                <a:solidFill>
+                  <a:srgbClr val="333333"/>
+                </a:solidFill>
+                <a:effectLst/>
+                <a:latin typeface="Consolas" panose="020B0609020204030204" pitchFamily="49" charset="0"/>
+              </a:rPr>
+              <a:t>)</a:t>
+            </a:r>
+            <a:r>
+              <a:rPr lang="nl-BE" sz="2400" b="0" dirty="0">
+                <a:solidFill>
+                  <a:srgbClr val="777777"/>
+                </a:solidFill>
+                <a:effectLst/>
+                <a:latin typeface="Consolas" panose="020B0609020204030204" pitchFamily="49" charset="0"/>
+              </a:rPr>
+              <a:t>;</a:t>
+            </a:r>
+            <a:endParaRPr lang="nl-BE" sz="2400" b="0" dirty="0">
+              <a:solidFill>
+                <a:srgbClr val="333333"/>
+              </a:solidFill>
+              <a:effectLst/>
+              <a:latin typeface="Consolas" panose="020B0609020204030204" pitchFamily="49" charset="0"/>
+            </a:endParaRPr>
           </a:p>
         </p:txBody>
       </p:sp>
